--- a/BaroAngEditor/BaroAngEditor/mods/Lines.pptx
+++ b/BaroAngEditor/BaroAngEditor/mods/Lines.pptx
@@ -12,8 +12,8 @@
     <p:sldId id="257" r:id="rId3"/>
     <p:sldId id="259" r:id="rId4"/>
     <p:sldId id="258" r:id="rId5"/>
-    <p:sldId id="263" r:id="rId6"/>
-    <p:sldId id="260" r:id="rId7"/>
+    <p:sldId id="260" r:id="rId6"/>
+    <p:sldId id="263" r:id="rId7"/>
     <p:sldId id="265" r:id="rId8"/>
     <p:sldId id="264" r:id="rId9"/>
   </p:sldIdLst>
@@ -207,7 +207,7 @@
           <a:p>
             <a:fld id="{F0D6F240-792E-4744-907A-4AD372E8111A}" type="datetimeFigureOut">
               <a:rPr lang="zh-CN" altLang="en-US" smtClean="0"/>
-              <a:t>2023/7/18</a:t>
+              <a:t>2023/7/24</a:t>
             </a:fld>
             <a:endParaRPr lang="zh-CN" altLang="en-US"/>
           </a:p>
@@ -633,7 +633,7 @@
     </p:spTree>
     <p:extLst>
       <p:ext uri="{BB962C8B-B14F-4D97-AF65-F5344CB8AC3E}">
-        <p14:creationId xmlns:p14="http://schemas.microsoft.com/office/powerpoint/2010/main" val="1463824725"/>
+        <p14:creationId xmlns:p14="http://schemas.microsoft.com/office/powerpoint/2010/main" val="989840661"/>
       </p:ext>
     </p:extLst>
   </p:cSld>
@@ -717,7 +717,7 @@
     </p:spTree>
     <p:extLst>
       <p:ext uri="{BB962C8B-B14F-4D97-AF65-F5344CB8AC3E}">
-        <p14:creationId xmlns:p14="http://schemas.microsoft.com/office/powerpoint/2010/main" val="989840661"/>
+        <p14:creationId xmlns:p14="http://schemas.microsoft.com/office/powerpoint/2010/main" val="1463824725"/>
       </p:ext>
     </p:extLst>
   </p:cSld>
@@ -1026,7 +1026,7 @@
           <a:p>
             <a:fld id="{EC490B39-3A65-4F7E-9267-FA0838AB48F0}" type="datetimeFigureOut">
               <a:rPr lang="zh-CN" altLang="en-US" smtClean="0"/>
-              <a:t>2023/7/18</a:t>
+              <a:t>2023/7/24</a:t>
             </a:fld>
             <a:endParaRPr lang="zh-CN" altLang="en-US"/>
           </a:p>
@@ -1196,7 +1196,7 @@
           <a:p>
             <a:fld id="{EC490B39-3A65-4F7E-9267-FA0838AB48F0}" type="datetimeFigureOut">
               <a:rPr lang="zh-CN" altLang="en-US" smtClean="0"/>
-              <a:t>2023/7/18</a:t>
+              <a:t>2023/7/24</a:t>
             </a:fld>
             <a:endParaRPr lang="zh-CN" altLang="en-US"/>
           </a:p>
@@ -1376,7 +1376,7 @@
           <a:p>
             <a:fld id="{EC490B39-3A65-4F7E-9267-FA0838AB48F0}" type="datetimeFigureOut">
               <a:rPr lang="zh-CN" altLang="en-US" smtClean="0"/>
-              <a:t>2023/7/18</a:t>
+              <a:t>2023/7/24</a:t>
             </a:fld>
             <a:endParaRPr lang="zh-CN" altLang="en-US"/>
           </a:p>
@@ -1546,7 +1546,7 @@
           <a:p>
             <a:fld id="{EC490B39-3A65-4F7E-9267-FA0838AB48F0}" type="datetimeFigureOut">
               <a:rPr lang="zh-CN" altLang="en-US" smtClean="0"/>
-              <a:t>2023/7/18</a:t>
+              <a:t>2023/7/24</a:t>
             </a:fld>
             <a:endParaRPr lang="zh-CN" altLang="en-US"/>
           </a:p>
@@ -1792,7 +1792,7 @@
           <a:p>
             <a:fld id="{EC490B39-3A65-4F7E-9267-FA0838AB48F0}" type="datetimeFigureOut">
               <a:rPr lang="zh-CN" altLang="en-US" smtClean="0"/>
-              <a:t>2023/7/18</a:t>
+              <a:t>2023/7/24</a:t>
             </a:fld>
             <a:endParaRPr lang="zh-CN" altLang="en-US"/>
           </a:p>
@@ -2024,7 +2024,7 @@
           <a:p>
             <a:fld id="{EC490B39-3A65-4F7E-9267-FA0838AB48F0}" type="datetimeFigureOut">
               <a:rPr lang="zh-CN" altLang="en-US" smtClean="0"/>
-              <a:t>2023/7/18</a:t>
+              <a:t>2023/7/24</a:t>
             </a:fld>
             <a:endParaRPr lang="zh-CN" altLang="en-US"/>
           </a:p>
@@ -2391,7 +2391,7 @@
           <a:p>
             <a:fld id="{EC490B39-3A65-4F7E-9267-FA0838AB48F0}" type="datetimeFigureOut">
               <a:rPr lang="zh-CN" altLang="en-US" smtClean="0"/>
-              <a:t>2023/7/18</a:t>
+              <a:t>2023/7/24</a:t>
             </a:fld>
             <a:endParaRPr lang="zh-CN" altLang="en-US"/>
           </a:p>
@@ -2509,7 +2509,7 @@
           <a:p>
             <a:fld id="{EC490B39-3A65-4F7E-9267-FA0838AB48F0}" type="datetimeFigureOut">
               <a:rPr lang="zh-CN" altLang="en-US" smtClean="0"/>
-              <a:t>2023/7/18</a:t>
+              <a:t>2023/7/24</a:t>
             </a:fld>
             <a:endParaRPr lang="zh-CN" altLang="en-US"/>
           </a:p>
@@ -2604,7 +2604,7 @@
           <a:p>
             <a:fld id="{EC490B39-3A65-4F7E-9267-FA0838AB48F0}" type="datetimeFigureOut">
               <a:rPr lang="zh-CN" altLang="en-US" smtClean="0"/>
-              <a:t>2023/7/18</a:t>
+              <a:t>2023/7/24</a:t>
             </a:fld>
             <a:endParaRPr lang="zh-CN" altLang="en-US"/>
           </a:p>
@@ -2881,7 +2881,7 @@
           <a:p>
             <a:fld id="{EC490B39-3A65-4F7E-9267-FA0838AB48F0}" type="datetimeFigureOut">
               <a:rPr lang="zh-CN" altLang="en-US" smtClean="0"/>
-              <a:t>2023/7/18</a:t>
+              <a:t>2023/7/24</a:t>
             </a:fld>
             <a:endParaRPr lang="zh-CN" altLang="en-US"/>
           </a:p>
@@ -3134,7 +3134,7 @@
           <a:p>
             <a:fld id="{EC490B39-3A65-4F7E-9267-FA0838AB48F0}" type="datetimeFigureOut">
               <a:rPr lang="zh-CN" altLang="en-US" smtClean="0"/>
-              <a:t>2023/7/18</a:t>
+              <a:t>2023/7/24</a:t>
             </a:fld>
             <a:endParaRPr lang="zh-CN" altLang="en-US"/>
           </a:p>
@@ -3347,7 +3347,7 @@
           <a:p>
             <a:fld id="{EC490B39-3A65-4F7E-9267-FA0838AB48F0}" type="datetimeFigureOut">
               <a:rPr lang="zh-CN" altLang="en-US" smtClean="0"/>
-              <a:t>2023/7/18</a:t>
+              <a:t>2023/7/24</a:t>
             </a:fld>
             <a:endParaRPr lang="zh-CN" altLang="en-US"/>
           </a:p>
@@ -16096,14 +16096,14 @@
       </p:grpSpPr>
       <p:sp>
         <p:nvSpPr>
-          <p:cNvPr id="20" name="矩形 19"/>
+          <p:cNvPr id="2" name="矩形 1"/>
           <p:cNvSpPr/>
           <p:nvPr/>
         </p:nvSpPr>
         <p:spPr>
           <a:xfrm>
-            <a:off x="3546109" y="1797808"/>
-            <a:ext cx="972113" cy="478060"/>
+            <a:off x="2070981" y="3472799"/>
+            <a:ext cx="974369" cy="695178"/>
           </a:xfrm>
           <a:prstGeom prst="rect">
             <a:avLst/>
@@ -16137,12 +16137,499 @@
           <a:p>
             <a:pPr algn="ctr"/>
             <a:r>
+              <a:rPr lang="en-US" altLang="zh-CN" sz="1200" dirty="0" smtClean="0">
+                <a:solidFill>
+                  <a:schemeClr val="tx1"/>
+                </a:solidFill>
+              </a:rPr>
+              <a:t>Delay</a:t>
+            </a:r>
+          </a:p>
+          <a:p>
+            <a:pPr algn="ctr"/>
+            <a:r>
+              <a:rPr lang="en-US" altLang="zh-CN" sz="1200" dirty="0" smtClean="0">
+                <a:solidFill>
+                  <a:schemeClr val="tx1"/>
+                </a:solidFill>
+              </a:rPr>
+              <a:t>(Rest1)</a:t>
+            </a:r>
+          </a:p>
+          <a:p>
+            <a:pPr algn="ctr"/>
+            <a:r>
+              <a:rPr lang="en-US" altLang="zh-CN" sz="1200" dirty="0" smtClean="0">
+                <a:solidFill>
+                  <a:schemeClr val="tx1"/>
+                </a:solidFill>
+              </a:rPr>
+              <a:t>0.05s</a:t>
+            </a:r>
+          </a:p>
+        </p:txBody>
+      </p:sp>
+      <p:sp>
+        <p:nvSpPr>
+          <p:cNvPr id="3" name="矩形 2"/>
+          <p:cNvSpPr/>
+          <p:nvPr/>
+        </p:nvSpPr>
+        <p:spPr>
+          <a:xfrm>
+            <a:off x="1286752" y="2265782"/>
+            <a:ext cx="911503" cy="695178"/>
+          </a:xfrm>
+          <a:prstGeom prst="rect">
+            <a:avLst/>
+          </a:prstGeom>
+          <a:noFill/>
+          <a:ln>
+            <a:solidFill>
+              <a:schemeClr val="tx1"/>
+            </a:solidFill>
+          </a:ln>
+        </p:spPr>
+        <p:style>
+          <a:lnRef idx="2">
+            <a:schemeClr val="accent1">
+              <a:shade val="50000"/>
+            </a:schemeClr>
+          </a:lnRef>
+          <a:fillRef idx="1">
+            <a:schemeClr val="accent1"/>
+          </a:fillRef>
+          <a:effectRef idx="0">
+            <a:schemeClr val="accent1"/>
+          </a:effectRef>
+          <a:fontRef idx="minor">
+            <a:schemeClr val="lt1"/>
+          </a:fontRef>
+        </p:style>
+        <p:txBody>
+          <a:bodyPr rtlCol="0" anchor="ctr"/>
+          <a:lstStyle/>
+          <a:p>
+            <a:pPr algn="ctr"/>
+            <a:r>
+              <a:rPr lang="en-US" altLang="zh-CN" sz="1200" dirty="0" smtClean="0">
+                <a:solidFill>
+                  <a:schemeClr val="tx1"/>
+                </a:solidFill>
+              </a:rPr>
+              <a:t>OR</a:t>
+            </a:r>
+          </a:p>
+          <a:p>
+            <a:pPr algn="ctr"/>
+            <a:r>
+              <a:rPr lang="en-US" altLang="zh-CN" sz="1200" dirty="0" smtClean="0">
+                <a:solidFill>
+                  <a:schemeClr val="tx1"/>
+                </a:solidFill>
+              </a:rPr>
+              <a:t>(1:0)</a:t>
+            </a:r>
+          </a:p>
+          <a:p>
+            <a:pPr algn="ctr"/>
+            <a:r>
+              <a:rPr lang="en-US" altLang="zh-CN" sz="1200" dirty="0" smtClean="0">
+                <a:solidFill>
+                  <a:schemeClr val="tx1"/>
+                </a:solidFill>
+              </a:rPr>
+              <a:t>Time=0.2s</a:t>
+            </a:r>
+            <a:endParaRPr lang="zh-CN" altLang="en-US" sz="1200" dirty="0">
+              <a:solidFill>
+                <a:schemeClr val="tx1"/>
+              </a:solidFill>
+            </a:endParaRPr>
+          </a:p>
+        </p:txBody>
+      </p:sp>
+      <p:cxnSp>
+        <p:nvCxnSpPr>
+          <p:cNvPr id="5" name="直接箭头连接符 4"/>
+          <p:cNvCxnSpPr>
+            <a:stCxn id="2" idx="0"/>
+            <a:endCxn id="3" idx="2"/>
+          </p:cNvCxnSpPr>
+          <p:nvPr/>
+        </p:nvCxnSpPr>
+        <p:spPr>
+          <a:xfrm flipH="1" flipV="1">
+            <a:off x="1742504" y="2960960"/>
+            <a:ext cx="815662" cy="511839"/>
+          </a:xfrm>
+          <a:prstGeom prst="straightConnector1">
+            <a:avLst/>
+          </a:prstGeom>
+          <a:ln>
+            <a:tailEnd type="triangle"/>
+          </a:ln>
+        </p:spPr>
+        <p:style>
+          <a:lnRef idx="1">
+            <a:schemeClr val="accent1"/>
+          </a:lnRef>
+          <a:fillRef idx="0">
+            <a:schemeClr val="accent1"/>
+          </a:fillRef>
+          <a:effectRef idx="0">
+            <a:schemeClr val="accent1"/>
+          </a:effectRef>
+          <a:fontRef idx="minor">
+            <a:schemeClr val="tx1"/>
+          </a:fontRef>
+        </p:style>
+      </p:cxnSp>
+      <p:sp>
+        <p:nvSpPr>
+          <p:cNvPr id="7" name="矩形 6"/>
+          <p:cNvSpPr/>
+          <p:nvPr/>
+        </p:nvSpPr>
+        <p:spPr>
+          <a:xfrm>
+            <a:off x="2987959" y="2265782"/>
+            <a:ext cx="733330" cy="695178"/>
+          </a:xfrm>
+          <a:prstGeom prst="rect">
+            <a:avLst/>
+          </a:prstGeom>
+          <a:noFill/>
+          <a:ln>
+            <a:solidFill>
+              <a:schemeClr val="tx1"/>
+            </a:solidFill>
+          </a:ln>
+        </p:spPr>
+        <p:style>
+          <a:lnRef idx="2">
+            <a:schemeClr val="accent1">
+              <a:shade val="50000"/>
+            </a:schemeClr>
+          </a:lnRef>
+          <a:fillRef idx="1">
+            <a:schemeClr val="accent1"/>
+          </a:fillRef>
+          <a:effectRef idx="0">
+            <a:schemeClr val="accent1"/>
+          </a:effectRef>
+          <a:fontRef idx="minor">
+            <a:schemeClr val="lt1"/>
+          </a:fontRef>
+        </p:style>
+        <p:txBody>
+          <a:bodyPr rtlCol="0" anchor="ctr"/>
+          <a:lstStyle/>
+          <a:p>
+            <a:pPr algn="ctr"/>
+            <a:r>
               <a:rPr lang="en-US" altLang="zh-CN" dirty="0" smtClean="0">
                 <a:solidFill>
                   <a:schemeClr val="tx1"/>
                 </a:solidFill>
               </a:rPr>
-              <a:t>Reactor</a:t>
+              <a:t>Relay</a:t>
+            </a:r>
+          </a:p>
+        </p:txBody>
+      </p:sp>
+      <p:cxnSp>
+        <p:nvCxnSpPr>
+          <p:cNvPr id="9" name="直接箭头连接符 8"/>
+          <p:cNvCxnSpPr>
+            <a:stCxn id="2" idx="0"/>
+            <a:endCxn id="7" idx="1"/>
+          </p:cNvCxnSpPr>
+          <p:nvPr/>
+        </p:nvCxnSpPr>
+        <p:spPr>
+          <a:xfrm flipV="1">
+            <a:off x="2558166" y="2613371"/>
+            <a:ext cx="429793" cy="859428"/>
+          </a:xfrm>
+          <a:prstGeom prst="straightConnector1">
+            <a:avLst/>
+          </a:prstGeom>
+          <a:ln>
+            <a:tailEnd type="triangle"/>
+          </a:ln>
+        </p:spPr>
+        <p:style>
+          <a:lnRef idx="1">
+            <a:schemeClr val="accent1"/>
+          </a:lnRef>
+          <a:fillRef idx="0">
+            <a:schemeClr val="accent1"/>
+          </a:fillRef>
+          <a:effectRef idx="0">
+            <a:schemeClr val="accent1"/>
+          </a:effectRef>
+          <a:fontRef idx="minor">
+            <a:schemeClr val="tx1"/>
+          </a:fontRef>
+        </p:style>
+      </p:cxnSp>
+      <p:cxnSp>
+        <p:nvCxnSpPr>
+          <p:cNvPr id="11" name="直接箭头连接符 10"/>
+          <p:cNvCxnSpPr>
+            <a:stCxn id="3" idx="3"/>
+            <a:endCxn id="7" idx="1"/>
+          </p:cNvCxnSpPr>
+          <p:nvPr/>
+        </p:nvCxnSpPr>
+        <p:spPr>
+          <a:xfrm>
+            <a:off x="2198255" y="2613371"/>
+            <a:ext cx="789704" cy="0"/>
+          </a:xfrm>
+          <a:prstGeom prst="straightConnector1">
+            <a:avLst/>
+          </a:prstGeom>
+          <a:ln>
+            <a:tailEnd type="triangle"/>
+          </a:ln>
+        </p:spPr>
+        <p:style>
+          <a:lnRef idx="1">
+            <a:schemeClr val="accent1"/>
+          </a:lnRef>
+          <a:fillRef idx="0">
+            <a:schemeClr val="accent1"/>
+          </a:fillRef>
+          <a:effectRef idx="0">
+            <a:schemeClr val="accent1"/>
+          </a:effectRef>
+          <a:fontRef idx="minor">
+            <a:schemeClr val="tx1"/>
+          </a:fontRef>
+        </p:style>
+      </p:cxnSp>
+      <p:sp>
+        <p:nvSpPr>
+          <p:cNvPr id="12" name="文本框 11"/>
+          <p:cNvSpPr txBox="1"/>
+          <p:nvPr/>
+        </p:nvSpPr>
+        <p:spPr>
+          <a:xfrm>
+            <a:off x="2155193" y="2275448"/>
+            <a:ext cx="819455" cy="369332"/>
+          </a:xfrm>
+          <a:prstGeom prst="rect">
+            <a:avLst/>
+          </a:prstGeom>
+          <a:noFill/>
+        </p:spPr>
+        <p:txBody>
+          <a:bodyPr wrap="none" rtlCol="0">
+            <a:spAutoFit/>
+          </a:bodyPr>
+          <a:lstStyle/>
+          <a:p>
+            <a:r>
+              <a:rPr lang="en-US" altLang="zh-CN" dirty="0" smtClean="0"/>
+              <a:t>Enable</a:t>
+            </a:r>
+            <a:endParaRPr lang="zh-CN" altLang="en-US" dirty="0"/>
+          </a:p>
+        </p:txBody>
+      </p:sp>
+      <p:sp>
+        <p:nvSpPr>
+          <p:cNvPr id="21" name="矩形 20"/>
+          <p:cNvSpPr/>
+          <p:nvPr/>
+        </p:nvSpPr>
+        <p:spPr>
+          <a:xfrm>
+            <a:off x="4038643" y="2256238"/>
+            <a:ext cx="733330" cy="695178"/>
+          </a:xfrm>
+          <a:prstGeom prst="rect">
+            <a:avLst/>
+          </a:prstGeom>
+          <a:noFill/>
+          <a:ln>
+            <a:solidFill>
+              <a:schemeClr val="tx1"/>
+            </a:solidFill>
+          </a:ln>
+        </p:spPr>
+        <p:style>
+          <a:lnRef idx="2">
+            <a:schemeClr val="accent1">
+              <a:shade val="50000"/>
+            </a:schemeClr>
+          </a:lnRef>
+          <a:fillRef idx="1">
+            <a:schemeClr val="accent1"/>
+          </a:fillRef>
+          <a:effectRef idx="0">
+            <a:schemeClr val="accent1"/>
+          </a:effectRef>
+          <a:fontRef idx="minor">
+            <a:schemeClr val="lt1"/>
+          </a:fontRef>
+        </p:style>
+        <p:txBody>
+          <a:bodyPr rtlCol="0" anchor="ctr"/>
+          <a:lstStyle/>
+          <a:p>
+            <a:pPr algn="ctr"/>
+            <a:r>
+              <a:rPr lang="en-US" altLang="zh-CN" sz="1200" dirty="0" smtClean="0">
+                <a:solidFill>
+                  <a:schemeClr val="tx1"/>
+                </a:solidFill>
+              </a:rPr>
+              <a:t>Or</a:t>
+            </a:r>
+          </a:p>
+          <a:p>
+            <a:pPr algn="ctr"/>
+            <a:r>
+              <a:rPr lang="en-US" altLang="zh-CN" sz="1200" dirty="0" smtClean="0">
+                <a:solidFill>
+                  <a:schemeClr val="tx1"/>
+                </a:solidFill>
+              </a:rPr>
+              <a:t>N-1:null</a:t>
+            </a:r>
+            <a:endParaRPr lang="zh-CN" altLang="en-US" sz="1200" dirty="0">
+              <a:solidFill>
+                <a:schemeClr val="tx1"/>
+              </a:solidFill>
+            </a:endParaRPr>
+          </a:p>
+        </p:txBody>
+      </p:sp>
+      <p:cxnSp>
+        <p:nvCxnSpPr>
+          <p:cNvPr id="44" name="直接箭头连接符 43"/>
+          <p:cNvCxnSpPr>
+            <a:stCxn id="7" idx="3"/>
+            <a:endCxn id="21" idx="1"/>
+          </p:cNvCxnSpPr>
+          <p:nvPr/>
+        </p:nvCxnSpPr>
+        <p:spPr>
+          <a:xfrm flipV="1">
+            <a:off x="3721289" y="2603827"/>
+            <a:ext cx="317354" cy="9544"/>
+          </a:xfrm>
+          <a:prstGeom prst="straightConnector1">
+            <a:avLst/>
+          </a:prstGeom>
+          <a:ln>
+            <a:tailEnd type="triangle"/>
+          </a:ln>
+        </p:spPr>
+        <p:style>
+          <a:lnRef idx="1">
+            <a:schemeClr val="accent1"/>
+          </a:lnRef>
+          <a:fillRef idx="0">
+            <a:schemeClr val="accent1"/>
+          </a:fillRef>
+          <a:effectRef idx="0">
+            <a:schemeClr val="accent1"/>
+          </a:effectRef>
+          <a:fontRef idx="minor">
+            <a:schemeClr val="tx1"/>
+          </a:fontRef>
+        </p:style>
+      </p:cxnSp>
+      <p:cxnSp>
+        <p:nvCxnSpPr>
+          <p:cNvPr id="46" name="直接箭头连接符 45"/>
+          <p:cNvCxnSpPr>
+            <a:stCxn id="2" idx="3"/>
+            <a:endCxn id="52" idx="1"/>
+          </p:cNvCxnSpPr>
+          <p:nvPr/>
+        </p:nvCxnSpPr>
+        <p:spPr>
+          <a:xfrm>
+            <a:off x="3045350" y="3820388"/>
+            <a:ext cx="2227625" cy="0"/>
+          </a:xfrm>
+          <a:prstGeom prst="straightConnector1">
+            <a:avLst/>
+          </a:prstGeom>
+          <a:ln>
+            <a:tailEnd type="triangle"/>
+          </a:ln>
+        </p:spPr>
+        <p:style>
+          <a:lnRef idx="1">
+            <a:schemeClr val="accent1"/>
+          </a:lnRef>
+          <a:fillRef idx="0">
+            <a:schemeClr val="accent1"/>
+          </a:fillRef>
+          <a:effectRef idx="0">
+            <a:schemeClr val="accent1"/>
+          </a:effectRef>
+          <a:fontRef idx="minor">
+            <a:schemeClr val="tx1"/>
+          </a:fontRef>
+        </p:style>
+      </p:cxnSp>
+      <p:sp>
+        <p:nvSpPr>
+          <p:cNvPr id="51" name="矩形 50"/>
+          <p:cNvSpPr/>
+          <p:nvPr/>
+        </p:nvSpPr>
+        <p:spPr>
+          <a:xfrm>
+            <a:off x="5272201" y="2456437"/>
+            <a:ext cx="733330" cy="695178"/>
+          </a:xfrm>
+          <a:prstGeom prst="rect">
+            <a:avLst/>
+          </a:prstGeom>
+          <a:noFill/>
+          <a:ln>
+            <a:solidFill>
+              <a:schemeClr val="tx1"/>
+            </a:solidFill>
+          </a:ln>
+        </p:spPr>
+        <p:style>
+          <a:lnRef idx="2">
+            <a:schemeClr val="accent1">
+              <a:shade val="50000"/>
+            </a:schemeClr>
+          </a:lnRef>
+          <a:fillRef idx="1">
+            <a:schemeClr val="accent1"/>
+          </a:fillRef>
+          <a:effectRef idx="0">
+            <a:schemeClr val="accent1"/>
+          </a:effectRef>
+          <a:fontRef idx="minor">
+            <a:schemeClr val="lt1"/>
+          </a:fontRef>
+        </p:style>
+        <p:txBody>
+          <a:bodyPr rtlCol="0" anchor="ctr"/>
+          <a:lstStyle/>
+          <a:p>
+            <a:pPr algn="ctr"/>
+            <a:r>
+              <a:rPr lang="en-US" altLang="zh-CN" dirty="0" smtClean="0">
+                <a:solidFill>
+                  <a:schemeClr val="tx1"/>
+                </a:solidFill>
+              </a:rPr>
+              <a:t>MEM</a:t>
             </a:r>
             <a:endParaRPr lang="zh-CN" altLang="en-US" dirty="0">
               <a:solidFill>
@@ -16154,14 +16641,14 @@
       </p:sp>
       <p:sp>
         <p:nvSpPr>
-          <p:cNvPr id="38" name="矩形 37"/>
+          <p:cNvPr id="52" name="矩形 51"/>
           <p:cNvSpPr/>
           <p:nvPr/>
         </p:nvSpPr>
         <p:spPr>
           <a:xfrm>
-            <a:off x="7069050" y="1950714"/>
-            <a:ext cx="972113" cy="488326"/>
+            <a:off x="5272975" y="3472799"/>
+            <a:ext cx="733330" cy="695178"/>
           </a:xfrm>
           <a:prstGeom prst="rect">
             <a:avLst/>
@@ -16195,12 +16682,12 @@
           <a:p>
             <a:pPr algn="ctr"/>
             <a:r>
-              <a:rPr lang="en-US" altLang="zh-CN" dirty="0">
+              <a:rPr lang="en-US" altLang="zh-CN" dirty="0" smtClean="0">
                 <a:solidFill>
                   <a:schemeClr val="tx1"/>
                 </a:solidFill>
               </a:rPr>
-              <a:t>Oxygen</a:t>
+              <a:t>+</a:t>
             </a:r>
             <a:endParaRPr lang="zh-CN" altLang="en-US" dirty="0">
               <a:solidFill>
@@ -16210,16 +16697,52 @@
           </a:p>
         </p:txBody>
       </p:sp>
-      <p:sp>
-        <p:nvSpPr>
-          <p:cNvPr id="42" name="矩形 41"/>
+      <p:cxnSp>
+        <p:nvCxnSpPr>
+          <p:cNvPr id="54" name="直接箭头连接符 53"/>
+          <p:cNvCxnSpPr>
+            <a:stCxn id="21" idx="2"/>
+            <a:endCxn id="52" idx="1"/>
+          </p:cNvCxnSpPr>
+          <p:nvPr/>
+        </p:nvCxnSpPr>
+        <p:spPr>
+          <a:xfrm>
+            <a:off x="4405308" y="2951416"/>
+            <a:ext cx="867667" cy="868972"/>
+          </a:xfrm>
+          <a:prstGeom prst="straightConnector1">
+            <a:avLst/>
+          </a:prstGeom>
+          <a:ln>
+            <a:tailEnd type="triangle"/>
+          </a:ln>
+        </p:spPr>
+        <p:style>
+          <a:lnRef idx="1">
+            <a:schemeClr val="accent1"/>
+          </a:lnRef>
+          <a:fillRef idx="0">
+            <a:schemeClr val="accent1"/>
+          </a:fillRef>
+          <a:effectRef idx="0">
+            <a:schemeClr val="accent1"/>
+          </a:effectRef>
+          <a:fontRef idx="minor">
+            <a:schemeClr val="tx1"/>
+          </a:fontRef>
+        </p:style>
+      </p:cxnSp>
+      <p:sp>
+        <p:nvSpPr>
+          <p:cNvPr id="61" name="矩形 60"/>
           <p:cNvSpPr/>
           <p:nvPr/>
         </p:nvSpPr>
         <p:spPr>
           <a:xfrm>
-            <a:off x="6979281" y="2949378"/>
-            <a:ext cx="1090150" cy="450409"/>
+            <a:off x="6507307" y="3472799"/>
+            <a:ext cx="733330" cy="695178"/>
           </a:xfrm>
           <a:prstGeom prst="rect">
             <a:avLst/>
@@ -16258,71 +16781,7 @@
                   <a:schemeClr val="tx1"/>
                 </a:solidFill>
               </a:rPr>
-              <a:t>Battery</a:t>
-            </a:r>
-          </a:p>
-        </p:txBody>
-      </p:sp>
-      <p:sp>
-        <p:nvSpPr>
-          <p:cNvPr id="43" name="矩形 42"/>
-          <p:cNvSpPr/>
-          <p:nvPr/>
-        </p:nvSpPr>
-        <p:spPr>
-          <a:xfrm>
-            <a:off x="1995662" y="1633491"/>
-            <a:ext cx="972113" cy="488326"/>
-          </a:xfrm>
-          <a:prstGeom prst="rect">
-            <a:avLst/>
-          </a:prstGeom>
-          <a:noFill/>
-          <a:ln>
-            <a:solidFill>
-              <a:schemeClr val="tx1"/>
-            </a:solidFill>
-          </a:ln>
-        </p:spPr>
-        <p:style>
-          <a:lnRef idx="2">
-            <a:schemeClr val="accent1">
-              <a:shade val="50000"/>
-            </a:schemeClr>
-          </a:lnRef>
-          <a:fillRef idx="1">
-            <a:schemeClr val="accent1"/>
-          </a:fillRef>
-          <a:effectRef idx="0">
-            <a:schemeClr val="accent1"/>
-          </a:effectRef>
-          <a:fontRef idx="minor">
-            <a:schemeClr val="lt1"/>
-          </a:fontRef>
-        </p:style>
-        <p:txBody>
-          <a:bodyPr rtlCol="0" anchor="ctr"/>
-          <a:lstStyle/>
-          <a:p>
-            <a:pPr algn="ctr"/>
-            <a:r>
-              <a:rPr lang="en-US" altLang="zh-CN" dirty="0" smtClean="0">
-                <a:solidFill>
-                  <a:schemeClr val="tx1"/>
-                </a:solidFill>
-              </a:rPr>
-              <a:t>Engine</a:t>
-            </a:r>
-          </a:p>
-          <a:p>
-            <a:pPr algn="ctr"/>
-            <a:r>
-              <a:rPr lang="en-US" altLang="zh-CN" dirty="0" smtClean="0">
-                <a:solidFill>
-                  <a:schemeClr val="tx1"/>
-                </a:solidFill>
-              </a:rPr>
-              <a:t>2500</a:t>
+              <a:t>MEM</a:t>
             </a:r>
             <a:endParaRPr lang="zh-CN" altLang="en-US" dirty="0">
               <a:solidFill>
@@ -16332,16 +16791,88 @@
           </a:p>
         </p:txBody>
       </p:sp>
-      <p:sp>
-        <p:nvSpPr>
-          <p:cNvPr id="44" name="矩形 43"/>
+      <p:cxnSp>
+        <p:nvCxnSpPr>
+          <p:cNvPr id="65" name="直接箭头连接符 64"/>
+          <p:cNvCxnSpPr>
+            <a:stCxn id="52" idx="0"/>
+            <a:endCxn id="51" idx="2"/>
+          </p:cNvCxnSpPr>
+          <p:nvPr/>
+        </p:nvCxnSpPr>
+        <p:spPr>
+          <a:xfrm flipH="1" flipV="1">
+            <a:off x="5638866" y="3151615"/>
+            <a:ext cx="774" cy="321184"/>
+          </a:xfrm>
+          <a:prstGeom prst="straightConnector1">
+            <a:avLst/>
+          </a:prstGeom>
+          <a:ln>
+            <a:tailEnd type="triangle"/>
+          </a:ln>
+        </p:spPr>
+        <p:style>
+          <a:lnRef idx="1">
+            <a:schemeClr val="accent1"/>
+          </a:lnRef>
+          <a:fillRef idx="0">
+            <a:schemeClr val="accent1"/>
+          </a:fillRef>
+          <a:effectRef idx="0">
+            <a:schemeClr val="accent1"/>
+          </a:effectRef>
+          <a:fontRef idx="minor">
+            <a:schemeClr val="tx1"/>
+          </a:fontRef>
+        </p:style>
+      </p:cxnSp>
+      <p:cxnSp>
+        <p:nvCxnSpPr>
+          <p:cNvPr id="67" name="直接箭头连接符 66"/>
+          <p:cNvCxnSpPr>
+            <a:stCxn id="61" idx="1"/>
+            <a:endCxn id="52" idx="3"/>
+          </p:cNvCxnSpPr>
+          <p:nvPr/>
+        </p:nvCxnSpPr>
+        <p:spPr>
+          <a:xfrm flipH="1">
+            <a:off x="6006305" y="3820388"/>
+            <a:ext cx="501002" cy="0"/>
+          </a:xfrm>
+          <a:prstGeom prst="straightConnector1">
+            <a:avLst/>
+          </a:prstGeom>
+          <a:ln>
+            <a:tailEnd type="triangle"/>
+          </a:ln>
+        </p:spPr>
+        <p:style>
+          <a:lnRef idx="1">
+            <a:schemeClr val="accent1"/>
+          </a:lnRef>
+          <a:fillRef idx="0">
+            <a:schemeClr val="accent1"/>
+          </a:fillRef>
+          <a:effectRef idx="0">
+            <a:schemeClr val="accent1"/>
+          </a:effectRef>
+          <a:fontRef idx="minor">
+            <a:schemeClr val="tx1"/>
+          </a:fontRef>
+        </p:style>
+      </p:cxnSp>
+      <p:sp>
+        <p:nvSpPr>
+          <p:cNvPr id="71" name="矩形 70"/>
           <p:cNvSpPr/>
           <p:nvPr/>
         </p:nvSpPr>
         <p:spPr>
           <a:xfrm>
-            <a:off x="5026365" y="4562193"/>
-            <a:ext cx="1126024" cy="442393"/>
+            <a:off x="6507307" y="2254108"/>
+            <a:ext cx="733330" cy="695178"/>
           </a:xfrm>
           <a:prstGeom prst="rect">
             <a:avLst/>
@@ -16380,21 +16911,21 @@
                   <a:schemeClr val="tx1"/>
                 </a:solidFill>
               </a:rPr>
-              <a:t>Capacitor</a:t>
-            </a:r>
-          </a:p>
-        </p:txBody>
-      </p:sp>
-      <p:sp>
-        <p:nvSpPr>
-          <p:cNvPr id="48" name="矩形 47"/>
+              <a:t>Relay</a:t>
+            </a:r>
+          </a:p>
+        </p:txBody>
+      </p:sp>
+      <p:sp>
+        <p:nvSpPr>
+          <p:cNvPr id="72" name="矩形 71"/>
           <p:cNvSpPr/>
           <p:nvPr/>
         </p:nvSpPr>
         <p:spPr>
           <a:xfrm>
-            <a:off x="5026365" y="3967493"/>
-            <a:ext cx="1126024" cy="442393"/>
+            <a:off x="6507307" y="1037547"/>
+            <a:ext cx="733330" cy="695178"/>
           </a:xfrm>
           <a:prstGeom prst="rect">
             <a:avLst/>
@@ -16433,39 +16964,190 @@
                   <a:schemeClr val="tx1"/>
                 </a:solidFill>
               </a:rPr>
-              <a:t>others</a:t>
-            </a:r>
-          </a:p>
-        </p:txBody>
-      </p:sp>
-      <p:sp>
-        <p:nvSpPr>
-          <p:cNvPr id="51" name="矩形 50"/>
+              <a:t>Not</a:t>
+            </a:r>
+          </a:p>
+        </p:txBody>
+      </p:sp>
+      <p:cxnSp>
+        <p:nvCxnSpPr>
+          <p:cNvPr id="74" name="肘形连接符 73"/>
+          <p:cNvCxnSpPr>
+            <a:stCxn id="3" idx="0"/>
+            <a:endCxn id="72" idx="1"/>
+          </p:cNvCxnSpPr>
+          <p:nvPr/>
+        </p:nvCxnSpPr>
+        <p:spPr>
+          <a:xfrm rot="5400000" flipH="1" flipV="1">
+            <a:off x="3684582" y="-556942"/>
+            <a:ext cx="880646" cy="4764803"/>
+          </a:xfrm>
+          <a:prstGeom prst="bentConnector2">
+            <a:avLst/>
+          </a:prstGeom>
+          <a:ln>
+            <a:tailEnd type="triangle"/>
+          </a:ln>
+        </p:spPr>
+        <p:style>
+          <a:lnRef idx="1">
+            <a:schemeClr val="accent1"/>
+          </a:lnRef>
+          <a:fillRef idx="0">
+            <a:schemeClr val="accent1"/>
+          </a:fillRef>
+          <a:effectRef idx="0">
+            <a:schemeClr val="accent1"/>
+          </a:effectRef>
+          <a:fontRef idx="minor">
+            <a:schemeClr val="tx1"/>
+          </a:fontRef>
+        </p:style>
+      </p:cxnSp>
+      <p:cxnSp>
+        <p:nvCxnSpPr>
+          <p:cNvPr id="76" name="直接箭头连接符 75"/>
+          <p:cNvCxnSpPr>
+            <a:stCxn id="72" idx="2"/>
+            <a:endCxn id="71" idx="0"/>
+          </p:cNvCxnSpPr>
+          <p:nvPr/>
+        </p:nvCxnSpPr>
+        <p:spPr>
+          <a:xfrm>
+            <a:off x="6873972" y="1732725"/>
+            <a:ext cx="0" cy="521383"/>
+          </a:xfrm>
+          <a:prstGeom prst="straightConnector1">
+            <a:avLst/>
+          </a:prstGeom>
+          <a:ln>
+            <a:tailEnd type="triangle"/>
+          </a:ln>
+        </p:spPr>
+        <p:style>
+          <a:lnRef idx="1">
+            <a:schemeClr val="accent1"/>
+          </a:lnRef>
+          <a:fillRef idx="0">
+            <a:schemeClr val="accent1"/>
+          </a:fillRef>
+          <a:effectRef idx="0">
+            <a:schemeClr val="accent1"/>
+          </a:effectRef>
+          <a:fontRef idx="minor">
+            <a:schemeClr val="tx1"/>
+          </a:fontRef>
+        </p:style>
+      </p:cxnSp>
+      <p:cxnSp>
+        <p:nvCxnSpPr>
+          <p:cNvPr id="78" name="直接箭头连接符 77"/>
+          <p:cNvCxnSpPr>
+            <a:stCxn id="42" idx="3"/>
+            <a:endCxn id="71" idx="1"/>
+          </p:cNvCxnSpPr>
+          <p:nvPr/>
+        </p:nvCxnSpPr>
+        <p:spPr>
+          <a:xfrm>
+            <a:off x="6005531" y="1847092"/>
+            <a:ext cx="501776" cy="754605"/>
+          </a:xfrm>
+          <a:prstGeom prst="straightConnector1">
+            <a:avLst/>
+          </a:prstGeom>
+          <a:ln>
+            <a:tailEnd type="triangle"/>
+          </a:ln>
+        </p:spPr>
+        <p:style>
+          <a:lnRef idx="1">
+            <a:schemeClr val="accent1"/>
+          </a:lnRef>
+          <a:fillRef idx="0">
+            <a:schemeClr val="accent1"/>
+          </a:fillRef>
+          <a:effectRef idx="0">
+            <a:schemeClr val="accent1"/>
+          </a:effectRef>
+          <a:fontRef idx="minor">
+            <a:schemeClr val="tx1"/>
+          </a:fontRef>
+        </p:style>
+      </p:cxnSp>
+      <p:cxnSp>
+        <p:nvCxnSpPr>
+          <p:cNvPr id="80" name="直接箭头连接符 79"/>
+          <p:cNvCxnSpPr>
+            <a:stCxn id="71" idx="2"/>
+            <a:endCxn id="61" idx="0"/>
+          </p:cNvCxnSpPr>
+          <p:nvPr/>
+        </p:nvCxnSpPr>
+        <p:spPr>
+          <a:xfrm>
+            <a:off x="6873972" y="2949286"/>
+            <a:ext cx="0" cy="523513"/>
+          </a:xfrm>
+          <a:prstGeom prst="straightConnector1">
+            <a:avLst/>
+          </a:prstGeom>
+          <a:ln>
+            <a:tailEnd type="triangle"/>
+          </a:ln>
+        </p:spPr>
+        <p:style>
+          <a:lnRef idx="1">
+            <a:schemeClr val="accent1"/>
+          </a:lnRef>
+          <a:fillRef idx="0">
+            <a:schemeClr val="accent1"/>
+          </a:fillRef>
+          <a:effectRef idx="0">
+            <a:schemeClr val="accent1"/>
+          </a:effectRef>
+          <a:fontRef idx="minor">
+            <a:schemeClr val="tx1"/>
+          </a:fontRef>
+        </p:style>
+      </p:cxnSp>
+      <p:sp>
+        <p:nvSpPr>
+          <p:cNvPr id="86" name="矩形 85"/>
           <p:cNvSpPr/>
           <p:nvPr/>
         </p:nvSpPr>
         <p:spPr>
           <a:xfrm>
-            <a:off x="2019888" y="3571023"/>
-            <a:ext cx="972113" cy="488326"/>
+            <a:off x="7741638" y="3472799"/>
+            <a:ext cx="733330" cy="695178"/>
           </a:xfrm>
           <a:prstGeom prst="rect">
             <a:avLst/>
           </a:prstGeom>
-          <a:ln/>
+          <a:noFill/>
+          <a:ln>
+            <a:solidFill>
+              <a:schemeClr val="tx1"/>
+            </a:solidFill>
+          </a:ln>
         </p:spPr>
         <p:style>
           <a:lnRef idx="2">
-            <a:schemeClr val="dk1"/>
+            <a:schemeClr val="accent1">
+              <a:shade val="50000"/>
+            </a:schemeClr>
           </a:lnRef>
           <a:fillRef idx="1">
+            <a:schemeClr val="accent1"/>
+          </a:fillRef>
+          <a:effectRef idx="0">
+            <a:schemeClr val="accent1"/>
+          </a:effectRef>
+          <a:fontRef idx="minor">
             <a:schemeClr val="lt1"/>
-          </a:fillRef>
-          <a:effectRef idx="0">
-            <a:schemeClr val="dk1"/>
-          </a:effectRef>
-          <a:fontRef idx="minor">
-            <a:schemeClr val="dk1"/>
           </a:fontRef>
         </p:style>
         <p:txBody>
@@ -16474,12 +17156,70 @@
           <a:p>
             <a:pPr algn="ctr"/>
             <a:r>
+              <a:rPr lang="en-US" altLang="zh-CN" sz="1200" dirty="0" smtClean="0">
+                <a:solidFill>
+                  <a:schemeClr val="tx1"/>
+                </a:solidFill>
+              </a:rPr>
+              <a:t>MOD(N)</a:t>
+            </a:r>
+            <a:endParaRPr lang="zh-CN" altLang="en-US" sz="1200" dirty="0">
+              <a:solidFill>
+                <a:schemeClr val="tx1"/>
+              </a:solidFill>
+            </a:endParaRPr>
+          </a:p>
+        </p:txBody>
+      </p:sp>
+      <p:sp>
+        <p:nvSpPr>
+          <p:cNvPr id="91" name="矩形 90"/>
+          <p:cNvSpPr/>
+          <p:nvPr/>
+        </p:nvSpPr>
+        <p:spPr>
+          <a:xfrm>
+            <a:off x="8898678" y="3472799"/>
+            <a:ext cx="733330" cy="695178"/>
+          </a:xfrm>
+          <a:prstGeom prst="rect">
+            <a:avLst/>
+          </a:prstGeom>
+          <a:noFill/>
+          <a:ln>
+            <a:solidFill>
+              <a:schemeClr val="tx1"/>
+            </a:solidFill>
+          </a:ln>
+        </p:spPr>
+        <p:style>
+          <a:lnRef idx="2">
+            <a:schemeClr val="accent1">
+              <a:shade val="50000"/>
+            </a:schemeClr>
+          </a:lnRef>
+          <a:fillRef idx="1">
+            <a:schemeClr val="accent1"/>
+          </a:fillRef>
+          <a:effectRef idx="0">
+            <a:schemeClr val="accent1"/>
+          </a:effectRef>
+          <a:fontRef idx="minor">
+            <a:schemeClr val="lt1"/>
+          </a:fontRef>
+        </p:style>
+        <p:txBody>
+          <a:bodyPr rtlCol="0" anchor="ctr"/>
+          <a:lstStyle/>
+          <a:p>
+            <a:pPr algn="ctr"/>
+            <a:r>
               <a:rPr lang="en-US" altLang="zh-CN" dirty="0" smtClean="0">
                 <a:solidFill>
                   <a:schemeClr val="tx1"/>
                 </a:solidFill>
               </a:rPr>
-              <a:t>Junction</a:t>
+              <a:t>+</a:t>
             </a:r>
             <a:endParaRPr lang="zh-CN" altLang="en-US" dirty="0">
               <a:solidFill>
@@ -16491,14 +17231,14 @@
       </p:sp>
       <p:sp>
         <p:nvSpPr>
-          <p:cNvPr id="65" name="矩形 64"/>
+          <p:cNvPr id="94" name="矩形 93"/>
           <p:cNvSpPr/>
           <p:nvPr/>
         </p:nvSpPr>
         <p:spPr>
           <a:xfrm>
-            <a:off x="1918706" y="833424"/>
-            <a:ext cx="1126024" cy="442393"/>
+            <a:off x="8898678" y="2265782"/>
+            <a:ext cx="733330" cy="695178"/>
           </a:xfrm>
           <a:prstGeom prst="rect">
             <a:avLst/>
@@ -16537,60 +17277,7 @@
                   <a:schemeClr val="tx1"/>
                 </a:solidFill>
               </a:rPr>
-              <a:t>Sonar</a:t>
-            </a:r>
-          </a:p>
-        </p:txBody>
-      </p:sp>
-      <p:sp>
-        <p:nvSpPr>
-          <p:cNvPr id="77" name="矩形 76"/>
-          <p:cNvSpPr/>
-          <p:nvPr/>
-        </p:nvSpPr>
-        <p:spPr>
-          <a:xfrm>
-            <a:off x="5884008" y="1852345"/>
-            <a:ext cx="733330" cy="695179"/>
-          </a:xfrm>
-          <a:prstGeom prst="rect">
-            <a:avLst/>
-          </a:prstGeom>
-          <a:noFill/>
-          <a:ln>
-            <a:solidFill>
-              <a:schemeClr val="tx1"/>
-            </a:solidFill>
-          </a:ln>
-        </p:spPr>
-        <p:style>
-          <a:lnRef idx="2">
-            <a:schemeClr val="accent1">
-              <a:shade val="50000"/>
-            </a:schemeClr>
-          </a:lnRef>
-          <a:fillRef idx="1">
-            <a:schemeClr val="accent1"/>
-          </a:fillRef>
-          <a:effectRef idx="0">
-            <a:schemeClr val="accent1"/>
-          </a:effectRef>
-          <a:fontRef idx="minor">
-            <a:schemeClr val="lt1"/>
-          </a:fontRef>
-        </p:style>
-        <p:txBody>
-          <a:bodyPr rtlCol="0" anchor="ctr"/>
-          <a:lstStyle/>
-          <a:p>
-            <a:pPr algn="ctr"/>
-            <a:r>
-              <a:rPr lang="en-US" altLang="zh-CN" dirty="0" smtClean="0">
-                <a:solidFill>
-                  <a:schemeClr val="tx1"/>
-                </a:solidFill>
-              </a:rPr>
-              <a:t>Relay</a:t>
+              <a:t>101</a:t>
             </a:r>
             <a:endParaRPr lang="zh-CN" altLang="en-US" dirty="0">
               <a:solidFill>
@@ -16600,16 +17287,124 @@
           </a:p>
         </p:txBody>
       </p:sp>
-      <p:sp>
-        <p:nvSpPr>
-          <p:cNvPr id="78" name="矩形 77"/>
+      <p:cxnSp>
+        <p:nvCxnSpPr>
+          <p:cNvPr id="99" name="直接箭头连接符 98"/>
+          <p:cNvCxnSpPr>
+            <a:stCxn id="94" idx="2"/>
+            <a:endCxn id="91" idx="0"/>
+          </p:cNvCxnSpPr>
+          <p:nvPr/>
+        </p:nvCxnSpPr>
+        <p:spPr>
+          <a:xfrm>
+            <a:off x="9265343" y="2960960"/>
+            <a:ext cx="0" cy="511839"/>
+          </a:xfrm>
+          <a:prstGeom prst="straightConnector1">
+            <a:avLst/>
+          </a:prstGeom>
+          <a:ln>
+            <a:tailEnd type="triangle"/>
+          </a:ln>
+        </p:spPr>
+        <p:style>
+          <a:lnRef idx="1">
+            <a:schemeClr val="accent1"/>
+          </a:lnRef>
+          <a:fillRef idx="0">
+            <a:schemeClr val="accent1"/>
+          </a:fillRef>
+          <a:effectRef idx="0">
+            <a:schemeClr val="accent1"/>
+          </a:effectRef>
+          <a:fontRef idx="minor">
+            <a:schemeClr val="tx1"/>
+          </a:fontRef>
+        </p:style>
+      </p:cxnSp>
+      <p:cxnSp>
+        <p:nvCxnSpPr>
+          <p:cNvPr id="101" name="直接箭头连接符 100"/>
+          <p:cNvCxnSpPr>
+            <a:stCxn id="86" idx="3"/>
+            <a:endCxn id="91" idx="1"/>
+          </p:cNvCxnSpPr>
+          <p:nvPr/>
+        </p:nvCxnSpPr>
+        <p:spPr>
+          <a:xfrm>
+            <a:off x="8474968" y="3820388"/>
+            <a:ext cx="423710" cy="0"/>
+          </a:xfrm>
+          <a:prstGeom prst="straightConnector1">
+            <a:avLst/>
+          </a:prstGeom>
+          <a:ln>
+            <a:tailEnd type="triangle"/>
+          </a:ln>
+        </p:spPr>
+        <p:style>
+          <a:lnRef idx="1">
+            <a:schemeClr val="accent1"/>
+          </a:lnRef>
+          <a:fillRef idx="0">
+            <a:schemeClr val="accent1"/>
+          </a:fillRef>
+          <a:effectRef idx="0">
+            <a:schemeClr val="accent1"/>
+          </a:effectRef>
+          <a:fontRef idx="minor">
+            <a:schemeClr val="tx1"/>
+          </a:fontRef>
+        </p:style>
+      </p:cxnSp>
+      <p:cxnSp>
+        <p:nvCxnSpPr>
+          <p:cNvPr id="103" name="直接箭头连接符 102"/>
+          <p:cNvCxnSpPr>
+            <a:stCxn id="61" idx="3"/>
+            <a:endCxn id="86" idx="1"/>
+          </p:cNvCxnSpPr>
+          <p:nvPr/>
+        </p:nvCxnSpPr>
+        <p:spPr>
+          <a:xfrm>
+            <a:off x="7240637" y="3820388"/>
+            <a:ext cx="501001" cy="0"/>
+          </a:xfrm>
+          <a:prstGeom prst="straightConnector1">
+            <a:avLst/>
+          </a:prstGeom>
+          <a:ln>
+            <a:tailEnd type="triangle"/>
+          </a:ln>
+        </p:spPr>
+        <p:style>
+          <a:lnRef idx="1">
+            <a:schemeClr val="accent1"/>
+          </a:lnRef>
+          <a:fillRef idx="0">
+            <a:schemeClr val="accent1"/>
+          </a:fillRef>
+          <a:effectRef idx="0">
+            <a:schemeClr val="accent1"/>
+          </a:effectRef>
+          <a:fontRef idx="minor">
+            <a:schemeClr val="tx1"/>
+          </a:fontRef>
+        </p:style>
+      </p:cxnSp>
+      <p:sp>
+        <p:nvSpPr>
+          <p:cNvPr id="106" name="矩形 105"/>
           <p:cNvSpPr/>
           <p:nvPr/>
         </p:nvSpPr>
         <p:spPr>
           <a:xfrm>
-            <a:off x="5884008" y="2825086"/>
-            <a:ext cx="733330" cy="695179"/>
+            <a:off x="10055718" y="3472799"/>
+            <a:ext cx="733330" cy="695178"/>
           </a:xfrm>
           <a:prstGeom prst="rect">
             <a:avLst/>
@@ -16648,7 +17443,7 @@
                   <a:schemeClr val="tx1"/>
                 </a:solidFill>
               </a:rPr>
-              <a:t>Relay</a:t>
+              <a:t>wifi</a:t>
             </a:r>
             <a:endParaRPr lang="zh-CN" altLang="en-US" dirty="0">
               <a:solidFill>
@@ -16660,25 +17455,22 @@
       </p:sp>
       <p:cxnSp>
         <p:nvCxnSpPr>
-          <p:cNvPr id="71" name="直接箭头连接符 70"/>
+          <p:cNvPr id="108" name="直接箭头连接符 107"/>
           <p:cNvCxnSpPr>
-            <a:stCxn id="77" idx="3"/>
-            <a:endCxn id="38" idx="1"/>
+            <a:stCxn id="91" idx="3"/>
+            <a:endCxn id="106" idx="1"/>
           </p:cNvCxnSpPr>
           <p:nvPr/>
         </p:nvCxnSpPr>
         <p:spPr>
-          <a:xfrm flipV="1">
-            <a:off x="6617338" y="2194877"/>
-            <a:ext cx="451712" cy="5058"/>
+          <a:xfrm>
+            <a:off x="9632008" y="3820388"/>
+            <a:ext cx="423710" cy="0"/>
           </a:xfrm>
           <a:prstGeom prst="straightConnector1">
             <a:avLst/>
           </a:prstGeom>
           <a:ln>
-            <a:solidFill>
-              <a:srgbClr val="FF0000"/>
-            </a:solidFill>
             <a:tailEnd type="triangle"/>
           </a:ln>
         </p:spPr>
@@ -16699,25 +17491,21 @@
       </p:cxnSp>
       <p:cxnSp>
         <p:nvCxnSpPr>
-          <p:cNvPr id="75" name="直接箭头连接符 74"/>
+          <p:cNvPr id="110" name="直接箭头连接符 109"/>
           <p:cNvCxnSpPr>
-            <a:stCxn id="78" idx="3"/>
-            <a:endCxn id="42" idx="1"/>
+            <a:endCxn id="2" idx="1"/>
           </p:cNvCxnSpPr>
           <p:nvPr/>
         </p:nvCxnSpPr>
         <p:spPr>
           <a:xfrm>
-            <a:off x="6617338" y="3172676"/>
-            <a:ext cx="361943" cy="1907"/>
+            <a:off x="1464925" y="3820388"/>
+            <a:ext cx="606056" cy="0"/>
           </a:xfrm>
           <a:prstGeom prst="straightConnector1">
             <a:avLst/>
           </a:prstGeom>
           <a:ln>
-            <a:solidFill>
-              <a:srgbClr val="FF0000"/>
-            </a:solidFill>
             <a:tailEnd type="triangle"/>
           </a:ln>
         </p:spPr>
@@ -16738,14 +17526,44 @@
       </p:cxnSp>
       <p:sp>
         <p:nvSpPr>
-          <p:cNvPr id="105" name="矩形 104"/>
+          <p:cNvPr id="111" name="文本框 110"/>
+          <p:cNvSpPr txBox="1"/>
+          <p:nvPr/>
+        </p:nvSpPr>
+        <p:spPr>
+          <a:xfrm>
+            <a:off x="836649" y="3635722"/>
+            <a:ext cx="615874" cy="369332"/>
+          </a:xfrm>
+          <a:prstGeom prst="rect">
+            <a:avLst/>
+          </a:prstGeom>
+          <a:noFill/>
+        </p:spPr>
+        <p:txBody>
+          <a:bodyPr wrap="none" rtlCol="0">
+            <a:spAutoFit/>
+          </a:bodyPr>
+          <a:lstStyle/>
+          <a:p>
+            <a:r>
+              <a:rPr lang="en-US" altLang="zh-CN" dirty="0" smtClean="0"/>
+              <a:t>Click</a:t>
+            </a:r>
+            <a:endParaRPr lang="zh-CN" altLang="en-US" dirty="0"/>
+          </a:p>
+        </p:txBody>
+      </p:sp>
+      <p:sp>
+        <p:nvSpPr>
+          <p:cNvPr id="42" name="矩形 41"/>
           <p:cNvSpPr/>
           <p:nvPr/>
         </p:nvSpPr>
         <p:spPr>
           <a:xfrm>
-            <a:off x="5810359" y="611732"/>
-            <a:ext cx="907962" cy="894461"/>
+            <a:off x="5272201" y="1499503"/>
+            <a:ext cx="733330" cy="695178"/>
           </a:xfrm>
           <a:prstGeom prst="rect">
             <a:avLst/>
@@ -16779,92 +17597,23 @@
           <a:p>
             <a:pPr algn="ctr"/>
             <a:r>
-              <a:rPr lang="en-US" altLang="zh-CN" sz="1200" dirty="0" smtClean="0">
+              <a:rPr lang="en-US" altLang="zh-CN" dirty="0" smtClean="0">
                 <a:solidFill>
                   <a:schemeClr val="tx1"/>
                 </a:solidFill>
               </a:rPr>
-              <a:t>RegEx</a:t>
+              <a:t>Delay</a:t>
             </a:r>
           </a:p>
           <a:p>
             <a:pPr algn="ctr"/>
             <a:r>
-              <a:rPr lang="en-US" altLang="zh-CN" sz="1200" dirty="0" smtClean="0">
+              <a:rPr lang="en-US" altLang="zh-CN" dirty="0" smtClean="0">
                 <a:solidFill>
                   <a:schemeClr val="tx1"/>
                 </a:solidFill>
               </a:rPr>
-              <a:t>if(50-100)?</a:t>
-            </a:r>
-          </a:p>
-          <a:p>
-            <a:pPr algn="ctr"/>
-            <a:r>
-              <a:rPr lang="en-US" altLang="zh-CN" sz="1200" dirty="0" smtClean="0">
-                <a:solidFill>
-                  <a:schemeClr val="tx1"/>
-                </a:solidFill>
-              </a:rPr>
-              <a:t>0:1</a:t>
-            </a:r>
-            <a:endParaRPr lang="zh-CN" altLang="en-US" sz="1200" dirty="0">
-              <a:solidFill>
-                <a:schemeClr val="tx1"/>
-              </a:solidFill>
-            </a:endParaRPr>
-          </a:p>
-        </p:txBody>
-      </p:sp>
-      <p:sp>
-        <p:nvSpPr>
-          <p:cNvPr id="106" name="矩形 105"/>
-          <p:cNvSpPr/>
-          <p:nvPr/>
-        </p:nvSpPr>
-        <p:spPr>
-          <a:xfrm>
-            <a:off x="8214336" y="769917"/>
-            <a:ext cx="733330" cy="695179"/>
-          </a:xfrm>
-          <a:prstGeom prst="rect">
-            <a:avLst/>
-          </a:prstGeom>
-          <a:noFill/>
-          <a:ln>
-            <a:solidFill>
-              <a:schemeClr val="tx1"/>
-            </a:solidFill>
-          </a:ln>
-        </p:spPr>
-        <p:style>
-          <a:lnRef idx="2">
-            <a:schemeClr val="accent1">
-              <a:shade val="50000"/>
-            </a:schemeClr>
-          </a:lnRef>
-          <a:fillRef idx="1">
-            <a:schemeClr val="accent1"/>
-          </a:fillRef>
-          <a:effectRef idx="0">
-            <a:schemeClr val="accent1"/>
-          </a:effectRef>
-          <a:fontRef idx="minor">
-            <a:schemeClr val="lt1"/>
-          </a:fontRef>
-        </p:style>
-        <p:txBody>
-          <a:bodyPr rtlCol="0" anchor="ctr"/>
-          <a:lstStyle/>
-          <a:p>
-            <a:pPr algn="ctr"/>
-            <a:r>
-              <a:rPr lang="en-US" altLang="zh-CN" dirty="0" smtClean="0">
-                <a:solidFill>
-                  <a:schemeClr val="tx1"/>
-                </a:solidFill>
-              </a:rPr>
-              <a:t>*2</a:t>
+              <a:t>0.02s</a:t>
             </a:r>
             <a:endParaRPr lang="zh-CN" altLang="en-US" dirty="0">
               <a:solidFill>
@@ -16874,74 +17623,19 @@
           </a:p>
         </p:txBody>
       </p:sp>
-      <p:sp>
-        <p:nvSpPr>
-          <p:cNvPr id="107" name="矩形 106"/>
-          <p:cNvSpPr/>
-          <p:nvPr/>
-        </p:nvSpPr>
-        <p:spPr>
-          <a:xfrm>
-            <a:off x="9314331" y="769917"/>
-            <a:ext cx="733330" cy="695179"/>
-          </a:xfrm>
-          <a:prstGeom prst="rect">
-            <a:avLst/>
-          </a:prstGeom>
-          <a:noFill/>
-          <a:ln>
-            <a:solidFill>
-              <a:schemeClr val="tx1"/>
-            </a:solidFill>
-          </a:ln>
-        </p:spPr>
-        <p:style>
-          <a:lnRef idx="2">
-            <a:schemeClr val="accent1">
-              <a:shade val="50000"/>
-            </a:schemeClr>
-          </a:lnRef>
-          <a:fillRef idx="1">
-            <a:schemeClr val="accent1"/>
-          </a:fillRef>
-          <a:effectRef idx="0">
-            <a:schemeClr val="accent1"/>
-          </a:effectRef>
-          <a:fontRef idx="minor">
-            <a:schemeClr val="lt1"/>
-          </a:fontRef>
-        </p:style>
-        <p:txBody>
-          <a:bodyPr rtlCol="0" anchor="ctr"/>
-          <a:lstStyle/>
-          <a:p>
-            <a:pPr algn="ctr"/>
-            <a:r>
-              <a:rPr lang="en-US" altLang="zh-CN" dirty="0" smtClean="0">
-                <a:solidFill>
-                  <a:schemeClr val="tx1"/>
-                </a:solidFill>
-              </a:rPr>
-              <a:t>MEM2</a:t>
-            </a:r>
-            <a:endParaRPr lang="zh-CN" altLang="en-US" dirty="0">
-              <a:solidFill>
-                <a:schemeClr val="tx1"/>
-              </a:solidFill>
-            </a:endParaRPr>
-          </a:p>
-        </p:txBody>
-      </p:sp>
       <p:cxnSp>
         <p:nvCxnSpPr>
-          <p:cNvPr id="102" name="直接箭头连接符 101"/>
-          <p:cNvCxnSpPr/>
+          <p:cNvPr id="17" name="直接箭头连接符 16"/>
+          <p:cNvCxnSpPr>
+            <a:stCxn id="51" idx="0"/>
+            <a:endCxn id="42" idx="2"/>
+          </p:cNvCxnSpPr>
           <p:nvPr/>
         </p:nvCxnSpPr>
         <p:spPr>
-          <a:xfrm flipH="1">
-            <a:off x="8947666" y="1117506"/>
-            <a:ext cx="366665" cy="0"/>
+          <a:xfrm flipV="1">
+            <a:off x="5638866" y="2194681"/>
+            <a:ext cx="0" cy="261756"/>
           </a:xfrm>
           <a:prstGeom prst="straightConnector1">
             <a:avLst/>
@@ -16965,132 +17659,16 @@
           </a:fontRef>
         </p:style>
       </p:cxnSp>
-      <p:cxnSp>
-        <p:nvCxnSpPr>
-          <p:cNvPr id="28" name="直接箭头连接符 27"/>
-          <p:cNvCxnSpPr>
-            <a:stCxn id="65" idx="2"/>
-            <a:endCxn id="43" idx="0"/>
-          </p:cNvCxnSpPr>
-          <p:nvPr/>
-        </p:nvCxnSpPr>
-        <p:spPr>
-          <a:xfrm>
-            <a:off x="2481718" y="1275817"/>
-            <a:ext cx="1" cy="357674"/>
-          </a:xfrm>
-          <a:prstGeom prst="straightConnector1">
-            <a:avLst/>
-          </a:prstGeom>
-          <a:ln>
-            <a:tailEnd type="triangle"/>
-          </a:ln>
-        </p:spPr>
-        <p:style>
-          <a:lnRef idx="1">
-            <a:schemeClr val="accent1"/>
-          </a:lnRef>
-          <a:fillRef idx="0">
-            <a:schemeClr val="accent1"/>
-          </a:fillRef>
-          <a:effectRef idx="0">
-            <a:schemeClr val="accent1"/>
-          </a:effectRef>
-          <a:fontRef idx="minor">
-            <a:schemeClr val="tx1"/>
-          </a:fontRef>
-        </p:style>
-      </p:cxnSp>
-      <p:sp>
-        <p:nvSpPr>
-          <p:cNvPr id="60" name="矩形 59"/>
-          <p:cNvSpPr/>
-          <p:nvPr/>
-        </p:nvSpPr>
-        <p:spPr>
-          <a:xfrm>
-            <a:off x="8824066" y="4047195"/>
-            <a:ext cx="907962" cy="894461"/>
-          </a:xfrm>
-          <a:prstGeom prst="rect">
-            <a:avLst/>
-          </a:prstGeom>
-          <a:noFill/>
-          <a:ln>
-            <a:solidFill>
-              <a:schemeClr val="tx1"/>
-            </a:solidFill>
-          </a:ln>
-        </p:spPr>
-        <p:style>
-          <a:lnRef idx="2">
-            <a:schemeClr val="accent1">
-              <a:shade val="50000"/>
-            </a:schemeClr>
-          </a:lnRef>
-          <a:fillRef idx="1">
-            <a:schemeClr val="accent1"/>
-          </a:fillRef>
-          <a:effectRef idx="0">
-            <a:schemeClr val="accent1"/>
-          </a:effectRef>
-          <a:fontRef idx="minor">
-            <a:schemeClr val="lt1"/>
-          </a:fontRef>
-        </p:style>
-        <p:txBody>
-          <a:bodyPr rtlCol="0" anchor="ctr"/>
-          <a:lstStyle/>
-          <a:p>
-            <a:pPr algn="ctr"/>
-            <a:r>
-              <a:rPr lang="en-US" altLang="zh-CN" sz="1200" dirty="0" smtClean="0">
-                <a:solidFill>
-                  <a:schemeClr val="tx1"/>
-                </a:solidFill>
-              </a:rPr>
-              <a:t>RegEx</a:t>
-            </a:r>
-          </a:p>
-          <a:p>
-            <a:pPr algn="ctr"/>
-            <a:r>
-              <a:rPr lang="en-US" altLang="zh-CN" sz="1200" dirty="0" smtClean="0">
-                <a:solidFill>
-                  <a:schemeClr val="tx1"/>
-                </a:solidFill>
-              </a:rPr>
-              <a:t>if(90-100)?</a:t>
-            </a:r>
-          </a:p>
-          <a:p>
-            <a:pPr algn="ctr"/>
-            <a:r>
-              <a:rPr lang="en-US" altLang="zh-CN" sz="1200" dirty="0" smtClean="0">
-                <a:solidFill>
-                  <a:schemeClr val="tx1"/>
-                </a:solidFill>
-              </a:rPr>
-              <a:t>1:null</a:t>
-            </a:r>
-            <a:endParaRPr lang="zh-CN" altLang="en-US" sz="1200" dirty="0">
-              <a:solidFill>
-                <a:schemeClr val="tx1"/>
-              </a:solidFill>
-            </a:endParaRPr>
-          </a:p>
-        </p:txBody>
-      </p:sp>
-      <p:sp>
-        <p:nvSpPr>
-          <p:cNvPr id="40" name="文本框 39"/>
+      <p:sp>
+        <p:nvSpPr>
+          <p:cNvPr id="22" name="文本框 21"/>
           <p:cNvSpPr txBox="1"/>
           <p:nvPr/>
         </p:nvSpPr>
         <p:spPr>
           <a:xfrm>
-            <a:off x="8382624" y="3520265"/>
-            <a:ext cx="349776" cy="369332"/>
+            <a:off x="413468" y="373711"/>
+            <a:ext cx="1345240" cy="369332"/>
           </a:xfrm>
           <a:prstGeom prst="rect">
             <a:avLst/>
@@ -17105,1411 +17683,7 @@
           <a:p>
             <a:r>
               <a:rPr lang="en-US" altLang="zh-CN" dirty="0" smtClean="0"/>
-              <a:t>%</a:t>
-            </a:r>
-            <a:endParaRPr lang="zh-CN" altLang="en-US" dirty="0"/>
-          </a:p>
-        </p:txBody>
-      </p:sp>
-      <p:cxnSp>
-        <p:nvCxnSpPr>
-          <p:cNvPr id="74" name="直接箭头连接符 73"/>
-          <p:cNvCxnSpPr>
-            <a:stCxn id="42" idx="2"/>
-            <a:endCxn id="124" idx="0"/>
-          </p:cNvCxnSpPr>
-          <p:nvPr/>
-        </p:nvCxnSpPr>
-        <p:spPr>
-          <a:xfrm>
-            <a:off x="7524356" y="3399787"/>
-            <a:ext cx="662397" cy="645654"/>
-          </a:xfrm>
-          <a:prstGeom prst="straightConnector1">
-            <a:avLst/>
-          </a:prstGeom>
-          <a:ln>
-            <a:tailEnd type="triangle"/>
-          </a:ln>
-        </p:spPr>
-        <p:style>
-          <a:lnRef idx="1">
-            <a:schemeClr val="accent1"/>
-          </a:lnRef>
-          <a:fillRef idx="0">
-            <a:schemeClr val="accent1"/>
-          </a:fillRef>
-          <a:effectRef idx="0">
-            <a:schemeClr val="accent1"/>
-          </a:effectRef>
-          <a:fontRef idx="minor">
-            <a:schemeClr val="tx1"/>
-          </a:fontRef>
-        </p:style>
-      </p:cxnSp>
-      <p:sp>
-        <p:nvSpPr>
-          <p:cNvPr id="201" name="矩形 200"/>
-          <p:cNvSpPr/>
-          <p:nvPr/>
-        </p:nvSpPr>
-        <p:spPr>
-          <a:xfrm>
-            <a:off x="2000700" y="2430052"/>
-            <a:ext cx="972113" cy="488326"/>
-          </a:xfrm>
-          <a:prstGeom prst="rect">
-            <a:avLst/>
-          </a:prstGeom>
-          <a:ln/>
-        </p:spPr>
-        <p:style>
-          <a:lnRef idx="2">
-            <a:schemeClr val="dk1"/>
-          </a:lnRef>
-          <a:fillRef idx="1">
-            <a:schemeClr val="lt1"/>
-          </a:fillRef>
-          <a:effectRef idx="0">
-            <a:schemeClr val="dk1"/>
-          </a:effectRef>
-          <a:fontRef idx="minor">
-            <a:schemeClr val="dk1"/>
-          </a:fontRef>
-        </p:style>
-        <p:txBody>
-          <a:bodyPr rtlCol="0" anchor="ctr"/>
-          <a:lstStyle/>
-          <a:p>
-            <a:pPr algn="ctr"/>
-            <a:r>
-              <a:rPr lang="en-US" altLang="zh-CN" dirty="0" smtClean="0">
-                <a:solidFill>
-                  <a:schemeClr val="tx1"/>
-                </a:solidFill>
-              </a:rPr>
-              <a:t>Junction</a:t>
-            </a:r>
-            <a:endParaRPr lang="zh-CN" altLang="en-US" dirty="0">
-              <a:solidFill>
-                <a:schemeClr val="tx1"/>
-              </a:solidFill>
-            </a:endParaRPr>
-          </a:p>
-        </p:txBody>
-      </p:sp>
-      <p:cxnSp>
-        <p:nvCxnSpPr>
-          <p:cNvPr id="205" name="直接箭头连接符 204"/>
-          <p:cNvCxnSpPr>
-            <a:stCxn id="20" idx="1"/>
-            <a:endCxn id="201" idx="3"/>
-          </p:cNvCxnSpPr>
-          <p:nvPr/>
-        </p:nvCxnSpPr>
-        <p:spPr>
-          <a:xfrm flipH="1">
-            <a:off x="2972813" y="2036838"/>
-            <a:ext cx="573296" cy="637377"/>
-          </a:xfrm>
-          <a:prstGeom prst="straightConnector1">
-            <a:avLst/>
-          </a:prstGeom>
-          <a:ln>
-            <a:solidFill>
-              <a:srgbClr val="FF0000"/>
-            </a:solidFill>
-            <a:tailEnd type="triangle"/>
-          </a:ln>
-        </p:spPr>
-        <p:style>
-          <a:lnRef idx="1">
-            <a:schemeClr val="accent1"/>
-          </a:lnRef>
-          <a:fillRef idx="0">
-            <a:schemeClr val="accent1"/>
-          </a:fillRef>
-          <a:effectRef idx="0">
-            <a:schemeClr val="accent1"/>
-          </a:effectRef>
-          <a:fontRef idx="minor">
-            <a:schemeClr val="tx1"/>
-          </a:fontRef>
-        </p:style>
-      </p:cxnSp>
-      <p:cxnSp>
-        <p:nvCxnSpPr>
-          <p:cNvPr id="220" name="直接箭头连接符 219"/>
-          <p:cNvCxnSpPr>
-            <a:stCxn id="201" idx="0"/>
-            <a:endCxn id="43" idx="2"/>
-          </p:cNvCxnSpPr>
-          <p:nvPr/>
-        </p:nvCxnSpPr>
-        <p:spPr>
-          <a:xfrm flipH="1" flipV="1">
-            <a:off x="2481719" y="2121817"/>
-            <a:ext cx="5038" cy="308235"/>
-          </a:xfrm>
-          <a:prstGeom prst="straightConnector1">
-            <a:avLst/>
-          </a:prstGeom>
-          <a:ln>
-            <a:solidFill>
-              <a:srgbClr val="FF0000"/>
-            </a:solidFill>
-            <a:tailEnd type="triangle"/>
-          </a:ln>
-        </p:spPr>
-        <p:style>
-          <a:lnRef idx="1">
-            <a:schemeClr val="accent1"/>
-          </a:lnRef>
-          <a:fillRef idx="0">
-            <a:schemeClr val="accent1"/>
-          </a:fillRef>
-          <a:effectRef idx="0">
-            <a:schemeClr val="accent1"/>
-          </a:effectRef>
-          <a:fontRef idx="minor">
-            <a:schemeClr val="tx1"/>
-          </a:fontRef>
-        </p:style>
-      </p:cxnSp>
-      <p:cxnSp>
-        <p:nvCxnSpPr>
-          <p:cNvPr id="233" name="直接箭头连接符 232"/>
-          <p:cNvCxnSpPr>
-            <a:stCxn id="201" idx="3"/>
-            <a:endCxn id="77" idx="1"/>
-          </p:cNvCxnSpPr>
-          <p:nvPr/>
-        </p:nvCxnSpPr>
-        <p:spPr>
-          <a:xfrm flipV="1">
-            <a:off x="2972813" y="2199935"/>
-            <a:ext cx="2911195" cy="474280"/>
-          </a:xfrm>
-          <a:prstGeom prst="straightConnector1">
-            <a:avLst/>
-          </a:prstGeom>
-          <a:ln>
-            <a:solidFill>
-              <a:srgbClr val="FF0000"/>
-            </a:solidFill>
-            <a:tailEnd type="triangle"/>
-          </a:ln>
-        </p:spPr>
-        <p:style>
-          <a:lnRef idx="1">
-            <a:schemeClr val="accent1"/>
-          </a:lnRef>
-          <a:fillRef idx="0">
-            <a:schemeClr val="accent1"/>
-          </a:fillRef>
-          <a:effectRef idx="0">
-            <a:schemeClr val="accent1"/>
-          </a:effectRef>
-          <a:fontRef idx="minor">
-            <a:schemeClr val="tx1"/>
-          </a:fontRef>
-        </p:style>
-      </p:cxnSp>
-      <p:sp>
-        <p:nvSpPr>
-          <p:cNvPr id="93" name="矩形 92"/>
-          <p:cNvSpPr/>
-          <p:nvPr/>
-        </p:nvSpPr>
-        <p:spPr>
-          <a:xfrm>
-            <a:off x="8457401" y="5163102"/>
-            <a:ext cx="733330" cy="695179"/>
-          </a:xfrm>
-          <a:prstGeom prst="rect">
-            <a:avLst/>
-          </a:prstGeom>
-          <a:noFill/>
-          <a:ln>
-            <a:solidFill>
-              <a:schemeClr val="tx1"/>
-            </a:solidFill>
-          </a:ln>
-        </p:spPr>
-        <p:style>
-          <a:lnRef idx="2">
-            <a:schemeClr val="accent1">
-              <a:shade val="50000"/>
-            </a:schemeClr>
-          </a:lnRef>
-          <a:fillRef idx="1">
-            <a:schemeClr val="accent1"/>
-          </a:fillRef>
-          <a:effectRef idx="0">
-            <a:schemeClr val="accent1"/>
-          </a:effectRef>
-          <a:fontRef idx="minor">
-            <a:schemeClr val="lt1"/>
-          </a:fontRef>
-        </p:style>
-        <p:txBody>
-          <a:bodyPr rtlCol="0" anchor="ctr"/>
-          <a:lstStyle/>
-          <a:p>
-            <a:pPr algn="ctr"/>
-            <a:r>
-              <a:rPr lang="en-US" altLang="zh-CN" dirty="0" smtClean="0">
-                <a:solidFill>
-                  <a:schemeClr val="tx1"/>
-                </a:solidFill>
-              </a:rPr>
-              <a:t>MEM</a:t>
-            </a:r>
-            <a:endParaRPr lang="zh-CN" altLang="en-US" dirty="0">
-              <a:solidFill>
-                <a:schemeClr val="tx1"/>
-              </a:solidFill>
-            </a:endParaRPr>
-          </a:p>
-        </p:txBody>
-      </p:sp>
-      <p:cxnSp>
-        <p:nvCxnSpPr>
-          <p:cNvPr id="62" name="直接箭头连接符 61"/>
-          <p:cNvCxnSpPr>
-            <a:stCxn id="60" idx="2"/>
-            <a:endCxn id="93" idx="0"/>
-          </p:cNvCxnSpPr>
-          <p:nvPr/>
-        </p:nvCxnSpPr>
-        <p:spPr>
-          <a:xfrm flipH="1">
-            <a:off x="8824066" y="4941656"/>
-            <a:ext cx="453981" cy="221446"/>
-          </a:xfrm>
-          <a:prstGeom prst="straightConnector1">
-            <a:avLst/>
-          </a:prstGeom>
-          <a:ln>
-            <a:tailEnd type="triangle"/>
-          </a:ln>
-        </p:spPr>
-        <p:style>
-          <a:lnRef idx="1">
-            <a:schemeClr val="accent1"/>
-          </a:lnRef>
-          <a:fillRef idx="0">
-            <a:schemeClr val="accent1"/>
-          </a:fillRef>
-          <a:effectRef idx="0">
-            <a:schemeClr val="accent1"/>
-          </a:effectRef>
-          <a:fontRef idx="minor">
-            <a:schemeClr val="tx1"/>
-          </a:fontRef>
-        </p:style>
-      </p:cxnSp>
-      <p:sp>
-        <p:nvSpPr>
-          <p:cNvPr id="124" name="矩形 123"/>
-          <p:cNvSpPr/>
-          <p:nvPr/>
-        </p:nvSpPr>
-        <p:spPr>
-          <a:xfrm>
-            <a:off x="7732772" y="4045441"/>
-            <a:ext cx="907962" cy="894461"/>
-          </a:xfrm>
-          <a:prstGeom prst="rect">
-            <a:avLst/>
-          </a:prstGeom>
-          <a:noFill/>
-          <a:ln>
-            <a:solidFill>
-              <a:schemeClr val="tx1"/>
-            </a:solidFill>
-          </a:ln>
-        </p:spPr>
-        <p:style>
-          <a:lnRef idx="2">
-            <a:schemeClr val="accent1">
-              <a:shade val="50000"/>
-            </a:schemeClr>
-          </a:lnRef>
-          <a:fillRef idx="1">
-            <a:schemeClr val="accent1"/>
-          </a:fillRef>
-          <a:effectRef idx="0">
-            <a:schemeClr val="accent1"/>
-          </a:effectRef>
-          <a:fontRef idx="minor">
-            <a:schemeClr val="lt1"/>
-          </a:fontRef>
-        </p:style>
-        <p:txBody>
-          <a:bodyPr rtlCol="0" anchor="ctr"/>
-          <a:lstStyle/>
-          <a:p>
-            <a:pPr algn="ctr"/>
-            <a:r>
-              <a:rPr lang="en-US" altLang="zh-CN" sz="1200" dirty="0" smtClean="0">
-                <a:solidFill>
-                  <a:schemeClr val="tx1"/>
-                </a:solidFill>
-              </a:rPr>
-              <a:t>RegEx</a:t>
-            </a:r>
-          </a:p>
-          <a:p>
-            <a:pPr algn="ctr"/>
-            <a:r>
-              <a:rPr lang="en-US" altLang="zh-CN" sz="1200" dirty="0" smtClean="0">
-                <a:solidFill>
-                  <a:schemeClr val="tx1"/>
-                </a:solidFill>
-              </a:rPr>
-              <a:t>if(0-20)?</a:t>
-            </a:r>
-          </a:p>
-          <a:p>
-            <a:pPr algn="ctr"/>
-            <a:r>
-              <a:rPr lang="en-US" altLang="zh-CN" sz="1200" dirty="0" smtClean="0">
-                <a:solidFill>
-                  <a:schemeClr val="tx1"/>
-                </a:solidFill>
-              </a:rPr>
-              <a:t>0:null</a:t>
-            </a:r>
-            <a:endParaRPr lang="zh-CN" altLang="en-US" sz="1200" dirty="0">
-              <a:solidFill>
-                <a:schemeClr val="tx1"/>
-              </a:solidFill>
-            </a:endParaRPr>
-          </a:p>
-        </p:txBody>
-      </p:sp>
-      <p:cxnSp>
-        <p:nvCxnSpPr>
-          <p:cNvPr id="109" name="直接箭头连接符 108"/>
-          <p:cNvCxnSpPr>
-            <a:stCxn id="42" idx="2"/>
-            <a:endCxn id="60" idx="0"/>
-          </p:cNvCxnSpPr>
-          <p:nvPr/>
-        </p:nvCxnSpPr>
-        <p:spPr>
-          <a:xfrm>
-            <a:off x="7524356" y="3399787"/>
-            <a:ext cx="1753691" cy="647408"/>
-          </a:xfrm>
-          <a:prstGeom prst="straightConnector1">
-            <a:avLst/>
-          </a:prstGeom>
-          <a:ln>
-            <a:tailEnd type="triangle"/>
-          </a:ln>
-        </p:spPr>
-        <p:style>
-          <a:lnRef idx="1">
-            <a:schemeClr val="accent1"/>
-          </a:lnRef>
-          <a:fillRef idx="0">
-            <a:schemeClr val="accent1"/>
-          </a:fillRef>
-          <a:effectRef idx="0">
-            <a:schemeClr val="accent1"/>
-          </a:effectRef>
-          <a:fontRef idx="minor">
-            <a:schemeClr val="tx1"/>
-          </a:fontRef>
-        </p:style>
-      </p:cxnSp>
-      <p:cxnSp>
-        <p:nvCxnSpPr>
-          <p:cNvPr id="118" name="直接箭头连接符 117"/>
-          <p:cNvCxnSpPr>
-            <a:stCxn id="124" idx="2"/>
-            <a:endCxn id="93" idx="0"/>
-          </p:cNvCxnSpPr>
-          <p:nvPr/>
-        </p:nvCxnSpPr>
-        <p:spPr>
-          <a:xfrm>
-            <a:off x="8186753" y="4939902"/>
-            <a:ext cx="637313" cy="223200"/>
-          </a:xfrm>
-          <a:prstGeom prst="straightConnector1">
-            <a:avLst/>
-          </a:prstGeom>
-          <a:ln>
-            <a:tailEnd type="triangle"/>
-          </a:ln>
-        </p:spPr>
-        <p:style>
-          <a:lnRef idx="1">
-            <a:schemeClr val="accent1"/>
-          </a:lnRef>
-          <a:fillRef idx="0">
-            <a:schemeClr val="accent1"/>
-          </a:fillRef>
-          <a:effectRef idx="0">
-            <a:schemeClr val="accent1"/>
-          </a:effectRef>
-          <a:fontRef idx="minor">
-            <a:schemeClr val="tx1"/>
-          </a:fontRef>
-        </p:style>
-      </p:cxnSp>
-      <p:sp>
-        <p:nvSpPr>
-          <p:cNvPr id="164" name="矩形 163"/>
-          <p:cNvSpPr/>
-          <p:nvPr/>
-        </p:nvSpPr>
-        <p:spPr>
-          <a:xfrm>
-            <a:off x="6589925" y="4071362"/>
-            <a:ext cx="819035" cy="867094"/>
-          </a:xfrm>
-          <a:prstGeom prst="rect">
-            <a:avLst/>
-          </a:prstGeom>
-          <a:noFill/>
-          <a:ln>
-            <a:solidFill>
-              <a:schemeClr val="tx1"/>
-            </a:solidFill>
-          </a:ln>
-        </p:spPr>
-        <p:style>
-          <a:lnRef idx="2">
-            <a:schemeClr val="accent1">
-              <a:shade val="50000"/>
-            </a:schemeClr>
-          </a:lnRef>
-          <a:fillRef idx="1">
-            <a:schemeClr val="accent1"/>
-          </a:fillRef>
-          <a:effectRef idx="0">
-            <a:schemeClr val="accent1"/>
-          </a:effectRef>
-          <a:fontRef idx="minor">
-            <a:schemeClr val="lt1"/>
-          </a:fontRef>
-        </p:style>
-        <p:txBody>
-          <a:bodyPr rtlCol="0" anchor="ctr"/>
-          <a:lstStyle/>
-          <a:p>
-            <a:pPr algn="ctr"/>
-            <a:r>
-              <a:rPr lang="en-US" altLang="zh-CN" sz="1200" dirty="0" smtClean="0">
-                <a:solidFill>
-                  <a:schemeClr val="tx1"/>
-                </a:solidFill>
-              </a:rPr>
-              <a:t>If(1)?</a:t>
-            </a:r>
-          </a:p>
-          <a:p>
-            <a:pPr algn="ctr"/>
-            <a:r>
-              <a:rPr lang="en-US" altLang="zh-CN" sz="1200" dirty="0" smtClean="0">
-                <a:solidFill>
-                  <a:schemeClr val="tx1"/>
-                </a:solidFill>
-              </a:rPr>
-              <a:t>20:100</a:t>
-            </a:r>
-            <a:endParaRPr lang="zh-CN" altLang="en-US" sz="1200" dirty="0">
-              <a:solidFill>
-                <a:schemeClr val="tx1"/>
-              </a:solidFill>
-            </a:endParaRPr>
-          </a:p>
-        </p:txBody>
-      </p:sp>
-      <p:sp>
-        <p:nvSpPr>
-          <p:cNvPr id="112" name="矩形 111"/>
-          <p:cNvSpPr/>
-          <p:nvPr/>
-        </p:nvSpPr>
-        <p:spPr>
-          <a:xfrm>
-            <a:off x="4693159" y="711373"/>
-            <a:ext cx="733330" cy="695179"/>
-          </a:xfrm>
-          <a:prstGeom prst="rect">
-            <a:avLst/>
-          </a:prstGeom>
-          <a:noFill/>
-          <a:ln>
-            <a:solidFill>
-              <a:schemeClr val="tx1"/>
-            </a:solidFill>
-          </a:ln>
-        </p:spPr>
-        <p:style>
-          <a:lnRef idx="2">
-            <a:schemeClr val="accent1">
-              <a:shade val="50000"/>
-            </a:schemeClr>
-          </a:lnRef>
-          <a:fillRef idx="1">
-            <a:schemeClr val="accent1"/>
-          </a:fillRef>
-          <a:effectRef idx="0">
-            <a:schemeClr val="accent1"/>
-          </a:effectRef>
-          <a:fontRef idx="minor">
-            <a:schemeClr val="lt1"/>
-          </a:fontRef>
-        </p:style>
-        <p:txBody>
-          <a:bodyPr rtlCol="0" anchor="ctr"/>
-          <a:lstStyle/>
-          <a:p>
-            <a:pPr algn="ctr"/>
-            <a:r>
-              <a:rPr lang="en-US" altLang="zh-CN" dirty="0" smtClean="0">
-                <a:solidFill>
-                  <a:schemeClr val="tx1"/>
-                </a:solidFill>
-              </a:rPr>
-              <a:t>Abs()</a:t>
-            </a:r>
-            <a:endParaRPr lang="zh-CN" altLang="en-US" dirty="0">
-              <a:solidFill>
-                <a:schemeClr val="tx1"/>
-              </a:solidFill>
-            </a:endParaRPr>
-          </a:p>
-        </p:txBody>
-      </p:sp>
-      <p:sp>
-        <p:nvSpPr>
-          <p:cNvPr id="113" name="矩形 112"/>
-          <p:cNvSpPr/>
-          <p:nvPr/>
-        </p:nvSpPr>
-        <p:spPr>
-          <a:xfrm>
-            <a:off x="3581014" y="708194"/>
-            <a:ext cx="733330" cy="695179"/>
-          </a:xfrm>
-          <a:prstGeom prst="rect">
-            <a:avLst/>
-          </a:prstGeom>
-          <a:noFill/>
-          <a:ln>
-            <a:solidFill>
-              <a:schemeClr val="tx1"/>
-            </a:solidFill>
-          </a:ln>
-        </p:spPr>
-        <p:style>
-          <a:lnRef idx="2">
-            <a:schemeClr val="accent1">
-              <a:shade val="50000"/>
-            </a:schemeClr>
-          </a:lnRef>
-          <a:fillRef idx="1">
-            <a:schemeClr val="accent1"/>
-          </a:fillRef>
-          <a:effectRef idx="0">
-            <a:schemeClr val="accent1"/>
-          </a:effectRef>
-          <a:fontRef idx="minor">
-            <a:schemeClr val="lt1"/>
-          </a:fontRef>
-        </p:style>
-        <p:txBody>
-          <a:bodyPr rtlCol="0" anchor="ctr"/>
-          <a:lstStyle/>
-          <a:p>
-            <a:pPr algn="ctr"/>
-            <a:r>
-              <a:rPr lang="en-US" altLang="zh-CN" dirty="0" smtClean="0">
-                <a:solidFill>
-                  <a:schemeClr val="tx1"/>
-                </a:solidFill>
-              </a:rPr>
-              <a:t>(int)</a:t>
-            </a:r>
-          </a:p>
-          <a:p>
-            <a:pPr algn="ctr"/>
-            <a:r>
-              <a:rPr lang="en-US" altLang="zh-CN" dirty="0" smtClean="0">
-                <a:solidFill>
-                  <a:schemeClr val="tx1"/>
-                </a:solidFill>
-              </a:rPr>
-              <a:t>HV</a:t>
-            </a:r>
-            <a:endParaRPr lang="zh-CN" altLang="en-US" dirty="0">
-              <a:solidFill>
-                <a:schemeClr val="tx1"/>
-              </a:solidFill>
-            </a:endParaRPr>
-          </a:p>
-        </p:txBody>
-      </p:sp>
-      <p:cxnSp>
-        <p:nvCxnSpPr>
-          <p:cNvPr id="85" name="直接箭头连接符 84"/>
-          <p:cNvCxnSpPr>
-            <a:stCxn id="112" idx="3"/>
-            <a:endCxn id="105" idx="1"/>
-          </p:cNvCxnSpPr>
-          <p:nvPr/>
-        </p:nvCxnSpPr>
-        <p:spPr>
-          <a:xfrm>
-            <a:off x="5426489" y="1058963"/>
-            <a:ext cx="383870" cy="0"/>
-          </a:xfrm>
-          <a:prstGeom prst="straightConnector1">
-            <a:avLst/>
-          </a:prstGeom>
-          <a:ln>
-            <a:tailEnd type="triangle"/>
-          </a:ln>
-        </p:spPr>
-        <p:style>
-          <a:lnRef idx="1">
-            <a:schemeClr val="accent1"/>
-          </a:lnRef>
-          <a:fillRef idx="0">
-            <a:schemeClr val="accent1"/>
-          </a:fillRef>
-          <a:effectRef idx="0">
-            <a:schemeClr val="accent1"/>
-          </a:effectRef>
-          <a:fontRef idx="minor">
-            <a:schemeClr val="tx1"/>
-          </a:fontRef>
-        </p:style>
-      </p:cxnSp>
-      <p:cxnSp>
-        <p:nvCxnSpPr>
-          <p:cNvPr id="87" name="直接箭头连接符 86"/>
-          <p:cNvCxnSpPr>
-            <a:stCxn id="113" idx="3"/>
-            <a:endCxn id="112" idx="1"/>
-          </p:cNvCxnSpPr>
-          <p:nvPr/>
-        </p:nvCxnSpPr>
-        <p:spPr>
-          <a:xfrm>
-            <a:off x="4314344" y="1055784"/>
-            <a:ext cx="378815" cy="3179"/>
-          </a:xfrm>
-          <a:prstGeom prst="straightConnector1">
-            <a:avLst/>
-          </a:prstGeom>
-          <a:ln>
-            <a:tailEnd type="triangle"/>
-          </a:ln>
-        </p:spPr>
-        <p:style>
-          <a:lnRef idx="1">
-            <a:schemeClr val="accent1"/>
-          </a:lnRef>
-          <a:fillRef idx="0">
-            <a:schemeClr val="accent1"/>
-          </a:fillRef>
-          <a:effectRef idx="0">
-            <a:schemeClr val="accent1"/>
-          </a:effectRef>
-          <a:fontRef idx="minor">
-            <a:schemeClr val="tx1"/>
-          </a:fontRef>
-        </p:style>
-      </p:cxnSp>
-      <p:cxnSp>
-        <p:nvCxnSpPr>
-          <p:cNvPr id="89" name="直接箭头连接符 88"/>
-          <p:cNvCxnSpPr>
-            <a:stCxn id="65" idx="3"/>
-            <a:endCxn id="113" idx="1"/>
-          </p:cNvCxnSpPr>
-          <p:nvPr/>
-        </p:nvCxnSpPr>
-        <p:spPr>
-          <a:xfrm>
-            <a:off x="3044730" y="1054621"/>
-            <a:ext cx="536284" cy="1163"/>
-          </a:xfrm>
-          <a:prstGeom prst="straightConnector1">
-            <a:avLst/>
-          </a:prstGeom>
-          <a:ln>
-            <a:tailEnd type="triangle"/>
-          </a:ln>
-        </p:spPr>
-        <p:style>
-          <a:lnRef idx="1">
-            <a:schemeClr val="accent1"/>
-          </a:lnRef>
-          <a:fillRef idx="0">
-            <a:schemeClr val="accent1"/>
-          </a:fillRef>
-          <a:effectRef idx="0">
-            <a:schemeClr val="accent1"/>
-          </a:effectRef>
-          <a:fontRef idx="minor">
-            <a:schemeClr val="tx1"/>
-          </a:fontRef>
-        </p:style>
-      </p:cxnSp>
-      <p:sp>
-        <p:nvSpPr>
-          <p:cNvPr id="126" name="矩形 125"/>
-          <p:cNvSpPr/>
-          <p:nvPr/>
-        </p:nvSpPr>
-        <p:spPr>
-          <a:xfrm>
-            <a:off x="7102191" y="769917"/>
-            <a:ext cx="733330" cy="695179"/>
-          </a:xfrm>
-          <a:prstGeom prst="rect">
-            <a:avLst/>
-          </a:prstGeom>
-          <a:noFill/>
-          <a:ln>
-            <a:solidFill>
-              <a:schemeClr val="tx1"/>
-            </a:solidFill>
-          </a:ln>
-        </p:spPr>
-        <p:style>
-          <a:lnRef idx="2">
-            <a:schemeClr val="accent1">
-              <a:shade val="50000"/>
-            </a:schemeClr>
-          </a:lnRef>
-          <a:fillRef idx="1">
-            <a:schemeClr val="accent1"/>
-          </a:fillRef>
-          <a:effectRef idx="0">
-            <a:schemeClr val="accent1"/>
-          </a:effectRef>
-          <a:fontRef idx="minor">
-            <a:schemeClr val="lt1"/>
-          </a:fontRef>
-        </p:style>
-        <p:txBody>
-          <a:bodyPr rtlCol="0" anchor="ctr"/>
-          <a:lstStyle/>
-          <a:p>
-            <a:pPr algn="ctr"/>
-            <a:r>
-              <a:rPr lang="en-US" altLang="zh-CN" dirty="0" smtClean="0">
-                <a:solidFill>
-                  <a:schemeClr val="tx1"/>
-                </a:solidFill>
-              </a:rPr>
-              <a:t>Mod</a:t>
-            </a:r>
-          </a:p>
-          <a:p>
-            <a:pPr algn="ctr"/>
-            <a:r>
-              <a:rPr lang="en-US" altLang="zh-CN" dirty="0" smtClean="0">
-                <a:solidFill>
-                  <a:schemeClr val="tx1"/>
-                </a:solidFill>
-              </a:rPr>
-              <a:t>(50)</a:t>
-            </a:r>
-            <a:endParaRPr lang="zh-CN" altLang="en-US" dirty="0">
-              <a:solidFill>
-                <a:schemeClr val="tx1"/>
-              </a:solidFill>
-            </a:endParaRPr>
-          </a:p>
-        </p:txBody>
-      </p:sp>
-      <p:cxnSp>
-        <p:nvCxnSpPr>
-          <p:cNvPr id="103" name="直接箭头连接符 102"/>
-          <p:cNvCxnSpPr>
-            <a:stCxn id="126" idx="3"/>
-            <a:endCxn id="106" idx="1"/>
-          </p:cNvCxnSpPr>
-          <p:nvPr/>
-        </p:nvCxnSpPr>
-        <p:spPr>
-          <a:xfrm>
-            <a:off x="7835521" y="1117507"/>
-            <a:ext cx="378815" cy="0"/>
-          </a:xfrm>
-          <a:prstGeom prst="straightConnector1">
-            <a:avLst/>
-          </a:prstGeom>
-          <a:ln>
-            <a:tailEnd type="triangle"/>
-          </a:ln>
-        </p:spPr>
-        <p:style>
-          <a:lnRef idx="1">
-            <a:schemeClr val="accent1"/>
-          </a:lnRef>
-          <a:fillRef idx="0">
-            <a:schemeClr val="accent1"/>
-          </a:fillRef>
-          <a:effectRef idx="0">
-            <a:schemeClr val="accent1"/>
-          </a:effectRef>
-          <a:fontRef idx="minor">
-            <a:schemeClr val="tx1"/>
-          </a:fontRef>
-        </p:style>
-      </p:cxnSp>
-      <p:cxnSp>
-        <p:nvCxnSpPr>
-          <p:cNvPr id="111" name="肘形连接符 110"/>
-          <p:cNvCxnSpPr>
-            <a:stCxn id="112" idx="0"/>
-            <a:endCxn id="126" idx="0"/>
-          </p:cNvCxnSpPr>
-          <p:nvPr/>
-        </p:nvCxnSpPr>
-        <p:spPr>
-          <a:xfrm rot="16200000" flipH="1">
-            <a:off x="6235068" y="-463871"/>
-            <a:ext cx="58544" cy="2409032"/>
-          </a:xfrm>
-          <a:prstGeom prst="bentConnector3">
-            <a:avLst>
-              <a:gd name="adj1" fmla="val -390476"/>
-            </a:avLst>
-          </a:prstGeom>
-          <a:ln>
-            <a:tailEnd type="triangle"/>
-          </a:ln>
-        </p:spPr>
-        <p:style>
-          <a:lnRef idx="1">
-            <a:schemeClr val="accent1"/>
-          </a:lnRef>
-          <a:fillRef idx="0">
-            <a:schemeClr val="accent1"/>
-          </a:fillRef>
-          <a:effectRef idx="0">
-            <a:schemeClr val="accent1"/>
-          </a:effectRef>
-          <a:fontRef idx="minor">
-            <a:schemeClr val="tx1"/>
-          </a:fontRef>
-        </p:style>
-      </p:cxnSp>
-      <p:cxnSp>
-        <p:nvCxnSpPr>
-          <p:cNvPr id="142" name="直接箭头连接符 141"/>
-          <p:cNvCxnSpPr>
-            <a:stCxn id="201" idx="3"/>
-            <a:endCxn id="78" idx="1"/>
-          </p:cNvCxnSpPr>
-          <p:nvPr/>
-        </p:nvCxnSpPr>
-        <p:spPr>
-          <a:xfrm>
-            <a:off x="2972813" y="2674215"/>
-            <a:ext cx="2911195" cy="498461"/>
-          </a:xfrm>
-          <a:prstGeom prst="straightConnector1">
-            <a:avLst/>
-          </a:prstGeom>
-          <a:ln>
-            <a:solidFill>
-              <a:srgbClr val="FF0000"/>
-            </a:solidFill>
-            <a:tailEnd type="triangle"/>
-          </a:ln>
-        </p:spPr>
-        <p:style>
-          <a:lnRef idx="1">
-            <a:schemeClr val="accent1"/>
-          </a:lnRef>
-          <a:fillRef idx="0">
-            <a:schemeClr val="accent1"/>
-          </a:fillRef>
-          <a:effectRef idx="0">
-            <a:schemeClr val="accent1"/>
-          </a:effectRef>
-          <a:fontRef idx="minor">
-            <a:schemeClr val="tx1"/>
-          </a:fontRef>
-        </p:style>
-      </p:cxnSp>
-      <p:cxnSp>
-        <p:nvCxnSpPr>
-          <p:cNvPr id="149" name="肘形连接符 148"/>
-          <p:cNvCxnSpPr>
-            <a:stCxn id="106" idx="2"/>
-            <a:endCxn id="42" idx="3"/>
-          </p:cNvCxnSpPr>
-          <p:nvPr/>
-        </p:nvCxnSpPr>
-        <p:spPr>
-          <a:xfrm rot="5400000">
-            <a:off x="7470473" y="2064054"/>
-            <a:ext cx="1709487" cy="511570"/>
-          </a:xfrm>
-          <a:prstGeom prst="bentConnector2">
-            <a:avLst/>
-          </a:prstGeom>
-          <a:ln>
-            <a:tailEnd type="triangle"/>
-          </a:ln>
-        </p:spPr>
-        <p:style>
-          <a:lnRef idx="1">
-            <a:schemeClr val="accent1"/>
-          </a:lnRef>
-          <a:fillRef idx="0">
-            <a:schemeClr val="accent1"/>
-          </a:fillRef>
-          <a:effectRef idx="0">
-            <a:schemeClr val="accent1"/>
-          </a:effectRef>
-          <a:fontRef idx="minor">
-            <a:schemeClr val="tx1"/>
-          </a:fontRef>
-        </p:style>
-      </p:cxnSp>
-      <p:cxnSp>
-        <p:nvCxnSpPr>
-          <p:cNvPr id="174" name="肘形连接符 173"/>
-          <p:cNvCxnSpPr>
-            <a:stCxn id="42" idx="2"/>
-            <a:endCxn id="51" idx="3"/>
-          </p:cNvCxnSpPr>
-          <p:nvPr/>
-        </p:nvCxnSpPr>
-        <p:spPr>
-          <a:xfrm rot="5400000">
-            <a:off x="5050480" y="1341309"/>
-            <a:ext cx="415399" cy="4532355"/>
-          </a:xfrm>
-          <a:prstGeom prst="bentConnector2">
-            <a:avLst/>
-          </a:prstGeom>
-          <a:ln>
-            <a:solidFill>
-              <a:srgbClr val="FF0000"/>
-            </a:solidFill>
-            <a:tailEnd type="triangle"/>
-          </a:ln>
-        </p:spPr>
-        <p:style>
-          <a:lnRef idx="1">
-            <a:schemeClr val="accent1"/>
-          </a:lnRef>
-          <a:fillRef idx="0">
-            <a:schemeClr val="accent1"/>
-          </a:fillRef>
-          <a:effectRef idx="0">
-            <a:schemeClr val="accent1"/>
-          </a:effectRef>
-          <a:fontRef idx="minor">
-            <a:schemeClr val="tx1"/>
-          </a:fontRef>
-        </p:style>
-      </p:cxnSp>
-      <p:cxnSp>
-        <p:nvCxnSpPr>
-          <p:cNvPr id="181" name="肘形连接符 180"/>
-          <p:cNvCxnSpPr>
-            <a:stCxn id="201" idx="1"/>
-            <a:endCxn id="65" idx="1"/>
-          </p:cNvCxnSpPr>
-          <p:nvPr/>
-        </p:nvCxnSpPr>
-        <p:spPr>
-          <a:xfrm rot="10800000">
-            <a:off x="1918706" y="1054621"/>
-            <a:ext cx="81994" cy="1619594"/>
-          </a:xfrm>
-          <a:prstGeom prst="bentConnector3">
-            <a:avLst>
-              <a:gd name="adj1" fmla="val 378801"/>
-            </a:avLst>
-          </a:prstGeom>
-          <a:ln>
-            <a:solidFill>
-              <a:srgbClr val="FF0000"/>
-            </a:solidFill>
-            <a:tailEnd type="triangle"/>
-          </a:ln>
-        </p:spPr>
-        <p:style>
-          <a:lnRef idx="1">
-            <a:schemeClr val="accent1"/>
-          </a:lnRef>
-          <a:fillRef idx="0">
-            <a:schemeClr val="accent1"/>
-          </a:fillRef>
-          <a:effectRef idx="0">
-            <a:schemeClr val="accent1"/>
-          </a:effectRef>
-          <a:fontRef idx="minor">
-            <a:schemeClr val="tx1"/>
-          </a:fontRef>
-        </p:style>
-      </p:cxnSp>
-      <p:cxnSp>
-        <p:nvCxnSpPr>
-          <p:cNvPr id="212" name="直接箭头连接符 211"/>
-          <p:cNvCxnSpPr>
-            <a:stCxn id="93" idx="1"/>
-            <a:endCxn id="164" idx="2"/>
-          </p:cNvCxnSpPr>
-          <p:nvPr/>
-        </p:nvCxnSpPr>
-        <p:spPr>
-          <a:xfrm flipH="1" flipV="1">
-            <a:off x="6999443" y="4938456"/>
-            <a:ext cx="1457958" cy="572236"/>
-          </a:xfrm>
-          <a:prstGeom prst="straightConnector1">
-            <a:avLst/>
-          </a:prstGeom>
-          <a:ln>
-            <a:tailEnd type="triangle"/>
-          </a:ln>
-        </p:spPr>
-        <p:style>
-          <a:lnRef idx="1">
-            <a:schemeClr val="accent1"/>
-          </a:lnRef>
-          <a:fillRef idx="0">
-            <a:schemeClr val="accent1"/>
-          </a:fillRef>
-          <a:effectRef idx="0">
-            <a:schemeClr val="accent1"/>
-          </a:effectRef>
-          <a:fontRef idx="minor">
-            <a:schemeClr val="tx1"/>
-          </a:fontRef>
-        </p:style>
-      </p:cxnSp>
-      <p:cxnSp>
-        <p:nvCxnSpPr>
-          <p:cNvPr id="215" name="肘形连接符 214"/>
-          <p:cNvCxnSpPr>
-            <a:stCxn id="51" idx="2"/>
-            <a:endCxn id="44" idx="1"/>
-          </p:cNvCxnSpPr>
-          <p:nvPr/>
-        </p:nvCxnSpPr>
-        <p:spPr>
-          <a:xfrm rot="16200000" flipH="1">
-            <a:off x="3404135" y="3161159"/>
-            <a:ext cx="724041" cy="2520420"/>
-          </a:xfrm>
-          <a:prstGeom prst="bentConnector2">
-            <a:avLst/>
-          </a:prstGeom>
-          <a:ln>
-            <a:solidFill>
-              <a:srgbClr val="FF0000"/>
-            </a:solidFill>
-            <a:tailEnd type="triangle"/>
-          </a:ln>
-        </p:spPr>
-        <p:style>
-          <a:lnRef idx="1">
-            <a:schemeClr val="accent1"/>
-          </a:lnRef>
-          <a:fillRef idx="0">
-            <a:schemeClr val="accent1"/>
-          </a:fillRef>
-          <a:effectRef idx="0">
-            <a:schemeClr val="accent1"/>
-          </a:effectRef>
-          <a:fontRef idx="minor">
-            <a:schemeClr val="tx1"/>
-          </a:fontRef>
-        </p:style>
-      </p:cxnSp>
-      <p:sp>
-        <p:nvSpPr>
-          <p:cNvPr id="224" name="矩形 223"/>
-          <p:cNvSpPr/>
-          <p:nvPr/>
-        </p:nvSpPr>
-        <p:spPr>
-          <a:xfrm>
-            <a:off x="832577" y="2912307"/>
-            <a:ext cx="733330" cy="695179"/>
-          </a:xfrm>
-          <a:prstGeom prst="rect">
-            <a:avLst/>
-          </a:prstGeom>
-          <a:noFill/>
-          <a:ln>
-            <a:solidFill>
-              <a:schemeClr val="tx1"/>
-            </a:solidFill>
-          </a:ln>
-        </p:spPr>
-        <p:style>
-          <a:lnRef idx="2">
-            <a:schemeClr val="accent1">
-              <a:shade val="50000"/>
-            </a:schemeClr>
-          </a:lnRef>
-          <a:fillRef idx="1">
-            <a:schemeClr val="accent1"/>
-          </a:fillRef>
-          <a:effectRef idx="0">
-            <a:schemeClr val="accent1"/>
-          </a:effectRef>
-          <a:fontRef idx="minor">
-            <a:schemeClr val="lt1"/>
-          </a:fontRef>
-        </p:style>
-        <p:txBody>
-          <a:bodyPr rtlCol="0" anchor="ctr"/>
-          <a:lstStyle/>
-          <a:p>
-            <a:pPr algn="ctr"/>
-            <a:r>
-              <a:rPr lang="en-US" altLang="zh-CN" dirty="0" smtClean="0">
-                <a:solidFill>
-                  <a:schemeClr val="tx1"/>
-                </a:solidFill>
-              </a:rPr>
-              <a:t>Relay</a:t>
-            </a:r>
-            <a:endParaRPr lang="zh-CN" altLang="en-US" dirty="0">
-              <a:solidFill>
-                <a:schemeClr val="tx1"/>
-              </a:solidFill>
-            </a:endParaRPr>
-          </a:p>
-        </p:txBody>
-      </p:sp>
-      <p:cxnSp>
-        <p:nvCxnSpPr>
-          <p:cNvPr id="226" name="肘形连接符 225"/>
-          <p:cNvCxnSpPr>
-            <a:stCxn id="93" idx="1"/>
-            <a:endCxn id="224" idx="2"/>
-          </p:cNvCxnSpPr>
-          <p:nvPr/>
-        </p:nvCxnSpPr>
-        <p:spPr>
-          <a:xfrm rot="10800000">
-            <a:off x="1199243" y="3607486"/>
-            <a:ext cx="7258159" cy="1903206"/>
-          </a:xfrm>
-          <a:prstGeom prst="bentConnector2">
-            <a:avLst/>
-          </a:prstGeom>
-          <a:ln>
-            <a:tailEnd type="triangle"/>
-          </a:ln>
-        </p:spPr>
-        <p:style>
-          <a:lnRef idx="1">
-            <a:schemeClr val="accent1"/>
-          </a:lnRef>
-          <a:fillRef idx="0">
-            <a:schemeClr val="accent1"/>
-          </a:fillRef>
-          <a:effectRef idx="0">
-            <a:schemeClr val="accent1"/>
-          </a:effectRef>
-          <a:fontRef idx="minor">
-            <a:schemeClr val="tx1"/>
-          </a:fontRef>
-        </p:style>
-      </p:cxnSp>
-      <p:cxnSp>
-        <p:nvCxnSpPr>
-          <p:cNvPr id="232" name="直接箭头连接符 231"/>
-          <p:cNvCxnSpPr>
-            <a:stCxn id="51" idx="1"/>
-            <a:endCxn id="224" idx="3"/>
-          </p:cNvCxnSpPr>
-          <p:nvPr/>
-        </p:nvCxnSpPr>
-        <p:spPr>
-          <a:xfrm flipH="1" flipV="1">
-            <a:off x="1565907" y="3259897"/>
-            <a:ext cx="453981" cy="555289"/>
-          </a:xfrm>
-          <a:prstGeom prst="straightConnector1">
-            <a:avLst/>
-          </a:prstGeom>
-          <a:ln>
-            <a:solidFill>
-              <a:srgbClr val="FF0000"/>
-            </a:solidFill>
-            <a:tailEnd type="triangle"/>
-          </a:ln>
-        </p:spPr>
-        <p:style>
-          <a:lnRef idx="1">
-            <a:schemeClr val="accent1"/>
-          </a:lnRef>
-          <a:fillRef idx="0">
-            <a:schemeClr val="accent1"/>
-          </a:fillRef>
-          <a:effectRef idx="0">
-            <a:schemeClr val="accent1"/>
-          </a:effectRef>
-          <a:fontRef idx="minor">
-            <a:schemeClr val="tx1"/>
-          </a:fontRef>
-        </p:style>
-      </p:cxnSp>
-      <p:cxnSp>
-        <p:nvCxnSpPr>
-          <p:cNvPr id="235" name="直接箭头连接符 234"/>
-          <p:cNvCxnSpPr>
-            <a:stCxn id="224" idx="3"/>
-            <a:endCxn id="201" idx="1"/>
-          </p:cNvCxnSpPr>
-          <p:nvPr/>
-        </p:nvCxnSpPr>
-        <p:spPr>
-          <a:xfrm flipV="1">
-            <a:off x="1565907" y="2674215"/>
-            <a:ext cx="434793" cy="585682"/>
-          </a:xfrm>
-          <a:prstGeom prst="straightConnector1">
-            <a:avLst/>
-          </a:prstGeom>
-          <a:ln>
-            <a:solidFill>
-              <a:srgbClr val="FF0000"/>
-            </a:solidFill>
-            <a:tailEnd type="triangle"/>
-          </a:ln>
-        </p:spPr>
-        <p:style>
-          <a:lnRef idx="1">
-            <a:schemeClr val="accent1"/>
-          </a:lnRef>
-          <a:fillRef idx="0">
-            <a:schemeClr val="accent1"/>
-          </a:fillRef>
-          <a:effectRef idx="0">
-            <a:schemeClr val="accent1"/>
-          </a:effectRef>
-          <a:fontRef idx="minor">
-            <a:schemeClr val="tx1"/>
-          </a:fontRef>
-        </p:style>
-      </p:cxnSp>
-      <p:cxnSp>
-        <p:nvCxnSpPr>
-          <p:cNvPr id="241" name="直接箭头连接符 240"/>
-          <p:cNvCxnSpPr>
-            <a:stCxn id="164" idx="1"/>
-            <a:endCxn id="44" idx="3"/>
-          </p:cNvCxnSpPr>
-          <p:nvPr/>
-        </p:nvCxnSpPr>
-        <p:spPr>
-          <a:xfrm flipH="1">
-            <a:off x="6152389" y="4504909"/>
-            <a:ext cx="437536" cy="278481"/>
-          </a:xfrm>
-          <a:prstGeom prst="straightConnector1">
-            <a:avLst/>
-          </a:prstGeom>
-          <a:ln>
-            <a:tailEnd type="triangle"/>
-          </a:ln>
-        </p:spPr>
-        <p:style>
-          <a:lnRef idx="1">
-            <a:schemeClr val="accent1"/>
-          </a:lnRef>
-          <a:fillRef idx="0">
-            <a:schemeClr val="accent1"/>
-          </a:fillRef>
-          <a:effectRef idx="0">
-            <a:schemeClr val="accent1"/>
-          </a:effectRef>
-          <a:fontRef idx="minor">
-            <a:schemeClr val="tx1"/>
-          </a:fontRef>
-        </p:style>
-      </p:cxnSp>
-      <p:cxnSp>
-        <p:nvCxnSpPr>
-          <p:cNvPr id="3" name="直接箭头连接符 2"/>
-          <p:cNvCxnSpPr>
-            <a:stCxn id="51" idx="3"/>
-            <a:endCxn id="48" idx="1"/>
-          </p:cNvCxnSpPr>
-          <p:nvPr/>
-        </p:nvCxnSpPr>
-        <p:spPr>
-          <a:xfrm>
-            <a:off x="2992001" y="3815186"/>
-            <a:ext cx="2034364" cy="373504"/>
-          </a:xfrm>
-          <a:prstGeom prst="straightConnector1">
-            <a:avLst/>
-          </a:prstGeom>
-          <a:ln>
-            <a:solidFill>
-              <a:srgbClr val="FF0000"/>
-            </a:solidFill>
-            <a:tailEnd type="triangle"/>
-          </a:ln>
-        </p:spPr>
-        <p:style>
-          <a:lnRef idx="1">
-            <a:schemeClr val="accent1"/>
-          </a:lnRef>
-          <a:fillRef idx="0">
-            <a:schemeClr val="accent1"/>
-          </a:fillRef>
-          <a:effectRef idx="0">
-            <a:schemeClr val="accent1"/>
-          </a:effectRef>
-          <a:fontRef idx="minor">
-            <a:schemeClr val="tx1"/>
-          </a:fontRef>
-        </p:style>
-      </p:cxnSp>
-      <p:sp>
-        <p:nvSpPr>
-          <p:cNvPr id="2" name="文本框 1"/>
-          <p:cNvSpPr txBox="1"/>
-          <p:nvPr/>
-        </p:nvSpPr>
-        <p:spPr>
-          <a:xfrm>
-            <a:off x="286247" y="453224"/>
-            <a:ext cx="812274" cy="369332"/>
-          </a:xfrm>
-          <a:prstGeom prst="rect">
-            <a:avLst/>
-          </a:prstGeom>
-          <a:noFill/>
-        </p:spPr>
-        <p:txBody>
-          <a:bodyPr wrap="none" rtlCol="0">
-            <a:spAutoFit/>
-          </a:bodyPr>
-          <a:lstStyle/>
-          <a:p>
-            <a:r>
-              <a:rPr lang="en-US" altLang="zh-CN" dirty="0" smtClean="0"/>
-              <a:t>Barsuk</a:t>
+              <a:t>Double Click</a:t>
             </a:r>
             <a:endParaRPr lang="zh-CN" altLang="en-US" dirty="0"/>
           </a:p>
@@ -18518,7 +17692,7 @@
     </p:spTree>
     <p:extLst>
       <p:ext uri="{BB962C8B-B14F-4D97-AF65-F5344CB8AC3E}">
-        <p14:creationId xmlns:p14="http://schemas.microsoft.com/office/powerpoint/2010/main" val="3425912277"/>
+        <p14:creationId xmlns:p14="http://schemas.microsoft.com/office/powerpoint/2010/main" val="902403353"/>
       </p:ext>
     </p:extLst>
   </p:cSld>
@@ -18554,14 +17728,14 @@
       </p:grpSpPr>
       <p:sp>
         <p:nvSpPr>
-          <p:cNvPr id="2" name="矩形 1"/>
+          <p:cNvPr id="20" name="矩形 19"/>
           <p:cNvSpPr/>
           <p:nvPr/>
         </p:nvSpPr>
         <p:spPr>
           <a:xfrm>
-            <a:off x="2070981" y="3472799"/>
-            <a:ext cx="974369" cy="695178"/>
+            <a:off x="3546109" y="1797808"/>
+            <a:ext cx="972113" cy="478060"/>
           </a:xfrm>
           <a:prstGeom prst="rect">
             <a:avLst/>
@@ -18595,48 +17769,31 @@
           <a:p>
             <a:pPr algn="ctr"/>
             <a:r>
-              <a:rPr lang="en-US" altLang="zh-CN" sz="1200" dirty="0" smtClean="0">
+              <a:rPr lang="en-US" altLang="zh-CN" dirty="0" smtClean="0">
                 <a:solidFill>
                   <a:schemeClr val="tx1"/>
                 </a:solidFill>
               </a:rPr>
-              <a:t>Delay</a:t>
-            </a:r>
-          </a:p>
-          <a:p>
-            <a:pPr algn="ctr"/>
-            <a:r>
-              <a:rPr lang="en-US" altLang="zh-CN" sz="1200" dirty="0" smtClean="0">
-                <a:solidFill>
-                  <a:schemeClr val="tx1"/>
-                </a:solidFill>
-              </a:rPr>
-              <a:t>(Rest1)</a:t>
-            </a:r>
-          </a:p>
-          <a:p>
-            <a:pPr algn="ctr"/>
-            <a:r>
-              <a:rPr lang="en-US" altLang="zh-CN" sz="1200" dirty="0" smtClean="0">
-                <a:solidFill>
-                  <a:schemeClr val="tx1"/>
-                </a:solidFill>
-              </a:rPr>
-              <a:t>0.05s</a:t>
-            </a:r>
-          </a:p>
-        </p:txBody>
-      </p:sp>
-      <p:sp>
-        <p:nvSpPr>
-          <p:cNvPr id="3" name="矩形 2"/>
+              <a:t>Reactor</a:t>
+            </a:r>
+            <a:endParaRPr lang="zh-CN" altLang="en-US" dirty="0">
+              <a:solidFill>
+                <a:schemeClr val="tx1"/>
+              </a:solidFill>
+            </a:endParaRPr>
+          </a:p>
+        </p:txBody>
+      </p:sp>
+      <p:sp>
+        <p:nvSpPr>
+          <p:cNvPr id="38" name="矩形 37"/>
           <p:cNvSpPr/>
           <p:nvPr/>
         </p:nvSpPr>
         <p:spPr>
           <a:xfrm>
-            <a:off x="1286752" y="2265782"/>
-            <a:ext cx="911503" cy="695178"/>
+            <a:off x="7069050" y="1950714"/>
+            <a:ext cx="972113" cy="488326"/>
           </a:xfrm>
           <a:prstGeom prst="rect">
             <a:avLst/>
@@ -18670,12 +17827,596 @@
           <a:p>
             <a:pPr algn="ctr"/>
             <a:r>
+              <a:rPr lang="en-US" altLang="zh-CN" dirty="0">
+                <a:solidFill>
+                  <a:schemeClr val="tx1"/>
+                </a:solidFill>
+              </a:rPr>
+              <a:t>Oxygen</a:t>
+            </a:r>
+            <a:endParaRPr lang="zh-CN" altLang="en-US" dirty="0">
+              <a:solidFill>
+                <a:schemeClr val="tx1"/>
+              </a:solidFill>
+            </a:endParaRPr>
+          </a:p>
+        </p:txBody>
+      </p:sp>
+      <p:sp>
+        <p:nvSpPr>
+          <p:cNvPr id="42" name="矩形 41"/>
+          <p:cNvSpPr/>
+          <p:nvPr/>
+        </p:nvSpPr>
+        <p:spPr>
+          <a:xfrm>
+            <a:off x="6979281" y="2949378"/>
+            <a:ext cx="1090150" cy="450409"/>
+          </a:xfrm>
+          <a:prstGeom prst="rect">
+            <a:avLst/>
+          </a:prstGeom>
+          <a:noFill/>
+          <a:ln>
+            <a:solidFill>
+              <a:schemeClr val="tx1"/>
+            </a:solidFill>
+          </a:ln>
+        </p:spPr>
+        <p:style>
+          <a:lnRef idx="2">
+            <a:schemeClr val="accent1">
+              <a:shade val="50000"/>
+            </a:schemeClr>
+          </a:lnRef>
+          <a:fillRef idx="1">
+            <a:schemeClr val="accent1"/>
+          </a:fillRef>
+          <a:effectRef idx="0">
+            <a:schemeClr val="accent1"/>
+          </a:effectRef>
+          <a:fontRef idx="minor">
+            <a:schemeClr val="lt1"/>
+          </a:fontRef>
+        </p:style>
+        <p:txBody>
+          <a:bodyPr rtlCol="0" anchor="ctr"/>
+          <a:lstStyle/>
+          <a:p>
+            <a:pPr algn="ctr"/>
+            <a:r>
+              <a:rPr lang="en-US" altLang="zh-CN" dirty="0" smtClean="0">
+                <a:solidFill>
+                  <a:schemeClr val="tx1"/>
+                </a:solidFill>
+              </a:rPr>
+              <a:t>Battery</a:t>
+            </a:r>
+          </a:p>
+        </p:txBody>
+      </p:sp>
+      <p:sp>
+        <p:nvSpPr>
+          <p:cNvPr id="43" name="矩形 42"/>
+          <p:cNvSpPr/>
+          <p:nvPr/>
+        </p:nvSpPr>
+        <p:spPr>
+          <a:xfrm>
+            <a:off x="1995662" y="1633491"/>
+            <a:ext cx="972113" cy="488326"/>
+          </a:xfrm>
+          <a:prstGeom prst="rect">
+            <a:avLst/>
+          </a:prstGeom>
+          <a:noFill/>
+          <a:ln>
+            <a:solidFill>
+              <a:schemeClr val="tx1"/>
+            </a:solidFill>
+          </a:ln>
+        </p:spPr>
+        <p:style>
+          <a:lnRef idx="2">
+            <a:schemeClr val="accent1">
+              <a:shade val="50000"/>
+            </a:schemeClr>
+          </a:lnRef>
+          <a:fillRef idx="1">
+            <a:schemeClr val="accent1"/>
+          </a:fillRef>
+          <a:effectRef idx="0">
+            <a:schemeClr val="accent1"/>
+          </a:effectRef>
+          <a:fontRef idx="minor">
+            <a:schemeClr val="lt1"/>
+          </a:fontRef>
+        </p:style>
+        <p:txBody>
+          <a:bodyPr rtlCol="0" anchor="ctr"/>
+          <a:lstStyle/>
+          <a:p>
+            <a:pPr algn="ctr"/>
+            <a:r>
+              <a:rPr lang="en-US" altLang="zh-CN" dirty="0" smtClean="0">
+                <a:solidFill>
+                  <a:schemeClr val="tx1"/>
+                </a:solidFill>
+              </a:rPr>
+              <a:t>Engine</a:t>
+            </a:r>
+          </a:p>
+          <a:p>
+            <a:pPr algn="ctr"/>
+            <a:r>
+              <a:rPr lang="en-US" altLang="zh-CN" dirty="0" smtClean="0">
+                <a:solidFill>
+                  <a:schemeClr val="tx1"/>
+                </a:solidFill>
+              </a:rPr>
+              <a:t>2000</a:t>
+            </a:r>
+            <a:endParaRPr lang="zh-CN" altLang="en-US" dirty="0">
+              <a:solidFill>
+                <a:schemeClr val="tx1"/>
+              </a:solidFill>
+            </a:endParaRPr>
+          </a:p>
+        </p:txBody>
+      </p:sp>
+      <p:sp>
+        <p:nvSpPr>
+          <p:cNvPr id="44" name="矩形 43"/>
+          <p:cNvSpPr/>
+          <p:nvPr/>
+        </p:nvSpPr>
+        <p:spPr>
+          <a:xfrm>
+            <a:off x="5026365" y="4562193"/>
+            <a:ext cx="1126024" cy="442393"/>
+          </a:xfrm>
+          <a:prstGeom prst="rect">
+            <a:avLst/>
+          </a:prstGeom>
+          <a:noFill/>
+          <a:ln>
+            <a:solidFill>
+              <a:schemeClr val="tx1"/>
+            </a:solidFill>
+          </a:ln>
+        </p:spPr>
+        <p:style>
+          <a:lnRef idx="2">
+            <a:schemeClr val="accent1">
+              <a:shade val="50000"/>
+            </a:schemeClr>
+          </a:lnRef>
+          <a:fillRef idx="1">
+            <a:schemeClr val="accent1"/>
+          </a:fillRef>
+          <a:effectRef idx="0">
+            <a:schemeClr val="accent1"/>
+          </a:effectRef>
+          <a:fontRef idx="minor">
+            <a:schemeClr val="lt1"/>
+          </a:fontRef>
+        </p:style>
+        <p:txBody>
+          <a:bodyPr rtlCol="0" anchor="ctr"/>
+          <a:lstStyle/>
+          <a:p>
+            <a:pPr algn="ctr"/>
+            <a:r>
+              <a:rPr lang="en-US" altLang="zh-CN" dirty="0" smtClean="0">
+                <a:solidFill>
+                  <a:schemeClr val="tx1"/>
+                </a:solidFill>
+              </a:rPr>
+              <a:t>Capacitor</a:t>
+            </a:r>
+          </a:p>
+        </p:txBody>
+      </p:sp>
+      <p:sp>
+        <p:nvSpPr>
+          <p:cNvPr id="48" name="矩形 47"/>
+          <p:cNvSpPr/>
+          <p:nvPr/>
+        </p:nvSpPr>
+        <p:spPr>
+          <a:xfrm>
+            <a:off x="5026365" y="3967493"/>
+            <a:ext cx="1126024" cy="442393"/>
+          </a:xfrm>
+          <a:prstGeom prst="rect">
+            <a:avLst/>
+          </a:prstGeom>
+          <a:noFill/>
+          <a:ln>
+            <a:solidFill>
+              <a:schemeClr val="tx1"/>
+            </a:solidFill>
+          </a:ln>
+        </p:spPr>
+        <p:style>
+          <a:lnRef idx="2">
+            <a:schemeClr val="accent1">
+              <a:shade val="50000"/>
+            </a:schemeClr>
+          </a:lnRef>
+          <a:fillRef idx="1">
+            <a:schemeClr val="accent1"/>
+          </a:fillRef>
+          <a:effectRef idx="0">
+            <a:schemeClr val="accent1"/>
+          </a:effectRef>
+          <a:fontRef idx="minor">
+            <a:schemeClr val="lt1"/>
+          </a:fontRef>
+        </p:style>
+        <p:txBody>
+          <a:bodyPr rtlCol="0" anchor="ctr"/>
+          <a:lstStyle/>
+          <a:p>
+            <a:pPr algn="ctr"/>
+            <a:r>
+              <a:rPr lang="en-US" altLang="zh-CN" dirty="0" smtClean="0">
+                <a:solidFill>
+                  <a:schemeClr val="tx1"/>
+                </a:solidFill>
+              </a:rPr>
+              <a:t>others</a:t>
+            </a:r>
+          </a:p>
+        </p:txBody>
+      </p:sp>
+      <p:sp>
+        <p:nvSpPr>
+          <p:cNvPr id="51" name="矩形 50"/>
+          <p:cNvSpPr/>
+          <p:nvPr/>
+        </p:nvSpPr>
+        <p:spPr>
+          <a:xfrm>
+            <a:off x="2019888" y="3571023"/>
+            <a:ext cx="972113" cy="488326"/>
+          </a:xfrm>
+          <a:prstGeom prst="rect">
+            <a:avLst/>
+          </a:prstGeom>
+          <a:ln/>
+        </p:spPr>
+        <p:style>
+          <a:lnRef idx="2">
+            <a:schemeClr val="dk1"/>
+          </a:lnRef>
+          <a:fillRef idx="1">
+            <a:schemeClr val="lt1"/>
+          </a:fillRef>
+          <a:effectRef idx="0">
+            <a:schemeClr val="dk1"/>
+          </a:effectRef>
+          <a:fontRef idx="minor">
+            <a:schemeClr val="dk1"/>
+          </a:fontRef>
+        </p:style>
+        <p:txBody>
+          <a:bodyPr rtlCol="0" anchor="ctr"/>
+          <a:lstStyle/>
+          <a:p>
+            <a:pPr algn="ctr"/>
+            <a:r>
+              <a:rPr lang="en-US" altLang="zh-CN" dirty="0" smtClean="0">
+                <a:solidFill>
+                  <a:schemeClr val="tx1"/>
+                </a:solidFill>
+              </a:rPr>
+              <a:t>Junction</a:t>
+            </a:r>
+            <a:endParaRPr lang="zh-CN" altLang="en-US" dirty="0">
+              <a:solidFill>
+                <a:schemeClr val="tx1"/>
+              </a:solidFill>
+            </a:endParaRPr>
+          </a:p>
+        </p:txBody>
+      </p:sp>
+      <p:sp>
+        <p:nvSpPr>
+          <p:cNvPr id="65" name="矩形 64"/>
+          <p:cNvSpPr/>
+          <p:nvPr/>
+        </p:nvSpPr>
+        <p:spPr>
+          <a:xfrm>
+            <a:off x="1918706" y="833424"/>
+            <a:ext cx="1126024" cy="442393"/>
+          </a:xfrm>
+          <a:prstGeom prst="rect">
+            <a:avLst/>
+          </a:prstGeom>
+          <a:noFill/>
+          <a:ln>
+            <a:solidFill>
+              <a:schemeClr val="tx1"/>
+            </a:solidFill>
+          </a:ln>
+        </p:spPr>
+        <p:style>
+          <a:lnRef idx="2">
+            <a:schemeClr val="accent1">
+              <a:shade val="50000"/>
+            </a:schemeClr>
+          </a:lnRef>
+          <a:fillRef idx="1">
+            <a:schemeClr val="accent1"/>
+          </a:fillRef>
+          <a:effectRef idx="0">
+            <a:schemeClr val="accent1"/>
+          </a:effectRef>
+          <a:fontRef idx="minor">
+            <a:schemeClr val="lt1"/>
+          </a:fontRef>
+        </p:style>
+        <p:txBody>
+          <a:bodyPr rtlCol="0" anchor="ctr"/>
+          <a:lstStyle/>
+          <a:p>
+            <a:pPr algn="ctr"/>
+            <a:r>
+              <a:rPr lang="en-US" altLang="zh-CN" dirty="0" smtClean="0">
+                <a:solidFill>
+                  <a:schemeClr val="tx1"/>
+                </a:solidFill>
+              </a:rPr>
+              <a:t>Sonar</a:t>
+            </a:r>
+          </a:p>
+        </p:txBody>
+      </p:sp>
+      <p:sp>
+        <p:nvSpPr>
+          <p:cNvPr id="77" name="矩形 76"/>
+          <p:cNvSpPr/>
+          <p:nvPr/>
+        </p:nvSpPr>
+        <p:spPr>
+          <a:xfrm>
+            <a:off x="5884008" y="1852345"/>
+            <a:ext cx="733330" cy="695179"/>
+          </a:xfrm>
+          <a:prstGeom prst="rect">
+            <a:avLst/>
+          </a:prstGeom>
+          <a:noFill/>
+          <a:ln>
+            <a:solidFill>
+              <a:schemeClr val="tx1"/>
+            </a:solidFill>
+          </a:ln>
+        </p:spPr>
+        <p:style>
+          <a:lnRef idx="2">
+            <a:schemeClr val="accent1">
+              <a:shade val="50000"/>
+            </a:schemeClr>
+          </a:lnRef>
+          <a:fillRef idx="1">
+            <a:schemeClr val="accent1"/>
+          </a:fillRef>
+          <a:effectRef idx="0">
+            <a:schemeClr val="accent1"/>
+          </a:effectRef>
+          <a:fontRef idx="minor">
+            <a:schemeClr val="lt1"/>
+          </a:fontRef>
+        </p:style>
+        <p:txBody>
+          <a:bodyPr rtlCol="0" anchor="ctr"/>
+          <a:lstStyle/>
+          <a:p>
+            <a:pPr algn="ctr"/>
+            <a:r>
+              <a:rPr lang="en-US" altLang="zh-CN" dirty="0" smtClean="0">
+                <a:solidFill>
+                  <a:schemeClr val="tx1"/>
+                </a:solidFill>
+              </a:rPr>
+              <a:t>Relay</a:t>
+            </a:r>
+            <a:endParaRPr lang="zh-CN" altLang="en-US" dirty="0">
+              <a:solidFill>
+                <a:schemeClr val="tx1"/>
+              </a:solidFill>
+            </a:endParaRPr>
+          </a:p>
+        </p:txBody>
+      </p:sp>
+      <p:sp>
+        <p:nvSpPr>
+          <p:cNvPr id="78" name="矩形 77"/>
+          <p:cNvSpPr/>
+          <p:nvPr/>
+        </p:nvSpPr>
+        <p:spPr>
+          <a:xfrm>
+            <a:off x="5884008" y="2825086"/>
+            <a:ext cx="733330" cy="695179"/>
+          </a:xfrm>
+          <a:prstGeom prst="rect">
+            <a:avLst/>
+          </a:prstGeom>
+          <a:noFill/>
+          <a:ln>
+            <a:solidFill>
+              <a:schemeClr val="tx1"/>
+            </a:solidFill>
+          </a:ln>
+        </p:spPr>
+        <p:style>
+          <a:lnRef idx="2">
+            <a:schemeClr val="accent1">
+              <a:shade val="50000"/>
+            </a:schemeClr>
+          </a:lnRef>
+          <a:fillRef idx="1">
+            <a:schemeClr val="accent1"/>
+          </a:fillRef>
+          <a:effectRef idx="0">
+            <a:schemeClr val="accent1"/>
+          </a:effectRef>
+          <a:fontRef idx="minor">
+            <a:schemeClr val="lt1"/>
+          </a:fontRef>
+        </p:style>
+        <p:txBody>
+          <a:bodyPr rtlCol="0" anchor="ctr"/>
+          <a:lstStyle/>
+          <a:p>
+            <a:pPr algn="ctr"/>
+            <a:r>
+              <a:rPr lang="en-US" altLang="zh-CN" dirty="0" smtClean="0">
+                <a:solidFill>
+                  <a:schemeClr val="tx1"/>
+                </a:solidFill>
+              </a:rPr>
+              <a:t>Relay</a:t>
+            </a:r>
+            <a:endParaRPr lang="zh-CN" altLang="en-US" dirty="0">
+              <a:solidFill>
+                <a:schemeClr val="tx1"/>
+              </a:solidFill>
+            </a:endParaRPr>
+          </a:p>
+        </p:txBody>
+      </p:sp>
+      <p:cxnSp>
+        <p:nvCxnSpPr>
+          <p:cNvPr id="71" name="直接箭头连接符 70"/>
+          <p:cNvCxnSpPr>
+            <a:stCxn id="77" idx="3"/>
+            <a:endCxn id="38" idx="1"/>
+          </p:cNvCxnSpPr>
+          <p:nvPr/>
+        </p:nvCxnSpPr>
+        <p:spPr>
+          <a:xfrm flipV="1">
+            <a:off x="6617338" y="2194877"/>
+            <a:ext cx="451712" cy="5058"/>
+          </a:xfrm>
+          <a:prstGeom prst="straightConnector1">
+            <a:avLst/>
+          </a:prstGeom>
+          <a:ln>
+            <a:solidFill>
+              <a:srgbClr val="FF0000"/>
+            </a:solidFill>
+            <a:tailEnd type="triangle"/>
+          </a:ln>
+        </p:spPr>
+        <p:style>
+          <a:lnRef idx="1">
+            <a:schemeClr val="accent1"/>
+          </a:lnRef>
+          <a:fillRef idx="0">
+            <a:schemeClr val="accent1"/>
+          </a:fillRef>
+          <a:effectRef idx="0">
+            <a:schemeClr val="accent1"/>
+          </a:effectRef>
+          <a:fontRef idx="minor">
+            <a:schemeClr val="tx1"/>
+          </a:fontRef>
+        </p:style>
+      </p:cxnSp>
+      <p:cxnSp>
+        <p:nvCxnSpPr>
+          <p:cNvPr id="75" name="直接箭头连接符 74"/>
+          <p:cNvCxnSpPr>
+            <a:stCxn id="78" idx="3"/>
+            <a:endCxn id="42" idx="1"/>
+          </p:cNvCxnSpPr>
+          <p:nvPr/>
+        </p:nvCxnSpPr>
+        <p:spPr>
+          <a:xfrm>
+            <a:off x="6617338" y="3172676"/>
+            <a:ext cx="361943" cy="1907"/>
+          </a:xfrm>
+          <a:prstGeom prst="straightConnector1">
+            <a:avLst/>
+          </a:prstGeom>
+          <a:ln>
+            <a:solidFill>
+              <a:srgbClr val="FF0000"/>
+            </a:solidFill>
+            <a:tailEnd type="triangle"/>
+          </a:ln>
+        </p:spPr>
+        <p:style>
+          <a:lnRef idx="1">
+            <a:schemeClr val="accent1"/>
+          </a:lnRef>
+          <a:fillRef idx="0">
+            <a:schemeClr val="accent1"/>
+          </a:fillRef>
+          <a:effectRef idx="0">
+            <a:schemeClr val="accent1"/>
+          </a:effectRef>
+          <a:fontRef idx="minor">
+            <a:schemeClr val="tx1"/>
+          </a:fontRef>
+        </p:style>
+      </p:cxnSp>
+      <p:sp>
+        <p:nvSpPr>
+          <p:cNvPr id="105" name="矩形 104"/>
+          <p:cNvSpPr/>
+          <p:nvPr/>
+        </p:nvSpPr>
+        <p:spPr>
+          <a:xfrm>
+            <a:off x="5810359" y="611732"/>
+            <a:ext cx="907962" cy="894461"/>
+          </a:xfrm>
+          <a:prstGeom prst="rect">
+            <a:avLst/>
+          </a:prstGeom>
+          <a:noFill/>
+          <a:ln>
+            <a:solidFill>
+              <a:schemeClr val="tx1"/>
+            </a:solidFill>
+          </a:ln>
+        </p:spPr>
+        <p:style>
+          <a:lnRef idx="2">
+            <a:schemeClr val="accent1">
+              <a:shade val="50000"/>
+            </a:schemeClr>
+          </a:lnRef>
+          <a:fillRef idx="1">
+            <a:schemeClr val="accent1"/>
+          </a:fillRef>
+          <a:effectRef idx="0">
+            <a:schemeClr val="accent1"/>
+          </a:effectRef>
+          <a:fontRef idx="minor">
+            <a:schemeClr val="lt1"/>
+          </a:fontRef>
+        </p:style>
+        <p:txBody>
+          <a:bodyPr rtlCol="0" anchor="ctr"/>
+          <a:lstStyle/>
+          <a:p>
+            <a:pPr algn="ctr"/>
+            <a:r>
               <a:rPr lang="en-US" altLang="zh-CN" sz="1200" dirty="0" smtClean="0">
                 <a:solidFill>
                   <a:schemeClr val="tx1"/>
                 </a:solidFill>
               </a:rPr>
-              <a:t>OR</a:t>
+              <a:t>RegEx</a:t>
             </a:r>
           </a:p>
           <a:p>
@@ -18686,7 +18427,7 @@
                   <a:schemeClr val="tx1"/>
                 </a:solidFill>
               </a:rPr>
-              <a:t>(1:0)</a:t>
+              <a:t>if(50-100)?</a:t>
             </a:r>
           </a:p>
           <a:p>
@@ -18697,7 +18438,7 @@
                   <a:schemeClr val="tx1"/>
                 </a:solidFill>
               </a:rPr>
-              <a:t>Time=0.2s</a:t>
+              <a:t>0:1</a:t>
             </a:r>
             <a:endParaRPr lang="zh-CN" altLang="en-US" sz="1200" dirty="0">
               <a:solidFill>
@@ -18707,52 +18448,16 @@
           </a:p>
         </p:txBody>
       </p:sp>
-      <p:cxnSp>
-        <p:nvCxnSpPr>
-          <p:cNvPr id="5" name="直接箭头连接符 4"/>
-          <p:cNvCxnSpPr>
-            <a:stCxn id="2" idx="0"/>
-            <a:endCxn id="3" idx="2"/>
-          </p:cNvCxnSpPr>
-          <p:nvPr/>
-        </p:nvCxnSpPr>
-        <p:spPr>
-          <a:xfrm flipH="1" flipV="1">
-            <a:off x="1742504" y="2960960"/>
-            <a:ext cx="815662" cy="511839"/>
-          </a:xfrm>
-          <a:prstGeom prst="straightConnector1">
-            <a:avLst/>
-          </a:prstGeom>
-          <a:ln>
-            <a:tailEnd type="triangle"/>
-          </a:ln>
-        </p:spPr>
-        <p:style>
-          <a:lnRef idx="1">
-            <a:schemeClr val="accent1"/>
-          </a:lnRef>
-          <a:fillRef idx="0">
-            <a:schemeClr val="accent1"/>
-          </a:fillRef>
-          <a:effectRef idx="0">
-            <a:schemeClr val="accent1"/>
-          </a:effectRef>
-          <a:fontRef idx="minor">
-            <a:schemeClr val="tx1"/>
-          </a:fontRef>
-        </p:style>
-      </p:cxnSp>
-      <p:sp>
-        <p:nvSpPr>
-          <p:cNvPr id="7" name="矩形 6"/>
+      <p:sp>
+        <p:nvSpPr>
+          <p:cNvPr id="106" name="矩形 105"/>
           <p:cNvSpPr/>
           <p:nvPr/>
         </p:nvSpPr>
         <p:spPr>
           <a:xfrm>
-            <a:off x="2987959" y="2265782"/>
-            <a:ext cx="733330" cy="695178"/>
+            <a:off x="8214336" y="769917"/>
+            <a:ext cx="733330" cy="695179"/>
           </a:xfrm>
           <a:prstGeom prst="rect">
             <a:avLst/>
@@ -18791,123 +18496,26 @@
                   <a:schemeClr val="tx1"/>
                 </a:solidFill>
               </a:rPr>
-              <a:t>Relay</a:t>
-            </a:r>
-          </a:p>
-        </p:txBody>
-      </p:sp>
-      <p:cxnSp>
-        <p:nvCxnSpPr>
-          <p:cNvPr id="9" name="直接箭头连接符 8"/>
-          <p:cNvCxnSpPr>
-            <a:stCxn id="2" idx="0"/>
-            <a:endCxn id="7" idx="1"/>
-          </p:cNvCxnSpPr>
-          <p:nvPr/>
-        </p:nvCxnSpPr>
-        <p:spPr>
-          <a:xfrm flipV="1">
-            <a:off x="2558166" y="2613371"/>
-            <a:ext cx="429793" cy="859428"/>
-          </a:xfrm>
-          <a:prstGeom prst="straightConnector1">
-            <a:avLst/>
-          </a:prstGeom>
-          <a:ln>
-            <a:tailEnd type="triangle"/>
-          </a:ln>
-        </p:spPr>
-        <p:style>
-          <a:lnRef idx="1">
-            <a:schemeClr val="accent1"/>
-          </a:lnRef>
-          <a:fillRef idx="0">
-            <a:schemeClr val="accent1"/>
-          </a:fillRef>
-          <a:effectRef idx="0">
-            <a:schemeClr val="accent1"/>
-          </a:effectRef>
-          <a:fontRef idx="minor">
-            <a:schemeClr val="tx1"/>
-          </a:fontRef>
-        </p:style>
-      </p:cxnSp>
-      <p:cxnSp>
-        <p:nvCxnSpPr>
-          <p:cNvPr id="11" name="直接箭头连接符 10"/>
-          <p:cNvCxnSpPr>
-            <a:stCxn id="3" idx="3"/>
-            <a:endCxn id="7" idx="1"/>
-          </p:cNvCxnSpPr>
-          <p:nvPr/>
-        </p:nvCxnSpPr>
-        <p:spPr>
-          <a:xfrm>
-            <a:off x="2198255" y="2613371"/>
-            <a:ext cx="789704" cy="0"/>
-          </a:xfrm>
-          <a:prstGeom prst="straightConnector1">
-            <a:avLst/>
-          </a:prstGeom>
-          <a:ln>
-            <a:tailEnd type="triangle"/>
-          </a:ln>
-        </p:spPr>
-        <p:style>
-          <a:lnRef idx="1">
-            <a:schemeClr val="accent1"/>
-          </a:lnRef>
-          <a:fillRef idx="0">
-            <a:schemeClr val="accent1"/>
-          </a:fillRef>
-          <a:effectRef idx="0">
-            <a:schemeClr val="accent1"/>
-          </a:effectRef>
-          <a:fontRef idx="minor">
-            <a:schemeClr val="tx1"/>
-          </a:fontRef>
-        </p:style>
-      </p:cxnSp>
-      <p:sp>
-        <p:nvSpPr>
-          <p:cNvPr id="12" name="文本框 11"/>
-          <p:cNvSpPr txBox="1"/>
-          <p:nvPr/>
-        </p:nvSpPr>
-        <p:spPr>
-          <a:xfrm>
-            <a:off x="2155193" y="2275448"/>
-            <a:ext cx="819455" cy="369332"/>
-          </a:xfrm>
-          <a:prstGeom prst="rect">
-            <a:avLst/>
-          </a:prstGeom>
-          <a:noFill/>
-        </p:spPr>
-        <p:txBody>
-          <a:bodyPr wrap="none" rtlCol="0">
-            <a:spAutoFit/>
-          </a:bodyPr>
-          <a:lstStyle/>
-          <a:p>
-            <a:r>
-              <a:rPr lang="en-US" altLang="zh-CN" dirty="0" smtClean="0"/>
-              <a:t>Enable</a:t>
-            </a:r>
-            <a:endParaRPr lang="zh-CN" altLang="en-US" dirty="0"/>
-          </a:p>
-        </p:txBody>
-      </p:sp>
-      <p:sp>
-        <p:nvSpPr>
-          <p:cNvPr id="21" name="矩形 20"/>
+              <a:t>*</a:t>
+            </a:r>
+            <a:endParaRPr lang="zh-CN" altLang="en-US" dirty="0">
+              <a:solidFill>
+                <a:schemeClr val="tx1"/>
+              </a:solidFill>
+            </a:endParaRPr>
+          </a:p>
+        </p:txBody>
+      </p:sp>
+      <p:sp>
+        <p:nvSpPr>
+          <p:cNvPr id="107" name="矩形 106"/>
           <p:cNvSpPr/>
           <p:nvPr/>
         </p:nvSpPr>
         <p:spPr>
           <a:xfrm>
-            <a:off x="4038643" y="2256238"/>
-            <a:ext cx="733330" cy="695178"/>
+            <a:off x="9314331" y="769917"/>
+            <a:ext cx="733330" cy="695179"/>
           </a:xfrm>
           <a:prstGeom prst="rect">
             <a:avLst/>
@@ -18941,12 +18549,139 @@
           <a:p>
             <a:pPr algn="ctr"/>
             <a:r>
+              <a:rPr lang="en-US" altLang="zh-CN" dirty="0" smtClean="0">
+                <a:solidFill>
+                  <a:schemeClr val="tx1"/>
+                </a:solidFill>
+              </a:rPr>
+              <a:t>MEM2</a:t>
+            </a:r>
+            <a:endParaRPr lang="zh-CN" altLang="en-US" dirty="0">
+              <a:solidFill>
+                <a:schemeClr val="tx1"/>
+              </a:solidFill>
+            </a:endParaRPr>
+          </a:p>
+        </p:txBody>
+      </p:sp>
+      <p:cxnSp>
+        <p:nvCxnSpPr>
+          <p:cNvPr id="102" name="直接箭头连接符 101"/>
+          <p:cNvCxnSpPr/>
+          <p:nvPr/>
+        </p:nvCxnSpPr>
+        <p:spPr>
+          <a:xfrm flipH="1">
+            <a:off x="8947666" y="1117506"/>
+            <a:ext cx="366665" cy="0"/>
+          </a:xfrm>
+          <a:prstGeom prst="straightConnector1">
+            <a:avLst/>
+          </a:prstGeom>
+          <a:ln>
+            <a:tailEnd type="triangle"/>
+          </a:ln>
+        </p:spPr>
+        <p:style>
+          <a:lnRef idx="1">
+            <a:schemeClr val="accent1"/>
+          </a:lnRef>
+          <a:fillRef idx="0">
+            <a:schemeClr val="accent1"/>
+          </a:fillRef>
+          <a:effectRef idx="0">
+            <a:schemeClr val="accent1"/>
+          </a:effectRef>
+          <a:fontRef idx="minor">
+            <a:schemeClr val="tx1"/>
+          </a:fontRef>
+        </p:style>
+      </p:cxnSp>
+      <p:cxnSp>
+        <p:nvCxnSpPr>
+          <p:cNvPr id="28" name="直接箭头连接符 27"/>
+          <p:cNvCxnSpPr>
+            <a:stCxn id="65" idx="2"/>
+            <a:endCxn id="43" idx="0"/>
+          </p:cNvCxnSpPr>
+          <p:nvPr/>
+        </p:nvCxnSpPr>
+        <p:spPr>
+          <a:xfrm>
+            <a:off x="2481718" y="1275817"/>
+            <a:ext cx="1" cy="357674"/>
+          </a:xfrm>
+          <a:prstGeom prst="straightConnector1">
+            <a:avLst/>
+          </a:prstGeom>
+          <a:ln>
+            <a:tailEnd type="triangle"/>
+          </a:ln>
+        </p:spPr>
+        <p:style>
+          <a:lnRef idx="1">
+            <a:schemeClr val="accent1"/>
+          </a:lnRef>
+          <a:fillRef idx="0">
+            <a:schemeClr val="accent1"/>
+          </a:fillRef>
+          <a:effectRef idx="0">
+            <a:schemeClr val="accent1"/>
+          </a:effectRef>
+          <a:fontRef idx="minor">
+            <a:schemeClr val="tx1"/>
+          </a:fontRef>
+        </p:style>
+      </p:cxnSp>
+      <p:sp>
+        <p:nvSpPr>
+          <p:cNvPr id="60" name="矩形 59"/>
+          <p:cNvSpPr/>
+          <p:nvPr/>
+        </p:nvSpPr>
+        <p:spPr>
+          <a:xfrm>
+            <a:off x="8824066" y="4047195"/>
+            <a:ext cx="907962" cy="894461"/>
+          </a:xfrm>
+          <a:prstGeom prst="rect">
+            <a:avLst/>
+          </a:prstGeom>
+          <a:noFill/>
+          <a:ln>
+            <a:solidFill>
+              <a:schemeClr val="tx1"/>
+            </a:solidFill>
+          </a:ln>
+        </p:spPr>
+        <p:style>
+          <a:lnRef idx="2">
+            <a:schemeClr val="accent1">
+              <a:shade val="50000"/>
+            </a:schemeClr>
+          </a:lnRef>
+          <a:fillRef idx="1">
+            <a:schemeClr val="accent1"/>
+          </a:fillRef>
+          <a:effectRef idx="0">
+            <a:schemeClr val="accent1"/>
+          </a:effectRef>
+          <a:fontRef idx="minor">
+            <a:schemeClr val="lt1"/>
+          </a:fontRef>
+        </p:style>
+        <p:txBody>
+          <a:bodyPr rtlCol="0" anchor="ctr"/>
+          <a:lstStyle/>
+          <a:p>
+            <a:pPr algn="ctr"/>
+            <a:r>
               <a:rPr lang="en-US" altLang="zh-CN" sz="1200" dirty="0" smtClean="0">
                 <a:solidFill>
                   <a:schemeClr val="tx1"/>
                 </a:solidFill>
               </a:rPr>
-              <a:t>Or</a:t>
+              <a:t>RegEx</a:t>
             </a:r>
           </a:p>
           <a:p>
@@ -18957,7 +18692,18 @@
                   <a:schemeClr val="tx1"/>
                 </a:solidFill>
               </a:rPr>
-              <a:t>N-1:null</a:t>
+              <a:t>if(90-100)?</a:t>
+            </a:r>
+          </a:p>
+          <a:p>
+            <a:pPr algn="ctr"/>
+            <a:r>
+              <a:rPr lang="en-US" altLang="zh-CN" sz="1200" dirty="0" smtClean="0">
+                <a:solidFill>
+                  <a:schemeClr val="tx1"/>
+                </a:solidFill>
+              </a:rPr>
+              <a:t>1:null</a:t>
             </a:r>
             <a:endParaRPr lang="zh-CN" altLang="en-US" sz="1200" dirty="0">
               <a:solidFill>
@@ -18967,19 +18713,49 @@
           </a:p>
         </p:txBody>
       </p:sp>
+      <p:sp>
+        <p:nvSpPr>
+          <p:cNvPr id="40" name="文本框 39"/>
+          <p:cNvSpPr txBox="1"/>
+          <p:nvPr/>
+        </p:nvSpPr>
+        <p:spPr>
+          <a:xfrm>
+            <a:off x="8382624" y="3520265"/>
+            <a:ext cx="349776" cy="369332"/>
+          </a:xfrm>
+          <a:prstGeom prst="rect">
+            <a:avLst/>
+          </a:prstGeom>
+          <a:noFill/>
+        </p:spPr>
+        <p:txBody>
+          <a:bodyPr wrap="none" rtlCol="0">
+            <a:spAutoFit/>
+          </a:bodyPr>
+          <a:lstStyle/>
+          <a:p>
+            <a:r>
+              <a:rPr lang="en-US" altLang="zh-CN" dirty="0" smtClean="0"/>
+              <a:t>%</a:t>
+            </a:r>
+            <a:endParaRPr lang="zh-CN" altLang="en-US" dirty="0"/>
+          </a:p>
+        </p:txBody>
+      </p:sp>
       <p:cxnSp>
         <p:nvCxnSpPr>
-          <p:cNvPr id="44" name="直接箭头连接符 43"/>
+          <p:cNvPr id="74" name="直接箭头连接符 73"/>
           <p:cNvCxnSpPr>
-            <a:stCxn id="7" idx="3"/>
-            <a:endCxn id="21" idx="1"/>
+            <a:stCxn id="42" idx="2"/>
+            <a:endCxn id="124" idx="0"/>
           </p:cNvCxnSpPr>
           <p:nvPr/>
         </p:nvCxnSpPr>
         <p:spPr>
-          <a:xfrm flipV="1">
-            <a:off x="3721289" y="2603827"/>
-            <a:ext cx="317354" cy="9544"/>
+          <a:xfrm>
+            <a:off x="7524356" y="3399787"/>
+            <a:ext cx="662397" cy="645654"/>
           </a:xfrm>
           <a:prstGeom prst="straightConnector1">
             <a:avLst/>
@@ -19003,77 +18779,34 @@
           </a:fontRef>
         </p:style>
       </p:cxnSp>
-      <p:cxnSp>
-        <p:nvCxnSpPr>
-          <p:cNvPr id="46" name="直接箭头连接符 45"/>
-          <p:cNvCxnSpPr>
-            <a:stCxn id="2" idx="3"/>
-            <a:endCxn id="52" idx="1"/>
-          </p:cNvCxnSpPr>
-          <p:nvPr/>
-        </p:nvCxnSpPr>
-        <p:spPr>
-          <a:xfrm>
-            <a:off x="3045350" y="3820388"/>
-            <a:ext cx="2227625" cy="0"/>
-          </a:xfrm>
-          <a:prstGeom prst="straightConnector1">
-            <a:avLst/>
-          </a:prstGeom>
-          <a:ln>
-            <a:tailEnd type="triangle"/>
-          </a:ln>
-        </p:spPr>
-        <p:style>
-          <a:lnRef idx="1">
-            <a:schemeClr val="accent1"/>
-          </a:lnRef>
-          <a:fillRef idx="0">
-            <a:schemeClr val="accent1"/>
-          </a:fillRef>
-          <a:effectRef idx="0">
-            <a:schemeClr val="accent1"/>
-          </a:effectRef>
-          <a:fontRef idx="minor">
-            <a:schemeClr val="tx1"/>
-          </a:fontRef>
-        </p:style>
-      </p:cxnSp>
-      <p:sp>
-        <p:nvSpPr>
-          <p:cNvPr id="51" name="矩形 50"/>
+      <p:sp>
+        <p:nvSpPr>
+          <p:cNvPr id="201" name="矩形 200"/>
           <p:cNvSpPr/>
           <p:nvPr/>
         </p:nvSpPr>
         <p:spPr>
           <a:xfrm>
-            <a:off x="5272201" y="2456437"/>
-            <a:ext cx="733330" cy="695178"/>
+            <a:off x="2000700" y="2430052"/>
+            <a:ext cx="972113" cy="488326"/>
           </a:xfrm>
           <a:prstGeom prst="rect">
             <a:avLst/>
           </a:prstGeom>
-          <a:noFill/>
-          <a:ln>
-            <a:solidFill>
-              <a:schemeClr val="tx1"/>
-            </a:solidFill>
-          </a:ln>
+          <a:ln/>
         </p:spPr>
         <p:style>
           <a:lnRef idx="2">
-            <a:schemeClr val="accent1">
-              <a:shade val="50000"/>
-            </a:schemeClr>
+            <a:schemeClr val="dk1"/>
           </a:lnRef>
           <a:fillRef idx="1">
-            <a:schemeClr val="accent1"/>
-          </a:fillRef>
-          <a:effectRef idx="0">
-            <a:schemeClr val="accent1"/>
-          </a:effectRef>
-          <a:fontRef idx="minor">
             <a:schemeClr val="lt1"/>
+          </a:fillRef>
+          <a:effectRef idx="0">
+            <a:schemeClr val="dk1"/>
+          </a:effectRef>
+          <a:fontRef idx="minor">
+            <a:schemeClr val="dk1"/>
           </a:fontRef>
         </p:style>
         <p:txBody>
@@ -19087,7 +18820,7 @@
                   <a:schemeClr val="tx1"/>
                 </a:solidFill>
               </a:rPr>
-              <a:t>MEM</a:t>
+              <a:t>Junction</a:t>
             </a:r>
             <a:endParaRPr lang="zh-CN" altLang="en-US" dirty="0">
               <a:solidFill>
@@ -19097,16 +18830,133 @@
           </a:p>
         </p:txBody>
       </p:sp>
-      <p:sp>
-        <p:nvSpPr>
-          <p:cNvPr id="52" name="矩形 51"/>
+      <p:cxnSp>
+        <p:nvCxnSpPr>
+          <p:cNvPr id="205" name="直接箭头连接符 204"/>
+          <p:cNvCxnSpPr>
+            <a:stCxn id="20" idx="1"/>
+            <a:endCxn id="201" idx="3"/>
+          </p:cNvCxnSpPr>
+          <p:nvPr/>
+        </p:nvCxnSpPr>
+        <p:spPr>
+          <a:xfrm flipH="1">
+            <a:off x="2972813" y="2036838"/>
+            <a:ext cx="573296" cy="637377"/>
+          </a:xfrm>
+          <a:prstGeom prst="straightConnector1">
+            <a:avLst/>
+          </a:prstGeom>
+          <a:ln>
+            <a:solidFill>
+              <a:srgbClr val="FF0000"/>
+            </a:solidFill>
+            <a:tailEnd type="triangle"/>
+          </a:ln>
+        </p:spPr>
+        <p:style>
+          <a:lnRef idx="1">
+            <a:schemeClr val="accent1"/>
+          </a:lnRef>
+          <a:fillRef idx="0">
+            <a:schemeClr val="accent1"/>
+          </a:fillRef>
+          <a:effectRef idx="0">
+            <a:schemeClr val="accent1"/>
+          </a:effectRef>
+          <a:fontRef idx="minor">
+            <a:schemeClr val="tx1"/>
+          </a:fontRef>
+        </p:style>
+      </p:cxnSp>
+      <p:cxnSp>
+        <p:nvCxnSpPr>
+          <p:cNvPr id="220" name="直接箭头连接符 219"/>
+          <p:cNvCxnSpPr>
+            <a:stCxn id="201" idx="0"/>
+            <a:endCxn id="43" idx="2"/>
+          </p:cNvCxnSpPr>
+          <p:nvPr/>
+        </p:nvCxnSpPr>
+        <p:spPr>
+          <a:xfrm flipH="1" flipV="1">
+            <a:off x="2481719" y="2121817"/>
+            <a:ext cx="5038" cy="308235"/>
+          </a:xfrm>
+          <a:prstGeom prst="straightConnector1">
+            <a:avLst/>
+          </a:prstGeom>
+          <a:ln>
+            <a:solidFill>
+              <a:srgbClr val="FF0000"/>
+            </a:solidFill>
+            <a:tailEnd type="triangle"/>
+          </a:ln>
+        </p:spPr>
+        <p:style>
+          <a:lnRef idx="1">
+            <a:schemeClr val="accent1"/>
+          </a:lnRef>
+          <a:fillRef idx="0">
+            <a:schemeClr val="accent1"/>
+          </a:fillRef>
+          <a:effectRef idx="0">
+            <a:schemeClr val="accent1"/>
+          </a:effectRef>
+          <a:fontRef idx="minor">
+            <a:schemeClr val="tx1"/>
+          </a:fontRef>
+        </p:style>
+      </p:cxnSp>
+      <p:cxnSp>
+        <p:nvCxnSpPr>
+          <p:cNvPr id="233" name="直接箭头连接符 232"/>
+          <p:cNvCxnSpPr>
+            <a:stCxn id="201" idx="3"/>
+            <a:endCxn id="77" idx="1"/>
+          </p:cNvCxnSpPr>
+          <p:nvPr/>
+        </p:nvCxnSpPr>
+        <p:spPr>
+          <a:xfrm flipV="1">
+            <a:off x="2972813" y="2199935"/>
+            <a:ext cx="2911195" cy="474280"/>
+          </a:xfrm>
+          <a:prstGeom prst="straightConnector1">
+            <a:avLst/>
+          </a:prstGeom>
+          <a:ln>
+            <a:solidFill>
+              <a:srgbClr val="FF0000"/>
+            </a:solidFill>
+            <a:tailEnd type="triangle"/>
+          </a:ln>
+        </p:spPr>
+        <p:style>
+          <a:lnRef idx="1">
+            <a:schemeClr val="accent1"/>
+          </a:lnRef>
+          <a:fillRef idx="0">
+            <a:schemeClr val="accent1"/>
+          </a:fillRef>
+          <a:effectRef idx="0">
+            <a:schemeClr val="accent1"/>
+          </a:effectRef>
+          <a:fontRef idx="minor">
+            <a:schemeClr val="tx1"/>
+          </a:fontRef>
+        </p:style>
+      </p:cxnSp>
+      <p:sp>
+        <p:nvSpPr>
+          <p:cNvPr id="93" name="矩形 92"/>
           <p:cNvSpPr/>
           <p:nvPr/>
         </p:nvSpPr>
         <p:spPr>
           <a:xfrm>
-            <a:off x="5272975" y="3472799"/>
-            <a:ext cx="733330" cy="695178"/>
+            <a:off x="8457401" y="5163102"/>
+            <a:ext cx="733330" cy="695179"/>
           </a:xfrm>
           <a:prstGeom prst="rect">
             <a:avLst/>
@@ -19145,7 +18995,7 @@
                   <a:schemeClr val="tx1"/>
                 </a:solidFill>
               </a:rPr>
-              <a:t>+</a:t>
+              <a:t>MEM</a:t>
             </a:r>
             <a:endParaRPr lang="zh-CN" altLang="en-US" dirty="0">
               <a:solidFill>
@@ -19157,17 +19007,17 @@
       </p:sp>
       <p:cxnSp>
         <p:nvCxnSpPr>
-          <p:cNvPr id="54" name="直接箭头连接符 53"/>
+          <p:cNvPr id="62" name="直接箭头连接符 61"/>
           <p:cNvCxnSpPr>
-            <a:stCxn id="21" idx="2"/>
-            <a:endCxn id="52" idx="1"/>
+            <a:stCxn id="60" idx="2"/>
+            <a:endCxn id="93" idx="0"/>
           </p:cNvCxnSpPr>
           <p:nvPr/>
         </p:nvCxnSpPr>
         <p:spPr>
-          <a:xfrm>
-            <a:off x="4405308" y="2951416"/>
-            <a:ext cx="867667" cy="868972"/>
+          <a:xfrm flipH="1">
+            <a:off x="8824066" y="4941656"/>
+            <a:ext cx="453981" cy="221446"/>
           </a:xfrm>
           <a:prstGeom prst="straightConnector1">
             <a:avLst/>
@@ -19193,14 +19043,14 @@
       </p:cxnSp>
       <p:sp>
         <p:nvSpPr>
-          <p:cNvPr id="61" name="矩形 60"/>
+          <p:cNvPr id="124" name="矩形 123"/>
           <p:cNvSpPr/>
           <p:nvPr/>
         </p:nvSpPr>
         <p:spPr>
           <a:xfrm>
-            <a:off x="6507307" y="3472799"/>
-            <a:ext cx="733330" cy="695178"/>
+            <a:off x="7732772" y="4045441"/>
+            <a:ext cx="907962" cy="894461"/>
           </a:xfrm>
           <a:prstGeom prst="rect">
             <a:avLst/>
@@ -19234,12 +19084,233 @@
           <a:p>
             <a:pPr algn="ctr"/>
             <a:r>
+              <a:rPr lang="en-US" altLang="zh-CN" sz="1200" dirty="0" smtClean="0">
+                <a:solidFill>
+                  <a:schemeClr val="tx1"/>
+                </a:solidFill>
+              </a:rPr>
+              <a:t>RegEx</a:t>
+            </a:r>
+          </a:p>
+          <a:p>
+            <a:pPr algn="ctr"/>
+            <a:r>
+              <a:rPr lang="en-US" altLang="zh-CN" sz="1200" dirty="0" smtClean="0">
+                <a:solidFill>
+                  <a:schemeClr val="tx1"/>
+                </a:solidFill>
+              </a:rPr>
+              <a:t>if(0-20)?</a:t>
+            </a:r>
+          </a:p>
+          <a:p>
+            <a:pPr algn="ctr"/>
+            <a:r>
+              <a:rPr lang="en-US" altLang="zh-CN" sz="1200" dirty="0" smtClean="0">
+                <a:solidFill>
+                  <a:schemeClr val="tx1"/>
+                </a:solidFill>
+              </a:rPr>
+              <a:t>0:null</a:t>
+            </a:r>
+            <a:endParaRPr lang="zh-CN" altLang="en-US" sz="1200" dirty="0">
+              <a:solidFill>
+                <a:schemeClr val="tx1"/>
+              </a:solidFill>
+            </a:endParaRPr>
+          </a:p>
+        </p:txBody>
+      </p:sp>
+      <p:cxnSp>
+        <p:nvCxnSpPr>
+          <p:cNvPr id="109" name="直接箭头连接符 108"/>
+          <p:cNvCxnSpPr>
+            <a:stCxn id="42" idx="2"/>
+            <a:endCxn id="60" idx="0"/>
+          </p:cNvCxnSpPr>
+          <p:nvPr/>
+        </p:nvCxnSpPr>
+        <p:spPr>
+          <a:xfrm>
+            <a:off x="7524356" y="3399787"/>
+            <a:ext cx="1753691" cy="647408"/>
+          </a:xfrm>
+          <a:prstGeom prst="straightConnector1">
+            <a:avLst/>
+          </a:prstGeom>
+          <a:ln>
+            <a:tailEnd type="triangle"/>
+          </a:ln>
+        </p:spPr>
+        <p:style>
+          <a:lnRef idx="1">
+            <a:schemeClr val="accent1"/>
+          </a:lnRef>
+          <a:fillRef idx="0">
+            <a:schemeClr val="accent1"/>
+          </a:fillRef>
+          <a:effectRef idx="0">
+            <a:schemeClr val="accent1"/>
+          </a:effectRef>
+          <a:fontRef idx="minor">
+            <a:schemeClr val="tx1"/>
+          </a:fontRef>
+        </p:style>
+      </p:cxnSp>
+      <p:cxnSp>
+        <p:nvCxnSpPr>
+          <p:cNvPr id="118" name="直接箭头连接符 117"/>
+          <p:cNvCxnSpPr>
+            <a:stCxn id="124" idx="2"/>
+            <a:endCxn id="93" idx="0"/>
+          </p:cNvCxnSpPr>
+          <p:nvPr/>
+        </p:nvCxnSpPr>
+        <p:spPr>
+          <a:xfrm>
+            <a:off x="8186753" y="4939902"/>
+            <a:ext cx="637313" cy="223200"/>
+          </a:xfrm>
+          <a:prstGeom prst="straightConnector1">
+            <a:avLst/>
+          </a:prstGeom>
+          <a:ln>
+            <a:tailEnd type="triangle"/>
+          </a:ln>
+        </p:spPr>
+        <p:style>
+          <a:lnRef idx="1">
+            <a:schemeClr val="accent1"/>
+          </a:lnRef>
+          <a:fillRef idx="0">
+            <a:schemeClr val="accent1"/>
+          </a:fillRef>
+          <a:effectRef idx="0">
+            <a:schemeClr val="accent1"/>
+          </a:effectRef>
+          <a:fontRef idx="minor">
+            <a:schemeClr val="tx1"/>
+          </a:fontRef>
+        </p:style>
+      </p:cxnSp>
+      <p:sp>
+        <p:nvSpPr>
+          <p:cNvPr id="164" name="矩形 163"/>
+          <p:cNvSpPr/>
+          <p:nvPr/>
+        </p:nvSpPr>
+        <p:spPr>
+          <a:xfrm>
+            <a:off x="6589925" y="4071362"/>
+            <a:ext cx="819035" cy="867094"/>
+          </a:xfrm>
+          <a:prstGeom prst="rect">
+            <a:avLst/>
+          </a:prstGeom>
+          <a:noFill/>
+          <a:ln>
+            <a:solidFill>
+              <a:schemeClr val="tx1"/>
+            </a:solidFill>
+          </a:ln>
+        </p:spPr>
+        <p:style>
+          <a:lnRef idx="2">
+            <a:schemeClr val="accent1">
+              <a:shade val="50000"/>
+            </a:schemeClr>
+          </a:lnRef>
+          <a:fillRef idx="1">
+            <a:schemeClr val="accent1"/>
+          </a:fillRef>
+          <a:effectRef idx="0">
+            <a:schemeClr val="accent1"/>
+          </a:effectRef>
+          <a:fontRef idx="minor">
+            <a:schemeClr val="lt1"/>
+          </a:fontRef>
+        </p:style>
+        <p:txBody>
+          <a:bodyPr rtlCol="0" anchor="ctr"/>
+          <a:lstStyle/>
+          <a:p>
+            <a:pPr algn="ctr"/>
+            <a:r>
+              <a:rPr lang="en-US" altLang="zh-CN" sz="1200" dirty="0" smtClean="0">
+                <a:solidFill>
+                  <a:schemeClr val="tx1"/>
+                </a:solidFill>
+              </a:rPr>
+              <a:t>If(1)?</a:t>
+            </a:r>
+          </a:p>
+          <a:p>
+            <a:pPr algn="ctr"/>
+            <a:r>
+              <a:rPr lang="en-US" altLang="zh-CN" sz="1200" dirty="0" smtClean="0">
+                <a:solidFill>
+                  <a:schemeClr val="tx1"/>
+                </a:solidFill>
+              </a:rPr>
+              <a:t>20:100</a:t>
+            </a:r>
+            <a:endParaRPr lang="zh-CN" altLang="en-US" sz="1200" dirty="0">
+              <a:solidFill>
+                <a:schemeClr val="tx1"/>
+              </a:solidFill>
+            </a:endParaRPr>
+          </a:p>
+        </p:txBody>
+      </p:sp>
+      <p:sp>
+        <p:nvSpPr>
+          <p:cNvPr id="112" name="矩形 111"/>
+          <p:cNvSpPr/>
+          <p:nvPr/>
+        </p:nvSpPr>
+        <p:spPr>
+          <a:xfrm>
+            <a:off x="4693159" y="711373"/>
+            <a:ext cx="733330" cy="695179"/>
+          </a:xfrm>
+          <a:prstGeom prst="rect">
+            <a:avLst/>
+          </a:prstGeom>
+          <a:noFill/>
+          <a:ln>
+            <a:solidFill>
+              <a:schemeClr val="tx1"/>
+            </a:solidFill>
+          </a:ln>
+        </p:spPr>
+        <p:style>
+          <a:lnRef idx="2">
+            <a:schemeClr val="accent1">
+              <a:shade val="50000"/>
+            </a:schemeClr>
+          </a:lnRef>
+          <a:fillRef idx="1">
+            <a:schemeClr val="accent1"/>
+          </a:fillRef>
+          <a:effectRef idx="0">
+            <a:schemeClr val="accent1"/>
+          </a:effectRef>
+          <a:fontRef idx="minor">
+            <a:schemeClr val="lt1"/>
+          </a:fontRef>
+        </p:style>
+        <p:txBody>
+          <a:bodyPr rtlCol="0" anchor="ctr"/>
+          <a:lstStyle/>
+          <a:p>
+            <a:pPr algn="ctr"/>
+            <a:r>
               <a:rPr lang="en-US" altLang="zh-CN" dirty="0" smtClean="0">
                 <a:solidFill>
                   <a:schemeClr val="tx1"/>
                 </a:solidFill>
               </a:rPr>
-              <a:t>MEM</a:t>
+              <a:t>Abs()</a:t>
             </a:r>
             <a:endParaRPr lang="zh-CN" altLang="en-US" dirty="0">
               <a:solidFill>
@@ -19249,88 +19320,16 @@
           </a:p>
         </p:txBody>
       </p:sp>
-      <p:cxnSp>
-        <p:nvCxnSpPr>
-          <p:cNvPr id="65" name="直接箭头连接符 64"/>
-          <p:cNvCxnSpPr>
-            <a:stCxn id="52" idx="0"/>
-            <a:endCxn id="51" idx="2"/>
-          </p:cNvCxnSpPr>
-          <p:nvPr/>
-        </p:nvCxnSpPr>
-        <p:spPr>
-          <a:xfrm flipH="1" flipV="1">
-            <a:off x="5638866" y="3151615"/>
-            <a:ext cx="774" cy="321184"/>
-          </a:xfrm>
-          <a:prstGeom prst="straightConnector1">
-            <a:avLst/>
-          </a:prstGeom>
-          <a:ln>
-            <a:tailEnd type="triangle"/>
-          </a:ln>
-        </p:spPr>
-        <p:style>
-          <a:lnRef idx="1">
-            <a:schemeClr val="accent1"/>
-          </a:lnRef>
-          <a:fillRef idx="0">
-            <a:schemeClr val="accent1"/>
-          </a:fillRef>
-          <a:effectRef idx="0">
-            <a:schemeClr val="accent1"/>
-          </a:effectRef>
-          <a:fontRef idx="minor">
-            <a:schemeClr val="tx1"/>
-          </a:fontRef>
-        </p:style>
-      </p:cxnSp>
-      <p:cxnSp>
-        <p:nvCxnSpPr>
-          <p:cNvPr id="67" name="直接箭头连接符 66"/>
-          <p:cNvCxnSpPr>
-            <a:stCxn id="61" idx="1"/>
-            <a:endCxn id="52" idx="3"/>
-          </p:cNvCxnSpPr>
-          <p:nvPr/>
-        </p:nvCxnSpPr>
-        <p:spPr>
-          <a:xfrm flipH="1">
-            <a:off x="6006305" y="3820388"/>
-            <a:ext cx="501002" cy="0"/>
-          </a:xfrm>
-          <a:prstGeom prst="straightConnector1">
-            <a:avLst/>
-          </a:prstGeom>
-          <a:ln>
-            <a:tailEnd type="triangle"/>
-          </a:ln>
-        </p:spPr>
-        <p:style>
-          <a:lnRef idx="1">
-            <a:schemeClr val="accent1"/>
-          </a:lnRef>
-          <a:fillRef idx="0">
-            <a:schemeClr val="accent1"/>
-          </a:fillRef>
-          <a:effectRef idx="0">
-            <a:schemeClr val="accent1"/>
-          </a:effectRef>
-          <a:fontRef idx="minor">
-            <a:schemeClr val="tx1"/>
-          </a:fontRef>
-        </p:style>
-      </p:cxnSp>
-      <p:sp>
-        <p:nvSpPr>
-          <p:cNvPr id="71" name="矩形 70"/>
+      <p:sp>
+        <p:nvSpPr>
+          <p:cNvPr id="113" name="矩形 112"/>
           <p:cNvSpPr/>
           <p:nvPr/>
         </p:nvSpPr>
         <p:spPr>
           <a:xfrm>
-            <a:off x="6507307" y="2254108"/>
-            <a:ext cx="733330" cy="695178"/>
+            <a:off x="3581014" y="708194"/>
+            <a:ext cx="733330" cy="695179"/>
           </a:xfrm>
           <a:prstGeom prst="rect">
             <a:avLst/>
@@ -19369,51 +19368,9 @@
                   <a:schemeClr val="tx1"/>
                 </a:solidFill>
               </a:rPr>
-              <a:t>Relay</a:t>
-            </a:r>
-          </a:p>
-        </p:txBody>
-      </p:sp>
-      <p:sp>
-        <p:nvSpPr>
-          <p:cNvPr id="72" name="矩形 71"/>
-          <p:cNvSpPr/>
-          <p:nvPr/>
-        </p:nvSpPr>
-        <p:spPr>
-          <a:xfrm>
-            <a:off x="6507307" y="1037547"/>
-            <a:ext cx="733330" cy="695178"/>
-          </a:xfrm>
-          <a:prstGeom prst="rect">
-            <a:avLst/>
-          </a:prstGeom>
-          <a:noFill/>
-          <a:ln>
-            <a:solidFill>
-              <a:schemeClr val="tx1"/>
-            </a:solidFill>
-          </a:ln>
-        </p:spPr>
-        <p:style>
-          <a:lnRef idx="2">
-            <a:schemeClr val="accent1">
-              <a:shade val="50000"/>
-            </a:schemeClr>
-          </a:lnRef>
-          <a:fillRef idx="1">
-            <a:schemeClr val="accent1"/>
-          </a:fillRef>
-          <a:effectRef idx="0">
-            <a:schemeClr val="accent1"/>
-          </a:effectRef>
-          <a:fontRef idx="minor">
-            <a:schemeClr val="lt1"/>
-          </a:fontRef>
-        </p:style>
-        <p:txBody>
-          <a:bodyPr rtlCol="0" anchor="ctr"/>
-          <a:lstStyle/>
+              <a:t>(int)</a:t>
+            </a:r>
+          </a:p>
           <a:p>
             <a:pPr algn="ctr"/>
             <a:r>
@@ -19422,262 +19379,7 @@
                   <a:schemeClr val="tx1"/>
                 </a:solidFill>
               </a:rPr>
-              <a:t>Not</a:t>
-            </a:r>
-          </a:p>
-        </p:txBody>
-      </p:sp>
-      <p:cxnSp>
-        <p:nvCxnSpPr>
-          <p:cNvPr id="74" name="肘形连接符 73"/>
-          <p:cNvCxnSpPr>
-            <a:stCxn id="3" idx="0"/>
-            <a:endCxn id="72" idx="1"/>
-          </p:cNvCxnSpPr>
-          <p:nvPr/>
-        </p:nvCxnSpPr>
-        <p:spPr>
-          <a:xfrm rot="5400000" flipH="1" flipV="1">
-            <a:off x="3684582" y="-556942"/>
-            <a:ext cx="880646" cy="4764803"/>
-          </a:xfrm>
-          <a:prstGeom prst="bentConnector2">
-            <a:avLst/>
-          </a:prstGeom>
-          <a:ln>
-            <a:tailEnd type="triangle"/>
-          </a:ln>
-        </p:spPr>
-        <p:style>
-          <a:lnRef idx="1">
-            <a:schemeClr val="accent1"/>
-          </a:lnRef>
-          <a:fillRef idx="0">
-            <a:schemeClr val="accent1"/>
-          </a:fillRef>
-          <a:effectRef idx="0">
-            <a:schemeClr val="accent1"/>
-          </a:effectRef>
-          <a:fontRef idx="minor">
-            <a:schemeClr val="tx1"/>
-          </a:fontRef>
-        </p:style>
-      </p:cxnSp>
-      <p:cxnSp>
-        <p:nvCxnSpPr>
-          <p:cNvPr id="76" name="直接箭头连接符 75"/>
-          <p:cNvCxnSpPr>
-            <a:stCxn id="72" idx="2"/>
-            <a:endCxn id="71" idx="0"/>
-          </p:cNvCxnSpPr>
-          <p:nvPr/>
-        </p:nvCxnSpPr>
-        <p:spPr>
-          <a:xfrm>
-            <a:off x="6873972" y="1732725"/>
-            <a:ext cx="0" cy="521383"/>
-          </a:xfrm>
-          <a:prstGeom prst="straightConnector1">
-            <a:avLst/>
-          </a:prstGeom>
-          <a:ln>
-            <a:tailEnd type="triangle"/>
-          </a:ln>
-        </p:spPr>
-        <p:style>
-          <a:lnRef idx="1">
-            <a:schemeClr val="accent1"/>
-          </a:lnRef>
-          <a:fillRef idx="0">
-            <a:schemeClr val="accent1"/>
-          </a:fillRef>
-          <a:effectRef idx="0">
-            <a:schemeClr val="accent1"/>
-          </a:effectRef>
-          <a:fontRef idx="minor">
-            <a:schemeClr val="tx1"/>
-          </a:fontRef>
-        </p:style>
-      </p:cxnSp>
-      <p:cxnSp>
-        <p:nvCxnSpPr>
-          <p:cNvPr id="78" name="直接箭头连接符 77"/>
-          <p:cNvCxnSpPr>
-            <a:stCxn id="42" idx="3"/>
-            <a:endCxn id="71" idx="1"/>
-          </p:cNvCxnSpPr>
-          <p:nvPr/>
-        </p:nvCxnSpPr>
-        <p:spPr>
-          <a:xfrm>
-            <a:off x="6005531" y="1847092"/>
-            <a:ext cx="501776" cy="754605"/>
-          </a:xfrm>
-          <a:prstGeom prst="straightConnector1">
-            <a:avLst/>
-          </a:prstGeom>
-          <a:ln>
-            <a:tailEnd type="triangle"/>
-          </a:ln>
-        </p:spPr>
-        <p:style>
-          <a:lnRef idx="1">
-            <a:schemeClr val="accent1"/>
-          </a:lnRef>
-          <a:fillRef idx="0">
-            <a:schemeClr val="accent1"/>
-          </a:fillRef>
-          <a:effectRef idx="0">
-            <a:schemeClr val="accent1"/>
-          </a:effectRef>
-          <a:fontRef idx="minor">
-            <a:schemeClr val="tx1"/>
-          </a:fontRef>
-        </p:style>
-      </p:cxnSp>
-      <p:cxnSp>
-        <p:nvCxnSpPr>
-          <p:cNvPr id="80" name="直接箭头连接符 79"/>
-          <p:cNvCxnSpPr>
-            <a:stCxn id="71" idx="2"/>
-            <a:endCxn id="61" idx="0"/>
-          </p:cNvCxnSpPr>
-          <p:nvPr/>
-        </p:nvCxnSpPr>
-        <p:spPr>
-          <a:xfrm>
-            <a:off x="6873972" y="2949286"/>
-            <a:ext cx="0" cy="523513"/>
-          </a:xfrm>
-          <a:prstGeom prst="straightConnector1">
-            <a:avLst/>
-          </a:prstGeom>
-          <a:ln>
-            <a:tailEnd type="triangle"/>
-          </a:ln>
-        </p:spPr>
-        <p:style>
-          <a:lnRef idx="1">
-            <a:schemeClr val="accent1"/>
-          </a:lnRef>
-          <a:fillRef idx="0">
-            <a:schemeClr val="accent1"/>
-          </a:fillRef>
-          <a:effectRef idx="0">
-            <a:schemeClr val="accent1"/>
-          </a:effectRef>
-          <a:fontRef idx="minor">
-            <a:schemeClr val="tx1"/>
-          </a:fontRef>
-        </p:style>
-      </p:cxnSp>
-      <p:sp>
-        <p:nvSpPr>
-          <p:cNvPr id="86" name="矩形 85"/>
-          <p:cNvSpPr/>
-          <p:nvPr/>
-        </p:nvSpPr>
-        <p:spPr>
-          <a:xfrm>
-            <a:off x="7741638" y="3472799"/>
-            <a:ext cx="733330" cy="695178"/>
-          </a:xfrm>
-          <a:prstGeom prst="rect">
-            <a:avLst/>
-          </a:prstGeom>
-          <a:noFill/>
-          <a:ln>
-            <a:solidFill>
-              <a:schemeClr val="tx1"/>
-            </a:solidFill>
-          </a:ln>
-        </p:spPr>
-        <p:style>
-          <a:lnRef idx="2">
-            <a:schemeClr val="accent1">
-              <a:shade val="50000"/>
-            </a:schemeClr>
-          </a:lnRef>
-          <a:fillRef idx="1">
-            <a:schemeClr val="accent1"/>
-          </a:fillRef>
-          <a:effectRef idx="0">
-            <a:schemeClr val="accent1"/>
-          </a:effectRef>
-          <a:fontRef idx="minor">
-            <a:schemeClr val="lt1"/>
-          </a:fontRef>
-        </p:style>
-        <p:txBody>
-          <a:bodyPr rtlCol="0" anchor="ctr"/>
-          <a:lstStyle/>
-          <a:p>
-            <a:pPr algn="ctr"/>
-            <a:r>
-              <a:rPr lang="en-US" altLang="zh-CN" sz="1200" dirty="0" smtClean="0">
-                <a:solidFill>
-                  <a:schemeClr val="tx1"/>
-                </a:solidFill>
-              </a:rPr>
-              <a:t>MOD(N)</a:t>
-            </a:r>
-            <a:endParaRPr lang="zh-CN" altLang="en-US" sz="1200" dirty="0">
-              <a:solidFill>
-                <a:schemeClr val="tx1"/>
-              </a:solidFill>
-            </a:endParaRPr>
-          </a:p>
-        </p:txBody>
-      </p:sp>
-      <p:sp>
-        <p:nvSpPr>
-          <p:cNvPr id="91" name="矩形 90"/>
-          <p:cNvSpPr/>
-          <p:nvPr/>
-        </p:nvSpPr>
-        <p:spPr>
-          <a:xfrm>
-            <a:off x="8898678" y="3472799"/>
-            <a:ext cx="733330" cy="695178"/>
-          </a:xfrm>
-          <a:prstGeom prst="rect">
-            <a:avLst/>
-          </a:prstGeom>
-          <a:noFill/>
-          <a:ln>
-            <a:solidFill>
-              <a:schemeClr val="tx1"/>
-            </a:solidFill>
-          </a:ln>
-        </p:spPr>
-        <p:style>
-          <a:lnRef idx="2">
-            <a:schemeClr val="accent1">
-              <a:shade val="50000"/>
-            </a:schemeClr>
-          </a:lnRef>
-          <a:fillRef idx="1">
-            <a:schemeClr val="accent1"/>
-          </a:fillRef>
-          <a:effectRef idx="0">
-            <a:schemeClr val="accent1"/>
-          </a:effectRef>
-          <a:fontRef idx="minor">
-            <a:schemeClr val="lt1"/>
-          </a:fontRef>
-        </p:style>
-        <p:txBody>
-          <a:bodyPr rtlCol="0" anchor="ctr"/>
-          <a:lstStyle/>
-          <a:p>
-            <a:pPr algn="ctr"/>
-            <a:r>
-              <a:rPr lang="en-US" altLang="zh-CN" dirty="0" smtClean="0">
-                <a:solidFill>
-                  <a:schemeClr val="tx1"/>
-                </a:solidFill>
-              </a:rPr>
-              <a:t>+</a:t>
+              <a:t>HV</a:t>
             </a:r>
             <a:endParaRPr lang="zh-CN" altLang="en-US" dirty="0">
               <a:solidFill>
@@ -19687,16 +19389,124 @@
           </a:p>
         </p:txBody>
       </p:sp>
-      <p:sp>
-        <p:nvSpPr>
-          <p:cNvPr id="94" name="矩形 93"/>
+      <p:cxnSp>
+        <p:nvCxnSpPr>
+          <p:cNvPr id="85" name="直接箭头连接符 84"/>
+          <p:cNvCxnSpPr>
+            <a:stCxn id="112" idx="3"/>
+            <a:endCxn id="105" idx="1"/>
+          </p:cNvCxnSpPr>
+          <p:nvPr/>
+        </p:nvCxnSpPr>
+        <p:spPr>
+          <a:xfrm>
+            <a:off x="5426489" y="1058963"/>
+            <a:ext cx="383870" cy="0"/>
+          </a:xfrm>
+          <a:prstGeom prst="straightConnector1">
+            <a:avLst/>
+          </a:prstGeom>
+          <a:ln>
+            <a:tailEnd type="triangle"/>
+          </a:ln>
+        </p:spPr>
+        <p:style>
+          <a:lnRef idx="1">
+            <a:schemeClr val="accent1"/>
+          </a:lnRef>
+          <a:fillRef idx="0">
+            <a:schemeClr val="accent1"/>
+          </a:fillRef>
+          <a:effectRef idx="0">
+            <a:schemeClr val="accent1"/>
+          </a:effectRef>
+          <a:fontRef idx="minor">
+            <a:schemeClr val="tx1"/>
+          </a:fontRef>
+        </p:style>
+      </p:cxnSp>
+      <p:cxnSp>
+        <p:nvCxnSpPr>
+          <p:cNvPr id="87" name="直接箭头连接符 86"/>
+          <p:cNvCxnSpPr>
+            <a:stCxn id="113" idx="3"/>
+            <a:endCxn id="112" idx="1"/>
+          </p:cNvCxnSpPr>
+          <p:nvPr/>
+        </p:nvCxnSpPr>
+        <p:spPr>
+          <a:xfrm>
+            <a:off x="4314344" y="1055784"/>
+            <a:ext cx="378815" cy="3179"/>
+          </a:xfrm>
+          <a:prstGeom prst="straightConnector1">
+            <a:avLst/>
+          </a:prstGeom>
+          <a:ln>
+            <a:tailEnd type="triangle"/>
+          </a:ln>
+        </p:spPr>
+        <p:style>
+          <a:lnRef idx="1">
+            <a:schemeClr val="accent1"/>
+          </a:lnRef>
+          <a:fillRef idx="0">
+            <a:schemeClr val="accent1"/>
+          </a:fillRef>
+          <a:effectRef idx="0">
+            <a:schemeClr val="accent1"/>
+          </a:effectRef>
+          <a:fontRef idx="minor">
+            <a:schemeClr val="tx1"/>
+          </a:fontRef>
+        </p:style>
+      </p:cxnSp>
+      <p:cxnSp>
+        <p:nvCxnSpPr>
+          <p:cNvPr id="89" name="直接箭头连接符 88"/>
+          <p:cNvCxnSpPr>
+            <a:stCxn id="65" idx="3"/>
+            <a:endCxn id="113" idx="1"/>
+          </p:cNvCxnSpPr>
+          <p:nvPr/>
+        </p:nvCxnSpPr>
+        <p:spPr>
+          <a:xfrm>
+            <a:off x="3044730" y="1054621"/>
+            <a:ext cx="536284" cy="1163"/>
+          </a:xfrm>
+          <a:prstGeom prst="straightConnector1">
+            <a:avLst/>
+          </a:prstGeom>
+          <a:ln>
+            <a:tailEnd type="triangle"/>
+          </a:ln>
+        </p:spPr>
+        <p:style>
+          <a:lnRef idx="1">
+            <a:schemeClr val="accent1"/>
+          </a:lnRef>
+          <a:fillRef idx="0">
+            <a:schemeClr val="accent1"/>
+          </a:fillRef>
+          <a:effectRef idx="0">
+            <a:schemeClr val="accent1"/>
+          </a:effectRef>
+          <a:fontRef idx="minor">
+            <a:schemeClr val="tx1"/>
+          </a:fontRef>
+        </p:style>
+      </p:cxnSp>
+      <p:sp>
+        <p:nvSpPr>
+          <p:cNvPr id="126" name="矩形 125"/>
           <p:cNvSpPr/>
           <p:nvPr/>
         </p:nvSpPr>
         <p:spPr>
           <a:xfrm>
-            <a:off x="8898678" y="2265782"/>
-            <a:ext cx="733330" cy="695178"/>
+            <a:off x="7102191" y="769917"/>
+            <a:ext cx="733330" cy="695179"/>
           </a:xfrm>
           <a:prstGeom prst="rect">
             <a:avLst/>
@@ -19735,7 +19545,18 @@
                   <a:schemeClr val="tx1"/>
                 </a:solidFill>
               </a:rPr>
-              <a:t>101</a:t>
+              <a:t>Mod</a:t>
+            </a:r>
+          </a:p>
+          <a:p>
+            <a:pPr algn="ctr"/>
+            <a:r>
+              <a:rPr lang="en-US" altLang="zh-CN" dirty="0" smtClean="0">
+                <a:solidFill>
+                  <a:schemeClr val="tx1"/>
+                </a:solidFill>
+              </a:rPr>
+              <a:t>(51)</a:t>
             </a:r>
             <a:endParaRPr lang="zh-CN" altLang="en-US" dirty="0">
               <a:solidFill>
@@ -19747,17 +19568,17 @@
       </p:sp>
       <p:cxnSp>
         <p:nvCxnSpPr>
-          <p:cNvPr id="99" name="直接箭头连接符 98"/>
+          <p:cNvPr id="103" name="直接箭头连接符 102"/>
           <p:cNvCxnSpPr>
-            <a:stCxn id="94" idx="2"/>
-            <a:endCxn id="91" idx="0"/>
+            <a:stCxn id="126" idx="3"/>
+            <a:endCxn id="106" idx="1"/>
           </p:cNvCxnSpPr>
           <p:nvPr/>
         </p:nvCxnSpPr>
         <p:spPr>
           <a:xfrm>
-            <a:off x="9265343" y="2960960"/>
-            <a:ext cx="0" cy="511839"/>
+            <a:off x="7835521" y="1117507"/>
+            <a:ext cx="378815" cy="0"/>
           </a:xfrm>
           <a:prstGeom prst="straightConnector1">
             <a:avLst/>
@@ -19783,20 +19604,22 @@
       </p:cxnSp>
       <p:cxnSp>
         <p:nvCxnSpPr>
-          <p:cNvPr id="101" name="直接箭头连接符 100"/>
+          <p:cNvPr id="111" name="肘形连接符 110"/>
           <p:cNvCxnSpPr>
-            <a:stCxn id="86" idx="3"/>
-            <a:endCxn id="91" idx="1"/>
+            <a:stCxn id="112" idx="0"/>
+            <a:endCxn id="126" idx="0"/>
           </p:cNvCxnSpPr>
           <p:nvPr/>
         </p:nvCxnSpPr>
         <p:spPr>
-          <a:xfrm>
-            <a:off x="8474968" y="3820388"/>
-            <a:ext cx="423710" cy="0"/>
-          </a:xfrm>
-          <a:prstGeom prst="straightConnector1">
-            <a:avLst/>
+          <a:xfrm rot="16200000" flipH="1">
+            <a:off x="6235068" y="-463871"/>
+            <a:ext cx="58544" cy="2409032"/>
+          </a:xfrm>
+          <a:prstGeom prst="bentConnector3">
+            <a:avLst>
+              <a:gd name="adj1" fmla="val -390476"/>
+            </a:avLst>
           </a:prstGeom>
           <a:ln>
             <a:tailEnd type="triangle"/>
@@ -19819,22 +19642,25 @@
       </p:cxnSp>
       <p:cxnSp>
         <p:nvCxnSpPr>
-          <p:cNvPr id="103" name="直接箭头连接符 102"/>
+          <p:cNvPr id="142" name="直接箭头连接符 141"/>
           <p:cNvCxnSpPr>
-            <a:stCxn id="61" idx="3"/>
-            <a:endCxn id="86" idx="1"/>
+            <a:stCxn id="201" idx="3"/>
+            <a:endCxn id="78" idx="1"/>
           </p:cNvCxnSpPr>
           <p:nvPr/>
         </p:nvCxnSpPr>
         <p:spPr>
           <a:xfrm>
-            <a:off x="7240637" y="3820388"/>
-            <a:ext cx="501001" cy="0"/>
+            <a:off x="2972813" y="2674215"/>
+            <a:ext cx="2911195" cy="498461"/>
           </a:xfrm>
           <a:prstGeom prst="straightConnector1">
             <a:avLst/>
           </a:prstGeom>
           <a:ln>
+            <a:solidFill>
+              <a:srgbClr val="FF0000"/>
+            </a:solidFill>
             <a:tailEnd type="triangle"/>
           </a:ln>
         </p:spPr>
@@ -19853,16 +19679,207 @@
           </a:fontRef>
         </p:style>
       </p:cxnSp>
-      <p:sp>
-        <p:nvSpPr>
-          <p:cNvPr id="106" name="矩形 105"/>
+      <p:cxnSp>
+        <p:nvCxnSpPr>
+          <p:cNvPr id="149" name="肘形连接符 148"/>
+          <p:cNvCxnSpPr>
+            <a:stCxn id="58" idx="2"/>
+            <a:endCxn id="42" idx="3"/>
+          </p:cNvCxnSpPr>
+          <p:nvPr/>
+        </p:nvCxnSpPr>
+        <p:spPr>
+          <a:xfrm rot="5400000">
+            <a:off x="7943216" y="2529227"/>
+            <a:ext cx="771572" cy="519141"/>
+          </a:xfrm>
+          <a:prstGeom prst="bentConnector2">
+            <a:avLst/>
+          </a:prstGeom>
+          <a:ln>
+            <a:tailEnd type="triangle"/>
+          </a:ln>
+        </p:spPr>
+        <p:style>
+          <a:lnRef idx="1">
+            <a:schemeClr val="accent1"/>
+          </a:lnRef>
+          <a:fillRef idx="0">
+            <a:schemeClr val="accent1"/>
+          </a:fillRef>
+          <a:effectRef idx="0">
+            <a:schemeClr val="accent1"/>
+          </a:effectRef>
+          <a:fontRef idx="minor">
+            <a:schemeClr val="tx1"/>
+          </a:fontRef>
+        </p:style>
+      </p:cxnSp>
+      <p:cxnSp>
+        <p:nvCxnSpPr>
+          <p:cNvPr id="174" name="肘形连接符 173"/>
+          <p:cNvCxnSpPr>
+            <a:stCxn id="42" idx="2"/>
+            <a:endCxn id="51" idx="3"/>
+          </p:cNvCxnSpPr>
+          <p:nvPr/>
+        </p:nvCxnSpPr>
+        <p:spPr>
+          <a:xfrm rot="5400000">
+            <a:off x="5050480" y="1341309"/>
+            <a:ext cx="415399" cy="4532355"/>
+          </a:xfrm>
+          <a:prstGeom prst="bentConnector2">
+            <a:avLst/>
+          </a:prstGeom>
+          <a:ln>
+            <a:solidFill>
+              <a:srgbClr val="FF0000"/>
+            </a:solidFill>
+            <a:tailEnd type="triangle"/>
+          </a:ln>
+        </p:spPr>
+        <p:style>
+          <a:lnRef idx="1">
+            <a:schemeClr val="accent1"/>
+          </a:lnRef>
+          <a:fillRef idx="0">
+            <a:schemeClr val="accent1"/>
+          </a:fillRef>
+          <a:effectRef idx="0">
+            <a:schemeClr val="accent1"/>
+          </a:effectRef>
+          <a:fontRef idx="minor">
+            <a:schemeClr val="tx1"/>
+          </a:fontRef>
+        </p:style>
+      </p:cxnSp>
+      <p:cxnSp>
+        <p:nvCxnSpPr>
+          <p:cNvPr id="181" name="肘形连接符 180"/>
+          <p:cNvCxnSpPr>
+            <a:stCxn id="201" idx="1"/>
+            <a:endCxn id="65" idx="1"/>
+          </p:cNvCxnSpPr>
+          <p:nvPr/>
+        </p:nvCxnSpPr>
+        <p:spPr>
+          <a:xfrm rot="10800000">
+            <a:off x="1918706" y="1054621"/>
+            <a:ext cx="81994" cy="1619594"/>
+          </a:xfrm>
+          <a:prstGeom prst="bentConnector3">
+            <a:avLst>
+              <a:gd name="adj1" fmla="val 378801"/>
+            </a:avLst>
+          </a:prstGeom>
+          <a:ln>
+            <a:solidFill>
+              <a:srgbClr val="FF0000"/>
+            </a:solidFill>
+            <a:tailEnd type="triangle"/>
+          </a:ln>
+        </p:spPr>
+        <p:style>
+          <a:lnRef idx="1">
+            <a:schemeClr val="accent1"/>
+          </a:lnRef>
+          <a:fillRef idx="0">
+            <a:schemeClr val="accent1"/>
+          </a:fillRef>
+          <a:effectRef idx="0">
+            <a:schemeClr val="accent1"/>
+          </a:effectRef>
+          <a:fontRef idx="minor">
+            <a:schemeClr val="tx1"/>
+          </a:fontRef>
+        </p:style>
+      </p:cxnSp>
+      <p:cxnSp>
+        <p:nvCxnSpPr>
+          <p:cNvPr id="212" name="直接箭头连接符 211"/>
+          <p:cNvCxnSpPr>
+            <a:stCxn id="93" idx="1"/>
+            <a:endCxn id="164" idx="2"/>
+          </p:cNvCxnSpPr>
+          <p:nvPr/>
+        </p:nvCxnSpPr>
+        <p:spPr>
+          <a:xfrm flipH="1" flipV="1">
+            <a:off x="6999443" y="4938456"/>
+            <a:ext cx="1457958" cy="572236"/>
+          </a:xfrm>
+          <a:prstGeom prst="straightConnector1">
+            <a:avLst/>
+          </a:prstGeom>
+          <a:ln>
+            <a:tailEnd type="triangle"/>
+          </a:ln>
+        </p:spPr>
+        <p:style>
+          <a:lnRef idx="1">
+            <a:schemeClr val="accent1"/>
+          </a:lnRef>
+          <a:fillRef idx="0">
+            <a:schemeClr val="accent1"/>
+          </a:fillRef>
+          <a:effectRef idx="0">
+            <a:schemeClr val="accent1"/>
+          </a:effectRef>
+          <a:fontRef idx="minor">
+            <a:schemeClr val="tx1"/>
+          </a:fontRef>
+        </p:style>
+      </p:cxnSp>
+      <p:cxnSp>
+        <p:nvCxnSpPr>
+          <p:cNvPr id="215" name="肘形连接符 214"/>
+          <p:cNvCxnSpPr>
+            <a:stCxn id="51" idx="2"/>
+            <a:endCxn id="44" idx="1"/>
+          </p:cNvCxnSpPr>
+          <p:nvPr/>
+        </p:nvCxnSpPr>
+        <p:spPr>
+          <a:xfrm rot="16200000" flipH="1">
+            <a:off x="3404135" y="3161159"/>
+            <a:ext cx="724041" cy="2520420"/>
+          </a:xfrm>
+          <a:prstGeom prst="bentConnector2">
+            <a:avLst/>
+          </a:prstGeom>
+          <a:ln>
+            <a:solidFill>
+              <a:srgbClr val="FF0000"/>
+            </a:solidFill>
+            <a:tailEnd type="triangle"/>
+          </a:ln>
+        </p:spPr>
+        <p:style>
+          <a:lnRef idx="1">
+            <a:schemeClr val="accent1"/>
+          </a:lnRef>
+          <a:fillRef idx="0">
+            <a:schemeClr val="accent1"/>
+          </a:fillRef>
+          <a:effectRef idx="0">
+            <a:schemeClr val="accent1"/>
+          </a:effectRef>
+          <a:fontRef idx="minor">
+            <a:schemeClr val="tx1"/>
+          </a:fontRef>
+        </p:style>
+      </p:cxnSp>
+      <p:sp>
+        <p:nvSpPr>
+          <p:cNvPr id="224" name="矩形 223"/>
           <p:cNvSpPr/>
           <p:nvPr/>
         </p:nvSpPr>
         <p:spPr>
           <a:xfrm>
-            <a:off x="10055718" y="3472799"/>
-            <a:ext cx="733330" cy="695178"/>
+            <a:off x="832577" y="2912307"/>
+            <a:ext cx="733330" cy="695179"/>
           </a:xfrm>
           <a:prstGeom prst="rect">
             <a:avLst/>
@@ -19901,7 +19918,7 @@
                   <a:schemeClr val="tx1"/>
                 </a:solidFill>
               </a:rPr>
-              <a:t>wifi</a:t>
+              <a:t>Relay</a:t>
             </a:r>
             <a:endParaRPr lang="zh-CN" altLang="en-US" dirty="0">
               <a:solidFill>
@@ -19913,19 +19930,19 @@
       </p:sp>
       <p:cxnSp>
         <p:nvCxnSpPr>
-          <p:cNvPr id="108" name="直接箭头连接符 107"/>
+          <p:cNvPr id="226" name="肘形连接符 225"/>
           <p:cNvCxnSpPr>
-            <a:stCxn id="91" idx="3"/>
-            <a:endCxn id="106" idx="1"/>
+            <a:stCxn id="93" idx="1"/>
+            <a:endCxn id="224" idx="2"/>
           </p:cNvCxnSpPr>
           <p:nvPr/>
         </p:nvCxnSpPr>
         <p:spPr>
-          <a:xfrm>
-            <a:off x="9632008" y="3820388"/>
-            <a:ext cx="423710" cy="0"/>
-          </a:xfrm>
-          <a:prstGeom prst="straightConnector1">
+          <a:xfrm rot="10800000">
+            <a:off x="1199243" y="3607486"/>
+            <a:ext cx="7258159" cy="1903206"/>
+          </a:xfrm>
+          <a:prstGeom prst="bentConnector2">
             <a:avLst/>
           </a:prstGeom>
           <a:ln>
@@ -19949,21 +19966,25 @@
       </p:cxnSp>
       <p:cxnSp>
         <p:nvCxnSpPr>
-          <p:cNvPr id="110" name="直接箭头连接符 109"/>
+          <p:cNvPr id="232" name="直接箭头连接符 231"/>
           <p:cNvCxnSpPr>
-            <a:endCxn id="2" idx="1"/>
+            <a:stCxn id="51" idx="1"/>
+            <a:endCxn id="224" idx="3"/>
           </p:cNvCxnSpPr>
           <p:nvPr/>
         </p:nvCxnSpPr>
         <p:spPr>
-          <a:xfrm>
-            <a:off x="1464925" y="3820388"/>
-            <a:ext cx="606056" cy="0"/>
+          <a:xfrm flipH="1" flipV="1">
+            <a:off x="1565907" y="3259897"/>
+            <a:ext cx="453981" cy="555289"/>
           </a:xfrm>
           <a:prstGeom prst="straightConnector1">
             <a:avLst/>
           </a:prstGeom>
           <a:ln>
+            <a:solidFill>
+              <a:srgbClr val="FF0000"/>
+            </a:solidFill>
             <a:tailEnd type="triangle"/>
           </a:ln>
         </p:spPr>
@@ -19982,16 +20003,130 @@
           </a:fontRef>
         </p:style>
       </p:cxnSp>
-      <p:sp>
-        <p:nvSpPr>
-          <p:cNvPr id="111" name="文本框 110"/>
+      <p:cxnSp>
+        <p:nvCxnSpPr>
+          <p:cNvPr id="235" name="直接箭头连接符 234"/>
+          <p:cNvCxnSpPr>
+            <a:stCxn id="224" idx="3"/>
+            <a:endCxn id="201" idx="1"/>
+          </p:cNvCxnSpPr>
+          <p:nvPr/>
+        </p:nvCxnSpPr>
+        <p:spPr>
+          <a:xfrm flipV="1">
+            <a:off x="1565907" y="2674215"/>
+            <a:ext cx="434793" cy="585682"/>
+          </a:xfrm>
+          <a:prstGeom prst="straightConnector1">
+            <a:avLst/>
+          </a:prstGeom>
+          <a:ln>
+            <a:solidFill>
+              <a:srgbClr val="FF0000"/>
+            </a:solidFill>
+            <a:tailEnd type="triangle"/>
+          </a:ln>
+        </p:spPr>
+        <p:style>
+          <a:lnRef idx="1">
+            <a:schemeClr val="accent1"/>
+          </a:lnRef>
+          <a:fillRef idx="0">
+            <a:schemeClr val="accent1"/>
+          </a:fillRef>
+          <a:effectRef idx="0">
+            <a:schemeClr val="accent1"/>
+          </a:effectRef>
+          <a:fontRef idx="minor">
+            <a:schemeClr val="tx1"/>
+          </a:fontRef>
+        </p:style>
+      </p:cxnSp>
+      <p:cxnSp>
+        <p:nvCxnSpPr>
+          <p:cNvPr id="241" name="直接箭头连接符 240"/>
+          <p:cNvCxnSpPr>
+            <a:stCxn id="164" idx="1"/>
+            <a:endCxn id="44" idx="3"/>
+          </p:cNvCxnSpPr>
+          <p:nvPr/>
+        </p:nvCxnSpPr>
+        <p:spPr>
+          <a:xfrm flipH="1">
+            <a:off x="6152389" y="4504909"/>
+            <a:ext cx="437536" cy="278481"/>
+          </a:xfrm>
+          <a:prstGeom prst="straightConnector1">
+            <a:avLst/>
+          </a:prstGeom>
+          <a:ln>
+            <a:tailEnd type="triangle"/>
+          </a:ln>
+        </p:spPr>
+        <p:style>
+          <a:lnRef idx="1">
+            <a:schemeClr val="accent1"/>
+          </a:lnRef>
+          <a:fillRef idx="0">
+            <a:schemeClr val="accent1"/>
+          </a:fillRef>
+          <a:effectRef idx="0">
+            <a:schemeClr val="accent1"/>
+          </a:effectRef>
+          <a:fontRef idx="minor">
+            <a:schemeClr val="tx1"/>
+          </a:fontRef>
+        </p:style>
+      </p:cxnSp>
+      <p:cxnSp>
+        <p:nvCxnSpPr>
+          <p:cNvPr id="3" name="直接箭头连接符 2"/>
+          <p:cNvCxnSpPr>
+            <a:stCxn id="51" idx="3"/>
+            <a:endCxn id="48" idx="1"/>
+          </p:cNvCxnSpPr>
+          <p:nvPr/>
+        </p:nvCxnSpPr>
+        <p:spPr>
+          <a:xfrm>
+            <a:off x="2992001" y="3815186"/>
+            <a:ext cx="2034364" cy="373504"/>
+          </a:xfrm>
+          <a:prstGeom prst="straightConnector1">
+            <a:avLst/>
+          </a:prstGeom>
+          <a:ln>
+            <a:solidFill>
+              <a:srgbClr val="FF0000"/>
+            </a:solidFill>
+            <a:tailEnd type="triangle"/>
+          </a:ln>
+        </p:spPr>
+        <p:style>
+          <a:lnRef idx="1">
+            <a:schemeClr val="accent1"/>
+          </a:lnRef>
+          <a:fillRef idx="0">
+            <a:schemeClr val="accent1"/>
+          </a:fillRef>
+          <a:effectRef idx="0">
+            <a:schemeClr val="accent1"/>
+          </a:effectRef>
+          <a:fontRef idx="minor">
+            <a:schemeClr val="tx1"/>
+          </a:fontRef>
+        </p:style>
+      </p:cxnSp>
+      <p:sp>
+        <p:nvSpPr>
+          <p:cNvPr id="2" name="文本框 1"/>
           <p:cNvSpPr txBox="1"/>
           <p:nvPr/>
         </p:nvSpPr>
         <p:spPr>
           <a:xfrm>
-            <a:off x="836649" y="3635722"/>
-            <a:ext cx="615874" cy="369332"/>
+            <a:off x="286247" y="453224"/>
+            <a:ext cx="812274" cy="369332"/>
           </a:xfrm>
           <a:prstGeom prst="rect">
             <a:avLst/>
@@ -20006,22 +20141,58 @@
           <a:p>
             <a:r>
               <a:rPr lang="en-US" altLang="zh-CN" dirty="0" smtClean="0"/>
-              <a:t>Click</a:t>
+              <a:t>Barsuk</a:t>
             </a:r>
             <a:endParaRPr lang="zh-CN" altLang="en-US" dirty="0"/>
           </a:p>
         </p:txBody>
       </p:sp>
-      <p:sp>
-        <p:nvSpPr>
-          <p:cNvPr id="42" name="矩形 41"/>
+      <p:cxnSp>
+        <p:nvCxnSpPr>
+          <p:cNvPr id="5" name="直接箭头连接符 4"/>
+          <p:cNvCxnSpPr>
+            <a:stCxn id="105" idx="2"/>
+            <a:endCxn id="77" idx="0"/>
+          </p:cNvCxnSpPr>
+          <p:nvPr/>
+        </p:nvCxnSpPr>
+        <p:spPr>
+          <a:xfrm flipH="1">
+            <a:off x="6250673" y="1506193"/>
+            <a:ext cx="13667" cy="346152"/>
+          </a:xfrm>
+          <a:prstGeom prst="straightConnector1">
+            <a:avLst/>
+          </a:prstGeom>
+          <a:ln>
+            <a:tailEnd type="triangle"/>
+          </a:ln>
+        </p:spPr>
+        <p:style>
+          <a:lnRef idx="1">
+            <a:schemeClr val="accent1"/>
+          </a:lnRef>
+          <a:fillRef idx="0">
+            <a:schemeClr val="accent1"/>
+          </a:fillRef>
+          <a:effectRef idx="0">
+            <a:schemeClr val="accent1"/>
+          </a:effectRef>
+          <a:fontRef idx="minor">
+            <a:schemeClr val="tx1"/>
+          </a:fontRef>
+        </p:style>
+      </p:cxnSp>
+      <p:sp>
+        <p:nvSpPr>
+          <p:cNvPr id="57" name="矩形 56"/>
           <p:cNvSpPr/>
           <p:nvPr/>
         </p:nvSpPr>
         <p:spPr>
           <a:xfrm>
-            <a:off x="5272201" y="1499503"/>
-            <a:ext cx="733330" cy="695178"/>
+            <a:off x="9313970" y="1689248"/>
+            <a:ext cx="733330" cy="695179"/>
           </a:xfrm>
           <a:prstGeom prst="rect">
             <a:avLst/>
@@ -20060,18 +20231,7 @@
                   <a:schemeClr val="tx1"/>
                 </a:solidFill>
               </a:rPr>
-              <a:t>Delay</a:t>
-            </a:r>
-          </a:p>
-          <a:p>
-            <a:pPr algn="ctr"/>
-            <a:r>
-              <a:rPr lang="en-US" altLang="zh-CN" dirty="0" smtClean="0">
-                <a:solidFill>
-                  <a:schemeClr val="tx1"/>
-                </a:solidFill>
-              </a:rPr>
-              <a:t>0.02s</a:t>
+              <a:t>MEM100</a:t>
             </a:r>
             <a:endParaRPr lang="zh-CN" altLang="en-US" dirty="0">
               <a:solidFill>
@@ -20081,19 +20241,77 @@
           </a:p>
         </p:txBody>
       </p:sp>
+      <p:sp>
+        <p:nvSpPr>
+          <p:cNvPr id="58" name="矩形 57"/>
+          <p:cNvSpPr/>
+          <p:nvPr/>
+        </p:nvSpPr>
+        <p:spPr>
+          <a:xfrm>
+            <a:off x="8221907" y="1707832"/>
+            <a:ext cx="733330" cy="695179"/>
+          </a:xfrm>
+          <a:prstGeom prst="rect">
+            <a:avLst/>
+          </a:prstGeom>
+          <a:noFill/>
+          <a:ln>
+            <a:solidFill>
+              <a:schemeClr val="tx1"/>
+            </a:solidFill>
+          </a:ln>
+        </p:spPr>
+        <p:style>
+          <a:lnRef idx="2">
+            <a:schemeClr val="accent1">
+              <a:shade val="50000"/>
+            </a:schemeClr>
+          </a:lnRef>
+          <a:fillRef idx="1">
+            <a:schemeClr val="accent1"/>
+          </a:fillRef>
+          <a:effectRef idx="0">
+            <a:schemeClr val="accent1"/>
+          </a:effectRef>
+          <a:fontRef idx="minor">
+            <a:schemeClr val="lt1"/>
+          </a:fontRef>
+        </p:style>
+        <p:txBody>
+          <a:bodyPr rtlCol="0" anchor="ctr"/>
+          <a:lstStyle/>
+          <a:p>
+            <a:pPr algn="ctr"/>
+            <a:r>
+              <a:rPr lang="en-US" altLang="zh-CN" dirty="0" smtClean="0">
+                <a:solidFill>
+                  <a:schemeClr val="tx1"/>
+                </a:solidFill>
+              </a:rPr>
+              <a:t>-</a:t>
+            </a:r>
+            <a:endParaRPr lang="zh-CN" altLang="en-US" dirty="0">
+              <a:solidFill>
+                <a:schemeClr val="tx1"/>
+              </a:solidFill>
+            </a:endParaRPr>
+          </a:p>
+        </p:txBody>
+      </p:sp>
       <p:cxnSp>
         <p:nvCxnSpPr>
-          <p:cNvPr id="17" name="直接箭头连接符 16"/>
+          <p:cNvPr id="10" name="直接箭头连接符 9"/>
           <p:cNvCxnSpPr>
-            <a:stCxn id="51" idx="0"/>
-            <a:endCxn id="42" idx="2"/>
+            <a:stCxn id="106" idx="2"/>
+            <a:endCxn id="58" idx="0"/>
           </p:cNvCxnSpPr>
           <p:nvPr/>
         </p:nvCxnSpPr>
         <p:spPr>
-          <a:xfrm flipV="1">
-            <a:off x="5638866" y="2194681"/>
-            <a:ext cx="0" cy="261756"/>
+          <a:xfrm>
+            <a:off x="8581001" y="1465096"/>
+            <a:ext cx="7571" cy="242736"/>
           </a:xfrm>
           <a:prstGeom prst="straightConnector1">
             <a:avLst/>
@@ -20117,16 +20335,52 @@
           </a:fontRef>
         </p:style>
       </p:cxnSp>
-      <p:sp>
-        <p:nvSpPr>
-          <p:cNvPr id="22" name="文本框 21"/>
+      <p:cxnSp>
+        <p:nvCxnSpPr>
+          <p:cNvPr id="12" name="直接箭头连接符 11"/>
+          <p:cNvCxnSpPr>
+            <a:stCxn id="57" idx="1"/>
+            <a:endCxn id="58" idx="3"/>
+          </p:cNvCxnSpPr>
+          <p:nvPr/>
+        </p:nvCxnSpPr>
+        <p:spPr>
+          <a:xfrm flipH="1">
+            <a:off x="8955237" y="2036838"/>
+            <a:ext cx="358733" cy="18584"/>
+          </a:xfrm>
+          <a:prstGeom prst="straightConnector1">
+            <a:avLst/>
+          </a:prstGeom>
+          <a:ln>
+            <a:tailEnd type="triangle"/>
+          </a:ln>
+        </p:spPr>
+        <p:style>
+          <a:lnRef idx="1">
+            <a:schemeClr val="accent1"/>
+          </a:lnRef>
+          <a:fillRef idx="0">
+            <a:schemeClr val="accent1"/>
+          </a:fillRef>
+          <a:effectRef idx="0">
+            <a:schemeClr val="accent1"/>
+          </a:effectRef>
+          <a:fontRef idx="minor">
+            <a:schemeClr val="tx1"/>
+          </a:fontRef>
+        </p:style>
+      </p:cxnSp>
+      <p:sp>
+        <p:nvSpPr>
+          <p:cNvPr id="16" name="文本框 15"/>
           <p:cNvSpPr txBox="1"/>
           <p:nvPr/>
         </p:nvSpPr>
         <p:spPr>
           <a:xfrm>
-            <a:off x="413468" y="373711"/>
-            <a:ext cx="1345240" cy="369332"/>
+            <a:off x="7877957" y="199127"/>
+            <a:ext cx="3576720" cy="369332"/>
           </a:xfrm>
           <a:prstGeom prst="rect">
             <a:avLst/>
@@ -20134,14 +20388,46 @@
           <a:noFill/>
         </p:spPr>
         <p:txBody>
-          <a:bodyPr wrap="none" rtlCol="0">
+          <a:bodyPr wrap="square" rtlCol="0">
             <a:spAutoFit/>
           </a:bodyPr>
           <a:lstStyle/>
           <a:p>
             <a:r>
               <a:rPr lang="en-US" altLang="zh-CN" dirty="0" smtClean="0"/>
-              <a:t>Double Click</a:t>
+              <a:t>100-Mod</a:t>
+            </a:r>
+            <a:r>
+              <a:rPr lang="zh-CN" altLang="en-US" dirty="0" smtClean="0"/>
+              <a:t>（</a:t>
+            </a:r>
+            <a:r>
+              <a:rPr lang="en-US" altLang="zh-CN" dirty="0"/>
+              <a:t>Abs</a:t>
+            </a:r>
+            <a:r>
+              <a:rPr lang="zh-CN" altLang="en-US" dirty="0"/>
+              <a:t>（</a:t>
+            </a:r>
+            <a:r>
+              <a:rPr lang="en-US" altLang="zh-CN" dirty="0"/>
+              <a:t>|HV|</a:t>
+            </a:r>
+            <a:r>
+              <a:rPr lang="zh-CN" altLang="en-US" dirty="0" smtClean="0"/>
+              <a:t>），</a:t>
+            </a:r>
+            <a:r>
+              <a:rPr lang="en-US" altLang="zh-CN" dirty="0" smtClean="0"/>
+              <a:t>51</a:t>
+            </a:r>
+            <a:r>
+              <a:rPr lang="zh-CN" altLang="en-US" dirty="0" smtClean="0"/>
+              <a:t>）</a:t>
+            </a:r>
+            <a:r>
+              <a:rPr lang="en-US" altLang="zh-CN" dirty="0" smtClean="0"/>
+              <a:t>*2</a:t>
             </a:r>
             <a:endParaRPr lang="zh-CN" altLang="en-US" dirty="0"/>
           </a:p>
@@ -20150,7 +20436,7 @@
     </p:spTree>
     <p:extLst>
       <p:ext uri="{BB962C8B-B14F-4D97-AF65-F5344CB8AC3E}">
-        <p14:creationId xmlns:p14="http://schemas.microsoft.com/office/powerpoint/2010/main" val="902403353"/>
+        <p14:creationId xmlns:p14="http://schemas.microsoft.com/office/powerpoint/2010/main" val="3425912277"/>
       </p:ext>
     </p:extLst>
   </p:cSld>

--- a/BaroAngEditor/BaroAngEditor/mods/Lines.pptx
+++ b/BaroAngEditor/BaroAngEditor/mods/Lines.pptx
@@ -5,7 +5,7 @@
     <p:sldMasterId id="2147483648" r:id="rId1"/>
   </p:sldMasterIdLst>
   <p:notesMasterIdLst>
-    <p:notesMasterId r:id="rId10"/>
+    <p:notesMasterId r:id="rId18"/>
   </p:notesMasterIdLst>
   <p:sldIdLst>
     <p:sldId id="256" r:id="rId2"/>
@@ -14,8 +14,16 @@
     <p:sldId id="258" r:id="rId5"/>
     <p:sldId id="260" r:id="rId6"/>
     <p:sldId id="263" r:id="rId7"/>
-    <p:sldId id="265" r:id="rId8"/>
-    <p:sldId id="264" r:id="rId9"/>
+    <p:sldId id="267" r:id="rId8"/>
+    <p:sldId id="265" r:id="rId9"/>
+    <p:sldId id="264" r:id="rId10"/>
+    <p:sldId id="266" r:id="rId11"/>
+    <p:sldId id="268" r:id="rId12"/>
+    <p:sldId id="269" r:id="rId13"/>
+    <p:sldId id="270" r:id="rId14"/>
+    <p:sldId id="271" r:id="rId15"/>
+    <p:sldId id="272" r:id="rId16"/>
+    <p:sldId id="273" r:id="rId17"/>
   </p:sldIdLst>
   <p:sldSz cx="12192000" cy="6858000"/>
   <p:notesSz cx="6858000" cy="9144000"/>
@@ -207,7 +215,7 @@
           <a:p>
             <a:fld id="{F0D6F240-792E-4744-907A-4AD372E8111A}" type="datetimeFigureOut">
               <a:rPr lang="zh-CN" altLang="en-US" smtClean="0"/>
-              <a:t>2023/7/24</a:t>
+              <a:t>2023/7/25</a:t>
             </a:fld>
             <a:endParaRPr lang="zh-CN" altLang="en-US"/>
           </a:p>
@@ -559,6 +567,342 @@
 </p:notes>
 </file>
 
+<file path=ppt/notesSlides/notesSlide10.xml><?xml version="1.0" encoding="utf-8"?>
+<p:notes xmlns:a="http://schemas.openxmlformats.org/drawingml/2006/main" xmlns:r="http://schemas.openxmlformats.org/officeDocument/2006/relationships" xmlns:p="http://schemas.openxmlformats.org/presentationml/2006/main">
+  <p:cSld>
+    <p:spTree>
+      <p:nvGrpSpPr>
+        <p:cNvPr id="1" name=""/>
+        <p:cNvGrpSpPr/>
+        <p:nvPr/>
+      </p:nvGrpSpPr>
+      <p:grpSpPr>
+        <a:xfrm>
+          <a:off x="0" y="0"/>
+          <a:ext cx="0" cy="0"/>
+          <a:chOff x="0" y="0"/>
+          <a:chExt cx="0" cy="0"/>
+        </a:xfrm>
+      </p:grpSpPr>
+      <p:sp>
+        <p:nvSpPr>
+          <p:cNvPr id="2" name="幻灯片图像占位符 1"/>
+          <p:cNvSpPr>
+            <a:spLocks noGrp="1" noRot="1" noChangeAspect="1"/>
+          </p:cNvSpPr>
+          <p:nvPr>
+            <p:ph type="sldImg"/>
+          </p:nvPr>
+        </p:nvSpPr>
+        <p:spPr/>
+      </p:sp>
+      <p:sp>
+        <p:nvSpPr>
+          <p:cNvPr id="3" name="备注占位符 2"/>
+          <p:cNvSpPr>
+            <a:spLocks noGrp="1"/>
+          </p:cNvSpPr>
+          <p:nvPr>
+            <p:ph type="body" idx="1"/>
+          </p:nvPr>
+        </p:nvSpPr>
+        <p:spPr/>
+        <p:txBody>
+          <a:bodyPr/>
+          <a:lstStyle/>
+          <a:p>
+            <a:endParaRPr lang="zh-CN" altLang="en-US"/>
+          </a:p>
+        </p:txBody>
+      </p:sp>
+      <p:sp>
+        <p:nvSpPr>
+          <p:cNvPr id="4" name="灯片编号占位符 3"/>
+          <p:cNvSpPr>
+            <a:spLocks noGrp="1"/>
+          </p:cNvSpPr>
+          <p:nvPr>
+            <p:ph type="sldNum" sz="quarter" idx="10"/>
+          </p:nvPr>
+        </p:nvSpPr>
+        <p:spPr/>
+        <p:txBody>
+          <a:bodyPr/>
+          <a:lstStyle/>
+          <a:p>
+            <a:fld id="{3721B41D-071C-4B26-91B9-D1ABCFF5DBD1}" type="slidenum">
+              <a:rPr lang="zh-CN" altLang="en-US" smtClean="0"/>
+              <a:t>13</a:t>
+            </a:fld>
+            <a:endParaRPr lang="zh-CN" altLang="en-US"/>
+          </a:p>
+        </p:txBody>
+      </p:sp>
+    </p:spTree>
+    <p:extLst>
+      <p:ext uri="{BB962C8B-B14F-4D97-AF65-F5344CB8AC3E}">
+        <p14:creationId xmlns:p14="http://schemas.microsoft.com/office/powerpoint/2010/main" val="107384054"/>
+      </p:ext>
+    </p:extLst>
+  </p:cSld>
+  <p:clrMapOvr>
+    <a:masterClrMapping/>
+  </p:clrMapOvr>
+</p:notes>
+</file>
+
+<file path=ppt/notesSlides/notesSlide11.xml><?xml version="1.0" encoding="utf-8"?>
+<p:notes xmlns:a="http://schemas.openxmlformats.org/drawingml/2006/main" xmlns:r="http://schemas.openxmlformats.org/officeDocument/2006/relationships" xmlns:p="http://schemas.openxmlformats.org/presentationml/2006/main">
+  <p:cSld>
+    <p:spTree>
+      <p:nvGrpSpPr>
+        <p:cNvPr id="1" name=""/>
+        <p:cNvGrpSpPr/>
+        <p:nvPr/>
+      </p:nvGrpSpPr>
+      <p:grpSpPr>
+        <a:xfrm>
+          <a:off x="0" y="0"/>
+          <a:ext cx="0" cy="0"/>
+          <a:chOff x="0" y="0"/>
+          <a:chExt cx="0" cy="0"/>
+        </a:xfrm>
+      </p:grpSpPr>
+      <p:sp>
+        <p:nvSpPr>
+          <p:cNvPr id="2" name="幻灯片图像占位符 1"/>
+          <p:cNvSpPr>
+            <a:spLocks noGrp="1" noRot="1" noChangeAspect="1"/>
+          </p:cNvSpPr>
+          <p:nvPr>
+            <p:ph type="sldImg"/>
+          </p:nvPr>
+        </p:nvSpPr>
+        <p:spPr/>
+      </p:sp>
+      <p:sp>
+        <p:nvSpPr>
+          <p:cNvPr id="3" name="备注占位符 2"/>
+          <p:cNvSpPr>
+            <a:spLocks noGrp="1"/>
+          </p:cNvSpPr>
+          <p:nvPr>
+            <p:ph type="body" idx="1"/>
+          </p:nvPr>
+        </p:nvSpPr>
+        <p:spPr/>
+        <p:txBody>
+          <a:bodyPr/>
+          <a:lstStyle/>
+          <a:p>
+            <a:endParaRPr lang="zh-CN" altLang="en-US"/>
+          </a:p>
+        </p:txBody>
+      </p:sp>
+      <p:sp>
+        <p:nvSpPr>
+          <p:cNvPr id="4" name="灯片编号占位符 3"/>
+          <p:cNvSpPr>
+            <a:spLocks noGrp="1"/>
+          </p:cNvSpPr>
+          <p:nvPr>
+            <p:ph type="sldNum" sz="quarter" idx="10"/>
+          </p:nvPr>
+        </p:nvSpPr>
+        <p:spPr/>
+        <p:txBody>
+          <a:bodyPr/>
+          <a:lstStyle/>
+          <a:p>
+            <a:fld id="{3721B41D-071C-4B26-91B9-D1ABCFF5DBD1}" type="slidenum">
+              <a:rPr lang="zh-CN" altLang="en-US" smtClean="0"/>
+              <a:t>14</a:t>
+            </a:fld>
+            <a:endParaRPr lang="zh-CN" altLang="en-US"/>
+          </a:p>
+        </p:txBody>
+      </p:sp>
+    </p:spTree>
+    <p:extLst>
+      <p:ext uri="{BB962C8B-B14F-4D97-AF65-F5344CB8AC3E}">
+        <p14:creationId xmlns:p14="http://schemas.microsoft.com/office/powerpoint/2010/main" val="1639121442"/>
+      </p:ext>
+    </p:extLst>
+  </p:cSld>
+  <p:clrMapOvr>
+    <a:masterClrMapping/>
+  </p:clrMapOvr>
+</p:notes>
+</file>
+
+<file path=ppt/notesSlides/notesSlide12.xml><?xml version="1.0" encoding="utf-8"?>
+<p:notes xmlns:a="http://schemas.openxmlformats.org/drawingml/2006/main" xmlns:r="http://schemas.openxmlformats.org/officeDocument/2006/relationships" xmlns:p="http://schemas.openxmlformats.org/presentationml/2006/main">
+  <p:cSld>
+    <p:spTree>
+      <p:nvGrpSpPr>
+        <p:cNvPr id="1" name=""/>
+        <p:cNvGrpSpPr/>
+        <p:nvPr/>
+      </p:nvGrpSpPr>
+      <p:grpSpPr>
+        <a:xfrm>
+          <a:off x="0" y="0"/>
+          <a:ext cx="0" cy="0"/>
+          <a:chOff x="0" y="0"/>
+          <a:chExt cx="0" cy="0"/>
+        </a:xfrm>
+      </p:grpSpPr>
+      <p:sp>
+        <p:nvSpPr>
+          <p:cNvPr id="2" name="幻灯片图像占位符 1"/>
+          <p:cNvSpPr>
+            <a:spLocks noGrp="1" noRot="1" noChangeAspect="1"/>
+          </p:cNvSpPr>
+          <p:nvPr>
+            <p:ph type="sldImg"/>
+          </p:nvPr>
+        </p:nvSpPr>
+        <p:spPr/>
+      </p:sp>
+      <p:sp>
+        <p:nvSpPr>
+          <p:cNvPr id="3" name="备注占位符 2"/>
+          <p:cNvSpPr>
+            <a:spLocks noGrp="1"/>
+          </p:cNvSpPr>
+          <p:nvPr>
+            <p:ph type="body" idx="1"/>
+          </p:nvPr>
+        </p:nvSpPr>
+        <p:spPr/>
+        <p:txBody>
+          <a:bodyPr/>
+          <a:lstStyle/>
+          <a:p>
+            <a:endParaRPr lang="zh-CN" altLang="en-US"/>
+          </a:p>
+        </p:txBody>
+      </p:sp>
+      <p:sp>
+        <p:nvSpPr>
+          <p:cNvPr id="4" name="灯片编号占位符 3"/>
+          <p:cNvSpPr>
+            <a:spLocks noGrp="1"/>
+          </p:cNvSpPr>
+          <p:nvPr>
+            <p:ph type="sldNum" sz="quarter" idx="10"/>
+          </p:nvPr>
+        </p:nvSpPr>
+        <p:spPr/>
+        <p:txBody>
+          <a:bodyPr/>
+          <a:lstStyle/>
+          <a:p>
+            <a:fld id="{3721B41D-071C-4B26-91B9-D1ABCFF5DBD1}" type="slidenum">
+              <a:rPr lang="zh-CN" altLang="en-US" smtClean="0"/>
+              <a:t>15</a:t>
+            </a:fld>
+            <a:endParaRPr lang="zh-CN" altLang="en-US"/>
+          </a:p>
+        </p:txBody>
+      </p:sp>
+    </p:spTree>
+    <p:extLst>
+      <p:ext uri="{BB962C8B-B14F-4D97-AF65-F5344CB8AC3E}">
+        <p14:creationId xmlns:p14="http://schemas.microsoft.com/office/powerpoint/2010/main" val="266153908"/>
+      </p:ext>
+    </p:extLst>
+  </p:cSld>
+  <p:clrMapOvr>
+    <a:masterClrMapping/>
+  </p:clrMapOvr>
+</p:notes>
+</file>
+
+<file path=ppt/notesSlides/notesSlide13.xml><?xml version="1.0" encoding="utf-8"?>
+<p:notes xmlns:a="http://schemas.openxmlformats.org/drawingml/2006/main" xmlns:r="http://schemas.openxmlformats.org/officeDocument/2006/relationships" xmlns:p="http://schemas.openxmlformats.org/presentationml/2006/main">
+  <p:cSld>
+    <p:spTree>
+      <p:nvGrpSpPr>
+        <p:cNvPr id="1" name=""/>
+        <p:cNvGrpSpPr/>
+        <p:nvPr/>
+      </p:nvGrpSpPr>
+      <p:grpSpPr>
+        <a:xfrm>
+          <a:off x="0" y="0"/>
+          <a:ext cx="0" cy="0"/>
+          <a:chOff x="0" y="0"/>
+          <a:chExt cx="0" cy="0"/>
+        </a:xfrm>
+      </p:grpSpPr>
+      <p:sp>
+        <p:nvSpPr>
+          <p:cNvPr id="2" name="幻灯片图像占位符 1"/>
+          <p:cNvSpPr>
+            <a:spLocks noGrp="1" noRot="1" noChangeAspect="1"/>
+          </p:cNvSpPr>
+          <p:nvPr>
+            <p:ph type="sldImg"/>
+          </p:nvPr>
+        </p:nvSpPr>
+        <p:spPr/>
+      </p:sp>
+      <p:sp>
+        <p:nvSpPr>
+          <p:cNvPr id="3" name="备注占位符 2"/>
+          <p:cNvSpPr>
+            <a:spLocks noGrp="1"/>
+          </p:cNvSpPr>
+          <p:nvPr>
+            <p:ph type="body" idx="1"/>
+          </p:nvPr>
+        </p:nvSpPr>
+        <p:spPr/>
+        <p:txBody>
+          <a:bodyPr/>
+          <a:lstStyle/>
+          <a:p>
+            <a:endParaRPr lang="zh-CN" altLang="en-US"/>
+          </a:p>
+        </p:txBody>
+      </p:sp>
+      <p:sp>
+        <p:nvSpPr>
+          <p:cNvPr id="4" name="灯片编号占位符 3"/>
+          <p:cNvSpPr>
+            <a:spLocks noGrp="1"/>
+          </p:cNvSpPr>
+          <p:nvPr>
+            <p:ph type="sldNum" sz="quarter" idx="10"/>
+          </p:nvPr>
+        </p:nvSpPr>
+        <p:spPr/>
+        <p:txBody>
+          <a:bodyPr/>
+          <a:lstStyle/>
+          <a:p>
+            <a:fld id="{3721B41D-071C-4B26-91B9-D1ABCFF5DBD1}" type="slidenum">
+              <a:rPr lang="zh-CN" altLang="en-US" smtClean="0"/>
+              <a:t>16</a:t>
+            </a:fld>
+            <a:endParaRPr lang="zh-CN" altLang="en-US"/>
+          </a:p>
+        </p:txBody>
+      </p:sp>
+    </p:spTree>
+    <p:extLst>
+      <p:ext uri="{BB962C8B-B14F-4D97-AF65-F5344CB8AC3E}">
+        <p14:creationId xmlns:p14="http://schemas.microsoft.com/office/powerpoint/2010/main" val="129427807"/>
+      </p:ext>
+    </p:extLst>
+  </p:cSld>
+  <p:clrMapOvr>
+    <a:masterClrMapping/>
+  </p:clrMapOvr>
+</p:notes>
+</file>
+
 <file path=ppt/notesSlides/notesSlide2.xml><?xml version="1.0" encoding="utf-8"?>
 <p:notes xmlns:a="http://schemas.openxmlformats.org/drawingml/2006/main" xmlns:r="http://schemas.openxmlformats.org/officeDocument/2006/relationships" xmlns:p="http://schemas.openxmlformats.org/presentationml/2006/main">
   <p:cSld>
@@ -801,7 +1145,7 @@
     </p:spTree>
     <p:extLst>
       <p:ext uri="{BB962C8B-B14F-4D97-AF65-F5344CB8AC3E}">
-        <p14:creationId xmlns:p14="http://schemas.microsoft.com/office/powerpoint/2010/main" val="2923021423"/>
+        <p14:creationId xmlns:p14="http://schemas.microsoft.com/office/powerpoint/2010/main" val="2483882519"/>
       </p:ext>
     </p:extLst>
   </p:cSld>
@@ -885,7 +1229,343 @@
     </p:spTree>
     <p:extLst>
       <p:ext uri="{BB962C8B-B14F-4D97-AF65-F5344CB8AC3E}">
+        <p14:creationId xmlns:p14="http://schemas.microsoft.com/office/powerpoint/2010/main" val="2923021423"/>
+      </p:ext>
+    </p:extLst>
+  </p:cSld>
+  <p:clrMapOvr>
+    <a:masterClrMapping/>
+  </p:clrMapOvr>
+</p:notes>
+</file>
+
+<file path=ppt/notesSlides/notesSlide6.xml><?xml version="1.0" encoding="utf-8"?>
+<p:notes xmlns:a="http://schemas.openxmlformats.org/drawingml/2006/main" xmlns:r="http://schemas.openxmlformats.org/officeDocument/2006/relationships" xmlns:p="http://schemas.openxmlformats.org/presentationml/2006/main">
+  <p:cSld>
+    <p:spTree>
+      <p:nvGrpSpPr>
+        <p:cNvPr id="1" name=""/>
+        <p:cNvGrpSpPr/>
+        <p:nvPr/>
+      </p:nvGrpSpPr>
+      <p:grpSpPr>
+        <a:xfrm>
+          <a:off x="0" y="0"/>
+          <a:ext cx="0" cy="0"/>
+          <a:chOff x="0" y="0"/>
+          <a:chExt cx="0" cy="0"/>
+        </a:xfrm>
+      </p:grpSpPr>
+      <p:sp>
+        <p:nvSpPr>
+          <p:cNvPr id="2" name="幻灯片图像占位符 1"/>
+          <p:cNvSpPr>
+            <a:spLocks noGrp="1" noRot="1" noChangeAspect="1"/>
+          </p:cNvSpPr>
+          <p:nvPr>
+            <p:ph type="sldImg"/>
+          </p:nvPr>
+        </p:nvSpPr>
+        <p:spPr/>
+      </p:sp>
+      <p:sp>
+        <p:nvSpPr>
+          <p:cNvPr id="3" name="备注占位符 2"/>
+          <p:cNvSpPr>
+            <a:spLocks noGrp="1"/>
+          </p:cNvSpPr>
+          <p:nvPr>
+            <p:ph type="body" idx="1"/>
+          </p:nvPr>
+        </p:nvSpPr>
+        <p:spPr/>
+        <p:txBody>
+          <a:bodyPr/>
+          <a:lstStyle/>
+          <a:p>
+            <a:endParaRPr lang="zh-CN" altLang="en-US"/>
+          </a:p>
+        </p:txBody>
+      </p:sp>
+      <p:sp>
+        <p:nvSpPr>
+          <p:cNvPr id="4" name="灯片编号占位符 3"/>
+          <p:cNvSpPr>
+            <a:spLocks noGrp="1"/>
+          </p:cNvSpPr>
+          <p:nvPr>
+            <p:ph type="sldNum" sz="quarter" idx="10"/>
+          </p:nvPr>
+        </p:nvSpPr>
+        <p:spPr/>
+        <p:txBody>
+          <a:bodyPr/>
+          <a:lstStyle/>
+          <a:p>
+            <a:fld id="{3721B41D-071C-4B26-91B9-D1ABCFF5DBD1}" type="slidenum">
+              <a:rPr lang="zh-CN" altLang="en-US" smtClean="0"/>
+              <a:t>9</a:t>
+            </a:fld>
+            <a:endParaRPr lang="zh-CN" altLang="en-US"/>
+          </a:p>
+        </p:txBody>
+      </p:sp>
+    </p:spTree>
+    <p:extLst>
+      <p:ext uri="{BB962C8B-B14F-4D97-AF65-F5344CB8AC3E}">
         <p14:creationId xmlns:p14="http://schemas.microsoft.com/office/powerpoint/2010/main" val="572822340"/>
+      </p:ext>
+    </p:extLst>
+  </p:cSld>
+  <p:clrMapOvr>
+    <a:masterClrMapping/>
+  </p:clrMapOvr>
+</p:notes>
+</file>
+
+<file path=ppt/notesSlides/notesSlide7.xml><?xml version="1.0" encoding="utf-8"?>
+<p:notes xmlns:a="http://schemas.openxmlformats.org/drawingml/2006/main" xmlns:r="http://schemas.openxmlformats.org/officeDocument/2006/relationships" xmlns:p="http://schemas.openxmlformats.org/presentationml/2006/main">
+  <p:cSld>
+    <p:spTree>
+      <p:nvGrpSpPr>
+        <p:cNvPr id="1" name=""/>
+        <p:cNvGrpSpPr/>
+        <p:nvPr/>
+      </p:nvGrpSpPr>
+      <p:grpSpPr>
+        <a:xfrm>
+          <a:off x="0" y="0"/>
+          <a:ext cx="0" cy="0"/>
+          <a:chOff x="0" y="0"/>
+          <a:chExt cx="0" cy="0"/>
+        </a:xfrm>
+      </p:grpSpPr>
+      <p:sp>
+        <p:nvSpPr>
+          <p:cNvPr id="2" name="幻灯片图像占位符 1"/>
+          <p:cNvSpPr>
+            <a:spLocks noGrp="1" noRot="1" noChangeAspect="1"/>
+          </p:cNvSpPr>
+          <p:nvPr>
+            <p:ph type="sldImg"/>
+          </p:nvPr>
+        </p:nvSpPr>
+        <p:spPr/>
+      </p:sp>
+      <p:sp>
+        <p:nvSpPr>
+          <p:cNvPr id="3" name="备注占位符 2"/>
+          <p:cNvSpPr>
+            <a:spLocks noGrp="1"/>
+          </p:cNvSpPr>
+          <p:nvPr>
+            <p:ph type="body" idx="1"/>
+          </p:nvPr>
+        </p:nvSpPr>
+        <p:spPr/>
+        <p:txBody>
+          <a:bodyPr/>
+          <a:lstStyle/>
+          <a:p>
+            <a:endParaRPr lang="zh-CN" altLang="en-US"/>
+          </a:p>
+        </p:txBody>
+      </p:sp>
+      <p:sp>
+        <p:nvSpPr>
+          <p:cNvPr id="4" name="灯片编号占位符 3"/>
+          <p:cNvSpPr>
+            <a:spLocks noGrp="1"/>
+          </p:cNvSpPr>
+          <p:nvPr>
+            <p:ph type="sldNum" sz="quarter" idx="10"/>
+          </p:nvPr>
+        </p:nvSpPr>
+        <p:spPr/>
+        <p:txBody>
+          <a:bodyPr/>
+          <a:lstStyle/>
+          <a:p>
+            <a:fld id="{3721B41D-071C-4B26-91B9-D1ABCFF5DBD1}" type="slidenum">
+              <a:rPr lang="zh-CN" altLang="en-US" smtClean="0"/>
+              <a:t>10</a:t>
+            </a:fld>
+            <a:endParaRPr lang="zh-CN" altLang="en-US"/>
+          </a:p>
+        </p:txBody>
+      </p:sp>
+    </p:spTree>
+    <p:extLst>
+      <p:ext uri="{BB962C8B-B14F-4D97-AF65-F5344CB8AC3E}">
+        <p14:creationId xmlns:p14="http://schemas.microsoft.com/office/powerpoint/2010/main" val="1213209969"/>
+      </p:ext>
+    </p:extLst>
+  </p:cSld>
+  <p:clrMapOvr>
+    <a:masterClrMapping/>
+  </p:clrMapOvr>
+</p:notes>
+</file>
+
+<file path=ppt/notesSlides/notesSlide8.xml><?xml version="1.0" encoding="utf-8"?>
+<p:notes xmlns:a="http://schemas.openxmlformats.org/drawingml/2006/main" xmlns:r="http://schemas.openxmlformats.org/officeDocument/2006/relationships" xmlns:p="http://schemas.openxmlformats.org/presentationml/2006/main">
+  <p:cSld>
+    <p:spTree>
+      <p:nvGrpSpPr>
+        <p:cNvPr id="1" name=""/>
+        <p:cNvGrpSpPr/>
+        <p:nvPr/>
+      </p:nvGrpSpPr>
+      <p:grpSpPr>
+        <a:xfrm>
+          <a:off x="0" y="0"/>
+          <a:ext cx="0" cy="0"/>
+          <a:chOff x="0" y="0"/>
+          <a:chExt cx="0" cy="0"/>
+        </a:xfrm>
+      </p:grpSpPr>
+      <p:sp>
+        <p:nvSpPr>
+          <p:cNvPr id="2" name="幻灯片图像占位符 1"/>
+          <p:cNvSpPr>
+            <a:spLocks noGrp="1" noRot="1" noChangeAspect="1"/>
+          </p:cNvSpPr>
+          <p:nvPr>
+            <p:ph type="sldImg"/>
+          </p:nvPr>
+        </p:nvSpPr>
+        <p:spPr/>
+      </p:sp>
+      <p:sp>
+        <p:nvSpPr>
+          <p:cNvPr id="3" name="备注占位符 2"/>
+          <p:cNvSpPr>
+            <a:spLocks noGrp="1"/>
+          </p:cNvSpPr>
+          <p:nvPr>
+            <p:ph type="body" idx="1"/>
+          </p:nvPr>
+        </p:nvSpPr>
+        <p:spPr/>
+        <p:txBody>
+          <a:bodyPr/>
+          <a:lstStyle/>
+          <a:p>
+            <a:endParaRPr lang="zh-CN" altLang="en-US"/>
+          </a:p>
+        </p:txBody>
+      </p:sp>
+      <p:sp>
+        <p:nvSpPr>
+          <p:cNvPr id="4" name="灯片编号占位符 3"/>
+          <p:cNvSpPr>
+            <a:spLocks noGrp="1"/>
+          </p:cNvSpPr>
+          <p:nvPr>
+            <p:ph type="sldNum" sz="quarter" idx="10"/>
+          </p:nvPr>
+        </p:nvSpPr>
+        <p:spPr/>
+        <p:txBody>
+          <a:bodyPr/>
+          <a:lstStyle/>
+          <a:p>
+            <a:fld id="{3721B41D-071C-4B26-91B9-D1ABCFF5DBD1}" type="slidenum">
+              <a:rPr lang="zh-CN" altLang="en-US" smtClean="0"/>
+              <a:t>11</a:t>
+            </a:fld>
+            <a:endParaRPr lang="zh-CN" altLang="en-US"/>
+          </a:p>
+        </p:txBody>
+      </p:sp>
+    </p:spTree>
+    <p:extLst>
+      <p:ext uri="{BB962C8B-B14F-4D97-AF65-F5344CB8AC3E}">
+        <p14:creationId xmlns:p14="http://schemas.microsoft.com/office/powerpoint/2010/main" val="366146775"/>
+      </p:ext>
+    </p:extLst>
+  </p:cSld>
+  <p:clrMapOvr>
+    <a:masterClrMapping/>
+  </p:clrMapOvr>
+</p:notes>
+</file>
+
+<file path=ppt/notesSlides/notesSlide9.xml><?xml version="1.0" encoding="utf-8"?>
+<p:notes xmlns:a="http://schemas.openxmlformats.org/drawingml/2006/main" xmlns:r="http://schemas.openxmlformats.org/officeDocument/2006/relationships" xmlns:p="http://schemas.openxmlformats.org/presentationml/2006/main">
+  <p:cSld>
+    <p:spTree>
+      <p:nvGrpSpPr>
+        <p:cNvPr id="1" name=""/>
+        <p:cNvGrpSpPr/>
+        <p:nvPr/>
+      </p:nvGrpSpPr>
+      <p:grpSpPr>
+        <a:xfrm>
+          <a:off x="0" y="0"/>
+          <a:ext cx="0" cy="0"/>
+          <a:chOff x="0" y="0"/>
+          <a:chExt cx="0" cy="0"/>
+        </a:xfrm>
+      </p:grpSpPr>
+      <p:sp>
+        <p:nvSpPr>
+          <p:cNvPr id="2" name="幻灯片图像占位符 1"/>
+          <p:cNvSpPr>
+            <a:spLocks noGrp="1" noRot="1" noChangeAspect="1"/>
+          </p:cNvSpPr>
+          <p:nvPr>
+            <p:ph type="sldImg"/>
+          </p:nvPr>
+        </p:nvSpPr>
+        <p:spPr/>
+      </p:sp>
+      <p:sp>
+        <p:nvSpPr>
+          <p:cNvPr id="3" name="备注占位符 2"/>
+          <p:cNvSpPr>
+            <a:spLocks noGrp="1"/>
+          </p:cNvSpPr>
+          <p:nvPr>
+            <p:ph type="body" idx="1"/>
+          </p:nvPr>
+        </p:nvSpPr>
+        <p:spPr/>
+        <p:txBody>
+          <a:bodyPr/>
+          <a:lstStyle/>
+          <a:p>
+            <a:endParaRPr lang="zh-CN" altLang="en-US"/>
+          </a:p>
+        </p:txBody>
+      </p:sp>
+      <p:sp>
+        <p:nvSpPr>
+          <p:cNvPr id="4" name="灯片编号占位符 3"/>
+          <p:cNvSpPr>
+            <a:spLocks noGrp="1"/>
+          </p:cNvSpPr>
+          <p:nvPr>
+            <p:ph type="sldNum" sz="quarter" idx="10"/>
+          </p:nvPr>
+        </p:nvSpPr>
+        <p:spPr/>
+        <p:txBody>
+          <a:bodyPr/>
+          <a:lstStyle/>
+          <a:p>
+            <a:fld id="{3721B41D-071C-4B26-91B9-D1ABCFF5DBD1}" type="slidenum">
+              <a:rPr lang="zh-CN" altLang="en-US" smtClean="0"/>
+              <a:t>12</a:t>
+            </a:fld>
+            <a:endParaRPr lang="zh-CN" altLang="en-US"/>
+          </a:p>
+        </p:txBody>
+      </p:sp>
+    </p:spTree>
+    <p:extLst>
+      <p:ext uri="{BB962C8B-B14F-4D97-AF65-F5344CB8AC3E}">
+        <p14:creationId xmlns:p14="http://schemas.microsoft.com/office/powerpoint/2010/main" val="974007023"/>
       </p:ext>
     </p:extLst>
   </p:cSld>
@@ -1026,7 +1706,7 @@
           <a:p>
             <a:fld id="{EC490B39-3A65-4F7E-9267-FA0838AB48F0}" type="datetimeFigureOut">
               <a:rPr lang="zh-CN" altLang="en-US" smtClean="0"/>
-              <a:t>2023/7/24</a:t>
+              <a:t>2023/7/25</a:t>
             </a:fld>
             <a:endParaRPr lang="zh-CN" altLang="en-US"/>
           </a:p>
@@ -1196,7 +1876,7 @@
           <a:p>
             <a:fld id="{EC490B39-3A65-4F7E-9267-FA0838AB48F0}" type="datetimeFigureOut">
               <a:rPr lang="zh-CN" altLang="en-US" smtClean="0"/>
-              <a:t>2023/7/24</a:t>
+              <a:t>2023/7/25</a:t>
             </a:fld>
             <a:endParaRPr lang="zh-CN" altLang="en-US"/>
           </a:p>
@@ -1376,7 +2056,7 @@
           <a:p>
             <a:fld id="{EC490B39-3A65-4F7E-9267-FA0838AB48F0}" type="datetimeFigureOut">
               <a:rPr lang="zh-CN" altLang="en-US" smtClean="0"/>
-              <a:t>2023/7/24</a:t>
+              <a:t>2023/7/25</a:t>
             </a:fld>
             <a:endParaRPr lang="zh-CN" altLang="en-US"/>
           </a:p>
@@ -1546,7 +2226,7 @@
           <a:p>
             <a:fld id="{EC490B39-3A65-4F7E-9267-FA0838AB48F0}" type="datetimeFigureOut">
               <a:rPr lang="zh-CN" altLang="en-US" smtClean="0"/>
-              <a:t>2023/7/24</a:t>
+              <a:t>2023/7/25</a:t>
             </a:fld>
             <a:endParaRPr lang="zh-CN" altLang="en-US"/>
           </a:p>
@@ -1792,7 +2472,7 @@
           <a:p>
             <a:fld id="{EC490B39-3A65-4F7E-9267-FA0838AB48F0}" type="datetimeFigureOut">
               <a:rPr lang="zh-CN" altLang="en-US" smtClean="0"/>
-              <a:t>2023/7/24</a:t>
+              <a:t>2023/7/25</a:t>
             </a:fld>
             <a:endParaRPr lang="zh-CN" altLang="en-US"/>
           </a:p>
@@ -2024,7 +2704,7 @@
           <a:p>
             <a:fld id="{EC490B39-3A65-4F7E-9267-FA0838AB48F0}" type="datetimeFigureOut">
               <a:rPr lang="zh-CN" altLang="en-US" smtClean="0"/>
-              <a:t>2023/7/24</a:t>
+              <a:t>2023/7/25</a:t>
             </a:fld>
             <a:endParaRPr lang="zh-CN" altLang="en-US"/>
           </a:p>
@@ -2391,7 +3071,7 @@
           <a:p>
             <a:fld id="{EC490B39-3A65-4F7E-9267-FA0838AB48F0}" type="datetimeFigureOut">
               <a:rPr lang="zh-CN" altLang="en-US" smtClean="0"/>
-              <a:t>2023/7/24</a:t>
+              <a:t>2023/7/25</a:t>
             </a:fld>
             <a:endParaRPr lang="zh-CN" altLang="en-US"/>
           </a:p>
@@ -2509,7 +3189,7 @@
           <a:p>
             <a:fld id="{EC490B39-3A65-4F7E-9267-FA0838AB48F0}" type="datetimeFigureOut">
               <a:rPr lang="zh-CN" altLang="en-US" smtClean="0"/>
-              <a:t>2023/7/24</a:t>
+              <a:t>2023/7/25</a:t>
             </a:fld>
             <a:endParaRPr lang="zh-CN" altLang="en-US"/>
           </a:p>
@@ -2604,7 +3284,7 @@
           <a:p>
             <a:fld id="{EC490B39-3A65-4F7E-9267-FA0838AB48F0}" type="datetimeFigureOut">
               <a:rPr lang="zh-CN" altLang="en-US" smtClean="0"/>
-              <a:t>2023/7/24</a:t>
+              <a:t>2023/7/25</a:t>
             </a:fld>
             <a:endParaRPr lang="zh-CN" altLang="en-US"/>
           </a:p>
@@ -2881,7 +3561,7 @@
           <a:p>
             <a:fld id="{EC490B39-3A65-4F7E-9267-FA0838AB48F0}" type="datetimeFigureOut">
               <a:rPr lang="zh-CN" altLang="en-US" smtClean="0"/>
-              <a:t>2023/7/24</a:t>
+              <a:t>2023/7/25</a:t>
             </a:fld>
             <a:endParaRPr lang="zh-CN" altLang="en-US"/>
           </a:p>
@@ -3134,7 +3814,7 @@
           <a:p>
             <a:fld id="{EC490B39-3A65-4F7E-9267-FA0838AB48F0}" type="datetimeFigureOut">
               <a:rPr lang="zh-CN" altLang="en-US" smtClean="0"/>
-              <a:t>2023/7/24</a:t>
+              <a:t>2023/7/25</a:t>
             </a:fld>
             <a:endParaRPr lang="zh-CN" altLang="en-US"/>
           </a:p>
@@ -3347,7 +4027,7 @@
           <a:p>
             <a:fld id="{EC490B39-3A65-4F7E-9267-FA0838AB48F0}" type="datetimeFigureOut">
               <a:rPr lang="zh-CN" altLang="en-US" smtClean="0"/>
-              <a:t>2023/7/24</a:t>
+              <a:t>2023/7/25</a:t>
             </a:fld>
             <a:endParaRPr lang="zh-CN" altLang="en-US"/>
           </a:p>
@@ -6093,6 +6773,265 @@
 </p:sld>
 </file>
 
+<file path=ppt/slides/slide10.xml><?xml version="1.0" encoding="utf-8"?>
+<p:sld xmlns:a="http://schemas.openxmlformats.org/drawingml/2006/main" xmlns:r="http://schemas.openxmlformats.org/officeDocument/2006/relationships" xmlns:p="http://schemas.openxmlformats.org/presentationml/2006/main">
+  <p:cSld>
+    <p:spTree>
+      <p:nvGrpSpPr>
+        <p:cNvPr id="1" name=""/>
+        <p:cNvGrpSpPr/>
+        <p:nvPr/>
+      </p:nvGrpSpPr>
+      <p:grpSpPr>
+        <a:xfrm>
+          <a:off x="0" y="0"/>
+          <a:ext cx="0" cy="0"/>
+          <a:chOff x="0" y="0"/>
+          <a:chExt cx="0" cy="0"/>
+        </a:xfrm>
+      </p:grpSpPr>
+    </p:spTree>
+    <p:extLst>
+      <p:ext uri="{BB962C8B-B14F-4D97-AF65-F5344CB8AC3E}">
+        <p14:creationId xmlns:p14="http://schemas.microsoft.com/office/powerpoint/2010/main" val="3159358040"/>
+      </p:ext>
+    </p:extLst>
+  </p:cSld>
+  <p:clrMapOvr>
+    <a:masterClrMapping/>
+  </p:clrMapOvr>
+  <p:timing>
+    <p:tnLst>
+      <p:par>
+        <p:cTn id="1" dur="indefinite" restart="never" nodeType="tmRoot"/>
+      </p:par>
+    </p:tnLst>
+  </p:timing>
+</p:sld>
+</file>
+
+<file path=ppt/slides/slide11.xml><?xml version="1.0" encoding="utf-8"?>
+<p:sld xmlns:a="http://schemas.openxmlformats.org/drawingml/2006/main" xmlns:r="http://schemas.openxmlformats.org/officeDocument/2006/relationships" xmlns:p="http://schemas.openxmlformats.org/presentationml/2006/main">
+  <p:cSld>
+    <p:spTree>
+      <p:nvGrpSpPr>
+        <p:cNvPr id="1" name=""/>
+        <p:cNvGrpSpPr/>
+        <p:nvPr/>
+      </p:nvGrpSpPr>
+      <p:grpSpPr>
+        <a:xfrm>
+          <a:off x="0" y="0"/>
+          <a:ext cx="0" cy="0"/>
+          <a:chOff x="0" y="0"/>
+          <a:chExt cx="0" cy="0"/>
+        </a:xfrm>
+      </p:grpSpPr>
+    </p:spTree>
+    <p:extLst>
+      <p:ext uri="{BB962C8B-B14F-4D97-AF65-F5344CB8AC3E}">
+        <p14:creationId xmlns:p14="http://schemas.microsoft.com/office/powerpoint/2010/main" val="911896557"/>
+      </p:ext>
+    </p:extLst>
+  </p:cSld>
+  <p:clrMapOvr>
+    <a:masterClrMapping/>
+  </p:clrMapOvr>
+  <p:timing>
+    <p:tnLst>
+      <p:par>
+        <p:cTn id="1" dur="indefinite" restart="never" nodeType="tmRoot"/>
+      </p:par>
+    </p:tnLst>
+  </p:timing>
+</p:sld>
+</file>
+
+<file path=ppt/slides/slide12.xml><?xml version="1.0" encoding="utf-8"?>
+<p:sld xmlns:a="http://schemas.openxmlformats.org/drawingml/2006/main" xmlns:r="http://schemas.openxmlformats.org/officeDocument/2006/relationships" xmlns:p="http://schemas.openxmlformats.org/presentationml/2006/main">
+  <p:cSld>
+    <p:spTree>
+      <p:nvGrpSpPr>
+        <p:cNvPr id="1" name=""/>
+        <p:cNvGrpSpPr/>
+        <p:nvPr/>
+      </p:nvGrpSpPr>
+      <p:grpSpPr>
+        <a:xfrm>
+          <a:off x="0" y="0"/>
+          <a:ext cx="0" cy="0"/>
+          <a:chOff x="0" y="0"/>
+          <a:chExt cx="0" cy="0"/>
+        </a:xfrm>
+      </p:grpSpPr>
+    </p:spTree>
+    <p:extLst>
+      <p:ext uri="{BB962C8B-B14F-4D97-AF65-F5344CB8AC3E}">
+        <p14:creationId xmlns:p14="http://schemas.microsoft.com/office/powerpoint/2010/main" val="3912681484"/>
+      </p:ext>
+    </p:extLst>
+  </p:cSld>
+  <p:clrMapOvr>
+    <a:masterClrMapping/>
+  </p:clrMapOvr>
+  <p:timing>
+    <p:tnLst>
+      <p:par>
+        <p:cTn id="1" dur="indefinite" restart="never" nodeType="tmRoot"/>
+      </p:par>
+    </p:tnLst>
+  </p:timing>
+</p:sld>
+</file>
+
+<file path=ppt/slides/slide13.xml><?xml version="1.0" encoding="utf-8"?>
+<p:sld xmlns:a="http://schemas.openxmlformats.org/drawingml/2006/main" xmlns:r="http://schemas.openxmlformats.org/officeDocument/2006/relationships" xmlns:p="http://schemas.openxmlformats.org/presentationml/2006/main">
+  <p:cSld>
+    <p:spTree>
+      <p:nvGrpSpPr>
+        <p:cNvPr id="1" name=""/>
+        <p:cNvGrpSpPr/>
+        <p:nvPr/>
+      </p:nvGrpSpPr>
+      <p:grpSpPr>
+        <a:xfrm>
+          <a:off x="0" y="0"/>
+          <a:ext cx="0" cy="0"/>
+          <a:chOff x="0" y="0"/>
+          <a:chExt cx="0" cy="0"/>
+        </a:xfrm>
+      </p:grpSpPr>
+    </p:spTree>
+    <p:extLst>
+      <p:ext uri="{BB962C8B-B14F-4D97-AF65-F5344CB8AC3E}">
+        <p14:creationId xmlns:p14="http://schemas.microsoft.com/office/powerpoint/2010/main" val="385989063"/>
+      </p:ext>
+    </p:extLst>
+  </p:cSld>
+  <p:clrMapOvr>
+    <a:masterClrMapping/>
+  </p:clrMapOvr>
+  <p:timing>
+    <p:tnLst>
+      <p:par>
+        <p:cTn id="1" dur="indefinite" restart="never" nodeType="tmRoot"/>
+      </p:par>
+    </p:tnLst>
+  </p:timing>
+</p:sld>
+</file>
+
+<file path=ppt/slides/slide14.xml><?xml version="1.0" encoding="utf-8"?>
+<p:sld xmlns:a="http://schemas.openxmlformats.org/drawingml/2006/main" xmlns:r="http://schemas.openxmlformats.org/officeDocument/2006/relationships" xmlns:p="http://schemas.openxmlformats.org/presentationml/2006/main">
+  <p:cSld>
+    <p:spTree>
+      <p:nvGrpSpPr>
+        <p:cNvPr id="1" name=""/>
+        <p:cNvGrpSpPr/>
+        <p:nvPr/>
+      </p:nvGrpSpPr>
+      <p:grpSpPr>
+        <a:xfrm>
+          <a:off x="0" y="0"/>
+          <a:ext cx="0" cy="0"/>
+          <a:chOff x="0" y="0"/>
+          <a:chExt cx="0" cy="0"/>
+        </a:xfrm>
+      </p:grpSpPr>
+    </p:spTree>
+    <p:extLst>
+      <p:ext uri="{BB962C8B-B14F-4D97-AF65-F5344CB8AC3E}">
+        <p14:creationId xmlns:p14="http://schemas.microsoft.com/office/powerpoint/2010/main" val="336698361"/>
+      </p:ext>
+    </p:extLst>
+  </p:cSld>
+  <p:clrMapOvr>
+    <a:masterClrMapping/>
+  </p:clrMapOvr>
+  <p:timing>
+    <p:tnLst>
+      <p:par>
+        <p:cTn id="1" dur="indefinite" restart="never" nodeType="tmRoot"/>
+      </p:par>
+    </p:tnLst>
+  </p:timing>
+</p:sld>
+</file>
+
+<file path=ppt/slides/slide15.xml><?xml version="1.0" encoding="utf-8"?>
+<p:sld xmlns:a="http://schemas.openxmlformats.org/drawingml/2006/main" xmlns:r="http://schemas.openxmlformats.org/officeDocument/2006/relationships" xmlns:p="http://schemas.openxmlformats.org/presentationml/2006/main">
+  <p:cSld>
+    <p:spTree>
+      <p:nvGrpSpPr>
+        <p:cNvPr id="1" name=""/>
+        <p:cNvGrpSpPr/>
+        <p:nvPr/>
+      </p:nvGrpSpPr>
+      <p:grpSpPr>
+        <a:xfrm>
+          <a:off x="0" y="0"/>
+          <a:ext cx="0" cy="0"/>
+          <a:chOff x="0" y="0"/>
+          <a:chExt cx="0" cy="0"/>
+        </a:xfrm>
+      </p:grpSpPr>
+    </p:spTree>
+    <p:extLst>
+      <p:ext uri="{BB962C8B-B14F-4D97-AF65-F5344CB8AC3E}">
+        <p14:creationId xmlns:p14="http://schemas.microsoft.com/office/powerpoint/2010/main" val="2576255225"/>
+      </p:ext>
+    </p:extLst>
+  </p:cSld>
+  <p:clrMapOvr>
+    <a:masterClrMapping/>
+  </p:clrMapOvr>
+  <p:timing>
+    <p:tnLst>
+      <p:par>
+        <p:cTn id="1" dur="indefinite" restart="never" nodeType="tmRoot"/>
+      </p:par>
+    </p:tnLst>
+  </p:timing>
+</p:sld>
+</file>
+
+<file path=ppt/slides/slide16.xml><?xml version="1.0" encoding="utf-8"?>
+<p:sld xmlns:a="http://schemas.openxmlformats.org/drawingml/2006/main" xmlns:r="http://schemas.openxmlformats.org/officeDocument/2006/relationships" xmlns:p="http://schemas.openxmlformats.org/presentationml/2006/main">
+  <p:cSld>
+    <p:spTree>
+      <p:nvGrpSpPr>
+        <p:cNvPr id="1" name=""/>
+        <p:cNvGrpSpPr/>
+        <p:nvPr/>
+      </p:nvGrpSpPr>
+      <p:grpSpPr>
+        <a:xfrm>
+          <a:off x="0" y="0"/>
+          <a:ext cx="0" cy="0"/>
+          <a:chOff x="0" y="0"/>
+          <a:chExt cx="0" cy="0"/>
+        </a:xfrm>
+      </p:grpSpPr>
+    </p:spTree>
+    <p:extLst>
+      <p:ext uri="{BB962C8B-B14F-4D97-AF65-F5344CB8AC3E}">
+        <p14:creationId xmlns:p14="http://schemas.microsoft.com/office/powerpoint/2010/main" val="2627804345"/>
+      </p:ext>
+    </p:extLst>
+  </p:cSld>
+  <p:clrMapOvr>
+    <a:masterClrMapping/>
+  </p:clrMapOvr>
+  <p:timing>
+    <p:tnLst>
+      <p:par>
+        <p:cTn id="1" dur="indefinite" restart="never" nodeType="tmRoot"/>
+      </p:par>
+    </p:tnLst>
+  </p:timing>
+</p:sld>
+</file>
+
 <file path=ppt/slides/slide2.xml><?xml version="1.0" encoding="utf-8"?>
 <p:sld xmlns:a="http://schemas.openxmlformats.org/drawingml/2006/main" xmlns:r="http://schemas.openxmlformats.org/officeDocument/2006/relationships" xmlns:p="http://schemas.openxmlformats.org/presentationml/2006/main">
   <p:cSld>
@@ -20470,6 +21409,3717 @@
           <a:chExt cx="0" cy="0"/>
         </a:xfrm>
       </p:grpSpPr>
+      <p:sp>
+        <p:nvSpPr>
+          <p:cNvPr id="3" name="矩形 2"/>
+          <p:cNvSpPr/>
+          <p:nvPr/>
+        </p:nvSpPr>
+        <p:spPr>
+          <a:xfrm>
+            <a:off x="3508754" y="801320"/>
+            <a:ext cx="620202" cy="620202"/>
+          </a:xfrm>
+          <a:prstGeom prst="rect">
+            <a:avLst/>
+          </a:prstGeom>
+          <a:ln>
+            <a:solidFill>
+              <a:schemeClr val="tx1"/>
+            </a:solidFill>
+          </a:ln>
+        </p:spPr>
+        <p:style>
+          <a:lnRef idx="2">
+            <a:schemeClr val="dk1"/>
+          </a:lnRef>
+          <a:fillRef idx="1">
+            <a:schemeClr val="lt1"/>
+          </a:fillRef>
+          <a:effectRef idx="0">
+            <a:schemeClr val="dk1"/>
+          </a:effectRef>
+          <a:fontRef idx="minor">
+            <a:schemeClr val="dk1"/>
+          </a:fontRef>
+        </p:style>
+        <p:txBody>
+          <a:bodyPr rtlCol="0" anchor="ctr"/>
+          <a:lstStyle/>
+          <a:p>
+            <a:pPr algn="ctr"/>
+            <a:r>
+              <a:rPr lang="en-US" altLang="zh-CN" sz="1200" dirty="0" smtClean="0"/>
+              <a:t>mem-*</a:t>
+            </a:r>
+            <a:endParaRPr lang="zh-CN" altLang="en-US" sz="1200" dirty="0"/>
+          </a:p>
+        </p:txBody>
+      </p:sp>
+      <p:sp>
+        <p:nvSpPr>
+          <p:cNvPr id="5" name="矩形 4"/>
+          <p:cNvSpPr/>
+          <p:nvPr/>
+        </p:nvSpPr>
+        <p:spPr>
+          <a:xfrm>
+            <a:off x="4311833" y="801320"/>
+            <a:ext cx="620202" cy="620202"/>
+          </a:xfrm>
+          <a:prstGeom prst="rect">
+            <a:avLst/>
+          </a:prstGeom>
+          <a:ln>
+            <a:solidFill>
+              <a:schemeClr val="tx1"/>
+            </a:solidFill>
+          </a:ln>
+        </p:spPr>
+        <p:style>
+          <a:lnRef idx="2">
+            <a:schemeClr val="dk1"/>
+          </a:lnRef>
+          <a:fillRef idx="1">
+            <a:schemeClr val="lt1"/>
+          </a:fillRef>
+          <a:effectRef idx="0">
+            <a:schemeClr val="dk1"/>
+          </a:effectRef>
+          <a:fontRef idx="minor">
+            <a:schemeClr val="dk1"/>
+          </a:fontRef>
+        </p:style>
+        <p:txBody>
+          <a:bodyPr rtlCol="0" anchor="ctr"/>
+          <a:lstStyle/>
+          <a:p>
+            <a:pPr algn="ctr"/>
+            <a:r>
+              <a:rPr lang="en-US" altLang="zh-CN" sz="1400" dirty="0" smtClean="0"/>
+              <a:t>Sqrt()</a:t>
+            </a:r>
+            <a:endParaRPr lang="zh-CN" altLang="en-US" sz="1400" dirty="0"/>
+          </a:p>
+        </p:txBody>
+      </p:sp>
+      <p:sp>
+        <p:nvSpPr>
+          <p:cNvPr id="6" name="矩形 5"/>
+          <p:cNvSpPr/>
+          <p:nvPr/>
+        </p:nvSpPr>
+        <p:spPr>
+          <a:xfrm>
+            <a:off x="2705674" y="1612353"/>
+            <a:ext cx="620202" cy="620202"/>
+          </a:xfrm>
+          <a:prstGeom prst="rect">
+            <a:avLst/>
+          </a:prstGeom>
+          <a:ln>
+            <a:solidFill>
+              <a:schemeClr val="tx1"/>
+            </a:solidFill>
+          </a:ln>
+        </p:spPr>
+        <p:style>
+          <a:lnRef idx="2">
+            <a:schemeClr val="dk1"/>
+          </a:lnRef>
+          <a:fillRef idx="1">
+            <a:schemeClr val="lt1"/>
+          </a:fillRef>
+          <a:effectRef idx="0">
+            <a:schemeClr val="dk1"/>
+          </a:effectRef>
+          <a:fontRef idx="minor">
+            <a:schemeClr val="dk1"/>
+          </a:fontRef>
+        </p:style>
+        <p:txBody>
+          <a:bodyPr rtlCol="0" anchor="ctr"/>
+          <a:lstStyle/>
+          <a:p>
+            <a:pPr algn="ctr"/>
+            <a:r>
+              <a:rPr lang="en-US" altLang="zh-CN" sz="1200" dirty="0"/>
+              <a:t>MEM</a:t>
+            </a:r>
+          </a:p>
+          <a:p>
+            <a:pPr algn="ctr"/>
+            <a:r>
+              <a:rPr lang="en-US" altLang="zh-CN" sz="1200" dirty="0" smtClean="0"/>
+              <a:t>4*0.51</a:t>
+            </a:r>
+            <a:endParaRPr lang="zh-CN" altLang="en-US" sz="1200" dirty="0"/>
+          </a:p>
+        </p:txBody>
+      </p:sp>
+      <p:sp>
+        <p:nvSpPr>
+          <p:cNvPr id="7" name="矩形 6"/>
+          <p:cNvSpPr/>
+          <p:nvPr/>
+        </p:nvSpPr>
+        <p:spPr>
+          <a:xfrm>
+            <a:off x="7074916" y="2534691"/>
+            <a:ext cx="620202" cy="620202"/>
+          </a:xfrm>
+          <a:prstGeom prst="rect">
+            <a:avLst/>
+          </a:prstGeom>
+          <a:ln>
+            <a:solidFill>
+              <a:schemeClr val="tx1"/>
+            </a:solidFill>
+          </a:ln>
+        </p:spPr>
+        <p:style>
+          <a:lnRef idx="2">
+            <a:schemeClr val="dk1"/>
+          </a:lnRef>
+          <a:fillRef idx="1">
+            <a:schemeClr val="lt1"/>
+          </a:fillRef>
+          <a:effectRef idx="0">
+            <a:schemeClr val="dk1"/>
+          </a:effectRef>
+          <a:fontRef idx="minor">
+            <a:schemeClr val="dk1"/>
+          </a:fontRef>
+        </p:style>
+        <p:txBody>
+          <a:bodyPr rtlCol="0" anchor="ctr"/>
+          <a:lstStyle/>
+          <a:p>
+            <a:pPr algn="ctr"/>
+            <a:r>
+              <a:rPr lang="en-US" altLang="zh-CN" sz="1200" dirty="0" smtClean="0"/>
+              <a:t>mem*mem</a:t>
+            </a:r>
+            <a:endParaRPr lang="zh-CN" altLang="en-US" sz="1200" dirty="0"/>
+          </a:p>
+        </p:txBody>
+      </p:sp>
+      <p:sp>
+        <p:nvSpPr>
+          <p:cNvPr id="8" name="矩形 7"/>
+          <p:cNvSpPr/>
+          <p:nvPr/>
+        </p:nvSpPr>
+        <p:spPr>
+          <a:xfrm>
+            <a:off x="1099512" y="801320"/>
+            <a:ext cx="620202" cy="620202"/>
+          </a:xfrm>
+          <a:prstGeom prst="rect">
+            <a:avLst/>
+          </a:prstGeom>
+          <a:ln>
+            <a:solidFill>
+              <a:schemeClr val="tx1"/>
+            </a:solidFill>
+          </a:ln>
+        </p:spPr>
+        <p:style>
+          <a:lnRef idx="2">
+            <a:schemeClr val="dk1"/>
+          </a:lnRef>
+          <a:fillRef idx="1">
+            <a:schemeClr val="lt1"/>
+          </a:fillRef>
+          <a:effectRef idx="0">
+            <a:schemeClr val="dk1"/>
+          </a:effectRef>
+          <a:fontRef idx="minor">
+            <a:schemeClr val="dk1"/>
+          </a:fontRef>
+        </p:style>
+        <p:txBody>
+          <a:bodyPr rtlCol="0" anchor="ctr"/>
+          <a:lstStyle/>
+          <a:p>
+            <a:pPr algn="ctr"/>
+            <a:r>
+              <a:rPr lang="en-US" altLang="zh-CN" sz="1200" dirty="0" smtClean="0"/>
+              <a:t>MEM</a:t>
+            </a:r>
+          </a:p>
+          <a:p>
+            <a:pPr algn="ctr"/>
+            <a:r>
+              <a:rPr lang="en-US" altLang="zh-CN" sz="1200" dirty="0" smtClean="0"/>
+              <a:t>Pos.x</a:t>
+            </a:r>
+            <a:endParaRPr lang="zh-CN" altLang="en-US" sz="1200" dirty="0"/>
+          </a:p>
+        </p:txBody>
+      </p:sp>
+      <p:sp>
+        <p:nvSpPr>
+          <p:cNvPr id="9" name="矩形 8"/>
+          <p:cNvSpPr/>
+          <p:nvPr/>
+        </p:nvSpPr>
+        <p:spPr>
+          <a:xfrm>
+            <a:off x="1902593" y="801320"/>
+            <a:ext cx="620202" cy="620202"/>
+          </a:xfrm>
+          <a:prstGeom prst="rect">
+            <a:avLst/>
+          </a:prstGeom>
+          <a:ln>
+            <a:solidFill>
+              <a:schemeClr val="tx1"/>
+            </a:solidFill>
+          </a:ln>
+        </p:spPr>
+        <p:style>
+          <a:lnRef idx="2">
+            <a:schemeClr val="dk1"/>
+          </a:lnRef>
+          <a:fillRef idx="1">
+            <a:schemeClr val="lt1"/>
+          </a:fillRef>
+          <a:effectRef idx="0">
+            <a:schemeClr val="dk1"/>
+          </a:effectRef>
+          <a:fontRef idx="minor">
+            <a:schemeClr val="dk1"/>
+          </a:fontRef>
+        </p:style>
+        <p:txBody>
+          <a:bodyPr rtlCol="0" anchor="ctr"/>
+          <a:lstStyle/>
+          <a:p>
+            <a:pPr algn="ctr"/>
+            <a:r>
+              <a:rPr lang="en-US" altLang="zh-CN" sz="1200" dirty="0" smtClean="0"/>
+              <a:t>Pos.x/cos()</a:t>
+            </a:r>
+            <a:endParaRPr lang="zh-CN" altLang="en-US" sz="1200" dirty="0"/>
+          </a:p>
+        </p:txBody>
+      </p:sp>
+      <p:sp>
+        <p:nvSpPr>
+          <p:cNvPr id="10" name="矩形 9"/>
+          <p:cNvSpPr/>
+          <p:nvPr/>
+        </p:nvSpPr>
+        <p:spPr>
+          <a:xfrm>
+            <a:off x="1902593" y="1612353"/>
+            <a:ext cx="620202" cy="620202"/>
+          </a:xfrm>
+          <a:prstGeom prst="rect">
+            <a:avLst/>
+          </a:prstGeom>
+          <a:ln>
+            <a:solidFill>
+              <a:schemeClr val="tx1"/>
+            </a:solidFill>
+          </a:ln>
+        </p:spPr>
+        <p:style>
+          <a:lnRef idx="2">
+            <a:schemeClr val="dk1"/>
+          </a:lnRef>
+          <a:fillRef idx="1">
+            <a:schemeClr val="lt1"/>
+          </a:fillRef>
+          <a:effectRef idx="0">
+            <a:schemeClr val="dk1"/>
+          </a:effectRef>
+          <a:fontRef idx="minor">
+            <a:schemeClr val="dk1"/>
+          </a:fontRef>
+        </p:style>
+        <p:txBody>
+          <a:bodyPr rtlCol="0" anchor="ctr"/>
+          <a:lstStyle/>
+          <a:p>
+            <a:pPr algn="ctr"/>
+            <a:r>
+              <a:rPr lang="en-US" altLang="zh-CN" sz="1200" dirty="0" smtClean="0"/>
+              <a:t>COS</a:t>
+            </a:r>
+          </a:p>
+          <a:p>
+            <a:pPr algn="ctr"/>
+            <a:r>
+              <a:rPr lang="en-US" altLang="zh-CN" sz="1200" dirty="0" smtClean="0"/>
+              <a:t>(angle)</a:t>
+            </a:r>
+            <a:endParaRPr lang="zh-CN" altLang="en-US" sz="1200" dirty="0"/>
+          </a:p>
+        </p:txBody>
+      </p:sp>
+      <p:sp>
+        <p:nvSpPr>
+          <p:cNvPr id="11" name="矩形 10"/>
+          <p:cNvSpPr/>
+          <p:nvPr/>
+        </p:nvSpPr>
+        <p:spPr>
+          <a:xfrm>
+            <a:off x="1099511" y="1612353"/>
+            <a:ext cx="620202" cy="620202"/>
+          </a:xfrm>
+          <a:prstGeom prst="rect">
+            <a:avLst/>
+          </a:prstGeom>
+          <a:ln>
+            <a:solidFill>
+              <a:schemeClr val="tx1"/>
+            </a:solidFill>
+          </a:ln>
+        </p:spPr>
+        <p:style>
+          <a:lnRef idx="2">
+            <a:schemeClr val="dk1"/>
+          </a:lnRef>
+          <a:fillRef idx="1">
+            <a:schemeClr val="lt1"/>
+          </a:fillRef>
+          <a:effectRef idx="0">
+            <a:schemeClr val="dk1"/>
+          </a:effectRef>
+          <a:fontRef idx="minor">
+            <a:schemeClr val="dk1"/>
+          </a:fontRef>
+        </p:style>
+        <p:txBody>
+          <a:bodyPr rtlCol="0" anchor="ctr"/>
+          <a:lstStyle/>
+          <a:p>
+            <a:pPr algn="ctr"/>
+            <a:r>
+              <a:rPr lang="en-US" altLang="zh-CN" sz="1200" dirty="0" smtClean="0"/>
+              <a:t>MEM</a:t>
+            </a:r>
+          </a:p>
+          <a:p>
+            <a:pPr algn="ctr"/>
+            <a:r>
+              <a:rPr lang="en-US" altLang="zh-CN" sz="1200" dirty="0" smtClean="0"/>
+              <a:t>angle</a:t>
+            </a:r>
+            <a:endParaRPr lang="zh-CN" altLang="en-US" sz="1200" dirty="0"/>
+          </a:p>
+        </p:txBody>
+      </p:sp>
+      <p:cxnSp>
+        <p:nvCxnSpPr>
+          <p:cNvPr id="13" name="直接箭头连接符 12"/>
+          <p:cNvCxnSpPr>
+            <a:stCxn id="11" idx="3"/>
+            <a:endCxn id="10" idx="1"/>
+          </p:cNvCxnSpPr>
+          <p:nvPr/>
+        </p:nvCxnSpPr>
+        <p:spPr>
+          <a:xfrm>
+            <a:off x="1719713" y="1922454"/>
+            <a:ext cx="182880" cy="0"/>
+          </a:xfrm>
+          <a:prstGeom prst="straightConnector1">
+            <a:avLst/>
+          </a:prstGeom>
+          <a:ln>
+            <a:solidFill>
+              <a:schemeClr val="tx1"/>
+            </a:solidFill>
+            <a:tailEnd type="triangle"/>
+          </a:ln>
+        </p:spPr>
+        <p:style>
+          <a:lnRef idx="1">
+            <a:schemeClr val="accent1"/>
+          </a:lnRef>
+          <a:fillRef idx="0">
+            <a:schemeClr val="accent1"/>
+          </a:fillRef>
+          <a:effectRef idx="0">
+            <a:schemeClr val="accent1"/>
+          </a:effectRef>
+          <a:fontRef idx="minor">
+            <a:schemeClr val="tx1"/>
+          </a:fontRef>
+        </p:style>
+      </p:cxnSp>
+      <p:cxnSp>
+        <p:nvCxnSpPr>
+          <p:cNvPr id="15" name="直接箭头连接符 14"/>
+          <p:cNvCxnSpPr>
+            <a:stCxn id="10" idx="0"/>
+            <a:endCxn id="9" idx="2"/>
+          </p:cNvCxnSpPr>
+          <p:nvPr/>
+        </p:nvCxnSpPr>
+        <p:spPr>
+          <a:xfrm flipV="1">
+            <a:off x="2212694" y="1421522"/>
+            <a:ext cx="0" cy="190831"/>
+          </a:xfrm>
+          <a:prstGeom prst="straightConnector1">
+            <a:avLst/>
+          </a:prstGeom>
+          <a:ln>
+            <a:solidFill>
+              <a:schemeClr val="tx1"/>
+            </a:solidFill>
+            <a:tailEnd type="triangle"/>
+          </a:ln>
+        </p:spPr>
+        <p:style>
+          <a:lnRef idx="1">
+            <a:schemeClr val="accent1"/>
+          </a:lnRef>
+          <a:fillRef idx="0">
+            <a:schemeClr val="accent1"/>
+          </a:fillRef>
+          <a:effectRef idx="0">
+            <a:schemeClr val="accent1"/>
+          </a:effectRef>
+          <a:fontRef idx="minor">
+            <a:schemeClr val="tx1"/>
+          </a:fontRef>
+        </p:style>
+      </p:cxnSp>
+      <p:cxnSp>
+        <p:nvCxnSpPr>
+          <p:cNvPr id="17" name="直接箭头连接符 16"/>
+          <p:cNvCxnSpPr>
+            <a:stCxn id="8" idx="3"/>
+            <a:endCxn id="9" idx="1"/>
+          </p:cNvCxnSpPr>
+          <p:nvPr/>
+        </p:nvCxnSpPr>
+        <p:spPr>
+          <a:xfrm>
+            <a:off x="1719714" y="1111421"/>
+            <a:ext cx="182879" cy="0"/>
+          </a:xfrm>
+          <a:prstGeom prst="straightConnector1">
+            <a:avLst/>
+          </a:prstGeom>
+          <a:ln>
+            <a:solidFill>
+              <a:schemeClr val="tx1"/>
+            </a:solidFill>
+            <a:tailEnd type="triangle"/>
+          </a:ln>
+        </p:spPr>
+        <p:style>
+          <a:lnRef idx="1">
+            <a:schemeClr val="accent1"/>
+          </a:lnRef>
+          <a:fillRef idx="0">
+            <a:schemeClr val="accent1"/>
+          </a:fillRef>
+          <a:effectRef idx="0">
+            <a:schemeClr val="accent1"/>
+          </a:effectRef>
+          <a:fontRef idx="minor">
+            <a:schemeClr val="tx1"/>
+          </a:fontRef>
+        </p:style>
+      </p:cxnSp>
+      <p:sp>
+        <p:nvSpPr>
+          <p:cNvPr id="18" name="矩形 17"/>
+          <p:cNvSpPr/>
+          <p:nvPr/>
+        </p:nvSpPr>
+        <p:spPr>
+          <a:xfrm>
+            <a:off x="2705674" y="801320"/>
+            <a:ext cx="620202" cy="620202"/>
+          </a:xfrm>
+          <a:prstGeom prst="rect">
+            <a:avLst/>
+          </a:prstGeom>
+          <a:ln>
+            <a:solidFill>
+              <a:schemeClr val="tx1"/>
+            </a:solidFill>
+          </a:ln>
+        </p:spPr>
+        <p:style>
+          <a:lnRef idx="2">
+            <a:schemeClr val="dk1"/>
+          </a:lnRef>
+          <a:fillRef idx="1">
+            <a:schemeClr val="lt1"/>
+          </a:fillRef>
+          <a:effectRef idx="0">
+            <a:schemeClr val="dk1"/>
+          </a:effectRef>
+          <a:fontRef idx="minor">
+            <a:schemeClr val="dk1"/>
+          </a:fontRef>
+        </p:style>
+        <p:txBody>
+          <a:bodyPr rtlCol="0" anchor="ctr"/>
+          <a:lstStyle/>
+          <a:p>
+            <a:pPr algn="ctr"/>
+            <a:r>
+              <a:rPr lang="en-US" altLang="zh-CN" sz="2800" dirty="0" smtClean="0"/>
+              <a:t>*</a:t>
+            </a:r>
+            <a:endParaRPr lang="zh-CN" altLang="en-US" sz="2800" dirty="0"/>
+          </a:p>
+        </p:txBody>
+      </p:sp>
+      <p:cxnSp>
+        <p:nvCxnSpPr>
+          <p:cNvPr id="20" name="直接箭头连接符 19"/>
+          <p:cNvCxnSpPr>
+            <a:stCxn id="9" idx="3"/>
+            <a:endCxn id="18" idx="1"/>
+          </p:cNvCxnSpPr>
+          <p:nvPr/>
+        </p:nvCxnSpPr>
+        <p:spPr>
+          <a:xfrm>
+            <a:off x="2522795" y="1111421"/>
+            <a:ext cx="182879" cy="0"/>
+          </a:xfrm>
+          <a:prstGeom prst="straightConnector1">
+            <a:avLst/>
+          </a:prstGeom>
+          <a:ln>
+            <a:solidFill>
+              <a:schemeClr val="tx1"/>
+            </a:solidFill>
+            <a:tailEnd type="triangle"/>
+          </a:ln>
+        </p:spPr>
+        <p:style>
+          <a:lnRef idx="1">
+            <a:schemeClr val="accent1"/>
+          </a:lnRef>
+          <a:fillRef idx="0">
+            <a:schemeClr val="accent1"/>
+          </a:fillRef>
+          <a:effectRef idx="0">
+            <a:schemeClr val="accent1"/>
+          </a:effectRef>
+          <a:fontRef idx="minor">
+            <a:schemeClr val="tx1"/>
+          </a:fontRef>
+        </p:style>
+      </p:cxnSp>
+      <p:cxnSp>
+        <p:nvCxnSpPr>
+          <p:cNvPr id="24" name="直接箭头连接符 23"/>
+          <p:cNvCxnSpPr>
+            <a:stCxn id="6" idx="0"/>
+            <a:endCxn id="18" idx="2"/>
+          </p:cNvCxnSpPr>
+          <p:nvPr/>
+        </p:nvCxnSpPr>
+        <p:spPr>
+          <a:xfrm flipV="1">
+            <a:off x="3015775" y="1421522"/>
+            <a:ext cx="0" cy="190831"/>
+          </a:xfrm>
+          <a:prstGeom prst="straightConnector1">
+            <a:avLst/>
+          </a:prstGeom>
+          <a:ln>
+            <a:solidFill>
+              <a:schemeClr val="tx1"/>
+            </a:solidFill>
+            <a:tailEnd type="triangle"/>
+          </a:ln>
+        </p:spPr>
+        <p:style>
+          <a:lnRef idx="1">
+            <a:schemeClr val="accent1"/>
+          </a:lnRef>
+          <a:fillRef idx="0">
+            <a:schemeClr val="accent1"/>
+          </a:fillRef>
+          <a:effectRef idx="0">
+            <a:schemeClr val="accent1"/>
+          </a:effectRef>
+          <a:fontRef idx="minor">
+            <a:schemeClr val="tx1"/>
+          </a:fontRef>
+        </p:style>
+      </p:cxnSp>
+      <p:sp>
+        <p:nvSpPr>
+          <p:cNvPr id="29" name="矩形 28"/>
+          <p:cNvSpPr/>
+          <p:nvPr/>
+        </p:nvSpPr>
+        <p:spPr>
+          <a:xfrm>
+            <a:off x="3508754" y="1612351"/>
+            <a:ext cx="620202" cy="620202"/>
+          </a:xfrm>
+          <a:prstGeom prst="rect">
+            <a:avLst/>
+          </a:prstGeom>
+          <a:ln>
+            <a:solidFill>
+              <a:schemeClr val="tx1"/>
+            </a:solidFill>
+          </a:ln>
+        </p:spPr>
+        <p:style>
+          <a:lnRef idx="2">
+            <a:schemeClr val="dk1"/>
+          </a:lnRef>
+          <a:fillRef idx="1">
+            <a:schemeClr val="lt1"/>
+          </a:fillRef>
+          <a:effectRef idx="0">
+            <a:schemeClr val="dk1"/>
+          </a:effectRef>
+          <a:fontRef idx="minor">
+            <a:schemeClr val="dk1"/>
+          </a:fontRef>
+        </p:style>
+        <p:txBody>
+          <a:bodyPr rtlCol="0" anchor="ctr"/>
+          <a:lstStyle/>
+          <a:p>
+            <a:pPr algn="ctr"/>
+            <a:r>
+              <a:rPr lang="en-US" altLang="zh-CN" sz="1200" dirty="0"/>
+              <a:t>MEM</a:t>
+            </a:r>
+          </a:p>
+          <a:p>
+            <a:pPr algn="ctr"/>
+            <a:r>
+              <a:rPr lang="en-US" altLang="zh-CN" sz="1200" dirty="0" smtClean="0"/>
+              <a:t>80*80</a:t>
+            </a:r>
+            <a:endParaRPr lang="zh-CN" altLang="en-US" sz="1200" dirty="0"/>
+          </a:p>
+        </p:txBody>
+      </p:sp>
+      <p:cxnSp>
+        <p:nvCxnSpPr>
+          <p:cNvPr id="34" name="直接箭头连接符 33"/>
+          <p:cNvCxnSpPr>
+            <a:stCxn id="18" idx="3"/>
+            <a:endCxn id="3" idx="1"/>
+          </p:cNvCxnSpPr>
+          <p:nvPr/>
+        </p:nvCxnSpPr>
+        <p:spPr>
+          <a:xfrm>
+            <a:off x="3325876" y="1111421"/>
+            <a:ext cx="182878" cy="0"/>
+          </a:xfrm>
+          <a:prstGeom prst="straightConnector1">
+            <a:avLst/>
+          </a:prstGeom>
+          <a:ln>
+            <a:solidFill>
+              <a:schemeClr val="tx1"/>
+            </a:solidFill>
+            <a:tailEnd type="triangle"/>
+          </a:ln>
+        </p:spPr>
+        <p:style>
+          <a:lnRef idx="1">
+            <a:schemeClr val="accent1"/>
+          </a:lnRef>
+          <a:fillRef idx="0">
+            <a:schemeClr val="accent1"/>
+          </a:fillRef>
+          <a:effectRef idx="0">
+            <a:schemeClr val="accent1"/>
+          </a:effectRef>
+          <a:fontRef idx="minor">
+            <a:schemeClr val="tx1"/>
+          </a:fontRef>
+        </p:style>
+      </p:cxnSp>
+      <p:cxnSp>
+        <p:nvCxnSpPr>
+          <p:cNvPr id="36" name="直接箭头连接符 35"/>
+          <p:cNvCxnSpPr>
+            <a:stCxn id="29" idx="0"/>
+            <a:endCxn id="3" idx="2"/>
+          </p:cNvCxnSpPr>
+          <p:nvPr/>
+        </p:nvCxnSpPr>
+        <p:spPr>
+          <a:xfrm flipV="1">
+            <a:off x="3818855" y="1421522"/>
+            <a:ext cx="0" cy="190829"/>
+          </a:xfrm>
+          <a:prstGeom prst="straightConnector1">
+            <a:avLst/>
+          </a:prstGeom>
+          <a:ln>
+            <a:solidFill>
+              <a:schemeClr val="tx1"/>
+            </a:solidFill>
+            <a:tailEnd type="triangle"/>
+          </a:ln>
+        </p:spPr>
+        <p:style>
+          <a:lnRef idx="1">
+            <a:schemeClr val="accent1"/>
+          </a:lnRef>
+          <a:fillRef idx="0">
+            <a:schemeClr val="accent1"/>
+          </a:fillRef>
+          <a:effectRef idx="0">
+            <a:schemeClr val="accent1"/>
+          </a:effectRef>
+          <a:fontRef idx="minor">
+            <a:schemeClr val="tx1"/>
+          </a:fontRef>
+        </p:style>
+      </p:cxnSp>
+      <p:cxnSp>
+        <p:nvCxnSpPr>
+          <p:cNvPr id="38" name="直接箭头连接符 37"/>
+          <p:cNvCxnSpPr>
+            <a:stCxn id="3" idx="3"/>
+            <a:endCxn id="5" idx="1"/>
+          </p:cNvCxnSpPr>
+          <p:nvPr/>
+        </p:nvCxnSpPr>
+        <p:spPr>
+          <a:xfrm>
+            <a:off x="4128956" y="1111421"/>
+            <a:ext cx="182877" cy="0"/>
+          </a:xfrm>
+          <a:prstGeom prst="straightConnector1">
+            <a:avLst/>
+          </a:prstGeom>
+          <a:ln>
+            <a:solidFill>
+              <a:schemeClr val="tx1"/>
+            </a:solidFill>
+            <a:tailEnd type="triangle"/>
+          </a:ln>
+        </p:spPr>
+        <p:style>
+          <a:lnRef idx="1">
+            <a:schemeClr val="accent1"/>
+          </a:lnRef>
+          <a:fillRef idx="0">
+            <a:schemeClr val="accent1"/>
+          </a:fillRef>
+          <a:effectRef idx="0">
+            <a:schemeClr val="accent1"/>
+          </a:effectRef>
+          <a:fontRef idx="minor">
+            <a:schemeClr val="tx1"/>
+          </a:fontRef>
+        </p:style>
+      </p:cxnSp>
+      <p:sp>
+        <p:nvSpPr>
+          <p:cNvPr id="39" name="矩形 38"/>
+          <p:cNvSpPr/>
+          <p:nvPr/>
+        </p:nvSpPr>
+        <p:spPr>
+          <a:xfrm>
+            <a:off x="4311833" y="1612351"/>
+            <a:ext cx="620202" cy="620202"/>
+          </a:xfrm>
+          <a:prstGeom prst="rect">
+            <a:avLst/>
+          </a:prstGeom>
+          <a:ln>
+            <a:solidFill>
+              <a:schemeClr val="tx1"/>
+            </a:solidFill>
+          </a:ln>
+        </p:spPr>
+        <p:style>
+          <a:lnRef idx="2">
+            <a:schemeClr val="dk1"/>
+          </a:lnRef>
+          <a:fillRef idx="1">
+            <a:schemeClr val="lt1"/>
+          </a:fillRef>
+          <a:effectRef idx="0">
+            <a:schemeClr val="dk1"/>
+          </a:effectRef>
+          <a:fontRef idx="minor">
+            <a:schemeClr val="dk1"/>
+          </a:fontRef>
+        </p:style>
+        <p:txBody>
+          <a:bodyPr rtlCol="0" anchor="ctr"/>
+          <a:lstStyle/>
+          <a:p>
+            <a:pPr algn="ctr"/>
+            <a:r>
+              <a:rPr lang="en-US" altLang="zh-CN" sz="2800" dirty="0" smtClean="0"/>
+              <a:t>+</a:t>
+            </a:r>
+            <a:endParaRPr lang="zh-CN" altLang="en-US" sz="2800" dirty="0"/>
+          </a:p>
+        </p:txBody>
+      </p:sp>
+      <p:cxnSp>
+        <p:nvCxnSpPr>
+          <p:cNvPr id="41" name="直接箭头连接符 40"/>
+          <p:cNvCxnSpPr>
+            <a:stCxn id="5" idx="2"/>
+            <a:endCxn id="39" idx="0"/>
+          </p:cNvCxnSpPr>
+          <p:nvPr/>
+        </p:nvCxnSpPr>
+        <p:spPr>
+          <a:xfrm>
+            <a:off x="4621934" y="1421522"/>
+            <a:ext cx="0" cy="190829"/>
+          </a:xfrm>
+          <a:prstGeom prst="straightConnector1">
+            <a:avLst/>
+          </a:prstGeom>
+          <a:ln>
+            <a:solidFill>
+              <a:schemeClr val="tx1"/>
+            </a:solidFill>
+            <a:tailEnd type="triangle"/>
+          </a:ln>
+        </p:spPr>
+        <p:style>
+          <a:lnRef idx="1">
+            <a:schemeClr val="accent1"/>
+          </a:lnRef>
+          <a:fillRef idx="0">
+            <a:schemeClr val="accent1"/>
+          </a:fillRef>
+          <a:effectRef idx="0">
+            <a:schemeClr val="accent1"/>
+          </a:effectRef>
+          <a:fontRef idx="minor">
+            <a:schemeClr val="tx1"/>
+          </a:fontRef>
+        </p:style>
+      </p:cxnSp>
+      <p:sp>
+        <p:nvSpPr>
+          <p:cNvPr id="45" name="矩形 44"/>
+          <p:cNvSpPr/>
+          <p:nvPr/>
+        </p:nvSpPr>
+        <p:spPr>
+          <a:xfrm>
+            <a:off x="4311833" y="2554578"/>
+            <a:ext cx="620202" cy="620202"/>
+          </a:xfrm>
+          <a:prstGeom prst="rect">
+            <a:avLst/>
+          </a:prstGeom>
+          <a:ln>
+            <a:solidFill>
+              <a:schemeClr val="tx1"/>
+            </a:solidFill>
+          </a:ln>
+        </p:spPr>
+        <p:style>
+          <a:lnRef idx="2">
+            <a:schemeClr val="dk1"/>
+          </a:lnRef>
+          <a:fillRef idx="1">
+            <a:schemeClr val="lt1"/>
+          </a:fillRef>
+          <a:effectRef idx="0">
+            <a:schemeClr val="dk1"/>
+          </a:effectRef>
+          <a:fontRef idx="minor">
+            <a:schemeClr val="dk1"/>
+          </a:fontRef>
+        </p:style>
+        <p:txBody>
+          <a:bodyPr rtlCol="0" anchor="ctr"/>
+          <a:lstStyle/>
+          <a:p>
+            <a:pPr algn="ctr"/>
+            <a:r>
+              <a:rPr lang="en-US" altLang="zh-CN" sz="1200" dirty="0" smtClean="0"/>
+              <a:t>MEM</a:t>
+            </a:r>
+          </a:p>
+          <a:p>
+            <a:pPr algn="ctr"/>
+            <a:r>
+              <a:rPr lang="en-US" altLang="zh-CN" sz="1200" dirty="0" smtClean="0"/>
+              <a:t>80</a:t>
+            </a:r>
+            <a:endParaRPr lang="zh-CN" altLang="en-US" sz="1200" dirty="0"/>
+          </a:p>
+        </p:txBody>
+      </p:sp>
+      <p:cxnSp>
+        <p:nvCxnSpPr>
+          <p:cNvPr id="47" name="直接箭头连接符 46"/>
+          <p:cNvCxnSpPr>
+            <a:stCxn id="45" idx="0"/>
+            <a:endCxn id="39" idx="2"/>
+          </p:cNvCxnSpPr>
+          <p:nvPr/>
+        </p:nvCxnSpPr>
+        <p:spPr>
+          <a:xfrm flipV="1">
+            <a:off x="4621934" y="2232553"/>
+            <a:ext cx="0" cy="322025"/>
+          </a:xfrm>
+          <a:prstGeom prst="straightConnector1">
+            <a:avLst/>
+          </a:prstGeom>
+          <a:ln>
+            <a:solidFill>
+              <a:schemeClr val="tx1"/>
+            </a:solidFill>
+            <a:tailEnd type="triangle"/>
+          </a:ln>
+        </p:spPr>
+        <p:style>
+          <a:lnRef idx="1">
+            <a:schemeClr val="accent1"/>
+          </a:lnRef>
+          <a:fillRef idx="0">
+            <a:schemeClr val="accent1"/>
+          </a:fillRef>
+          <a:effectRef idx="0">
+            <a:schemeClr val="accent1"/>
+          </a:effectRef>
+          <a:fontRef idx="minor">
+            <a:schemeClr val="tx1"/>
+          </a:fontRef>
+        </p:style>
+      </p:cxnSp>
+      <p:sp>
+        <p:nvSpPr>
+          <p:cNvPr id="49" name="矩形 48"/>
+          <p:cNvSpPr/>
+          <p:nvPr/>
+        </p:nvSpPr>
+        <p:spPr>
+          <a:xfrm>
+            <a:off x="5119882" y="801317"/>
+            <a:ext cx="620202" cy="620202"/>
+          </a:xfrm>
+          <a:prstGeom prst="rect">
+            <a:avLst/>
+          </a:prstGeom>
+          <a:ln>
+            <a:solidFill>
+              <a:schemeClr val="tx1"/>
+            </a:solidFill>
+          </a:ln>
+        </p:spPr>
+        <p:style>
+          <a:lnRef idx="2">
+            <a:schemeClr val="dk1"/>
+          </a:lnRef>
+          <a:fillRef idx="1">
+            <a:schemeClr val="lt1"/>
+          </a:fillRef>
+          <a:effectRef idx="0">
+            <a:schemeClr val="dk1"/>
+          </a:effectRef>
+          <a:fontRef idx="minor">
+            <a:schemeClr val="dk1"/>
+          </a:fontRef>
+        </p:style>
+        <p:txBody>
+          <a:bodyPr rtlCol="0" anchor="ctr"/>
+          <a:lstStyle/>
+          <a:p>
+            <a:pPr algn="ctr"/>
+            <a:r>
+              <a:rPr lang="en-US" altLang="zh-CN" sz="1200" dirty="0"/>
+              <a:t>MEM</a:t>
+            </a:r>
+          </a:p>
+          <a:p>
+            <a:pPr algn="ctr"/>
+            <a:r>
+              <a:rPr lang="en-US" altLang="zh-CN" sz="1200" dirty="0" smtClean="0"/>
+              <a:t>2*0.51</a:t>
+            </a:r>
+            <a:endParaRPr lang="zh-CN" altLang="en-US" sz="1200" dirty="0"/>
+          </a:p>
+        </p:txBody>
+      </p:sp>
+      <p:sp>
+        <p:nvSpPr>
+          <p:cNvPr id="53" name="矩形 52"/>
+          <p:cNvSpPr/>
+          <p:nvPr/>
+        </p:nvSpPr>
+        <p:spPr>
+          <a:xfrm>
+            <a:off x="5114911" y="1612351"/>
+            <a:ext cx="620202" cy="620202"/>
+          </a:xfrm>
+          <a:prstGeom prst="rect">
+            <a:avLst/>
+          </a:prstGeom>
+          <a:ln>
+            <a:solidFill>
+              <a:schemeClr val="tx1"/>
+            </a:solidFill>
+          </a:ln>
+        </p:spPr>
+        <p:style>
+          <a:lnRef idx="2">
+            <a:schemeClr val="dk1"/>
+          </a:lnRef>
+          <a:fillRef idx="1">
+            <a:schemeClr val="lt1"/>
+          </a:fillRef>
+          <a:effectRef idx="0">
+            <a:schemeClr val="dk1"/>
+          </a:effectRef>
+          <a:fontRef idx="minor">
+            <a:schemeClr val="dk1"/>
+          </a:fontRef>
+        </p:style>
+        <p:txBody>
+          <a:bodyPr rtlCol="0" anchor="ctr"/>
+          <a:lstStyle/>
+          <a:p>
+            <a:pPr algn="ctr"/>
+            <a:r>
+              <a:rPr lang="en-US" altLang="zh-CN" sz="1200" dirty="0" smtClean="0"/>
+              <a:t>+/</a:t>
+            </a:r>
+          </a:p>
+          <a:p>
+            <a:pPr algn="ctr"/>
+            <a:r>
+              <a:rPr lang="en-US" altLang="zh-CN" sz="1200" dirty="0" smtClean="0"/>
+              <a:t>mem</a:t>
+            </a:r>
+            <a:endParaRPr lang="zh-CN" altLang="en-US" sz="1200" dirty="0"/>
+          </a:p>
+        </p:txBody>
+      </p:sp>
+      <p:cxnSp>
+        <p:nvCxnSpPr>
+          <p:cNvPr id="55" name="直接箭头连接符 54"/>
+          <p:cNvCxnSpPr>
+            <a:stCxn id="39" idx="3"/>
+            <a:endCxn id="53" idx="1"/>
+          </p:cNvCxnSpPr>
+          <p:nvPr/>
+        </p:nvCxnSpPr>
+        <p:spPr>
+          <a:xfrm>
+            <a:off x="4932035" y="1922452"/>
+            <a:ext cx="182876" cy="0"/>
+          </a:xfrm>
+          <a:prstGeom prst="straightConnector1">
+            <a:avLst/>
+          </a:prstGeom>
+          <a:ln>
+            <a:solidFill>
+              <a:schemeClr val="tx1"/>
+            </a:solidFill>
+            <a:tailEnd type="triangle"/>
+          </a:ln>
+        </p:spPr>
+        <p:style>
+          <a:lnRef idx="1">
+            <a:schemeClr val="accent1"/>
+          </a:lnRef>
+          <a:fillRef idx="0">
+            <a:schemeClr val="accent1"/>
+          </a:fillRef>
+          <a:effectRef idx="0">
+            <a:schemeClr val="accent1"/>
+          </a:effectRef>
+          <a:fontRef idx="minor">
+            <a:schemeClr val="tx1"/>
+          </a:fontRef>
+        </p:style>
+      </p:cxnSp>
+      <p:cxnSp>
+        <p:nvCxnSpPr>
+          <p:cNvPr id="57" name="直接箭头连接符 56"/>
+          <p:cNvCxnSpPr>
+            <a:stCxn id="49" idx="2"/>
+            <a:endCxn id="53" idx="0"/>
+          </p:cNvCxnSpPr>
+          <p:nvPr/>
+        </p:nvCxnSpPr>
+        <p:spPr>
+          <a:xfrm flipH="1">
+            <a:off x="5425012" y="1421519"/>
+            <a:ext cx="4971" cy="190832"/>
+          </a:xfrm>
+          <a:prstGeom prst="straightConnector1">
+            <a:avLst/>
+          </a:prstGeom>
+          <a:ln>
+            <a:solidFill>
+              <a:schemeClr val="tx1"/>
+            </a:solidFill>
+            <a:tailEnd type="triangle"/>
+          </a:ln>
+        </p:spPr>
+        <p:style>
+          <a:lnRef idx="1">
+            <a:schemeClr val="accent1"/>
+          </a:lnRef>
+          <a:fillRef idx="0">
+            <a:schemeClr val="accent1"/>
+          </a:fillRef>
+          <a:effectRef idx="0">
+            <a:schemeClr val="accent1"/>
+          </a:effectRef>
+          <a:fontRef idx="minor">
+            <a:schemeClr val="tx1"/>
+          </a:fontRef>
+        </p:style>
+      </p:cxnSp>
+      <p:sp>
+        <p:nvSpPr>
+          <p:cNvPr id="59" name="矩形 58"/>
+          <p:cNvSpPr/>
+          <p:nvPr/>
+        </p:nvSpPr>
+        <p:spPr>
+          <a:xfrm>
+            <a:off x="5917988" y="1612351"/>
+            <a:ext cx="620202" cy="620202"/>
+          </a:xfrm>
+          <a:prstGeom prst="rect">
+            <a:avLst/>
+          </a:prstGeom>
+          <a:ln>
+            <a:solidFill>
+              <a:schemeClr val="tx1"/>
+            </a:solidFill>
+          </a:ln>
+        </p:spPr>
+        <p:style>
+          <a:lnRef idx="2">
+            <a:schemeClr val="dk1"/>
+          </a:lnRef>
+          <a:fillRef idx="1">
+            <a:schemeClr val="lt1"/>
+          </a:fillRef>
+          <a:effectRef idx="0">
+            <a:schemeClr val="dk1"/>
+          </a:effectRef>
+          <a:fontRef idx="minor">
+            <a:schemeClr val="dk1"/>
+          </a:fontRef>
+        </p:style>
+        <p:txBody>
+          <a:bodyPr rtlCol="0" anchor="ctr"/>
+          <a:lstStyle/>
+          <a:p>
+            <a:pPr algn="ctr"/>
+            <a:r>
+              <a:rPr lang="en-US" altLang="zh-CN" sz="1200" dirty="0" smtClean="0"/>
+              <a:t>MEM</a:t>
+            </a:r>
+            <a:endParaRPr lang="en-US" altLang="zh-CN" sz="1200" dirty="0"/>
+          </a:p>
+        </p:txBody>
+      </p:sp>
+      <p:cxnSp>
+        <p:nvCxnSpPr>
+          <p:cNvPr id="61" name="直接箭头连接符 60"/>
+          <p:cNvCxnSpPr>
+            <a:stCxn id="53" idx="3"/>
+            <a:endCxn id="59" idx="1"/>
+          </p:cNvCxnSpPr>
+          <p:nvPr/>
+        </p:nvCxnSpPr>
+        <p:spPr>
+          <a:xfrm>
+            <a:off x="5735113" y="1922452"/>
+            <a:ext cx="182875" cy="0"/>
+          </a:xfrm>
+          <a:prstGeom prst="straightConnector1">
+            <a:avLst/>
+          </a:prstGeom>
+          <a:ln>
+            <a:solidFill>
+              <a:schemeClr val="tx1"/>
+            </a:solidFill>
+            <a:tailEnd type="triangle"/>
+          </a:ln>
+        </p:spPr>
+        <p:style>
+          <a:lnRef idx="1">
+            <a:schemeClr val="accent1"/>
+          </a:lnRef>
+          <a:fillRef idx="0">
+            <a:schemeClr val="accent1"/>
+          </a:fillRef>
+          <a:effectRef idx="0">
+            <a:schemeClr val="accent1"/>
+          </a:effectRef>
+          <a:fontRef idx="minor">
+            <a:schemeClr val="tx1"/>
+          </a:fontRef>
+        </p:style>
+      </p:cxnSp>
+      <p:sp>
+        <p:nvSpPr>
+          <p:cNvPr id="62" name="文本框 61"/>
+          <p:cNvSpPr txBox="1"/>
+          <p:nvPr/>
+        </p:nvSpPr>
+        <p:spPr>
+          <a:xfrm>
+            <a:off x="6499418" y="1640582"/>
+            <a:ext cx="614271" cy="369332"/>
+          </a:xfrm>
+          <a:prstGeom prst="rect">
+            <a:avLst/>
+          </a:prstGeom>
+          <a:noFill/>
+          <a:ln>
+            <a:noFill/>
+          </a:ln>
+        </p:spPr>
+        <p:txBody>
+          <a:bodyPr wrap="none" rtlCol="0">
+            <a:spAutoFit/>
+          </a:bodyPr>
+          <a:lstStyle/>
+          <a:p>
+            <a:r>
+              <a:rPr lang="en-US" altLang="zh-CN" dirty="0" smtClean="0"/>
+              <a:t>time</a:t>
+            </a:r>
+            <a:endParaRPr lang="zh-CN" altLang="en-US" dirty="0"/>
+          </a:p>
+        </p:txBody>
+      </p:sp>
+      <p:sp>
+        <p:nvSpPr>
+          <p:cNvPr id="64" name="矩形 63"/>
+          <p:cNvSpPr/>
+          <p:nvPr/>
+        </p:nvSpPr>
+        <p:spPr>
+          <a:xfrm>
+            <a:off x="4311833" y="3457031"/>
+            <a:ext cx="620202" cy="620202"/>
+          </a:xfrm>
+          <a:prstGeom prst="rect">
+            <a:avLst/>
+          </a:prstGeom>
+          <a:ln>
+            <a:solidFill>
+              <a:schemeClr val="tx1"/>
+            </a:solidFill>
+          </a:ln>
+        </p:spPr>
+        <p:style>
+          <a:lnRef idx="2">
+            <a:schemeClr val="dk1"/>
+          </a:lnRef>
+          <a:fillRef idx="1">
+            <a:schemeClr val="lt1"/>
+          </a:fillRef>
+          <a:effectRef idx="0">
+            <a:schemeClr val="dk1"/>
+          </a:effectRef>
+          <a:fontRef idx="minor">
+            <a:schemeClr val="dk1"/>
+          </a:fontRef>
+        </p:style>
+        <p:txBody>
+          <a:bodyPr rtlCol="0" anchor="ctr"/>
+          <a:lstStyle/>
+          <a:p>
+            <a:pPr algn="ctr"/>
+            <a:r>
+              <a:rPr lang="en-US" altLang="zh-CN" sz="1200" dirty="0" smtClean="0"/>
+              <a:t>mem-</a:t>
+            </a:r>
+          </a:p>
+          <a:p>
+            <a:pPr algn="ctr"/>
+            <a:r>
+              <a:rPr lang="en-US" altLang="zh-CN" sz="1200" dirty="0"/>
+              <a:t>*</a:t>
+            </a:r>
+            <a:endParaRPr lang="zh-CN" altLang="en-US" sz="1200" dirty="0"/>
+          </a:p>
+        </p:txBody>
+      </p:sp>
+      <p:sp>
+        <p:nvSpPr>
+          <p:cNvPr id="68" name="矩形 67"/>
+          <p:cNvSpPr/>
+          <p:nvPr/>
+        </p:nvSpPr>
+        <p:spPr>
+          <a:xfrm>
+            <a:off x="5122866" y="2554578"/>
+            <a:ext cx="620202" cy="620202"/>
+          </a:xfrm>
+          <a:prstGeom prst="rect">
+            <a:avLst/>
+          </a:prstGeom>
+          <a:ln>
+            <a:solidFill>
+              <a:schemeClr val="tx1"/>
+            </a:solidFill>
+          </a:ln>
+        </p:spPr>
+        <p:style>
+          <a:lnRef idx="2">
+            <a:schemeClr val="dk1"/>
+          </a:lnRef>
+          <a:fillRef idx="1">
+            <a:schemeClr val="lt1"/>
+          </a:fillRef>
+          <a:effectRef idx="0">
+            <a:schemeClr val="dk1"/>
+          </a:effectRef>
+          <a:fontRef idx="minor">
+            <a:schemeClr val="dk1"/>
+          </a:fontRef>
+        </p:style>
+        <p:txBody>
+          <a:bodyPr rtlCol="0" anchor="ctr"/>
+          <a:lstStyle/>
+          <a:p>
+            <a:pPr algn="ctr"/>
+            <a:r>
+              <a:rPr lang="en-US" altLang="zh-CN" sz="2800" dirty="0" smtClean="0"/>
+              <a:t>*</a:t>
+            </a:r>
+            <a:endParaRPr lang="zh-CN" altLang="en-US" sz="2800" dirty="0"/>
+          </a:p>
+        </p:txBody>
+      </p:sp>
+      <p:sp>
+        <p:nvSpPr>
+          <p:cNvPr id="69" name="矩形 68"/>
+          <p:cNvSpPr/>
+          <p:nvPr/>
+        </p:nvSpPr>
+        <p:spPr>
+          <a:xfrm>
+            <a:off x="5916003" y="2554578"/>
+            <a:ext cx="620202" cy="620202"/>
+          </a:xfrm>
+          <a:prstGeom prst="rect">
+            <a:avLst/>
+          </a:prstGeom>
+          <a:ln>
+            <a:solidFill>
+              <a:schemeClr val="tx1"/>
+            </a:solidFill>
+          </a:ln>
+        </p:spPr>
+        <p:style>
+          <a:lnRef idx="2">
+            <a:schemeClr val="dk1"/>
+          </a:lnRef>
+          <a:fillRef idx="1">
+            <a:schemeClr val="lt1"/>
+          </a:fillRef>
+          <a:effectRef idx="0">
+            <a:schemeClr val="dk1"/>
+          </a:effectRef>
+          <a:fontRef idx="minor">
+            <a:schemeClr val="dk1"/>
+          </a:fontRef>
+        </p:style>
+        <p:txBody>
+          <a:bodyPr rtlCol="0" anchor="ctr"/>
+          <a:lstStyle/>
+          <a:p>
+            <a:pPr algn="ctr"/>
+            <a:r>
+              <a:rPr lang="en-US" altLang="zh-CN" sz="1200" dirty="0"/>
+              <a:t>MEM</a:t>
+            </a:r>
+          </a:p>
+          <a:p>
+            <a:pPr algn="ctr"/>
+            <a:r>
+              <a:rPr lang="en-US" altLang="zh-CN" sz="1200" dirty="0" smtClean="0"/>
+              <a:t>0.51</a:t>
+            </a:r>
+            <a:endParaRPr lang="zh-CN" altLang="en-US" sz="1200" dirty="0"/>
+          </a:p>
+        </p:txBody>
+      </p:sp>
+      <p:cxnSp>
+        <p:nvCxnSpPr>
+          <p:cNvPr id="73" name="直接箭头连接符 72"/>
+          <p:cNvCxnSpPr>
+            <a:stCxn id="45" idx="2"/>
+            <a:endCxn id="64" idx="0"/>
+          </p:cNvCxnSpPr>
+          <p:nvPr/>
+        </p:nvCxnSpPr>
+        <p:spPr>
+          <a:xfrm>
+            <a:off x="4621934" y="3174780"/>
+            <a:ext cx="0" cy="282251"/>
+          </a:xfrm>
+          <a:prstGeom prst="straightConnector1">
+            <a:avLst/>
+          </a:prstGeom>
+          <a:ln>
+            <a:solidFill>
+              <a:schemeClr val="tx1"/>
+            </a:solidFill>
+            <a:tailEnd type="triangle"/>
+          </a:ln>
+        </p:spPr>
+        <p:style>
+          <a:lnRef idx="1">
+            <a:schemeClr val="accent1"/>
+          </a:lnRef>
+          <a:fillRef idx="0">
+            <a:schemeClr val="accent1"/>
+          </a:fillRef>
+          <a:effectRef idx="0">
+            <a:schemeClr val="accent1"/>
+          </a:effectRef>
+          <a:fontRef idx="minor">
+            <a:schemeClr val="tx1"/>
+          </a:fontRef>
+        </p:style>
+      </p:cxnSp>
+      <p:cxnSp>
+        <p:nvCxnSpPr>
+          <p:cNvPr id="75" name="直接箭头连接符 74"/>
+          <p:cNvCxnSpPr>
+            <a:stCxn id="68" idx="2"/>
+            <a:endCxn id="64" idx="0"/>
+          </p:cNvCxnSpPr>
+          <p:nvPr/>
+        </p:nvCxnSpPr>
+        <p:spPr>
+          <a:xfrm flipH="1">
+            <a:off x="4621934" y="3174780"/>
+            <a:ext cx="811033" cy="282251"/>
+          </a:xfrm>
+          <a:prstGeom prst="straightConnector1">
+            <a:avLst/>
+          </a:prstGeom>
+          <a:ln>
+            <a:solidFill>
+              <a:schemeClr val="tx1"/>
+            </a:solidFill>
+            <a:tailEnd type="triangle"/>
+          </a:ln>
+        </p:spPr>
+        <p:style>
+          <a:lnRef idx="1">
+            <a:schemeClr val="accent1"/>
+          </a:lnRef>
+          <a:fillRef idx="0">
+            <a:schemeClr val="accent1"/>
+          </a:fillRef>
+          <a:effectRef idx="0">
+            <a:schemeClr val="accent1"/>
+          </a:effectRef>
+          <a:fontRef idx="minor">
+            <a:schemeClr val="tx1"/>
+          </a:fontRef>
+        </p:style>
+      </p:cxnSp>
+      <p:cxnSp>
+        <p:nvCxnSpPr>
+          <p:cNvPr id="77" name="直接箭头连接符 76"/>
+          <p:cNvCxnSpPr>
+            <a:stCxn id="59" idx="2"/>
+            <a:endCxn id="68" idx="0"/>
+          </p:cNvCxnSpPr>
+          <p:nvPr/>
+        </p:nvCxnSpPr>
+        <p:spPr>
+          <a:xfrm flipH="1">
+            <a:off x="5432967" y="2232553"/>
+            <a:ext cx="795122" cy="322025"/>
+          </a:xfrm>
+          <a:prstGeom prst="straightConnector1">
+            <a:avLst/>
+          </a:prstGeom>
+          <a:ln>
+            <a:solidFill>
+              <a:schemeClr val="tx1"/>
+            </a:solidFill>
+            <a:tailEnd type="triangle"/>
+          </a:ln>
+        </p:spPr>
+        <p:style>
+          <a:lnRef idx="1">
+            <a:schemeClr val="accent1"/>
+          </a:lnRef>
+          <a:fillRef idx="0">
+            <a:schemeClr val="accent1"/>
+          </a:fillRef>
+          <a:effectRef idx="0">
+            <a:schemeClr val="accent1"/>
+          </a:effectRef>
+          <a:fontRef idx="minor">
+            <a:schemeClr val="tx1"/>
+          </a:fontRef>
+        </p:style>
+      </p:cxnSp>
+      <p:cxnSp>
+        <p:nvCxnSpPr>
+          <p:cNvPr id="79" name="直接箭头连接符 78"/>
+          <p:cNvCxnSpPr>
+            <a:stCxn id="69" idx="1"/>
+            <a:endCxn id="68" idx="3"/>
+          </p:cNvCxnSpPr>
+          <p:nvPr/>
+        </p:nvCxnSpPr>
+        <p:spPr>
+          <a:xfrm flipH="1">
+            <a:off x="5743068" y="2864679"/>
+            <a:ext cx="172935" cy="0"/>
+          </a:xfrm>
+          <a:prstGeom prst="straightConnector1">
+            <a:avLst/>
+          </a:prstGeom>
+          <a:ln>
+            <a:solidFill>
+              <a:schemeClr val="tx1"/>
+            </a:solidFill>
+            <a:tailEnd type="triangle"/>
+          </a:ln>
+        </p:spPr>
+        <p:style>
+          <a:lnRef idx="1">
+            <a:schemeClr val="accent1"/>
+          </a:lnRef>
+          <a:fillRef idx="0">
+            <a:schemeClr val="accent1"/>
+          </a:fillRef>
+          <a:effectRef idx="0">
+            <a:schemeClr val="accent1"/>
+          </a:effectRef>
+          <a:fontRef idx="minor">
+            <a:schemeClr val="tx1"/>
+          </a:fontRef>
+        </p:style>
+      </p:cxnSp>
+      <p:sp>
+        <p:nvSpPr>
+          <p:cNvPr id="81" name="矩形 80"/>
+          <p:cNvSpPr/>
+          <p:nvPr/>
+        </p:nvSpPr>
+        <p:spPr>
+          <a:xfrm>
+            <a:off x="3508754" y="3457031"/>
+            <a:ext cx="620202" cy="620202"/>
+          </a:xfrm>
+          <a:prstGeom prst="rect">
+            <a:avLst/>
+          </a:prstGeom>
+          <a:ln>
+            <a:solidFill>
+              <a:schemeClr val="tx1"/>
+            </a:solidFill>
+          </a:ln>
+        </p:spPr>
+        <p:style>
+          <a:lnRef idx="2">
+            <a:schemeClr val="dk1"/>
+          </a:lnRef>
+          <a:fillRef idx="1">
+            <a:schemeClr val="lt1"/>
+          </a:fillRef>
+          <a:effectRef idx="0">
+            <a:schemeClr val="dk1"/>
+          </a:effectRef>
+          <a:fontRef idx="minor">
+            <a:schemeClr val="dk1"/>
+          </a:fontRef>
+        </p:style>
+        <p:txBody>
+          <a:bodyPr rtlCol="0" anchor="ctr"/>
+          <a:lstStyle/>
+          <a:p>
+            <a:pPr algn="ctr"/>
+            <a:r>
+              <a:rPr lang="en-US" altLang="zh-CN" sz="2800" dirty="0" smtClean="0"/>
+              <a:t>*</a:t>
+            </a:r>
+            <a:endParaRPr lang="zh-CN" altLang="en-US" sz="2800" dirty="0"/>
+          </a:p>
+        </p:txBody>
+      </p:sp>
+      <p:sp>
+        <p:nvSpPr>
+          <p:cNvPr id="84" name="矩形 83"/>
+          <p:cNvSpPr/>
+          <p:nvPr/>
+        </p:nvSpPr>
+        <p:spPr>
+          <a:xfrm>
+            <a:off x="3501800" y="2554578"/>
+            <a:ext cx="620202" cy="620202"/>
+          </a:xfrm>
+          <a:prstGeom prst="rect">
+            <a:avLst/>
+          </a:prstGeom>
+          <a:ln>
+            <a:solidFill>
+              <a:schemeClr val="tx1"/>
+            </a:solidFill>
+          </a:ln>
+        </p:spPr>
+        <p:style>
+          <a:lnRef idx="2">
+            <a:schemeClr val="dk1"/>
+          </a:lnRef>
+          <a:fillRef idx="1">
+            <a:schemeClr val="lt1"/>
+          </a:fillRef>
+          <a:effectRef idx="0">
+            <a:schemeClr val="dk1"/>
+          </a:effectRef>
+          <a:fontRef idx="minor">
+            <a:schemeClr val="dk1"/>
+          </a:fontRef>
+        </p:style>
+        <p:txBody>
+          <a:bodyPr rtlCol="0" anchor="ctr"/>
+          <a:lstStyle/>
+          <a:p>
+            <a:pPr algn="ctr"/>
+            <a:r>
+              <a:rPr lang="en-US" altLang="zh-CN" sz="1200" dirty="0" smtClean="0"/>
+              <a:t>SIN</a:t>
+            </a:r>
+          </a:p>
+          <a:p>
+            <a:pPr algn="ctr"/>
+            <a:r>
+              <a:rPr lang="en-US" altLang="zh-CN" sz="1200" dirty="0" smtClean="0"/>
+              <a:t>(angle)</a:t>
+            </a:r>
+            <a:endParaRPr lang="zh-CN" altLang="en-US" sz="1200" dirty="0"/>
+          </a:p>
+        </p:txBody>
+      </p:sp>
+      <p:cxnSp>
+        <p:nvCxnSpPr>
+          <p:cNvPr id="93" name="直接箭头连接符 92"/>
+          <p:cNvCxnSpPr>
+            <a:stCxn id="84" idx="2"/>
+            <a:endCxn id="81" idx="0"/>
+          </p:cNvCxnSpPr>
+          <p:nvPr/>
+        </p:nvCxnSpPr>
+        <p:spPr>
+          <a:xfrm>
+            <a:off x="3811901" y="3174780"/>
+            <a:ext cx="6954" cy="282251"/>
+          </a:xfrm>
+          <a:prstGeom prst="straightConnector1">
+            <a:avLst/>
+          </a:prstGeom>
+          <a:ln>
+            <a:solidFill>
+              <a:schemeClr val="tx1"/>
+            </a:solidFill>
+            <a:tailEnd type="triangle"/>
+          </a:ln>
+        </p:spPr>
+        <p:style>
+          <a:lnRef idx="1">
+            <a:schemeClr val="accent1"/>
+          </a:lnRef>
+          <a:fillRef idx="0">
+            <a:schemeClr val="accent1"/>
+          </a:fillRef>
+          <a:effectRef idx="0">
+            <a:schemeClr val="accent1"/>
+          </a:effectRef>
+          <a:fontRef idx="minor">
+            <a:schemeClr val="tx1"/>
+          </a:fontRef>
+        </p:style>
+      </p:cxnSp>
+      <p:cxnSp>
+        <p:nvCxnSpPr>
+          <p:cNvPr id="95" name="直接箭头连接符 94"/>
+          <p:cNvCxnSpPr>
+            <a:stCxn id="64" idx="1"/>
+            <a:endCxn id="81" idx="3"/>
+          </p:cNvCxnSpPr>
+          <p:nvPr/>
+        </p:nvCxnSpPr>
+        <p:spPr>
+          <a:xfrm flipH="1">
+            <a:off x="4128956" y="3767132"/>
+            <a:ext cx="182877" cy="0"/>
+          </a:xfrm>
+          <a:prstGeom prst="straightConnector1">
+            <a:avLst/>
+          </a:prstGeom>
+          <a:ln>
+            <a:solidFill>
+              <a:schemeClr val="tx1"/>
+            </a:solidFill>
+            <a:tailEnd type="triangle"/>
+          </a:ln>
+        </p:spPr>
+        <p:style>
+          <a:lnRef idx="1">
+            <a:schemeClr val="accent1"/>
+          </a:lnRef>
+          <a:fillRef idx="0">
+            <a:schemeClr val="accent1"/>
+          </a:fillRef>
+          <a:effectRef idx="0">
+            <a:schemeClr val="accent1"/>
+          </a:effectRef>
+          <a:fontRef idx="minor">
+            <a:schemeClr val="tx1"/>
+          </a:fontRef>
+        </p:style>
+      </p:cxnSp>
+      <p:sp>
+        <p:nvSpPr>
+          <p:cNvPr id="108" name="矩形 107"/>
+          <p:cNvSpPr/>
+          <p:nvPr/>
+        </p:nvSpPr>
+        <p:spPr>
+          <a:xfrm>
+            <a:off x="5252071" y="3457031"/>
+            <a:ext cx="620202" cy="620202"/>
+          </a:xfrm>
+          <a:prstGeom prst="rect">
+            <a:avLst/>
+          </a:prstGeom>
+          <a:ln>
+            <a:solidFill>
+              <a:schemeClr val="tx1"/>
+            </a:solidFill>
+          </a:ln>
+        </p:spPr>
+        <p:style>
+          <a:lnRef idx="2">
+            <a:schemeClr val="dk1"/>
+          </a:lnRef>
+          <a:fillRef idx="1">
+            <a:schemeClr val="lt1"/>
+          </a:fillRef>
+          <a:effectRef idx="0">
+            <a:schemeClr val="dk1"/>
+          </a:effectRef>
+          <a:fontRef idx="minor">
+            <a:schemeClr val="dk1"/>
+          </a:fontRef>
+        </p:style>
+        <p:txBody>
+          <a:bodyPr rtlCol="0" anchor="ctr"/>
+          <a:lstStyle/>
+          <a:p>
+            <a:pPr algn="ctr"/>
+            <a:r>
+              <a:rPr lang="en-US" altLang="zh-CN" sz="2800" dirty="0" smtClean="0"/>
+              <a:t>*</a:t>
+            </a:r>
+            <a:endParaRPr lang="zh-CN" altLang="en-US" sz="2800" dirty="0"/>
+          </a:p>
+        </p:txBody>
+      </p:sp>
+      <p:cxnSp>
+        <p:nvCxnSpPr>
+          <p:cNvPr id="112" name="肘形连接符 111"/>
+          <p:cNvCxnSpPr>
+            <a:stCxn id="59" idx="3"/>
+            <a:endCxn id="108" idx="0"/>
+          </p:cNvCxnSpPr>
+          <p:nvPr/>
+        </p:nvCxnSpPr>
+        <p:spPr>
+          <a:xfrm flipH="1">
+            <a:off x="5562172" y="1922452"/>
+            <a:ext cx="976018" cy="1534579"/>
+          </a:xfrm>
+          <a:prstGeom prst="bentConnector4">
+            <a:avLst>
+              <a:gd name="adj1" fmla="val -23422"/>
+              <a:gd name="adj2" fmla="val 89120"/>
+            </a:avLst>
+          </a:prstGeom>
+          <a:ln>
+            <a:solidFill>
+              <a:schemeClr val="tx1"/>
+            </a:solidFill>
+            <a:tailEnd type="triangle"/>
+          </a:ln>
+        </p:spPr>
+        <p:style>
+          <a:lnRef idx="1">
+            <a:schemeClr val="accent1"/>
+          </a:lnRef>
+          <a:fillRef idx="0">
+            <a:schemeClr val="accent1"/>
+          </a:fillRef>
+          <a:effectRef idx="0">
+            <a:schemeClr val="accent1"/>
+          </a:effectRef>
+          <a:fontRef idx="minor">
+            <a:schemeClr val="tx1"/>
+          </a:fontRef>
+        </p:style>
+      </p:cxnSp>
+      <p:cxnSp>
+        <p:nvCxnSpPr>
+          <p:cNvPr id="121" name="肘形连接符 120"/>
+          <p:cNvCxnSpPr>
+            <a:stCxn id="81" idx="2"/>
+            <a:endCxn id="108" idx="2"/>
+          </p:cNvCxnSpPr>
+          <p:nvPr/>
+        </p:nvCxnSpPr>
+        <p:spPr>
+          <a:xfrm rot="16200000" flipH="1">
+            <a:off x="4690513" y="3205574"/>
+            <a:ext cx="12700" cy="1743317"/>
+          </a:xfrm>
+          <a:prstGeom prst="bentConnector3">
+            <a:avLst>
+              <a:gd name="adj1" fmla="val 1800000"/>
+            </a:avLst>
+          </a:prstGeom>
+          <a:ln>
+            <a:solidFill>
+              <a:schemeClr val="tx1"/>
+            </a:solidFill>
+            <a:tailEnd type="triangle"/>
+          </a:ln>
+        </p:spPr>
+        <p:style>
+          <a:lnRef idx="1">
+            <a:schemeClr val="accent1"/>
+          </a:lnRef>
+          <a:fillRef idx="0">
+            <a:schemeClr val="accent1"/>
+          </a:fillRef>
+          <a:effectRef idx="0">
+            <a:schemeClr val="accent1"/>
+          </a:effectRef>
+          <a:fontRef idx="minor">
+            <a:schemeClr val="tx1"/>
+          </a:fontRef>
+        </p:style>
+      </p:cxnSp>
+      <p:cxnSp>
+        <p:nvCxnSpPr>
+          <p:cNvPr id="123" name="直接箭头连接符 122"/>
+          <p:cNvCxnSpPr>
+            <a:stCxn id="59" idx="2"/>
+            <a:endCxn id="7" idx="1"/>
+          </p:cNvCxnSpPr>
+          <p:nvPr/>
+        </p:nvCxnSpPr>
+        <p:spPr>
+          <a:xfrm>
+            <a:off x="6228089" y="2232553"/>
+            <a:ext cx="846827" cy="612239"/>
+          </a:xfrm>
+          <a:prstGeom prst="straightConnector1">
+            <a:avLst/>
+          </a:prstGeom>
+          <a:ln>
+            <a:solidFill>
+              <a:schemeClr val="tx1"/>
+            </a:solidFill>
+            <a:tailEnd type="triangle"/>
+          </a:ln>
+        </p:spPr>
+        <p:style>
+          <a:lnRef idx="1">
+            <a:schemeClr val="accent1"/>
+          </a:lnRef>
+          <a:fillRef idx="0">
+            <a:schemeClr val="accent1"/>
+          </a:fillRef>
+          <a:effectRef idx="0">
+            <a:schemeClr val="accent1"/>
+          </a:effectRef>
+          <a:fontRef idx="minor">
+            <a:schemeClr val="tx1"/>
+          </a:fontRef>
+        </p:style>
+      </p:cxnSp>
+      <p:sp>
+        <p:nvSpPr>
+          <p:cNvPr id="125" name="矩形 124"/>
+          <p:cNvSpPr/>
+          <p:nvPr/>
+        </p:nvSpPr>
+        <p:spPr>
+          <a:xfrm>
+            <a:off x="5985593" y="3922182"/>
+            <a:ext cx="665909" cy="620202"/>
+          </a:xfrm>
+          <a:prstGeom prst="rect">
+            <a:avLst/>
+          </a:prstGeom>
+          <a:ln>
+            <a:solidFill>
+              <a:schemeClr val="tx1"/>
+            </a:solidFill>
+          </a:ln>
+        </p:spPr>
+        <p:style>
+          <a:lnRef idx="2">
+            <a:schemeClr val="dk1"/>
+          </a:lnRef>
+          <a:fillRef idx="1">
+            <a:schemeClr val="lt1"/>
+          </a:fillRef>
+          <a:effectRef idx="0">
+            <a:schemeClr val="dk1"/>
+          </a:effectRef>
+          <a:fontRef idx="minor">
+            <a:schemeClr val="dk1"/>
+          </a:fontRef>
+        </p:style>
+        <p:txBody>
+          <a:bodyPr rtlCol="0" anchor="ctr"/>
+          <a:lstStyle/>
+          <a:p>
+            <a:pPr algn="ctr"/>
+            <a:r>
+              <a:rPr lang="en-US" altLang="zh-CN" sz="1200" dirty="0"/>
+              <a:t>MEM</a:t>
+            </a:r>
+          </a:p>
+          <a:p>
+            <a:pPr algn="ctr"/>
+            <a:r>
+              <a:rPr lang="en-US" altLang="zh-CN" sz="1200" dirty="0" smtClean="0"/>
+              <a:t>0.5*9.8</a:t>
+            </a:r>
+            <a:endParaRPr lang="zh-CN" altLang="en-US" sz="1200" dirty="0"/>
+          </a:p>
+        </p:txBody>
+      </p:sp>
+      <p:sp>
+        <p:nvSpPr>
+          <p:cNvPr id="129" name="矩形 128"/>
+          <p:cNvSpPr/>
+          <p:nvPr/>
+        </p:nvSpPr>
+        <p:spPr>
+          <a:xfrm>
+            <a:off x="7084855" y="3463381"/>
+            <a:ext cx="620202" cy="620202"/>
+          </a:xfrm>
+          <a:prstGeom prst="rect">
+            <a:avLst/>
+          </a:prstGeom>
+          <a:ln>
+            <a:solidFill>
+              <a:schemeClr val="tx1"/>
+            </a:solidFill>
+          </a:ln>
+        </p:spPr>
+        <p:style>
+          <a:lnRef idx="2">
+            <a:schemeClr val="dk1"/>
+          </a:lnRef>
+          <a:fillRef idx="1">
+            <a:schemeClr val="lt1"/>
+          </a:fillRef>
+          <a:effectRef idx="0">
+            <a:schemeClr val="dk1"/>
+          </a:effectRef>
+          <a:fontRef idx="minor">
+            <a:schemeClr val="dk1"/>
+          </a:fontRef>
+        </p:style>
+        <p:txBody>
+          <a:bodyPr rtlCol="0" anchor="ctr"/>
+          <a:lstStyle/>
+          <a:p>
+            <a:pPr algn="ctr"/>
+            <a:r>
+              <a:rPr lang="en-US" altLang="zh-CN" sz="2800" dirty="0" smtClean="0"/>
+              <a:t>*</a:t>
+            </a:r>
+            <a:endParaRPr lang="zh-CN" altLang="en-US" sz="2800" dirty="0"/>
+          </a:p>
+        </p:txBody>
+      </p:sp>
+      <p:cxnSp>
+        <p:nvCxnSpPr>
+          <p:cNvPr id="131" name="直接箭头连接符 130"/>
+          <p:cNvCxnSpPr>
+            <a:stCxn id="125" idx="3"/>
+            <a:endCxn id="129" idx="1"/>
+          </p:cNvCxnSpPr>
+          <p:nvPr/>
+        </p:nvCxnSpPr>
+        <p:spPr>
+          <a:xfrm flipV="1">
+            <a:off x="6651502" y="3773482"/>
+            <a:ext cx="433353" cy="458801"/>
+          </a:xfrm>
+          <a:prstGeom prst="straightConnector1">
+            <a:avLst/>
+          </a:prstGeom>
+          <a:ln>
+            <a:solidFill>
+              <a:schemeClr val="tx1"/>
+            </a:solidFill>
+            <a:tailEnd type="triangle"/>
+          </a:ln>
+        </p:spPr>
+        <p:style>
+          <a:lnRef idx="1">
+            <a:schemeClr val="accent1"/>
+          </a:lnRef>
+          <a:fillRef idx="0">
+            <a:schemeClr val="accent1"/>
+          </a:fillRef>
+          <a:effectRef idx="0">
+            <a:schemeClr val="accent1"/>
+          </a:effectRef>
+          <a:fontRef idx="minor">
+            <a:schemeClr val="tx1"/>
+          </a:fontRef>
+        </p:style>
+      </p:cxnSp>
+      <p:cxnSp>
+        <p:nvCxnSpPr>
+          <p:cNvPr id="133" name="直接箭头连接符 132"/>
+          <p:cNvCxnSpPr>
+            <a:stCxn id="7" idx="2"/>
+            <a:endCxn id="129" idx="0"/>
+          </p:cNvCxnSpPr>
+          <p:nvPr/>
+        </p:nvCxnSpPr>
+        <p:spPr>
+          <a:xfrm>
+            <a:off x="7385017" y="3154893"/>
+            <a:ext cx="9939" cy="308488"/>
+          </a:xfrm>
+          <a:prstGeom prst="straightConnector1">
+            <a:avLst/>
+          </a:prstGeom>
+          <a:ln>
+            <a:solidFill>
+              <a:schemeClr val="tx1"/>
+            </a:solidFill>
+            <a:tailEnd type="triangle"/>
+          </a:ln>
+        </p:spPr>
+        <p:style>
+          <a:lnRef idx="1">
+            <a:schemeClr val="accent1"/>
+          </a:lnRef>
+          <a:fillRef idx="0">
+            <a:schemeClr val="accent1"/>
+          </a:fillRef>
+          <a:effectRef idx="0">
+            <a:schemeClr val="accent1"/>
+          </a:effectRef>
+          <a:fontRef idx="minor">
+            <a:schemeClr val="tx1"/>
+          </a:fontRef>
+        </p:style>
+      </p:cxnSp>
+      <p:sp>
+        <p:nvSpPr>
+          <p:cNvPr id="140" name="矩形 139"/>
+          <p:cNvSpPr/>
+          <p:nvPr/>
+        </p:nvSpPr>
+        <p:spPr>
+          <a:xfrm>
+            <a:off x="7931682" y="3463381"/>
+            <a:ext cx="620202" cy="620202"/>
+          </a:xfrm>
+          <a:prstGeom prst="rect">
+            <a:avLst/>
+          </a:prstGeom>
+          <a:ln>
+            <a:solidFill>
+              <a:schemeClr val="tx1"/>
+            </a:solidFill>
+          </a:ln>
+        </p:spPr>
+        <p:style>
+          <a:lnRef idx="2">
+            <a:schemeClr val="dk1"/>
+          </a:lnRef>
+          <a:fillRef idx="1">
+            <a:schemeClr val="lt1"/>
+          </a:fillRef>
+          <a:effectRef idx="0">
+            <a:schemeClr val="dk1"/>
+          </a:effectRef>
+          <a:fontRef idx="minor">
+            <a:schemeClr val="dk1"/>
+          </a:fontRef>
+        </p:style>
+        <p:txBody>
+          <a:bodyPr rtlCol="0" anchor="ctr"/>
+          <a:lstStyle/>
+          <a:p>
+            <a:pPr algn="ctr"/>
+            <a:r>
+              <a:rPr lang="en-US" altLang="zh-CN" sz="2800" dirty="0" smtClean="0"/>
+              <a:t>+</a:t>
+            </a:r>
+            <a:endParaRPr lang="zh-CN" altLang="en-US" sz="2800" dirty="0"/>
+          </a:p>
+        </p:txBody>
+      </p:sp>
+      <p:cxnSp>
+        <p:nvCxnSpPr>
+          <p:cNvPr id="144" name="直接箭头连接符 143"/>
+          <p:cNvCxnSpPr>
+            <a:stCxn id="129" idx="3"/>
+            <a:endCxn id="140" idx="1"/>
+          </p:cNvCxnSpPr>
+          <p:nvPr/>
+        </p:nvCxnSpPr>
+        <p:spPr>
+          <a:xfrm>
+            <a:off x="7705057" y="3773482"/>
+            <a:ext cx="226625" cy="0"/>
+          </a:xfrm>
+          <a:prstGeom prst="straightConnector1">
+            <a:avLst/>
+          </a:prstGeom>
+          <a:ln>
+            <a:solidFill>
+              <a:schemeClr val="tx1"/>
+            </a:solidFill>
+            <a:tailEnd type="triangle"/>
+          </a:ln>
+        </p:spPr>
+        <p:style>
+          <a:lnRef idx="1">
+            <a:schemeClr val="accent1"/>
+          </a:lnRef>
+          <a:fillRef idx="0">
+            <a:schemeClr val="accent1"/>
+          </a:fillRef>
+          <a:effectRef idx="0">
+            <a:schemeClr val="accent1"/>
+          </a:effectRef>
+          <a:fontRef idx="minor">
+            <a:schemeClr val="tx1"/>
+          </a:fontRef>
+        </p:style>
+      </p:cxnSp>
+      <p:sp>
+        <p:nvSpPr>
+          <p:cNvPr id="155" name="矩形 154"/>
+          <p:cNvSpPr/>
+          <p:nvPr/>
+        </p:nvSpPr>
+        <p:spPr>
+          <a:xfrm>
+            <a:off x="7931682" y="2524359"/>
+            <a:ext cx="620202" cy="620202"/>
+          </a:xfrm>
+          <a:prstGeom prst="rect">
+            <a:avLst/>
+          </a:prstGeom>
+          <a:ln>
+            <a:solidFill>
+              <a:schemeClr val="tx1"/>
+            </a:solidFill>
+          </a:ln>
+        </p:spPr>
+        <p:style>
+          <a:lnRef idx="2">
+            <a:schemeClr val="dk1"/>
+          </a:lnRef>
+          <a:fillRef idx="1">
+            <a:schemeClr val="lt1"/>
+          </a:fillRef>
+          <a:effectRef idx="0">
+            <a:schemeClr val="dk1"/>
+          </a:effectRef>
+          <a:fontRef idx="minor">
+            <a:schemeClr val="dk1"/>
+          </a:fontRef>
+        </p:style>
+        <p:txBody>
+          <a:bodyPr rtlCol="0" anchor="ctr"/>
+          <a:lstStyle/>
+          <a:p>
+            <a:pPr algn="ctr"/>
+            <a:r>
+              <a:rPr lang="en-US" altLang="zh-CN" sz="1200" dirty="0" smtClean="0"/>
+              <a:t>MEM</a:t>
+            </a:r>
+          </a:p>
+          <a:p>
+            <a:pPr algn="ctr"/>
+            <a:r>
+              <a:rPr lang="en-US" altLang="zh-CN" sz="1200" dirty="0" smtClean="0"/>
+              <a:t>Pos.y</a:t>
+            </a:r>
+            <a:endParaRPr lang="zh-CN" altLang="en-US" sz="1200" dirty="0"/>
+          </a:p>
+        </p:txBody>
+      </p:sp>
+      <p:cxnSp>
+        <p:nvCxnSpPr>
+          <p:cNvPr id="157" name="直接箭头连接符 156"/>
+          <p:cNvCxnSpPr>
+            <a:stCxn id="155" idx="2"/>
+            <a:endCxn id="140" idx="0"/>
+          </p:cNvCxnSpPr>
+          <p:nvPr/>
+        </p:nvCxnSpPr>
+        <p:spPr>
+          <a:xfrm>
+            <a:off x="8241783" y="3144561"/>
+            <a:ext cx="0" cy="318820"/>
+          </a:xfrm>
+          <a:prstGeom prst="straightConnector1">
+            <a:avLst/>
+          </a:prstGeom>
+          <a:ln>
+            <a:solidFill>
+              <a:schemeClr val="tx1"/>
+            </a:solidFill>
+            <a:tailEnd type="triangle"/>
+          </a:ln>
+        </p:spPr>
+        <p:style>
+          <a:lnRef idx="1">
+            <a:schemeClr val="accent1"/>
+          </a:lnRef>
+          <a:fillRef idx="0">
+            <a:schemeClr val="accent1"/>
+          </a:fillRef>
+          <a:effectRef idx="0">
+            <a:schemeClr val="accent1"/>
+          </a:effectRef>
+          <a:fontRef idx="minor">
+            <a:schemeClr val="tx1"/>
+          </a:fontRef>
+        </p:style>
+      </p:cxnSp>
+      <p:sp>
+        <p:nvSpPr>
+          <p:cNvPr id="164" name="矩形 163"/>
+          <p:cNvSpPr/>
+          <p:nvPr/>
+        </p:nvSpPr>
+        <p:spPr>
+          <a:xfrm>
+            <a:off x="8740731" y="3457031"/>
+            <a:ext cx="620202" cy="620202"/>
+          </a:xfrm>
+          <a:prstGeom prst="rect">
+            <a:avLst/>
+          </a:prstGeom>
+          <a:ln>
+            <a:solidFill>
+              <a:schemeClr val="tx1"/>
+            </a:solidFill>
+          </a:ln>
+        </p:spPr>
+        <p:style>
+          <a:lnRef idx="2">
+            <a:schemeClr val="dk1"/>
+          </a:lnRef>
+          <a:fillRef idx="1">
+            <a:schemeClr val="lt1"/>
+          </a:fillRef>
+          <a:effectRef idx="0">
+            <a:schemeClr val="dk1"/>
+          </a:effectRef>
+          <a:fontRef idx="minor">
+            <a:schemeClr val="dk1"/>
+          </a:fontRef>
+        </p:style>
+        <p:txBody>
+          <a:bodyPr rtlCol="0" anchor="ctr"/>
+          <a:lstStyle/>
+          <a:p>
+            <a:pPr algn="ctr"/>
+            <a:r>
+              <a:rPr lang="en-US" altLang="zh-CN" sz="1200" dirty="0" smtClean="0"/>
+              <a:t>*</a:t>
+            </a:r>
+            <a:r>
+              <a:rPr lang="en-US" altLang="zh-CN" sz="2000" dirty="0" smtClean="0"/>
+              <a:t>-</a:t>
+            </a:r>
+          </a:p>
+          <a:p>
+            <a:pPr algn="ctr"/>
+            <a:r>
+              <a:rPr lang="en-US" altLang="zh-CN" sz="1200" dirty="0" smtClean="0"/>
+              <a:t>+</a:t>
+            </a:r>
+            <a:endParaRPr lang="zh-CN" altLang="en-US" sz="1200" dirty="0"/>
+          </a:p>
+        </p:txBody>
+      </p:sp>
+      <p:cxnSp>
+        <p:nvCxnSpPr>
+          <p:cNvPr id="166" name="直接箭头连接符 165"/>
+          <p:cNvCxnSpPr>
+            <a:stCxn id="140" idx="3"/>
+            <a:endCxn id="164" idx="1"/>
+          </p:cNvCxnSpPr>
+          <p:nvPr/>
+        </p:nvCxnSpPr>
+        <p:spPr>
+          <a:xfrm flipV="1">
+            <a:off x="8551884" y="3767132"/>
+            <a:ext cx="188847" cy="6350"/>
+          </a:xfrm>
+          <a:prstGeom prst="straightConnector1">
+            <a:avLst/>
+          </a:prstGeom>
+          <a:ln>
+            <a:solidFill>
+              <a:schemeClr val="tx1"/>
+            </a:solidFill>
+            <a:tailEnd type="triangle"/>
+          </a:ln>
+        </p:spPr>
+        <p:style>
+          <a:lnRef idx="1">
+            <a:schemeClr val="accent1"/>
+          </a:lnRef>
+          <a:fillRef idx="0">
+            <a:schemeClr val="accent1"/>
+          </a:fillRef>
+          <a:effectRef idx="0">
+            <a:schemeClr val="accent1"/>
+          </a:effectRef>
+          <a:fontRef idx="minor">
+            <a:schemeClr val="tx1"/>
+          </a:fontRef>
+        </p:style>
+      </p:cxnSp>
+      <p:cxnSp>
+        <p:nvCxnSpPr>
+          <p:cNvPr id="177" name="肘形连接符 176"/>
+          <p:cNvCxnSpPr>
+            <a:stCxn id="108" idx="3"/>
+            <a:endCxn id="164" idx="2"/>
+          </p:cNvCxnSpPr>
+          <p:nvPr/>
+        </p:nvCxnSpPr>
+        <p:spPr>
+          <a:xfrm>
+            <a:off x="5872273" y="3767132"/>
+            <a:ext cx="3178559" cy="310101"/>
+          </a:xfrm>
+          <a:prstGeom prst="bentConnector4">
+            <a:avLst>
+              <a:gd name="adj1" fmla="val 31864"/>
+              <a:gd name="adj2" fmla="val 173718"/>
+            </a:avLst>
+          </a:prstGeom>
+          <a:ln>
+            <a:solidFill>
+              <a:schemeClr val="tx1"/>
+            </a:solidFill>
+            <a:tailEnd type="triangle"/>
+          </a:ln>
+        </p:spPr>
+        <p:style>
+          <a:lnRef idx="1">
+            <a:schemeClr val="accent1"/>
+          </a:lnRef>
+          <a:fillRef idx="0">
+            <a:schemeClr val="accent1"/>
+          </a:fillRef>
+          <a:effectRef idx="0">
+            <a:schemeClr val="accent1"/>
+          </a:effectRef>
+          <a:fontRef idx="minor">
+            <a:schemeClr val="tx1"/>
+          </a:fontRef>
+        </p:style>
+      </p:cxnSp>
+      <p:sp>
+        <p:nvSpPr>
+          <p:cNvPr id="188" name="矩形 187"/>
+          <p:cNvSpPr/>
+          <p:nvPr/>
+        </p:nvSpPr>
+        <p:spPr>
+          <a:xfrm>
+            <a:off x="8693016" y="2517202"/>
+            <a:ext cx="715633" cy="620202"/>
+          </a:xfrm>
+          <a:prstGeom prst="rect">
+            <a:avLst/>
+          </a:prstGeom>
+          <a:ln>
+            <a:solidFill>
+              <a:schemeClr val="tx1"/>
+            </a:solidFill>
+          </a:ln>
+        </p:spPr>
+        <p:style>
+          <a:lnRef idx="2">
+            <a:schemeClr val="dk1"/>
+          </a:lnRef>
+          <a:fillRef idx="1">
+            <a:schemeClr val="lt1"/>
+          </a:fillRef>
+          <a:effectRef idx="0">
+            <a:schemeClr val="dk1"/>
+          </a:effectRef>
+          <a:fontRef idx="minor">
+            <a:schemeClr val="dk1"/>
+          </a:fontRef>
+        </p:style>
+        <p:txBody>
+          <a:bodyPr rtlCol="0" anchor="ctr"/>
+          <a:lstStyle/>
+          <a:p>
+            <a:pPr algn="ctr"/>
+            <a:r>
+              <a:rPr lang="en-US" altLang="zh-CN" sz="1200" dirty="0" smtClean="0"/>
+              <a:t>RegEx</a:t>
+            </a:r>
+          </a:p>
+          <a:p>
+            <a:pPr algn="ctr"/>
+            <a:r>
+              <a:rPr lang="en-US" altLang="zh-CN" sz="1200" dirty="0" smtClean="0"/>
+              <a:t>If(-2,2)</a:t>
+            </a:r>
+          </a:p>
+          <a:p>
+            <a:pPr algn="ctr"/>
+            <a:r>
+              <a:rPr lang="en-US" altLang="zh-CN" sz="1200" dirty="0" smtClean="0"/>
+              <a:t>1:0</a:t>
+            </a:r>
+            <a:endParaRPr lang="zh-CN" altLang="en-US" sz="1200" dirty="0"/>
+          </a:p>
+        </p:txBody>
+      </p:sp>
+      <p:cxnSp>
+        <p:nvCxnSpPr>
+          <p:cNvPr id="190" name="直接箭头连接符 189"/>
+          <p:cNvCxnSpPr>
+            <a:stCxn id="164" idx="0"/>
+            <a:endCxn id="188" idx="2"/>
+          </p:cNvCxnSpPr>
+          <p:nvPr/>
+        </p:nvCxnSpPr>
+        <p:spPr>
+          <a:xfrm flipV="1">
+            <a:off x="9050832" y="3137404"/>
+            <a:ext cx="1" cy="319627"/>
+          </a:xfrm>
+          <a:prstGeom prst="straightConnector1">
+            <a:avLst/>
+          </a:prstGeom>
+          <a:ln>
+            <a:solidFill>
+              <a:schemeClr val="tx1"/>
+            </a:solidFill>
+            <a:tailEnd type="triangle"/>
+          </a:ln>
+        </p:spPr>
+        <p:style>
+          <a:lnRef idx="1">
+            <a:schemeClr val="accent1"/>
+          </a:lnRef>
+          <a:fillRef idx="0">
+            <a:schemeClr val="accent1"/>
+          </a:fillRef>
+          <a:effectRef idx="0">
+            <a:schemeClr val="accent1"/>
+          </a:effectRef>
+          <a:fontRef idx="minor">
+            <a:schemeClr val="tx1"/>
+          </a:fontRef>
+        </p:style>
+      </p:cxnSp>
+      <p:sp>
+        <p:nvSpPr>
+          <p:cNvPr id="202" name="文本框 201"/>
+          <p:cNvSpPr txBox="1"/>
+          <p:nvPr/>
+        </p:nvSpPr>
+        <p:spPr>
+          <a:xfrm>
+            <a:off x="5637482" y="277208"/>
+            <a:ext cx="1970091" cy="369332"/>
+          </a:xfrm>
+          <a:prstGeom prst="rect">
+            <a:avLst/>
+          </a:prstGeom>
+          <a:noFill/>
+        </p:spPr>
+        <p:txBody>
+          <a:bodyPr wrap="none" rtlCol="0">
+            <a:spAutoFit/>
+          </a:bodyPr>
+          <a:lstStyle/>
+          <a:p>
+            <a:r>
+              <a:rPr lang="en-US" altLang="zh-CN" dirty="0" smtClean="0"/>
+              <a:t>X=(v-R*t)*cos(A)*t</a:t>
+            </a:r>
+            <a:endParaRPr lang="zh-CN" altLang="en-US" dirty="0"/>
+          </a:p>
+        </p:txBody>
+      </p:sp>
+      <p:sp>
+        <p:nvSpPr>
+          <p:cNvPr id="203" name="文本框 202"/>
+          <p:cNvSpPr txBox="1"/>
+          <p:nvPr/>
+        </p:nvSpPr>
+        <p:spPr>
+          <a:xfrm>
+            <a:off x="6223792" y="877773"/>
+            <a:ext cx="3046027" cy="369332"/>
+          </a:xfrm>
+          <a:prstGeom prst="rect">
+            <a:avLst/>
+          </a:prstGeom>
+          <a:noFill/>
+        </p:spPr>
+        <p:txBody>
+          <a:bodyPr wrap="none" rtlCol="0">
+            <a:spAutoFit/>
+          </a:bodyPr>
+          <a:lstStyle/>
+          <a:p>
+            <a:r>
+              <a:rPr lang="en-US" altLang="zh-CN" dirty="0" smtClean="0"/>
+              <a:t>Y=(v-R*t)*sin(A)*t-0.5*9.8*t*t</a:t>
+            </a:r>
+            <a:endParaRPr lang="zh-CN" altLang="en-US" dirty="0"/>
+          </a:p>
+        </p:txBody>
+      </p:sp>
+      <p:sp>
+        <p:nvSpPr>
+          <p:cNvPr id="204" name="文本框 203"/>
+          <p:cNvSpPr txBox="1"/>
+          <p:nvPr/>
+        </p:nvSpPr>
+        <p:spPr>
+          <a:xfrm>
+            <a:off x="8442625" y="277208"/>
+            <a:ext cx="3541675" cy="369332"/>
+          </a:xfrm>
+          <a:prstGeom prst="rect">
+            <a:avLst/>
+          </a:prstGeom>
+          <a:noFill/>
+        </p:spPr>
+        <p:txBody>
+          <a:bodyPr wrap="none" rtlCol="0">
+            <a:spAutoFit/>
+          </a:bodyPr>
+          <a:lstStyle/>
+          <a:p>
+            <a:r>
+              <a:rPr lang="en-US" altLang="zh-CN" dirty="0" smtClean="0"/>
+              <a:t>t=(v+Sqrt(v*v-4*R*X/cos(A)))/(2*R)</a:t>
+            </a:r>
+            <a:endParaRPr lang="zh-CN" altLang="en-US" dirty="0"/>
+          </a:p>
+        </p:txBody>
+      </p:sp>
+      <p:cxnSp>
+        <p:nvCxnSpPr>
+          <p:cNvPr id="206" name="直接箭头连接符 205"/>
+          <p:cNvCxnSpPr/>
+          <p:nvPr/>
+        </p:nvCxnSpPr>
+        <p:spPr>
+          <a:xfrm>
+            <a:off x="7578253" y="483967"/>
+            <a:ext cx="835052" cy="0"/>
+          </a:xfrm>
+          <a:prstGeom prst="straightConnector1">
+            <a:avLst/>
+          </a:prstGeom>
+          <a:ln>
+            <a:tailEnd type="triangle"/>
+          </a:ln>
+        </p:spPr>
+        <p:style>
+          <a:lnRef idx="1">
+            <a:schemeClr val="accent1"/>
+          </a:lnRef>
+          <a:fillRef idx="0">
+            <a:schemeClr val="accent1"/>
+          </a:fillRef>
+          <a:effectRef idx="0">
+            <a:schemeClr val="accent1"/>
+          </a:effectRef>
+          <a:fontRef idx="minor">
+            <a:schemeClr val="tx1"/>
+          </a:fontRef>
+        </p:style>
+      </p:cxnSp>
+      <p:cxnSp>
+        <p:nvCxnSpPr>
+          <p:cNvPr id="208" name="肘形连接符 207"/>
+          <p:cNvCxnSpPr/>
+          <p:nvPr/>
+        </p:nvCxnSpPr>
+        <p:spPr>
+          <a:xfrm rot="5400000">
+            <a:off x="9735818" y="252348"/>
+            <a:ext cx="282251" cy="1369262"/>
+          </a:xfrm>
+          <a:prstGeom prst="bentConnector2">
+            <a:avLst/>
+          </a:prstGeom>
+          <a:ln>
+            <a:tailEnd type="triangle"/>
+          </a:ln>
+        </p:spPr>
+        <p:style>
+          <a:lnRef idx="1">
+            <a:schemeClr val="accent1"/>
+          </a:lnRef>
+          <a:fillRef idx="0">
+            <a:schemeClr val="accent1"/>
+          </a:fillRef>
+          <a:effectRef idx="0">
+            <a:schemeClr val="accent1"/>
+          </a:effectRef>
+          <a:fontRef idx="minor">
+            <a:schemeClr val="tx1"/>
+          </a:fontRef>
+        </p:style>
+      </p:cxnSp>
+      <p:sp>
+        <p:nvSpPr>
+          <p:cNvPr id="210" name="文本框 209"/>
+          <p:cNvSpPr txBox="1"/>
+          <p:nvPr/>
+        </p:nvSpPr>
+        <p:spPr>
+          <a:xfrm>
+            <a:off x="10108384" y="1193236"/>
+            <a:ext cx="1814920" cy="1200329"/>
+          </a:xfrm>
+          <a:prstGeom prst="rect">
+            <a:avLst/>
+          </a:prstGeom>
+          <a:noFill/>
+        </p:spPr>
+        <p:txBody>
+          <a:bodyPr wrap="none" rtlCol="0">
+            <a:spAutoFit/>
+          </a:bodyPr>
+          <a:lstStyle/>
+          <a:p>
+            <a:r>
+              <a:rPr lang="en-US" altLang="zh-CN" dirty="0" smtClean="0"/>
+              <a:t>V=80 ;R=0.51;</a:t>
+            </a:r>
+            <a:endParaRPr lang="en-US" altLang="zh-CN" dirty="0"/>
+          </a:p>
+          <a:p>
+            <a:r>
+              <a:rPr lang="en-US" altLang="zh-CN" dirty="0" smtClean="0"/>
+              <a:t>if(t&gt;0&amp;&amp;|dy|&lt;2){</a:t>
+            </a:r>
+          </a:p>
+          <a:p>
+            <a:r>
+              <a:rPr lang="en-US" altLang="zh-CN" dirty="0" smtClean="0"/>
+              <a:t>angle+=0;</a:t>
+            </a:r>
+          </a:p>
+          <a:p>
+            <a:r>
+              <a:rPr lang="en-US" altLang="zh-CN" dirty="0" smtClean="0"/>
+              <a:t>}else{angle++;}</a:t>
+            </a:r>
+          </a:p>
+        </p:txBody>
+      </p:sp>
+      <p:sp>
+        <p:nvSpPr>
+          <p:cNvPr id="214" name="矩形 213"/>
+          <p:cNvSpPr/>
+          <p:nvPr/>
+        </p:nvSpPr>
+        <p:spPr>
+          <a:xfrm>
+            <a:off x="1092557" y="4451733"/>
+            <a:ext cx="620202" cy="620202"/>
+          </a:xfrm>
+          <a:prstGeom prst="rect">
+            <a:avLst/>
+          </a:prstGeom>
+          <a:ln>
+            <a:solidFill>
+              <a:schemeClr val="tx1"/>
+            </a:solidFill>
+          </a:ln>
+        </p:spPr>
+        <p:style>
+          <a:lnRef idx="2">
+            <a:schemeClr val="dk1"/>
+          </a:lnRef>
+          <a:fillRef idx="1">
+            <a:schemeClr val="lt1"/>
+          </a:fillRef>
+          <a:effectRef idx="0">
+            <a:schemeClr val="dk1"/>
+          </a:effectRef>
+          <a:fontRef idx="minor">
+            <a:schemeClr val="dk1"/>
+          </a:fontRef>
+        </p:style>
+        <p:txBody>
+          <a:bodyPr rtlCol="0" anchor="ctr"/>
+          <a:lstStyle/>
+          <a:p>
+            <a:pPr algn="ctr"/>
+            <a:r>
+              <a:rPr lang="en-US" altLang="zh-CN" sz="1200" dirty="0" smtClean="0"/>
+              <a:t>+</a:t>
+            </a:r>
+            <a:endParaRPr lang="zh-CN" altLang="en-US" sz="1200" dirty="0"/>
+          </a:p>
+        </p:txBody>
+      </p:sp>
+      <p:sp>
+        <p:nvSpPr>
+          <p:cNvPr id="216" name="矩形 215"/>
+          <p:cNvSpPr/>
+          <p:nvPr/>
+        </p:nvSpPr>
+        <p:spPr>
+          <a:xfrm>
+            <a:off x="1100321" y="3671152"/>
+            <a:ext cx="620202" cy="610278"/>
+          </a:xfrm>
+          <a:prstGeom prst="rect">
+            <a:avLst/>
+          </a:prstGeom>
+          <a:ln>
+            <a:solidFill>
+              <a:schemeClr val="tx1"/>
+            </a:solidFill>
+          </a:ln>
+        </p:spPr>
+        <p:style>
+          <a:lnRef idx="2">
+            <a:schemeClr val="dk1"/>
+          </a:lnRef>
+          <a:fillRef idx="1">
+            <a:schemeClr val="lt1"/>
+          </a:fillRef>
+          <a:effectRef idx="0">
+            <a:schemeClr val="dk1"/>
+          </a:effectRef>
+          <a:fontRef idx="minor">
+            <a:schemeClr val="dk1"/>
+          </a:fontRef>
+        </p:style>
+        <p:txBody>
+          <a:bodyPr rtlCol="0" anchor="ctr"/>
+          <a:lstStyle/>
+          <a:p>
+            <a:pPr algn="ctr"/>
+            <a:r>
+              <a:rPr lang="en-US" altLang="zh-CN" sz="1200" dirty="0" smtClean="0"/>
+              <a:t>Mod</a:t>
+            </a:r>
+          </a:p>
+          <a:p>
+            <a:pPr algn="ctr"/>
+            <a:r>
+              <a:rPr lang="en-US" altLang="zh-CN" sz="1200" dirty="0" smtClean="0"/>
+              <a:t>(360)</a:t>
+            </a:r>
+          </a:p>
+        </p:txBody>
+      </p:sp>
+      <p:cxnSp>
+        <p:nvCxnSpPr>
+          <p:cNvPr id="224" name="直接箭头连接符 223"/>
+          <p:cNvCxnSpPr>
+            <a:stCxn id="214" idx="0"/>
+            <a:endCxn id="216" idx="2"/>
+          </p:cNvCxnSpPr>
+          <p:nvPr/>
+        </p:nvCxnSpPr>
+        <p:spPr>
+          <a:xfrm flipV="1">
+            <a:off x="1402658" y="4281430"/>
+            <a:ext cx="7764" cy="170303"/>
+          </a:xfrm>
+          <a:prstGeom prst="straightConnector1">
+            <a:avLst/>
+          </a:prstGeom>
+          <a:ln>
+            <a:tailEnd type="triangle"/>
+          </a:ln>
+        </p:spPr>
+        <p:style>
+          <a:lnRef idx="1">
+            <a:schemeClr val="accent1"/>
+          </a:lnRef>
+          <a:fillRef idx="0">
+            <a:schemeClr val="accent1"/>
+          </a:fillRef>
+          <a:effectRef idx="0">
+            <a:schemeClr val="accent1"/>
+          </a:effectRef>
+          <a:fontRef idx="minor">
+            <a:schemeClr val="tx1"/>
+          </a:fontRef>
+        </p:style>
+      </p:cxnSp>
+      <p:cxnSp>
+        <p:nvCxnSpPr>
+          <p:cNvPr id="261" name="直接箭头连接符 260"/>
+          <p:cNvCxnSpPr>
+            <a:stCxn id="216" idx="0"/>
+            <a:endCxn id="301" idx="2"/>
+          </p:cNvCxnSpPr>
+          <p:nvPr/>
+        </p:nvCxnSpPr>
+        <p:spPr>
+          <a:xfrm flipV="1">
+            <a:off x="1410422" y="3289694"/>
+            <a:ext cx="0" cy="381458"/>
+          </a:xfrm>
+          <a:prstGeom prst="straightConnector1">
+            <a:avLst/>
+          </a:prstGeom>
+          <a:ln>
+            <a:tailEnd type="triangle"/>
+          </a:ln>
+        </p:spPr>
+        <p:style>
+          <a:lnRef idx="1">
+            <a:schemeClr val="accent1"/>
+          </a:lnRef>
+          <a:fillRef idx="0">
+            <a:schemeClr val="accent1"/>
+          </a:fillRef>
+          <a:effectRef idx="0">
+            <a:schemeClr val="accent1"/>
+          </a:effectRef>
+          <a:fontRef idx="minor">
+            <a:schemeClr val="tx1"/>
+          </a:fontRef>
+        </p:style>
+      </p:cxnSp>
+      <p:sp>
+        <p:nvSpPr>
+          <p:cNvPr id="289" name="文本框 288"/>
+          <p:cNvSpPr txBox="1"/>
+          <p:nvPr/>
+        </p:nvSpPr>
+        <p:spPr>
+          <a:xfrm>
+            <a:off x="320822" y="1689882"/>
+            <a:ext cx="825867" cy="369332"/>
+          </a:xfrm>
+          <a:prstGeom prst="rect">
+            <a:avLst/>
+          </a:prstGeom>
+          <a:noFill/>
+          <a:ln>
+            <a:noFill/>
+          </a:ln>
+        </p:spPr>
+        <p:txBody>
+          <a:bodyPr wrap="none" rtlCol="0">
+            <a:spAutoFit/>
+          </a:bodyPr>
+          <a:lstStyle/>
+          <a:p>
+            <a:r>
+              <a:rPr lang="en-US" altLang="zh-CN" dirty="0" smtClean="0"/>
+              <a:t>output</a:t>
+            </a:r>
+            <a:endParaRPr lang="zh-CN" altLang="en-US" dirty="0"/>
+          </a:p>
+        </p:txBody>
+      </p:sp>
+      <p:sp>
+        <p:nvSpPr>
+          <p:cNvPr id="301" name="矩形 300"/>
+          <p:cNvSpPr/>
+          <p:nvPr/>
+        </p:nvSpPr>
+        <p:spPr>
+          <a:xfrm>
+            <a:off x="1100321" y="2679416"/>
+            <a:ext cx="620202" cy="610278"/>
+          </a:xfrm>
+          <a:prstGeom prst="rect">
+            <a:avLst/>
+          </a:prstGeom>
+          <a:ln>
+            <a:solidFill>
+              <a:schemeClr val="tx1"/>
+            </a:solidFill>
+          </a:ln>
+        </p:spPr>
+        <p:style>
+          <a:lnRef idx="2">
+            <a:schemeClr val="dk1"/>
+          </a:lnRef>
+          <a:fillRef idx="1">
+            <a:schemeClr val="lt1"/>
+          </a:fillRef>
+          <a:effectRef idx="0">
+            <a:schemeClr val="dk1"/>
+          </a:effectRef>
+          <a:fontRef idx="minor">
+            <a:schemeClr val="dk1"/>
+          </a:fontRef>
+        </p:style>
+        <p:txBody>
+          <a:bodyPr rtlCol="0" anchor="ctr"/>
+          <a:lstStyle/>
+          <a:p>
+            <a:pPr algn="ctr"/>
+            <a:r>
+              <a:rPr lang="en-US" altLang="zh-CN" sz="1200" dirty="0" smtClean="0"/>
+              <a:t>360-mod()</a:t>
+            </a:r>
+            <a:endParaRPr lang="zh-CN" altLang="en-US" sz="1200" dirty="0"/>
+          </a:p>
+        </p:txBody>
+      </p:sp>
+      <p:cxnSp>
+        <p:nvCxnSpPr>
+          <p:cNvPr id="305" name="直接箭头连接符 304"/>
+          <p:cNvCxnSpPr>
+            <a:stCxn id="11" idx="2"/>
+            <a:endCxn id="84" idx="1"/>
+          </p:cNvCxnSpPr>
+          <p:nvPr/>
+        </p:nvCxnSpPr>
+        <p:spPr>
+          <a:xfrm>
+            <a:off x="1409612" y="2232555"/>
+            <a:ext cx="2092188" cy="632124"/>
+          </a:xfrm>
+          <a:prstGeom prst="straightConnector1">
+            <a:avLst/>
+          </a:prstGeom>
+          <a:ln>
+            <a:tailEnd type="triangle"/>
+          </a:ln>
+        </p:spPr>
+        <p:style>
+          <a:lnRef idx="1">
+            <a:schemeClr val="accent1"/>
+          </a:lnRef>
+          <a:fillRef idx="0">
+            <a:schemeClr val="accent1"/>
+          </a:fillRef>
+          <a:effectRef idx="0">
+            <a:schemeClr val="accent1"/>
+          </a:effectRef>
+          <a:fontRef idx="minor">
+            <a:schemeClr val="tx1"/>
+          </a:fontRef>
+        </p:style>
+      </p:cxnSp>
+      <p:cxnSp>
+        <p:nvCxnSpPr>
+          <p:cNvPr id="307" name="直接箭头连接符 306"/>
+          <p:cNvCxnSpPr>
+            <a:stCxn id="301" idx="0"/>
+            <a:endCxn id="11" idx="2"/>
+          </p:cNvCxnSpPr>
+          <p:nvPr/>
+        </p:nvCxnSpPr>
+        <p:spPr>
+          <a:xfrm flipH="1" flipV="1">
+            <a:off x="1409612" y="2232555"/>
+            <a:ext cx="810" cy="446861"/>
+          </a:xfrm>
+          <a:prstGeom prst="straightConnector1">
+            <a:avLst/>
+          </a:prstGeom>
+          <a:ln>
+            <a:tailEnd type="triangle"/>
+          </a:ln>
+        </p:spPr>
+        <p:style>
+          <a:lnRef idx="1">
+            <a:schemeClr val="accent1"/>
+          </a:lnRef>
+          <a:fillRef idx="0">
+            <a:schemeClr val="accent1"/>
+          </a:fillRef>
+          <a:effectRef idx="0">
+            <a:schemeClr val="accent1"/>
+          </a:effectRef>
+          <a:fontRef idx="minor">
+            <a:schemeClr val="tx1"/>
+          </a:fontRef>
+        </p:style>
+      </p:cxnSp>
+      <p:sp>
+        <p:nvSpPr>
+          <p:cNvPr id="315" name="矩形 314"/>
+          <p:cNvSpPr/>
+          <p:nvPr/>
+        </p:nvSpPr>
+        <p:spPr>
+          <a:xfrm>
+            <a:off x="263820" y="4461657"/>
+            <a:ext cx="620202" cy="610278"/>
+          </a:xfrm>
+          <a:prstGeom prst="rect">
+            <a:avLst/>
+          </a:prstGeom>
+          <a:ln>
+            <a:solidFill>
+              <a:schemeClr val="tx1"/>
+            </a:solidFill>
+          </a:ln>
+        </p:spPr>
+        <p:style>
+          <a:lnRef idx="2">
+            <a:schemeClr val="dk1"/>
+          </a:lnRef>
+          <a:fillRef idx="1">
+            <a:schemeClr val="lt1"/>
+          </a:fillRef>
+          <a:effectRef idx="0">
+            <a:schemeClr val="dk1"/>
+          </a:effectRef>
+          <a:fontRef idx="minor">
+            <a:schemeClr val="dk1"/>
+          </a:fontRef>
+        </p:style>
+        <p:txBody>
+          <a:bodyPr rtlCol="0" anchor="ctr"/>
+          <a:lstStyle/>
+          <a:p>
+            <a:pPr algn="ctr"/>
+            <a:r>
+              <a:rPr lang="en-US" altLang="zh-CN" sz="1200" dirty="0" smtClean="0"/>
+              <a:t>Delay(0.1)</a:t>
+            </a:r>
+            <a:endParaRPr lang="zh-CN" altLang="en-US" sz="1200" dirty="0"/>
+          </a:p>
+        </p:txBody>
+      </p:sp>
+      <p:cxnSp>
+        <p:nvCxnSpPr>
+          <p:cNvPr id="325" name="直接箭头连接符 324"/>
+          <p:cNvCxnSpPr>
+            <a:stCxn id="214" idx="1"/>
+            <a:endCxn id="315" idx="3"/>
+          </p:cNvCxnSpPr>
+          <p:nvPr/>
+        </p:nvCxnSpPr>
+        <p:spPr>
+          <a:xfrm flipH="1">
+            <a:off x="884022" y="4761834"/>
+            <a:ext cx="208535" cy="4962"/>
+          </a:xfrm>
+          <a:prstGeom prst="straightConnector1">
+            <a:avLst/>
+          </a:prstGeom>
+          <a:ln>
+            <a:tailEnd type="triangle"/>
+          </a:ln>
+        </p:spPr>
+        <p:style>
+          <a:lnRef idx="1">
+            <a:schemeClr val="accent1"/>
+          </a:lnRef>
+          <a:fillRef idx="0">
+            <a:schemeClr val="accent1"/>
+          </a:fillRef>
+          <a:effectRef idx="0">
+            <a:schemeClr val="accent1"/>
+          </a:effectRef>
+          <a:fontRef idx="minor">
+            <a:schemeClr val="tx1"/>
+          </a:fontRef>
+        </p:style>
+      </p:cxnSp>
+      <p:sp>
+        <p:nvSpPr>
+          <p:cNvPr id="329" name="矩形 328"/>
+          <p:cNvSpPr/>
+          <p:nvPr/>
+        </p:nvSpPr>
+        <p:spPr>
+          <a:xfrm>
+            <a:off x="257115" y="3661228"/>
+            <a:ext cx="620202" cy="620202"/>
+          </a:xfrm>
+          <a:prstGeom prst="rect">
+            <a:avLst/>
+          </a:prstGeom>
+          <a:ln>
+            <a:solidFill>
+              <a:schemeClr val="tx1"/>
+            </a:solidFill>
+          </a:ln>
+        </p:spPr>
+        <p:style>
+          <a:lnRef idx="2">
+            <a:schemeClr val="dk1"/>
+          </a:lnRef>
+          <a:fillRef idx="1">
+            <a:schemeClr val="lt1"/>
+          </a:fillRef>
+          <a:effectRef idx="0">
+            <a:schemeClr val="dk1"/>
+          </a:effectRef>
+          <a:fontRef idx="minor">
+            <a:schemeClr val="dk1"/>
+          </a:fontRef>
+        </p:style>
+        <p:txBody>
+          <a:bodyPr rtlCol="0" anchor="ctr"/>
+          <a:lstStyle/>
+          <a:p>
+            <a:pPr algn="ctr"/>
+            <a:r>
+              <a:rPr lang="en-US" altLang="zh-CN" sz="1200" dirty="0" smtClean="0"/>
+              <a:t>MEM</a:t>
+            </a:r>
+            <a:endParaRPr lang="zh-CN" altLang="en-US" sz="1200" dirty="0"/>
+          </a:p>
+        </p:txBody>
+      </p:sp>
+      <p:cxnSp>
+        <p:nvCxnSpPr>
+          <p:cNvPr id="331" name="直接箭头连接符 330"/>
+          <p:cNvCxnSpPr>
+            <a:stCxn id="216" idx="1"/>
+            <a:endCxn id="329" idx="3"/>
+          </p:cNvCxnSpPr>
+          <p:nvPr/>
+        </p:nvCxnSpPr>
+        <p:spPr>
+          <a:xfrm flipH="1" flipV="1">
+            <a:off x="877317" y="3971329"/>
+            <a:ext cx="223004" cy="4962"/>
+          </a:xfrm>
+          <a:prstGeom prst="straightConnector1">
+            <a:avLst/>
+          </a:prstGeom>
+          <a:ln>
+            <a:tailEnd type="triangle"/>
+          </a:ln>
+        </p:spPr>
+        <p:style>
+          <a:lnRef idx="1">
+            <a:schemeClr val="accent1"/>
+          </a:lnRef>
+          <a:fillRef idx="0">
+            <a:schemeClr val="accent1"/>
+          </a:fillRef>
+          <a:effectRef idx="0">
+            <a:schemeClr val="accent1"/>
+          </a:effectRef>
+          <a:fontRef idx="minor">
+            <a:schemeClr val="tx1"/>
+          </a:fontRef>
+        </p:style>
+      </p:cxnSp>
+      <p:cxnSp>
+        <p:nvCxnSpPr>
+          <p:cNvPr id="334" name="直接箭头连接符 333"/>
+          <p:cNvCxnSpPr>
+            <a:stCxn id="315" idx="0"/>
+            <a:endCxn id="329" idx="2"/>
+          </p:cNvCxnSpPr>
+          <p:nvPr/>
+        </p:nvCxnSpPr>
+        <p:spPr>
+          <a:xfrm flipH="1" flipV="1">
+            <a:off x="567216" y="4281430"/>
+            <a:ext cx="6705" cy="180227"/>
+          </a:xfrm>
+          <a:prstGeom prst="straightConnector1">
+            <a:avLst/>
+          </a:prstGeom>
+          <a:ln>
+            <a:tailEnd type="triangle"/>
+          </a:ln>
+        </p:spPr>
+        <p:style>
+          <a:lnRef idx="1">
+            <a:schemeClr val="accent1"/>
+          </a:lnRef>
+          <a:fillRef idx="0">
+            <a:schemeClr val="accent1"/>
+          </a:fillRef>
+          <a:effectRef idx="0">
+            <a:schemeClr val="accent1"/>
+          </a:effectRef>
+          <a:fontRef idx="minor">
+            <a:schemeClr val="tx1"/>
+          </a:fontRef>
+        </p:style>
+      </p:cxnSp>
+      <p:sp>
+        <p:nvSpPr>
+          <p:cNvPr id="372" name="矩形 371"/>
+          <p:cNvSpPr/>
+          <p:nvPr/>
+        </p:nvSpPr>
+        <p:spPr>
+          <a:xfrm>
+            <a:off x="9595497" y="2517202"/>
+            <a:ext cx="715633" cy="620202"/>
+          </a:xfrm>
+          <a:prstGeom prst="rect">
+            <a:avLst/>
+          </a:prstGeom>
+          <a:ln>
+            <a:solidFill>
+              <a:schemeClr val="tx1"/>
+            </a:solidFill>
+          </a:ln>
+        </p:spPr>
+        <p:style>
+          <a:lnRef idx="2">
+            <a:schemeClr val="dk1"/>
+          </a:lnRef>
+          <a:fillRef idx="1">
+            <a:schemeClr val="lt1"/>
+          </a:fillRef>
+          <a:effectRef idx="0">
+            <a:schemeClr val="dk1"/>
+          </a:effectRef>
+          <a:fontRef idx="minor">
+            <a:schemeClr val="dk1"/>
+          </a:fontRef>
+        </p:style>
+        <p:txBody>
+          <a:bodyPr rtlCol="0" anchor="ctr"/>
+          <a:lstStyle/>
+          <a:p>
+            <a:pPr algn="ctr"/>
+            <a:r>
+              <a:rPr lang="en-US" altLang="zh-CN" sz="1200" dirty="0" smtClean="0"/>
+              <a:t>RegEx</a:t>
+            </a:r>
+          </a:p>
+          <a:p>
+            <a:pPr algn="ctr"/>
+            <a:r>
+              <a:rPr lang="en-US" altLang="zh-CN" sz="1200" dirty="0" smtClean="0"/>
+              <a:t>If(&gt;0)</a:t>
+            </a:r>
+          </a:p>
+          <a:p>
+            <a:pPr algn="ctr"/>
+            <a:r>
+              <a:rPr lang="en-US" altLang="zh-CN" sz="1200" dirty="0" smtClean="0"/>
+              <a:t>1:0</a:t>
+            </a:r>
+            <a:endParaRPr lang="zh-CN" altLang="en-US" sz="1200" dirty="0"/>
+          </a:p>
+        </p:txBody>
+      </p:sp>
+      <p:sp>
+        <p:nvSpPr>
+          <p:cNvPr id="378" name="矩形 377"/>
+          <p:cNvSpPr/>
+          <p:nvPr/>
+        </p:nvSpPr>
+        <p:spPr>
+          <a:xfrm>
+            <a:off x="9595496" y="3475403"/>
+            <a:ext cx="715633" cy="620202"/>
+          </a:xfrm>
+          <a:prstGeom prst="rect">
+            <a:avLst/>
+          </a:prstGeom>
+          <a:ln>
+            <a:solidFill>
+              <a:schemeClr val="tx1"/>
+            </a:solidFill>
+          </a:ln>
+        </p:spPr>
+        <p:style>
+          <a:lnRef idx="2">
+            <a:schemeClr val="dk1"/>
+          </a:lnRef>
+          <a:fillRef idx="1">
+            <a:schemeClr val="lt1"/>
+          </a:fillRef>
+          <a:effectRef idx="0">
+            <a:schemeClr val="dk1"/>
+          </a:effectRef>
+          <a:fontRef idx="minor">
+            <a:schemeClr val="dk1"/>
+          </a:fontRef>
+        </p:style>
+        <p:txBody>
+          <a:bodyPr rtlCol="0" anchor="ctr"/>
+          <a:lstStyle/>
+          <a:p>
+            <a:pPr algn="ctr"/>
+            <a:r>
+              <a:rPr lang="en-US" altLang="zh-CN" sz="1200" dirty="0" smtClean="0"/>
+              <a:t>AND</a:t>
+            </a:r>
+          </a:p>
+          <a:p>
+            <a:pPr algn="ctr"/>
+            <a:r>
+              <a:rPr lang="en-US" altLang="zh-CN" sz="1200" dirty="0" smtClean="0"/>
+              <a:t>0:1</a:t>
+            </a:r>
+            <a:endParaRPr lang="zh-CN" altLang="en-US" sz="1200" dirty="0"/>
+          </a:p>
+        </p:txBody>
+      </p:sp>
+      <p:cxnSp>
+        <p:nvCxnSpPr>
+          <p:cNvPr id="380" name="直接箭头连接符 379"/>
+          <p:cNvCxnSpPr>
+            <a:stCxn id="372" idx="2"/>
+            <a:endCxn id="378" idx="0"/>
+          </p:cNvCxnSpPr>
+          <p:nvPr/>
+        </p:nvCxnSpPr>
+        <p:spPr>
+          <a:xfrm flipH="1">
+            <a:off x="9953313" y="3137404"/>
+            <a:ext cx="1" cy="337999"/>
+          </a:xfrm>
+          <a:prstGeom prst="straightConnector1">
+            <a:avLst/>
+          </a:prstGeom>
+          <a:ln>
+            <a:tailEnd type="triangle"/>
+          </a:ln>
+        </p:spPr>
+        <p:style>
+          <a:lnRef idx="1">
+            <a:schemeClr val="accent1"/>
+          </a:lnRef>
+          <a:fillRef idx="0">
+            <a:schemeClr val="accent1"/>
+          </a:fillRef>
+          <a:effectRef idx="0">
+            <a:schemeClr val="accent1"/>
+          </a:effectRef>
+          <a:fontRef idx="minor">
+            <a:schemeClr val="tx1"/>
+          </a:fontRef>
+        </p:style>
+      </p:cxnSp>
+      <p:cxnSp>
+        <p:nvCxnSpPr>
+          <p:cNvPr id="382" name="直接箭头连接符 381"/>
+          <p:cNvCxnSpPr>
+            <a:stCxn id="188" idx="2"/>
+            <a:endCxn id="378" idx="0"/>
+          </p:cNvCxnSpPr>
+          <p:nvPr/>
+        </p:nvCxnSpPr>
+        <p:spPr>
+          <a:xfrm>
+            <a:off x="9050833" y="3137404"/>
+            <a:ext cx="902480" cy="337999"/>
+          </a:xfrm>
+          <a:prstGeom prst="straightConnector1">
+            <a:avLst/>
+          </a:prstGeom>
+          <a:ln>
+            <a:tailEnd type="triangle"/>
+          </a:ln>
+        </p:spPr>
+        <p:style>
+          <a:lnRef idx="1">
+            <a:schemeClr val="accent1"/>
+          </a:lnRef>
+          <a:fillRef idx="0">
+            <a:schemeClr val="accent1"/>
+          </a:fillRef>
+          <a:effectRef idx="0">
+            <a:schemeClr val="accent1"/>
+          </a:effectRef>
+          <a:fontRef idx="minor">
+            <a:schemeClr val="tx1"/>
+          </a:fontRef>
+        </p:style>
+      </p:cxnSp>
+      <p:cxnSp>
+        <p:nvCxnSpPr>
+          <p:cNvPr id="396" name="肘形连接符 395"/>
+          <p:cNvCxnSpPr>
+            <a:stCxn id="59" idx="0"/>
+            <a:endCxn id="372" idx="0"/>
+          </p:cNvCxnSpPr>
+          <p:nvPr/>
+        </p:nvCxnSpPr>
+        <p:spPr>
+          <a:xfrm rot="16200000" flipH="1">
+            <a:off x="7638275" y="202164"/>
+            <a:ext cx="904851" cy="3725225"/>
+          </a:xfrm>
+          <a:prstGeom prst="bentConnector3">
+            <a:avLst>
+              <a:gd name="adj1" fmla="val -25264"/>
+            </a:avLst>
+          </a:prstGeom>
+          <a:ln>
+            <a:tailEnd type="triangle"/>
+          </a:ln>
+        </p:spPr>
+        <p:style>
+          <a:lnRef idx="1">
+            <a:schemeClr val="accent1"/>
+          </a:lnRef>
+          <a:fillRef idx="0">
+            <a:schemeClr val="accent1"/>
+          </a:fillRef>
+          <a:effectRef idx="0">
+            <a:schemeClr val="accent1"/>
+          </a:effectRef>
+          <a:fontRef idx="minor">
+            <a:schemeClr val="tx1"/>
+          </a:fontRef>
+        </p:style>
+      </p:cxnSp>
+      <p:cxnSp>
+        <p:nvCxnSpPr>
+          <p:cNvPr id="404" name="肘形连接符 403"/>
+          <p:cNvCxnSpPr>
+            <a:stCxn id="378" idx="2"/>
+            <a:endCxn id="214" idx="3"/>
+          </p:cNvCxnSpPr>
+          <p:nvPr/>
+        </p:nvCxnSpPr>
+        <p:spPr>
+          <a:xfrm rot="5400000">
+            <a:off x="5499922" y="308442"/>
+            <a:ext cx="666229" cy="8240554"/>
+          </a:xfrm>
+          <a:prstGeom prst="bentConnector2">
+            <a:avLst/>
+          </a:prstGeom>
+          <a:ln>
+            <a:tailEnd type="triangle"/>
+          </a:ln>
+        </p:spPr>
+        <p:style>
+          <a:lnRef idx="1">
+            <a:schemeClr val="accent1"/>
+          </a:lnRef>
+          <a:fillRef idx="0">
+            <a:schemeClr val="accent1"/>
+          </a:fillRef>
+          <a:effectRef idx="0">
+            <a:schemeClr val="accent1"/>
+          </a:effectRef>
+          <a:fontRef idx="minor">
+            <a:schemeClr val="tx1"/>
+          </a:fontRef>
+        </p:style>
+      </p:cxnSp>
+      <p:sp>
+        <p:nvSpPr>
+          <p:cNvPr id="407" name="矩形 406"/>
+          <p:cNvSpPr/>
+          <p:nvPr/>
+        </p:nvSpPr>
+        <p:spPr>
+          <a:xfrm>
+            <a:off x="253315" y="2689748"/>
+            <a:ext cx="620202" cy="610278"/>
+          </a:xfrm>
+          <a:prstGeom prst="rect">
+            <a:avLst/>
+          </a:prstGeom>
+          <a:ln>
+            <a:solidFill>
+              <a:schemeClr val="tx1"/>
+            </a:solidFill>
+          </a:ln>
+        </p:spPr>
+        <p:style>
+          <a:lnRef idx="2">
+            <a:schemeClr val="dk1"/>
+          </a:lnRef>
+          <a:fillRef idx="1">
+            <a:schemeClr val="lt1"/>
+          </a:fillRef>
+          <a:effectRef idx="0">
+            <a:schemeClr val="dk1"/>
+          </a:effectRef>
+          <a:fontRef idx="minor">
+            <a:schemeClr val="dk1"/>
+          </a:fontRef>
+        </p:style>
+        <p:txBody>
+          <a:bodyPr rtlCol="0" anchor="ctr"/>
+          <a:lstStyle/>
+          <a:p>
+            <a:pPr algn="ctr"/>
+            <a:r>
+              <a:rPr lang="en-US" altLang="zh-CN" sz="1200" dirty="0" smtClean="0"/>
+              <a:t>MEM</a:t>
+            </a:r>
+          </a:p>
+          <a:p>
+            <a:pPr algn="ctr"/>
+            <a:r>
+              <a:rPr lang="en-US" altLang="zh-CN" sz="1200" dirty="0" smtClean="0"/>
+              <a:t>360</a:t>
+            </a:r>
+            <a:endParaRPr lang="zh-CN" altLang="en-US" sz="1200" dirty="0"/>
+          </a:p>
+        </p:txBody>
+      </p:sp>
+      <p:cxnSp>
+        <p:nvCxnSpPr>
+          <p:cNvPr id="409" name="直接箭头连接符 408"/>
+          <p:cNvCxnSpPr>
+            <a:stCxn id="407" idx="3"/>
+            <a:endCxn id="301" idx="1"/>
+          </p:cNvCxnSpPr>
+          <p:nvPr/>
+        </p:nvCxnSpPr>
+        <p:spPr>
+          <a:xfrm flipV="1">
+            <a:off x="873517" y="2984555"/>
+            <a:ext cx="226804" cy="10332"/>
+          </a:xfrm>
+          <a:prstGeom prst="straightConnector1">
+            <a:avLst/>
+          </a:prstGeom>
+          <a:ln>
+            <a:tailEnd type="triangle"/>
+          </a:ln>
+        </p:spPr>
+        <p:style>
+          <a:lnRef idx="1">
+            <a:schemeClr val="accent1"/>
+          </a:lnRef>
+          <a:fillRef idx="0">
+            <a:schemeClr val="accent1"/>
+          </a:fillRef>
+          <a:effectRef idx="0">
+            <a:schemeClr val="accent1"/>
+          </a:effectRef>
+          <a:fontRef idx="minor">
+            <a:schemeClr val="tx1"/>
+          </a:fontRef>
+        </p:style>
+      </p:cxnSp>
+      <p:cxnSp>
+        <p:nvCxnSpPr>
+          <p:cNvPr id="411" name="直接箭头连接符 410"/>
+          <p:cNvCxnSpPr>
+            <a:stCxn id="407" idx="2"/>
+            <a:endCxn id="216" idx="0"/>
+          </p:cNvCxnSpPr>
+          <p:nvPr/>
+        </p:nvCxnSpPr>
+        <p:spPr>
+          <a:xfrm>
+            <a:off x="563416" y="3300026"/>
+            <a:ext cx="847006" cy="371126"/>
+          </a:xfrm>
+          <a:prstGeom prst="straightConnector1">
+            <a:avLst/>
+          </a:prstGeom>
+          <a:ln>
+            <a:tailEnd type="triangle"/>
+          </a:ln>
+        </p:spPr>
+        <p:style>
+          <a:lnRef idx="1">
+            <a:schemeClr val="accent1"/>
+          </a:lnRef>
+          <a:fillRef idx="0">
+            <a:schemeClr val="accent1"/>
+          </a:fillRef>
+          <a:effectRef idx="0">
+            <a:schemeClr val="accent1"/>
+          </a:effectRef>
+          <a:fontRef idx="minor">
+            <a:schemeClr val="tx1"/>
+          </a:fontRef>
+        </p:style>
+      </p:cxnSp>
+    </p:spTree>
+    <p:extLst>
+      <p:ext uri="{BB962C8B-B14F-4D97-AF65-F5344CB8AC3E}">
+        <p14:creationId xmlns:p14="http://schemas.microsoft.com/office/powerpoint/2010/main" val="506032093"/>
+      </p:ext>
+    </p:extLst>
+  </p:cSld>
+  <p:clrMapOvr>
+    <a:masterClrMapping/>
+  </p:clrMapOvr>
+  <p:timing>
+    <p:tnLst>
+      <p:par>
+        <p:cTn id="1" dur="indefinite" restart="never" nodeType="tmRoot"/>
+      </p:par>
+    </p:tnLst>
+  </p:timing>
+</p:sld>
+</file>
+
+<file path=ppt/slides/slide8.xml><?xml version="1.0" encoding="utf-8"?>
+<p:sld xmlns:a="http://schemas.openxmlformats.org/drawingml/2006/main" xmlns:r="http://schemas.openxmlformats.org/officeDocument/2006/relationships" xmlns:p="http://schemas.openxmlformats.org/presentationml/2006/main">
+  <p:cSld>
+    <p:spTree>
+      <p:nvGrpSpPr>
+        <p:cNvPr id="1" name=""/>
+        <p:cNvGrpSpPr/>
+        <p:nvPr/>
+      </p:nvGrpSpPr>
+      <p:grpSpPr>
+        <a:xfrm>
+          <a:off x="0" y="0"/>
+          <a:ext cx="0" cy="0"/>
+          <a:chOff x="0" y="0"/>
+          <a:chExt cx="0" cy="0"/>
+        </a:xfrm>
+      </p:grpSpPr>
     </p:spTree>
     <p:extLst>
       <p:ext uri="{BB962C8B-B14F-4D97-AF65-F5344CB8AC3E}">
@@ -20490,7 +25140,7 @@
 </p:sld>
 </file>
 
-<file path=ppt/slides/slide8.xml><?xml version="1.0" encoding="utf-8"?>
+<file path=ppt/slides/slide9.xml><?xml version="1.0" encoding="utf-8"?>
 <p:sld xmlns:a="http://schemas.openxmlformats.org/drawingml/2006/main" xmlns:r="http://schemas.openxmlformats.org/officeDocument/2006/relationships" xmlns:p="http://schemas.openxmlformats.org/presentationml/2006/main">
   <p:cSld>
     <p:spTree>

--- a/BaroAngEditor/BaroAngEditor/mods/Lines.pptx
+++ b/BaroAngEditor/BaroAngEditor/mods/Lines.pptx
@@ -215,7 +215,7 @@
           <a:p>
             <a:fld id="{F0D6F240-792E-4744-907A-4AD372E8111A}" type="datetimeFigureOut">
               <a:rPr lang="zh-CN" altLang="en-US" smtClean="0"/>
-              <a:t>2023/7/25</a:t>
+              <a:t>2023/7/26</a:t>
             </a:fld>
             <a:endParaRPr lang="zh-CN" altLang="en-US"/>
           </a:p>
@@ -1706,7 +1706,7 @@
           <a:p>
             <a:fld id="{EC490B39-3A65-4F7E-9267-FA0838AB48F0}" type="datetimeFigureOut">
               <a:rPr lang="zh-CN" altLang="en-US" smtClean="0"/>
-              <a:t>2023/7/25</a:t>
+              <a:t>2023/7/26</a:t>
             </a:fld>
             <a:endParaRPr lang="zh-CN" altLang="en-US"/>
           </a:p>
@@ -1876,7 +1876,7 @@
           <a:p>
             <a:fld id="{EC490B39-3A65-4F7E-9267-FA0838AB48F0}" type="datetimeFigureOut">
               <a:rPr lang="zh-CN" altLang="en-US" smtClean="0"/>
-              <a:t>2023/7/25</a:t>
+              <a:t>2023/7/26</a:t>
             </a:fld>
             <a:endParaRPr lang="zh-CN" altLang="en-US"/>
           </a:p>
@@ -2056,7 +2056,7 @@
           <a:p>
             <a:fld id="{EC490B39-3A65-4F7E-9267-FA0838AB48F0}" type="datetimeFigureOut">
               <a:rPr lang="zh-CN" altLang="en-US" smtClean="0"/>
-              <a:t>2023/7/25</a:t>
+              <a:t>2023/7/26</a:t>
             </a:fld>
             <a:endParaRPr lang="zh-CN" altLang="en-US"/>
           </a:p>
@@ -2226,7 +2226,7 @@
           <a:p>
             <a:fld id="{EC490B39-3A65-4F7E-9267-FA0838AB48F0}" type="datetimeFigureOut">
               <a:rPr lang="zh-CN" altLang="en-US" smtClean="0"/>
-              <a:t>2023/7/25</a:t>
+              <a:t>2023/7/26</a:t>
             </a:fld>
             <a:endParaRPr lang="zh-CN" altLang="en-US"/>
           </a:p>
@@ -2472,7 +2472,7 @@
           <a:p>
             <a:fld id="{EC490B39-3A65-4F7E-9267-FA0838AB48F0}" type="datetimeFigureOut">
               <a:rPr lang="zh-CN" altLang="en-US" smtClean="0"/>
-              <a:t>2023/7/25</a:t>
+              <a:t>2023/7/26</a:t>
             </a:fld>
             <a:endParaRPr lang="zh-CN" altLang="en-US"/>
           </a:p>
@@ -2704,7 +2704,7 @@
           <a:p>
             <a:fld id="{EC490B39-3A65-4F7E-9267-FA0838AB48F0}" type="datetimeFigureOut">
               <a:rPr lang="zh-CN" altLang="en-US" smtClean="0"/>
-              <a:t>2023/7/25</a:t>
+              <a:t>2023/7/26</a:t>
             </a:fld>
             <a:endParaRPr lang="zh-CN" altLang="en-US"/>
           </a:p>
@@ -3071,7 +3071,7 @@
           <a:p>
             <a:fld id="{EC490B39-3A65-4F7E-9267-FA0838AB48F0}" type="datetimeFigureOut">
               <a:rPr lang="zh-CN" altLang="en-US" smtClean="0"/>
-              <a:t>2023/7/25</a:t>
+              <a:t>2023/7/26</a:t>
             </a:fld>
             <a:endParaRPr lang="zh-CN" altLang="en-US"/>
           </a:p>
@@ -3189,7 +3189,7 @@
           <a:p>
             <a:fld id="{EC490B39-3A65-4F7E-9267-FA0838AB48F0}" type="datetimeFigureOut">
               <a:rPr lang="zh-CN" altLang="en-US" smtClean="0"/>
-              <a:t>2023/7/25</a:t>
+              <a:t>2023/7/26</a:t>
             </a:fld>
             <a:endParaRPr lang="zh-CN" altLang="en-US"/>
           </a:p>
@@ -3284,7 +3284,7 @@
           <a:p>
             <a:fld id="{EC490B39-3A65-4F7E-9267-FA0838AB48F0}" type="datetimeFigureOut">
               <a:rPr lang="zh-CN" altLang="en-US" smtClean="0"/>
-              <a:t>2023/7/25</a:t>
+              <a:t>2023/7/26</a:t>
             </a:fld>
             <a:endParaRPr lang="zh-CN" altLang="en-US"/>
           </a:p>
@@ -3561,7 +3561,7 @@
           <a:p>
             <a:fld id="{EC490B39-3A65-4F7E-9267-FA0838AB48F0}" type="datetimeFigureOut">
               <a:rPr lang="zh-CN" altLang="en-US" smtClean="0"/>
-              <a:t>2023/7/25</a:t>
+              <a:t>2023/7/26</a:t>
             </a:fld>
             <a:endParaRPr lang="zh-CN" altLang="en-US"/>
           </a:p>
@@ -3814,7 +3814,7 @@
           <a:p>
             <a:fld id="{EC490B39-3A65-4F7E-9267-FA0838AB48F0}" type="datetimeFigureOut">
               <a:rPr lang="zh-CN" altLang="en-US" smtClean="0"/>
-              <a:t>2023/7/25</a:t>
+              <a:t>2023/7/26</a:t>
             </a:fld>
             <a:endParaRPr lang="zh-CN" altLang="en-US"/>
           </a:p>
@@ -4027,7 +4027,7 @@
           <a:p>
             <a:fld id="{EC490B39-3A65-4F7E-9267-FA0838AB48F0}" type="datetimeFigureOut">
               <a:rPr lang="zh-CN" altLang="en-US" smtClean="0"/>
-              <a:t>2023/7/25</a:t>
+              <a:t>2023/7/26</a:t>
             </a:fld>
             <a:endParaRPr lang="zh-CN" altLang="en-US"/>
           </a:p>
@@ -21598,9 +21598,9 @@
             <a:pPr algn="ctr"/>
             <a:r>
               <a:rPr lang="en-US" altLang="zh-CN" sz="1200" dirty="0" smtClean="0"/>
-              <a:t>mem*mem</a:t>
-            </a:r>
-            <a:endParaRPr lang="zh-CN" altLang="en-US" sz="1200" dirty="0"/>
+              <a:t>^2</a:t>
+            </a:r>
+            <a:endParaRPr lang="zh-CN" altLang="en-US" sz="1050" dirty="0"/>
           </a:p>
         </p:txBody>
       </p:sp>
@@ -21647,14 +21647,7 @@
               <a:rPr lang="en-US" altLang="zh-CN" sz="1200" dirty="0" smtClean="0"/>
               <a:t>MEM</a:t>
             </a:r>
-          </a:p>
-          <a:p>
-            <a:pPr algn="ctr"/>
-            <a:r>
-              <a:rPr lang="en-US" altLang="zh-CN" sz="1200" dirty="0" smtClean="0"/>
-              <a:t>Pos.x</a:t>
-            </a:r>
-            <a:endParaRPr lang="zh-CN" altLang="en-US" sz="1200" dirty="0"/>
+            <a:endParaRPr lang="en-US" altLang="zh-CN" sz="1200" dirty="0" smtClean="0"/>
           </a:p>
         </p:txBody>
       </p:sp>
@@ -21802,14 +21795,7 @@
               <a:rPr lang="en-US" altLang="zh-CN" sz="1200" dirty="0" smtClean="0"/>
               <a:t>MEM</a:t>
             </a:r>
-          </a:p>
-          <a:p>
-            <a:pPr algn="ctr"/>
-            <a:r>
-              <a:rPr lang="en-US" altLang="zh-CN" sz="1200" dirty="0" smtClean="0"/>
-              <a:t>angle</a:t>
-            </a:r>
-            <a:endParaRPr lang="zh-CN" altLang="en-US" sz="1200" dirty="0"/>
+            <a:endParaRPr lang="en-US" altLang="zh-CN" sz="1200" dirty="0" smtClean="0"/>
           </a:p>
         </p:txBody>
       </p:sp>
@@ -22266,10 +22252,10 @@
           <a:p>
             <a:pPr algn="ctr"/>
             <a:r>
-              <a:rPr lang="en-US" altLang="zh-CN" sz="2800" dirty="0" smtClean="0"/>
-              <a:t>+</a:t>
-            </a:r>
-            <a:endParaRPr lang="zh-CN" altLang="en-US" sz="2800" dirty="0"/>
+              <a:rPr lang="en-US" altLang="zh-CN" sz="1200" dirty="0" smtClean="0"/>
+              <a:t>MEM-sqrt</a:t>
+            </a:r>
+            <a:endParaRPr lang="zh-CN" altLang="en-US" sz="1200" dirty="0"/>
           </a:p>
         </p:txBody>
       </p:sp>
@@ -22947,15 +22933,15 @@
         <p:nvCxnSpPr>
           <p:cNvPr id="77" name="直接箭头连接符 76"/>
           <p:cNvCxnSpPr>
-            <a:stCxn id="59" idx="2"/>
+            <a:stCxn id="53" idx="2"/>
             <a:endCxn id="68" idx="0"/>
           </p:cNvCxnSpPr>
           <p:nvPr/>
         </p:nvCxnSpPr>
         <p:spPr>
-          <a:xfrm flipH="1">
-            <a:off x="5432967" y="2232553"/>
-            <a:ext cx="795122" cy="322025"/>
+          <a:xfrm>
+            <a:off x="5425012" y="2232553"/>
+            <a:ext cx="7955" cy="322025"/>
           </a:xfrm>
           <a:prstGeom prst="straightConnector1">
             <a:avLst/>
@@ -23677,14 +23663,7 @@
               <a:rPr lang="en-US" altLang="zh-CN" sz="1200" dirty="0" smtClean="0"/>
               <a:t>MEM</a:t>
             </a:r>
-          </a:p>
-          <a:p>
-            <a:pPr algn="ctr"/>
-            <a:r>
-              <a:rPr lang="en-US" altLang="zh-CN" sz="1200" dirty="0" smtClean="0"/>
-              <a:t>Pos.y</a:t>
-            </a:r>
-            <a:endParaRPr lang="zh-CN" altLang="en-US" sz="1200" dirty="0"/>
+            <a:endParaRPr lang="en-US" altLang="zh-CN" sz="1200" dirty="0" smtClean="0"/>
           </a:p>
         </p:txBody>
       </p:sp>
@@ -24004,8 +23983,8 @@
         </p:nvSpPr>
         <p:spPr>
           <a:xfrm>
-            <a:off x="6223792" y="877773"/>
-            <a:ext cx="3046027" cy="369332"/>
+            <a:off x="6172104" y="678827"/>
+            <a:ext cx="3097323" cy="646331"/>
           </a:xfrm>
           <a:prstGeom prst="rect">
             <a:avLst/>
@@ -24020,7 +23999,21 @@
           <a:p>
             <a:r>
               <a:rPr lang="en-US" altLang="zh-CN" dirty="0" smtClean="0"/>
-              <a:t>Y=(v-R*t)*sin(A)*t-0.5*9.8*t*t</a:t>
+              <a:t>Y’=(</a:t>
+            </a:r>
+            <a:r>
+              <a:rPr lang="en-US" altLang="zh-CN" dirty="0" smtClean="0"/>
+              <a:t>v-R*t)*sin(A)*</a:t>
+            </a:r>
+            <a:r>
+              <a:rPr lang="en-US" altLang="zh-CN" dirty="0" smtClean="0"/>
+              <a:t>t-0.5*9.8*t*t</a:t>
+            </a:r>
+          </a:p>
+          <a:p>
+            <a:r>
+              <a:rPr lang="en-US" altLang="zh-CN" dirty="0" smtClean="0"/>
+              <a:t>dy=Y’-Y</a:t>
             </a:r>
             <a:endParaRPr lang="zh-CN" altLang="en-US" dirty="0"/>
           </a:p>
@@ -24050,7 +24043,15 @@
           <a:p>
             <a:r>
               <a:rPr lang="en-US" altLang="zh-CN" dirty="0" smtClean="0"/>
-              <a:t>t=(v+Sqrt(v*v-4*R*X/cos(A)))/(2*R)</a:t>
+              <a:t>t=(</a:t>
+            </a:r>
+            <a:r>
+              <a:rPr lang="en-US" altLang="zh-CN" dirty="0" smtClean="0"/>
+              <a:t>v-Sqrt(v*v-4*R*X/cos(A</a:t>
+            </a:r>
+            <a:r>
+              <a:rPr lang="en-US" altLang="zh-CN" dirty="0" smtClean="0"/>
+              <a:t>)))/(2*R)</a:t>
             </a:r>
             <a:endParaRPr lang="zh-CN" altLang="en-US" dirty="0"/>
           </a:p>
@@ -24130,7 +24131,7 @@
         </p:nvSpPr>
         <p:spPr>
           <a:xfrm>
-            <a:off x="10108384" y="1193236"/>
+            <a:off x="10300735" y="1111418"/>
             <a:ext cx="1814920" cy="1200329"/>
           </a:xfrm>
           <a:prstGeom prst="rect">
@@ -24178,7 +24179,7 @@
         </p:nvSpPr>
         <p:spPr>
           <a:xfrm>
-            <a:off x="1092557" y="4451733"/>
+            <a:off x="2746134" y="4502166"/>
             <a:ext cx="620202" cy="620202"/>
           </a:xfrm>
           <a:prstGeom prst="rect">
@@ -24225,7 +24226,7 @@
         </p:nvSpPr>
         <p:spPr>
           <a:xfrm>
-            <a:off x="1100321" y="3671152"/>
+            <a:off x="1923664" y="4502166"/>
             <a:ext cx="620202" cy="610278"/>
           </a:xfrm>
           <a:prstGeom prst="rect">
@@ -24274,15 +24275,15 @@
         <p:nvCxnSpPr>
           <p:cNvPr id="224" name="直接箭头连接符 223"/>
           <p:cNvCxnSpPr>
-            <a:stCxn id="214" idx="0"/>
-            <a:endCxn id="216" idx="2"/>
+            <a:stCxn id="214" idx="1"/>
+            <a:endCxn id="216" idx="3"/>
           </p:cNvCxnSpPr>
           <p:nvPr/>
         </p:nvCxnSpPr>
         <p:spPr>
-          <a:xfrm flipV="1">
-            <a:off x="1402658" y="4281430"/>
-            <a:ext cx="7764" cy="170303"/>
+          <a:xfrm flipH="1" flipV="1">
+            <a:off x="2543866" y="4807305"/>
+            <a:ext cx="202268" cy="4962"/>
           </a:xfrm>
           <a:prstGeom prst="straightConnector1">
             <a:avLst/>
@@ -24310,15 +24311,15 @@
         <p:nvCxnSpPr>
           <p:cNvPr id="261" name="直接箭头连接符 260"/>
           <p:cNvCxnSpPr>
-            <a:stCxn id="216" idx="0"/>
-            <a:endCxn id="301" idx="2"/>
+            <a:stCxn id="216" idx="2"/>
+            <a:endCxn id="301" idx="0"/>
           </p:cNvCxnSpPr>
           <p:nvPr/>
         </p:nvCxnSpPr>
         <p:spPr>
-          <a:xfrm flipV="1">
-            <a:off x="1410422" y="3289694"/>
-            <a:ext cx="0" cy="381458"/>
+          <a:xfrm>
+            <a:off x="2233765" y="5112444"/>
+            <a:ext cx="0" cy="227563"/>
           </a:xfrm>
           <a:prstGeom prst="straightConnector1">
             <a:avLst/>
@@ -24350,8 +24351,8 @@
         </p:nvSpPr>
         <p:spPr>
           <a:xfrm>
-            <a:off x="320822" y="1689882"/>
-            <a:ext cx="825867" cy="369332"/>
+            <a:off x="416821" y="1662468"/>
+            <a:ext cx="694421" cy="369332"/>
           </a:xfrm>
           <a:prstGeom prst="rect">
             <a:avLst/>
@@ -24369,7 +24370,7 @@
           <a:p>
             <a:r>
               <a:rPr lang="en-US" altLang="zh-CN" dirty="0" smtClean="0"/>
-              <a:t>output</a:t>
+              <a:t>angle</a:t>
             </a:r>
             <a:endParaRPr lang="zh-CN" altLang="en-US" dirty="0"/>
           </a:p>
@@ -24383,7 +24384,7 @@
         </p:nvSpPr>
         <p:spPr>
           <a:xfrm>
-            <a:off x="1100321" y="2679416"/>
+            <a:off x="1923664" y="5340007"/>
             <a:ext cx="620202" cy="610278"/>
           </a:xfrm>
           <a:prstGeom prst="rect">
@@ -24462,15 +24463,15 @@
         <p:nvCxnSpPr>
           <p:cNvPr id="307" name="直接箭头连接符 306"/>
           <p:cNvCxnSpPr>
-            <a:stCxn id="301" idx="0"/>
+            <a:stCxn id="329" idx="0"/>
             <a:endCxn id="11" idx="2"/>
           </p:cNvCxnSpPr>
           <p:nvPr/>
         </p:nvCxnSpPr>
         <p:spPr>
-          <a:xfrm flipH="1" flipV="1">
-            <a:off x="1409612" y="2232555"/>
-            <a:ext cx="810" cy="446861"/>
+          <a:xfrm flipV="1">
+            <a:off x="1409387" y="2232555"/>
+            <a:ext cx="225" cy="1373893"/>
           </a:xfrm>
           <a:prstGeom prst="straightConnector1">
             <a:avLst/>
@@ -24502,7 +24503,7 @@
         </p:nvSpPr>
         <p:spPr>
           <a:xfrm>
-            <a:off x="263820" y="4461657"/>
+            <a:off x="2746134" y="5349335"/>
             <a:ext cx="620202" cy="610278"/>
           </a:xfrm>
           <a:prstGeom prst="rect">
@@ -24541,42 +24542,6 @@
           </a:p>
         </p:txBody>
       </p:sp>
-      <p:cxnSp>
-        <p:nvCxnSpPr>
-          <p:cNvPr id="325" name="直接箭头连接符 324"/>
-          <p:cNvCxnSpPr>
-            <a:stCxn id="214" idx="1"/>
-            <a:endCxn id="315" idx="3"/>
-          </p:cNvCxnSpPr>
-          <p:nvPr/>
-        </p:nvCxnSpPr>
-        <p:spPr>
-          <a:xfrm flipH="1">
-            <a:off x="884022" y="4761834"/>
-            <a:ext cx="208535" cy="4962"/>
-          </a:xfrm>
-          <a:prstGeom prst="straightConnector1">
-            <a:avLst/>
-          </a:prstGeom>
-          <a:ln>
-            <a:tailEnd type="triangle"/>
-          </a:ln>
-        </p:spPr>
-        <p:style>
-          <a:lnRef idx="1">
-            <a:schemeClr val="accent1"/>
-          </a:lnRef>
-          <a:fillRef idx="0">
-            <a:schemeClr val="accent1"/>
-          </a:fillRef>
-          <a:effectRef idx="0">
-            <a:schemeClr val="accent1"/>
-          </a:effectRef>
-          <a:fontRef idx="minor">
-            <a:schemeClr val="tx1"/>
-          </a:fontRef>
-        </p:style>
-      </p:cxnSp>
       <p:sp>
         <p:nvSpPr>
           <p:cNvPr id="329" name="矩形 328"/>
@@ -24585,7 +24550,7 @@
         </p:nvSpPr>
         <p:spPr>
           <a:xfrm>
-            <a:off x="257115" y="3661228"/>
+            <a:off x="1099286" y="3606448"/>
             <a:ext cx="620202" cy="620202"/>
           </a:xfrm>
           <a:prstGeom prst="rect">
@@ -24629,14 +24594,14 @@
           <p:cNvPr id="331" name="直接箭头连接符 330"/>
           <p:cNvCxnSpPr>
             <a:stCxn id="216" idx="1"/>
-            <a:endCxn id="329" idx="3"/>
+            <a:endCxn id="158" idx="3"/>
           </p:cNvCxnSpPr>
           <p:nvPr/>
         </p:nvCxnSpPr>
         <p:spPr>
-          <a:xfrm flipH="1" flipV="1">
-            <a:off x="877317" y="3971329"/>
-            <a:ext cx="223004" cy="4962"/>
+          <a:xfrm flipH="1">
+            <a:off x="1731608" y="4807305"/>
+            <a:ext cx="192056" cy="1519"/>
           </a:xfrm>
           <a:prstGeom prst="straightConnector1">
             <a:avLst/>
@@ -24664,15 +24629,15 @@
         <p:nvCxnSpPr>
           <p:cNvPr id="334" name="直接箭头连接符 333"/>
           <p:cNvCxnSpPr>
-            <a:stCxn id="315" idx="0"/>
-            <a:endCxn id="329" idx="2"/>
+            <a:stCxn id="315" idx="3"/>
+            <a:endCxn id="103" idx="1"/>
           </p:cNvCxnSpPr>
           <p:nvPr/>
         </p:nvCxnSpPr>
         <p:spPr>
-          <a:xfrm flipH="1" flipV="1">
-            <a:off x="567216" y="4281430"/>
-            <a:ext cx="6705" cy="180227"/>
+          <a:xfrm>
+            <a:off x="3366336" y="5654474"/>
+            <a:ext cx="273736" cy="0"/>
           </a:xfrm>
           <a:prstGeom prst="straightConnector1">
             <a:avLst/>
@@ -24797,17 +24762,10 @@
           <a:p>
             <a:pPr algn="ctr"/>
             <a:r>
-              <a:rPr lang="en-US" altLang="zh-CN" sz="1200" dirty="0" smtClean="0"/>
-              <a:t>AND</a:t>
-            </a:r>
-          </a:p>
-          <a:p>
-            <a:pPr algn="ctr"/>
-            <a:r>
-              <a:rPr lang="en-US" altLang="zh-CN" sz="1200" dirty="0" smtClean="0"/>
-              <a:t>0:1</a:t>
-            </a:r>
-            <a:endParaRPr lang="zh-CN" altLang="en-US" sz="1200" dirty="0"/>
+              <a:rPr lang="en-US" altLang="zh-CN" sz="2800" dirty="0"/>
+              <a:t>*</a:t>
+            </a:r>
+            <a:endParaRPr lang="zh-CN" altLang="en-US" sz="2800" dirty="0"/>
           </a:p>
         </p:txBody>
       </p:sp>
@@ -24932,8 +24890,8 @@
         </p:nvCxnSpPr>
         <p:spPr>
           <a:xfrm rot="5400000">
-            <a:off x="5499922" y="308442"/>
-            <a:ext cx="666229" cy="8240554"/>
+            <a:off x="6301494" y="1160448"/>
+            <a:ext cx="716662" cy="6586977"/>
           </a:xfrm>
           <a:prstGeom prst="bentConnector2">
             <a:avLst/>
@@ -24965,7 +24923,7 @@
         </p:nvSpPr>
         <p:spPr>
           <a:xfrm>
-            <a:off x="253315" y="2689748"/>
+            <a:off x="1076230" y="5343183"/>
             <a:ext cx="620202" cy="610278"/>
           </a:xfrm>
           <a:prstGeom prst="rect">
@@ -25022,8 +24980,8 @@
         </p:nvCxnSpPr>
         <p:spPr>
           <a:xfrm flipV="1">
-            <a:off x="873517" y="2984555"/>
-            <a:ext cx="226804" cy="10332"/>
+            <a:off x="1696432" y="5645146"/>
+            <a:ext cx="227232" cy="3176"/>
           </a:xfrm>
           <a:prstGeom prst="straightConnector1">
             <a:avLst/>
@@ -25051,15 +25009,388 @@
         <p:nvCxnSpPr>
           <p:cNvPr id="411" name="直接箭头连接符 410"/>
           <p:cNvCxnSpPr>
-            <a:stCxn id="407" idx="2"/>
-            <a:endCxn id="216" idx="0"/>
+            <a:stCxn id="301" idx="3"/>
+            <a:endCxn id="315" idx="1"/>
           </p:cNvCxnSpPr>
           <p:nvPr/>
         </p:nvCxnSpPr>
         <p:spPr>
           <a:xfrm>
-            <a:off x="563416" y="3300026"/>
-            <a:ext cx="847006" cy="371126"/>
+            <a:off x="2543866" y="5645146"/>
+            <a:ext cx="202268" cy="9328"/>
+          </a:xfrm>
+          <a:prstGeom prst="straightConnector1">
+            <a:avLst/>
+          </a:prstGeom>
+          <a:ln>
+            <a:tailEnd type="triangle"/>
+          </a:ln>
+        </p:spPr>
+        <p:style>
+          <a:lnRef idx="1">
+            <a:schemeClr val="accent1"/>
+          </a:lnRef>
+          <a:fillRef idx="0">
+            <a:schemeClr val="accent1"/>
+          </a:fillRef>
+          <a:effectRef idx="0">
+            <a:schemeClr val="accent1"/>
+          </a:effectRef>
+          <a:fontRef idx="minor">
+            <a:schemeClr val="tx1"/>
+          </a:fontRef>
+        </p:style>
+      </p:cxnSp>
+      <p:sp>
+        <p:nvSpPr>
+          <p:cNvPr id="87" name="文本框 86"/>
+          <p:cNvSpPr txBox="1"/>
+          <p:nvPr/>
+        </p:nvSpPr>
+        <p:spPr>
+          <a:xfrm>
+            <a:off x="1257166" y="99212"/>
+            <a:ext cx="304892" cy="369332"/>
+          </a:xfrm>
+          <a:prstGeom prst="rect">
+            <a:avLst/>
+          </a:prstGeom>
+          <a:noFill/>
+          <a:ln>
+            <a:noFill/>
+          </a:ln>
+        </p:spPr>
+        <p:txBody>
+          <a:bodyPr wrap="none" rtlCol="0">
+            <a:spAutoFit/>
+          </a:bodyPr>
+          <a:lstStyle/>
+          <a:p>
+            <a:r>
+              <a:rPr lang="en-US" altLang="zh-CN" dirty="0" smtClean="0"/>
+              <a:t>X</a:t>
+            </a:r>
+            <a:endParaRPr lang="zh-CN" altLang="en-US" dirty="0"/>
+          </a:p>
+        </p:txBody>
+      </p:sp>
+      <p:sp>
+        <p:nvSpPr>
+          <p:cNvPr id="88" name="文本框 87"/>
+          <p:cNvSpPr txBox="1"/>
+          <p:nvPr/>
+        </p:nvSpPr>
+        <p:spPr>
+          <a:xfrm>
+            <a:off x="8108242" y="1802826"/>
+            <a:ext cx="304892" cy="369332"/>
+          </a:xfrm>
+          <a:prstGeom prst="rect">
+            <a:avLst/>
+          </a:prstGeom>
+          <a:noFill/>
+          <a:ln>
+            <a:noFill/>
+          </a:ln>
+        </p:spPr>
+        <p:txBody>
+          <a:bodyPr wrap="none" rtlCol="0">
+            <a:spAutoFit/>
+          </a:bodyPr>
+          <a:lstStyle/>
+          <a:p>
+            <a:r>
+              <a:rPr lang="en-US" altLang="zh-CN" dirty="0" smtClean="0"/>
+              <a:t>Y</a:t>
+            </a:r>
+            <a:endParaRPr lang="zh-CN" altLang="en-US" dirty="0"/>
+          </a:p>
+        </p:txBody>
+      </p:sp>
+      <p:cxnSp>
+        <p:nvCxnSpPr>
+          <p:cNvPr id="4" name="直接箭头连接符 3"/>
+          <p:cNvCxnSpPr>
+            <a:endCxn id="8" idx="0"/>
+          </p:cNvCxnSpPr>
+          <p:nvPr/>
+        </p:nvCxnSpPr>
+        <p:spPr>
+          <a:xfrm>
+            <a:off x="1409612" y="539023"/>
+            <a:ext cx="1" cy="262297"/>
+          </a:xfrm>
+          <a:prstGeom prst="straightConnector1">
+            <a:avLst/>
+          </a:prstGeom>
+          <a:ln>
+            <a:tailEnd type="triangle"/>
+          </a:ln>
+        </p:spPr>
+        <p:style>
+          <a:lnRef idx="1">
+            <a:schemeClr val="accent1"/>
+          </a:lnRef>
+          <a:fillRef idx="0">
+            <a:schemeClr val="accent1"/>
+          </a:fillRef>
+          <a:effectRef idx="0">
+            <a:schemeClr val="accent1"/>
+          </a:effectRef>
+          <a:fontRef idx="minor">
+            <a:schemeClr val="tx1"/>
+          </a:fontRef>
+        </p:style>
+      </p:cxnSp>
+      <p:cxnSp>
+        <p:nvCxnSpPr>
+          <p:cNvPr id="92" name="直接箭头连接符 91"/>
+          <p:cNvCxnSpPr/>
+          <p:nvPr/>
+        </p:nvCxnSpPr>
+        <p:spPr>
+          <a:xfrm>
+            <a:off x="8241782" y="2240209"/>
+            <a:ext cx="1" cy="262297"/>
+          </a:xfrm>
+          <a:prstGeom prst="straightConnector1">
+            <a:avLst/>
+          </a:prstGeom>
+          <a:ln>
+            <a:tailEnd type="triangle"/>
+          </a:ln>
+        </p:spPr>
+        <p:style>
+          <a:lnRef idx="1">
+            <a:schemeClr val="accent1"/>
+          </a:lnRef>
+          <a:fillRef idx="0">
+            <a:schemeClr val="accent1"/>
+          </a:fillRef>
+          <a:effectRef idx="0">
+            <a:schemeClr val="accent1"/>
+          </a:effectRef>
+          <a:fontRef idx="minor">
+            <a:schemeClr val="tx1"/>
+          </a:fontRef>
+        </p:style>
+      </p:cxnSp>
+      <p:sp>
+        <p:nvSpPr>
+          <p:cNvPr id="103" name="文本框 102"/>
+          <p:cNvSpPr txBox="1"/>
+          <p:nvPr/>
+        </p:nvSpPr>
+        <p:spPr>
+          <a:xfrm>
+            <a:off x="3640072" y="5469808"/>
+            <a:ext cx="1474839" cy="369332"/>
+          </a:xfrm>
+          <a:prstGeom prst="rect">
+            <a:avLst/>
+          </a:prstGeom>
+          <a:noFill/>
+          <a:ln>
+            <a:noFill/>
+          </a:ln>
+        </p:spPr>
+        <p:txBody>
+          <a:bodyPr wrap="square" rtlCol="0">
+            <a:spAutoFit/>
+          </a:bodyPr>
+          <a:lstStyle/>
+          <a:p>
+            <a:r>
+              <a:rPr lang="en-US" altLang="zh-CN" dirty="0" smtClean="0"/>
+              <a:t>output </a:t>
+            </a:r>
+            <a:r>
+              <a:rPr lang="en-US" altLang="zh-CN" dirty="0" smtClean="0"/>
+              <a:t>angle</a:t>
+            </a:r>
+            <a:endParaRPr lang="zh-CN" altLang="en-US" dirty="0"/>
+          </a:p>
+        </p:txBody>
+      </p:sp>
+      <p:sp>
+        <p:nvSpPr>
+          <p:cNvPr id="158" name="矩形 157"/>
+          <p:cNvSpPr/>
+          <p:nvPr/>
+        </p:nvSpPr>
+        <p:spPr>
+          <a:xfrm>
+            <a:off x="1111406" y="4498723"/>
+            <a:ext cx="620202" cy="620202"/>
+          </a:xfrm>
+          <a:prstGeom prst="rect">
+            <a:avLst/>
+          </a:prstGeom>
+          <a:ln>
+            <a:solidFill>
+              <a:schemeClr val="tx1"/>
+            </a:solidFill>
+          </a:ln>
+        </p:spPr>
+        <p:style>
+          <a:lnRef idx="2">
+            <a:schemeClr val="dk1"/>
+          </a:lnRef>
+          <a:fillRef idx="1">
+            <a:schemeClr val="lt1"/>
+          </a:fillRef>
+          <a:effectRef idx="0">
+            <a:schemeClr val="dk1"/>
+          </a:effectRef>
+          <a:fontRef idx="minor">
+            <a:schemeClr val="dk1"/>
+          </a:fontRef>
+        </p:style>
+        <p:txBody>
+          <a:bodyPr rtlCol="0" anchor="ctr"/>
+          <a:lstStyle/>
+          <a:p>
+            <a:pPr algn="ctr"/>
+            <a:r>
+              <a:rPr lang="en-US" altLang="zh-CN" sz="1200" dirty="0" smtClean="0"/>
+              <a:t>ABS()</a:t>
+            </a:r>
+            <a:endParaRPr lang="zh-CN" altLang="en-US" sz="1200" dirty="0"/>
+          </a:p>
+        </p:txBody>
+      </p:sp>
+      <p:cxnSp>
+        <p:nvCxnSpPr>
+          <p:cNvPr id="122" name="直接箭头连接符 121"/>
+          <p:cNvCxnSpPr>
+            <a:stCxn id="158" idx="0"/>
+            <a:endCxn id="329" idx="2"/>
+          </p:cNvCxnSpPr>
+          <p:nvPr/>
+        </p:nvCxnSpPr>
+        <p:spPr>
+          <a:xfrm flipH="1" flipV="1">
+            <a:off x="1409387" y="4226650"/>
+            <a:ext cx="12120" cy="272073"/>
+          </a:xfrm>
+          <a:prstGeom prst="straightConnector1">
+            <a:avLst/>
+          </a:prstGeom>
+          <a:ln>
+            <a:tailEnd type="triangle"/>
+          </a:ln>
+        </p:spPr>
+        <p:style>
+          <a:lnRef idx="1">
+            <a:schemeClr val="accent1"/>
+          </a:lnRef>
+          <a:fillRef idx="0">
+            <a:schemeClr val="accent1"/>
+          </a:fillRef>
+          <a:effectRef idx="0">
+            <a:schemeClr val="accent1"/>
+          </a:effectRef>
+          <a:fontRef idx="minor">
+            <a:schemeClr val="tx1"/>
+          </a:fontRef>
+        </p:style>
+      </p:cxnSp>
+      <p:cxnSp>
+        <p:nvCxnSpPr>
+          <p:cNvPr id="127" name="肘形连接符 126"/>
+          <p:cNvCxnSpPr>
+            <a:stCxn id="329" idx="3"/>
+            <a:endCxn id="214" idx="0"/>
+          </p:cNvCxnSpPr>
+          <p:nvPr/>
+        </p:nvCxnSpPr>
+        <p:spPr>
+          <a:xfrm>
+            <a:off x="1719488" y="3916549"/>
+            <a:ext cx="1336747" cy="585617"/>
+          </a:xfrm>
+          <a:prstGeom prst="bentConnector2">
+            <a:avLst/>
+          </a:prstGeom>
+          <a:ln>
+            <a:tailEnd type="triangle"/>
+          </a:ln>
+        </p:spPr>
+        <p:style>
+          <a:lnRef idx="1">
+            <a:schemeClr val="accent1"/>
+          </a:lnRef>
+          <a:fillRef idx="0">
+            <a:schemeClr val="accent1"/>
+          </a:fillRef>
+          <a:effectRef idx="0">
+            <a:schemeClr val="accent1"/>
+          </a:effectRef>
+          <a:fontRef idx="minor">
+            <a:schemeClr val="tx1"/>
+          </a:fontRef>
+        </p:style>
+      </p:cxnSp>
+      <p:sp>
+        <p:nvSpPr>
+          <p:cNvPr id="184" name="矩形 183"/>
+          <p:cNvSpPr/>
+          <p:nvPr/>
+        </p:nvSpPr>
+        <p:spPr>
+          <a:xfrm>
+            <a:off x="10668932" y="2517202"/>
+            <a:ext cx="715633" cy="620202"/>
+          </a:xfrm>
+          <a:prstGeom prst="rect">
+            <a:avLst/>
+          </a:prstGeom>
+          <a:ln>
+            <a:solidFill>
+              <a:schemeClr val="tx1"/>
+            </a:solidFill>
+          </a:ln>
+        </p:spPr>
+        <p:style>
+          <a:lnRef idx="2">
+            <a:schemeClr val="dk1"/>
+          </a:lnRef>
+          <a:fillRef idx="1">
+            <a:schemeClr val="lt1"/>
+          </a:fillRef>
+          <a:effectRef idx="0">
+            <a:schemeClr val="dk1"/>
+          </a:effectRef>
+          <a:fontRef idx="minor">
+            <a:schemeClr val="dk1"/>
+          </a:fontRef>
+        </p:style>
+        <p:txBody>
+          <a:bodyPr rtlCol="0" anchor="ctr"/>
+          <a:lstStyle/>
+          <a:p>
+            <a:pPr algn="ctr"/>
+            <a:r>
+              <a:rPr lang="en-US" altLang="zh-CN" sz="2800" dirty="0" smtClean="0"/>
+              <a:t>1</a:t>
+            </a:r>
+            <a:endParaRPr lang="zh-CN" altLang="en-US" sz="2800" dirty="0"/>
+          </a:p>
+        </p:txBody>
+      </p:sp>
+      <p:cxnSp>
+        <p:nvCxnSpPr>
+          <p:cNvPr id="149" name="直接箭头连接符 148"/>
+          <p:cNvCxnSpPr>
+            <a:stCxn id="184" idx="1"/>
+            <a:endCxn id="372" idx="3"/>
+          </p:cNvCxnSpPr>
+          <p:nvPr/>
+        </p:nvCxnSpPr>
+        <p:spPr>
+          <a:xfrm flipH="1">
+            <a:off x="10311130" y="2827303"/>
+            <a:ext cx="357802" cy="0"/>
           </a:xfrm>
           <a:prstGeom prst="straightConnector1">
             <a:avLst/>
@@ -25120,6 +25451,564 @@
           <a:chExt cx="0" cy="0"/>
         </a:xfrm>
       </p:grpSpPr>
+      <p:sp>
+        <p:nvSpPr>
+          <p:cNvPr id="2" name="文本框 1"/>
+          <p:cNvSpPr txBox="1"/>
+          <p:nvPr/>
+        </p:nvSpPr>
+        <p:spPr>
+          <a:xfrm>
+            <a:off x="566442" y="428878"/>
+            <a:ext cx="9318577" cy="10756791"/>
+          </a:xfrm>
+          <a:prstGeom prst="rect">
+            <a:avLst/>
+          </a:prstGeom>
+          <a:noFill/>
+        </p:spPr>
+        <p:txBody>
+          <a:bodyPr wrap="none" rtlCol="0">
+            <a:spAutoFit/>
+          </a:bodyPr>
+          <a:lstStyle/>
+          <a:p>
+            <a:r>
+              <a:rPr lang="en-US" altLang="zh-CN" sz="900" dirty="0"/>
+              <a:t/>
+            </a:r>
+            <a:br>
+              <a:rPr lang="en-US" altLang="zh-CN" sz="900" dirty="0"/>
+            </a:br>
+            <a:r>
+              <a:rPr lang="en-US" altLang="zh-CN" sz="900" dirty="0"/>
+              <a:t>import numpy as np</a:t>
+            </a:r>
+            <a:br>
+              <a:rPr lang="en-US" altLang="zh-CN" sz="900" dirty="0"/>
+            </a:br>
+            <a:r>
+              <a:rPr lang="en-US" altLang="zh-CN" sz="900" dirty="0"/>
+              <a:t>import matplotlib.pyplot as plt</a:t>
+            </a:r>
+            <a:br>
+              <a:rPr lang="en-US" altLang="zh-CN" sz="900" dirty="0"/>
+            </a:br>
+            <a:r>
+              <a:rPr lang="en-US" altLang="zh-CN" sz="900" dirty="0"/>
+              <a:t>import ipywidgets as widgets</a:t>
+            </a:r>
+            <a:br>
+              <a:rPr lang="en-US" altLang="zh-CN" sz="900" dirty="0"/>
+            </a:br>
+            <a:r>
+              <a:rPr lang="en-US" altLang="zh-CN" sz="900" dirty="0"/>
+              <a:t>from IPython.display import display</a:t>
+            </a:r>
+            <a:br>
+              <a:rPr lang="en-US" altLang="zh-CN" sz="900" dirty="0"/>
+            </a:br>
+            <a:r>
+              <a:rPr lang="en-US" altLang="zh-CN" sz="900" dirty="0"/>
+              <a:t>import math</a:t>
+            </a:r>
+            <a:br>
+              <a:rPr lang="en-US" altLang="zh-CN" sz="900" dirty="0"/>
+            </a:br>
+            <a:r>
+              <a:rPr lang="en-US" altLang="zh-CN" sz="900" dirty="0"/>
+              <a:t/>
+            </a:r>
+            <a:br>
+              <a:rPr lang="en-US" altLang="zh-CN" sz="900" dirty="0"/>
+            </a:br>
+            <a:r>
+              <a:rPr lang="en-US" altLang="zh-CN" sz="900" dirty="0"/>
+              <a:t>def calculate_position(x_target, y_target, initial_velocity, angle, angle_error,resist):</a:t>
+            </a:r>
+            <a:br>
+              <a:rPr lang="en-US" altLang="zh-CN" sz="900" dirty="0"/>
+            </a:br>
+            <a:r>
+              <a:rPr lang="en-US" altLang="zh-CN" sz="900" dirty="0"/>
+              <a:t>    # Calculate the launch angle using the given horizontal distance and initial velocity</a:t>
+            </a:r>
+            <a:br>
+              <a:rPr lang="en-US" altLang="zh-CN" sz="900" dirty="0"/>
+            </a:br>
+            <a:r>
+              <a:rPr lang="en-US" altLang="zh-CN" sz="900" dirty="0"/>
+              <a:t>    gravity = -9.81</a:t>
+            </a:r>
+            <a:br>
+              <a:rPr lang="en-US" altLang="zh-CN" sz="900" dirty="0"/>
+            </a:br>
+            <a:r>
+              <a:rPr lang="en-US" altLang="zh-CN" sz="900" dirty="0"/>
+              <a:t>    angle_base = np.arctan(y_target / x_target) * 180 / np.pi</a:t>
+            </a:r>
+            <a:br>
+              <a:rPr lang="en-US" altLang="zh-CN" sz="900" dirty="0"/>
+            </a:br>
+            <a:r>
+              <a:rPr lang="en-US" altLang="zh-CN" sz="900" dirty="0"/>
+              <a:t>    angle_error_radians = angle_error * np.pi / 180</a:t>
+            </a:r>
+            <a:br>
+              <a:rPr lang="en-US" altLang="zh-CN" sz="900" dirty="0"/>
+            </a:br>
+            <a:r>
+              <a:rPr lang="en-US" altLang="zh-CN" sz="900" dirty="0"/>
+              <a:t>    angle_radians = angle * np.pi / 180 </a:t>
+            </a:r>
+            <a:br>
+              <a:rPr lang="en-US" altLang="zh-CN" sz="900" dirty="0"/>
+            </a:br>
+            <a:r>
+              <a:rPr lang="en-US" altLang="zh-CN" sz="900" dirty="0"/>
+              <a:t>    </a:t>
+            </a:r>
+            <a:br>
+              <a:rPr lang="en-US" altLang="zh-CN" sz="900" dirty="0"/>
+            </a:br>
+            <a:r>
+              <a:rPr lang="en-US" altLang="zh-CN" sz="900" dirty="0"/>
+              <a:t>#     time_of_flight = np.abs(x_target) / np.abs((np.cos(angle_radians)) * initial_velocity)</a:t>
+            </a:r>
+            <a:br>
+              <a:rPr lang="en-US" altLang="zh-CN" sz="900" dirty="0"/>
+            </a:br>
+            <a:r>
+              <a:rPr lang="en-US" altLang="zh-CN" sz="900" dirty="0"/>
+              <a:t>    time_of_flight = initial_velocity/resist</a:t>
+            </a:r>
+            <a:br>
+              <a:rPr lang="en-US" altLang="zh-CN" sz="900" dirty="0"/>
+            </a:br>
+            <a:r>
+              <a:rPr lang="en-US" altLang="zh-CN" sz="900" dirty="0"/>
+              <a:t/>
+            </a:r>
+            <a:br>
+              <a:rPr lang="en-US" altLang="zh-CN" sz="900" dirty="0"/>
+            </a:br>
+            <a:r>
+              <a:rPr lang="en-US" altLang="zh-CN" sz="900" dirty="0"/>
+              <a:t>    x = initial_velocity * time_of_flight * np.cos(angle_radians)</a:t>
+            </a:r>
+            <a:br>
+              <a:rPr lang="en-US" altLang="zh-CN" sz="900" dirty="0"/>
+            </a:br>
+            <a:r>
+              <a:rPr lang="en-US" altLang="zh-CN" sz="900" dirty="0"/>
+              <a:t>    y = initial_velocity * time_of_flight * np.sin(angle_radians) + 0.5 * gravity * (time_of_flight**2)</a:t>
+            </a:r>
+            <a:br>
+              <a:rPr lang="en-US" altLang="zh-CN" sz="900" dirty="0"/>
+            </a:br>
+            <a:r>
+              <a:rPr lang="en-US" altLang="zh-CN" sz="900" dirty="0"/>
+              <a:t>    </a:t>
+            </a:r>
+            <a:br>
+              <a:rPr lang="en-US" altLang="zh-CN" sz="900" dirty="0"/>
+            </a:br>
+            <a:r>
+              <a:rPr lang="en-US" altLang="zh-CN" sz="900" dirty="0"/>
+              <a:t>    # Plot the trajectory</a:t>
+            </a:r>
+            <a:br>
+              <a:rPr lang="en-US" altLang="zh-CN" sz="900" dirty="0"/>
+            </a:br>
+            <a:r>
+              <a:rPr lang="en-US" altLang="zh-CN" sz="900" dirty="0"/>
+              <a:t>    plt.figure(figsize=(14, 4))</a:t>
+            </a:r>
+            <a:br>
+              <a:rPr lang="en-US" altLang="zh-CN" sz="900" dirty="0"/>
+            </a:br>
+            <a:r>
+              <a:rPr lang="en-US" altLang="zh-CN" sz="900" dirty="0"/>
+              <a:t>#     plt.plot(x, y, &amp;apos;bo&amp;apos;, label=&amp;apos;Aim Point&amp;apos;)</a:t>
+            </a:r>
+            <a:br>
+              <a:rPr lang="en-US" altLang="zh-CN" sz="900" dirty="0"/>
+            </a:br>
+            <a:r>
+              <a:rPr lang="en-US" altLang="zh-CN" sz="900" dirty="0"/>
+              <a:t>#     plt.plot(x_target, yy, &amp;apos;bo&amp;apos;, label=&amp;apos;Aim Point&amp;apos;)</a:t>
+            </a:r>
+            <a:br>
+              <a:rPr lang="en-US" altLang="zh-CN" sz="900" dirty="0"/>
+            </a:br>
+            <a:r>
+              <a:rPr lang="en-US" altLang="zh-CN" sz="900" dirty="0"/>
+              <a:t/>
+            </a:r>
+            <a:br>
+              <a:rPr lang="en-US" altLang="zh-CN" sz="900" dirty="0"/>
+            </a:br>
+            <a:r>
+              <a:rPr lang="en-US" altLang="zh-CN" sz="900" dirty="0"/>
+              <a:t/>
+            </a:r>
+            <a:br>
+              <a:rPr lang="en-US" altLang="zh-CN" sz="900" dirty="0"/>
+            </a:br>
+            <a:r>
+              <a:rPr lang="en-US" altLang="zh-CN" sz="900" dirty="0"/>
+              <a:t>    # Calculate the trajectory</a:t>
+            </a:r>
+            <a:br>
+              <a:rPr lang="en-US" altLang="zh-CN" sz="900" dirty="0"/>
+            </a:br>
+            <a:r>
+              <a:rPr lang="en-US" altLang="zh-CN" sz="900" dirty="0"/>
+              <a:t>    time = np.linspace(0, time_of_flight, num=100)</a:t>
+            </a:r>
+            <a:br>
+              <a:rPr lang="en-US" altLang="zh-CN" sz="900" dirty="0"/>
+            </a:br>
+            <a:r>
+              <a:rPr lang="en-US" altLang="zh-CN" sz="900" dirty="0"/>
+              <a:t>    </a:t>
+            </a:r>
+            <a:br>
+              <a:rPr lang="en-US" altLang="zh-CN" sz="900" dirty="0"/>
+            </a:br>
+            <a:r>
+              <a:rPr lang="en-US" altLang="zh-CN" sz="900" dirty="0"/>
+              <a:t>    xx = (initial_velocity - resist*time) * np.cos(angle_radians) * time</a:t>
+            </a:r>
+            <a:br>
+              <a:rPr lang="en-US" altLang="zh-CN" sz="900" dirty="0"/>
+            </a:br>
+            <a:r>
+              <a:rPr lang="en-US" altLang="zh-CN" sz="900" dirty="0"/>
+              <a:t>    yy = (initial_velocity - resist*time) * np.sin(angle_radians) * time + 0.5 * gravity * time**2</a:t>
+            </a:r>
+            <a:br>
+              <a:rPr lang="en-US" altLang="zh-CN" sz="900" dirty="0"/>
+            </a:br>
+            <a:r>
+              <a:rPr lang="en-US" altLang="zh-CN" sz="900" dirty="0"/>
+              <a:t/>
+            </a:r>
+            <a:br>
+              <a:rPr lang="en-US" altLang="zh-CN" sz="900" dirty="0"/>
+            </a:br>
+            <a:r>
+              <a:rPr lang="en-US" altLang="zh-CN" sz="900" dirty="0"/>
+              <a:t>    yy_error_1 = (initial_velocity - resist*time) * np.sin(angle_radians + angle_error_radians) * time + 0.5 * gravity * time**2</a:t>
+            </a:r>
+            <a:br>
+              <a:rPr lang="en-US" altLang="zh-CN" sz="900" dirty="0"/>
+            </a:br>
+            <a:r>
+              <a:rPr lang="en-US" altLang="zh-CN" sz="900" dirty="0"/>
+              <a:t>    yy_error_2 = (initial_velocity - resist*time) * np.sin(angle_radians - angle_error_radians) * time + 0.5 * gravity * time**2</a:t>
+            </a:r>
+            <a:br>
+              <a:rPr lang="en-US" altLang="zh-CN" sz="900" dirty="0"/>
+            </a:br>
+            <a:r>
+              <a:rPr lang="en-US" altLang="zh-CN" sz="900" dirty="0"/>
+              <a:t/>
+            </a:r>
+            <a:br>
+              <a:rPr lang="en-US" altLang="zh-CN" sz="900" dirty="0"/>
+            </a:br>
+            <a:r>
+              <a:rPr lang="en-US" altLang="zh-CN" sz="900" dirty="0"/>
+              <a:t>    print(f"Launch Angle: {angle:.2f} degrees")</a:t>
+            </a:r>
+            <a:br>
+              <a:rPr lang="en-US" altLang="zh-CN" sz="900" dirty="0"/>
+            </a:br>
+            <a:r>
+              <a:rPr lang="en-US" altLang="zh-CN" sz="900" dirty="0"/>
+              <a:t>    print(f"Base Angle: {angle_base:.2f} degrees")</a:t>
+            </a:r>
+            <a:br>
+              <a:rPr lang="en-US" altLang="zh-CN" sz="900" dirty="0"/>
+            </a:br>
+            <a:r>
+              <a:rPr lang="en-US" altLang="zh-CN" sz="900" dirty="0"/>
+              <a:t>    print(f"Dispersion Angle : {angle_error:.2f} degrees")</a:t>
+            </a:r>
+            <a:br>
+              <a:rPr lang="en-US" altLang="zh-CN" sz="900" dirty="0"/>
+            </a:br>
+            <a:r>
+              <a:rPr lang="en-US" altLang="zh-CN" sz="900" dirty="0"/>
+              <a:t/>
+            </a:r>
+            <a:br>
+              <a:rPr lang="en-US" altLang="zh-CN" sz="900" dirty="0"/>
+            </a:br>
+            <a:r>
+              <a:rPr lang="en-US" altLang="zh-CN" sz="900" dirty="0"/>
+              <a:t>    plt.plot(xx, yy)</a:t>
+            </a:r>
+            <a:br>
+              <a:rPr lang="en-US" altLang="zh-CN" sz="900" dirty="0"/>
+            </a:br>
+            <a:r>
+              <a:rPr lang="en-US" altLang="zh-CN" sz="900" dirty="0"/>
+              <a:t>    plt.plot(xx, yy_error_1)</a:t>
+            </a:r>
+            <a:br>
+              <a:rPr lang="en-US" altLang="zh-CN" sz="900" dirty="0"/>
+            </a:br>
+            <a:r>
+              <a:rPr lang="en-US" altLang="zh-CN" sz="900" dirty="0"/>
+              <a:t>    plt.plot(xx, yy_error_2)</a:t>
+            </a:r>
+            <a:br>
+              <a:rPr lang="en-US" altLang="zh-CN" sz="900" dirty="0"/>
+            </a:br>
+            <a:r>
+              <a:rPr lang="en-US" altLang="zh-CN" sz="900" dirty="0"/>
+              <a:t/>
+            </a:r>
+            <a:br>
+              <a:rPr lang="en-US" altLang="zh-CN" sz="900" dirty="0"/>
+            </a:br>
+            <a:r>
+              <a:rPr lang="en-US" altLang="zh-CN" sz="900" dirty="0"/>
+              <a:t>    plt.xlim(xmin=0, xmax=x_target+10)</a:t>
+            </a:r>
+            <a:br>
+              <a:rPr lang="en-US" altLang="zh-CN" sz="900" dirty="0"/>
+            </a:br>
+            <a:r>
+              <a:rPr lang="en-US" altLang="zh-CN" sz="900" dirty="0"/>
+              <a:t>    plt.ylim(ymin=y_target, ymax = 80)</a:t>
+            </a:r>
+            <a:br>
+              <a:rPr lang="en-US" altLang="zh-CN" sz="900" dirty="0"/>
+            </a:br>
+            <a:r>
+              <a:rPr lang="en-US" altLang="zh-CN" sz="900" dirty="0"/>
+              <a:t>    plt.plot(x_target, y_target, &amp;apos;ro&amp;apos;, label=&amp;apos;Target Point&amp;apos;)</a:t>
+            </a:r>
+            <a:br>
+              <a:rPr lang="en-US" altLang="zh-CN" sz="900" dirty="0"/>
+            </a:br>
+            <a:r>
+              <a:rPr lang="en-US" altLang="zh-CN" sz="900" dirty="0"/>
+              <a:t>    plt.axhline(y=-1, color=&amp;apos;r&amp;apos;, linestyle=&amp;apos;--&amp;apos;, label=&amp;apos;Gun Height&amp;apos;)</a:t>
+            </a:r>
+            <a:br>
+              <a:rPr lang="en-US" altLang="zh-CN" sz="900" dirty="0"/>
+            </a:br>
+            <a:r>
+              <a:rPr lang="en-US" altLang="zh-CN" sz="900" dirty="0"/>
+              <a:t>    plt.xlabel(&amp;apos;Horizontal Distance (m)&amp;apos;)</a:t>
+            </a:r>
+            <a:br>
+              <a:rPr lang="en-US" altLang="zh-CN" sz="900" dirty="0"/>
+            </a:br>
+            <a:r>
+              <a:rPr lang="en-US" altLang="zh-CN" sz="900" dirty="0"/>
+              <a:t>    plt.ylabel(&amp;apos;Vertical Distance (m)&amp;apos;)</a:t>
+            </a:r>
+            <a:br>
+              <a:rPr lang="en-US" altLang="zh-CN" sz="900" dirty="0"/>
+            </a:br>
+            <a:r>
+              <a:rPr lang="en-US" altLang="zh-CN" sz="900" dirty="0"/>
+              <a:t>    plt.title(&amp;apos;Projectile Motion&amp;apos;)</a:t>
+            </a:r>
+            <a:br>
+              <a:rPr lang="en-US" altLang="zh-CN" sz="900" dirty="0"/>
+            </a:br>
+            <a:r>
+              <a:rPr lang="en-US" altLang="zh-CN" sz="900" dirty="0"/>
+              <a:t>    plt.grid(True)</a:t>
+            </a:r>
+            <a:br>
+              <a:rPr lang="en-US" altLang="zh-CN" sz="900" dirty="0"/>
+            </a:br>
+            <a:r>
+              <a:rPr lang="en-US" altLang="zh-CN" sz="900" dirty="0"/>
+              <a:t>    plt.legend()    </a:t>
+            </a:r>
+            <a:br>
+              <a:rPr lang="en-US" altLang="zh-CN" sz="900" dirty="0"/>
+            </a:br>
+            <a:r>
+              <a:rPr lang="en-US" altLang="zh-CN" sz="900" dirty="0"/>
+              <a:t>    plt.show()</a:t>
+            </a:r>
+            <a:br>
+              <a:rPr lang="en-US" altLang="zh-CN" sz="900" dirty="0"/>
+            </a:br>
+            <a:r>
+              <a:rPr lang="en-US" altLang="zh-CN" sz="900" dirty="0"/>
+              <a:t/>
+            </a:r>
+            <a:br>
+              <a:rPr lang="en-US" altLang="zh-CN" sz="900" dirty="0"/>
+            </a:br>
+            <a:r>
+              <a:rPr lang="en-US" altLang="zh-CN" sz="900" dirty="0"/>
+              <a:t># Adding sliders for distance, initial velocity, x and y coordinates of the target</a:t>
+            </a:r>
+            <a:br>
+              <a:rPr lang="en-US" altLang="zh-CN" sz="900" dirty="0"/>
+            </a:br>
+            <a:r>
+              <a:rPr lang="en-US" altLang="zh-CN" sz="900" dirty="0"/>
+              <a:t>x_target_slider = widgets.FloatSlider(value=175.0, min=-0.0, max=200.0, step=1.0, description=&amp;apos;Target X (m)&amp;apos;)</a:t>
+            </a:r>
+            <a:br>
+              <a:rPr lang="en-US" altLang="zh-CN" sz="900" dirty="0"/>
+            </a:br>
+            <a:r>
+              <a:rPr lang="en-US" altLang="zh-CN" sz="900" dirty="0"/>
+              <a:t>y_target_slider = widgets.FloatSlider(value=-1.0, min=-200.0, max=200.0, step=1.0, description=&amp;apos;Target Y (m)&amp;apos;)</a:t>
+            </a:r>
+            <a:br>
+              <a:rPr lang="en-US" altLang="zh-CN" sz="900" dirty="0"/>
+            </a:br>
+            <a:r>
+              <a:rPr lang="en-US" altLang="zh-CN" sz="900" dirty="0"/>
+              <a:t>velocity_slider = widgets.FloatSlider(value=70.0, min=70.0, max=80.0, step=10.0, description=&amp;apos;V_initial (m/s)&amp;apos;)</a:t>
+            </a:r>
+            <a:br>
+              <a:rPr lang="en-US" altLang="zh-CN" sz="900" dirty="0"/>
+            </a:br>
+            <a:r>
+              <a:rPr lang="en-US" altLang="zh-CN" sz="900" dirty="0"/>
+              <a:t>angle_slider = widgets.FloatSlider(value=39.0, min=-90.0, max=90.0, step=1.0, description=&amp;apos;Angle (Degrees)&amp;apos;)</a:t>
+            </a:r>
+            <a:br>
+              <a:rPr lang="en-US" altLang="zh-CN" sz="900" dirty="0"/>
+            </a:br>
+            <a:r>
+              <a:rPr lang="en-US" altLang="zh-CN" sz="900" dirty="0"/>
+              <a:t>angle_error_slider = widgets.FloatSlider(value=10, min=4.0, max=10.0, step=0.1, description=&amp;apos;Angle_Error (Degrees)&amp;apos;)</a:t>
+            </a:r>
+            <a:br>
+              <a:rPr lang="en-US" altLang="zh-CN" sz="900" dirty="0"/>
+            </a:br>
+            <a:r>
+              <a:rPr lang="en-US" altLang="zh-CN" sz="900" dirty="0"/>
+              <a:t>resist_slider = widgets.FloatSlider(value=5.10, min=5.0, max=6.0, step=0.05, description=&amp;apos;resist (m/s^2)&amp;apos;)</a:t>
+            </a:r>
+            <a:br>
+              <a:rPr lang="en-US" altLang="zh-CN" sz="900" dirty="0"/>
+            </a:br>
+            <a:r>
+              <a:rPr lang="en-US" altLang="zh-CN" sz="900" dirty="0"/>
+              <a:t/>
+            </a:r>
+            <a:br>
+              <a:rPr lang="en-US" altLang="zh-CN" sz="900" dirty="0"/>
+            </a:br>
+            <a:r>
+              <a:rPr lang="en-US" altLang="zh-CN" sz="900" dirty="0"/>
+              <a:t># Customize the size of the sliders using the layout property</a:t>
+            </a:r>
+            <a:br>
+              <a:rPr lang="en-US" altLang="zh-CN" sz="900" dirty="0"/>
+            </a:br>
+            <a:r>
+              <a:rPr lang="en-US" altLang="zh-CN" sz="900" dirty="0"/>
+              <a:t>slider_width = &amp;apos;100%&amp;apos;  # Adjust this value to change the width of the sliders</a:t>
+            </a:r>
+            <a:br>
+              <a:rPr lang="en-US" altLang="zh-CN" sz="900" dirty="0"/>
+            </a:br>
+            <a:r>
+              <a:rPr lang="en-US" altLang="zh-CN" sz="900" dirty="0"/>
+              <a:t/>
+            </a:r>
+            <a:br>
+              <a:rPr lang="en-US" altLang="zh-CN" sz="900" dirty="0"/>
+            </a:br>
+            <a:r>
+              <a:rPr lang="en-US" altLang="zh-CN" sz="900" dirty="0"/>
+              <a:t>x_target_slider.layout.width = slider_width</a:t>
+            </a:r>
+            <a:br>
+              <a:rPr lang="en-US" altLang="zh-CN" sz="900" dirty="0"/>
+            </a:br>
+            <a:r>
+              <a:rPr lang="en-US" altLang="zh-CN" sz="900" dirty="0"/>
+              <a:t>y_target_slider.layout.width = slider_width</a:t>
+            </a:r>
+            <a:br>
+              <a:rPr lang="en-US" altLang="zh-CN" sz="900" dirty="0"/>
+            </a:br>
+            <a:r>
+              <a:rPr lang="en-US" altLang="zh-CN" sz="900" dirty="0"/>
+              <a:t>velocity_slider.layout.width = slider_width</a:t>
+            </a:r>
+            <a:br>
+              <a:rPr lang="en-US" altLang="zh-CN" sz="900" dirty="0"/>
+            </a:br>
+            <a:r>
+              <a:rPr lang="en-US" altLang="zh-CN" sz="900" dirty="0"/>
+              <a:t>angle_slider.layout.width = slider_width</a:t>
+            </a:r>
+            <a:br>
+              <a:rPr lang="en-US" altLang="zh-CN" sz="900" dirty="0"/>
+            </a:br>
+            <a:r>
+              <a:rPr lang="en-US" altLang="zh-CN" sz="900" dirty="0"/>
+              <a:t/>
+            </a:r>
+            <a:br>
+              <a:rPr lang="en-US" altLang="zh-CN" sz="900" dirty="0"/>
+            </a:br>
+            <a:r>
+              <a:rPr lang="en-US" altLang="zh-CN" sz="900" dirty="0"/>
+              <a:t/>
+            </a:r>
+            <a:br>
+              <a:rPr lang="en-US" altLang="zh-CN" sz="900" dirty="0"/>
+            </a:br>
+            <a:r>
+              <a:rPr lang="en-US" altLang="zh-CN" sz="900" dirty="0"/>
+              <a:t># Display the interactive plot and print the launch angle</a:t>
+            </a:r>
+            <a:br>
+              <a:rPr lang="en-US" altLang="zh-CN" sz="900" dirty="0"/>
+            </a:br>
+            <a:r>
+              <a:rPr lang="en-US" altLang="zh-CN" sz="900" dirty="0"/>
+              <a:t>widgets.interactive(calculate_position, x_target=x_target_slider, y_target=y_target_slider, initial_velocity=velocity_slider, angle=angle_slider, angle_error=angle_error_slider, resist=resist_slider)</a:t>
+            </a:r>
+            <a:br>
+              <a:rPr lang="en-US" altLang="zh-CN" sz="900" dirty="0"/>
+            </a:br>
+            <a:r>
+              <a:rPr lang="en-US" altLang="zh-CN" sz="900" dirty="0"/>
+              <a:t/>
+            </a:r>
+            <a:br>
+              <a:rPr lang="en-US" altLang="zh-CN" sz="900" dirty="0"/>
+            </a:br>
+            <a:r>
+              <a:rPr lang="zh-CN" altLang="en-US" sz="900" dirty="0"/>
+              <a:t/>
+            </a:r>
+            <a:br>
+              <a:rPr lang="zh-CN" altLang="en-US" sz="900" dirty="0"/>
+            </a:br>
+            <a:r>
+              <a:rPr lang="zh-CN" altLang="en-US" sz="900" dirty="0"/>
+              <a:t/>
+            </a:r>
+            <a:br>
+              <a:rPr lang="zh-CN" altLang="en-US" sz="900" dirty="0"/>
+            </a:br>
+            <a:endParaRPr lang="zh-CN" altLang="en-US" sz="900" dirty="0"/>
+          </a:p>
+        </p:txBody>
+      </p:sp>
     </p:spTree>
     <p:extLst>
       <p:ext uri="{BB962C8B-B14F-4D97-AF65-F5344CB8AC3E}">

--- a/BaroAngEditor/BaroAngEditor/mods/Lines.pptx
+++ b/BaroAngEditor/BaroAngEditor/mods/Lines.pptx
@@ -215,7 +215,7 @@
           <a:p>
             <a:fld id="{F0D6F240-792E-4744-907A-4AD372E8111A}" type="datetimeFigureOut">
               <a:rPr lang="zh-CN" altLang="en-US" smtClean="0"/>
-              <a:t>2023/7/26</a:t>
+              <a:t>2023/7/27</a:t>
             </a:fld>
             <a:endParaRPr lang="zh-CN" altLang="en-US"/>
           </a:p>
@@ -1706,7 +1706,7 @@
           <a:p>
             <a:fld id="{EC490B39-3A65-4F7E-9267-FA0838AB48F0}" type="datetimeFigureOut">
               <a:rPr lang="zh-CN" altLang="en-US" smtClean="0"/>
-              <a:t>2023/7/26</a:t>
+              <a:t>2023/7/27</a:t>
             </a:fld>
             <a:endParaRPr lang="zh-CN" altLang="en-US"/>
           </a:p>
@@ -1876,7 +1876,7 @@
           <a:p>
             <a:fld id="{EC490B39-3A65-4F7E-9267-FA0838AB48F0}" type="datetimeFigureOut">
               <a:rPr lang="zh-CN" altLang="en-US" smtClean="0"/>
-              <a:t>2023/7/26</a:t>
+              <a:t>2023/7/27</a:t>
             </a:fld>
             <a:endParaRPr lang="zh-CN" altLang="en-US"/>
           </a:p>
@@ -2056,7 +2056,7 @@
           <a:p>
             <a:fld id="{EC490B39-3A65-4F7E-9267-FA0838AB48F0}" type="datetimeFigureOut">
               <a:rPr lang="zh-CN" altLang="en-US" smtClean="0"/>
-              <a:t>2023/7/26</a:t>
+              <a:t>2023/7/27</a:t>
             </a:fld>
             <a:endParaRPr lang="zh-CN" altLang="en-US"/>
           </a:p>
@@ -2226,7 +2226,7 @@
           <a:p>
             <a:fld id="{EC490B39-3A65-4F7E-9267-FA0838AB48F0}" type="datetimeFigureOut">
               <a:rPr lang="zh-CN" altLang="en-US" smtClean="0"/>
-              <a:t>2023/7/26</a:t>
+              <a:t>2023/7/27</a:t>
             </a:fld>
             <a:endParaRPr lang="zh-CN" altLang="en-US"/>
           </a:p>
@@ -2472,7 +2472,7 @@
           <a:p>
             <a:fld id="{EC490B39-3A65-4F7E-9267-FA0838AB48F0}" type="datetimeFigureOut">
               <a:rPr lang="zh-CN" altLang="en-US" smtClean="0"/>
-              <a:t>2023/7/26</a:t>
+              <a:t>2023/7/27</a:t>
             </a:fld>
             <a:endParaRPr lang="zh-CN" altLang="en-US"/>
           </a:p>
@@ -2704,7 +2704,7 @@
           <a:p>
             <a:fld id="{EC490B39-3A65-4F7E-9267-FA0838AB48F0}" type="datetimeFigureOut">
               <a:rPr lang="zh-CN" altLang="en-US" smtClean="0"/>
-              <a:t>2023/7/26</a:t>
+              <a:t>2023/7/27</a:t>
             </a:fld>
             <a:endParaRPr lang="zh-CN" altLang="en-US"/>
           </a:p>
@@ -3071,7 +3071,7 @@
           <a:p>
             <a:fld id="{EC490B39-3A65-4F7E-9267-FA0838AB48F0}" type="datetimeFigureOut">
               <a:rPr lang="zh-CN" altLang="en-US" smtClean="0"/>
-              <a:t>2023/7/26</a:t>
+              <a:t>2023/7/27</a:t>
             </a:fld>
             <a:endParaRPr lang="zh-CN" altLang="en-US"/>
           </a:p>
@@ -3189,7 +3189,7 @@
           <a:p>
             <a:fld id="{EC490B39-3A65-4F7E-9267-FA0838AB48F0}" type="datetimeFigureOut">
               <a:rPr lang="zh-CN" altLang="en-US" smtClean="0"/>
-              <a:t>2023/7/26</a:t>
+              <a:t>2023/7/27</a:t>
             </a:fld>
             <a:endParaRPr lang="zh-CN" altLang="en-US"/>
           </a:p>
@@ -3284,7 +3284,7 @@
           <a:p>
             <a:fld id="{EC490B39-3A65-4F7E-9267-FA0838AB48F0}" type="datetimeFigureOut">
               <a:rPr lang="zh-CN" altLang="en-US" smtClean="0"/>
-              <a:t>2023/7/26</a:t>
+              <a:t>2023/7/27</a:t>
             </a:fld>
             <a:endParaRPr lang="zh-CN" altLang="en-US"/>
           </a:p>
@@ -3561,7 +3561,7 @@
           <a:p>
             <a:fld id="{EC490B39-3A65-4F7E-9267-FA0838AB48F0}" type="datetimeFigureOut">
               <a:rPr lang="zh-CN" altLang="en-US" smtClean="0"/>
-              <a:t>2023/7/26</a:t>
+              <a:t>2023/7/27</a:t>
             </a:fld>
             <a:endParaRPr lang="zh-CN" altLang="en-US"/>
           </a:p>
@@ -3814,7 +3814,7 @@
           <a:p>
             <a:fld id="{EC490B39-3A65-4F7E-9267-FA0838AB48F0}" type="datetimeFigureOut">
               <a:rPr lang="zh-CN" altLang="en-US" smtClean="0"/>
-              <a:t>2023/7/26</a:t>
+              <a:t>2023/7/27</a:t>
             </a:fld>
             <a:endParaRPr lang="zh-CN" altLang="en-US"/>
           </a:p>
@@ -4027,7 +4027,7 @@
           <a:p>
             <a:fld id="{EC490B39-3A65-4F7E-9267-FA0838AB48F0}" type="datetimeFigureOut">
               <a:rPr lang="zh-CN" altLang="en-US" smtClean="0"/>
-              <a:t>2023/7/26</a:t>
+              <a:t>2023/7/27</a:t>
             </a:fld>
             <a:endParaRPr lang="zh-CN" altLang="en-US"/>
           </a:p>
@@ -4440,7 +4440,7 @@
         </p:nvSpPr>
         <p:spPr>
           <a:xfrm>
-            <a:off x="5089688" y="2712990"/>
+            <a:off x="5779817" y="2856114"/>
             <a:ext cx="1126024" cy="470780"/>
           </a:xfrm>
           <a:prstGeom prst="rect">
@@ -4498,7 +4498,7 @@
         </p:nvSpPr>
         <p:spPr>
           <a:xfrm>
-            <a:off x="1204112" y="1828801"/>
+            <a:off x="1894241" y="1971925"/>
             <a:ext cx="733330" cy="697116"/>
           </a:xfrm>
           <a:prstGeom prst="rect">
@@ -4556,7 +4556,7 @@
         </p:nvSpPr>
         <p:spPr>
           <a:xfrm>
-            <a:off x="253497" y="1828801"/>
+            <a:off x="943626" y="1971925"/>
             <a:ext cx="733330" cy="697116"/>
           </a:xfrm>
           <a:prstGeom prst="rect">
@@ -4614,7 +4614,7 @@
         </p:nvSpPr>
         <p:spPr>
           <a:xfrm>
-            <a:off x="1204112" y="2670773"/>
+            <a:off x="1894241" y="2813897"/>
             <a:ext cx="733330" cy="697116"/>
           </a:xfrm>
           <a:prstGeom prst="rect">
@@ -4672,7 +4672,7 @@
         </p:nvSpPr>
         <p:spPr>
           <a:xfrm>
-            <a:off x="253497" y="2670773"/>
+            <a:off x="943626" y="2813897"/>
             <a:ext cx="733330" cy="697116"/>
           </a:xfrm>
           <a:prstGeom prst="rect">
@@ -4733,7 +4733,7 @@
         </p:nvCxnSpPr>
         <p:spPr>
           <a:xfrm>
-            <a:off x="986827" y="2177359"/>
+            <a:off x="1676956" y="2320483"/>
             <a:ext cx="217285" cy="0"/>
           </a:xfrm>
           <a:prstGeom prst="straightConnector1">
@@ -4769,7 +4769,7 @@
         </p:nvCxnSpPr>
         <p:spPr>
           <a:xfrm>
-            <a:off x="986827" y="3019331"/>
+            <a:off x="1676956" y="3162455"/>
             <a:ext cx="217285" cy="0"/>
           </a:xfrm>
           <a:prstGeom prst="straightConnector1">
@@ -4805,7 +4805,7 @@
         </p:nvCxnSpPr>
         <p:spPr>
           <a:xfrm>
-            <a:off x="1570777" y="2525917"/>
+            <a:off x="2260906" y="2669041"/>
             <a:ext cx="0" cy="144856"/>
           </a:xfrm>
           <a:prstGeom prst="straightConnector1">
@@ -4841,7 +4841,7 @@
         </p:nvCxnSpPr>
         <p:spPr>
           <a:xfrm flipH="1">
-            <a:off x="1937442" y="2161156"/>
+            <a:off x="2627571" y="2304280"/>
             <a:ext cx="1550658" cy="16203"/>
           </a:xfrm>
           <a:prstGeom prst="straightConnector1">
@@ -4874,7 +4874,7 @@
         </p:nvSpPr>
         <p:spPr>
           <a:xfrm>
-            <a:off x="3488100" y="1935951"/>
+            <a:off x="4178229" y="2079075"/>
             <a:ext cx="970986" cy="450409"/>
           </a:xfrm>
           <a:prstGeom prst="rect">
@@ -4932,7 +4932,7 @@
         </p:nvSpPr>
         <p:spPr>
           <a:xfrm>
-            <a:off x="2271386" y="2210302"/>
+            <a:off x="2961515" y="2353426"/>
             <a:ext cx="364403" cy="369332"/>
           </a:xfrm>
           <a:prstGeom prst="rect">
@@ -4978,7 +4978,7 @@
         </p:nvSpPr>
         <p:spPr>
           <a:xfrm>
-            <a:off x="2981992" y="2398078"/>
+            <a:off x="3672121" y="2541202"/>
             <a:ext cx="624690" cy="369332"/>
           </a:xfrm>
           <a:prstGeom prst="rect">
@@ -5002,71 +5002,13 @@
       </p:sp>
       <p:sp>
         <p:nvSpPr>
-          <p:cNvPr id="41" name="矩形 40"/>
-          <p:cNvSpPr/>
-          <p:nvPr/>
-        </p:nvSpPr>
-        <p:spPr>
-          <a:xfrm>
-            <a:off x="1182614" y="996164"/>
-            <a:ext cx="733330" cy="697116"/>
-          </a:xfrm>
-          <a:prstGeom prst="rect">
-            <a:avLst/>
-          </a:prstGeom>
-          <a:noFill/>
-          <a:ln w="19050">
-            <a:solidFill>
-              <a:schemeClr val="tx1"/>
-            </a:solidFill>
-          </a:ln>
-        </p:spPr>
-        <p:style>
-          <a:lnRef idx="2">
-            <a:schemeClr val="accent1">
-              <a:shade val="50000"/>
-            </a:schemeClr>
-          </a:lnRef>
-          <a:fillRef idx="1">
-            <a:schemeClr val="accent1"/>
-          </a:fillRef>
-          <a:effectRef idx="0">
-            <a:schemeClr val="accent1"/>
-          </a:effectRef>
-          <a:fontRef idx="minor">
-            <a:schemeClr val="lt1"/>
-          </a:fontRef>
-        </p:style>
-        <p:txBody>
-          <a:bodyPr rtlCol="0" anchor="ctr"/>
-          <a:lstStyle/>
-          <a:p>
-            <a:pPr algn="ctr"/>
-            <a:r>
-              <a:rPr lang="en-US" altLang="zh-CN" dirty="0" smtClean="0">
-                <a:solidFill>
-                  <a:schemeClr val="tx1"/>
-                </a:solidFill>
-              </a:rPr>
-              <a:t>*</a:t>
-            </a:r>
-            <a:endParaRPr lang="zh-CN" altLang="en-US" dirty="0">
-              <a:solidFill>
-                <a:schemeClr val="tx1"/>
-              </a:solidFill>
-            </a:endParaRPr>
-          </a:p>
-        </p:txBody>
-      </p:sp>
-      <p:sp>
-        <p:nvSpPr>
           <p:cNvPr id="45" name="文本框 44"/>
           <p:cNvSpPr txBox="1"/>
           <p:nvPr/>
         </p:nvSpPr>
         <p:spPr>
           <a:xfrm>
-            <a:off x="2649272" y="1726082"/>
+            <a:off x="3339401" y="1869206"/>
             <a:ext cx="364403" cy="369332"/>
           </a:xfrm>
           <a:prstGeom prst="rect">
@@ -5096,7 +5038,7 @@
         </p:nvSpPr>
         <p:spPr>
           <a:xfrm>
-            <a:off x="2173960" y="2662001"/>
+            <a:off x="2864089" y="2805125"/>
             <a:ext cx="733330" cy="697116"/>
           </a:xfrm>
           <a:prstGeom prst="rect">
@@ -5154,7 +5096,7 @@
         </p:nvSpPr>
         <p:spPr>
           <a:xfrm>
-            <a:off x="2173960" y="996728"/>
+            <a:off x="1894241" y="1108632"/>
             <a:ext cx="733330" cy="697116"/>
           </a:xfrm>
           <a:prstGeom prst="rect">
@@ -5208,15 +5150,15 @@
         <p:nvCxnSpPr>
           <p:cNvPr id="66" name="直接箭头连接符 65"/>
           <p:cNvCxnSpPr>
-            <a:stCxn id="41" idx="3"/>
-            <a:endCxn id="59" idx="1"/>
+            <a:stCxn id="11" idx="0"/>
+            <a:endCxn id="59" idx="2"/>
           </p:cNvCxnSpPr>
           <p:nvPr/>
         </p:nvCxnSpPr>
         <p:spPr>
-          <a:xfrm>
-            <a:off x="1915944" y="1344722"/>
-            <a:ext cx="258016" cy="564"/>
+          <a:xfrm flipV="1">
+            <a:off x="2260906" y="1805748"/>
+            <a:ext cx="0" cy="166177"/>
           </a:xfrm>
           <a:prstGeom prst="straightConnector1">
             <a:avLst/>
@@ -5251,7 +5193,7 @@
         </p:nvCxnSpPr>
         <p:spPr>
           <a:xfrm flipV="1">
-            <a:off x="1937442" y="3010559"/>
+            <a:off x="2627571" y="3153683"/>
             <a:ext cx="236518" cy="8772"/>
           </a:xfrm>
           <a:prstGeom prst="straightConnector1">
@@ -5287,44 +5229,8 @@
         </p:nvCxnSpPr>
         <p:spPr>
           <a:xfrm flipV="1">
-            <a:off x="2907290" y="2386360"/>
+            <a:off x="3597419" y="2529484"/>
             <a:ext cx="1066303" cy="624199"/>
-          </a:xfrm>
-          <a:prstGeom prst="straightConnector1">
-            <a:avLst/>
-          </a:prstGeom>
-          <a:ln>
-            <a:tailEnd type="triangle"/>
-          </a:ln>
-        </p:spPr>
-        <p:style>
-          <a:lnRef idx="1">
-            <a:schemeClr val="accent1"/>
-          </a:lnRef>
-          <a:fillRef idx="0">
-            <a:schemeClr val="accent1"/>
-          </a:fillRef>
-          <a:effectRef idx="0">
-            <a:schemeClr val="accent1"/>
-          </a:effectRef>
-          <a:fontRef idx="minor">
-            <a:schemeClr val="tx1"/>
-          </a:fontRef>
-        </p:style>
-      </p:cxnSp>
-      <p:cxnSp>
-        <p:nvCxnSpPr>
-          <p:cNvPr id="83" name="直接箭头连接符 82"/>
-          <p:cNvCxnSpPr>
-            <a:stCxn id="27" idx="1"/>
-            <a:endCxn id="41" idx="2"/>
-          </p:cNvCxnSpPr>
-          <p:nvPr/>
-        </p:nvCxnSpPr>
-        <p:spPr>
-          <a:xfrm flipH="1" flipV="1">
-            <a:off x="1549279" y="1693280"/>
-            <a:ext cx="1938821" cy="467876"/>
           </a:xfrm>
           <a:prstGeom prst="straightConnector1">
             <a:avLst/>
@@ -5356,7 +5262,7 @@
         </p:nvSpPr>
         <p:spPr>
           <a:xfrm>
-            <a:off x="5089688" y="1061744"/>
+            <a:off x="5779817" y="1204868"/>
             <a:ext cx="1126024" cy="442393"/>
           </a:xfrm>
           <a:prstGeom prst="rect">
@@ -5414,7 +5320,7 @@
         </p:nvSpPr>
         <p:spPr>
           <a:xfrm>
-            <a:off x="3784317" y="457039"/>
+            <a:off x="4474446" y="600163"/>
             <a:ext cx="624690" cy="369332"/>
           </a:xfrm>
           <a:prstGeom prst="rect">
@@ -5444,7 +5350,7 @@
         </p:nvSpPr>
         <p:spPr>
           <a:xfrm>
-            <a:off x="2426738" y="4098895"/>
+            <a:off x="2864089" y="4420682"/>
             <a:ext cx="733330" cy="691132"/>
           </a:xfrm>
           <a:prstGeom prst="rect">
@@ -5479,14 +5385,38 @@
           <a:p>
             <a:pPr algn="ctr"/>
             <a:r>
-              <a:rPr lang="en-US" altLang="zh-CN" dirty="0" smtClean="0">
+              <a:rPr lang="en-US" altLang="zh-CN" sz="1200" dirty="0" smtClean="0">
                 <a:solidFill>
                   <a:schemeClr val="tx1"/>
                 </a:solidFill>
               </a:rPr>
-              <a:t>EXP</a:t>
-            </a:r>
-            <a:endParaRPr lang="zh-CN" altLang="en-US" dirty="0">
+              <a:t>RegEx</a:t>
+            </a:r>
+            <a:r>
+              <a:rPr lang="zh-CN" altLang="en-US" sz="1200" dirty="0" smtClean="0">
+                <a:solidFill>
+                  <a:schemeClr val="tx1"/>
+                </a:solidFill>
+              </a:rPr>
+              <a:t>（</a:t>
+            </a:r>
+            <a:r>
+              <a:rPr lang="en-US" altLang="zh-CN" sz="1200" dirty="0" smtClean="0">
+                <a:solidFill>
+                  <a:schemeClr val="tx1"/>
+                </a:solidFill>
+              </a:rPr>
+              <a:t>0,2</a:t>
+            </a:r>
+            <a:r>
+              <a:rPr lang="zh-CN" altLang="en-US" sz="1200" dirty="0" smtClean="0">
+                <a:solidFill>
+                  <a:schemeClr val="tx1"/>
+                </a:solidFill>
+              </a:rPr>
+              <a:t>）</a:t>
+            </a:r>
+            <a:endParaRPr lang="zh-CN" altLang="en-US" sz="1200" dirty="0">
               <a:solidFill>
                 <a:schemeClr val="tx1"/>
               </a:solidFill>
@@ -5502,7 +5432,7 @@
         </p:nvSpPr>
         <p:spPr>
           <a:xfrm>
-            <a:off x="3487537" y="3686662"/>
+            <a:off x="4177666" y="3829786"/>
             <a:ext cx="972113" cy="488326"/>
           </a:xfrm>
           <a:prstGeom prst="rect">
@@ -5563,8 +5493,8 @@
         </p:nvCxnSpPr>
         <p:spPr>
           <a:xfrm flipH="1">
-            <a:off x="3160068" y="3930825"/>
-            <a:ext cx="327469" cy="513636"/>
+            <a:off x="3597419" y="4073949"/>
+            <a:ext cx="580247" cy="692299"/>
           </a:xfrm>
           <a:prstGeom prst="straightConnector1">
             <a:avLst/>
@@ -5596,7 +5526,7 @@
         </p:nvSpPr>
         <p:spPr>
           <a:xfrm>
-            <a:off x="3574110" y="4383347"/>
+            <a:off x="4264239" y="4526471"/>
             <a:ext cx="798966" cy="479554"/>
           </a:xfrm>
           <a:prstGeom prst="rect">
@@ -5657,8 +5587,8 @@
         </p:nvCxnSpPr>
         <p:spPr>
           <a:xfrm>
-            <a:off x="3160068" y="4444461"/>
-            <a:ext cx="414042" cy="178663"/>
+            <a:off x="3597419" y="4766248"/>
+            <a:ext cx="666820" cy="0"/>
           </a:xfrm>
           <a:prstGeom prst="straightConnector1">
             <a:avLst/>
@@ -5690,7 +5620,7 @@
         </p:nvSpPr>
         <p:spPr>
           <a:xfrm>
-            <a:off x="3487537" y="2750200"/>
+            <a:off x="4177666" y="2893324"/>
             <a:ext cx="972113" cy="488326"/>
           </a:xfrm>
           <a:prstGeom prst="rect">
@@ -5748,7 +5678,7 @@
         </p:nvSpPr>
         <p:spPr>
           <a:xfrm>
-            <a:off x="3449059" y="1038777"/>
+            <a:off x="4139188" y="1181901"/>
             <a:ext cx="1049069" cy="488326"/>
           </a:xfrm>
           <a:prstGeom prst="rect">
@@ -5817,7 +5747,7 @@
         </p:nvCxnSpPr>
         <p:spPr>
           <a:xfrm flipV="1">
-            <a:off x="3973593" y="3238526"/>
+            <a:off x="4663722" y="3381650"/>
             <a:ext cx="0" cy="448136"/>
           </a:xfrm>
           <a:prstGeom prst="straightConnector1">
@@ -5853,7 +5783,7 @@
         </p:nvCxnSpPr>
         <p:spPr>
           <a:xfrm flipH="1" flipV="1">
-            <a:off x="3973593" y="2386360"/>
+            <a:off x="4663722" y="2529484"/>
             <a:ext cx="1" cy="363840"/>
           </a:xfrm>
           <a:prstGeom prst="straightConnector1">
@@ -5889,7 +5819,7 @@
         </p:nvCxnSpPr>
         <p:spPr>
           <a:xfrm flipV="1">
-            <a:off x="3973593" y="1527103"/>
+            <a:off x="4663722" y="1670227"/>
             <a:ext cx="1" cy="408848"/>
           </a:xfrm>
           <a:prstGeom prst="straightConnector1">
@@ -5928,7 +5858,7 @@
         </p:nvCxnSpPr>
         <p:spPr>
           <a:xfrm>
-            <a:off x="4498128" y="1282940"/>
+            <a:off x="5188257" y="1426064"/>
             <a:ext cx="591560" cy="1"/>
           </a:xfrm>
           <a:prstGeom prst="straightConnector1">
@@ -5964,7 +5894,7 @@
         </p:nvSpPr>
         <p:spPr>
           <a:xfrm>
-            <a:off x="5089688" y="3330176"/>
+            <a:off x="5779817" y="3473300"/>
             <a:ext cx="1225333" cy="488326"/>
           </a:xfrm>
           <a:prstGeom prst="rect">
@@ -6033,7 +5963,7 @@
         </p:nvCxnSpPr>
         <p:spPr>
           <a:xfrm>
-            <a:off x="4459650" y="2994363"/>
+            <a:off x="5149779" y="3137487"/>
             <a:ext cx="630038" cy="579976"/>
           </a:xfrm>
           <a:prstGeom prst="straightConnector1">
@@ -6069,7 +5999,7 @@
         </p:nvSpPr>
         <p:spPr>
           <a:xfrm>
-            <a:off x="5089688" y="1653021"/>
+            <a:off x="5779817" y="1796145"/>
             <a:ext cx="1126024" cy="442393"/>
           </a:xfrm>
           <a:prstGeom prst="rect">
@@ -6127,7 +6057,7 @@
         </p:nvSpPr>
         <p:spPr>
           <a:xfrm>
-            <a:off x="5089688" y="2174671"/>
+            <a:off x="5779817" y="2317795"/>
             <a:ext cx="1126024" cy="442393"/>
           </a:xfrm>
           <a:prstGeom prst="rect">
@@ -6188,7 +6118,7 @@
         </p:nvCxnSpPr>
         <p:spPr>
           <a:xfrm>
-            <a:off x="4498128" y="1282940"/>
+            <a:off x="5188257" y="1426064"/>
             <a:ext cx="591560" cy="591278"/>
           </a:xfrm>
           <a:prstGeom prst="straightConnector1">
@@ -6227,7 +6157,7 @@
         </p:nvCxnSpPr>
         <p:spPr>
           <a:xfrm>
-            <a:off x="4498128" y="1282940"/>
+            <a:off x="5188257" y="1426064"/>
             <a:ext cx="591560" cy="1112928"/>
           </a:xfrm>
           <a:prstGeom prst="straightConnector1">
@@ -6266,7 +6196,7 @@
         </p:nvCxnSpPr>
         <p:spPr>
           <a:xfrm>
-            <a:off x="4498128" y="1282940"/>
+            <a:off x="5188257" y="1426064"/>
             <a:ext cx="591560" cy="1665440"/>
           </a:xfrm>
           <a:prstGeom prst="straightConnector1">
@@ -6305,12 +6235,12 @@
         </p:nvCxnSpPr>
         <p:spPr>
           <a:xfrm rot="16200000" flipH="1">
-            <a:off x="4064154" y="-526801"/>
-            <a:ext cx="65016" cy="3112075"/>
+            <a:off x="4253749" y="-884211"/>
+            <a:ext cx="96236" cy="4081923"/>
           </a:xfrm>
           <a:prstGeom prst="bentConnector3">
             <a:avLst>
-              <a:gd name="adj1" fmla="val -351606"/>
+              <a:gd name="adj1" fmla="val -237541"/>
             </a:avLst>
           </a:prstGeom>
           <a:ln>
@@ -6340,7 +6270,7 @@
         </p:nvSpPr>
         <p:spPr>
           <a:xfrm>
-            <a:off x="5089689" y="3956135"/>
+            <a:off x="5779818" y="4099259"/>
             <a:ext cx="1126024" cy="488326"/>
           </a:xfrm>
           <a:prstGeom prst="rect">
@@ -6398,7 +6328,7 @@
         </p:nvSpPr>
         <p:spPr>
           <a:xfrm>
-            <a:off x="5089689" y="4582094"/>
+            <a:off x="5779818" y="4725218"/>
             <a:ext cx="1126024" cy="488326"/>
           </a:xfrm>
           <a:prstGeom prst="rect">
@@ -6459,7 +6389,7 @@
         </p:nvCxnSpPr>
         <p:spPr>
           <a:xfrm>
-            <a:off x="4459650" y="2994363"/>
+            <a:off x="5149779" y="3137487"/>
             <a:ext cx="630039" cy="1205935"/>
           </a:xfrm>
           <a:prstGeom prst="straightConnector1">
@@ -6498,7 +6428,7 @@
         </p:nvCxnSpPr>
         <p:spPr>
           <a:xfrm>
-            <a:off x="4459650" y="2994363"/>
+            <a:off x="5149779" y="3137487"/>
             <a:ext cx="630039" cy="1831894"/>
           </a:xfrm>
           <a:prstGeom prst="straightConnector1">
@@ -6534,8 +6464,8 @@
         </p:nvSpPr>
         <p:spPr>
           <a:xfrm>
-            <a:off x="9303283" y="801943"/>
-            <a:ext cx="733330" cy="473668"/>
+            <a:off x="9274654" y="668001"/>
+            <a:ext cx="733330" cy="780367"/>
           </a:xfrm>
           <a:prstGeom prst="rect">
             <a:avLst/>
@@ -6574,7 +6504,7 @@
                   <a:schemeClr val="tx1"/>
                 </a:solidFill>
               </a:rPr>
-              <a:t>water</a:t>
+              <a:t>MEM-100</a:t>
             </a:r>
             <a:endParaRPr lang="zh-CN" altLang="en-US" dirty="0">
               <a:solidFill>
@@ -6654,7 +6584,7 @@
         <p:spPr>
           <a:xfrm flipH="1" flipV="1">
             <a:off x="8234687" y="1037333"/>
-            <a:ext cx="1068596" cy="1444"/>
+            <a:ext cx="1039967" cy="20852"/>
           </a:xfrm>
           <a:prstGeom prst="straightConnector1">
             <a:avLst/>
@@ -6689,8 +6619,8 @@
         </p:nvSpPr>
         <p:spPr>
           <a:xfrm>
-            <a:off x="8419935" y="714167"/>
-            <a:ext cx="698100" cy="646331"/>
+            <a:off x="8558561" y="668001"/>
+            <a:ext cx="517331" cy="369332"/>
           </a:xfrm>
           <a:prstGeom prst="rect">
             <a:avLst/>
@@ -6708,51 +6638,8 @@
               <a:t>Set</a:t>
             </a:r>
           </a:p>
-          <a:p>
-            <a:r>
-              <a:rPr lang="en-US" altLang="zh-CN" dirty="0" smtClean="0"/>
-              <a:t>state</a:t>
-            </a:r>
-            <a:endParaRPr lang="zh-CN" altLang="en-US" dirty="0"/>
-          </a:p>
-        </p:txBody>
-      </p:sp>
-      <p:cxnSp>
-        <p:nvCxnSpPr>
-          <p:cNvPr id="3" name="肘形连接符 2"/>
-          <p:cNvCxnSpPr>
-            <a:stCxn id="12" idx="0"/>
-            <a:endCxn id="41" idx="1"/>
-          </p:cNvCxnSpPr>
-          <p:nvPr/>
-        </p:nvCxnSpPr>
-        <p:spPr>
-          <a:xfrm rot="5400000" flipH="1" flipV="1">
-            <a:off x="659349" y="1305536"/>
-            <a:ext cx="484079" cy="562452"/>
-          </a:xfrm>
-          <a:prstGeom prst="bentConnector2">
-            <a:avLst/>
-          </a:prstGeom>
-          <a:ln w="19050">
-            <a:tailEnd type="triangle"/>
-          </a:ln>
-        </p:spPr>
-        <p:style>
-          <a:lnRef idx="1">
-            <a:schemeClr val="accent1"/>
-          </a:lnRef>
-          <a:fillRef idx="0">
-            <a:schemeClr val="accent1"/>
-          </a:fillRef>
-          <a:effectRef idx="0">
-            <a:schemeClr val="accent1"/>
-          </a:effectRef>
-          <a:fontRef idx="minor">
-            <a:schemeClr val="tx1"/>
-          </a:fontRef>
-        </p:style>
-      </p:cxnSp>
+        </p:txBody>
+      </p:sp>
     </p:spTree>
     <p:extLst>
       <p:ext uri="{BB962C8B-B14F-4D97-AF65-F5344CB8AC3E}">
@@ -8599,7 +8486,7 @@
         </p:nvSpPr>
         <p:spPr>
           <a:xfrm>
-            <a:off x="7779894" y="1017332"/>
+            <a:off x="6133202" y="933254"/>
             <a:ext cx="972113" cy="488326"/>
           </a:xfrm>
           <a:prstGeom prst="rect">
@@ -8634,12 +8521,12 @@
           <a:p>
             <a:pPr algn="ctr"/>
             <a:r>
-              <a:rPr lang="en-US" altLang="zh-CN" dirty="0" smtClean="0">
+              <a:rPr lang="en-US" altLang="zh-CN" dirty="0">
                 <a:solidFill>
                   <a:schemeClr val="tx1"/>
                 </a:solidFill>
               </a:rPr>
-              <a:t>Switch</a:t>
+              <a:t>Hatch state</a:t>
             </a:r>
             <a:endParaRPr lang="zh-CN" altLang="en-US" dirty="0">
               <a:solidFill>
@@ -8657,7 +8544,7 @@
         </p:nvSpPr>
         <p:spPr>
           <a:xfrm>
-            <a:off x="9358524" y="918717"/>
+            <a:off x="7711832" y="834639"/>
             <a:ext cx="733330" cy="695179"/>
           </a:xfrm>
           <a:prstGeom prst="rect">
@@ -8715,7 +8602,7 @@
         </p:nvSpPr>
         <p:spPr>
           <a:xfrm>
-            <a:off x="10465180" y="1017332"/>
+            <a:off x="8818488" y="933254"/>
             <a:ext cx="972113" cy="488326"/>
           </a:xfrm>
           <a:prstGeom prst="rect">
@@ -8787,7 +8674,7 @@
         </p:nvCxnSpPr>
         <p:spPr>
           <a:xfrm>
-            <a:off x="8752007" y="1261495"/>
+            <a:off x="7105315" y="1177417"/>
             <a:ext cx="606517" cy="4812"/>
           </a:xfrm>
           <a:prstGeom prst="straightConnector1">
@@ -8823,7 +8710,7 @@
         </p:nvCxnSpPr>
         <p:spPr>
           <a:xfrm flipV="1">
-            <a:off x="10091854" y="1261495"/>
+            <a:off x="8445162" y="1177417"/>
             <a:ext cx="373326" cy="4812"/>
           </a:xfrm>
           <a:prstGeom prst="straightConnector1">
@@ -9004,7 +8891,7 @@
                   <a:schemeClr val="tx1"/>
                 </a:solidFill>
               </a:rPr>
-              <a:t>Switch</a:t>
+              <a:t>Hatch state</a:t>
             </a:r>
             <a:endParaRPr lang="zh-CN" altLang="en-US" dirty="0">
               <a:solidFill>
@@ -9058,7 +8945,7 @@
         </p:nvSpPr>
         <p:spPr>
           <a:xfrm>
-            <a:off x="10470772" y="1917637"/>
+            <a:off x="8824080" y="1833559"/>
             <a:ext cx="972113" cy="543184"/>
           </a:xfrm>
           <a:prstGeom prst="rect">
@@ -9127,7 +9014,7 @@
         </p:nvSpPr>
         <p:spPr>
           <a:xfrm>
-            <a:off x="7800970" y="2481458"/>
+            <a:off x="6154278" y="2397380"/>
             <a:ext cx="972113" cy="543184"/>
           </a:xfrm>
           <a:prstGeom prst="rect">
@@ -9196,7 +9083,7 @@
         </p:nvSpPr>
         <p:spPr>
           <a:xfrm>
-            <a:off x="9358524" y="1812065"/>
+            <a:off x="7711832" y="1727987"/>
             <a:ext cx="733330" cy="773274"/>
           </a:xfrm>
           <a:prstGeom prst="rect">
@@ -9256,7 +9143,7 @@
         </p:nvCxnSpPr>
         <p:spPr>
           <a:xfrm flipV="1">
-            <a:off x="10091854" y="2189229"/>
+            <a:off x="8445162" y="2105151"/>
             <a:ext cx="378918" cy="9473"/>
           </a:xfrm>
           <a:prstGeom prst="straightConnector1">
@@ -9292,7 +9179,7 @@
         </p:nvCxnSpPr>
         <p:spPr>
           <a:xfrm flipH="1" flipV="1">
-            <a:off x="8773083" y="2753050"/>
+            <a:off x="7126391" y="2668972"/>
             <a:ext cx="585441" cy="404986"/>
           </a:xfrm>
           <a:prstGeom prst="straightConnector1">
@@ -9325,7 +9212,7 @@
         </p:nvSpPr>
         <p:spPr>
           <a:xfrm>
-            <a:off x="9358524" y="2771399"/>
+            <a:off x="7711832" y="2687321"/>
             <a:ext cx="733330" cy="773274"/>
           </a:xfrm>
           <a:prstGeom prst="rect">
@@ -9397,7 +9284,7 @@
         </p:nvCxnSpPr>
         <p:spPr>
           <a:xfrm rot="5400000">
-            <a:off x="10175735" y="2376941"/>
+            <a:off x="8529043" y="2292863"/>
             <a:ext cx="697215" cy="864975"/>
           </a:xfrm>
           <a:prstGeom prst="bentConnector2">
@@ -9433,7 +9320,7 @@
         </p:nvCxnSpPr>
         <p:spPr>
           <a:xfrm flipV="1">
-            <a:off x="9725189" y="2585339"/>
+            <a:off x="8078497" y="2501261"/>
             <a:ext cx="0" cy="186060"/>
           </a:xfrm>
           <a:prstGeom prst="straightConnector1">
@@ -9466,7 +9353,7 @@
         </p:nvSpPr>
         <p:spPr>
           <a:xfrm>
-            <a:off x="7800969" y="3244654"/>
+            <a:off x="6154277" y="3160576"/>
             <a:ext cx="972113" cy="795208"/>
           </a:xfrm>
           <a:prstGeom prst="rect">
@@ -9546,111 +9433,6 @@
           </a:p>
         </p:txBody>
       </p:sp>
-      <p:sp>
-        <p:nvSpPr>
-          <p:cNvPr id="246" name="矩形 245"/>
-          <p:cNvSpPr/>
-          <p:nvPr/>
-        </p:nvSpPr>
-        <p:spPr>
-          <a:xfrm>
-            <a:off x="6640335" y="3295904"/>
-            <a:ext cx="733330" cy="701768"/>
-          </a:xfrm>
-          <a:prstGeom prst="rect">
-            <a:avLst/>
-          </a:prstGeom>
-          <a:noFill/>
-          <a:ln>
-            <a:solidFill>
-              <a:schemeClr val="tx1"/>
-            </a:solidFill>
-          </a:ln>
-        </p:spPr>
-        <p:style>
-          <a:lnRef idx="2">
-            <a:schemeClr val="accent1">
-              <a:shade val="50000"/>
-            </a:schemeClr>
-          </a:lnRef>
-          <a:fillRef idx="1">
-            <a:schemeClr val="accent1"/>
-          </a:fillRef>
-          <a:effectRef idx="0">
-            <a:schemeClr val="accent1"/>
-          </a:effectRef>
-          <a:fontRef idx="minor">
-            <a:schemeClr val="lt1"/>
-          </a:fontRef>
-        </p:style>
-        <p:txBody>
-          <a:bodyPr rtlCol="0" anchor="ctr"/>
-          <a:lstStyle/>
-          <a:p>
-            <a:pPr algn="ctr"/>
-            <a:r>
-              <a:rPr lang="en-US" altLang="zh-CN" sz="1600" dirty="0" smtClean="0">
-                <a:solidFill>
-                  <a:schemeClr val="tx1"/>
-                </a:solidFill>
-              </a:rPr>
-              <a:t>If(1):</a:t>
-            </a:r>
-          </a:p>
-          <a:p>
-            <a:pPr algn="ctr"/>
-            <a:r>
-              <a:rPr lang="en-US" altLang="zh-CN" sz="1600" dirty="0" smtClean="0">
-                <a:solidFill>
-                  <a:schemeClr val="tx1"/>
-                </a:solidFill>
-              </a:rPr>
-              <a:t>0?null</a:t>
-            </a:r>
-            <a:endParaRPr lang="zh-CN" altLang="en-US" sz="1600" dirty="0">
-              <a:solidFill>
-                <a:schemeClr val="tx1"/>
-              </a:solidFill>
-            </a:endParaRPr>
-          </a:p>
-        </p:txBody>
-      </p:sp>
-      <p:cxnSp>
-        <p:nvCxnSpPr>
-          <p:cNvPr id="248" name="直接箭头连接符 247"/>
-          <p:cNvCxnSpPr>
-            <a:stCxn id="241" idx="1"/>
-            <a:endCxn id="246" idx="3"/>
-          </p:cNvCxnSpPr>
-          <p:nvPr/>
-        </p:nvCxnSpPr>
-        <p:spPr>
-          <a:xfrm flipH="1">
-            <a:off x="7373665" y="3642258"/>
-            <a:ext cx="427304" cy="4530"/>
-          </a:xfrm>
-          <a:prstGeom prst="straightConnector1">
-            <a:avLst/>
-          </a:prstGeom>
-          <a:ln>
-            <a:tailEnd type="triangle"/>
-          </a:ln>
-        </p:spPr>
-        <p:style>
-          <a:lnRef idx="1">
-            <a:schemeClr val="accent1"/>
-          </a:lnRef>
-          <a:fillRef idx="0">
-            <a:schemeClr val="accent1"/>
-          </a:fillRef>
-          <a:effectRef idx="0">
-            <a:schemeClr val="accent1"/>
-          </a:effectRef>
-          <a:fontRef idx="minor">
-            <a:schemeClr val="tx1"/>
-          </a:fontRef>
-        </p:style>
-      </p:cxnSp>
       <p:cxnSp>
         <p:nvCxnSpPr>
           <p:cNvPr id="253" name="直接箭头连接符 252"/>
@@ -9662,177 +9444,8 @@
         </p:nvCxnSpPr>
         <p:spPr>
           <a:xfrm flipH="1">
-            <a:off x="8773082" y="3158036"/>
+            <a:off x="7126390" y="3073958"/>
             <a:ext cx="585442" cy="484222"/>
-          </a:xfrm>
-          <a:prstGeom prst="straightConnector1">
-            <a:avLst/>
-          </a:prstGeom>
-          <a:ln>
-            <a:tailEnd type="triangle"/>
-          </a:ln>
-        </p:spPr>
-        <p:style>
-          <a:lnRef idx="1">
-            <a:schemeClr val="accent1"/>
-          </a:lnRef>
-          <a:fillRef idx="0">
-            <a:schemeClr val="accent1"/>
-          </a:fillRef>
-          <a:effectRef idx="0">
-            <a:schemeClr val="accent1"/>
-          </a:effectRef>
-          <a:fontRef idx="minor">
-            <a:schemeClr val="tx1"/>
-          </a:fontRef>
-        </p:style>
-      </p:cxnSp>
-      <p:cxnSp>
-        <p:nvCxnSpPr>
-          <p:cNvPr id="257" name="直接箭头连接符 256"/>
-          <p:cNvCxnSpPr>
-            <a:endCxn id="168" idx="1"/>
-          </p:cNvCxnSpPr>
-          <p:nvPr/>
-        </p:nvCxnSpPr>
-        <p:spPr>
-          <a:xfrm flipV="1">
-            <a:off x="7007000" y="2753050"/>
-            <a:ext cx="793970" cy="532975"/>
-          </a:xfrm>
-          <a:prstGeom prst="straightConnector1">
-            <a:avLst/>
-          </a:prstGeom>
-          <a:ln>
-            <a:tailEnd type="triangle"/>
-          </a:ln>
-        </p:spPr>
-        <p:style>
-          <a:lnRef idx="1">
-            <a:schemeClr val="accent1"/>
-          </a:lnRef>
-          <a:fillRef idx="0">
-            <a:schemeClr val="accent1"/>
-          </a:fillRef>
-          <a:effectRef idx="0">
-            <a:schemeClr val="accent1"/>
-          </a:effectRef>
-          <a:fontRef idx="minor">
-            <a:schemeClr val="tx1"/>
-          </a:fontRef>
-        </p:style>
-      </p:cxnSp>
-      <p:sp>
-        <p:nvSpPr>
-          <p:cNvPr id="259" name="矩形 258"/>
-          <p:cNvSpPr/>
-          <p:nvPr/>
-        </p:nvSpPr>
-        <p:spPr>
-          <a:xfrm>
-            <a:off x="6640335" y="4195908"/>
-            <a:ext cx="733330" cy="695179"/>
-          </a:xfrm>
-          <a:prstGeom prst="rect">
-            <a:avLst/>
-          </a:prstGeom>
-          <a:noFill/>
-          <a:ln>
-            <a:solidFill>
-              <a:schemeClr val="tx1"/>
-            </a:solidFill>
-          </a:ln>
-        </p:spPr>
-        <p:style>
-          <a:lnRef idx="2">
-            <a:schemeClr val="accent1">
-              <a:shade val="50000"/>
-            </a:schemeClr>
-          </a:lnRef>
-          <a:fillRef idx="1">
-            <a:schemeClr val="accent1"/>
-          </a:fillRef>
-          <a:effectRef idx="0">
-            <a:schemeClr val="accent1"/>
-          </a:effectRef>
-          <a:fontRef idx="minor">
-            <a:schemeClr val="lt1"/>
-          </a:fontRef>
-        </p:style>
-        <p:txBody>
-          <a:bodyPr rtlCol="0" anchor="ctr"/>
-          <a:lstStyle/>
-          <a:p>
-            <a:pPr algn="ctr"/>
-            <a:r>
-              <a:rPr lang="en-US" altLang="zh-CN" sz="1600" dirty="0" smtClean="0">
-                <a:solidFill>
-                  <a:schemeClr val="accent6">
-                    <a:lumMod val="75000"/>
-                  </a:schemeClr>
-                </a:solidFill>
-              </a:rPr>
-              <a:t>Delay3.5S</a:t>
-            </a:r>
-            <a:endParaRPr lang="zh-CN" altLang="en-US" sz="1600" dirty="0">
-              <a:solidFill>
-                <a:schemeClr val="accent6">
-                  <a:lumMod val="75000"/>
-                </a:schemeClr>
-              </a:solidFill>
-            </a:endParaRPr>
-          </a:p>
-        </p:txBody>
-      </p:sp>
-      <p:cxnSp>
-        <p:nvCxnSpPr>
-          <p:cNvPr id="261" name="直接箭头连接符 260"/>
-          <p:cNvCxnSpPr>
-            <a:stCxn id="246" idx="2"/>
-            <a:endCxn id="259" idx="0"/>
-          </p:cNvCxnSpPr>
-          <p:nvPr/>
-        </p:nvCxnSpPr>
-        <p:spPr>
-          <a:xfrm>
-            <a:off x="7007000" y="3997672"/>
-            <a:ext cx="0" cy="198236"/>
-          </a:xfrm>
-          <a:prstGeom prst="straightConnector1">
-            <a:avLst/>
-          </a:prstGeom>
-          <a:ln>
-            <a:tailEnd type="triangle"/>
-          </a:ln>
-        </p:spPr>
-        <p:style>
-          <a:lnRef idx="1">
-            <a:schemeClr val="accent1"/>
-          </a:lnRef>
-          <a:fillRef idx="0">
-            <a:schemeClr val="accent1"/>
-          </a:fillRef>
-          <a:effectRef idx="0">
-            <a:schemeClr val="accent1"/>
-          </a:effectRef>
-          <a:fontRef idx="minor">
-            <a:schemeClr val="tx1"/>
-          </a:fontRef>
-        </p:style>
-      </p:cxnSp>
-      <p:cxnSp>
-        <p:nvCxnSpPr>
-          <p:cNvPr id="263" name="直接箭头连接符 262"/>
-          <p:cNvCxnSpPr>
-            <a:stCxn id="259" idx="3"/>
-            <a:endCxn id="241" idx="2"/>
-          </p:cNvCxnSpPr>
-          <p:nvPr/>
-        </p:nvCxnSpPr>
-        <p:spPr>
-          <a:xfrm flipV="1">
-            <a:off x="7373665" y="4039862"/>
-            <a:ext cx="913361" cy="503636"/>
           </a:xfrm>
           <a:prstGeom prst="straightConnector1">
             <a:avLst/>
@@ -9901,7 +9514,7 @@
         </p:nvSpPr>
         <p:spPr>
           <a:xfrm>
-            <a:off x="293732" y="2062985"/>
+            <a:off x="1224316" y="2297931"/>
             <a:ext cx="733330" cy="695179"/>
           </a:xfrm>
           <a:prstGeom prst="rect">
@@ -9954,7 +9567,7 @@
         </p:nvSpPr>
         <p:spPr>
           <a:xfrm>
-            <a:off x="1148160" y="2056643"/>
+            <a:off x="2078744" y="2291589"/>
             <a:ext cx="733330" cy="695179"/>
           </a:xfrm>
           <a:prstGeom prst="rect">
@@ -10007,7 +9620,7 @@
         </p:nvSpPr>
         <p:spPr>
           <a:xfrm>
-            <a:off x="2002588" y="2056642"/>
+            <a:off x="2933172" y="2291588"/>
             <a:ext cx="733330" cy="695179"/>
           </a:xfrm>
           <a:prstGeom prst="rect">
@@ -10060,7 +9673,7 @@
         </p:nvSpPr>
         <p:spPr>
           <a:xfrm>
-            <a:off x="951813" y="769497"/>
+            <a:off x="1882397" y="1004443"/>
             <a:ext cx="1126024" cy="488326"/>
           </a:xfrm>
           <a:prstGeom prst="rect">
@@ -10121,7 +9734,7 @@
         </p:nvCxnSpPr>
         <p:spPr>
           <a:xfrm flipV="1">
-            <a:off x="660397" y="1257823"/>
+            <a:off x="1590981" y="1492769"/>
             <a:ext cx="854428" cy="805162"/>
           </a:xfrm>
           <a:prstGeom prst="straightConnector1">
@@ -10157,7 +9770,7 @@
         </p:nvCxnSpPr>
         <p:spPr>
           <a:xfrm>
-            <a:off x="1514825" y="1257823"/>
+            <a:off x="2445409" y="1492769"/>
             <a:ext cx="0" cy="798820"/>
           </a:xfrm>
           <a:prstGeom prst="straightConnector1">
@@ -10193,7 +9806,7 @@
         </p:nvCxnSpPr>
         <p:spPr>
           <a:xfrm>
-            <a:off x="1514825" y="1257823"/>
+            <a:off x="2445409" y="1492769"/>
             <a:ext cx="854428" cy="798819"/>
           </a:xfrm>
           <a:prstGeom prst="straightConnector1">
@@ -10226,7 +9839,7 @@
         </p:nvSpPr>
         <p:spPr>
           <a:xfrm>
-            <a:off x="3438116" y="259663"/>
+            <a:off x="4272024" y="493034"/>
             <a:ext cx="398353" cy="389428"/>
           </a:xfrm>
           <a:prstGeom prst="ellipse">
@@ -10273,7 +9886,7 @@
         </p:nvSpPr>
         <p:spPr>
           <a:xfrm>
-            <a:off x="2828834" y="833779"/>
+            <a:off x="4270722" y="1051693"/>
             <a:ext cx="398353" cy="389428"/>
           </a:xfrm>
           <a:prstGeom prst="ellipse">
@@ -10320,7 +9933,7 @@
         </p:nvSpPr>
         <p:spPr>
           <a:xfrm>
-            <a:off x="2828835" y="1442114"/>
+            <a:off x="4049676" y="1722179"/>
             <a:ext cx="398353" cy="389428"/>
           </a:xfrm>
           <a:prstGeom prst="ellipse">
@@ -10370,8 +9983,8 @@
         </p:nvCxnSpPr>
         <p:spPr>
           <a:xfrm flipV="1">
-            <a:off x="2077837" y="454377"/>
-            <a:ext cx="1360279" cy="559283"/>
+            <a:off x="3008421" y="687748"/>
+            <a:ext cx="1263603" cy="560858"/>
           </a:xfrm>
           <a:prstGeom prst="line">
             <a:avLst/>
@@ -10407,9 +10020,9 @@
           <p:nvPr/>
         </p:nvCxnSpPr>
         <p:spPr>
-          <a:xfrm>
-            <a:off x="2077837" y="1013660"/>
-            <a:ext cx="750997" cy="14833"/>
+          <a:xfrm flipV="1">
+            <a:off x="3008421" y="1246407"/>
+            <a:ext cx="1262301" cy="2199"/>
           </a:xfrm>
           <a:prstGeom prst="line">
             <a:avLst/>
@@ -10446,8 +10059,8 @@
         </p:nvCxnSpPr>
         <p:spPr>
           <a:xfrm flipH="1" flipV="1">
-            <a:off x="2077837" y="1013660"/>
-            <a:ext cx="750998" cy="623168"/>
+            <a:off x="3008421" y="1248606"/>
+            <a:ext cx="1041255" cy="668287"/>
           </a:xfrm>
           <a:prstGeom prst="line">
             <a:avLst/>
@@ -10481,7 +10094,7 @@
         </p:nvSpPr>
         <p:spPr>
           <a:xfrm>
-            <a:off x="2952343" y="2056642"/>
+            <a:off x="3882927" y="2291588"/>
             <a:ext cx="733330" cy="695179"/>
           </a:xfrm>
           <a:prstGeom prst="rect">
@@ -10534,7 +10147,7 @@
         </p:nvSpPr>
         <p:spPr>
           <a:xfrm>
-            <a:off x="4066836" y="739063"/>
+            <a:off x="4893451" y="340567"/>
             <a:ext cx="733330" cy="697317"/>
           </a:xfrm>
           <a:prstGeom prst="rect">
@@ -10603,7 +10216,7 @@
         </p:nvSpPr>
         <p:spPr>
           <a:xfrm>
-            <a:off x="4496444" y="6022796"/>
+            <a:off x="2498227" y="5139095"/>
             <a:ext cx="733330" cy="695179"/>
           </a:xfrm>
           <a:prstGeom prst="rect">
@@ -10672,7 +10285,7 @@
         </p:nvSpPr>
         <p:spPr>
           <a:xfrm>
-            <a:off x="5350872" y="6022796"/>
+            <a:off x="3352655" y="5139095"/>
             <a:ext cx="733330" cy="695179"/>
           </a:xfrm>
           <a:prstGeom prst="rect">
@@ -10737,15 +10350,15 @@
         <p:nvCxnSpPr>
           <p:cNvPr id="90" name="直接箭头连接符 89"/>
           <p:cNvCxnSpPr>
-            <a:stCxn id="56" idx="5"/>
+            <a:stCxn id="56" idx="4"/>
             <a:endCxn id="74" idx="0"/>
           </p:cNvCxnSpPr>
           <p:nvPr/>
         </p:nvCxnSpPr>
         <p:spPr>
           <a:xfrm>
-            <a:off x="3168851" y="1774512"/>
-            <a:ext cx="150157" cy="282130"/>
+            <a:off x="4248853" y="2111607"/>
+            <a:ext cx="739" cy="179981"/>
           </a:xfrm>
           <a:prstGeom prst="straightConnector1">
             <a:avLst/>
@@ -10777,7 +10390,7 @@
         </p:nvSpPr>
         <p:spPr>
           <a:xfrm>
-            <a:off x="6300627" y="6020278"/>
+            <a:off x="4302410" y="5136577"/>
             <a:ext cx="733330" cy="695179"/>
           </a:xfrm>
           <a:prstGeom prst="rect">
@@ -10867,7 +10480,7 @@
         </p:nvSpPr>
         <p:spPr>
           <a:xfrm>
-            <a:off x="1138762" y="4238135"/>
+            <a:off x="2485341" y="4227215"/>
             <a:ext cx="733330" cy="695179"/>
           </a:xfrm>
           <a:prstGeom prst="rect">
@@ -10925,7 +10538,7 @@
         </p:nvSpPr>
         <p:spPr>
           <a:xfrm>
-            <a:off x="2001775" y="3757107"/>
+            <a:off x="3351842" y="4227215"/>
             <a:ext cx="733330" cy="695179"/>
           </a:xfrm>
           <a:prstGeom prst="rect">
@@ -10983,7 +10596,7 @@
         </p:nvSpPr>
         <p:spPr>
           <a:xfrm>
-            <a:off x="2952343" y="3313971"/>
+            <a:off x="4302410" y="4227215"/>
             <a:ext cx="733330" cy="695179"/>
           </a:xfrm>
           <a:prstGeom prst="rect">
@@ -11043,9 +10656,9 @@
           <p:nvPr/>
         </p:nvCxnSpPr>
         <p:spPr>
-          <a:xfrm flipV="1">
-            <a:off x="1505427" y="2751822"/>
-            <a:ext cx="9398" cy="1486313"/>
+          <a:xfrm flipH="1" flipV="1">
+            <a:off x="2445409" y="2986768"/>
+            <a:ext cx="406597" cy="1240447"/>
           </a:xfrm>
           <a:prstGeom prst="straightConnector1">
             <a:avLst/>
@@ -11079,9 +10692,9 @@
           <p:nvPr/>
         </p:nvCxnSpPr>
         <p:spPr>
-          <a:xfrm flipV="1">
-            <a:off x="2368440" y="2751821"/>
-            <a:ext cx="813" cy="1005286"/>
+          <a:xfrm flipH="1" flipV="1">
+            <a:off x="3299837" y="2986767"/>
+            <a:ext cx="418670" cy="1240448"/>
           </a:xfrm>
           <a:prstGeom prst="straightConnector1">
             <a:avLst/>
@@ -11115,9 +10728,9 @@
           <p:nvPr/>
         </p:nvCxnSpPr>
         <p:spPr>
-          <a:xfrm flipV="1">
-            <a:off x="3319008" y="2751821"/>
-            <a:ext cx="0" cy="562150"/>
+          <a:xfrm flipH="1" flipV="1">
+            <a:off x="4249592" y="2986767"/>
+            <a:ext cx="419483" cy="1240448"/>
           </a:xfrm>
           <a:prstGeom prst="straightConnector1">
             <a:avLst/>
@@ -11149,7 +10762,7 @@
         </p:nvSpPr>
         <p:spPr>
           <a:xfrm>
-            <a:off x="4066773" y="1746202"/>
+            <a:off x="4890253" y="1267230"/>
             <a:ext cx="733330" cy="697317"/>
           </a:xfrm>
           <a:prstGeom prst="rect">
@@ -11226,7 +10839,7 @@
         </p:nvSpPr>
         <p:spPr>
           <a:xfrm>
-            <a:off x="3637293" y="6020278"/>
+            <a:off x="1639076" y="5136577"/>
             <a:ext cx="733330" cy="695179"/>
           </a:xfrm>
           <a:prstGeom prst="rect">
@@ -11291,15 +10904,15 @@
         <p:nvCxnSpPr>
           <p:cNvPr id="264" name="直接箭头连接符 263"/>
           <p:cNvCxnSpPr>
-            <a:stCxn id="45" idx="5"/>
+            <a:stCxn id="45" idx="6"/>
             <a:endCxn id="76" idx="1"/>
           </p:cNvCxnSpPr>
           <p:nvPr/>
         </p:nvCxnSpPr>
         <p:spPr>
           <a:xfrm>
-            <a:off x="3778132" y="592061"/>
-            <a:ext cx="288704" cy="495661"/>
+            <a:off x="4670377" y="687748"/>
+            <a:ext cx="223074" cy="1478"/>
           </a:xfrm>
           <a:prstGeom prst="straightConnector1">
             <a:avLst/>
@@ -11331,7 +10944,7 @@
         </p:nvSpPr>
         <p:spPr>
           <a:xfrm>
-            <a:off x="5230204" y="741201"/>
+            <a:off x="4893785" y="2271076"/>
             <a:ext cx="733330" cy="695179"/>
           </a:xfrm>
           <a:prstGeom prst="rect">
@@ -11381,42 +10994,6 @@
           </a:p>
         </p:txBody>
       </p:sp>
-      <p:cxnSp>
-        <p:nvCxnSpPr>
-          <p:cNvPr id="270" name="直接箭头连接符 269"/>
-          <p:cNvCxnSpPr>
-            <a:stCxn id="76" idx="3"/>
-            <a:endCxn id="142" idx="1"/>
-          </p:cNvCxnSpPr>
-          <p:nvPr/>
-        </p:nvCxnSpPr>
-        <p:spPr>
-          <a:xfrm>
-            <a:off x="4800166" y="1087722"/>
-            <a:ext cx="430038" cy="1069"/>
-          </a:xfrm>
-          <a:prstGeom prst="straightConnector1">
-            <a:avLst/>
-          </a:prstGeom>
-          <a:ln>
-            <a:tailEnd type="triangle"/>
-          </a:ln>
-        </p:spPr>
-        <p:style>
-          <a:lnRef idx="1">
-            <a:schemeClr val="accent1"/>
-          </a:lnRef>
-          <a:fillRef idx="0">
-            <a:schemeClr val="accent1"/>
-          </a:fillRef>
-          <a:effectRef idx="0">
-            <a:schemeClr val="accent1"/>
-          </a:effectRef>
-          <a:fontRef idx="minor">
-            <a:schemeClr val="tx1"/>
-          </a:fontRef>
-        </p:style>
-      </p:cxnSp>
       <p:sp>
         <p:nvSpPr>
           <p:cNvPr id="83" name="矩形 82"/>
@@ -11425,7 +11002,7 @@
         </p:nvSpPr>
         <p:spPr>
           <a:xfrm>
-            <a:off x="5234780" y="1735338"/>
+            <a:off x="4893451" y="3243777"/>
             <a:ext cx="733330" cy="695179"/>
           </a:xfrm>
           <a:prstGeom prst="rect">
@@ -11483,7 +11060,7 @@
         </p:nvSpPr>
         <p:spPr>
           <a:xfrm>
-            <a:off x="6178119" y="741201"/>
+            <a:off x="5973921" y="2268469"/>
             <a:ext cx="733330" cy="695179"/>
           </a:xfrm>
           <a:prstGeom prst="rect">
@@ -11523,18 +11100,7 @@
                   <a:schemeClr val="tx1"/>
                 </a:solidFill>
               </a:rPr>
-              <a:t>Delay</a:t>
-            </a:r>
-          </a:p>
-          <a:p>
-            <a:pPr algn="ctr"/>
-            <a:r>
-              <a:rPr lang="en-US" altLang="zh-CN" dirty="0" smtClean="0">
-                <a:solidFill>
-                  <a:schemeClr val="tx1"/>
-                </a:solidFill>
-              </a:rPr>
-              <a:t>0.5s</a:t>
+              <a:t>MEM</a:t>
             </a:r>
             <a:endParaRPr lang="zh-CN" altLang="en-US" dirty="0">
               <a:solidFill>
@@ -11555,8 +11121,8 @@
         </p:nvCxnSpPr>
         <p:spPr>
           <a:xfrm>
-            <a:off x="3168850" y="1166177"/>
-            <a:ext cx="897923" cy="928684"/>
+            <a:off x="4610738" y="1384091"/>
+            <a:ext cx="279515" cy="231798"/>
           </a:xfrm>
           <a:prstGeom prst="straightConnector1">
             <a:avLst/>
@@ -11584,15 +11150,15 @@
         <p:nvCxnSpPr>
           <p:cNvPr id="75" name="直接箭头连接符 74"/>
           <p:cNvCxnSpPr>
-            <a:stCxn id="117" idx="3"/>
-            <a:endCxn id="142" idx="1"/>
+            <a:stCxn id="117" idx="2"/>
+            <a:endCxn id="142" idx="0"/>
           </p:cNvCxnSpPr>
           <p:nvPr/>
         </p:nvCxnSpPr>
         <p:spPr>
-          <a:xfrm flipV="1">
-            <a:off x="4800103" y="1088791"/>
-            <a:ext cx="430101" cy="1006070"/>
+          <a:xfrm>
+            <a:off x="5256918" y="1964547"/>
+            <a:ext cx="3532" cy="306529"/>
           </a:xfrm>
           <a:prstGeom prst="straightConnector1">
             <a:avLst/>
@@ -11626,9 +11192,9 @@
           <p:nvPr/>
         </p:nvCxnSpPr>
         <p:spPr>
-          <a:xfrm>
-            <a:off x="5963534" y="1088791"/>
-            <a:ext cx="214585" cy="0"/>
+          <a:xfrm flipV="1">
+            <a:off x="5627115" y="2616059"/>
+            <a:ext cx="346806" cy="2607"/>
           </a:xfrm>
           <a:prstGeom prst="straightConnector1">
             <a:avLst/>
@@ -11663,154 +11229,10 @@
         </p:nvCxnSpPr>
         <p:spPr>
           <a:xfrm flipH="1">
-            <a:off x="5968110" y="1436380"/>
-            <a:ext cx="576674" cy="646548"/>
+            <a:off x="5626781" y="2963648"/>
+            <a:ext cx="713805" cy="627719"/>
           </a:xfrm>
           <a:prstGeom prst="straightConnector1">
-            <a:avLst/>
-          </a:prstGeom>
-          <a:ln>
-            <a:tailEnd type="triangle"/>
-          </a:ln>
-        </p:spPr>
-        <p:style>
-          <a:lnRef idx="1">
-            <a:schemeClr val="accent1"/>
-          </a:lnRef>
-          <a:fillRef idx="0">
-            <a:schemeClr val="accent1"/>
-          </a:fillRef>
-          <a:effectRef idx="0">
-            <a:schemeClr val="accent1"/>
-          </a:effectRef>
-          <a:fontRef idx="minor">
-            <a:schemeClr val="tx1"/>
-          </a:fontRef>
-        </p:style>
-      </p:cxnSp>
-      <p:cxnSp>
-        <p:nvCxnSpPr>
-          <p:cNvPr id="137" name="直接箭头连接符 136"/>
-          <p:cNvCxnSpPr>
-            <a:stCxn id="83" idx="0"/>
-            <a:endCxn id="142" idx="2"/>
-          </p:cNvCxnSpPr>
-          <p:nvPr/>
-        </p:nvCxnSpPr>
-        <p:spPr>
-          <a:xfrm flipH="1" flipV="1">
-            <a:off x="5596869" y="1436380"/>
-            <a:ext cx="4576" cy="298958"/>
-          </a:xfrm>
-          <a:prstGeom prst="straightConnector1">
-            <a:avLst/>
-          </a:prstGeom>
-          <a:ln>
-            <a:tailEnd type="triangle"/>
-          </a:ln>
-        </p:spPr>
-        <p:style>
-          <a:lnRef idx="1">
-            <a:schemeClr val="accent1"/>
-          </a:lnRef>
-          <a:fillRef idx="0">
-            <a:schemeClr val="accent1"/>
-          </a:fillRef>
-          <a:effectRef idx="0">
-            <a:schemeClr val="accent1"/>
-          </a:effectRef>
-          <a:fontRef idx="minor">
-            <a:schemeClr val="tx1"/>
-          </a:fontRef>
-        </p:style>
-      </p:cxnSp>
-      <p:cxnSp>
-        <p:nvCxnSpPr>
-          <p:cNvPr id="180" name="肘形连接符 179"/>
-          <p:cNvCxnSpPr>
-            <a:stCxn id="83" idx="2"/>
-            <a:endCxn id="99" idx="3"/>
-          </p:cNvCxnSpPr>
-          <p:nvPr/>
-        </p:nvCxnSpPr>
-        <p:spPr>
-          <a:xfrm rot="5400000">
-            <a:off x="3331185" y="1834437"/>
-            <a:ext cx="1674180" cy="2866340"/>
-          </a:xfrm>
-          <a:prstGeom prst="bentConnector2">
-            <a:avLst/>
-          </a:prstGeom>
-          <a:ln>
-            <a:tailEnd type="triangle"/>
-          </a:ln>
-        </p:spPr>
-        <p:style>
-          <a:lnRef idx="1">
-            <a:schemeClr val="accent1"/>
-          </a:lnRef>
-          <a:fillRef idx="0">
-            <a:schemeClr val="accent1"/>
-          </a:fillRef>
-          <a:effectRef idx="0">
-            <a:schemeClr val="accent1"/>
-          </a:effectRef>
-          <a:fontRef idx="minor">
-            <a:schemeClr val="tx1"/>
-          </a:fontRef>
-        </p:style>
-      </p:cxnSp>
-      <p:cxnSp>
-        <p:nvCxnSpPr>
-          <p:cNvPr id="195" name="肘形连接符 194"/>
-          <p:cNvCxnSpPr>
-            <a:stCxn id="83" idx="2"/>
-            <a:endCxn id="100" idx="3"/>
-          </p:cNvCxnSpPr>
-          <p:nvPr/>
-        </p:nvCxnSpPr>
-        <p:spPr>
-          <a:xfrm rot="5400000">
-            <a:off x="4028037" y="2088153"/>
-            <a:ext cx="1231044" cy="1915772"/>
-          </a:xfrm>
-          <a:prstGeom prst="bentConnector2">
-            <a:avLst/>
-          </a:prstGeom>
-          <a:ln>
-            <a:tailEnd type="triangle"/>
-          </a:ln>
-        </p:spPr>
-        <p:style>
-          <a:lnRef idx="1">
-            <a:schemeClr val="accent1"/>
-          </a:lnRef>
-          <a:fillRef idx="0">
-            <a:schemeClr val="accent1"/>
-          </a:fillRef>
-          <a:effectRef idx="0">
-            <a:schemeClr val="accent1"/>
-          </a:effectRef>
-          <a:fontRef idx="minor">
-            <a:schemeClr val="tx1"/>
-          </a:fontRef>
-        </p:style>
-      </p:cxnSp>
-      <p:cxnSp>
-        <p:nvCxnSpPr>
-          <p:cNvPr id="198" name="肘形连接符 197"/>
-          <p:cNvCxnSpPr>
-            <a:stCxn id="83" idx="2"/>
-            <a:endCxn id="98" idx="3"/>
-          </p:cNvCxnSpPr>
-          <p:nvPr/>
-        </p:nvCxnSpPr>
-        <p:spPr>
-          <a:xfrm rot="5400000">
-            <a:off x="2659165" y="1643445"/>
-            <a:ext cx="2155208" cy="3729353"/>
-          </a:xfrm>
-          <a:prstGeom prst="bentConnector2">
             <a:avLst/>
           </a:prstGeom>
           <a:ln>
@@ -11840,7 +11262,7 @@
         </p:nvSpPr>
         <p:spPr>
           <a:xfrm>
-            <a:off x="341944" y="2838995"/>
+            <a:off x="1272528" y="3073941"/>
             <a:ext cx="706879" cy="369332"/>
           </a:xfrm>
           <a:prstGeom prst="rect">
@@ -11870,7 +11292,7 @@
         </p:nvSpPr>
         <p:spPr>
           <a:xfrm>
-            <a:off x="1174610" y="2838995"/>
+            <a:off x="2105194" y="3073941"/>
             <a:ext cx="706879" cy="369332"/>
           </a:xfrm>
           <a:prstGeom prst="rect">
@@ -11900,7 +11322,7 @@
         </p:nvSpPr>
         <p:spPr>
           <a:xfrm>
-            <a:off x="2002339" y="2847802"/>
+            <a:off x="2932923" y="3082748"/>
             <a:ext cx="706879" cy="369332"/>
           </a:xfrm>
           <a:prstGeom prst="rect">
@@ -11930,7 +11352,7 @@
         </p:nvSpPr>
         <p:spPr>
           <a:xfrm>
-            <a:off x="2963082" y="2847802"/>
+            <a:off x="3893666" y="3082748"/>
             <a:ext cx="706879" cy="369332"/>
           </a:xfrm>
           <a:prstGeom prst="rect">
@@ -11960,7 +11382,7 @@
         </p:nvSpPr>
         <p:spPr>
           <a:xfrm>
-            <a:off x="971386" y="1666798"/>
+            <a:off x="1901970" y="1901744"/>
             <a:ext cx="1141659" cy="369332"/>
           </a:xfrm>
           <a:prstGeom prst="rect">
@@ -11990,7 +11412,7 @@
         </p:nvSpPr>
         <p:spPr>
           <a:xfrm>
-            <a:off x="1665484" y="1285335"/>
+            <a:off x="2596068" y="1520281"/>
             <a:ext cx="731290" cy="369332"/>
           </a:xfrm>
           <a:prstGeom prst="rect">
@@ -12020,7 +11442,7 @@
         </p:nvSpPr>
         <p:spPr>
           <a:xfrm>
-            <a:off x="54575" y="1305813"/>
+            <a:off x="985159" y="1540759"/>
             <a:ext cx="1196225" cy="369332"/>
           </a:xfrm>
           <a:prstGeom prst="rect">
@@ -12050,7 +11472,7 @@
         </p:nvSpPr>
         <p:spPr>
           <a:xfrm>
-            <a:off x="293732" y="4716260"/>
+            <a:off x="1643799" y="4227215"/>
             <a:ext cx="733330" cy="695179"/>
           </a:xfrm>
           <a:prstGeom prst="rect">
@@ -12110,9 +11532,9 @@
           <p:nvPr/>
         </p:nvCxnSpPr>
         <p:spPr>
-          <a:xfrm flipV="1">
-            <a:off x="660397" y="2758164"/>
-            <a:ext cx="0" cy="1958096"/>
+          <a:xfrm flipH="1" flipV="1">
+            <a:off x="1590981" y="2993110"/>
+            <a:ext cx="419483" cy="1234105"/>
           </a:xfrm>
           <a:prstGeom prst="straightConnector1">
             <a:avLst/>
@@ -12136,274 +11558,6 @@
           </a:fontRef>
         </p:style>
       </p:cxnSp>
-      <p:cxnSp>
-        <p:nvCxnSpPr>
-          <p:cNvPr id="93" name="肘形连接符 92"/>
-          <p:cNvCxnSpPr>
-            <a:stCxn id="83" idx="2"/>
-            <a:endCxn id="104" idx="3"/>
-          </p:cNvCxnSpPr>
-          <p:nvPr/>
-        </p:nvCxnSpPr>
-        <p:spPr>
-          <a:xfrm rot="5400000">
-            <a:off x="1997588" y="1459992"/>
-            <a:ext cx="2633333" cy="4574383"/>
-          </a:xfrm>
-          <a:prstGeom prst="bentConnector2">
-            <a:avLst/>
-          </a:prstGeom>
-          <a:ln>
-            <a:tailEnd type="triangle"/>
-          </a:ln>
-        </p:spPr>
-        <p:style>
-          <a:lnRef idx="1">
-            <a:schemeClr val="accent1"/>
-          </a:lnRef>
-          <a:fillRef idx="0">
-            <a:schemeClr val="accent1"/>
-          </a:fillRef>
-          <a:effectRef idx="0">
-            <a:schemeClr val="accent1"/>
-          </a:effectRef>
-          <a:fontRef idx="minor">
-            <a:schemeClr val="tx1"/>
-          </a:fontRef>
-        </p:style>
-      </p:cxnSp>
-      <p:sp>
-        <p:nvSpPr>
-          <p:cNvPr id="154" name="矩形 153"/>
-          <p:cNvSpPr/>
-          <p:nvPr/>
-        </p:nvSpPr>
-        <p:spPr>
-          <a:xfrm>
-            <a:off x="7983335" y="1664576"/>
-            <a:ext cx="1126024" cy="488326"/>
-          </a:xfrm>
-          <a:prstGeom prst="rect">
-            <a:avLst/>
-          </a:prstGeom>
-          <a:noFill/>
-          <a:ln>
-            <a:solidFill>
-              <a:schemeClr val="tx1"/>
-            </a:solidFill>
-          </a:ln>
-        </p:spPr>
-        <p:style>
-          <a:lnRef idx="2">
-            <a:schemeClr val="accent1">
-              <a:shade val="50000"/>
-            </a:schemeClr>
-          </a:lnRef>
-          <a:fillRef idx="1">
-            <a:schemeClr val="accent1"/>
-          </a:fillRef>
-          <a:effectRef idx="0">
-            <a:schemeClr val="accent1"/>
-          </a:effectRef>
-          <a:fontRef idx="minor">
-            <a:schemeClr val="lt1"/>
-          </a:fontRef>
-        </p:style>
-        <p:txBody>
-          <a:bodyPr rtlCol="0" anchor="ctr"/>
-          <a:lstStyle/>
-          <a:p>
-            <a:pPr algn="ctr"/>
-            <a:r>
-              <a:rPr lang="en-US" altLang="zh-CN" dirty="0" smtClean="0">
-                <a:solidFill>
-                  <a:schemeClr val="tx1"/>
-                </a:solidFill>
-              </a:rPr>
-              <a:t>Sonar2</a:t>
-            </a:r>
-            <a:endParaRPr lang="zh-CN" altLang="en-US" sz="1400" dirty="0">
-              <a:solidFill>
-                <a:schemeClr val="tx1"/>
-              </a:solidFill>
-            </a:endParaRPr>
-          </a:p>
-        </p:txBody>
-      </p:sp>
-      <p:sp>
-        <p:nvSpPr>
-          <p:cNvPr id="170" name="矩形 169"/>
-          <p:cNvSpPr/>
-          <p:nvPr/>
-        </p:nvSpPr>
-        <p:spPr>
-          <a:xfrm>
-            <a:off x="8200498" y="4418039"/>
-            <a:ext cx="733330" cy="695179"/>
-          </a:xfrm>
-          <a:prstGeom prst="rect">
-            <a:avLst/>
-          </a:prstGeom>
-          <a:noFill/>
-          <a:ln>
-            <a:solidFill>
-              <a:schemeClr val="tx1"/>
-            </a:solidFill>
-          </a:ln>
-        </p:spPr>
-        <p:style>
-          <a:lnRef idx="2">
-            <a:schemeClr val="accent1">
-              <a:shade val="50000"/>
-            </a:schemeClr>
-          </a:lnRef>
-          <a:fillRef idx="1">
-            <a:schemeClr val="accent1"/>
-          </a:fillRef>
-          <a:effectRef idx="0">
-            <a:schemeClr val="accent1"/>
-          </a:effectRef>
-          <a:fontRef idx="minor">
-            <a:schemeClr val="lt1"/>
-          </a:fontRef>
-        </p:style>
-        <p:txBody>
-          <a:bodyPr rtlCol="0" anchor="ctr"/>
-          <a:lstStyle/>
-          <a:p>
-            <a:pPr algn="ctr"/>
-            <a:r>
-              <a:rPr lang="en-US" altLang="zh-CN" dirty="0" smtClean="0">
-                <a:solidFill>
-                  <a:schemeClr val="tx1"/>
-                </a:solidFill>
-              </a:rPr>
-              <a:t>+</a:t>
-            </a:r>
-            <a:endParaRPr lang="zh-CN" altLang="en-US" dirty="0">
-              <a:solidFill>
-                <a:schemeClr val="tx1"/>
-              </a:solidFill>
-            </a:endParaRPr>
-          </a:p>
-        </p:txBody>
-      </p:sp>
-      <p:sp>
-        <p:nvSpPr>
-          <p:cNvPr id="171" name="矩形 170"/>
-          <p:cNvSpPr/>
-          <p:nvPr/>
-        </p:nvSpPr>
-        <p:spPr>
-          <a:xfrm>
-            <a:off x="9053655" y="4877320"/>
-            <a:ext cx="733330" cy="695179"/>
-          </a:xfrm>
-          <a:prstGeom prst="rect">
-            <a:avLst/>
-          </a:prstGeom>
-          <a:noFill/>
-          <a:ln>
-            <a:solidFill>
-              <a:schemeClr val="tx1"/>
-            </a:solidFill>
-          </a:ln>
-        </p:spPr>
-        <p:style>
-          <a:lnRef idx="2">
-            <a:schemeClr val="accent1">
-              <a:shade val="50000"/>
-            </a:schemeClr>
-          </a:lnRef>
-          <a:fillRef idx="1">
-            <a:schemeClr val="accent1"/>
-          </a:fillRef>
-          <a:effectRef idx="0">
-            <a:schemeClr val="accent1"/>
-          </a:effectRef>
-          <a:fontRef idx="minor">
-            <a:schemeClr val="lt1"/>
-          </a:fontRef>
-        </p:style>
-        <p:txBody>
-          <a:bodyPr rtlCol="0" anchor="ctr"/>
-          <a:lstStyle/>
-          <a:p>
-            <a:pPr algn="ctr"/>
-            <a:r>
-              <a:rPr lang="en-US" altLang="zh-CN" dirty="0" smtClean="0">
-                <a:solidFill>
-                  <a:schemeClr val="tx1"/>
-                </a:solidFill>
-              </a:rPr>
-              <a:t>+</a:t>
-            </a:r>
-            <a:endParaRPr lang="zh-CN" altLang="en-US" dirty="0">
-              <a:solidFill>
-                <a:schemeClr val="tx1"/>
-              </a:solidFill>
-            </a:endParaRPr>
-          </a:p>
-        </p:txBody>
-      </p:sp>
-      <p:sp>
-        <p:nvSpPr>
-          <p:cNvPr id="173" name="矩形 172"/>
-          <p:cNvSpPr/>
-          <p:nvPr/>
-        </p:nvSpPr>
-        <p:spPr>
-          <a:xfrm>
-            <a:off x="7338360" y="3954414"/>
-            <a:ext cx="733330" cy="695179"/>
-          </a:xfrm>
-          <a:prstGeom prst="rect">
-            <a:avLst/>
-          </a:prstGeom>
-          <a:noFill/>
-          <a:ln>
-            <a:solidFill>
-              <a:schemeClr val="tx1"/>
-            </a:solidFill>
-          </a:ln>
-        </p:spPr>
-        <p:style>
-          <a:lnRef idx="2">
-            <a:schemeClr val="accent1">
-              <a:shade val="50000"/>
-            </a:schemeClr>
-          </a:lnRef>
-          <a:fillRef idx="1">
-            <a:schemeClr val="accent1"/>
-          </a:fillRef>
-          <a:effectRef idx="0">
-            <a:schemeClr val="accent1"/>
-          </a:effectRef>
-          <a:fontRef idx="minor">
-            <a:schemeClr val="lt1"/>
-          </a:fontRef>
-        </p:style>
-        <p:txBody>
-          <a:bodyPr rtlCol="0" anchor="ctr"/>
-          <a:lstStyle/>
-          <a:p>
-            <a:pPr algn="ctr"/>
-            <a:r>
-              <a:rPr lang="en-US" altLang="zh-CN" dirty="0" smtClean="0">
-                <a:solidFill>
-                  <a:schemeClr val="tx1"/>
-                </a:solidFill>
-              </a:rPr>
-              <a:t>+</a:t>
-            </a:r>
-            <a:endParaRPr lang="zh-CN" altLang="en-US" dirty="0">
-              <a:solidFill>
-                <a:schemeClr val="tx1"/>
-              </a:solidFill>
-            </a:endParaRPr>
-          </a:p>
-        </p:txBody>
-      </p:sp>
       <p:cxnSp>
         <p:nvCxnSpPr>
           <p:cNvPr id="239" name="直接箭头连接符 238"/>
@@ -12414,9 +11568,9 @@
           <p:nvPr/>
         </p:nvCxnSpPr>
         <p:spPr>
-          <a:xfrm flipH="1" flipV="1">
-            <a:off x="660397" y="5411439"/>
-            <a:ext cx="3343561" cy="608839"/>
+          <a:xfrm flipV="1">
+            <a:off x="2005741" y="4922394"/>
+            <a:ext cx="4723" cy="214183"/>
           </a:xfrm>
           <a:prstGeom prst="straightConnector1">
             <a:avLst/>
@@ -12451,8 +11605,8 @@
         </p:nvCxnSpPr>
         <p:spPr>
           <a:xfrm flipH="1" flipV="1">
-            <a:off x="1505427" y="4933314"/>
-            <a:ext cx="3357682" cy="1089482"/>
+            <a:off x="2852006" y="4922394"/>
+            <a:ext cx="12886" cy="216701"/>
           </a:xfrm>
           <a:prstGeom prst="straightConnector1">
             <a:avLst/>
@@ -12487,8 +11641,8 @@
         </p:nvCxnSpPr>
         <p:spPr>
           <a:xfrm flipH="1" flipV="1">
-            <a:off x="2368440" y="4452286"/>
-            <a:ext cx="3349097" cy="1570510"/>
+            <a:off x="3718507" y="4922394"/>
+            <a:ext cx="813" cy="216701"/>
           </a:xfrm>
           <a:prstGeom prst="straightConnector1">
             <a:avLst/>
@@ -12522,9 +11676,9 @@
           <p:nvPr/>
         </p:nvCxnSpPr>
         <p:spPr>
-          <a:xfrm flipH="1" flipV="1">
-            <a:off x="3319008" y="4009150"/>
-            <a:ext cx="3348284" cy="2011128"/>
+          <a:xfrm flipV="1">
+            <a:off x="4669075" y="4922394"/>
+            <a:ext cx="0" cy="214183"/>
           </a:xfrm>
           <a:prstGeom prst="straightConnector1">
             <a:avLst/>
@@ -12548,891 +11702,6 @@
           </a:fontRef>
         </p:style>
       </p:cxnSp>
-      <p:cxnSp>
-        <p:nvCxnSpPr>
-          <p:cNvPr id="252" name="直接箭头连接符 251"/>
-          <p:cNvCxnSpPr>
-            <a:stCxn id="119" idx="0"/>
-            <a:endCxn id="173" idx="1"/>
-          </p:cNvCxnSpPr>
-          <p:nvPr/>
-        </p:nvCxnSpPr>
-        <p:spPr>
-          <a:xfrm flipV="1">
-            <a:off x="4003958" y="4302004"/>
-            <a:ext cx="3334402" cy="1718274"/>
-          </a:xfrm>
-          <a:prstGeom prst="straightConnector1">
-            <a:avLst/>
-          </a:prstGeom>
-          <a:ln>
-            <a:tailEnd type="triangle"/>
-          </a:ln>
-        </p:spPr>
-        <p:style>
-          <a:lnRef idx="1">
-            <a:schemeClr val="accent1"/>
-          </a:lnRef>
-          <a:fillRef idx="0">
-            <a:schemeClr val="accent1"/>
-          </a:fillRef>
-          <a:effectRef idx="0">
-            <a:schemeClr val="accent1"/>
-          </a:effectRef>
-          <a:fontRef idx="minor">
-            <a:schemeClr val="tx1"/>
-          </a:fontRef>
-        </p:style>
-      </p:cxnSp>
-      <p:cxnSp>
-        <p:nvCxnSpPr>
-          <p:cNvPr id="254" name="直接箭头连接符 253"/>
-          <p:cNvCxnSpPr>
-            <a:stCxn id="81" idx="0"/>
-            <a:endCxn id="170" idx="1"/>
-          </p:cNvCxnSpPr>
-          <p:nvPr/>
-        </p:nvCxnSpPr>
-        <p:spPr>
-          <a:xfrm flipV="1">
-            <a:off x="4863109" y="4765629"/>
-            <a:ext cx="3337389" cy="1257167"/>
-          </a:xfrm>
-          <a:prstGeom prst="straightConnector1">
-            <a:avLst/>
-          </a:prstGeom>
-          <a:ln>
-            <a:tailEnd type="triangle"/>
-          </a:ln>
-        </p:spPr>
-        <p:style>
-          <a:lnRef idx="1">
-            <a:schemeClr val="accent1"/>
-          </a:lnRef>
-          <a:fillRef idx="0">
-            <a:schemeClr val="accent1"/>
-          </a:fillRef>
-          <a:effectRef idx="0">
-            <a:schemeClr val="accent1"/>
-          </a:effectRef>
-          <a:fontRef idx="minor">
-            <a:schemeClr val="tx1"/>
-          </a:fontRef>
-        </p:style>
-      </p:cxnSp>
-      <p:cxnSp>
-        <p:nvCxnSpPr>
-          <p:cNvPr id="256" name="直接箭头连接符 255"/>
-          <p:cNvCxnSpPr>
-            <a:stCxn id="82" idx="0"/>
-            <a:endCxn id="171" idx="1"/>
-          </p:cNvCxnSpPr>
-          <p:nvPr/>
-        </p:nvCxnSpPr>
-        <p:spPr>
-          <a:xfrm flipV="1">
-            <a:off x="5717537" y="5224910"/>
-            <a:ext cx="3336118" cy="797886"/>
-          </a:xfrm>
-          <a:prstGeom prst="straightConnector1">
-            <a:avLst/>
-          </a:prstGeom>
-          <a:ln>
-            <a:tailEnd type="triangle"/>
-          </a:ln>
-        </p:spPr>
-        <p:style>
-          <a:lnRef idx="1">
-            <a:schemeClr val="accent1"/>
-          </a:lnRef>
-          <a:fillRef idx="0">
-            <a:schemeClr val="accent1"/>
-          </a:fillRef>
-          <a:effectRef idx="0">
-            <a:schemeClr val="accent1"/>
-          </a:effectRef>
-          <a:fontRef idx="minor">
-            <a:schemeClr val="tx1"/>
-          </a:fontRef>
-        </p:style>
-      </p:cxnSp>
-      <p:sp>
-        <p:nvSpPr>
-          <p:cNvPr id="288" name="矩形 287"/>
-          <p:cNvSpPr/>
-          <p:nvPr/>
-        </p:nvSpPr>
-        <p:spPr>
-          <a:xfrm>
-            <a:off x="7338360" y="2931257"/>
-            <a:ext cx="733330" cy="695179"/>
-          </a:xfrm>
-          <a:prstGeom prst="rect">
-            <a:avLst/>
-          </a:prstGeom>
-          <a:noFill/>
-          <a:ln>
-            <a:solidFill>
-              <a:schemeClr val="tx1"/>
-            </a:solidFill>
-          </a:ln>
-        </p:spPr>
-        <p:style>
-          <a:lnRef idx="2">
-            <a:schemeClr val="accent1">
-              <a:shade val="50000"/>
-            </a:schemeClr>
-          </a:lnRef>
-          <a:fillRef idx="1">
-            <a:schemeClr val="accent1"/>
-          </a:fillRef>
-          <a:effectRef idx="0">
-            <a:schemeClr val="accent1"/>
-          </a:effectRef>
-          <a:fontRef idx="minor">
-            <a:schemeClr val="lt1"/>
-          </a:fontRef>
-        </p:style>
-        <p:txBody>
-          <a:bodyPr rtlCol="0" anchor="ctr"/>
-          <a:lstStyle/>
-          <a:p>
-            <a:pPr algn="ctr"/>
-            <a:r>
-              <a:rPr lang="en-US" altLang="zh-CN" dirty="0" smtClean="0">
-                <a:solidFill>
-                  <a:schemeClr val="tx1"/>
-                </a:solidFill>
-              </a:rPr>
-              <a:t>Wifi</a:t>
-            </a:r>
-          </a:p>
-        </p:txBody>
-      </p:sp>
-      <p:sp>
-        <p:nvSpPr>
-          <p:cNvPr id="289" name="矩形 288"/>
-          <p:cNvSpPr/>
-          <p:nvPr/>
-        </p:nvSpPr>
-        <p:spPr>
-          <a:xfrm>
-            <a:off x="8192788" y="2924915"/>
-            <a:ext cx="733330" cy="695179"/>
-          </a:xfrm>
-          <a:prstGeom prst="rect">
-            <a:avLst/>
-          </a:prstGeom>
-          <a:noFill/>
-          <a:ln>
-            <a:solidFill>
-              <a:schemeClr val="tx1"/>
-            </a:solidFill>
-          </a:ln>
-        </p:spPr>
-        <p:style>
-          <a:lnRef idx="2">
-            <a:schemeClr val="accent1">
-              <a:shade val="50000"/>
-            </a:schemeClr>
-          </a:lnRef>
-          <a:fillRef idx="1">
-            <a:schemeClr val="accent1"/>
-          </a:fillRef>
-          <a:effectRef idx="0">
-            <a:schemeClr val="accent1"/>
-          </a:effectRef>
-          <a:fontRef idx="minor">
-            <a:schemeClr val="lt1"/>
-          </a:fontRef>
-        </p:style>
-        <p:txBody>
-          <a:bodyPr rtlCol="0" anchor="ctr"/>
-          <a:lstStyle/>
-          <a:p>
-            <a:pPr algn="ctr"/>
-            <a:r>
-              <a:rPr lang="en-US" altLang="zh-CN" dirty="0" smtClean="0">
-                <a:solidFill>
-                  <a:schemeClr val="tx1"/>
-                </a:solidFill>
-              </a:rPr>
-              <a:t>Wifi</a:t>
-            </a:r>
-          </a:p>
-        </p:txBody>
-      </p:sp>
-      <p:sp>
-        <p:nvSpPr>
-          <p:cNvPr id="290" name="矩形 289"/>
-          <p:cNvSpPr/>
-          <p:nvPr/>
-        </p:nvSpPr>
-        <p:spPr>
-          <a:xfrm>
-            <a:off x="9047216" y="2924914"/>
-            <a:ext cx="733330" cy="695179"/>
-          </a:xfrm>
-          <a:prstGeom prst="rect">
-            <a:avLst/>
-          </a:prstGeom>
-          <a:noFill/>
-          <a:ln>
-            <a:solidFill>
-              <a:schemeClr val="tx1"/>
-            </a:solidFill>
-          </a:ln>
-        </p:spPr>
-        <p:style>
-          <a:lnRef idx="2">
-            <a:schemeClr val="accent1">
-              <a:shade val="50000"/>
-            </a:schemeClr>
-          </a:lnRef>
-          <a:fillRef idx="1">
-            <a:schemeClr val="accent1"/>
-          </a:fillRef>
-          <a:effectRef idx="0">
-            <a:schemeClr val="accent1"/>
-          </a:effectRef>
-          <a:fontRef idx="minor">
-            <a:schemeClr val="lt1"/>
-          </a:fontRef>
-        </p:style>
-        <p:txBody>
-          <a:bodyPr rtlCol="0" anchor="ctr"/>
-          <a:lstStyle/>
-          <a:p>
-            <a:pPr algn="ctr"/>
-            <a:r>
-              <a:rPr lang="en-US" altLang="zh-CN" dirty="0" smtClean="0">
-                <a:solidFill>
-                  <a:schemeClr val="tx1"/>
-                </a:solidFill>
-              </a:rPr>
-              <a:t>Wifi</a:t>
-            </a:r>
-          </a:p>
-        </p:txBody>
-      </p:sp>
-      <p:cxnSp>
-        <p:nvCxnSpPr>
-          <p:cNvPr id="300" name="直接箭头连接符 299"/>
-          <p:cNvCxnSpPr>
-            <a:stCxn id="173" idx="0"/>
-            <a:endCxn id="288" idx="2"/>
-          </p:cNvCxnSpPr>
-          <p:nvPr/>
-        </p:nvCxnSpPr>
-        <p:spPr>
-          <a:xfrm flipV="1">
-            <a:off x="7705025" y="3626436"/>
-            <a:ext cx="0" cy="327978"/>
-          </a:xfrm>
-          <a:prstGeom prst="straightConnector1">
-            <a:avLst/>
-          </a:prstGeom>
-          <a:ln>
-            <a:tailEnd type="triangle"/>
-          </a:ln>
-        </p:spPr>
-        <p:style>
-          <a:lnRef idx="1">
-            <a:schemeClr val="accent1"/>
-          </a:lnRef>
-          <a:fillRef idx="0">
-            <a:schemeClr val="accent1"/>
-          </a:fillRef>
-          <a:effectRef idx="0">
-            <a:schemeClr val="accent1"/>
-          </a:effectRef>
-          <a:fontRef idx="minor">
-            <a:schemeClr val="tx1"/>
-          </a:fontRef>
-        </p:style>
-      </p:cxnSp>
-      <p:cxnSp>
-        <p:nvCxnSpPr>
-          <p:cNvPr id="302" name="直接箭头连接符 301"/>
-          <p:cNvCxnSpPr>
-            <a:stCxn id="170" idx="0"/>
-            <a:endCxn id="289" idx="2"/>
-          </p:cNvCxnSpPr>
-          <p:nvPr/>
-        </p:nvCxnSpPr>
-        <p:spPr>
-          <a:xfrm flipH="1" flipV="1">
-            <a:off x="8559453" y="3620094"/>
-            <a:ext cx="7710" cy="797945"/>
-          </a:xfrm>
-          <a:prstGeom prst="straightConnector1">
-            <a:avLst/>
-          </a:prstGeom>
-          <a:ln>
-            <a:tailEnd type="triangle"/>
-          </a:ln>
-        </p:spPr>
-        <p:style>
-          <a:lnRef idx="1">
-            <a:schemeClr val="accent1"/>
-          </a:lnRef>
-          <a:fillRef idx="0">
-            <a:schemeClr val="accent1"/>
-          </a:fillRef>
-          <a:effectRef idx="0">
-            <a:schemeClr val="accent1"/>
-          </a:effectRef>
-          <a:fontRef idx="minor">
-            <a:schemeClr val="tx1"/>
-          </a:fontRef>
-        </p:style>
-      </p:cxnSp>
-      <p:cxnSp>
-        <p:nvCxnSpPr>
-          <p:cNvPr id="311" name="直接箭头连接符 310"/>
-          <p:cNvCxnSpPr>
-            <a:stCxn id="171" idx="0"/>
-            <a:endCxn id="290" idx="2"/>
-          </p:cNvCxnSpPr>
-          <p:nvPr/>
-        </p:nvCxnSpPr>
-        <p:spPr>
-          <a:xfrm flipH="1" flipV="1">
-            <a:off x="9413881" y="3620093"/>
-            <a:ext cx="6439" cy="1257227"/>
-          </a:xfrm>
-          <a:prstGeom prst="straightConnector1">
-            <a:avLst/>
-          </a:prstGeom>
-          <a:ln>
-            <a:tailEnd type="triangle"/>
-          </a:ln>
-        </p:spPr>
-        <p:style>
-          <a:lnRef idx="1">
-            <a:schemeClr val="accent1"/>
-          </a:lnRef>
-          <a:fillRef idx="0">
-            <a:schemeClr val="accent1"/>
-          </a:fillRef>
-          <a:effectRef idx="0">
-            <a:schemeClr val="accent1"/>
-          </a:effectRef>
-          <a:fontRef idx="minor">
-            <a:schemeClr val="tx1"/>
-          </a:fontRef>
-        </p:style>
-      </p:cxnSp>
-      <p:sp>
-        <p:nvSpPr>
-          <p:cNvPr id="318" name="矩形 317"/>
-          <p:cNvSpPr/>
-          <p:nvPr/>
-        </p:nvSpPr>
-        <p:spPr>
-          <a:xfrm>
-            <a:off x="6755270" y="1745584"/>
-            <a:ext cx="733330" cy="695179"/>
-          </a:xfrm>
-          <a:prstGeom prst="rect">
-            <a:avLst/>
-          </a:prstGeom>
-          <a:noFill/>
-          <a:ln>
-            <a:solidFill>
-              <a:schemeClr val="tx1"/>
-            </a:solidFill>
-          </a:ln>
-        </p:spPr>
-        <p:style>
-          <a:lnRef idx="2">
-            <a:schemeClr val="accent1">
-              <a:shade val="50000"/>
-            </a:schemeClr>
-          </a:lnRef>
-          <a:fillRef idx="1">
-            <a:schemeClr val="accent1"/>
-          </a:fillRef>
-          <a:effectRef idx="0">
-            <a:schemeClr val="accent1"/>
-          </a:effectRef>
-          <a:fontRef idx="minor">
-            <a:schemeClr val="lt1"/>
-          </a:fontRef>
-        </p:style>
-        <p:txBody>
-          <a:bodyPr rtlCol="0" anchor="ctr"/>
-          <a:lstStyle/>
-          <a:p>
-            <a:pPr algn="ctr"/>
-            <a:r>
-              <a:rPr lang="en-US" altLang="zh-CN" sz="1200" dirty="0" smtClean="0">
-                <a:solidFill>
-                  <a:schemeClr val="tx1"/>
-                </a:solidFill>
-              </a:rPr>
-              <a:t>Or</a:t>
-            </a:r>
-            <a:endParaRPr lang="zh-CN" altLang="en-US" sz="1200" dirty="0">
-              <a:solidFill>
-                <a:schemeClr val="tx1"/>
-              </a:solidFill>
-            </a:endParaRPr>
-          </a:p>
-        </p:txBody>
-      </p:sp>
-      <p:cxnSp>
-        <p:nvCxnSpPr>
-          <p:cNvPr id="355" name="直接箭头连接符 354"/>
-          <p:cNvCxnSpPr>
-            <a:stCxn id="83" idx="3"/>
-            <a:endCxn id="318" idx="1"/>
-          </p:cNvCxnSpPr>
-          <p:nvPr/>
-        </p:nvCxnSpPr>
-        <p:spPr>
-          <a:xfrm>
-            <a:off x="5968110" y="2082928"/>
-            <a:ext cx="787160" cy="10246"/>
-          </a:xfrm>
-          <a:prstGeom prst="straightConnector1">
-            <a:avLst/>
-          </a:prstGeom>
-          <a:ln>
-            <a:tailEnd type="triangle"/>
-          </a:ln>
-        </p:spPr>
-        <p:style>
-          <a:lnRef idx="1">
-            <a:schemeClr val="accent1"/>
-          </a:lnRef>
-          <a:fillRef idx="0">
-            <a:schemeClr val="accent1"/>
-          </a:fillRef>
-          <a:effectRef idx="0">
-            <a:schemeClr val="accent1"/>
-          </a:effectRef>
-          <a:fontRef idx="minor">
-            <a:schemeClr val="tx1"/>
-          </a:fontRef>
-        </p:style>
-      </p:cxnSp>
-      <p:sp>
-        <p:nvSpPr>
-          <p:cNvPr id="366" name="文本框 365"/>
-          <p:cNvSpPr txBox="1"/>
-          <p:nvPr/>
-        </p:nvSpPr>
-        <p:spPr>
-          <a:xfrm>
-            <a:off x="6092615" y="1795691"/>
-            <a:ext cx="686213" cy="646331"/>
-          </a:xfrm>
-          <a:prstGeom prst="rect">
-            <a:avLst/>
-          </a:prstGeom>
-          <a:noFill/>
-        </p:spPr>
-        <p:txBody>
-          <a:bodyPr wrap="none" rtlCol="0">
-            <a:spAutoFit/>
-          </a:bodyPr>
-          <a:lstStyle/>
-          <a:p>
-            <a:r>
-              <a:rPr lang="en-US" altLang="zh-CN" dirty="0" smtClean="0"/>
-              <a:t>Set</a:t>
-            </a:r>
-          </a:p>
-          <a:p>
-            <a:r>
-              <a:rPr lang="en-US" altLang="zh-CN" dirty="0" smtClean="0"/>
-              <a:t>value</a:t>
-            </a:r>
-            <a:endParaRPr lang="zh-CN" altLang="en-US" dirty="0"/>
-          </a:p>
-        </p:txBody>
-      </p:sp>
-      <p:cxnSp>
-        <p:nvCxnSpPr>
-          <p:cNvPr id="376" name="肘形连接符 375"/>
-          <p:cNvCxnSpPr>
-            <a:stCxn id="318" idx="2"/>
-            <a:endCxn id="173" idx="1"/>
-          </p:cNvCxnSpPr>
-          <p:nvPr/>
-        </p:nvCxnSpPr>
-        <p:spPr>
-          <a:xfrm rot="16200000" flipH="1">
-            <a:off x="6299527" y="3263170"/>
-            <a:ext cx="1861241" cy="216425"/>
-          </a:xfrm>
-          <a:prstGeom prst="bentConnector2">
-            <a:avLst/>
-          </a:prstGeom>
-          <a:ln>
-            <a:tailEnd type="triangle"/>
-          </a:ln>
-        </p:spPr>
-        <p:style>
-          <a:lnRef idx="1">
-            <a:schemeClr val="accent1"/>
-          </a:lnRef>
-          <a:fillRef idx="0">
-            <a:schemeClr val="accent1"/>
-          </a:fillRef>
-          <a:effectRef idx="0">
-            <a:schemeClr val="accent1"/>
-          </a:effectRef>
-          <a:fontRef idx="minor">
-            <a:schemeClr val="tx1"/>
-          </a:fontRef>
-        </p:style>
-      </p:cxnSp>
-      <p:cxnSp>
-        <p:nvCxnSpPr>
-          <p:cNvPr id="378" name="肘形连接符 377"/>
-          <p:cNvCxnSpPr>
-            <a:stCxn id="318" idx="2"/>
-            <a:endCxn id="170" idx="1"/>
-          </p:cNvCxnSpPr>
-          <p:nvPr/>
-        </p:nvCxnSpPr>
-        <p:spPr>
-          <a:xfrm rot="16200000" flipH="1">
-            <a:off x="6498783" y="3063914"/>
-            <a:ext cx="2324866" cy="1078563"/>
-          </a:xfrm>
-          <a:prstGeom prst="bentConnector2">
-            <a:avLst/>
-          </a:prstGeom>
-          <a:ln>
-            <a:tailEnd type="triangle"/>
-          </a:ln>
-        </p:spPr>
-        <p:style>
-          <a:lnRef idx="1">
-            <a:schemeClr val="accent1"/>
-          </a:lnRef>
-          <a:fillRef idx="0">
-            <a:schemeClr val="accent1"/>
-          </a:fillRef>
-          <a:effectRef idx="0">
-            <a:schemeClr val="accent1"/>
-          </a:effectRef>
-          <a:fontRef idx="minor">
-            <a:schemeClr val="tx1"/>
-          </a:fontRef>
-        </p:style>
-      </p:cxnSp>
-      <p:cxnSp>
-        <p:nvCxnSpPr>
-          <p:cNvPr id="380" name="肘形连接符 379"/>
-          <p:cNvCxnSpPr>
-            <a:stCxn id="318" idx="2"/>
-            <a:endCxn id="171" idx="1"/>
-          </p:cNvCxnSpPr>
-          <p:nvPr/>
-        </p:nvCxnSpPr>
-        <p:spPr>
-          <a:xfrm rot="16200000" flipH="1">
-            <a:off x="6695722" y="2866976"/>
-            <a:ext cx="2784147" cy="1931720"/>
-          </a:xfrm>
-          <a:prstGeom prst="bentConnector2">
-            <a:avLst/>
-          </a:prstGeom>
-          <a:ln>
-            <a:tailEnd type="triangle"/>
-          </a:ln>
-        </p:spPr>
-        <p:style>
-          <a:lnRef idx="1">
-            <a:schemeClr val="accent1"/>
-          </a:lnRef>
-          <a:fillRef idx="0">
-            <a:schemeClr val="accent1"/>
-          </a:fillRef>
-          <a:effectRef idx="0">
-            <a:schemeClr val="accent1"/>
-          </a:effectRef>
-          <a:fontRef idx="minor">
-            <a:schemeClr val="tx1"/>
-          </a:fontRef>
-        </p:style>
-      </p:cxnSp>
-      <p:cxnSp>
-        <p:nvCxnSpPr>
-          <p:cNvPr id="383" name="直接箭头连接符 382"/>
-          <p:cNvCxnSpPr>
-            <a:stCxn id="288" idx="0"/>
-            <a:endCxn id="154" idx="2"/>
-          </p:cNvCxnSpPr>
-          <p:nvPr/>
-        </p:nvCxnSpPr>
-        <p:spPr>
-          <a:xfrm flipV="1">
-            <a:off x="7705025" y="2152902"/>
-            <a:ext cx="841322" cy="778355"/>
-          </a:xfrm>
-          <a:prstGeom prst="straightConnector1">
-            <a:avLst/>
-          </a:prstGeom>
-          <a:ln>
-            <a:tailEnd type="triangle"/>
-          </a:ln>
-        </p:spPr>
-        <p:style>
-          <a:lnRef idx="1">
-            <a:schemeClr val="accent1"/>
-          </a:lnRef>
-          <a:fillRef idx="0">
-            <a:schemeClr val="accent1"/>
-          </a:fillRef>
-          <a:effectRef idx="0">
-            <a:schemeClr val="accent1"/>
-          </a:effectRef>
-          <a:fontRef idx="minor">
-            <a:schemeClr val="tx1"/>
-          </a:fontRef>
-        </p:style>
-      </p:cxnSp>
-      <p:cxnSp>
-        <p:nvCxnSpPr>
-          <p:cNvPr id="385" name="直接箭头连接符 384"/>
-          <p:cNvCxnSpPr>
-            <a:stCxn id="154" idx="2"/>
-            <a:endCxn id="289" idx="0"/>
-          </p:cNvCxnSpPr>
-          <p:nvPr/>
-        </p:nvCxnSpPr>
-        <p:spPr>
-          <a:xfrm>
-            <a:off x="8546347" y="2152902"/>
-            <a:ext cx="13106" cy="772013"/>
-          </a:xfrm>
-          <a:prstGeom prst="straightConnector1">
-            <a:avLst/>
-          </a:prstGeom>
-          <a:ln>
-            <a:tailEnd type="triangle"/>
-          </a:ln>
-        </p:spPr>
-        <p:style>
-          <a:lnRef idx="1">
-            <a:schemeClr val="accent1"/>
-          </a:lnRef>
-          <a:fillRef idx="0">
-            <a:schemeClr val="accent1"/>
-          </a:fillRef>
-          <a:effectRef idx="0">
-            <a:schemeClr val="accent1"/>
-          </a:effectRef>
-          <a:fontRef idx="minor">
-            <a:schemeClr val="tx1"/>
-          </a:fontRef>
-        </p:style>
-      </p:cxnSp>
-      <p:cxnSp>
-        <p:nvCxnSpPr>
-          <p:cNvPr id="387" name="直接箭头连接符 386"/>
-          <p:cNvCxnSpPr>
-            <a:stCxn id="154" idx="2"/>
-            <a:endCxn id="290" idx="0"/>
-          </p:cNvCxnSpPr>
-          <p:nvPr/>
-        </p:nvCxnSpPr>
-        <p:spPr>
-          <a:xfrm>
-            <a:off x="8546347" y="2152902"/>
-            <a:ext cx="867534" cy="772012"/>
-          </a:xfrm>
-          <a:prstGeom prst="straightConnector1">
-            <a:avLst/>
-          </a:prstGeom>
-          <a:ln>
-            <a:tailEnd type="triangle"/>
-          </a:ln>
-        </p:spPr>
-        <p:style>
-          <a:lnRef idx="1">
-            <a:schemeClr val="accent1"/>
-          </a:lnRef>
-          <a:fillRef idx="0">
-            <a:schemeClr val="accent1"/>
-          </a:fillRef>
-          <a:effectRef idx="0">
-            <a:schemeClr val="accent1"/>
-          </a:effectRef>
-          <a:fontRef idx="minor">
-            <a:schemeClr val="tx1"/>
-          </a:fontRef>
-        </p:style>
-      </p:cxnSp>
-      <p:cxnSp>
-        <p:nvCxnSpPr>
-          <p:cNvPr id="438" name="肘形连接符 437"/>
-          <p:cNvCxnSpPr>
-            <a:stCxn id="45" idx="6"/>
-            <a:endCxn id="318" idx="0"/>
-          </p:cNvCxnSpPr>
-          <p:nvPr/>
-        </p:nvCxnSpPr>
-        <p:spPr>
-          <a:xfrm>
-            <a:off x="3836469" y="454377"/>
-            <a:ext cx="3285466" cy="1291207"/>
-          </a:xfrm>
-          <a:prstGeom prst="bentConnector2">
-            <a:avLst/>
-          </a:prstGeom>
-          <a:ln>
-            <a:tailEnd type="triangle"/>
-          </a:ln>
-        </p:spPr>
-        <p:style>
-          <a:lnRef idx="1">
-            <a:schemeClr val="accent1"/>
-          </a:lnRef>
-          <a:fillRef idx="0">
-            <a:schemeClr val="accent1"/>
-          </a:fillRef>
-          <a:effectRef idx="0">
-            <a:schemeClr val="accent1"/>
-          </a:effectRef>
-          <a:fontRef idx="minor">
-            <a:schemeClr val="tx1"/>
-          </a:fontRef>
-        </p:style>
-      </p:cxnSp>
-      <p:cxnSp>
-        <p:nvCxnSpPr>
-          <p:cNvPr id="470" name="肘形连接符 469"/>
-          <p:cNvCxnSpPr>
-            <a:stCxn id="55" idx="0"/>
-            <a:endCxn id="318" idx="0"/>
-          </p:cNvCxnSpPr>
-          <p:nvPr/>
-        </p:nvCxnSpPr>
-        <p:spPr>
-          <a:xfrm rot="16200000" flipH="1">
-            <a:off x="4619070" y="-757281"/>
-            <a:ext cx="911805" cy="4093924"/>
-          </a:xfrm>
-          <a:prstGeom prst="bentConnector3">
-            <a:avLst>
-              <a:gd name="adj1" fmla="val -76703"/>
-            </a:avLst>
-          </a:prstGeom>
-          <a:ln>
-            <a:tailEnd type="triangle"/>
-          </a:ln>
-        </p:spPr>
-        <p:style>
-          <a:lnRef idx="1">
-            <a:schemeClr val="accent1"/>
-          </a:lnRef>
-          <a:fillRef idx="0">
-            <a:schemeClr val="accent1"/>
-          </a:fillRef>
-          <a:effectRef idx="0">
-            <a:schemeClr val="accent1"/>
-          </a:effectRef>
-          <a:fontRef idx="minor">
-            <a:schemeClr val="tx1"/>
-          </a:fontRef>
-        </p:style>
-      </p:cxnSp>
-      <p:sp>
-        <p:nvSpPr>
-          <p:cNvPr id="490" name="文本框 489"/>
-          <p:cNvSpPr txBox="1"/>
-          <p:nvPr/>
-        </p:nvSpPr>
-        <p:spPr>
-          <a:xfrm>
-            <a:off x="7217263" y="2516901"/>
-            <a:ext cx="1196225" cy="369332"/>
-          </a:xfrm>
-          <a:prstGeom prst="rect">
-            <a:avLst/>
-          </a:prstGeom>
-          <a:noFill/>
-        </p:spPr>
-        <p:txBody>
-          <a:bodyPr wrap="none" rtlCol="0">
-            <a:spAutoFit/>
-          </a:bodyPr>
-          <a:lstStyle/>
-          <a:p>
-            <a:r>
-              <a:rPr lang="en-US" altLang="zh-CN" dirty="0" smtClean="0"/>
-              <a:t>transducer</a:t>
-            </a:r>
-            <a:endParaRPr lang="zh-CN" altLang="en-US" dirty="0"/>
-          </a:p>
-        </p:txBody>
-      </p:sp>
-      <p:sp>
-        <p:nvSpPr>
-          <p:cNvPr id="491" name="文本框 490"/>
-          <p:cNvSpPr txBox="1"/>
-          <p:nvPr/>
-        </p:nvSpPr>
-        <p:spPr>
-          <a:xfrm>
-            <a:off x="8824422" y="2475684"/>
-            <a:ext cx="731290" cy="369332"/>
-          </a:xfrm>
-          <a:prstGeom prst="rect">
-            <a:avLst/>
-          </a:prstGeom>
-          <a:noFill/>
-        </p:spPr>
-        <p:txBody>
-          <a:bodyPr wrap="none" rtlCol="0">
-            <a:spAutoFit/>
-          </a:bodyPr>
-          <a:lstStyle/>
-          <a:p>
-            <a:r>
-              <a:rPr lang="en-US" altLang="zh-CN" dirty="0" smtClean="0"/>
-              <a:t>Pump</a:t>
-            </a:r>
-            <a:endParaRPr lang="zh-CN" altLang="en-US" dirty="0"/>
-          </a:p>
-        </p:txBody>
-      </p:sp>
-      <p:sp>
-        <p:nvSpPr>
-          <p:cNvPr id="492" name="文本框 491"/>
-          <p:cNvSpPr txBox="1"/>
-          <p:nvPr/>
-        </p:nvSpPr>
-        <p:spPr>
-          <a:xfrm>
-            <a:off x="8143566" y="2280966"/>
-            <a:ext cx="817853" cy="369332"/>
-          </a:xfrm>
-          <a:prstGeom prst="rect">
-            <a:avLst/>
-          </a:prstGeom>
-          <a:noFill/>
-        </p:spPr>
-        <p:txBody>
-          <a:bodyPr wrap="none" rtlCol="0">
-            <a:spAutoFit/>
-          </a:bodyPr>
-          <a:lstStyle/>
-          <a:p>
-            <a:r>
-              <a:rPr lang="en-US" altLang="zh-CN" dirty="0" smtClean="0"/>
-              <a:t>Engine</a:t>
-            </a:r>
-            <a:endParaRPr lang="zh-CN" altLang="en-US" dirty="0"/>
-          </a:p>
-        </p:txBody>
-      </p:sp>
       <p:sp>
         <p:nvSpPr>
           <p:cNvPr id="84" name="矩形 83"/>
@@ -13441,7 +11710,7 @@
         </p:nvSpPr>
         <p:spPr>
           <a:xfrm>
-            <a:off x="8413488" y="806901"/>
+            <a:off x="7348148" y="5007785"/>
             <a:ext cx="1126024" cy="488326"/>
           </a:xfrm>
           <a:prstGeom prst="rect">
@@ -13499,7 +11768,7 @@
         </p:nvSpPr>
         <p:spPr>
           <a:xfrm>
-            <a:off x="11003434" y="806901"/>
+            <a:off x="7331710" y="1803170"/>
             <a:ext cx="1126024" cy="488326"/>
           </a:xfrm>
           <a:prstGeom prst="rect">
@@ -13551,71 +11820,13 @@
       </p:sp>
       <p:sp>
         <p:nvSpPr>
-          <p:cNvPr id="86" name="矩形 85"/>
-          <p:cNvSpPr/>
-          <p:nvPr/>
-        </p:nvSpPr>
-        <p:spPr>
-          <a:xfrm>
-            <a:off x="9721792" y="806901"/>
-            <a:ext cx="1126024" cy="488326"/>
-          </a:xfrm>
-          <a:prstGeom prst="rect">
-            <a:avLst/>
-          </a:prstGeom>
-          <a:noFill/>
-          <a:ln>
-            <a:solidFill>
-              <a:schemeClr val="tx1"/>
-            </a:solidFill>
-          </a:ln>
-        </p:spPr>
-        <p:style>
-          <a:lnRef idx="2">
-            <a:schemeClr val="accent1">
-              <a:shade val="50000"/>
-            </a:schemeClr>
-          </a:lnRef>
-          <a:fillRef idx="1">
-            <a:schemeClr val="accent1"/>
-          </a:fillRef>
-          <a:effectRef idx="0">
-            <a:schemeClr val="accent1"/>
-          </a:effectRef>
-          <a:fontRef idx="minor">
-            <a:schemeClr val="lt1"/>
-          </a:fontRef>
-        </p:style>
-        <p:txBody>
-          <a:bodyPr rtlCol="0" anchor="ctr"/>
-          <a:lstStyle/>
-          <a:p>
-            <a:pPr algn="ctr"/>
-            <a:r>
-              <a:rPr lang="en-US" altLang="zh-CN" dirty="0" smtClean="0">
-                <a:solidFill>
-                  <a:schemeClr val="tx1"/>
-                </a:solidFill>
-              </a:rPr>
-              <a:t>Engine</a:t>
-            </a:r>
-            <a:endParaRPr lang="zh-CN" altLang="en-US" sz="1400" dirty="0">
-              <a:solidFill>
-                <a:schemeClr val="tx1"/>
-              </a:solidFill>
-            </a:endParaRPr>
-          </a:p>
-        </p:txBody>
-      </p:sp>
-      <p:sp>
-        <p:nvSpPr>
           <p:cNvPr id="87" name="矩形 86"/>
           <p:cNvSpPr/>
           <p:nvPr/>
         </p:nvSpPr>
         <p:spPr>
           <a:xfrm>
-            <a:off x="9721792" y="45181"/>
+            <a:off x="7331710" y="1059446"/>
             <a:ext cx="1126024" cy="488326"/>
           </a:xfrm>
           <a:prstGeom prst="rect">
@@ -13665,45 +11876,6 @@
           </a:p>
         </p:txBody>
       </p:sp>
-      <p:cxnSp>
-        <p:nvCxnSpPr>
-          <p:cNvPr id="88" name="直接箭头连接符 87"/>
-          <p:cNvCxnSpPr>
-            <a:stCxn id="87" idx="2"/>
-            <a:endCxn id="84" idx="0"/>
-          </p:cNvCxnSpPr>
-          <p:nvPr/>
-        </p:nvCxnSpPr>
-        <p:spPr>
-          <a:xfrm flipH="1">
-            <a:off x="8976500" y="533507"/>
-            <a:ext cx="1308304" cy="273394"/>
-          </a:xfrm>
-          <a:prstGeom prst="straightConnector1">
-            <a:avLst/>
-          </a:prstGeom>
-          <a:ln>
-            <a:solidFill>
-              <a:srgbClr val="FF0000"/>
-            </a:solidFill>
-            <a:tailEnd type="triangle"/>
-          </a:ln>
-        </p:spPr>
-        <p:style>
-          <a:lnRef idx="1">
-            <a:schemeClr val="accent1"/>
-          </a:lnRef>
-          <a:fillRef idx="0">
-            <a:schemeClr val="accent1"/>
-          </a:fillRef>
-          <a:effectRef idx="0">
-            <a:schemeClr val="accent1"/>
-          </a:effectRef>
-          <a:fontRef idx="minor">
-            <a:schemeClr val="tx1"/>
-          </a:fontRef>
-        </p:style>
-      </p:cxnSp>
       <p:cxnSp>
         <p:nvCxnSpPr>
           <p:cNvPr id="89" name="直接箭头连接符 88"/>
@@ -13715,8 +11887,8 @@
         </p:nvCxnSpPr>
         <p:spPr>
           <a:xfrm>
-            <a:off x="10284804" y="533507"/>
-            <a:ext cx="1281642" cy="273394"/>
+            <a:off x="7894722" y="1547772"/>
+            <a:ext cx="0" cy="255398"/>
           </a:xfrm>
           <a:prstGeom prst="straightConnector1">
             <a:avLst/>
@@ -13743,45 +11915,6 @@
           </a:fontRef>
         </p:style>
       </p:cxnSp>
-      <p:cxnSp>
-        <p:nvCxnSpPr>
-          <p:cNvPr id="91" name="直接箭头连接符 90"/>
-          <p:cNvCxnSpPr>
-            <a:stCxn id="87" idx="2"/>
-            <a:endCxn id="86" idx="0"/>
-          </p:cNvCxnSpPr>
-          <p:nvPr/>
-        </p:nvCxnSpPr>
-        <p:spPr>
-          <a:xfrm>
-            <a:off x="10284804" y="533507"/>
-            <a:ext cx="0" cy="273394"/>
-          </a:xfrm>
-          <a:prstGeom prst="straightConnector1">
-            <a:avLst/>
-          </a:prstGeom>
-          <a:ln>
-            <a:solidFill>
-              <a:srgbClr val="FF0000"/>
-            </a:solidFill>
-            <a:tailEnd type="triangle"/>
-          </a:ln>
-        </p:spPr>
-        <p:style>
-          <a:lnRef idx="1">
-            <a:schemeClr val="accent1"/>
-          </a:lnRef>
-          <a:fillRef idx="0">
-            <a:schemeClr val="accent1"/>
-          </a:fillRef>
-          <a:effectRef idx="0">
-            <a:schemeClr val="accent1"/>
-          </a:effectRef>
-          <a:fontRef idx="minor">
-            <a:schemeClr val="tx1"/>
-          </a:fontRef>
-        </p:style>
-      </p:cxnSp>
       <p:sp>
         <p:nvSpPr>
           <p:cNvPr id="92" name="矩形 91"/>
@@ -13790,7 +11923,7 @@
         </p:nvSpPr>
         <p:spPr>
           <a:xfrm>
-            <a:off x="7970641" y="75120"/>
+            <a:off x="7331710" y="340567"/>
             <a:ext cx="1126024" cy="488326"/>
           </a:xfrm>
           <a:prstGeom prst="rect">
@@ -13844,15 +11977,15 @@
         <p:nvCxnSpPr>
           <p:cNvPr id="95" name="直接箭头连接符 94"/>
           <p:cNvCxnSpPr>
-            <a:stCxn id="92" idx="3"/>
-            <a:endCxn id="87" idx="1"/>
+            <a:stCxn id="92" idx="2"/>
+            <a:endCxn id="87" idx="0"/>
           </p:cNvCxnSpPr>
           <p:nvPr/>
         </p:nvCxnSpPr>
         <p:spPr>
-          <a:xfrm flipV="1">
-            <a:off x="9096665" y="289344"/>
-            <a:ext cx="625127" cy="29939"/>
+          <a:xfrm>
+            <a:off x="7894722" y="828893"/>
+            <a:ext cx="0" cy="230553"/>
           </a:xfrm>
           <a:prstGeom prst="straightConnector1">
             <a:avLst/>
@@ -13887,7 +12020,7 @@
         </p:nvSpPr>
         <p:spPr>
           <a:xfrm>
-            <a:off x="9263987" y="1472435"/>
+            <a:off x="7544495" y="5754347"/>
             <a:ext cx="733330" cy="695179"/>
           </a:xfrm>
           <a:prstGeom prst="rect">
@@ -13956,7 +12089,7 @@
         </p:nvSpPr>
         <p:spPr>
           <a:xfrm>
-            <a:off x="11258611" y="1446479"/>
+            <a:off x="7528057" y="2522049"/>
             <a:ext cx="733330" cy="695179"/>
           </a:xfrm>
           <a:prstGeom prst="rect">
@@ -14008,83 +12141,6 @@
                 </a:solidFill>
               </a:rPr>
               <a:t>3</a:t>
-            </a:r>
-            <a:r>
-              <a:rPr lang="en-US" altLang="zh-CN" sz="1200" dirty="0" smtClean="0">
-                <a:solidFill>
-                  <a:schemeClr val="tx1"/>
-                </a:solidFill>
-              </a:rPr>
-              <a:t>N</a:t>
-            </a:r>
-            <a:endParaRPr lang="zh-CN" altLang="en-US" sz="1200" dirty="0">
-              <a:solidFill>
-                <a:schemeClr val="tx1"/>
-              </a:solidFill>
-            </a:endParaRPr>
-          </a:p>
-        </p:txBody>
-      </p:sp>
-      <p:sp>
-        <p:nvSpPr>
-          <p:cNvPr id="106" name="矩形 105"/>
-          <p:cNvSpPr/>
-          <p:nvPr/>
-        </p:nvSpPr>
-        <p:spPr>
-          <a:xfrm>
-            <a:off x="10353091" y="1446479"/>
-            <a:ext cx="733330" cy="695179"/>
-          </a:xfrm>
-          <a:prstGeom prst="rect">
-            <a:avLst/>
-          </a:prstGeom>
-          <a:noFill/>
-          <a:ln>
-            <a:solidFill>
-              <a:schemeClr val="tx1"/>
-            </a:solidFill>
-          </a:ln>
-        </p:spPr>
-        <p:style>
-          <a:lnRef idx="2">
-            <a:schemeClr val="accent1">
-              <a:shade val="50000"/>
-            </a:schemeClr>
-          </a:lnRef>
-          <a:fillRef idx="1">
-            <a:schemeClr val="accent1"/>
-          </a:fillRef>
-          <a:effectRef idx="0">
-            <a:schemeClr val="accent1"/>
-          </a:effectRef>
-          <a:fontRef idx="minor">
-            <a:schemeClr val="lt1"/>
-          </a:fontRef>
-        </p:style>
-        <p:txBody>
-          <a:bodyPr rtlCol="0" anchor="ctr"/>
-          <a:lstStyle/>
-          <a:p>
-            <a:pPr algn="ctr"/>
-            <a:r>
-              <a:rPr lang="en-US" altLang="zh-CN" sz="1200" dirty="0" smtClean="0">
-                <a:solidFill>
-                  <a:schemeClr val="tx1"/>
-                </a:solidFill>
-              </a:rPr>
-              <a:t>Wifi</a:t>
-            </a:r>
-          </a:p>
-          <a:p>
-            <a:pPr algn="ctr"/>
-            <a:r>
-              <a:rPr lang="en-US" altLang="zh-CN" sz="1200" dirty="0">
-                <a:solidFill>
-                  <a:schemeClr val="tx1"/>
-                </a:solidFill>
-              </a:rPr>
-              <a:t>2</a:t>
             </a:r>
             <a:r>
               <a:rPr lang="en-US" altLang="zh-CN" sz="1200" dirty="0" smtClean="0">
@@ -14113,8 +12169,8 @@
         </p:nvCxnSpPr>
         <p:spPr>
           <a:xfrm>
-            <a:off x="8976500" y="1295227"/>
-            <a:ext cx="654152" cy="177208"/>
+            <a:off x="7911160" y="5496111"/>
+            <a:ext cx="0" cy="258236"/>
           </a:xfrm>
           <a:prstGeom prst="straightConnector1">
             <a:avLst/>
@@ -14148,9 +12204,180 @@
           <p:nvPr/>
         </p:nvCxnSpPr>
         <p:spPr>
-          <a:xfrm flipH="1" flipV="1">
-            <a:off x="11566446" y="1295227"/>
-            <a:ext cx="58830" cy="151252"/>
+          <a:xfrm flipV="1">
+            <a:off x="7894722" y="2291496"/>
+            <a:ext cx="0" cy="230553"/>
+          </a:xfrm>
+          <a:prstGeom prst="straightConnector1">
+            <a:avLst/>
+          </a:prstGeom>
+          <a:ln>
+            <a:tailEnd type="triangle"/>
+          </a:ln>
+        </p:spPr>
+        <p:style>
+          <a:lnRef idx="1">
+            <a:schemeClr val="accent1"/>
+          </a:lnRef>
+          <a:fillRef idx="0">
+            <a:schemeClr val="accent1"/>
+          </a:fillRef>
+          <a:effectRef idx="0">
+            <a:schemeClr val="accent1"/>
+          </a:effectRef>
+          <a:fontRef idx="minor">
+            <a:schemeClr val="tx1"/>
+          </a:fontRef>
+        </p:style>
+      </p:cxnSp>
+      <p:sp>
+        <p:nvSpPr>
+          <p:cNvPr id="116" name="矩形 115"/>
+          <p:cNvSpPr/>
+          <p:nvPr/>
+        </p:nvSpPr>
+        <p:spPr>
+          <a:xfrm>
+            <a:off x="7349811" y="3394854"/>
+            <a:ext cx="1126024" cy="488326"/>
+          </a:xfrm>
+          <a:prstGeom prst="rect">
+            <a:avLst/>
+          </a:prstGeom>
+          <a:noFill/>
+          <a:ln>
+            <a:solidFill>
+              <a:schemeClr val="tx1"/>
+            </a:solidFill>
+          </a:ln>
+        </p:spPr>
+        <p:style>
+          <a:lnRef idx="2">
+            <a:schemeClr val="accent1">
+              <a:shade val="50000"/>
+            </a:schemeClr>
+          </a:lnRef>
+          <a:fillRef idx="1">
+            <a:schemeClr val="accent1"/>
+          </a:fillRef>
+          <a:effectRef idx="0">
+            <a:schemeClr val="accent1"/>
+          </a:effectRef>
+          <a:fontRef idx="minor">
+            <a:schemeClr val="lt1"/>
+          </a:fontRef>
+        </p:style>
+        <p:txBody>
+          <a:bodyPr rtlCol="0" anchor="ctr"/>
+          <a:lstStyle/>
+          <a:p>
+            <a:pPr algn="ctr"/>
+            <a:r>
+              <a:rPr lang="en-US" altLang="zh-CN" dirty="0" smtClean="0">
+                <a:solidFill>
+                  <a:schemeClr val="tx1"/>
+                </a:solidFill>
+              </a:rPr>
+              <a:t>Engine</a:t>
+            </a:r>
+            <a:endParaRPr lang="zh-CN" altLang="en-US" sz="1400" dirty="0">
+              <a:solidFill>
+                <a:schemeClr val="tx1"/>
+              </a:solidFill>
+            </a:endParaRPr>
+          </a:p>
+        </p:txBody>
+      </p:sp>
+      <p:sp>
+        <p:nvSpPr>
+          <p:cNvPr id="118" name="矩形 117"/>
+          <p:cNvSpPr/>
+          <p:nvPr/>
+        </p:nvSpPr>
+        <p:spPr>
+          <a:xfrm>
+            <a:off x="7544495" y="4094800"/>
+            <a:ext cx="733330" cy="695179"/>
+          </a:xfrm>
+          <a:prstGeom prst="rect">
+            <a:avLst/>
+          </a:prstGeom>
+          <a:noFill/>
+          <a:ln>
+            <a:solidFill>
+              <a:schemeClr val="tx1"/>
+            </a:solidFill>
+          </a:ln>
+        </p:spPr>
+        <p:style>
+          <a:lnRef idx="2">
+            <a:schemeClr val="accent1">
+              <a:shade val="50000"/>
+            </a:schemeClr>
+          </a:lnRef>
+          <a:fillRef idx="1">
+            <a:schemeClr val="accent1"/>
+          </a:fillRef>
+          <a:effectRef idx="0">
+            <a:schemeClr val="accent1"/>
+          </a:effectRef>
+          <a:fontRef idx="minor">
+            <a:schemeClr val="lt1"/>
+          </a:fontRef>
+        </p:style>
+        <p:txBody>
+          <a:bodyPr rtlCol="0" anchor="ctr"/>
+          <a:lstStyle/>
+          <a:p>
+            <a:pPr algn="ctr"/>
+            <a:r>
+              <a:rPr lang="en-US" altLang="zh-CN" sz="1200" dirty="0" smtClean="0">
+                <a:solidFill>
+                  <a:schemeClr val="tx1"/>
+                </a:solidFill>
+              </a:rPr>
+              <a:t>Wifi</a:t>
+            </a:r>
+          </a:p>
+          <a:p>
+            <a:pPr algn="ctr"/>
+            <a:r>
+              <a:rPr lang="en-US" altLang="zh-CN" sz="1200" dirty="0">
+                <a:solidFill>
+                  <a:schemeClr val="tx1"/>
+                </a:solidFill>
+              </a:rPr>
+              <a:t>2</a:t>
+            </a:r>
+            <a:r>
+              <a:rPr lang="en-US" altLang="zh-CN" sz="1200" dirty="0" smtClean="0">
+                <a:solidFill>
+                  <a:schemeClr val="tx1"/>
+                </a:solidFill>
+              </a:rPr>
+              <a:t>N</a:t>
+            </a:r>
+            <a:endParaRPr lang="zh-CN" altLang="en-US" sz="1200" dirty="0">
+              <a:solidFill>
+                <a:schemeClr val="tx1"/>
+              </a:solidFill>
+            </a:endParaRPr>
+          </a:p>
+        </p:txBody>
+      </p:sp>
+      <p:cxnSp>
+        <p:nvCxnSpPr>
+          <p:cNvPr id="31" name="直接箭头连接符 30"/>
+          <p:cNvCxnSpPr>
+            <a:stCxn id="118" idx="0"/>
+            <a:endCxn id="116" idx="2"/>
+          </p:cNvCxnSpPr>
+          <p:nvPr/>
+        </p:nvCxnSpPr>
+        <p:spPr>
+          <a:xfrm flipV="1">
+            <a:off x="7911160" y="3883180"/>
+            <a:ext cx="1663" cy="211620"/>
           </a:xfrm>
           <a:prstGeom prst="straightConnector1">
             <a:avLst/>
@@ -14176,22 +12403,286 @@
       </p:cxnSp>
       <p:cxnSp>
         <p:nvCxnSpPr>
-          <p:cNvPr id="110" name="直接箭头连接符 109"/>
+          <p:cNvPr id="501" name="直接箭头连接符 500"/>
           <p:cNvCxnSpPr>
-            <a:stCxn id="106" idx="0"/>
-            <a:endCxn id="86" idx="2"/>
+            <a:stCxn id="83" idx="0"/>
+            <a:endCxn id="142" idx="2"/>
           </p:cNvCxnSpPr>
           <p:nvPr/>
         </p:nvCxnSpPr>
         <p:spPr>
-          <a:xfrm flipH="1" flipV="1">
-            <a:off x="10284804" y="1295227"/>
-            <a:ext cx="434952" cy="151252"/>
+          <a:xfrm flipV="1">
+            <a:off x="5260116" y="2966255"/>
+            <a:ext cx="334" cy="277522"/>
           </a:xfrm>
           <a:prstGeom prst="straightConnector1">
             <a:avLst/>
           </a:prstGeom>
           <a:ln>
+            <a:tailEnd type="triangle"/>
+          </a:ln>
+        </p:spPr>
+        <p:style>
+          <a:lnRef idx="1">
+            <a:schemeClr val="accent1"/>
+          </a:lnRef>
+          <a:fillRef idx="0">
+            <a:schemeClr val="accent1"/>
+          </a:fillRef>
+          <a:effectRef idx="0">
+            <a:schemeClr val="accent1"/>
+          </a:effectRef>
+          <a:fontRef idx="minor">
+            <a:schemeClr val="tx1"/>
+          </a:fontRef>
+        </p:style>
+      </p:cxnSp>
+      <p:cxnSp>
+        <p:nvCxnSpPr>
+          <p:cNvPr id="127" name="肘形连接符 126"/>
+          <p:cNvCxnSpPr>
+            <a:stCxn id="76" idx="3"/>
+            <a:endCxn id="117" idx="3"/>
+          </p:cNvCxnSpPr>
+          <p:nvPr/>
+        </p:nvCxnSpPr>
+        <p:spPr>
+          <a:xfrm flipH="1">
+            <a:off x="5623583" y="689226"/>
+            <a:ext cx="3198" cy="926663"/>
+          </a:xfrm>
+          <a:prstGeom prst="bentConnector3">
+            <a:avLst>
+              <a:gd name="adj1" fmla="val -7148218"/>
+            </a:avLst>
+          </a:prstGeom>
+          <a:ln>
+            <a:tailEnd type="triangle"/>
+          </a:ln>
+        </p:spPr>
+        <p:style>
+          <a:lnRef idx="1">
+            <a:schemeClr val="accent1"/>
+          </a:lnRef>
+          <a:fillRef idx="0">
+            <a:schemeClr val="accent1"/>
+          </a:fillRef>
+          <a:effectRef idx="0">
+            <a:schemeClr val="accent1"/>
+          </a:effectRef>
+          <a:fontRef idx="minor">
+            <a:schemeClr val="tx1"/>
+          </a:fontRef>
+        </p:style>
+      </p:cxnSp>
+      <p:cxnSp>
+        <p:nvCxnSpPr>
+          <p:cNvPr id="147" name="直接箭头连接符 146"/>
+          <p:cNvCxnSpPr>
+            <a:stCxn id="83" idx="1"/>
+            <a:endCxn id="104" idx="0"/>
+          </p:cNvCxnSpPr>
+          <p:nvPr/>
+        </p:nvCxnSpPr>
+        <p:spPr>
+          <a:xfrm flipH="1">
+            <a:off x="2010464" y="3591367"/>
+            <a:ext cx="2882987" cy="635848"/>
+          </a:xfrm>
+          <a:prstGeom prst="straightConnector1">
+            <a:avLst/>
+          </a:prstGeom>
+          <a:ln>
+            <a:tailEnd type="triangle"/>
+          </a:ln>
+        </p:spPr>
+        <p:style>
+          <a:lnRef idx="1">
+            <a:schemeClr val="accent1"/>
+          </a:lnRef>
+          <a:fillRef idx="0">
+            <a:schemeClr val="accent1"/>
+          </a:fillRef>
+          <a:effectRef idx="0">
+            <a:schemeClr val="accent1"/>
+          </a:effectRef>
+          <a:fontRef idx="minor">
+            <a:schemeClr val="tx1"/>
+          </a:fontRef>
+        </p:style>
+      </p:cxnSp>
+      <p:cxnSp>
+        <p:nvCxnSpPr>
+          <p:cNvPr id="149" name="直接箭头连接符 148"/>
+          <p:cNvCxnSpPr>
+            <a:stCxn id="83" idx="1"/>
+            <a:endCxn id="100" idx="0"/>
+          </p:cNvCxnSpPr>
+          <p:nvPr/>
+        </p:nvCxnSpPr>
+        <p:spPr>
+          <a:xfrm flipH="1">
+            <a:off x="4669075" y="3591367"/>
+            <a:ext cx="224376" cy="635848"/>
+          </a:xfrm>
+          <a:prstGeom prst="straightConnector1">
+            <a:avLst/>
+          </a:prstGeom>
+          <a:ln>
+            <a:tailEnd type="triangle"/>
+          </a:ln>
+        </p:spPr>
+        <p:style>
+          <a:lnRef idx="1">
+            <a:schemeClr val="accent1"/>
+          </a:lnRef>
+          <a:fillRef idx="0">
+            <a:schemeClr val="accent1"/>
+          </a:fillRef>
+          <a:effectRef idx="0">
+            <a:schemeClr val="accent1"/>
+          </a:effectRef>
+          <a:fontRef idx="minor">
+            <a:schemeClr val="tx1"/>
+          </a:fontRef>
+        </p:style>
+      </p:cxnSp>
+      <p:cxnSp>
+        <p:nvCxnSpPr>
+          <p:cNvPr id="151" name="直接箭头连接符 150"/>
+          <p:cNvCxnSpPr>
+            <a:stCxn id="83" idx="1"/>
+            <a:endCxn id="98" idx="0"/>
+          </p:cNvCxnSpPr>
+          <p:nvPr/>
+        </p:nvCxnSpPr>
+        <p:spPr>
+          <a:xfrm flipH="1">
+            <a:off x="2852006" y="3591367"/>
+            <a:ext cx="2041445" cy="635848"/>
+          </a:xfrm>
+          <a:prstGeom prst="straightConnector1">
+            <a:avLst/>
+          </a:prstGeom>
+          <a:ln>
+            <a:tailEnd type="triangle"/>
+          </a:ln>
+        </p:spPr>
+        <p:style>
+          <a:lnRef idx="1">
+            <a:schemeClr val="accent1"/>
+          </a:lnRef>
+          <a:fillRef idx="0">
+            <a:schemeClr val="accent1"/>
+          </a:fillRef>
+          <a:effectRef idx="0">
+            <a:schemeClr val="accent1"/>
+          </a:effectRef>
+          <a:fontRef idx="minor">
+            <a:schemeClr val="tx1"/>
+          </a:fontRef>
+        </p:style>
+      </p:cxnSp>
+      <p:cxnSp>
+        <p:nvCxnSpPr>
+          <p:cNvPr id="153" name="直接箭头连接符 152"/>
+          <p:cNvCxnSpPr>
+            <a:stCxn id="83" idx="1"/>
+            <a:endCxn id="99" idx="0"/>
+          </p:cNvCxnSpPr>
+          <p:nvPr/>
+        </p:nvCxnSpPr>
+        <p:spPr>
+          <a:xfrm flipH="1">
+            <a:off x="3718507" y="3591367"/>
+            <a:ext cx="1174944" cy="635848"/>
+          </a:xfrm>
+          <a:prstGeom prst="straightConnector1">
+            <a:avLst/>
+          </a:prstGeom>
+          <a:ln>
+            <a:tailEnd type="triangle"/>
+          </a:ln>
+        </p:spPr>
+        <p:style>
+          <a:lnRef idx="1">
+            <a:schemeClr val="accent1"/>
+          </a:lnRef>
+          <a:fillRef idx="0">
+            <a:schemeClr val="accent1"/>
+          </a:fillRef>
+          <a:effectRef idx="0">
+            <a:schemeClr val="accent1"/>
+          </a:effectRef>
+          <a:fontRef idx="minor">
+            <a:schemeClr val="tx1"/>
+          </a:fontRef>
+        </p:style>
+      </p:cxnSp>
+      <p:cxnSp>
+        <p:nvCxnSpPr>
+          <p:cNvPr id="176" name="肘形连接符 175"/>
+          <p:cNvCxnSpPr>
+            <a:stCxn id="87" idx="1"/>
+            <a:endCxn id="116" idx="1"/>
+          </p:cNvCxnSpPr>
+          <p:nvPr/>
+        </p:nvCxnSpPr>
+        <p:spPr>
+          <a:xfrm rot="10800000" flipH="1" flipV="1">
+            <a:off x="7331709" y="1303609"/>
+            <a:ext cx="18101" cy="2335408"/>
+          </a:xfrm>
+          <a:prstGeom prst="bentConnector3">
+            <a:avLst>
+              <a:gd name="adj1" fmla="val -1262914"/>
+            </a:avLst>
+          </a:prstGeom>
+          <a:ln>
+            <a:solidFill>
+              <a:srgbClr val="FF0000"/>
+            </a:solidFill>
+            <a:tailEnd type="triangle"/>
+          </a:ln>
+        </p:spPr>
+        <p:style>
+          <a:lnRef idx="1">
+            <a:schemeClr val="accent1"/>
+          </a:lnRef>
+          <a:fillRef idx="0">
+            <a:schemeClr val="accent1"/>
+          </a:fillRef>
+          <a:effectRef idx="0">
+            <a:schemeClr val="accent1"/>
+          </a:effectRef>
+          <a:fontRef idx="minor">
+            <a:schemeClr val="tx1"/>
+          </a:fontRef>
+        </p:style>
+      </p:cxnSp>
+      <p:cxnSp>
+        <p:nvCxnSpPr>
+          <p:cNvPr id="178" name="肘形连接符 177"/>
+          <p:cNvCxnSpPr>
+            <a:stCxn id="87" idx="3"/>
+            <a:endCxn id="84" idx="3"/>
+          </p:cNvCxnSpPr>
+          <p:nvPr/>
+        </p:nvCxnSpPr>
+        <p:spPr>
+          <a:xfrm>
+            <a:off x="8457734" y="1303609"/>
+            <a:ext cx="16438" cy="3948339"/>
+          </a:xfrm>
+          <a:prstGeom prst="bentConnector3">
+            <a:avLst>
+              <a:gd name="adj1" fmla="val 1490680"/>
+            </a:avLst>
+          </a:prstGeom>
+          <a:ln>
+            <a:solidFill>
+              <a:srgbClr val="FF0000"/>
+            </a:solidFill>
             <a:tailEnd type="triangle"/>
           </a:ln>
         </p:spPr>
@@ -14255,7 +12746,7 @@
         </p:nvSpPr>
         <p:spPr>
           <a:xfrm>
-            <a:off x="3988704" y="1434252"/>
+            <a:off x="5372231" y="2428165"/>
             <a:ext cx="733330" cy="695179"/>
           </a:xfrm>
           <a:prstGeom prst="rect">
@@ -14332,7 +12823,7 @@
         </p:nvSpPr>
         <p:spPr>
           <a:xfrm>
-            <a:off x="1893598" y="1434252"/>
+            <a:off x="3277125" y="2428165"/>
             <a:ext cx="733330" cy="695179"/>
           </a:xfrm>
           <a:prstGeom prst="rect">
@@ -14390,7 +12881,7 @@
         </p:nvSpPr>
         <p:spPr>
           <a:xfrm>
-            <a:off x="1887657" y="2336551"/>
+            <a:off x="3271184" y="3330464"/>
             <a:ext cx="733330" cy="695180"/>
           </a:xfrm>
           <a:prstGeom prst="rect">
@@ -14448,7 +12939,7 @@
         </p:nvSpPr>
         <p:spPr>
           <a:xfrm>
-            <a:off x="924877" y="2336551"/>
+            <a:off x="2308404" y="3330464"/>
             <a:ext cx="733330" cy="695179"/>
           </a:xfrm>
           <a:prstGeom prst="rect">
@@ -14506,7 +12997,7 @@
         </p:nvSpPr>
         <p:spPr>
           <a:xfrm>
-            <a:off x="924877" y="1434252"/>
+            <a:off x="2308404" y="2428165"/>
             <a:ext cx="733330" cy="695179"/>
           </a:xfrm>
           <a:prstGeom prst="rect">
@@ -14578,7 +13069,7 @@
         </p:nvCxnSpPr>
         <p:spPr>
           <a:xfrm flipH="1">
-            <a:off x="1658207" y="2684141"/>
+            <a:off x="3041734" y="3678054"/>
             <a:ext cx="229450" cy="0"/>
           </a:xfrm>
           <a:prstGeom prst="straightConnector1">
@@ -14614,7 +13105,7 @@
         </p:nvCxnSpPr>
         <p:spPr>
           <a:xfrm flipV="1">
-            <a:off x="1291542" y="2129431"/>
+            <a:off x="2675069" y="3123344"/>
             <a:ext cx="0" cy="207120"/>
           </a:xfrm>
           <a:prstGeom prst="straightConnector1">
@@ -14650,7 +13141,7 @@
         </p:nvCxnSpPr>
         <p:spPr>
           <a:xfrm>
-            <a:off x="1658207" y="1781842"/>
+            <a:off x="3041734" y="2775755"/>
             <a:ext cx="235391" cy="0"/>
           </a:xfrm>
           <a:prstGeom prst="straightConnector1">
@@ -14683,7 +13174,7 @@
         </p:nvSpPr>
         <p:spPr>
           <a:xfrm>
-            <a:off x="2981710" y="1434252"/>
+            <a:off x="4365237" y="2428165"/>
             <a:ext cx="733330" cy="695179"/>
           </a:xfrm>
           <a:prstGeom prst="rect">
@@ -14744,7 +13235,7 @@
         </p:nvCxnSpPr>
         <p:spPr>
           <a:xfrm flipV="1">
-            <a:off x="2620987" y="1781842"/>
+            <a:off x="4004514" y="2775755"/>
             <a:ext cx="360723" cy="902299"/>
           </a:xfrm>
           <a:prstGeom prst="straightConnector1">
@@ -14777,7 +13268,7 @@
         </p:nvSpPr>
         <p:spPr>
           <a:xfrm>
-            <a:off x="2969829" y="2323694"/>
+            <a:off x="4353356" y="3317607"/>
             <a:ext cx="733330" cy="695179"/>
           </a:xfrm>
           <a:prstGeom prst="rect">
@@ -14835,7 +13326,7 @@
         </p:nvSpPr>
         <p:spPr>
           <a:xfrm>
-            <a:off x="6044443" y="4150024"/>
+            <a:off x="7427970" y="5143937"/>
             <a:ext cx="972113" cy="488326"/>
           </a:xfrm>
           <a:prstGeom prst="rect">
@@ -14896,7 +13387,7 @@
         </p:nvCxnSpPr>
         <p:spPr>
           <a:xfrm>
-            <a:off x="2626928" y="1781842"/>
+            <a:off x="4010455" y="2775755"/>
             <a:ext cx="342901" cy="889442"/>
           </a:xfrm>
           <a:prstGeom prst="straightConnector1">
@@ -14931,7 +13422,7 @@
         </p:nvCxnSpPr>
         <p:spPr>
           <a:xfrm flipH="1">
-            <a:off x="3324613" y="3018873"/>
+            <a:off x="4708140" y="4012786"/>
             <a:ext cx="11881" cy="917868"/>
           </a:xfrm>
           <a:prstGeom prst="straightConnector1">
@@ -14966,7 +13457,7 @@
         </p:nvCxnSpPr>
         <p:spPr>
           <a:xfrm>
-            <a:off x="3336494" y="3018873"/>
+            <a:off x="4720021" y="4012786"/>
             <a:ext cx="1076231" cy="917870"/>
           </a:xfrm>
           <a:prstGeom prst="straightConnector1">
@@ -15001,7 +13492,7 @@
         </p:nvCxnSpPr>
         <p:spPr>
           <a:xfrm flipH="1" flipV="1">
-            <a:off x="2254322" y="3031731"/>
+            <a:off x="3637849" y="4025644"/>
             <a:ext cx="1070291" cy="905010"/>
           </a:xfrm>
           <a:prstGeom prst="straightConnector1">
@@ -15036,7 +13527,7 @@
         </p:nvCxnSpPr>
         <p:spPr>
           <a:xfrm flipH="1" flipV="1">
-            <a:off x="2254322" y="3031731"/>
+            <a:off x="3637849" y="4025644"/>
             <a:ext cx="2158403" cy="905012"/>
           </a:xfrm>
           <a:prstGeom prst="straightConnector1">
@@ -15072,7 +13563,7 @@
         </p:nvCxnSpPr>
         <p:spPr>
           <a:xfrm>
-            <a:off x="2626928" y="1781842"/>
+            <a:off x="4010455" y="2775755"/>
             <a:ext cx="354782" cy="0"/>
           </a:xfrm>
           <a:prstGeom prst="straightConnector1">
@@ -15105,7 +13596,7 @@
         </p:nvSpPr>
         <p:spPr>
           <a:xfrm>
-            <a:off x="907056" y="3930311"/>
+            <a:off x="2290583" y="4924224"/>
             <a:ext cx="733330" cy="708039"/>
           </a:xfrm>
           <a:prstGeom prst="rect">
@@ -15176,7 +13667,7 @@
         </p:nvCxnSpPr>
         <p:spPr>
           <a:xfrm flipH="1">
-            <a:off x="2361833" y="3018873"/>
+            <a:off x="3745360" y="4012786"/>
             <a:ext cx="974661" cy="917868"/>
           </a:xfrm>
           <a:prstGeom prst="straightConnector1">
@@ -15212,7 +13703,7 @@
         </p:nvCxnSpPr>
         <p:spPr>
           <a:xfrm flipH="1">
-            <a:off x="1273721" y="3018873"/>
+            <a:off x="2657248" y="4012786"/>
             <a:ext cx="2062773" cy="911438"/>
           </a:xfrm>
           <a:prstGeom prst="straightConnector1">
@@ -15247,7 +13738,7 @@
         </p:nvCxnSpPr>
         <p:spPr>
           <a:xfrm flipH="1" flipV="1">
-            <a:off x="2254322" y="3031731"/>
+            <a:off x="3637849" y="4025644"/>
             <a:ext cx="107511" cy="905010"/>
           </a:xfrm>
           <a:prstGeom prst="straightConnector1">
@@ -15283,7 +13774,7 @@
         </p:nvCxnSpPr>
         <p:spPr>
           <a:xfrm flipV="1">
-            <a:off x="1273721" y="3031731"/>
+            <a:off x="2657248" y="4025644"/>
             <a:ext cx="980601" cy="898580"/>
           </a:xfrm>
           <a:prstGeom prst="straightConnector1">
@@ -15316,7 +13807,7 @@
         </p:nvSpPr>
         <p:spPr>
           <a:xfrm>
-            <a:off x="4998409" y="1434251"/>
+            <a:off x="6381936" y="2428164"/>
             <a:ext cx="733330" cy="695179"/>
           </a:xfrm>
           <a:prstGeom prst="rect">
@@ -15390,7 +13881,7 @@
         </p:nvSpPr>
         <p:spPr>
           <a:xfrm>
-            <a:off x="4998409" y="2311426"/>
+            <a:off x="6381936" y="3305339"/>
             <a:ext cx="733330" cy="695179"/>
           </a:xfrm>
           <a:prstGeom prst="rect">
@@ -15448,7 +13939,7 @@
         </p:nvSpPr>
         <p:spPr>
           <a:xfrm>
-            <a:off x="3988704" y="2323692"/>
+            <a:off x="5372231" y="3317605"/>
             <a:ext cx="733330" cy="695179"/>
           </a:xfrm>
           <a:prstGeom prst="rect">
@@ -15517,7 +14008,7 @@
         </p:nvSpPr>
         <p:spPr>
           <a:xfrm>
-            <a:off x="3869311" y="83248"/>
+            <a:off x="5252838" y="1077161"/>
             <a:ext cx="972113" cy="488326"/>
           </a:xfrm>
           <a:prstGeom prst="rect">
@@ -15578,7 +14069,7 @@
         </p:nvCxnSpPr>
         <p:spPr>
           <a:xfrm>
-            <a:off x="4355368" y="571574"/>
+            <a:off x="5738895" y="1565487"/>
             <a:ext cx="1" cy="862678"/>
           </a:xfrm>
           <a:prstGeom prst="straightConnector1">
@@ -15614,7 +14105,7 @@
         </p:nvCxnSpPr>
         <p:spPr>
           <a:xfrm>
-            <a:off x="3715040" y="1781842"/>
+            <a:off x="5098567" y="2775755"/>
             <a:ext cx="273664" cy="0"/>
           </a:xfrm>
           <a:prstGeom prst="straightConnector1">
@@ -15650,7 +14141,7 @@
         </p:nvCxnSpPr>
         <p:spPr>
           <a:xfrm>
-            <a:off x="4355369" y="2129431"/>
+            <a:off x="5738896" y="3123344"/>
             <a:ext cx="0" cy="194261"/>
           </a:xfrm>
           <a:prstGeom prst="straightConnector1">
@@ -15686,7 +14177,7 @@
         </p:nvCxnSpPr>
         <p:spPr>
           <a:xfrm>
-            <a:off x="5365074" y="2129430"/>
+            <a:off x="6748601" y="3123343"/>
             <a:ext cx="0" cy="181996"/>
           </a:xfrm>
           <a:prstGeom prst="straightConnector1">
@@ -15722,7 +14213,7 @@
         </p:nvCxnSpPr>
         <p:spPr>
           <a:xfrm rot="5400000" flipH="1" flipV="1">
-            <a:off x="3812668" y="-118153"/>
+            <a:off x="5196195" y="875760"/>
             <a:ext cx="1" cy="3104811"/>
           </a:xfrm>
           <a:prstGeom prst="bentConnector3">
@@ -15757,7 +14248,7 @@
         </p:nvSpPr>
         <p:spPr>
           <a:xfrm>
-            <a:off x="1985419" y="3930311"/>
+            <a:off x="3368946" y="4924224"/>
             <a:ext cx="733330" cy="708039"/>
           </a:xfrm>
           <a:prstGeom prst="rect">
@@ -15826,7 +14317,7 @@
         </p:nvSpPr>
         <p:spPr>
           <a:xfrm>
-            <a:off x="2957948" y="3930311"/>
+            <a:off x="4341475" y="4924224"/>
             <a:ext cx="733330" cy="708039"/>
           </a:xfrm>
           <a:prstGeom prst="rect">
@@ -15906,7 +14397,7 @@
         </p:nvSpPr>
         <p:spPr>
           <a:xfrm>
-            <a:off x="4057943" y="3930311"/>
+            <a:off x="5441470" y="4924224"/>
             <a:ext cx="733330" cy="708039"/>
           </a:xfrm>
           <a:prstGeom prst="rect">
@@ -15986,7 +14477,7 @@
         </p:nvSpPr>
         <p:spPr>
           <a:xfrm>
-            <a:off x="5874127" y="1270561"/>
+            <a:off x="7257654" y="2264474"/>
             <a:ext cx="733330" cy="695179"/>
           </a:xfrm>
           <a:prstGeom prst="rect">
@@ -16060,7 +14551,7 @@
         </p:nvSpPr>
         <p:spPr>
           <a:xfrm>
-            <a:off x="5874124" y="2444257"/>
+            <a:off x="7257651" y="3438170"/>
             <a:ext cx="733330" cy="695179"/>
           </a:xfrm>
           <a:prstGeom prst="rect">
@@ -16121,7 +14612,7 @@
         </p:nvCxnSpPr>
         <p:spPr>
           <a:xfrm flipH="1">
-            <a:off x="6240789" y="1965740"/>
+            <a:off x="7624316" y="2959653"/>
             <a:ext cx="3" cy="478517"/>
           </a:xfrm>
           <a:prstGeom prst="straightConnector1">
@@ -16154,7 +14645,7 @@
         </p:nvSpPr>
         <p:spPr>
           <a:xfrm>
-            <a:off x="6726846" y="1086661"/>
+            <a:off x="8110373" y="2080574"/>
             <a:ext cx="733330" cy="695179"/>
           </a:xfrm>
           <a:prstGeom prst="rect">
@@ -16228,7 +14719,7 @@
         </p:nvSpPr>
         <p:spPr>
           <a:xfrm>
-            <a:off x="6732443" y="2659014"/>
+            <a:off x="8115970" y="3652927"/>
             <a:ext cx="733330" cy="695179"/>
           </a:xfrm>
           <a:prstGeom prst="rect">
@@ -16289,7 +14780,7 @@
         </p:nvCxnSpPr>
         <p:spPr>
           <a:xfrm>
-            <a:off x="7093511" y="1781840"/>
+            <a:off x="8477038" y="2775753"/>
             <a:ext cx="5597" cy="877174"/>
           </a:xfrm>
           <a:prstGeom prst="straightConnector1">
@@ -16322,7 +14813,7 @@
         </p:nvSpPr>
         <p:spPr>
           <a:xfrm>
-            <a:off x="7603339" y="927202"/>
+            <a:off x="8986866" y="1921115"/>
             <a:ext cx="733330" cy="695179"/>
           </a:xfrm>
           <a:prstGeom prst="rect">
@@ -16396,7 +14887,7 @@
         </p:nvSpPr>
         <p:spPr>
           <a:xfrm>
-            <a:off x="7603339" y="2828207"/>
+            <a:off x="8986866" y="3822120"/>
             <a:ext cx="733330" cy="695179"/>
           </a:xfrm>
           <a:prstGeom prst="rect">
@@ -16457,7 +14948,7 @@
         </p:nvCxnSpPr>
         <p:spPr>
           <a:xfrm>
-            <a:off x="7970004" y="1622381"/>
+            <a:off x="9353531" y="2616294"/>
             <a:ext cx="0" cy="1205826"/>
           </a:xfrm>
           <a:prstGeom prst="straightConnector1">
@@ -16493,7 +14984,7 @@
         </p:nvCxnSpPr>
         <p:spPr>
           <a:xfrm rot="5400000" flipH="1" flipV="1">
-            <a:off x="4168682" y="-637857"/>
+            <a:off x="5552209" y="356056"/>
             <a:ext cx="163691" cy="3980529"/>
           </a:xfrm>
           <a:prstGeom prst="bentConnector3">
@@ -16531,7 +15022,7 @@
         </p:nvCxnSpPr>
         <p:spPr>
           <a:xfrm rot="5400000" flipH="1" flipV="1">
-            <a:off x="4503092" y="-1156167"/>
+            <a:off x="5886619" y="-162254"/>
             <a:ext cx="347591" cy="4833248"/>
           </a:xfrm>
           <a:prstGeom prst="bentConnector3">
@@ -16569,7 +15060,7 @@
         </p:nvCxnSpPr>
         <p:spPr>
           <a:xfrm rot="5400000" flipH="1" flipV="1">
-            <a:off x="4861608" y="-1674143"/>
+            <a:off x="6245135" y="-680230"/>
             <a:ext cx="507050" cy="5709741"/>
           </a:xfrm>
           <a:prstGeom prst="bentConnector3">
@@ -16607,7 +15098,7 @@
         </p:nvCxnSpPr>
         <p:spPr>
           <a:xfrm flipH="1" flipV="1">
-            <a:off x="3336494" y="3018873"/>
+            <a:off x="4720021" y="4012786"/>
             <a:ext cx="3194006" cy="1131151"/>
           </a:xfrm>
           <a:prstGeom prst="straightConnector1">
@@ -16643,7 +15134,7 @@
         </p:nvCxnSpPr>
         <p:spPr>
           <a:xfrm rot="5400000" flipH="1" flipV="1">
-            <a:off x="4854088" y="2507885"/>
+            <a:off x="6237615" y="3501798"/>
             <a:ext cx="12266" cy="1009705"/>
           </a:xfrm>
           <a:prstGeom prst="bentConnector3">
@@ -16681,7 +15172,7 @@
         </p:nvCxnSpPr>
         <p:spPr>
           <a:xfrm rot="16200000" flipH="1">
-            <a:off x="5237797" y="2136443"/>
+            <a:off x="6621324" y="3130356"/>
             <a:ext cx="120565" cy="1885420"/>
           </a:xfrm>
           <a:prstGeom prst="bentConnector3">
@@ -16719,7 +15210,7 @@
         </p:nvCxnSpPr>
         <p:spPr>
           <a:xfrm rot="16200000" flipH="1">
-            <a:off x="5559577" y="1814662"/>
+            <a:off x="6943104" y="2808575"/>
             <a:ext cx="335322" cy="2743739"/>
           </a:xfrm>
           <a:prstGeom prst="bentConnector3">
@@ -16757,7 +15248,7 @@
         </p:nvCxnSpPr>
         <p:spPr>
           <a:xfrm rot="16200000" flipH="1">
-            <a:off x="5910429" y="1463810"/>
+            <a:off x="7293956" y="2457723"/>
             <a:ext cx="504515" cy="3614635"/>
           </a:xfrm>
           <a:prstGeom prst="bentConnector3">
@@ -16795,7 +15286,7 @@
         </p:nvCxnSpPr>
         <p:spPr>
           <a:xfrm flipH="1" flipV="1">
-            <a:off x="5365074" y="3006605"/>
+            <a:off x="6748601" y="4000518"/>
             <a:ext cx="1165426" cy="1143419"/>
           </a:xfrm>
           <a:prstGeom prst="straightConnector1">
@@ -16831,7 +15322,7 @@
         </p:nvCxnSpPr>
         <p:spPr>
           <a:xfrm flipH="1" flipV="1">
-            <a:off x="6240789" y="3139436"/>
+            <a:off x="7624316" y="4133349"/>
             <a:ext cx="289711" cy="1010588"/>
           </a:xfrm>
           <a:prstGeom prst="straightConnector1">
@@ -16867,7 +15358,7 @@
         </p:nvCxnSpPr>
         <p:spPr>
           <a:xfrm flipV="1">
-            <a:off x="6530500" y="3354193"/>
+            <a:off x="7914027" y="4348106"/>
             <a:ext cx="568608" cy="795831"/>
           </a:xfrm>
           <a:prstGeom prst="straightConnector1">
@@ -16903,7 +15394,7 @@
         </p:nvCxnSpPr>
         <p:spPr>
           <a:xfrm flipV="1">
-            <a:off x="6530500" y="3523386"/>
+            <a:off x="7914027" y="4517299"/>
             <a:ext cx="1439504" cy="626638"/>
           </a:xfrm>
           <a:prstGeom prst="straightConnector1">
@@ -16939,7 +15430,7 @@
         </p:nvCxnSpPr>
         <p:spPr>
           <a:xfrm rot="10800000" flipV="1">
-            <a:off x="924877" y="327411"/>
+            <a:off x="2308404" y="1321324"/>
             <a:ext cx="2944434" cy="2356730"/>
           </a:xfrm>
           <a:prstGeom prst="bentConnector3">
@@ -16974,7 +15465,7 @@
         </p:nvSpPr>
         <p:spPr>
           <a:xfrm>
-            <a:off x="743340" y="2954770"/>
+            <a:off x="2126867" y="3948683"/>
             <a:ext cx="1175706" cy="369332"/>
           </a:xfrm>
           <a:prstGeom prst="rect">
@@ -17522,64 +16013,6 @@
       </p:cxnSp>
       <p:sp>
         <p:nvSpPr>
-          <p:cNvPr id="51" name="矩形 50"/>
-          <p:cNvSpPr/>
-          <p:nvPr/>
-        </p:nvSpPr>
-        <p:spPr>
-          <a:xfrm>
-            <a:off x="5272201" y="2456437"/>
-            <a:ext cx="733330" cy="695178"/>
-          </a:xfrm>
-          <a:prstGeom prst="rect">
-            <a:avLst/>
-          </a:prstGeom>
-          <a:noFill/>
-          <a:ln>
-            <a:solidFill>
-              <a:schemeClr val="tx1"/>
-            </a:solidFill>
-          </a:ln>
-        </p:spPr>
-        <p:style>
-          <a:lnRef idx="2">
-            <a:schemeClr val="accent1">
-              <a:shade val="50000"/>
-            </a:schemeClr>
-          </a:lnRef>
-          <a:fillRef idx="1">
-            <a:schemeClr val="accent1"/>
-          </a:fillRef>
-          <a:effectRef idx="0">
-            <a:schemeClr val="accent1"/>
-          </a:effectRef>
-          <a:fontRef idx="minor">
-            <a:schemeClr val="lt1"/>
-          </a:fontRef>
-        </p:style>
-        <p:txBody>
-          <a:bodyPr rtlCol="0" anchor="ctr"/>
-          <a:lstStyle/>
-          <a:p>
-            <a:pPr algn="ctr"/>
-            <a:r>
-              <a:rPr lang="en-US" altLang="zh-CN" dirty="0" smtClean="0">
-                <a:solidFill>
-                  <a:schemeClr val="tx1"/>
-                </a:solidFill>
-              </a:rPr>
-              <a:t>MEM</a:t>
-            </a:r>
-            <a:endParaRPr lang="zh-CN" altLang="en-US" dirty="0">
-              <a:solidFill>
-                <a:schemeClr val="tx1"/>
-              </a:solidFill>
-            </a:endParaRPr>
-          </a:p>
-        </p:txBody>
-      </p:sp>
-      <p:sp>
-        <p:nvSpPr>
           <p:cNvPr id="52" name="矩形 51"/>
           <p:cNvSpPr/>
           <p:nvPr/>
@@ -17735,14 +16168,14 @@
           <p:cNvPr id="65" name="直接箭头连接符 64"/>
           <p:cNvCxnSpPr>
             <a:stCxn id="52" idx="0"/>
-            <a:endCxn id="51" idx="2"/>
+            <a:endCxn id="42" idx="2"/>
           </p:cNvCxnSpPr>
           <p:nvPr/>
         </p:nvCxnSpPr>
         <p:spPr>
-          <a:xfrm flipH="1" flipV="1">
-            <a:off x="5638866" y="3151615"/>
-            <a:ext cx="774" cy="321184"/>
+          <a:xfrm flipV="1">
+            <a:off x="5639640" y="2956188"/>
+            <a:ext cx="11124" cy="516611"/>
           </a:xfrm>
           <a:prstGeom prst="straightConnector1">
             <a:avLst/>
@@ -17990,9 +16423,9 @@
           <p:nvPr/>
         </p:nvCxnSpPr>
         <p:spPr>
-          <a:xfrm>
-            <a:off x="6005531" y="1847092"/>
-            <a:ext cx="501776" cy="754605"/>
+          <a:xfrm flipV="1">
+            <a:off x="6017429" y="2601697"/>
+            <a:ext cx="489878" cy="6902"/>
           </a:xfrm>
           <a:prstGeom prst="straightConnector1">
             <a:avLst/>
@@ -18501,7 +16934,7 @@
         </p:nvSpPr>
         <p:spPr>
           <a:xfrm>
-            <a:off x="5272201" y="1499503"/>
+            <a:off x="5284099" y="2261010"/>
             <a:ext cx="733330" cy="695178"/>
           </a:xfrm>
           <a:prstGeom prst="rect">
@@ -18562,42 +16995,6 @@
           </a:p>
         </p:txBody>
       </p:sp>
-      <p:cxnSp>
-        <p:nvCxnSpPr>
-          <p:cNvPr id="17" name="直接箭头连接符 16"/>
-          <p:cNvCxnSpPr>
-            <a:stCxn id="51" idx="0"/>
-            <a:endCxn id="42" idx="2"/>
-          </p:cNvCxnSpPr>
-          <p:nvPr/>
-        </p:nvCxnSpPr>
-        <p:spPr>
-          <a:xfrm flipV="1">
-            <a:off x="5638866" y="2194681"/>
-            <a:ext cx="0" cy="261756"/>
-          </a:xfrm>
-          <a:prstGeom prst="straightConnector1">
-            <a:avLst/>
-          </a:prstGeom>
-          <a:ln>
-            <a:tailEnd type="triangle"/>
-          </a:ln>
-        </p:spPr>
-        <p:style>
-          <a:lnRef idx="1">
-            <a:schemeClr val="accent1"/>
-          </a:lnRef>
-          <a:fillRef idx="0">
-            <a:schemeClr val="accent1"/>
-          </a:fillRef>
-          <a:effectRef idx="0">
-            <a:schemeClr val="accent1"/>
-          </a:effectRef>
-          <a:fontRef idx="minor">
-            <a:schemeClr val="tx1"/>
-          </a:fontRef>
-        </p:style>
-      </p:cxnSp>
       <p:sp>
         <p:nvSpPr>
           <p:cNvPr id="22" name="文本框 21"/>
@@ -18731,7 +17128,7 @@
         </p:nvSpPr>
         <p:spPr>
           <a:xfrm>
-            <a:off x="7069050" y="1950714"/>
+            <a:off x="6322891" y="1962791"/>
             <a:ext cx="972113" cy="488326"/>
           </a:xfrm>
           <a:prstGeom prst="rect">
@@ -18789,7 +17186,7 @@
         </p:nvSpPr>
         <p:spPr>
           <a:xfrm>
-            <a:off x="6979281" y="2949378"/>
+            <a:off x="6233122" y="2961455"/>
             <a:ext cx="1090150" cy="450409"/>
           </a:xfrm>
           <a:prstGeom prst="rect">
@@ -18911,7 +17308,7 @@
         </p:nvSpPr>
         <p:spPr>
           <a:xfrm>
-            <a:off x="5026365" y="4562193"/>
+            <a:off x="3131983" y="4326086"/>
             <a:ext cx="1126024" cy="442393"/>
           </a:xfrm>
           <a:prstGeom prst="rect">
@@ -18964,8 +17361,8 @@
         </p:nvSpPr>
         <p:spPr>
           <a:xfrm>
-            <a:off x="5026365" y="3967493"/>
-            <a:ext cx="1126024" cy="442393"/>
+            <a:off x="3546109" y="3070721"/>
+            <a:ext cx="972113" cy="442393"/>
           </a:xfrm>
           <a:prstGeom prst="rect">
             <a:avLst/>
@@ -19068,7 +17465,7 @@
         </p:nvSpPr>
         <p:spPr>
           <a:xfrm>
-            <a:off x="1918706" y="833424"/>
+            <a:off x="9455557" y="1005263"/>
             <a:ext cx="1126024" cy="442393"/>
           </a:xfrm>
           <a:prstGeom prst="rect">
@@ -19103,13 +17500,42 @@
           <a:p>
             <a:pPr algn="ctr"/>
             <a:r>
-              <a:rPr lang="en-US" altLang="zh-CN" dirty="0" smtClean="0">
+              <a:rPr lang="en-US" altLang="zh-CN" sz="1400" dirty="0" smtClean="0">
                 <a:solidFill>
                   <a:schemeClr val="tx1"/>
                 </a:solidFill>
               </a:rPr>
               <a:t>Sonar</a:t>
             </a:r>
+            <a:r>
+              <a:rPr lang="zh-CN" altLang="en-US" sz="1400" dirty="0" smtClean="0">
+                <a:solidFill>
+                  <a:schemeClr val="tx1"/>
+                </a:solidFill>
+              </a:rPr>
+              <a:t>（</a:t>
+            </a:r>
+            <a:r>
+              <a:rPr lang="en-US" altLang="zh-CN" sz="1400" dirty="0" smtClean="0">
+                <a:solidFill>
+                  <a:schemeClr val="tx1"/>
+                </a:solidFill>
+              </a:rPr>
+              <a:t>HV</a:t>
+            </a:r>
+            <a:r>
+              <a:rPr lang="zh-CN" altLang="en-US" sz="1400" dirty="0" smtClean="0">
+                <a:solidFill>
+                  <a:schemeClr val="tx1"/>
+                </a:solidFill>
+              </a:rPr>
+              <a:t>）</a:t>
+            </a:r>
+            <a:endParaRPr lang="en-US" altLang="zh-CN" sz="1400" dirty="0" smtClean="0">
+              <a:solidFill>
+                <a:schemeClr val="tx1"/>
+              </a:solidFill>
+            </a:endParaRPr>
           </a:p>
         </p:txBody>
       </p:sp>
@@ -19121,7 +17547,7 @@
         </p:nvSpPr>
         <p:spPr>
           <a:xfrm>
-            <a:off x="5884008" y="1852345"/>
+            <a:off x="5137849" y="1864422"/>
             <a:ext cx="733330" cy="695179"/>
           </a:xfrm>
           <a:prstGeom prst="rect">
@@ -19179,7 +17605,7 @@
         </p:nvSpPr>
         <p:spPr>
           <a:xfrm>
-            <a:off x="5884008" y="2825086"/>
+            <a:off x="5137849" y="2837163"/>
             <a:ext cx="733330" cy="695179"/>
           </a:xfrm>
           <a:prstGeom prst="rect">
@@ -19240,7 +17666,7 @@
         </p:nvCxnSpPr>
         <p:spPr>
           <a:xfrm flipV="1">
-            <a:off x="6617338" y="2194877"/>
+            <a:off x="5871179" y="2206954"/>
             <a:ext cx="451712" cy="5058"/>
           </a:xfrm>
           <a:prstGeom prst="straightConnector1">
@@ -19279,7 +17705,7 @@
         </p:nvCxnSpPr>
         <p:spPr>
           <a:xfrm>
-            <a:off x="6617338" y="3172676"/>
+            <a:off x="5871179" y="3184753"/>
             <a:ext cx="361943" cy="1907"/>
           </a:xfrm>
           <a:prstGeom prst="straightConnector1">
@@ -19315,7 +17741,7 @@
         </p:nvSpPr>
         <p:spPr>
           <a:xfrm>
-            <a:off x="5810359" y="611732"/>
+            <a:off x="5036484" y="739486"/>
             <a:ext cx="907962" cy="894461"/>
           </a:xfrm>
           <a:prstGeom prst="rect">
@@ -19366,8 +17792,13 @@
                   <a:schemeClr val="tx1"/>
                 </a:solidFill>
               </a:rPr>
-              <a:t>if(50-100)?</a:t>
-            </a:r>
+              <a:t>if(50.0-100.0)?</a:t>
+            </a:r>
+            <a:endParaRPr lang="en-US" altLang="zh-CN" sz="1200" dirty="0" smtClean="0">
+              <a:solidFill>
+                <a:schemeClr val="tx1"/>
+              </a:solidFill>
+            </a:endParaRPr>
           </a:p>
           <a:p>
             <a:pPr algn="ctr"/>
@@ -19395,7 +17826,7 @@
         </p:nvSpPr>
         <p:spPr>
           <a:xfrm>
-            <a:off x="8214336" y="769917"/>
+            <a:off x="8359474" y="2625782"/>
             <a:ext cx="733330" cy="695179"/>
           </a:xfrm>
           <a:prstGeom prst="rect">
@@ -19453,7 +17884,7 @@
         </p:nvSpPr>
         <p:spPr>
           <a:xfrm>
-            <a:off x="9314331" y="769917"/>
+            <a:off x="9459469" y="2625782"/>
             <a:ext cx="733330" cy="695179"/>
           </a:xfrm>
           <a:prstGeom prst="rect">
@@ -19511,7 +17942,7 @@
         </p:nvCxnSpPr>
         <p:spPr>
           <a:xfrm flipH="1">
-            <a:off x="8947666" y="1117506"/>
+            <a:off x="9092804" y="2973371"/>
             <a:ext cx="366665" cy="0"/>
           </a:xfrm>
           <a:prstGeom prst="straightConnector1">
@@ -19540,15 +17971,15 @@
         <p:nvCxnSpPr>
           <p:cNvPr id="28" name="直接箭头连接符 27"/>
           <p:cNvCxnSpPr>
-            <a:stCxn id="65" idx="2"/>
-            <a:endCxn id="43" idx="0"/>
+            <a:stCxn id="65" idx="1"/>
+            <a:endCxn id="112" idx="3"/>
           </p:cNvCxnSpPr>
           <p:nvPr/>
         </p:nvCxnSpPr>
         <p:spPr>
-          <a:xfrm>
-            <a:off x="2481718" y="1275817"/>
-            <a:ext cx="1" cy="357674"/>
+          <a:xfrm flipH="1">
+            <a:off x="9087139" y="1226460"/>
+            <a:ext cx="368418" cy="796"/>
           </a:xfrm>
           <a:prstGeom prst="straightConnector1">
             <a:avLst/>
@@ -19580,7 +18011,7 @@
         </p:nvSpPr>
         <p:spPr>
           <a:xfrm>
-            <a:off x="8824066" y="4047195"/>
+            <a:off x="6900637" y="4089569"/>
             <a:ext cx="907962" cy="894461"/>
           </a:xfrm>
           <a:prstGeom prst="rect">
@@ -19660,7 +18091,7 @@
         </p:nvSpPr>
         <p:spPr>
           <a:xfrm>
-            <a:off x="8382624" y="3520265"/>
+            <a:off x="6984706" y="3646294"/>
             <a:ext cx="349776" cy="369332"/>
           </a:xfrm>
           <a:prstGeom prst="rect">
@@ -19692,9 +18123,9 @@
           <p:nvPr/>
         </p:nvCxnSpPr>
         <p:spPr>
-          <a:xfrm>
-            <a:off x="7524356" y="3399787"/>
-            <a:ext cx="662397" cy="645654"/>
+          <a:xfrm flipH="1">
+            <a:off x="6263324" y="3411864"/>
+            <a:ext cx="514873" cy="675951"/>
           </a:xfrm>
           <a:prstGeom prst="straightConnector1">
             <a:avLst/>
@@ -19858,8 +18289,8 @@
         </p:nvCxnSpPr>
         <p:spPr>
           <a:xfrm flipV="1">
-            <a:off x="2972813" y="2199935"/>
-            <a:ext cx="2911195" cy="474280"/>
+            <a:off x="2972813" y="2212012"/>
+            <a:ext cx="2165036" cy="462203"/>
           </a:xfrm>
           <a:prstGeom prst="straightConnector1">
             <a:avLst/>
@@ -19894,7 +18325,7 @@
         </p:nvSpPr>
         <p:spPr>
           <a:xfrm>
-            <a:off x="8457401" y="5163102"/>
+            <a:off x="6442282" y="5254905"/>
             <a:ext cx="733330" cy="695179"/>
           </a:xfrm>
           <a:prstGeom prst="rect">
@@ -19955,8 +18386,8 @@
         </p:nvCxnSpPr>
         <p:spPr>
           <a:xfrm flipH="1">
-            <a:off x="8824066" y="4941656"/>
-            <a:ext cx="453981" cy="221446"/>
+            <a:off x="6808947" y="4984030"/>
+            <a:ext cx="545671" cy="270875"/>
           </a:xfrm>
           <a:prstGeom prst="straightConnector1">
             <a:avLst/>
@@ -19988,7 +18419,7 @@
         </p:nvSpPr>
         <p:spPr>
           <a:xfrm>
-            <a:off x="7732772" y="4045441"/>
+            <a:off x="5809343" y="4087815"/>
             <a:ext cx="907962" cy="894461"/>
           </a:xfrm>
           <a:prstGeom prst="rect">
@@ -20071,8 +18502,8 @@
         </p:nvCxnSpPr>
         <p:spPr>
           <a:xfrm>
-            <a:off x="7524356" y="3399787"/>
-            <a:ext cx="1753691" cy="647408"/>
+            <a:off x="6778197" y="3411864"/>
+            <a:ext cx="576421" cy="677705"/>
           </a:xfrm>
           <a:prstGeom prst="straightConnector1">
             <a:avLst/>
@@ -20107,8 +18538,8 @@
         </p:nvCxnSpPr>
         <p:spPr>
           <a:xfrm>
-            <a:off x="8186753" y="4939902"/>
-            <a:ext cx="637313" cy="223200"/>
+            <a:off x="6263324" y="4982276"/>
+            <a:ext cx="545623" cy="272629"/>
           </a:xfrm>
           <a:prstGeom prst="straightConnector1">
             <a:avLst/>
@@ -20140,7 +18571,7 @@
         </p:nvSpPr>
         <p:spPr>
           <a:xfrm>
-            <a:off x="6589925" y="4071362"/>
+            <a:off x="4666496" y="4113736"/>
             <a:ext cx="819035" cy="867094"/>
           </a:xfrm>
           <a:prstGeom prst="rect">
@@ -20209,7 +18640,7 @@
         </p:nvSpPr>
         <p:spPr>
           <a:xfrm>
-            <a:off x="4693159" y="711373"/>
+            <a:off x="8353809" y="879666"/>
             <a:ext cx="733330" cy="695179"/>
           </a:xfrm>
           <a:prstGeom prst="rect">
@@ -20259,160 +18690,19 @@
           </a:p>
         </p:txBody>
       </p:sp>
-      <p:sp>
-        <p:nvSpPr>
-          <p:cNvPr id="113" name="矩形 112"/>
-          <p:cNvSpPr/>
-          <p:nvPr/>
-        </p:nvSpPr>
-        <p:spPr>
-          <a:xfrm>
-            <a:off x="3581014" y="708194"/>
-            <a:ext cx="733330" cy="695179"/>
-          </a:xfrm>
-          <a:prstGeom prst="rect">
-            <a:avLst/>
-          </a:prstGeom>
-          <a:noFill/>
-          <a:ln>
-            <a:solidFill>
-              <a:schemeClr val="tx1"/>
-            </a:solidFill>
-          </a:ln>
-        </p:spPr>
-        <p:style>
-          <a:lnRef idx="2">
-            <a:schemeClr val="accent1">
-              <a:shade val="50000"/>
-            </a:schemeClr>
-          </a:lnRef>
-          <a:fillRef idx="1">
-            <a:schemeClr val="accent1"/>
-          </a:fillRef>
-          <a:effectRef idx="0">
-            <a:schemeClr val="accent1"/>
-          </a:effectRef>
-          <a:fontRef idx="minor">
-            <a:schemeClr val="lt1"/>
-          </a:fontRef>
-        </p:style>
-        <p:txBody>
-          <a:bodyPr rtlCol="0" anchor="ctr"/>
-          <a:lstStyle/>
-          <a:p>
-            <a:pPr algn="ctr"/>
-            <a:r>
-              <a:rPr lang="en-US" altLang="zh-CN" dirty="0" smtClean="0">
-                <a:solidFill>
-                  <a:schemeClr val="tx1"/>
-                </a:solidFill>
-              </a:rPr>
-              <a:t>(int)</a:t>
-            </a:r>
-          </a:p>
-          <a:p>
-            <a:pPr algn="ctr"/>
-            <a:r>
-              <a:rPr lang="en-US" altLang="zh-CN" dirty="0" smtClean="0">
-                <a:solidFill>
-                  <a:schemeClr val="tx1"/>
-                </a:solidFill>
-              </a:rPr>
-              <a:t>HV</a:t>
-            </a:r>
-            <a:endParaRPr lang="zh-CN" altLang="en-US" dirty="0">
-              <a:solidFill>
-                <a:schemeClr val="tx1"/>
-              </a:solidFill>
-            </a:endParaRPr>
-          </a:p>
-        </p:txBody>
-      </p:sp>
       <p:cxnSp>
         <p:nvCxnSpPr>
           <p:cNvPr id="85" name="直接箭头连接符 84"/>
           <p:cNvCxnSpPr>
-            <a:stCxn id="112" idx="3"/>
-            <a:endCxn id="105" idx="1"/>
+            <a:stCxn id="112" idx="1"/>
+            <a:endCxn id="105" idx="3"/>
           </p:cNvCxnSpPr>
           <p:nvPr/>
         </p:nvCxnSpPr>
         <p:spPr>
-          <a:xfrm>
-            <a:off x="5426489" y="1058963"/>
-            <a:ext cx="383870" cy="0"/>
-          </a:xfrm>
-          <a:prstGeom prst="straightConnector1">
-            <a:avLst/>
-          </a:prstGeom>
-          <a:ln>
-            <a:tailEnd type="triangle"/>
-          </a:ln>
-        </p:spPr>
-        <p:style>
-          <a:lnRef idx="1">
-            <a:schemeClr val="accent1"/>
-          </a:lnRef>
-          <a:fillRef idx="0">
-            <a:schemeClr val="accent1"/>
-          </a:fillRef>
-          <a:effectRef idx="0">
-            <a:schemeClr val="accent1"/>
-          </a:effectRef>
-          <a:fontRef idx="minor">
-            <a:schemeClr val="tx1"/>
-          </a:fontRef>
-        </p:style>
-      </p:cxnSp>
-      <p:cxnSp>
-        <p:nvCxnSpPr>
-          <p:cNvPr id="87" name="直接箭头连接符 86"/>
-          <p:cNvCxnSpPr>
-            <a:stCxn id="113" idx="3"/>
-            <a:endCxn id="112" idx="1"/>
-          </p:cNvCxnSpPr>
-          <p:nvPr/>
-        </p:nvCxnSpPr>
-        <p:spPr>
-          <a:xfrm>
-            <a:off x="4314344" y="1055784"/>
-            <a:ext cx="378815" cy="3179"/>
-          </a:xfrm>
-          <a:prstGeom prst="straightConnector1">
-            <a:avLst/>
-          </a:prstGeom>
-          <a:ln>
-            <a:tailEnd type="triangle"/>
-          </a:ln>
-        </p:spPr>
-        <p:style>
-          <a:lnRef idx="1">
-            <a:schemeClr val="accent1"/>
-          </a:lnRef>
-          <a:fillRef idx="0">
-            <a:schemeClr val="accent1"/>
-          </a:fillRef>
-          <a:effectRef idx="0">
-            <a:schemeClr val="accent1"/>
-          </a:effectRef>
-          <a:fontRef idx="minor">
-            <a:schemeClr val="tx1"/>
-          </a:fontRef>
-        </p:style>
-      </p:cxnSp>
-      <p:cxnSp>
-        <p:nvCxnSpPr>
-          <p:cNvPr id="89" name="直接箭头连接符 88"/>
-          <p:cNvCxnSpPr>
-            <a:stCxn id="65" idx="3"/>
-            <a:endCxn id="113" idx="1"/>
-          </p:cNvCxnSpPr>
-          <p:nvPr/>
-        </p:nvCxnSpPr>
-        <p:spPr>
-          <a:xfrm>
-            <a:off x="3044730" y="1054621"/>
-            <a:ext cx="536284" cy="1163"/>
+          <a:xfrm flipH="1" flipV="1">
+            <a:off x="5944446" y="1186717"/>
+            <a:ext cx="2409363" cy="40539"/>
           </a:xfrm>
           <a:prstGeom prst="straightConnector1">
             <a:avLst/>
@@ -20444,7 +18734,7 @@
         </p:nvSpPr>
         <p:spPr>
           <a:xfrm>
-            <a:off x="7102191" y="769917"/>
+            <a:off x="8353809" y="1736949"/>
             <a:ext cx="733330" cy="695179"/>
           </a:xfrm>
           <a:prstGeom prst="rect">
@@ -20495,7 +18785,15 @@
                   <a:schemeClr val="tx1"/>
                 </a:solidFill>
               </a:rPr>
-              <a:t>(51)</a:t>
+              <a:t>(</a:t>
+            </a:r>
+            <a:r>
+              <a:rPr lang="en-US" altLang="zh-CN" dirty="0" smtClean="0">
+                <a:solidFill>
+                  <a:schemeClr val="tx1"/>
+                </a:solidFill>
+              </a:rPr>
+              <a:t>51)</a:t>
             </a:r>
             <a:endParaRPr lang="zh-CN" altLang="en-US" dirty="0">
               <a:solidFill>
@@ -20509,56 +18807,18 @@
         <p:nvCxnSpPr>
           <p:cNvPr id="103" name="直接箭头连接符 102"/>
           <p:cNvCxnSpPr>
-            <a:stCxn id="126" idx="3"/>
-            <a:endCxn id="106" idx="1"/>
+            <a:stCxn id="126" idx="2"/>
+            <a:endCxn id="106" idx="0"/>
           </p:cNvCxnSpPr>
           <p:nvPr/>
         </p:nvCxnSpPr>
         <p:spPr>
           <a:xfrm>
-            <a:off x="7835521" y="1117507"/>
-            <a:ext cx="378815" cy="0"/>
+            <a:off x="8720474" y="2432128"/>
+            <a:ext cx="5665" cy="193654"/>
           </a:xfrm>
           <a:prstGeom prst="straightConnector1">
             <a:avLst/>
-          </a:prstGeom>
-          <a:ln>
-            <a:tailEnd type="triangle"/>
-          </a:ln>
-        </p:spPr>
-        <p:style>
-          <a:lnRef idx="1">
-            <a:schemeClr val="accent1"/>
-          </a:lnRef>
-          <a:fillRef idx="0">
-            <a:schemeClr val="accent1"/>
-          </a:fillRef>
-          <a:effectRef idx="0">
-            <a:schemeClr val="accent1"/>
-          </a:effectRef>
-          <a:fontRef idx="minor">
-            <a:schemeClr val="tx1"/>
-          </a:fontRef>
-        </p:style>
-      </p:cxnSp>
-      <p:cxnSp>
-        <p:nvCxnSpPr>
-          <p:cNvPr id="111" name="肘形连接符 110"/>
-          <p:cNvCxnSpPr>
-            <a:stCxn id="112" idx="0"/>
-            <a:endCxn id="126" idx="0"/>
-          </p:cNvCxnSpPr>
-          <p:nvPr/>
-        </p:nvCxnSpPr>
-        <p:spPr>
-          <a:xfrm rot="16200000" flipH="1">
-            <a:off x="6235068" y="-463871"/>
-            <a:ext cx="58544" cy="2409032"/>
-          </a:xfrm>
-          <a:prstGeom prst="bentConnector3">
-            <a:avLst>
-              <a:gd name="adj1" fmla="val -390476"/>
-            </a:avLst>
           </a:prstGeom>
           <a:ln>
             <a:tailEnd type="triangle"/>
@@ -20591,7 +18851,7 @@
         <p:spPr>
           <a:xfrm>
             <a:off x="2972813" y="2674215"/>
-            <a:ext cx="2911195" cy="498461"/>
+            <a:ext cx="2165036" cy="510538"/>
           </a:xfrm>
           <a:prstGeom prst="straightConnector1">
             <a:avLst/>
@@ -20600,42 +18860,6 @@
             <a:solidFill>
               <a:srgbClr val="FF0000"/>
             </a:solidFill>
-            <a:tailEnd type="triangle"/>
-          </a:ln>
-        </p:spPr>
-        <p:style>
-          <a:lnRef idx="1">
-            <a:schemeClr val="accent1"/>
-          </a:lnRef>
-          <a:fillRef idx="0">
-            <a:schemeClr val="accent1"/>
-          </a:fillRef>
-          <a:effectRef idx="0">
-            <a:schemeClr val="accent1"/>
-          </a:effectRef>
-          <a:fontRef idx="minor">
-            <a:schemeClr val="tx1"/>
-          </a:fontRef>
-        </p:style>
-      </p:cxnSp>
-      <p:cxnSp>
-        <p:nvCxnSpPr>
-          <p:cNvPr id="149" name="肘形连接符 148"/>
-          <p:cNvCxnSpPr>
-            <a:stCxn id="58" idx="2"/>
-            <a:endCxn id="42" idx="3"/>
-          </p:cNvCxnSpPr>
-          <p:nvPr/>
-        </p:nvCxnSpPr>
-        <p:spPr>
-          <a:xfrm rot="5400000">
-            <a:off x="7943216" y="2529227"/>
-            <a:ext cx="771572" cy="519141"/>
-          </a:xfrm>
-          <a:prstGeom prst="bentConnector2">
-            <a:avLst/>
-          </a:prstGeom>
-          <a:ln>
             <a:tailEnd type="triangle"/>
           </a:ln>
         </p:spPr>
@@ -20665,52 +18889,11 @@
         </p:nvCxnSpPr>
         <p:spPr>
           <a:xfrm rot="5400000">
-            <a:off x="5050480" y="1341309"/>
-            <a:ext cx="415399" cy="4532355"/>
+            <a:off x="4683438" y="1720427"/>
+            <a:ext cx="403322" cy="3786196"/>
           </a:xfrm>
           <a:prstGeom prst="bentConnector2">
             <a:avLst/>
-          </a:prstGeom>
-          <a:ln>
-            <a:solidFill>
-              <a:srgbClr val="FF0000"/>
-            </a:solidFill>
-            <a:tailEnd type="triangle"/>
-          </a:ln>
-        </p:spPr>
-        <p:style>
-          <a:lnRef idx="1">
-            <a:schemeClr val="accent1"/>
-          </a:lnRef>
-          <a:fillRef idx="0">
-            <a:schemeClr val="accent1"/>
-          </a:fillRef>
-          <a:effectRef idx="0">
-            <a:schemeClr val="accent1"/>
-          </a:effectRef>
-          <a:fontRef idx="minor">
-            <a:schemeClr val="tx1"/>
-          </a:fontRef>
-        </p:style>
-      </p:cxnSp>
-      <p:cxnSp>
-        <p:nvCxnSpPr>
-          <p:cNvPr id="181" name="肘形连接符 180"/>
-          <p:cNvCxnSpPr>
-            <a:stCxn id="201" idx="1"/>
-            <a:endCxn id="65" idx="1"/>
-          </p:cNvCxnSpPr>
-          <p:nvPr/>
-        </p:nvCxnSpPr>
-        <p:spPr>
-          <a:xfrm rot="10800000">
-            <a:off x="1918706" y="1054621"/>
-            <a:ext cx="81994" cy="1619594"/>
-          </a:xfrm>
-          <a:prstGeom prst="bentConnector3">
-            <a:avLst>
-              <a:gd name="adj1" fmla="val 378801"/>
-            </a:avLst>
           </a:prstGeom>
           <a:ln>
             <a:solidFill>
@@ -20745,8 +18928,8 @@
         </p:nvCxnSpPr>
         <p:spPr>
           <a:xfrm flipH="1" flipV="1">
-            <a:off x="6999443" y="4938456"/>
-            <a:ext cx="1457958" cy="572236"/>
+            <a:off x="5076014" y="4980830"/>
+            <a:ext cx="1366268" cy="621665"/>
           </a:xfrm>
           <a:prstGeom prst="straightConnector1">
             <a:avLst/>
@@ -20781,8 +18964,8 @@
         </p:nvCxnSpPr>
         <p:spPr>
           <a:xfrm rot="16200000" flipH="1">
-            <a:off x="3404135" y="3161159"/>
-            <a:ext cx="724041" cy="2520420"/>
+            <a:off x="2574997" y="3990297"/>
+            <a:ext cx="487934" cy="626038"/>
           </a:xfrm>
           <a:prstGeom prst="bentConnector2">
             <a:avLst/>
@@ -20878,8 +19061,8 @@
         </p:nvCxnSpPr>
         <p:spPr>
           <a:xfrm rot="10800000">
-            <a:off x="1199243" y="3607486"/>
-            <a:ext cx="7258159" cy="1903206"/>
+            <a:off x="1199242" y="3607487"/>
+            <a:ext cx="5243040" cy="1995009"/>
           </a:xfrm>
           <a:prstGeom prst="bentConnector2">
             <a:avLst/>
@@ -20992,8 +19175,8 @@
         </p:nvCxnSpPr>
         <p:spPr>
           <a:xfrm flipH="1">
-            <a:off x="6152389" y="4504909"/>
-            <a:ext cx="437536" cy="278481"/>
+            <a:off x="4258007" y="4547283"/>
+            <a:ext cx="408489" cy="0"/>
           </a:xfrm>
           <a:prstGeom prst="straightConnector1">
             <a:avLst/>
@@ -21027,9 +19210,9 @@
           <p:nvPr/>
         </p:nvCxnSpPr>
         <p:spPr>
-          <a:xfrm>
-            <a:off x="2992001" y="3815186"/>
-            <a:ext cx="2034364" cy="373504"/>
+          <a:xfrm flipV="1">
+            <a:off x="2992001" y="3291918"/>
+            <a:ext cx="554108" cy="523268"/>
           </a:xfrm>
           <a:prstGeom prst="straightConnector1">
             <a:avLst/>
@@ -21096,9 +19279,9 @@
           <p:nvPr/>
         </p:nvCxnSpPr>
         <p:spPr>
-          <a:xfrm flipH="1">
-            <a:off x="6250673" y="1506193"/>
-            <a:ext cx="13667" cy="346152"/>
+          <a:xfrm>
+            <a:off x="5490465" y="1633947"/>
+            <a:ext cx="14049" cy="230475"/>
           </a:xfrm>
           <a:prstGeom prst="straightConnector1">
             <a:avLst/>
@@ -21130,7 +19313,7 @@
         </p:nvSpPr>
         <p:spPr>
           <a:xfrm>
-            <a:off x="9313970" y="1689248"/>
+            <a:off x="9455557" y="3558040"/>
             <a:ext cx="733330" cy="695179"/>
           </a:xfrm>
           <a:prstGeom prst="rect">
@@ -21188,7 +19371,7 @@
         </p:nvSpPr>
         <p:spPr>
           <a:xfrm>
-            <a:off x="8221907" y="1707832"/>
+            <a:off x="8367045" y="3563697"/>
             <a:ext cx="733330" cy="695179"/>
           </a:xfrm>
           <a:prstGeom prst="rect">
@@ -21249,7 +19432,7 @@
         </p:nvCxnSpPr>
         <p:spPr>
           <a:xfrm>
-            <a:off x="8581001" y="1465096"/>
+            <a:off x="8726139" y="3320961"/>
             <a:ext cx="7571" cy="242736"/>
           </a:xfrm>
           <a:prstGeom prst="straightConnector1">
@@ -21285,8 +19468,8 @@
         </p:nvCxnSpPr>
         <p:spPr>
           <a:xfrm flipH="1">
-            <a:off x="8955237" y="2036838"/>
-            <a:ext cx="358733" cy="18584"/>
+            <a:off x="9100375" y="3905630"/>
+            <a:ext cx="355182" cy="5657"/>
           </a:xfrm>
           <a:prstGeom prst="straightConnector1">
             <a:avLst/>
@@ -21318,7 +19501,7 @@
         </p:nvSpPr>
         <p:spPr>
           <a:xfrm>
-            <a:off x="7877957" y="199127"/>
+            <a:off x="8207839" y="6267539"/>
             <a:ext cx="3576720" cy="369332"/>
           </a:xfrm>
           <a:prstGeom prst="rect">
@@ -21367,6 +19550,108 @@
             <a:r>
               <a:rPr lang="en-US" altLang="zh-CN" dirty="0" smtClean="0"/>
               <a:t>*2</a:t>
+            </a:r>
+            <a:endParaRPr lang="zh-CN" altLang="en-US" dirty="0"/>
+          </a:p>
+        </p:txBody>
+      </p:sp>
+      <p:cxnSp>
+        <p:nvCxnSpPr>
+          <p:cNvPr id="31" name="直接箭头连接符 30"/>
+          <p:cNvCxnSpPr>
+            <a:stCxn id="112" idx="2"/>
+            <a:endCxn id="126" idx="0"/>
+          </p:cNvCxnSpPr>
+          <p:nvPr/>
+        </p:nvCxnSpPr>
+        <p:spPr>
+          <a:xfrm>
+            <a:off x="8720474" y="1574845"/>
+            <a:ext cx="0" cy="162104"/>
+          </a:xfrm>
+          <a:prstGeom prst="straightConnector1">
+            <a:avLst/>
+          </a:prstGeom>
+          <a:ln>
+            <a:tailEnd type="triangle"/>
+          </a:ln>
+        </p:spPr>
+        <p:style>
+          <a:lnRef idx="1">
+            <a:schemeClr val="accent1"/>
+          </a:lnRef>
+          <a:fillRef idx="0">
+            <a:schemeClr val="accent1"/>
+          </a:fillRef>
+          <a:effectRef idx="0">
+            <a:schemeClr val="accent1"/>
+          </a:effectRef>
+          <a:fontRef idx="minor">
+            <a:schemeClr val="tx1"/>
+          </a:fontRef>
+        </p:style>
+      </p:cxnSp>
+      <p:cxnSp>
+        <p:nvCxnSpPr>
+          <p:cNvPr id="88" name="直接箭头连接符 87"/>
+          <p:cNvCxnSpPr>
+            <a:stCxn id="58" idx="1"/>
+            <a:endCxn id="42" idx="3"/>
+          </p:cNvCxnSpPr>
+          <p:nvPr/>
+        </p:nvCxnSpPr>
+        <p:spPr>
+          <a:xfrm flipH="1" flipV="1">
+            <a:off x="7323272" y="3186660"/>
+            <a:ext cx="1043773" cy="724627"/>
+          </a:xfrm>
+          <a:prstGeom prst="straightConnector1">
+            <a:avLst/>
+          </a:prstGeom>
+          <a:ln>
+            <a:tailEnd type="triangle"/>
+          </a:ln>
+        </p:spPr>
+        <p:style>
+          <a:lnRef idx="1">
+            <a:schemeClr val="accent1"/>
+          </a:lnRef>
+          <a:fillRef idx="0">
+            <a:schemeClr val="accent1"/>
+          </a:fillRef>
+          <a:effectRef idx="0">
+            <a:schemeClr val="accent1"/>
+          </a:effectRef>
+          <a:fontRef idx="minor">
+            <a:schemeClr val="tx1"/>
+          </a:fontRef>
+        </p:style>
+      </p:cxnSp>
+      <p:sp>
+        <p:nvSpPr>
+          <p:cNvPr id="141" name="文本框 140"/>
+          <p:cNvSpPr txBox="1"/>
+          <p:nvPr/>
+        </p:nvSpPr>
+        <p:spPr>
+          <a:xfrm>
+            <a:off x="4474964" y="369277"/>
+            <a:ext cx="2425673" cy="369332"/>
+          </a:xfrm>
+          <a:prstGeom prst="rect">
+            <a:avLst/>
+          </a:prstGeom>
+          <a:noFill/>
+        </p:spPr>
+        <p:txBody>
+          <a:bodyPr wrap="square" rtlCol="0">
+            <a:spAutoFit/>
+          </a:bodyPr>
+          <a:lstStyle/>
+          <a:p>
+            <a:r>
+              <a:rPr lang="en-US" altLang="zh-CN" dirty="0" smtClean="0"/>
+              <a:t>^([5-9]\d\.?\d*?|100)&amp;</a:t>
             </a:r>
             <a:endParaRPr lang="zh-CN" altLang="en-US" dirty="0"/>
           </a:p>
@@ -21647,7 +19932,6 @@
               <a:rPr lang="en-US" altLang="zh-CN" sz="1200" dirty="0" smtClean="0"/>
               <a:t>MEM</a:t>
             </a:r>
-            <a:endParaRPr lang="en-US" altLang="zh-CN" sz="1200" dirty="0" smtClean="0"/>
           </a:p>
         </p:txBody>
       </p:sp>
@@ -21795,7 +20079,6 @@
               <a:rPr lang="en-US" altLang="zh-CN" sz="1200" dirty="0" smtClean="0"/>
               <a:t>MEM</a:t>
             </a:r>
-            <a:endParaRPr lang="en-US" altLang="zh-CN" sz="1200" dirty="0" smtClean="0"/>
           </a:p>
         </p:txBody>
       </p:sp>
@@ -23663,7 +21946,6 @@
               <a:rPr lang="en-US" altLang="zh-CN" sz="1200" dirty="0" smtClean="0"/>
               <a:t>MEM</a:t>
             </a:r>
-            <a:endParaRPr lang="en-US" altLang="zh-CN" sz="1200" dirty="0" smtClean="0"/>
           </a:p>
         </p:txBody>
       </p:sp>
@@ -23999,15 +22281,7 @@
           <a:p>
             <a:r>
               <a:rPr lang="en-US" altLang="zh-CN" dirty="0" smtClean="0"/>
-              <a:t>Y’=(</a:t>
-            </a:r>
-            <a:r>
-              <a:rPr lang="en-US" altLang="zh-CN" dirty="0" smtClean="0"/>
-              <a:t>v-R*t)*sin(A)*</a:t>
-            </a:r>
-            <a:r>
-              <a:rPr lang="en-US" altLang="zh-CN" dirty="0" smtClean="0"/>
-              <a:t>t-0.5*9.8*t*t</a:t>
+              <a:t>Y’=(v-R*t)*sin(A)*t-0.5*9.8*t*t</a:t>
             </a:r>
           </a:p>
           <a:p>
@@ -24043,15 +22317,7 @@
           <a:p>
             <a:r>
               <a:rPr lang="en-US" altLang="zh-CN" dirty="0" smtClean="0"/>
-              <a:t>t=(</a:t>
-            </a:r>
-            <a:r>
-              <a:rPr lang="en-US" altLang="zh-CN" dirty="0" smtClean="0"/>
-              <a:t>v-Sqrt(v*v-4*R*X/cos(A</a:t>
-            </a:r>
-            <a:r>
-              <a:rPr lang="en-US" altLang="zh-CN" dirty="0" smtClean="0"/>
-              <a:t>)))/(2*R)</a:t>
+              <a:t>t=(v-Sqrt(v*v-4*R*X/cos(A)))/(2*R)</a:t>
             </a:r>
             <a:endParaRPr lang="zh-CN" altLang="en-US" dirty="0"/>
           </a:p>
@@ -24536,9 +22802,15 @@
             <a:pPr algn="ctr"/>
             <a:r>
               <a:rPr lang="en-US" altLang="zh-CN" sz="1200" dirty="0" smtClean="0"/>
-              <a:t>Delay(0.1)</a:t>
-            </a:r>
-            <a:endParaRPr lang="zh-CN" altLang="en-US" sz="1200" dirty="0"/>
+              <a:t>Delay</a:t>
+            </a:r>
+          </a:p>
+          <a:p>
+            <a:pPr algn="ctr"/>
+            <a:r>
+              <a:rPr lang="en-US" altLang="zh-CN" sz="1200" dirty="0" smtClean="0"/>
+              <a:t>(0.5)</a:t>
+            </a:r>
           </a:p>
         </p:txBody>
       </p:sp>
@@ -25202,11 +23474,7 @@
           <a:p>
             <a:r>
               <a:rPr lang="en-US" altLang="zh-CN" dirty="0" smtClean="0"/>
-              <a:t>output </a:t>
-            </a:r>
-            <a:r>
-              <a:rPr lang="en-US" altLang="zh-CN" dirty="0" smtClean="0"/>
-              <a:t>angle</a:t>
+              <a:t>output angle</a:t>
             </a:r>
             <a:endParaRPr lang="zh-CN" altLang="en-US" dirty="0"/>
           </a:p>
@@ -25371,10 +23639,24 @@
           <a:p>
             <a:pPr algn="ctr"/>
             <a:r>
-              <a:rPr lang="en-US" altLang="zh-CN" sz="2800" dirty="0" smtClean="0"/>
-              <a:t>1</a:t>
-            </a:r>
-            <a:endParaRPr lang="zh-CN" altLang="en-US" sz="2800" dirty="0"/>
+              <a:rPr lang="en-US" altLang="zh-CN" sz="1200" dirty="0" smtClean="0"/>
+              <a:t>Set</a:t>
+            </a:r>
+          </a:p>
+          <a:p>
+            <a:pPr algn="ctr"/>
+            <a:r>
+              <a:rPr lang="en-US" altLang="zh-CN" sz="1200" dirty="0" smtClean="0"/>
+              <a:t>Output</a:t>
+            </a:r>
+          </a:p>
+          <a:p>
+            <a:pPr algn="ctr"/>
+            <a:r>
+              <a:rPr lang="en-US" altLang="zh-CN" sz="1200" dirty="0" smtClean="0"/>
+              <a:t>-0.5</a:t>
+            </a:r>
+            <a:endParaRPr lang="zh-CN" altLang="en-US" sz="1200" dirty="0"/>
           </a:p>
         </p:txBody>
       </p:sp>
@@ -25451,564 +23733,6 @@
           <a:chExt cx="0" cy="0"/>
         </a:xfrm>
       </p:grpSpPr>
-      <p:sp>
-        <p:nvSpPr>
-          <p:cNvPr id="2" name="文本框 1"/>
-          <p:cNvSpPr txBox="1"/>
-          <p:nvPr/>
-        </p:nvSpPr>
-        <p:spPr>
-          <a:xfrm>
-            <a:off x="566442" y="428878"/>
-            <a:ext cx="9318577" cy="10756791"/>
-          </a:xfrm>
-          <a:prstGeom prst="rect">
-            <a:avLst/>
-          </a:prstGeom>
-          <a:noFill/>
-        </p:spPr>
-        <p:txBody>
-          <a:bodyPr wrap="none" rtlCol="0">
-            <a:spAutoFit/>
-          </a:bodyPr>
-          <a:lstStyle/>
-          <a:p>
-            <a:r>
-              <a:rPr lang="en-US" altLang="zh-CN" sz="900" dirty="0"/>
-              <a:t/>
-            </a:r>
-            <a:br>
-              <a:rPr lang="en-US" altLang="zh-CN" sz="900" dirty="0"/>
-            </a:br>
-            <a:r>
-              <a:rPr lang="en-US" altLang="zh-CN" sz="900" dirty="0"/>
-              <a:t>import numpy as np</a:t>
-            </a:r>
-            <a:br>
-              <a:rPr lang="en-US" altLang="zh-CN" sz="900" dirty="0"/>
-            </a:br>
-            <a:r>
-              <a:rPr lang="en-US" altLang="zh-CN" sz="900" dirty="0"/>
-              <a:t>import matplotlib.pyplot as plt</a:t>
-            </a:r>
-            <a:br>
-              <a:rPr lang="en-US" altLang="zh-CN" sz="900" dirty="0"/>
-            </a:br>
-            <a:r>
-              <a:rPr lang="en-US" altLang="zh-CN" sz="900" dirty="0"/>
-              <a:t>import ipywidgets as widgets</a:t>
-            </a:r>
-            <a:br>
-              <a:rPr lang="en-US" altLang="zh-CN" sz="900" dirty="0"/>
-            </a:br>
-            <a:r>
-              <a:rPr lang="en-US" altLang="zh-CN" sz="900" dirty="0"/>
-              <a:t>from IPython.display import display</a:t>
-            </a:r>
-            <a:br>
-              <a:rPr lang="en-US" altLang="zh-CN" sz="900" dirty="0"/>
-            </a:br>
-            <a:r>
-              <a:rPr lang="en-US" altLang="zh-CN" sz="900" dirty="0"/>
-              <a:t>import math</a:t>
-            </a:r>
-            <a:br>
-              <a:rPr lang="en-US" altLang="zh-CN" sz="900" dirty="0"/>
-            </a:br>
-            <a:r>
-              <a:rPr lang="en-US" altLang="zh-CN" sz="900" dirty="0"/>
-              <a:t/>
-            </a:r>
-            <a:br>
-              <a:rPr lang="en-US" altLang="zh-CN" sz="900" dirty="0"/>
-            </a:br>
-            <a:r>
-              <a:rPr lang="en-US" altLang="zh-CN" sz="900" dirty="0"/>
-              <a:t>def calculate_position(x_target, y_target, initial_velocity, angle, angle_error,resist):</a:t>
-            </a:r>
-            <a:br>
-              <a:rPr lang="en-US" altLang="zh-CN" sz="900" dirty="0"/>
-            </a:br>
-            <a:r>
-              <a:rPr lang="en-US" altLang="zh-CN" sz="900" dirty="0"/>
-              <a:t>    # Calculate the launch angle using the given horizontal distance and initial velocity</a:t>
-            </a:r>
-            <a:br>
-              <a:rPr lang="en-US" altLang="zh-CN" sz="900" dirty="0"/>
-            </a:br>
-            <a:r>
-              <a:rPr lang="en-US" altLang="zh-CN" sz="900" dirty="0"/>
-              <a:t>    gravity = -9.81</a:t>
-            </a:r>
-            <a:br>
-              <a:rPr lang="en-US" altLang="zh-CN" sz="900" dirty="0"/>
-            </a:br>
-            <a:r>
-              <a:rPr lang="en-US" altLang="zh-CN" sz="900" dirty="0"/>
-              <a:t>    angle_base = np.arctan(y_target / x_target) * 180 / np.pi</a:t>
-            </a:r>
-            <a:br>
-              <a:rPr lang="en-US" altLang="zh-CN" sz="900" dirty="0"/>
-            </a:br>
-            <a:r>
-              <a:rPr lang="en-US" altLang="zh-CN" sz="900" dirty="0"/>
-              <a:t>    angle_error_radians = angle_error * np.pi / 180</a:t>
-            </a:r>
-            <a:br>
-              <a:rPr lang="en-US" altLang="zh-CN" sz="900" dirty="0"/>
-            </a:br>
-            <a:r>
-              <a:rPr lang="en-US" altLang="zh-CN" sz="900" dirty="0"/>
-              <a:t>    angle_radians = angle * np.pi / 180 </a:t>
-            </a:r>
-            <a:br>
-              <a:rPr lang="en-US" altLang="zh-CN" sz="900" dirty="0"/>
-            </a:br>
-            <a:r>
-              <a:rPr lang="en-US" altLang="zh-CN" sz="900" dirty="0"/>
-              <a:t>    </a:t>
-            </a:r>
-            <a:br>
-              <a:rPr lang="en-US" altLang="zh-CN" sz="900" dirty="0"/>
-            </a:br>
-            <a:r>
-              <a:rPr lang="en-US" altLang="zh-CN" sz="900" dirty="0"/>
-              <a:t>#     time_of_flight = np.abs(x_target) / np.abs((np.cos(angle_radians)) * initial_velocity)</a:t>
-            </a:r>
-            <a:br>
-              <a:rPr lang="en-US" altLang="zh-CN" sz="900" dirty="0"/>
-            </a:br>
-            <a:r>
-              <a:rPr lang="en-US" altLang="zh-CN" sz="900" dirty="0"/>
-              <a:t>    time_of_flight = initial_velocity/resist</a:t>
-            </a:r>
-            <a:br>
-              <a:rPr lang="en-US" altLang="zh-CN" sz="900" dirty="0"/>
-            </a:br>
-            <a:r>
-              <a:rPr lang="en-US" altLang="zh-CN" sz="900" dirty="0"/>
-              <a:t/>
-            </a:r>
-            <a:br>
-              <a:rPr lang="en-US" altLang="zh-CN" sz="900" dirty="0"/>
-            </a:br>
-            <a:r>
-              <a:rPr lang="en-US" altLang="zh-CN" sz="900" dirty="0"/>
-              <a:t>    x = initial_velocity * time_of_flight * np.cos(angle_radians)</a:t>
-            </a:r>
-            <a:br>
-              <a:rPr lang="en-US" altLang="zh-CN" sz="900" dirty="0"/>
-            </a:br>
-            <a:r>
-              <a:rPr lang="en-US" altLang="zh-CN" sz="900" dirty="0"/>
-              <a:t>    y = initial_velocity * time_of_flight * np.sin(angle_radians) + 0.5 * gravity * (time_of_flight**2)</a:t>
-            </a:r>
-            <a:br>
-              <a:rPr lang="en-US" altLang="zh-CN" sz="900" dirty="0"/>
-            </a:br>
-            <a:r>
-              <a:rPr lang="en-US" altLang="zh-CN" sz="900" dirty="0"/>
-              <a:t>    </a:t>
-            </a:r>
-            <a:br>
-              <a:rPr lang="en-US" altLang="zh-CN" sz="900" dirty="0"/>
-            </a:br>
-            <a:r>
-              <a:rPr lang="en-US" altLang="zh-CN" sz="900" dirty="0"/>
-              <a:t>    # Plot the trajectory</a:t>
-            </a:r>
-            <a:br>
-              <a:rPr lang="en-US" altLang="zh-CN" sz="900" dirty="0"/>
-            </a:br>
-            <a:r>
-              <a:rPr lang="en-US" altLang="zh-CN" sz="900" dirty="0"/>
-              <a:t>    plt.figure(figsize=(14, 4))</a:t>
-            </a:r>
-            <a:br>
-              <a:rPr lang="en-US" altLang="zh-CN" sz="900" dirty="0"/>
-            </a:br>
-            <a:r>
-              <a:rPr lang="en-US" altLang="zh-CN" sz="900" dirty="0"/>
-              <a:t>#     plt.plot(x, y, &amp;apos;bo&amp;apos;, label=&amp;apos;Aim Point&amp;apos;)</a:t>
-            </a:r>
-            <a:br>
-              <a:rPr lang="en-US" altLang="zh-CN" sz="900" dirty="0"/>
-            </a:br>
-            <a:r>
-              <a:rPr lang="en-US" altLang="zh-CN" sz="900" dirty="0"/>
-              <a:t>#     plt.plot(x_target, yy, &amp;apos;bo&amp;apos;, label=&amp;apos;Aim Point&amp;apos;)</a:t>
-            </a:r>
-            <a:br>
-              <a:rPr lang="en-US" altLang="zh-CN" sz="900" dirty="0"/>
-            </a:br>
-            <a:r>
-              <a:rPr lang="en-US" altLang="zh-CN" sz="900" dirty="0"/>
-              <a:t/>
-            </a:r>
-            <a:br>
-              <a:rPr lang="en-US" altLang="zh-CN" sz="900" dirty="0"/>
-            </a:br>
-            <a:r>
-              <a:rPr lang="en-US" altLang="zh-CN" sz="900" dirty="0"/>
-              <a:t/>
-            </a:r>
-            <a:br>
-              <a:rPr lang="en-US" altLang="zh-CN" sz="900" dirty="0"/>
-            </a:br>
-            <a:r>
-              <a:rPr lang="en-US" altLang="zh-CN" sz="900" dirty="0"/>
-              <a:t>    # Calculate the trajectory</a:t>
-            </a:r>
-            <a:br>
-              <a:rPr lang="en-US" altLang="zh-CN" sz="900" dirty="0"/>
-            </a:br>
-            <a:r>
-              <a:rPr lang="en-US" altLang="zh-CN" sz="900" dirty="0"/>
-              <a:t>    time = np.linspace(0, time_of_flight, num=100)</a:t>
-            </a:r>
-            <a:br>
-              <a:rPr lang="en-US" altLang="zh-CN" sz="900" dirty="0"/>
-            </a:br>
-            <a:r>
-              <a:rPr lang="en-US" altLang="zh-CN" sz="900" dirty="0"/>
-              <a:t>    </a:t>
-            </a:r>
-            <a:br>
-              <a:rPr lang="en-US" altLang="zh-CN" sz="900" dirty="0"/>
-            </a:br>
-            <a:r>
-              <a:rPr lang="en-US" altLang="zh-CN" sz="900" dirty="0"/>
-              <a:t>    xx = (initial_velocity - resist*time) * np.cos(angle_radians) * time</a:t>
-            </a:r>
-            <a:br>
-              <a:rPr lang="en-US" altLang="zh-CN" sz="900" dirty="0"/>
-            </a:br>
-            <a:r>
-              <a:rPr lang="en-US" altLang="zh-CN" sz="900" dirty="0"/>
-              <a:t>    yy = (initial_velocity - resist*time) * np.sin(angle_radians) * time + 0.5 * gravity * time**2</a:t>
-            </a:r>
-            <a:br>
-              <a:rPr lang="en-US" altLang="zh-CN" sz="900" dirty="0"/>
-            </a:br>
-            <a:r>
-              <a:rPr lang="en-US" altLang="zh-CN" sz="900" dirty="0"/>
-              <a:t/>
-            </a:r>
-            <a:br>
-              <a:rPr lang="en-US" altLang="zh-CN" sz="900" dirty="0"/>
-            </a:br>
-            <a:r>
-              <a:rPr lang="en-US" altLang="zh-CN" sz="900" dirty="0"/>
-              <a:t>    yy_error_1 = (initial_velocity - resist*time) * np.sin(angle_radians + angle_error_radians) * time + 0.5 * gravity * time**2</a:t>
-            </a:r>
-            <a:br>
-              <a:rPr lang="en-US" altLang="zh-CN" sz="900" dirty="0"/>
-            </a:br>
-            <a:r>
-              <a:rPr lang="en-US" altLang="zh-CN" sz="900" dirty="0"/>
-              <a:t>    yy_error_2 = (initial_velocity - resist*time) * np.sin(angle_radians - angle_error_radians) * time + 0.5 * gravity * time**2</a:t>
-            </a:r>
-            <a:br>
-              <a:rPr lang="en-US" altLang="zh-CN" sz="900" dirty="0"/>
-            </a:br>
-            <a:r>
-              <a:rPr lang="en-US" altLang="zh-CN" sz="900" dirty="0"/>
-              <a:t/>
-            </a:r>
-            <a:br>
-              <a:rPr lang="en-US" altLang="zh-CN" sz="900" dirty="0"/>
-            </a:br>
-            <a:r>
-              <a:rPr lang="en-US" altLang="zh-CN" sz="900" dirty="0"/>
-              <a:t>    print(f"Launch Angle: {angle:.2f} degrees")</a:t>
-            </a:r>
-            <a:br>
-              <a:rPr lang="en-US" altLang="zh-CN" sz="900" dirty="0"/>
-            </a:br>
-            <a:r>
-              <a:rPr lang="en-US" altLang="zh-CN" sz="900" dirty="0"/>
-              <a:t>    print(f"Base Angle: {angle_base:.2f} degrees")</a:t>
-            </a:r>
-            <a:br>
-              <a:rPr lang="en-US" altLang="zh-CN" sz="900" dirty="0"/>
-            </a:br>
-            <a:r>
-              <a:rPr lang="en-US" altLang="zh-CN" sz="900" dirty="0"/>
-              <a:t>    print(f"Dispersion Angle : {angle_error:.2f} degrees")</a:t>
-            </a:r>
-            <a:br>
-              <a:rPr lang="en-US" altLang="zh-CN" sz="900" dirty="0"/>
-            </a:br>
-            <a:r>
-              <a:rPr lang="en-US" altLang="zh-CN" sz="900" dirty="0"/>
-              <a:t/>
-            </a:r>
-            <a:br>
-              <a:rPr lang="en-US" altLang="zh-CN" sz="900" dirty="0"/>
-            </a:br>
-            <a:r>
-              <a:rPr lang="en-US" altLang="zh-CN" sz="900" dirty="0"/>
-              <a:t>    plt.plot(xx, yy)</a:t>
-            </a:r>
-            <a:br>
-              <a:rPr lang="en-US" altLang="zh-CN" sz="900" dirty="0"/>
-            </a:br>
-            <a:r>
-              <a:rPr lang="en-US" altLang="zh-CN" sz="900" dirty="0"/>
-              <a:t>    plt.plot(xx, yy_error_1)</a:t>
-            </a:r>
-            <a:br>
-              <a:rPr lang="en-US" altLang="zh-CN" sz="900" dirty="0"/>
-            </a:br>
-            <a:r>
-              <a:rPr lang="en-US" altLang="zh-CN" sz="900" dirty="0"/>
-              <a:t>    plt.plot(xx, yy_error_2)</a:t>
-            </a:r>
-            <a:br>
-              <a:rPr lang="en-US" altLang="zh-CN" sz="900" dirty="0"/>
-            </a:br>
-            <a:r>
-              <a:rPr lang="en-US" altLang="zh-CN" sz="900" dirty="0"/>
-              <a:t/>
-            </a:r>
-            <a:br>
-              <a:rPr lang="en-US" altLang="zh-CN" sz="900" dirty="0"/>
-            </a:br>
-            <a:r>
-              <a:rPr lang="en-US" altLang="zh-CN" sz="900" dirty="0"/>
-              <a:t>    plt.xlim(xmin=0, xmax=x_target+10)</a:t>
-            </a:r>
-            <a:br>
-              <a:rPr lang="en-US" altLang="zh-CN" sz="900" dirty="0"/>
-            </a:br>
-            <a:r>
-              <a:rPr lang="en-US" altLang="zh-CN" sz="900" dirty="0"/>
-              <a:t>    plt.ylim(ymin=y_target, ymax = 80)</a:t>
-            </a:r>
-            <a:br>
-              <a:rPr lang="en-US" altLang="zh-CN" sz="900" dirty="0"/>
-            </a:br>
-            <a:r>
-              <a:rPr lang="en-US" altLang="zh-CN" sz="900" dirty="0"/>
-              <a:t>    plt.plot(x_target, y_target, &amp;apos;ro&amp;apos;, label=&amp;apos;Target Point&amp;apos;)</a:t>
-            </a:r>
-            <a:br>
-              <a:rPr lang="en-US" altLang="zh-CN" sz="900" dirty="0"/>
-            </a:br>
-            <a:r>
-              <a:rPr lang="en-US" altLang="zh-CN" sz="900" dirty="0"/>
-              <a:t>    plt.axhline(y=-1, color=&amp;apos;r&amp;apos;, linestyle=&amp;apos;--&amp;apos;, label=&amp;apos;Gun Height&amp;apos;)</a:t>
-            </a:r>
-            <a:br>
-              <a:rPr lang="en-US" altLang="zh-CN" sz="900" dirty="0"/>
-            </a:br>
-            <a:r>
-              <a:rPr lang="en-US" altLang="zh-CN" sz="900" dirty="0"/>
-              <a:t>    plt.xlabel(&amp;apos;Horizontal Distance (m)&amp;apos;)</a:t>
-            </a:r>
-            <a:br>
-              <a:rPr lang="en-US" altLang="zh-CN" sz="900" dirty="0"/>
-            </a:br>
-            <a:r>
-              <a:rPr lang="en-US" altLang="zh-CN" sz="900" dirty="0"/>
-              <a:t>    plt.ylabel(&amp;apos;Vertical Distance (m)&amp;apos;)</a:t>
-            </a:r>
-            <a:br>
-              <a:rPr lang="en-US" altLang="zh-CN" sz="900" dirty="0"/>
-            </a:br>
-            <a:r>
-              <a:rPr lang="en-US" altLang="zh-CN" sz="900" dirty="0"/>
-              <a:t>    plt.title(&amp;apos;Projectile Motion&amp;apos;)</a:t>
-            </a:r>
-            <a:br>
-              <a:rPr lang="en-US" altLang="zh-CN" sz="900" dirty="0"/>
-            </a:br>
-            <a:r>
-              <a:rPr lang="en-US" altLang="zh-CN" sz="900" dirty="0"/>
-              <a:t>    plt.grid(True)</a:t>
-            </a:r>
-            <a:br>
-              <a:rPr lang="en-US" altLang="zh-CN" sz="900" dirty="0"/>
-            </a:br>
-            <a:r>
-              <a:rPr lang="en-US" altLang="zh-CN" sz="900" dirty="0"/>
-              <a:t>    plt.legend()    </a:t>
-            </a:r>
-            <a:br>
-              <a:rPr lang="en-US" altLang="zh-CN" sz="900" dirty="0"/>
-            </a:br>
-            <a:r>
-              <a:rPr lang="en-US" altLang="zh-CN" sz="900" dirty="0"/>
-              <a:t>    plt.show()</a:t>
-            </a:r>
-            <a:br>
-              <a:rPr lang="en-US" altLang="zh-CN" sz="900" dirty="0"/>
-            </a:br>
-            <a:r>
-              <a:rPr lang="en-US" altLang="zh-CN" sz="900" dirty="0"/>
-              <a:t/>
-            </a:r>
-            <a:br>
-              <a:rPr lang="en-US" altLang="zh-CN" sz="900" dirty="0"/>
-            </a:br>
-            <a:r>
-              <a:rPr lang="en-US" altLang="zh-CN" sz="900" dirty="0"/>
-              <a:t># Adding sliders for distance, initial velocity, x and y coordinates of the target</a:t>
-            </a:r>
-            <a:br>
-              <a:rPr lang="en-US" altLang="zh-CN" sz="900" dirty="0"/>
-            </a:br>
-            <a:r>
-              <a:rPr lang="en-US" altLang="zh-CN" sz="900" dirty="0"/>
-              <a:t>x_target_slider = widgets.FloatSlider(value=175.0, min=-0.0, max=200.0, step=1.0, description=&amp;apos;Target X (m)&amp;apos;)</a:t>
-            </a:r>
-            <a:br>
-              <a:rPr lang="en-US" altLang="zh-CN" sz="900" dirty="0"/>
-            </a:br>
-            <a:r>
-              <a:rPr lang="en-US" altLang="zh-CN" sz="900" dirty="0"/>
-              <a:t>y_target_slider = widgets.FloatSlider(value=-1.0, min=-200.0, max=200.0, step=1.0, description=&amp;apos;Target Y (m)&amp;apos;)</a:t>
-            </a:r>
-            <a:br>
-              <a:rPr lang="en-US" altLang="zh-CN" sz="900" dirty="0"/>
-            </a:br>
-            <a:r>
-              <a:rPr lang="en-US" altLang="zh-CN" sz="900" dirty="0"/>
-              <a:t>velocity_slider = widgets.FloatSlider(value=70.0, min=70.0, max=80.0, step=10.0, description=&amp;apos;V_initial (m/s)&amp;apos;)</a:t>
-            </a:r>
-            <a:br>
-              <a:rPr lang="en-US" altLang="zh-CN" sz="900" dirty="0"/>
-            </a:br>
-            <a:r>
-              <a:rPr lang="en-US" altLang="zh-CN" sz="900" dirty="0"/>
-              <a:t>angle_slider = widgets.FloatSlider(value=39.0, min=-90.0, max=90.0, step=1.0, description=&amp;apos;Angle (Degrees)&amp;apos;)</a:t>
-            </a:r>
-            <a:br>
-              <a:rPr lang="en-US" altLang="zh-CN" sz="900" dirty="0"/>
-            </a:br>
-            <a:r>
-              <a:rPr lang="en-US" altLang="zh-CN" sz="900" dirty="0"/>
-              <a:t>angle_error_slider = widgets.FloatSlider(value=10, min=4.0, max=10.0, step=0.1, description=&amp;apos;Angle_Error (Degrees)&amp;apos;)</a:t>
-            </a:r>
-            <a:br>
-              <a:rPr lang="en-US" altLang="zh-CN" sz="900" dirty="0"/>
-            </a:br>
-            <a:r>
-              <a:rPr lang="en-US" altLang="zh-CN" sz="900" dirty="0"/>
-              <a:t>resist_slider = widgets.FloatSlider(value=5.10, min=5.0, max=6.0, step=0.05, description=&amp;apos;resist (m/s^2)&amp;apos;)</a:t>
-            </a:r>
-            <a:br>
-              <a:rPr lang="en-US" altLang="zh-CN" sz="900" dirty="0"/>
-            </a:br>
-            <a:r>
-              <a:rPr lang="en-US" altLang="zh-CN" sz="900" dirty="0"/>
-              <a:t/>
-            </a:r>
-            <a:br>
-              <a:rPr lang="en-US" altLang="zh-CN" sz="900" dirty="0"/>
-            </a:br>
-            <a:r>
-              <a:rPr lang="en-US" altLang="zh-CN" sz="900" dirty="0"/>
-              <a:t># Customize the size of the sliders using the layout property</a:t>
-            </a:r>
-            <a:br>
-              <a:rPr lang="en-US" altLang="zh-CN" sz="900" dirty="0"/>
-            </a:br>
-            <a:r>
-              <a:rPr lang="en-US" altLang="zh-CN" sz="900" dirty="0"/>
-              <a:t>slider_width = &amp;apos;100%&amp;apos;  # Adjust this value to change the width of the sliders</a:t>
-            </a:r>
-            <a:br>
-              <a:rPr lang="en-US" altLang="zh-CN" sz="900" dirty="0"/>
-            </a:br>
-            <a:r>
-              <a:rPr lang="en-US" altLang="zh-CN" sz="900" dirty="0"/>
-              <a:t/>
-            </a:r>
-            <a:br>
-              <a:rPr lang="en-US" altLang="zh-CN" sz="900" dirty="0"/>
-            </a:br>
-            <a:r>
-              <a:rPr lang="en-US" altLang="zh-CN" sz="900" dirty="0"/>
-              <a:t>x_target_slider.layout.width = slider_width</a:t>
-            </a:r>
-            <a:br>
-              <a:rPr lang="en-US" altLang="zh-CN" sz="900" dirty="0"/>
-            </a:br>
-            <a:r>
-              <a:rPr lang="en-US" altLang="zh-CN" sz="900" dirty="0"/>
-              <a:t>y_target_slider.layout.width = slider_width</a:t>
-            </a:r>
-            <a:br>
-              <a:rPr lang="en-US" altLang="zh-CN" sz="900" dirty="0"/>
-            </a:br>
-            <a:r>
-              <a:rPr lang="en-US" altLang="zh-CN" sz="900" dirty="0"/>
-              <a:t>velocity_slider.layout.width = slider_width</a:t>
-            </a:r>
-            <a:br>
-              <a:rPr lang="en-US" altLang="zh-CN" sz="900" dirty="0"/>
-            </a:br>
-            <a:r>
-              <a:rPr lang="en-US" altLang="zh-CN" sz="900" dirty="0"/>
-              <a:t>angle_slider.layout.width = slider_width</a:t>
-            </a:r>
-            <a:br>
-              <a:rPr lang="en-US" altLang="zh-CN" sz="900" dirty="0"/>
-            </a:br>
-            <a:r>
-              <a:rPr lang="en-US" altLang="zh-CN" sz="900" dirty="0"/>
-              <a:t/>
-            </a:r>
-            <a:br>
-              <a:rPr lang="en-US" altLang="zh-CN" sz="900" dirty="0"/>
-            </a:br>
-            <a:r>
-              <a:rPr lang="en-US" altLang="zh-CN" sz="900" dirty="0"/>
-              <a:t/>
-            </a:r>
-            <a:br>
-              <a:rPr lang="en-US" altLang="zh-CN" sz="900" dirty="0"/>
-            </a:br>
-            <a:r>
-              <a:rPr lang="en-US" altLang="zh-CN" sz="900" dirty="0"/>
-              <a:t># Display the interactive plot and print the launch angle</a:t>
-            </a:r>
-            <a:br>
-              <a:rPr lang="en-US" altLang="zh-CN" sz="900" dirty="0"/>
-            </a:br>
-            <a:r>
-              <a:rPr lang="en-US" altLang="zh-CN" sz="900" dirty="0"/>
-              <a:t>widgets.interactive(calculate_position, x_target=x_target_slider, y_target=y_target_slider, initial_velocity=velocity_slider, angle=angle_slider, angle_error=angle_error_slider, resist=resist_slider)</a:t>
-            </a:r>
-            <a:br>
-              <a:rPr lang="en-US" altLang="zh-CN" sz="900" dirty="0"/>
-            </a:br>
-            <a:r>
-              <a:rPr lang="en-US" altLang="zh-CN" sz="900" dirty="0"/>
-              <a:t/>
-            </a:r>
-            <a:br>
-              <a:rPr lang="en-US" altLang="zh-CN" sz="900" dirty="0"/>
-            </a:br>
-            <a:r>
-              <a:rPr lang="zh-CN" altLang="en-US" sz="900" dirty="0"/>
-              <a:t/>
-            </a:r>
-            <a:br>
-              <a:rPr lang="zh-CN" altLang="en-US" sz="900" dirty="0"/>
-            </a:br>
-            <a:r>
-              <a:rPr lang="zh-CN" altLang="en-US" sz="900" dirty="0"/>
-              <a:t/>
-            </a:r>
-            <a:br>
-              <a:rPr lang="zh-CN" altLang="en-US" sz="900" dirty="0"/>
-            </a:br>
-            <a:endParaRPr lang="zh-CN" altLang="en-US" sz="900" dirty="0"/>
-          </a:p>
-        </p:txBody>
-      </p:sp>
     </p:spTree>
     <p:extLst>
       <p:ext uri="{BB962C8B-B14F-4D97-AF65-F5344CB8AC3E}">

--- a/BaroAngEditor/BaroAngEditor/mods/Lines.pptx
+++ b/BaroAngEditor/BaroAngEditor/mods/Lines.pptx
@@ -212,7 +212,7 @@
           <a:p>
             <a:fld id="{F0D6F240-792E-4744-907A-4AD372E8111A}" type="datetimeFigureOut">
               <a:rPr lang="zh-CN" altLang="en-US" smtClean="0"/>
-              <a:t>2024/7/17</a:t>
+              <a:t>2024/7/18</a:t>
             </a:fld>
             <a:endParaRPr lang="zh-CN" altLang="en-US"/>
           </a:p>
@@ -1367,7 +1367,7 @@
           <a:p>
             <a:fld id="{EC490B39-3A65-4F7E-9267-FA0838AB48F0}" type="datetimeFigureOut">
               <a:rPr lang="zh-CN" altLang="en-US" smtClean="0"/>
-              <a:t>2024/7/17</a:t>
+              <a:t>2024/7/18</a:t>
             </a:fld>
             <a:endParaRPr lang="zh-CN" altLang="en-US"/>
           </a:p>
@@ -1537,7 +1537,7 @@
           <a:p>
             <a:fld id="{EC490B39-3A65-4F7E-9267-FA0838AB48F0}" type="datetimeFigureOut">
               <a:rPr lang="zh-CN" altLang="en-US" smtClean="0"/>
-              <a:t>2024/7/17</a:t>
+              <a:t>2024/7/18</a:t>
             </a:fld>
             <a:endParaRPr lang="zh-CN" altLang="en-US"/>
           </a:p>
@@ -1717,7 +1717,7 @@
           <a:p>
             <a:fld id="{EC490B39-3A65-4F7E-9267-FA0838AB48F0}" type="datetimeFigureOut">
               <a:rPr lang="zh-CN" altLang="en-US" smtClean="0"/>
-              <a:t>2024/7/17</a:t>
+              <a:t>2024/7/18</a:t>
             </a:fld>
             <a:endParaRPr lang="zh-CN" altLang="en-US"/>
           </a:p>
@@ -1887,7 +1887,7 @@
           <a:p>
             <a:fld id="{EC490B39-3A65-4F7E-9267-FA0838AB48F0}" type="datetimeFigureOut">
               <a:rPr lang="zh-CN" altLang="en-US" smtClean="0"/>
-              <a:t>2024/7/17</a:t>
+              <a:t>2024/7/18</a:t>
             </a:fld>
             <a:endParaRPr lang="zh-CN" altLang="en-US"/>
           </a:p>
@@ -2133,7 +2133,7 @@
           <a:p>
             <a:fld id="{EC490B39-3A65-4F7E-9267-FA0838AB48F0}" type="datetimeFigureOut">
               <a:rPr lang="zh-CN" altLang="en-US" smtClean="0"/>
-              <a:t>2024/7/17</a:t>
+              <a:t>2024/7/18</a:t>
             </a:fld>
             <a:endParaRPr lang="zh-CN" altLang="en-US"/>
           </a:p>
@@ -2365,7 +2365,7 @@
           <a:p>
             <a:fld id="{EC490B39-3A65-4F7E-9267-FA0838AB48F0}" type="datetimeFigureOut">
               <a:rPr lang="zh-CN" altLang="en-US" smtClean="0"/>
-              <a:t>2024/7/17</a:t>
+              <a:t>2024/7/18</a:t>
             </a:fld>
             <a:endParaRPr lang="zh-CN" altLang="en-US"/>
           </a:p>
@@ -2732,7 +2732,7 @@
           <a:p>
             <a:fld id="{EC490B39-3A65-4F7E-9267-FA0838AB48F0}" type="datetimeFigureOut">
               <a:rPr lang="zh-CN" altLang="en-US" smtClean="0"/>
-              <a:t>2024/7/17</a:t>
+              <a:t>2024/7/18</a:t>
             </a:fld>
             <a:endParaRPr lang="zh-CN" altLang="en-US"/>
           </a:p>
@@ -2850,7 +2850,7 @@
           <a:p>
             <a:fld id="{EC490B39-3A65-4F7E-9267-FA0838AB48F0}" type="datetimeFigureOut">
               <a:rPr lang="zh-CN" altLang="en-US" smtClean="0"/>
-              <a:t>2024/7/17</a:t>
+              <a:t>2024/7/18</a:t>
             </a:fld>
             <a:endParaRPr lang="zh-CN" altLang="en-US"/>
           </a:p>
@@ -2945,7 +2945,7 @@
           <a:p>
             <a:fld id="{EC490B39-3A65-4F7E-9267-FA0838AB48F0}" type="datetimeFigureOut">
               <a:rPr lang="zh-CN" altLang="en-US" smtClean="0"/>
-              <a:t>2024/7/17</a:t>
+              <a:t>2024/7/18</a:t>
             </a:fld>
             <a:endParaRPr lang="zh-CN" altLang="en-US"/>
           </a:p>
@@ -3222,7 +3222,7 @@
           <a:p>
             <a:fld id="{EC490B39-3A65-4F7E-9267-FA0838AB48F0}" type="datetimeFigureOut">
               <a:rPr lang="zh-CN" altLang="en-US" smtClean="0"/>
-              <a:t>2024/7/17</a:t>
+              <a:t>2024/7/18</a:t>
             </a:fld>
             <a:endParaRPr lang="zh-CN" altLang="en-US"/>
           </a:p>
@@ -3475,7 +3475,7 @@
           <a:p>
             <a:fld id="{EC490B39-3A65-4F7E-9267-FA0838AB48F0}" type="datetimeFigureOut">
               <a:rPr lang="zh-CN" altLang="en-US" smtClean="0"/>
-              <a:t>2024/7/17</a:t>
+              <a:t>2024/7/18</a:t>
             </a:fld>
             <a:endParaRPr lang="zh-CN" altLang="en-US"/>
           </a:p>
@@ -3688,7 +3688,7 @@
           <a:p>
             <a:fld id="{EC490B39-3A65-4F7E-9267-FA0838AB48F0}" type="datetimeFigureOut">
               <a:rPr lang="zh-CN" altLang="en-US" smtClean="0"/>
-              <a:t>2024/7/17</a:t>
+              <a:t>2024/7/18</a:t>
             </a:fld>
             <a:endParaRPr lang="zh-CN" altLang="en-US"/>
           </a:p>
@@ -6520,7 +6520,7 @@
         </p:nvSpPr>
         <p:spPr>
           <a:xfrm>
-            <a:off x="1792013" y="2460082"/>
+            <a:off x="1490088" y="2563599"/>
             <a:ext cx="972113" cy="478060"/>
           </a:xfrm>
           <a:prstGeom prst="rect">
@@ -6578,7 +6578,7 @@
         </p:nvSpPr>
         <p:spPr>
           <a:xfrm>
-            <a:off x="4544486" y="930031"/>
+            <a:off x="4242561" y="1033548"/>
             <a:ext cx="972113" cy="488326"/>
           </a:xfrm>
           <a:prstGeom prst="rect">
@@ -6636,7 +6636,7 @@
         </p:nvSpPr>
         <p:spPr>
           <a:xfrm>
-            <a:off x="3033496" y="3978960"/>
+            <a:off x="2731571" y="4082477"/>
             <a:ext cx="1090150" cy="450409"/>
           </a:xfrm>
           <a:prstGeom prst="rect">
@@ -6689,7 +6689,7 @@
         </p:nvSpPr>
         <p:spPr>
           <a:xfrm>
-            <a:off x="3086382" y="1807518"/>
+            <a:off x="2784457" y="1911035"/>
             <a:ext cx="972113" cy="488326"/>
           </a:xfrm>
           <a:prstGeom prst="rect">
@@ -6758,7 +6758,7 @@
         </p:nvSpPr>
         <p:spPr>
           <a:xfrm>
-            <a:off x="3015559" y="5044420"/>
+            <a:off x="2705210" y="5730002"/>
             <a:ext cx="1126024" cy="442393"/>
           </a:xfrm>
           <a:prstGeom prst="rect">
@@ -6811,8 +6811,8 @@
         </p:nvSpPr>
         <p:spPr>
           <a:xfrm>
-            <a:off x="3076761" y="3489752"/>
-            <a:ext cx="972113" cy="442393"/>
+            <a:off x="2753203" y="3584624"/>
+            <a:ext cx="1046885" cy="442393"/>
           </a:xfrm>
           <a:prstGeom prst="rect">
             <a:avLst/>
@@ -6851,8 +6851,13 @@
                   <a:schemeClr val="tx1"/>
                 </a:solidFill>
               </a:rPr>
-              <a:t>others</a:t>
-            </a:r>
+              <a:t>Unstable</a:t>
+            </a:r>
+            <a:endParaRPr lang="en-US" altLang="zh-CN" dirty="0" smtClean="0">
+              <a:solidFill>
+                <a:schemeClr val="tx1"/>
+              </a:solidFill>
+            </a:endParaRPr>
           </a:p>
         </p:txBody>
       </p:sp>
@@ -6864,7 +6869,7 @@
         </p:nvSpPr>
         <p:spPr>
           <a:xfrm>
-            <a:off x="1792013" y="3948453"/>
+            <a:off x="1490088" y="4051970"/>
             <a:ext cx="972113" cy="488326"/>
           </a:xfrm>
           <a:prstGeom prst="rect">
@@ -6915,7 +6920,7 @@
         </p:nvSpPr>
         <p:spPr>
           <a:xfrm>
-            <a:off x="8500454" y="98295"/>
+            <a:off x="4165605" y="366193"/>
             <a:ext cx="1126024" cy="442393"/>
           </a:xfrm>
           <a:prstGeom prst="rect">
@@ -6997,7 +7002,7 @@
         </p:nvSpPr>
         <p:spPr>
           <a:xfrm>
-            <a:off x="4663878" y="1637212"/>
+            <a:off x="4361953" y="1740729"/>
             <a:ext cx="733330" cy="695179"/>
           </a:xfrm>
           <a:prstGeom prst="rect">
@@ -7055,7 +7060,7 @@
         </p:nvSpPr>
         <p:spPr>
           <a:xfrm>
-            <a:off x="4663878" y="2856474"/>
+            <a:off x="4361953" y="2958081"/>
             <a:ext cx="733330" cy="695179"/>
           </a:xfrm>
           <a:prstGeom prst="rect">
@@ -7116,7 +7121,7 @@
         </p:nvCxnSpPr>
         <p:spPr>
           <a:xfrm flipV="1">
-            <a:off x="5030543" y="1418357"/>
+            <a:off x="4728618" y="1521874"/>
             <a:ext cx="0" cy="218855"/>
           </a:xfrm>
           <a:prstGeom prst="straightConnector1">
@@ -7155,8 +7160,8 @@
         </p:nvCxnSpPr>
         <p:spPr>
           <a:xfrm flipH="1">
-            <a:off x="4123646" y="3204064"/>
-            <a:ext cx="540232" cy="1000101"/>
+            <a:off x="3821721" y="3305671"/>
+            <a:ext cx="540232" cy="1002011"/>
           </a:xfrm>
           <a:prstGeom prst="straightConnector1">
             <a:avLst/>
@@ -7191,7 +7196,7 @@
         </p:nvSpPr>
         <p:spPr>
           <a:xfrm>
-            <a:off x="6380399" y="2649254"/>
+            <a:off x="5574197" y="3325495"/>
             <a:ext cx="907962" cy="894461"/>
           </a:xfrm>
           <a:prstGeom prst="rect">
@@ -7273,9 +7278,9 @@
           <p:nvPr/>
         </p:nvCxnSpPr>
         <p:spPr>
-          <a:xfrm flipV="1">
-            <a:off x="4123646" y="4181067"/>
-            <a:ext cx="2247583" cy="23098"/>
+          <a:xfrm>
+            <a:off x="3821721" y="4307682"/>
+            <a:ext cx="1743306" cy="549626"/>
           </a:xfrm>
           <a:prstGeom prst="straightConnector1">
             <a:avLst/>
@@ -7307,7 +7312,7 @@
         </p:nvSpPr>
         <p:spPr>
           <a:xfrm>
-            <a:off x="3081799" y="2457841"/>
+            <a:off x="2779874" y="2561358"/>
             <a:ext cx="972113" cy="488326"/>
           </a:xfrm>
           <a:prstGeom prst="rect">
@@ -7361,7 +7366,7 @@
         </p:nvCxnSpPr>
         <p:spPr>
           <a:xfrm>
-            <a:off x="2764126" y="2699112"/>
+            <a:off x="2462201" y="2802629"/>
             <a:ext cx="317673" cy="2892"/>
           </a:xfrm>
           <a:prstGeom prst="straightConnector1">
@@ -7400,7 +7405,7 @@
         </p:nvCxnSpPr>
         <p:spPr>
           <a:xfrm flipV="1">
-            <a:off x="3567856" y="2295844"/>
+            <a:off x="3265931" y="2399361"/>
             <a:ext cx="4583" cy="161997"/>
           </a:xfrm>
           <a:prstGeom prst="straightConnector1">
@@ -7439,7 +7444,7 @@
         </p:nvCxnSpPr>
         <p:spPr>
           <a:xfrm flipV="1">
-            <a:off x="4053912" y="1984802"/>
+            <a:off x="3751987" y="2088319"/>
             <a:ext cx="609966" cy="717202"/>
           </a:xfrm>
           <a:prstGeom prst="straightConnector1">
@@ -7475,7 +7480,7 @@
         </p:nvSpPr>
         <p:spPr>
           <a:xfrm>
-            <a:off x="7667428" y="3864723"/>
+            <a:off x="6722009" y="4509717"/>
             <a:ext cx="733330" cy="695179"/>
           </a:xfrm>
           <a:prstGeom prst="rect">
@@ -7536,8 +7541,8 @@
         </p:nvCxnSpPr>
         <p:spPr>
           <a:xfrm>
-            <a:off x="7288361" y="3096485"/>
-            <a:ext cx="379067" cy="1115828"/>
+            <a:off x="6482159" y="3772726"/>
+            <a:ext cx="239850" cy="1084581"/>
           </a:xfrm>
           <a:prstGeom prst="straightConnector1">
             <a:avLst/>
@@ -7569,7 +7574,7 @@
         </p:nvSpPr>
         <p:spPr>
           <a:xfrm>
-            <a:off x="6371229" y="3733836"/>
+            <a:off x="5565027" y="4410077"/>
             <a:ext cx="907962" cy="894461"/>
           </a:xfrm>
           <a:prstGeom prst="rect">
@@ -7652,8 +7657,8 @@
         </p:nvCxnSpPr>
         <p:spPr>
           <a:xfrm flipV="1">
-            <a:off x="4123646" y="3096485"/>
-            <a:ext cx="2256753" cy="1107680"/>
+            <a:off x="3821721" y="3772726"/>
+            <a:ext cx="1752476" cy="534956"/>
           </a:xfrm>
           <a:prstGeom prst="straightConnector1">
             <a:avLst/>
@@ -7687,9 +7692,9 @@
           <p:nvPr/>
         </p:nvCxnSpPr>
         <p:spPr>
-          <a:xfrm>
-            <a:off x="7279191" y="4181067"/>
-            <a:ext cx="388237" cy="31246"/>
+          <a:xfrm flipV="1">
+            <a:off x="6472989" y="4857307"/>
+            <a:ext cx="249020" cy="1"/>
           </a:xfrm>
           <a:prstGeom prst="straightConnector1">
             <a:avLst/>
@@ -7721,8 +7726,8 @@
         </p:nvSpPr>
         <p:spPr>
           <a:xfrm>
-            <a:off x="6397309" y="4828832"/>
-            <a:ext cx="819035" cy="867094"/>
+            <a:off x="5565027" y="5505073"/>
+            <a:ext cx="907962" cy="867094"/>
           </a:xfrm>
           <a:prstGeom prst="rect">
             <a:avLst/>
@@ -7793,8 +7798,8 @@
         </p:nvCxnSpPr>
         <p:spPr>
           <a:xfrm>
-            <a:off x="4053912" y="2702004"/>
-            <a:ext cx="609966" cy="502060"/>
+            <a:off x="3751987" y="2805521"/>
+            <a:ext cx="609966" cy="500150"/>
           </a:xfrm>
           <a:prstGeom prst="straightConnector1">
             <a:avLst/>
@@ -7832,8 +7837,8 @@
         </p:nvCxnSpPr>
         <p:spPr>
           <a:xfrm flipH="1">
-            <a:off x="7216344" y="4212313"/>
-            <a:ext cx="451084" cy="1050066"/>
+            <a:off x="6472989" y="4857307"/>
+            <a:ext cx="249020" cy="1081313"/>
           </a:xfrm>
           <a:prstGeom prst="straightConnector1">
             <a:avLst/>
@@ -7868,8 +7873,8 @@
         </p:nvCxnSpPr>
         <p:spPr>
           <a:xfrm rot="16200000" flipH="1">
-            <a:off x="2232395" y="4482453"/>
-            <a:ext cx="828838" cy="737489"/>
+            <a:off x="1635226" y="4881214"/>
+            <a:ext cx="1410903" cy="729065"/>
           </a:xfrm>
           <a:prstGeom prst="bentConnector2">
             <a:avLst/>
@@ -7904,7 +7909,7 @@
         </p:nvSpPr>
         <p:spPr>
           <a:xfrm>
-            <a:off x="1911404" y="3032078"/>
+            <a:off x="1609479" y="3135595"/>
             <a:ext cx="733330" cy="695179"/>
           </a:xfrm>
           <a:prstGeom prst="rect">
@@ -7965,13 +7970,13 @@
         </p:nvCxnSpPr>
         <p:spPr>
           <a:xfrm rot="5400000" flipH="1">
-            <a:off x="4382632" y="908441"/>
-            <a:ext cx="1180234" cy="6122689"/>
+            <a:off x="3488221" y="1604444"/>
+            <a:ext cx="1721711" cy="5479195"/>
           </a:xfrm>
           <a:prstGeom prst="bentConnector4">
             <a:avLst>
-              <a:gd name="adj1" fmla="val -118366"/>
-              <a:gd name="adj2" fmla="val 103734"/>
+              <a:gd name="adj1" fmla="val -70395"/>
+              <a:gd name="adj2" fmla="val 104172"/>
             </a:avLst>
           </a:prstGeom>
           <a:ln>
@@ -8004,7 +8009,7 @@
         </p:nvCxnSpPr>
         <p:spPr>
           <a:xfrm flipH="1" flipV="1">
-            <a:off x="2278069" y="3727257"/>
+            <a:off x="1976144" y="3830774"/>
             <a:ext cx="1" cy="221196"/>
           </a:xfrm>
           <a:prstGeom prst="straightConnector1">
@@ -8043,7 +8048,7 @@
         </p:nvCxnSpPr>
         <p:spPr>
           <a:xfrm flipV="1">
-            <a:off x="2644734" y="2702004"/>
+            <a:off x="2342809" y="2805521"/>
             <a:ext cx="437065" cy="677664"/>
           </a:xfrm>
           <a:prstGeom prst="straightConnector1">
@@ -8082,8 +8087,8 @@
         </p:nvCxnSpPr>
         <p:spPr>
           <a:xfrm flipH="1">
-            <a:off x="4141583" y="5262379"/>
-            <a:ext cx="2255726" cy="3238"/>
+            <a:off x="3831234" y="5938620"/>
+            <a:ext cx="1733793" cy="12579"/>
           </a:xfrm>
           <a:prstGeom prst="straightConnector1">
             <a:avLst/>
@@ -8118,8 +8123,8 @@
         </p:nvCxnSpPr>
         <p:spPr>
           <a:xfrm flipV="1">
-            <a:off x="2764126" y="3710949"/>
-            <a:ext cx="312635" cy="481667"/>
+            <a:off x="2462201" y="3805821"/>
+            <a:ext cx="291002" cy="490312"/>
           </a:xfrm>
           <a:prstGeom prst="straightConnector1">
             <a:avLst/>
@@ -8154,7 +8159,7 @@
         </p:nvSpPr>
         <p:spPr>
           <a:xfrm>
-            <a:off x="210919" y="122069"/>
+            <a:off x="90916" y="91366"/>
             <a:ext cx="812274" cy="369332"/>
           </a:xfrm>
           <a:prstGeom prst="rect">
@@ -8184,8 +8189,8 @@
         </p:nvSpPr>
         <p:spPr>
           <a:xfrm>
-            <a:off x="5946637" y="847815"/>
-            <a:ext cx="4857991" cy="5487481"/>
+            <a:off x="5452104" y="1033548"/>
+            <a:ext cx="3462196" cy="5487481"/>
           </a:xfrm>
           <a:prstGeom prst="rect">
             <a:avLst/>
@@ -8229,7 +8234,7 @@
         </p:nvCxnSpPr>
         <p:spPr>
           <a:xfrm flipH="1" flipV="1">
-            <a:off x="2764126" y="4192616"/>
+            <a:off x="2462201" y="4296133"/>
             <a:ext cx="269370" cy="11549"/>
           </a:xfrm>
           <a:prstGeom prst="straightConnector1">
@@ -8265,7 +8270,7 @@
         </p:nvSpPr>
         <p:spPr>
           <a:xfrm>
-            <a:off x="3086383" y="2996475"/>
+            <a:off x="2784458" y="3099992"/>
             <a:ext cx="972113" cy="442393"/>
           </a:xfrm>
           <a:prstGeom prst="rect">
@@ -8305,8 +8310,13 @@
                   <a:schemeClr val="tx1"/>
                 </a:solidFill>
               </a:rPr>
-              <a:t>others</a:t>
-            </a:r>
+              <a:t>Stable</a:t>
+            </a:r>
+            <a:endParaRPr lang="en-US" altLang="zh-CN" dirty="0" smtClean="0">
+              <a:solidFill>
+                <a:schemeClr val="tx1"/>
+              </a:solidFill>
+            </a:endParaRPr>
           </a:p>
         </p:txBody>
       </p:sp>
@@ -8321,8 +8331,8 @@
         </p:nvCxnSpPr>
         <p:spPr>
           <a:xfrm flipH="1">
-            <a:off x="4058496" y="3204064"/>
-            <a:ext cx="605382" cy="13608"/>
+            <a:off x="3756571" y="3305671"/>
+            <a:ext cx="605382" cy="15518"/>
           </a:xfrm>
           <a:prstGeom prst="straightConnector1">
             <a:avLst/>
@@ -8357,7 +8367,7 @@
         </p:nvSpPr>
         <p:spPr>
           <a:xfrm>
-            <a:off x="7627776" y="988599"/>
+            <a:off x="6439839" y="1169915"/>
             <a:ext cx="733330" cy="695179"/>
           </a:xfrm>
           <a:prstGeom prst="rect">
@@ -8397,7 +8407,7 @@
                   <a:schemeClr val="tx1"/>
                 </a:solidFill>
               </a:rPr>
-              <a:t>-</a:t>
+              <a:t>&lt;min</a:t>
             </a:r>
             <a:endParaRPr lang="zh-CN" altLang="en-US" dirty="0">
               <a:solidFill>
@@ -8415,7 +8425,7 @@
         </p:nvSpPr>
         <p:spPr>
           <a:xfrm>
-            <a:off x="6711683" y="1007322"/>
+            <a:off x="5574197" y="1191858"/>
             <a:ext cx="717169" cy="657735"/>
           </a:xfrm>
           <a:prstGeom prst="rect">
@@ -8455,7 +8465,7 @@
                   <a:schemeClr val="tx1"/>
                 </a:solidFill>
               </a:rPr>
-              <a:t>&gt;1000</a:t>
+              <a:t>AND</a:t>
             </a:r>
             <a:endParaRPr lang="en-US" altLang="zh-CN" sz="1200" dirty="0" smtClean="0">
               <a:solidFill>
@@ -8492,8 +8502,8 @@
         </p:nvCxnSpPr>
         <p:spPr>
           <a:xfrm flipH="1">
-            <a:off x="7428852" y="1336189"/>
-            <a:ext cx="198924" cy="1"/>
+            <a:off x="6291366" y="1517505"/>
+            <a:ext cx="148473" cy="3221"/>
           </a:xfrm>
           <a:prstGeom prst="straightConnector1">
             <a:avLst/>
@@ -8528,8 +8538,8 @@
         </p:nvCxnSpPr>
         <p:spPr>
           <a:xfrm flipH="1">
-            <a:off x="5397208" y="1336190"/>
-            <a:ext cx="1314475" cy="648612"/>
+            <a:off x="5095283" y="1520726"/>
+            <a:ext cx="478914" cy="567593"/>
           </a:xfrm>
           <a:prstGeom prst="straightConnector1">
             <a:avLst/>
@@ -8564,12 +8574,12 @@
         </p:nvCxnSpPr>
         <p:spPr>
           <a:xfrm rot="5400000" flipH="1" flipV="1">
-            <a:off x="4400514" y="-1133844"/>
-            <a:ext cx="1471483" cy="5716371"/>
+            <a:off x="3694482" y="-548422"/>
+            <a:ext cx="1393684" cy="4830359"/>
           </a:xfrm>
           <a:prstGeom prst="bentConnector3">
             <a:avLst>
-              <a:gd name="adj1" fmla="val 133487"/>
+              <a:gd name="adj1" fmla="val 116403"/>
             </a:avLst>
           </a:prstGeom>
           <a:ln>
@@ -8599,7 +8609,7 @@
         </p:nvSpPr>
         <p:spPr>
           <a:xfrm>
-            <a:off x="8738865" y="985379"/>
+            <a:off x="7317884" y="1171328"/>
             <a:ext cx="649264" cy="695179"/>
           </a:xfrm>
           <a:prstGeom prst="rect">
@@ -8639,7 +8649,7 @@
                   <a:schemeClr val="tx1"/>
                 </a:solidFill>
               </a:rPr>
-              <a:t>*</a:t>
+              <a:t>&gt;50</a:t>
             </a:r>
             <a:endParaRPr lang="zh-CN" altLang="en-US" dirty="0">
               <a:solidFill>
@@ -8649,78 +8659,6 @@
           </a:p>
         </p:txBody>
       </p:sp>
-      <p:cxnSp>
-        <p:nvCxnSpPr>
-          <p:cNvPr id="95" name="直接箭头连接符 94"/>
-          <p:cNvCxnSpPr>
-            <a:stCxn id="130" idx="1"/>
-            <a:endCxn id="76" idx="3"/>
-          </p:cNvCxnSpPr>
-          <p:nvPr/>
-        </p:nvCxnSpPr>
-        <p:spPr>
-          <a:xfrm flipH="1">
-            <a:off x="8361106" y="1332969"/>
-            <a:ext cx="377759" cy="3220"/>
-          </a:xfrm>
-          <a:prstGeom prst="straightConnector1">
-            <a:avLst/>
-          </a:prstGeom>
-          <a:ln>
-            <a:tailEnd type="triangle"/>
-          </a:ln>
-        </p:spPr>
-        <p:style>
-          <a:lnRef idx="1">
-            <a:schemeClr val="accent1"/>
-          </a:lnRef>
-          <a:fillRef idx="0">
-            <a:schemeClr val="accent1"/>
-          </a:fillRef>
-          <a:effectRef idx="0">
-            <a:schemeClr val="accent1"/>
-          </a:effectRef>
-          <a:fontRef idx="minor">
-            <a:schemeClr val="tx1"/>
-          </a:fontRef>
-        </p:style>
-      </p:cxnSp>
-      <p:cxnSp>
-        <p:nvCxnSpPr>
-          <p:cNvPr id="100" name="直接箭头连接符 99"/>
-          <p:cNvCxnSpPr>
-            <a:stCxn id="65" idx="2"/>
-            <a:endCxn id="130" idx="0"/>
-          </p:cNvCxnSpPr>
-          <p:nvPr/>
-        </p:nvCxnSpPr>
-        <p:spPr>
-          <a:xfrm>
-            <a:off x="9063466" y="540688"/>
-            <a:ext cx="31" cy="444691"/>
-          </a:xfrm>
-          <a:prstGeom prst="straightConnector1">
-            <a:avLst/>
-          </a:prstGeom>
-          <a:ln>
-            <a:tailEnd type="triangle"/>
-          </a:ln>
-        </p:spPr>
-        <p:style>
-          <a:lnRef idx="1">
-            <a:schemeClr val="accent1"/>
-          </a:lnRef>
-          <a:fillRef idx="0">
-            <a:schemeClr val="accent1"/>
-          </a:fillRef>
-          <a:effectRef idx="0">
-            <a:schemeClr val="accent1"/>
-          </a:effectRef>
-          <a:fontRef idx="minor">
-            <a:schemeClr val="tx1"/>
-          </a:fontRef>
-        </p:style>
-      </p:cxnSp>
       <p:sp>
         <p:nvSpPr>
           <p:cNvPr id="143" name="矩形 142"/>
@@ -8729,7 +8667,7 @@
         </p:nvSpPr>
         <p:spPr>
           <a:xfrm>
-            <a:off x="8745177" y="3631370"/>
+            <a:off x="7017346" y="3077547"/>
             <a:ext cx="733330" cy="695179"/>
           </a:xfrm>
           <a:prstGeom prst="rect">
@@ -8781,278 +8719,13 @@
       </p:sp>
       <p:sp>
         <p:nvSpPr>
-          <p:cNvPr id="146" name="矩形 145"/>
-          <p:cNvSpPr/>
-          <p:nvPr/>
-        </p:nvSpPr>
-        <p:spPr>
-          <a:xfrm>
-            <a:off x="7627776" y="1941563"/>
-            <a:ext cx="733330" cy="695179"/>
-          </a:xfrm>
-          <a:prstGeom prst="rect">
-            <a:avLst/>
-          </a:prstGeom>
-          <a:noFill/>
-          <a:ln>
-            <a:solidFill>
-              <a:schemeClr val="tx1"/>
-            </a:solidFill>
-          </a:ln>
-        </p:spPr>
-        <p:style>
-          <a:lnRef idx="2">
-            <a:schemeClr val="accent1">
-              <a:shade val="50000"/>
-            </a:schemeClr>
-          </a:lnRef>
-          <a:fillRef idx="1">
-            <a:schemeClr val="accent1"/>
-          </a:fillRef>
-          <a:effectRef idx="0">
-            <a:schemeClr val="accent1"/>
-          </a:effectRef>
-          <a:fontRef idx="minor">
-            <a:schemeClr val="lt1"/>
-          </a:fontRef>
-        </p:style>
-        <p:txBody>
-          <a:bodyPr rtlCol="0" anchor="ctr"/>
-          <a:lstStyle/>
-          <a:p>
-            <a:pPr algn="ctr"/>
-            <a:r>
-              <a:rPr lang="en-US" altLang="zh-CN" sz="1200" dirty="0" smtClean="0">
-                <a:solidFill>
-                  <a:schemeClr val="tx1"/>
-                </a:solidFill>
-              </a:rPr>
-              <a:t>Mod</a:t>
-            </a:r>
-          </a:p>
-          <a:p>
-            <a:pPr algn="ctr"/>
-            <a:r>
-              <a:rPr lang="en-US" altLang="zh-CN" sz="1200" dirty="0" smtClean="0">
-                <a:solidFill>
-                  <a:schemeClr val="tx1"/>
-                </a:solidFill>
-              </a:rPr>
-              <a:t>(1000</a:t>
-            </a:r>
-            <a:r>
-              <a:rPr lang="en-US" altLang="zh-CN" sz="1200" dirty="0" smtClean="0">
-                <a:solidFill>
-                  <a:schemeClr val="tx1"/>
-                </a:solidFill>
-              </a:rPr>
-              <a:t>)</a:t>
-            </a:r>
-            <a:endParaRPr lang="zh-CN" altLang="en-US" sz="1200" dirty="0">
-              <a:solidFill>
-                <a:schemeClr val="tx1"/>
-              </a:solidFill>
-            </a:endParaRPr>
-          </a:p>
-        </p:txBody>
-      </p:sp>
-      <p:sp>
-        <p:nvSpPr>
-          <p:cNvPr id="154" name="矩形 153"/>
-          <p:cNvSpPr/>
-          <p:nvPr/>
-        </p:nvSpPr>
-        <p:spPr>
-          <a:xfrm>
-            <a:off x="8744687" y="2687567"/>
-            <a:ext cx="733330" cy="695179"/>
-          </a:xfrm>
-          <a:prstGeom prst="rect">
-            <a:avLst/>
-          </a:prstGeom>
-          <a:noFill/>
-          <a:ln>
-            <a:solidFill>
-              <a:schemeClr val="tx1"/>
-            </a:solidFill>
-          </a:ln>
-        </p:spPr>
-        <p:style>
-          <a:lnRef idx="2">
-            <a:schemeClr val="accent1">
-              <a:shade val="50000"/>
-            </a:schemeClr>
-          </a:lnRef>
-          <a:fillRef idx="1">
-            <a:schemeClr val="accent1"/>
-          </a:fillRef>
-          <a:effectRef idx="0">
-            <a:schemeClr val="accent1"/>
-          </a:effectRef>
-          <a:fontRef idx="minor">
-            <a:schemeClr val="lt1"/>
-          </a:fontRef>
-        </p:style>
-        <p:txBody>
-          <a:bodyPr rtlCol="0" anchor="ctr"/>
-          <a:lstStyle/>
-          <a:p>
-            <a:pPr algn="ctr"/>
-            <a:r>
-              <a:rPr lang="en-US" altLang="zh-CN" dirty="0" smtClean="0">
-                <a:solidFill>
-                  <a:schemeClr val="tx1"/>
-                </a:solidFill>
-              </a:rPr>
-              <a:t>-</a:t>
-            </a:r>
-            <a:endParaRPr lang="zh-CN" altLang="en-US" dirty="0">
-              <a:solidFill>
-                <a:schemeClr val="tx1"/>
-              </a:solidFill>
-            </a:endParaRPr>
-          </a:p>
-        </p:txBody>
-      </p:sp>
-      <p:sp>
-        <p:nvSpPr>
-          <p:cNvPr id="155" name="矩形 154"/>
-          <p:cNvSpPr/>
-          <p:nvPr/>
-        </p:nvSpPr>
-        <p:spPr>
-          <a:xfrm>
-            <a:off x="9651585" y="2693246"/>
-            <a:ext cx="733330" cy="695179"/>
-          </a:xfrm>
-          <a:prstGeom prst="rect">
-            <a:avLst/>
-          </a:prstGeom>
-          <a:noFill/>
-          <a:ln>
-            <a:solidFill>
-              <a:schemeClr val="tx1"/>
-            </a:solidFill>
-          </a:ln>
-        </p:spPr>
-        <p:style>
-          <a:lnRef idx="2">
-            <a:schemeClr val="accent1">
-              <a:shade val="50000"/>
-            </a:schemeClr>
-          </a:lnRef>
-          <a:fillRef idx="1">
-            <a:schemeClr val="accent1"/>
-          </a:fillRef>
-          <a:effectRef idx="0">
-            <a:schemeClr val="accent1"/>
-          </a:effectRef>
-          <a:fontRef idx="minor">
-            <a:schemeClr val="lt1"/>
-          </a:fontRef>
-        </p:style>
-        <p:txBody>
-          <a:bodyPr rtlCol="0" anchor="ctr"/>
-          <a:lstStyle/>
-          <a:p>
-            <a:pPr algn="ctr"/>
-            <a:r>
-              <a:rPr lang="en-US" altLang="zh-CN" dirty="0" smtClean="0">
-                <a:solidFill>
-                  <a:schemeClr val="tx1"/>
-                </a:solidFill>
-              </a:rPr>
-              <a:t>1000</a:t>
-            </a:r>
-            <a:endParaRPr lang="zh-CN" altLang="en-US" dirty="0">
-              <a:solidFill>
-                <a:schemeClr val="tx1"/>
-              </a:solidFill>
-            </a:endParaRPr>
-          </a:p>
-        </p:txBody>
-      </p:sp>
-      <p:cxnSp>
-        <p:nvCxnSpPr>
-          <p:cNvPr id="128" name="直接箭头连接符 127"/>
-          <p:cNvCxnSpPr>
-            <a:stCxn id="155" idx="1"/>
-            <a:endCxn id="154" idx="3"/>
-          </p:cNvCxnSpPr>
-          <p:nvPr/>
-        </p:nvCxnSpPr>
-        <p:spPr>
-          <a:xfrm flipH="1" flipV="1">
-            <a:off x="9478017" y="3035157"/>
-            <a:ext cx="173568" cy="5679"/>
-          </a:xfrm>
-          <a:prstGeom prst="straightConnector1">
-            <a:avLst/>
-          </a:prstGeom>
-          <a:ln>
-            <a:tailEnd type="triangle"/>
-          </a:ln>
-        </p:spPr>
-        <p:style>
-          <a:lnRef idx="1">
-            <a:schemeClr val="accent1"/>
-          </a:lnRef>
-          <a:fillRef idx="0">
-            <a:schemeClr val="accent1"/>
-          </a:fillRef>
-          <a:effectRef idx="0">
-            <a:schemeClr val="accent1"/>
-          </a:effectRef>
-          <a:fontRef idx="minor">
-            <a:schemeClr val="tx1"/>
-          </a:fontRef>
-        </p:style>
-      </p:cxnSp>
-      <p:cxnSp>
-        <p:nvCxnSpPr>
-          <p:cNvPr id="131" name="直接箭头连接符 130"/>
-          <p:cNvCxnSpPr>
-            <a:stCxn id="146" idx="2"/>
-            <a:endCxn id="154" idx="1"/>
-          </p:cNvCxnSpPr>
-          <p:nvPr/>
-        </p:nvCxnSpPr>
-        <p:spPr>
-          <a:xfrm>
-            <a:off x="7994441" y="2636742"/>
-            <a:ext cx="750246" cy="398415"/>
-          </a:xfrm>
-          <a:prstGeom prst="straightConnector1">
-            <a:avLst/>
-          </a:prstGeom>
-          <a:ln>
-            <a:tailEnd type="triangle"/>
-          </a:ln>
-        </p:spPr>
-        <p:style>
-          <a:lnRef idx="1">
-            <a:schemeClr val="accent1"/>
-          </a:lnRef>
-          <a:fillRef idx="0">
-            <a:schemeClr val="accent1"/>
-          </a:fillRef>
-          <a:effectRef idx="0">
-            <a:schemeClr val="accent1"/>
-          </a:effectRef>
-          <a:fontRef idx="minor">
-            <a:schemeClr val="tx1"/>
-          </a:fontRef>
-        </p:style>
-      </p:cxnSp>
-      <p:sp>
-        <p:nvSpPr>
           <p:cNvPr id="168" name="矩形 167"/>
           <p:cNvSpPr/>
           <p:nvPr/>
         </p:nvSpPr>
         <p:spPr>
           <a:xfrm>
-            <a:off x="9665553" y="3631370"/>
+            <a:off x="7961974" y="3077547"/>
             <a:ext cx="733330" cy="695179"/>
           </a:xfrm>
           <a:prstGeom prst="rect">
@@ -9113,8 +8786,8 @@
         </p:nvCxnSpPr>
         <p:spPr>
           <a:xfrm flipH="1">
-            <a:off x="9478507" y="3978960"/>
-            <a:ext cx="187046" cy="0"/>
+            <a:off x="7750676" y="3425137"/>
+            <a:ext cx="211298" cy="0"/>
           </a:xfrm>
           <a:prstGeom prst="straightConnector1">
             <a:avLst/>
@@ -9138,16 +8811,90 @@
           </a:fontRef>
         </p:style>
       </p:cxnSp>
-      <p:sp>
-        <p:nvSpPr>
-          <p:cNvPr id="67" name="矩形 66"/>
+      <p:cxnSp>
+        <p:nvCxnSpPr>
+          <p:cNvPr id="7" name="肘形连接符 6"/>
+          <p:cNvCxnSpPr>
+            <a:stCxn id="130" idx="2"/>
+            <a:endCxn id="81" idx="2"/>
+          </p:cNvCxnSpPr>
+          <p:nvPr/>
+        </p:nvCxnSpPr>
+        <p:spPr>
+          <a:xfrm rot="5400000" flipH="1">
+            <a:off x="6779192" y="1003183"/>
+            <a:ext cx="16914" cy="1709734"/>
+          </a:xfrm>
+          <a:prstGeom prst="bentConnector3">
+            <a:avLst>
+              <a:gd name="adj1" fmla="val -1351543"/>
+            </a:avLst>
+          </a:prstGeom>
+          <a:ln>
+            <a:tailEnd type="triangle"/>
+          </a:ln>
+        </p:spPr>
+        <p:style>
+          <a:lnRef idx="1">
+            <a:schemeClr val="accent1"/>
+          </a:lnRef>
+          <a:fillRef idx="0">
+            <a:schemeClr val="accent1"/>
+          </a:fillRef>
+          <a:effectRef idx="0">
+            <a:schemeClr val="accent1"/>
+          </a:effectRef>
+          <a:fontRef idx="minor">
+            <a:schemeClr val="tx1"/>
+          </a:fontRef>
+        </p:style>
+      </p:cxnSp>
+      <p:cxnSp>
+        <p:nvCxnSpPr>
+          <p:cNvPr id="13" name="肘形连接符 12"/>
+          <p:cNvCxnSpPr>
+            <a:stCxn id="65" idx="3"/>
+            <a:endCxn id="130" idx="0"/>
+          </p:cNvCxnSpPr>
+          <p:nvPr/>
+        </p:nvCxnSpPr>
+        <p:spPr>
+          <a:xfrm>
+            <a:off x="5291629" y="587390"/>
+            <a:ext cx="2350887" cy="583938"/>
+          </a:xfrm>
+          <a:prstGeom prst="bentConnector2">
+            <a:avLst/>
+          </a:prstGeom>
+          <a:ln>
+            <a:tailEnd type="triangle"/>
+          </a:ln>
+        </p:spPr>
+        <p:style>
+          <a:lnRef idx="1">
+            <a:schemeClr val="accent1"/>
+          </a:lnRef>
+          <a:fillRef idx="0">
+            <a:schemeClr val="accent1"/>
+          </a:fillRef>
+          <a:effectRef idx="0">
+            <a:schemeClr val="accent1"/>
+          </a:effectRef>
+          <a:fontRef idx="minor">
+            <a:schemeClr val="tx1"/>
+          </a:fontRef>
+        </p:style>
+      </p:cxnSp>
+      <p:sp>
+        <p:nvSpPr>
+          <p:cNvPr id="105" name="矩形 104"/>
           <p:cNvSpPr/>
           <p:nvPr/>
         </p:nvSpPr>
         <p:spPr>
           <a:xfrm>
-            <a:off x="9682365" y="988598"/>
-            <a:ext cx="649264" cy="695179"/>
+            <a:off x="7942252" y="2214097"/>
+            <a:ext cx="733330" cy="695179"/>
           </a:xfrm>
           <a:prstGeom prst="rect">
             <a:avLst/>
@@ -9186,7 +8933,7 @@
                   <a:schemeClr val="tx1"/>
                 </a:solidFill>
               </a:rPr>
-              <a:t>20</a:t>
+              <a:t>-</a:t>
             </a:r>
             <a:endParaRPr lang="zh-CN" altLang="en-US" dirty="0">
               <a:solidFill>
@@ -9196,52 +8943,16 @@
           </a:p>
         </p:txBody>
       </p:sp>
-      <p:cxnSp>
-        <p:nvCxnSpPr>
-          <p:cNvPr id="12" name="直接箭头连接符 11"/>
-          <p:cNvCxnSpPr>
-            <a:stCxn id="67" idx="1"/>
-            <a:endCxn id="130" idx="3"/>
-          </p:cNvCxnSpPr>
-          <p:nvPr/>
-        </p:nvCxnSpPr>
-        <p:spPr>
-          <a:xfrm flipH="1" flipV="1">
-            <a:off x="9388129" y="1332969"/>
-            <a:ext cx="294236" cy="3219"/>
-          </a:xfrm>
-          <a:prstGeom prst="straightConnector1">
-            <a:avLst/>
-          </a:prstGeom>
-          <a:ln>
-            <a:tailEnd type="triangle"/>
-          </a:ln>
-        </p:spPr>
-        <p:style>
-          <a:lnRef idx="1">
-            <a:schemeClr val="accent1"/>
-          </a:lnRef>
-          <a:fillRef idx="0">
-            <a:schemeClr val="accent1"/>
-          </a:fillRef>
-          <a:effectRef idx="0">
-            <a:schemeClr val="accent1"/>
-          </a:effectRef>
-          <a:fontRef idx="minor">
-            <a:schemeClr val="tx1"/>
-          </a:fontRef>
-        </p:style>
-      </p:cxnSp>
-      <p:sp>
-        <p:nvSpPr>
-          <p:cNvPr id="79" name="矩形 78"/>
+      <p:sp>
+        <p:nvSpPr>
+          <p:cNvPr id="106" name="矩形 105"/>
           <p:cNvSpPr/>
           <p:nvPr/>
         </p:nvSpPr>
         <p:spPr>
           <a:xfrm>
-            <a:off x="8738834" y="1851751"/>
-            <a:ext cx="649264" cy="695179"/>
+            <a:off x="7017346" y="2214097"/>
+            <a:ext cx="733330" cy="695179"/>
           </a:xfrm>
           <a:prstGeom prst="rect">
             <a:avLst/>
@@ -9280,7 +8991,7 @@
                   <a:schemeClr val="tx1"/>
                 </a:solidFill>
               </a:rPr>
-              <a:t>+</a:t>
+              <a:t>-</a:t>
             </a:r>
             <a:endParaRPr lang="zh-CN" altLang="en-US" dirty="0">
               <a:solidFill>
@@ -9292,14 +9003,14 @@
       </p:sp>
       <p:sp>
         <p:nvSpPr>
-          <p:cNvPr id="80" name="矩形 79"/>
+          <p:cNvPr id="107" name="矩形 106"/>
           <p:cNvSpPr/>
           <p:nvPr/>
         </p:nvSpPr>
         <p:spPr>
           <a:xfrm>
-            <a:off x="9671208" y="1851750"/>
-            <a:ext cx="649264" cy="695179"/>
+            <a:off x="6105606" y="2214097"/>
+            <a:ext cx="733330" cy="695179"/>
           </a:xfrm>
           <a:prstGeom prst="rect">
             <a:avLst/>
@@ -9333,14 +9044,14 @@
           <a:p>
             <a:pPr algn="ctr"/>
             <a:r>
-              <a:rPr lang="en-US" altLang="zh-CN" sz="1200" dirty="0">
-                <a:solidFill>
-                  <a:schemeClr val="tx1"/>
-                </a:solidFill>
-              </a:rPr>
-              <a:t>MEM</a:t>
-            </a:r>
-            <a:endParaRPr lang="zh-CN" altLang="en-US" sz="1200" dirty="0">
+              <a:rPr lang="en-US" altLang="zh-CN" dirty="0" smtClean="0">
+                <a:solidFill>
+                  <a:schemeClr val="tx1"/>
+                </a:solidFill>
+              </a:rPr>
+              <a:t>1100</a:t>
+            </a:r>
+            <a:endParaRPr lang="zh-CN" altLang="en-US" dirty="0">
               <a:solidFill>
                 <a:schemeClr val="tx1"/>
               </a:solidFill>
@@ -9350,20 +9061,22 @@
       </p:sp>
       <p:cxnSp>
         <p:nvCxnSpPr>
-          <p:cNvPr id="23" name="直接箭头连接符 22"/>
+          <p:cNvPr id="59" name="肘形连接符 58"/>
           <p:cNvCxnSpPr>
-            <a:stCxn id="80" idx="1"/>
-            <a:endCxn id="79" idx="3"/>
+            <a:stCxn id="20" idx="0"/>
+            <a:endCxn id="105" idx="0"/>
           </p:cNvCxnSpPr>
           <p:nvPr/>
         </p:nvCxnSpPr>
         <p:spPr>
-          <a:xfrm flipH="1">
-            <a:off x="9388098" y="2199340"/>
-            <a:ext cx="283110" cy="1"/>
-          </a:xfrm>
-          <a:prstGeom prst="straightConnector1">
-            <a:avLst/>
+          <a:xfrm rot="5400000" flipH="1" flipV="1">
+            <a:off x="4967780" y="-777538"/>
+            <a:ext cx="349502" cy="6332772"/>
+          </a:xfrm>
+          <a:prstGeom prst="bentConnector3">
+            <a:avLst>
+              <a:gd name="adj1" fmla="val 656579"/>
+            </a:avLst>
           </a:prstGeom>
           <a:ln>
             <a:tailEnd type="triangle"/>
@@ -9386,17 +9099,17 @@
       </p:cxnSp>
       <p:cxnSp>
         <p:nvCxnSpPr>
-          <p:cNvPr id="25" name="直接箭头连接符 24"/>
+          <p:cNvPr id="68" name="直接箭头连接符 67"/>
           <p:cNvCxnSpPr>
-            <a:stCxn id="79" idx="0"/>
-            <a:endCxn id="130" idx="2"/>
+            <a:stCxn id="107" idx="3"/>
+            <a:endCxn id="106" idx="1"/>
           </p:cNvCxnSpPr>
           <p:nvPr/>
         </p:nvCxnSpPr>
         <p:spPr>
-          <a:xfrm flipV="1">
-            <a:off x="9063466" y="1680558"/>
-            <a:ext cx="31" cy="171193"/>
+          <a:xfrm>
+            <a:off x="6838936" y="2561687"/>
+            <a:ext cx="178410" cy="0"/>
           </a:xfrm>
           <a:prstGeom prst="straightConnector1">
             <a:avLst/>
@@ -9422,23 +9135,20 @@
       </p:cxnSp>
       <p:cxnSp>
         <p:nvCxnSpPr>
-          <p:cNvPr id="52" name="肘形连接符 51"/>
+          <p:cNvPr id="70" name="直接箭头连接符 69"/>
           <p:cNvCxnSpPr>
-            <a:stCxn id="155" idx="3"/>
-            <a:endCxn id="81" idx="0"/>
+            <a:stCxn id="105" idx="1"/>
+            <a:endCxn id="106" idx="3"/>
           </p:cNvCxnSpPr>
           <p:nvPr/>
         </p:nvCxnSpPr>
         <p:spPr>
-          <a:xfrm flipH="1" flipV="1">
-            <a:off x="7070268" y="1007322"/>
-            <a:ext cx="3314647" cy="2033514"/>
-          </a:xfrm>
-          <a:prstGeom prst="bentConnector4">
-            <a:avLst>
-              <a:gd name="adj1" fmla="val -6897"/>
-              <a:gd name="adj2" fmla="val 111242"/>
-            </a:avLst>
+          <a:xfrm flipH="1">
+            <a:off x="7750676" y="2561687"/>
+            <a:ext cx="191576" cy="0"/>
+          </a:xfrm>
+          <a:prstGeom prst="straightConnector1">
+            <a:avLst/>
           </a:prstGeom>
           <a:ln>
             <a:tailEnd type="triangle"/>
@@ -9461,17 +9171,17 @@
       </p:cxnSp>
       <p:cxnSp>
         <p:nvCxnSpPr>
-          <p:cNvPr id="57" name="直接箭头连接符 56"/>
+          <p:cNvPr id="82" name="直接箭头连接符 81"/>
           <p:cNvCxnSpPr>
-            <a:stCxn id="76" idx="2"/>
-            <a:endCxn id="146" idx="0"/>
+            <a:stCxn id="106" idx="2"/>
+            <a:endCxn id="143" idx="0"/>
           </p:cNvCxnSpPr>
           <p:nvPr/>
         </p:nvCxnSpPr>
         <p:spPr>
           <a:xfrm>
-            <a:off x="7994441" y="1683778"/>
-            <a:ext cx="0" cy="257785"/>
+            <a:off x="7384011" y="2909276"/>
+            <a:ext cx="0" cy="168271"/>
           </a:xfrm>
           <a:prstGeom prst="straightConnector1">
             <a:avLst/>
@@ -9497,58 +9207,20 @@
       </p:cxnSp>
       <p:cxnSp>
         <p:nvCxnSpPr>
-          <p:cNvPr id="86" name="直接箭头连接符 85"/>
-          <p:cNvCxnSpPr>
-            <a:stCxn id="154" idx="2"/>
-            <a:endCxn id="143" idx="0"/>
-          </p:cNvCxnSpPr>
-          <p:nvPr/>
-        </p:nvCxnSpPr>
-        <p:spPr>
-          <a:xfrm>
-            <a:off x="9111352" y="3382746"/>
-            <a:ext cx="490" cy="248624"/>
-          </a:xfrm>
-          <a:prstGeom prst="straightConnector1">
-            <a:avLst/>
-          </a:prstGeom>
-          <a:ln>
-            <a:tailEnd type="triangle"/>
-          </a:ln>
-        </p:spPr>
-        <p:style>
-          <a:lnRef idx="1">
-            <a:schemeClr val="accent1"/>
-          </a:lnRef>
-          <a:fillRef idx="0">
-            <a:schemeClr val="accent1"/>
-          </a:fillRef>
-          <a:effectRef idx="0">
-            <a:schemeClr val="accent1"/>
-          </a:effectRef>
-          <a:fontRef idx="minor">
-            <a:schemeClr val="tx1"/>
-          </a:fontRef>
-        </p:style>
-      </p:cxnSp>
-      <p:cxnSp>
-        <p:nvCxnSpPr>
-          <p:cNvPr id="92" name="肘形连接符 91"/>
+          <p:cNvPr id="97" name="肘形连接符 96"/>
           <p:cNvCxnSpPr>
             <a:stCxn id="143" idx="2"/>
-            <a:endCxn id="42" idx="2"/>
+            <a:endCxn id="42" idx="3"/>
           </p:cNvCxnSpPr>
           <p:nvPr/>
         </p:nvCxnSpPr>
         <p:spPr>
           <a:xfrm rot="5400000">
-            <a:off x="6293797" y="1611324"/>
-            <a:ext cx="102820" cy="5533271"/>
-          </a:xfrm>
-          <a:prstGeom prst="bentConnector3">
-            <a:avLst>
-              <a:gd name="adj1" fmla="val 391500"/>
-            </a:avLst>
+            <a:off x="5335388" y="2259059"/>
+            <a:ext cx="534956" cy="3562290"/>
+          </a:xfrm>
+          <a:prstGeom prst="bentConnector2">
+            <a:avLst/>
           </a:prstGeom>
           <a:ln>
             <a:tailEnd type="triangle"/>
@@ -36972,7 +36644,15 @@
                   <a:schemeClr val="tx1"/>
                 </a:solidFill>
               </a:rPr>
-              <a:t>100(x)</a:t>
+              <a:t>10(x</a:t>
+            </a:r>
+            <a:r>
+              <a:rPr lang="en-US" altLang="zh-CN" dirty="0" smtClean="0">
+                <a:solidFill>
+                  <a:schemeClr val="tx1"/>
+                </a:solidFill>
+              </a:rPr>
+              <a:t>)</a:t>
             </a:r>
             <a:endParaRPr lang="zh-CN" altLang="en-US" dirty="0">
               <a:solidFill>
@@ -37041,7 +36721,15 @@
                   <a:schemeClr val="tx1"/>
                 </a:solidFill>
               </a:rPr>
-              <a:t>100(y)</a:t>
+              <a:t>10(y</a:t>
+            </a:r>
+            <a:r>
+              <a:rPr lang="en-US" altLang="zh-CN" dirty="0" smtClean="0">
+                <a:solidFill>
+                  <a:schemeClr val="tx1"/>
+                </a:solidFill>
+              </a:rPr>
+              <a:t>)</a:t>
             </a:r>
             <a:endParaRPr lang="zh-CN" altLang="en-US" dirty="0">
               <a:solidFill>

--- a/BaroAngEditor/BaroAngEditor/mods/Lines.pptx
+++ b/BaroAngEditor/BaroAngEditor/mods/Lines.pptx
@@ -211,7 +211,7 @@
           <a:p>
             <a:fld id="{F0D6F240-792E-4744-907A-4AD372E8111A}" type="datetimeFigureOut">
               <a:rPr lang="zh-CN" altLang="en-US" smtClean="0"/>
-              <a:t>2024/7/22</a:t>
+              <a:t>2024/7/23</a:t>
             </a:fld>
             <a:endParaRPr lang="zh-CN" altLang="en-US"/>
           </a:p>
@@ -275,38 +275,37 @@
           <a:p>
             <a:pPr lvl="0"/>
             <a:r>
-              <a:rPr lang="zh-CN" altLang="en-US" smtClean="0"/>
+              <a:rPr lang="zh-CN" altLang="en-US"/>
               <a:t>单击此处编辑母版文本样式</a:t>
             </a:r>
           </a:p>
           <a:p>
             <a:pPr lvl="1"/>
             <a:r>
-              <a:rPr lang="zh-CN" altLang="en-US" smtClean="0"/>
+              <a:rPr lang="zh-CN" altLang="en-US"/>
               <a:t>第二级</a:t>
             </a:r>
           </a:p>
           <a:p>
             <a:pPr lvl="2"/>
             <a:r>
-              <a:rPr lang="zh-CN" altLang="en-US" smtClean="0"/>
+              <a:rPr lang="zh-CN" altLang="en-US"/>
               <a:t>第三级</a:t>
             </a:r>
           </a:p>
           <a:p>
             <a:pPr lvl="3"/>
             <a:r>
-              <a:rPr lang="zh-CN" altLang="en-US" smtClean="0"/>
+              <a:rPr lang="zh-CN" altLang="en-US"/>
               <a:t>第四级</a:t>
             </a:r>
           </a:p>
           <a:p>
             <a:pPr lvl="4"/>
             <a:r>
-              <a:rPr lang="zh-CN" altLang="en-US" smtClean="0"/>
+              <a:rPr lang="zh-CN" altLang="en-US"/>
               <a:t>第五级</a:t>
             </a:r>
-            <a:endParaRPr lang="zh-CN" altLang="en-US"/>
           </a:p>
         </p:txBody>
       </p:sp>
@@ -1193,10 +1192,9 @@
           </a:lstStyle>
           <a:p>
             <a:r>
-              <a:rPr lang="zh-CN" altLang="en-US" smtClean="0"/>
+              <a:rPr lang="zh-CN" altLang="en-US"/>
               <a:t>单击此处编辑母版标题样式</a:t>
             </a:r>
-            <a:endParaRPr lang="zh-CN" altLang="en-US"/>
           </a:p>
         </p:txBody>
       </p:sp>
@@ -1258,10 +1256,9 @@
           </a:lstStyle>
           <a:p>
             <a:r>
-              <a:rPr lang="zh-CN" altLang="en-US" smtClean="0"/>
+              <a:rPr lang="zh-CN" altLang="en-US"/>
               <a:t>单击此处编辑母版副标题样式</a:t>
             </a:r>
-            <a:endParaRPr lang="zh-CN" altLang="en-US"/>
           </a:p>
         </p:txBody>
       </p:sp>
@@ -1282,7 +1279,7 @@
           <a:p>
             <a:fld id="{EC490B39-3A65-4F7E-9267-FA0838AB48F0}" type="datetimeFigureOut">
               <a:rPr lang="zh-CN" altLang="en-US" smtClean="0"/>
-              <a:t>2024/7/22</a:t>
+              <a:t>2024/7/23</a:t>
             </a:fld>
             <a:endParaRPr lang="zh-CN" altLang="en-US"/>
           </a:p>
@@ -1376,10 +1373,9 @@
           <a:lstStyle/>
           <a:p>
             <a:r>
-              <a:rPr lang="zh-CN" altLang="en-US" smtClean="0"/>
+              <a:rPr lang="zh-CN" altLang="en-US"/>
               <a:t>单击此处编辑母版标题样式</a:t>
             </a:r>
-            <a:endParaRPr lang="zh-CN" altLang="en-US"/>
           </a:p>
         </p:txBody>
       </p:sp>
@@ -1400,38 +1396,37 @@
           <a:p>
             <a:pPr lvl="0"/>
             <a:r>
-              <a:rPr lang="zh-CN" altLang="en-US" smtClean="0"/>
+              <a:rPr lang="zh-CN" altLang="en-US"/>
               <a:t>单击此处编辑母版文本样式</a:t>
             </a:r>
           </a:p>
           <a:p>
             <a:pPr lvl="1"/>
             <a:r>
-              <a:rPr lang="zh-CN" altLang="en-US" smtClean="0"/>
+              <a:rPr lang="zh-CN" altLang="en-US"/>
               <a:t>第二级</a:t>
             </a:r>
           </a:p>
           <a:p>
             <a:pPr lvl="2"/>
             <a:r>
-              <a:rPr lang="zh-CN" altLang="en-US" smtClean="0"/>
+              <a:rPr lang="zh-CN" altLang="en-US"/>
               <a:t>第三级</a:t>
             </a:r>
           </a:p>
           <a:p>
             <a:pPr lvl="3"/>
             <a:r>
-              <a:rPr lang="zh-CN" altLang="en-US" smtClean="0"/>
+              <a:rPr lang="zh-CN" altLang="en-US"/>
               <a:t>第四级</a:t>
             </a:r>
           </a:p>
           <a:p>
             <a:pPr lvl="4"/>
             <a:r>
-              <a:rPr lang="zh-CN" altLang="en-US" smtClean="0"/>
+              <a:rPr lang="zh-CN" altLang="en-US"/>
               <a:t>第五级</a:t>
             </a:r>
-            <a:endParaRPr lang="zh-CN" altLang="en-US"/>
           </a:p>
         </p:txBody>
       </p:sp>
@@ -1452,7 +1447,7 @@
           <a:p>
             <a:fld id="{EC490B39-3A65-4F7E-9267-FA0838AB48F0}" type="datetimeFigureOut">
               <a:rPr lang="zh-CN" altLang="en-US" smtClean="0"/>
-              <a:t>2024/7/22</a:t>
+              <a:t>2024/7/23</a:t>
             </a:fld>
             <a:endParaRPr lang="zh-CN" altLang="en-US"/>
           </a:p>
@@ -1551,10 +1546,9 @@
           <a:lstStyle/>
           <a:p>
             <a:r>
-              <a:rPr lang="zh-CN" altLang="en-US" smtClean="0"/>
+              <a:rPr lang="zh-CN" altLang="en-US"/>
               <a:t>单击此处编辑母版标题样式</a:t>
             </a:r>
-            <a:endParaRPr lang="zh-CN" altLang="en-US"/>
           </a:p>
         </p:txBody>
       </p:sp>
@@ -1580,38 +1574,37 @@
           <a:p>
             <a:pPr lvl="0"/>
             <a:r>
-              <a:rPr lang="zh-CN" altLang="en-US" smtClean="0"/>
+              <a:rPr lang="zh-CN" altLang="en-US"/>
               <a:t>单击此处编辑母版文本样式</a:t>
             </a:r>
           </a:p>
           <a:p>
             <a:pPr lvl="1"/>
             <a:r>
-              <a:rPr lang="zh-CN" altLang="en-US" smtClean="0"/>
+              <a:rPr lang="zh-CN" altLang="en-US"/>
               <a:t>第二级</a:t>
             </a:r>
           </a:p>
           <a:p>
             <a:pPr lvl="2"/>
             <a:r>
-              <a:rPr lang="zh-CN" altLang="en-US" smtClean="0"/>
+              <a:rPr lang="zh-CN" altLang="en-US"/>
               <a:t>第三级</a:t>
             </a:r>
           </a:p>
           <a:p>
             <a:pPr lvl="3"/>
             <a:r>
-              <a:rPr lang="zh-CN" altLang="en-US" smtClean="0"/>
+              <a:rPr lang="zh-CN" altLang="en-US"/>
               <a:t>第四级</a:t>
             </a:r>
           </a:p>
           <a:p>
             <a:pPr lvl="4"/>
             <a:r>
-              <a:rPr lang="zh-CN" altLang="en-US" smtClean="0"/>
+              <a:rPr lang="zh-CN" altLang="en-US"/>
               <a:t>第五级</a:t>
             </a:r>
-            <a:endParaRPr lang="zh-CN" altLang="en-US"/>
           </a:p>
         </p:txBody>
       </p:sp>
@@ -1632,7 +1625,7 @@
           <a:p>
             <a:fld id="{EC490B39-3A65-4F7E-9267-FA0838AB48F0}" type="datetimeFigureOut">
               <a:rPr lang="zh-CN" altLang="en-US" smtClean="0"/>
-              <a:t>2024/7/22</a:t>
+              <a:t>2024/7/23</a:t>
             </a:fld>
             <a:endParaRPr lang="zh-CN" altLang="en-US"/>
           </a:p>
@@ -1726,10 +1719,9 @@
           <a:lstStyle/>
           <a:p>
             <a:r>
-              <a:rPr lang="zh-CN" altLang="en-US" smtClean="0"/>
+              <a:rPr lang="zh-CN" altLang="en-US"/>
               <a:t>单击此处编辑母版标题样式</a:t>
             </a:r>
-            <a:endParaRPr lang="zh-CN" altLang="en-US"/>
           </a:p>
         </p:txBody>
       </p:sp>
@@ -1750,38 +1742,37 @@
           <a:p>
             <a:pPr lvl="0"/>
             <a:r>
-              <a:rPr lang="zh-CN" altLang="en-US" smtClean="0"/>
+              <a:rPr lang="zh-CN" altLang="en-US"/>
               <a:t>单击此处编辑母版文本样式</a:t>
             </a:r>
           </a:p>
           <a:p>
             <a:pPr lvl="1"/>
             <a:r>
-              <a:rPr lang="zh-CN" altLang="en-US" smtClean="0"/>
+              <a:rPr lang="zh-CN" altLang="en-US"/>
               <a:t>第二级</a:t>
             </a:r>
           </a:p>
           <a:p>
             <a:pPr lvl="2"/>
             <a:r>
-              <a:rPr lang="zh-CN" altLang="en-US" smtClean="0"/>
+              <a:rPr lang="zh-CN" altLang="en-US"/>
               <a:t>第三级</a:t>
             </a:r>
           </a:p>
           <a:p>
             <a:pPr lvl="3"/>
             <a:r>
-              <a:rPr lang="zh-CN" altLang="en-US" smtClean="0"/>
+              <a:rPr lang="zh-CN" altLang="en-US"/>
               <a:t>第四级</a:t>
             </a:r>
           </a:p>
           <a:p>
             <a:pPr lvl="4"/>
             <a:r>
-              <a:rPr lang="zh-CN" altLang="en-US" smtClean="0"/>
+              <a:rPr lang="zh-CN" altLang="en-US"/>
               <a:t>第五级</a:t>
             </a:r>
-            <a:endParaRPr lang="zh-CN" altLang="en-US"/>
           </a:p>
         </p:txBody>
       </p:sp>
@@ -1802,7 +1793,7 @@
           <a:p>
             <a:fld id="{EC490B39-3A65-4F7E-9267-FA0838AB48F0}" type="datetimeFigureOut">
               <a:rPr lang="zh-CN" altLang="en-US" smtClean="0"/>
-              <a:t>2024/7/22</a:t>
+              <a:t>2024/7/23</a:t>
             </a:fld>
             <a:endParaRPr lang="zh-CN" altLang="en-US"/>
           </a:p>
@@ -1905,10 +1896,9 @@
           </a:lstStyle>
           <a:p>
             <a:r>
-              <a:rPr lang="zh-CN" altLang="en-US" smtClean="0"/>
+              <a:rPr lang="zh-CN" altLang="en-US"/>
               <a:t>单击此处编辑母版标题样式</a:t>
             </a:r>
-            <a:endParaRPr lang="zh-CN" altLang="en-US"/>
           </a:p>
         </p:txBody>
       </p:sp>
@@ -2025,7 +2015,7 @@
           <a:p>
             <a:pPr lvl="0"/>
             <a:r>
-              <a:rPr lang="zh-CN" altLang="en-US" smtClean="0"/>
+              <a:rPr lang="zh-CN" altLang="en-US"/>
               <a:t>单击此处编辑母版文本样式</a:t>
             </a:r>
           </a:p>
@@ -2048,7 +2038,7 @@
           <a:p>
             <a:fld id="{EC490B39-3A65-4F7E-9267-FA0838AB48F0}" type="datetimeFigureOut">
               <a:rPr lang="zh-CN" altLang="en-US" smtClean="0"/>
-              <a:t>2024/7/22</a:t>
+              <a:t>2024/7/23</a:t>
             </a:fld>
             <a:endParaRPr lang="zh-CN" altLang="en-US"/>
           </a:p>
@@ -2142,10 +2132,9 @@
           <a:lstStyle/>
           <a:p>
             <a:r>
-              <a:rPr lang="zh-CN" altLang="en-US" smtClean="0"/>
+              <a:rPr lang="zh-CN" altLang="en-US"/>
               <a:t>单击此处编辑母版标题样式</a:t>
             </a:r>
-            <a:endParaRPr lang="zh-CN" altLang="en-US"/>
           </a:p>
         </p:txBody>
       </p:sp>
@@ -2171,38 +2160,37 @@
           <a:p>
             <a:pPr lvl="0"/>
             <a:r>
-              <a:rPr lang="zh-CN" altLang="en-US" smtClean="0"/>
+              <a:rPr lang="zh-CN" altLang="en-US"/>
               <a:t>单击此处编辑母版文本样式</a:t>
             </a:r>
           </a:p>
           <a:p>
             <a:pPr lvl="1"/>
             <a:r>
-              <a:rPr lang="zh-CN" altLang="en-US" smtClean="0"/>
+              <a:rPr lang="zh-CN" altLang="en-US"/>
               <a:t>第二级</a:t>
             </a:r>
           </a:p>
           <a:p>
             <a:pPr lvl="2"/>
             <a:r>
-              <a:rPr lang="zh-CN" altLang="en-US" smtClean="0"/>
+              <a:rPr lang="zh-CN" altLang="en-US"/>
               <a:t>第三级</a:t>
             </a:r>
           </a:p>
           <a:p>
             <a:pPr lvl="3"/>
             <a:r>
-              <a:rPr lang="zh-CN" altLang="en-US" smtClean="0"/>
+              <a:rPr lang="zh-CN" altLang="en-US"/>
               <a:t>第四级</a:t>
             </a:r>
           </a:p>
           <a:p>
             <a:pPr lvl="4"/>
             <a:r>
-              <a:rPr lang="zh-CN" altLang="en-US" smtClean="0"/>
+              <a:rPr lang="zh-CN" altLang="en-US"/>
               <a:t>第五级</a:t>
             </a:r>
-            <a:endParaRPr lang="zh-CN" altLang="en-US"/>
           </a:p>
         </p:txBody>
       </p:sp>
@@ -2228,38 +2216,37 @@
           <a:p>
             <a:pPr lvl="0"/>
             <a:r>
-              <a:rPr lang="zh-CN" altLang="en-US" smtClean="0"/>
+              <a:rPr lang="zh-CN" altLang="en-US"/>
               <a:t>单击此处编辑母版文本样式</a:t>
             </a:r>
           </a:p>
           <a:p>
             <a:pPr lvl="1"/>
             <a:r>
-              <a:rPr lang="zh-CN" altLang="en-US" smtClean="0"/>
+              <a:rPr lang="zh-CN" altLang="en-US"/>
               <a:t>第二级</a:t>
             </a:r>
           </a:p>
           <a:p>
             <a:pPr lvl="2"/>
             <a:r>
-              <a:rPr lang="zh-CN" altLang="en-US" smtClean="0"/>
+              <a:rPr lang="zh-CN" altLang="en-US"/>
               <a:t>第三级</a:t>
             </a:r>
           </a:p>
           <a:p>
             <a:pPr lvl="3"/>
             <a:r>
-              <a:rPr lang="zh-CN" altLang="en-US" smtClean="0"/>
+              <a:rPr lang="zh-CN" altLang="en-US"/>
               <a:t>第四级</a:t>
             </a:r>
           </a:p>
           <a:p>
             <a:pPr lvl="4"/>
             <a:r>
-              <a:rPr lang="zh-CN" altLang="en-US" smtClean="0"/>
+              <a:rPr lang="zh-CN" altLang="en-US"/>
               <a:t>第五级</a:t>
             </a:r>
-            <a:endParaRPr lang="zh-CN" altLang="en-US"/>
           </a:p>
         </p:txBody>
       </p:sp>
@@ -2280,7 +2267,7 @@
           <a:p>
             <a:fld id="{EC490B39-3A65-4F7E-9267-FA0838AB48F0}" type="datetimeFigureOut">
               <a:rPr lang="zh-CN" altLang="en-US" smtClean="0"/>
-              <a:t>2024/7/22</a:t>
+              <a:t>2024/7/23</a:t>
             </a:fld>
             <a:endParaRPr lang="zh-CN" altLang="en-US"/>
           </a:p>
@@ -2379,10 +2366,9 @@
           <a:lstStyle/>
           <a:p>
             <a:r>
-              <a:rPr lang="zh-CN" altLang="en-US" smtClean="0"/>
+              <a:rPr lang="zh-CN" altLang="en-US"/>
               <a:t>单击此处编辑母版标题样式</a:t>
             </a:r>
-            <a:endParaRPr lang="zh-CN" altLang="en-US"/>
           </a:p>
         </p:txBody>
       </p:sp>
@@ -2445,7 +2431,7 @@
           <a:p>
             <a:pPr lvl="0"/>
             <a:r>
-              <a:rPr lang="zh-CN" altLang="en-US" smtClean="0"/>
+              <a:rPr lang="zh-CN" altLang="en-US"/>
               <a:t>单击此处编辑母版文本样式</a:t>
             </a:r>
           </a:p>
@@ -2473,38 +2459,37 @@
           <a:p>
             <a:pPr lvl="0"/>
             <a:r>
-              <a:rPr lang="zh-CN" altLang="en-US" smtClean="0"/>
+              <a:rPr lang="zh-CN" altLang="en-US"/>
               <a:t>单击此处编辑母版文本样式</a:t>
             </a:r>
           </a:p>
           <a:p>
             <a:pPr lvl="1"/>
             <a:r>
-              <a:rPr lang="zh-CN" altLang="en-US" smtClean="0"/>
+              <a:rPr lang="zh-CN" altLang="en-US"/>
               <a:t>第二级</a:t>
             </a:r>
           </a:p>
           <a:p>
             <a:pPr lvl="2"/>
             <a:r>
-              <a:rPr lang="zh-CN" altLang="en-US" smtClean="0"/>
+              <a:rPr lang="zh-CN" altLang="en-US"/>
               <a:t>第三级</a:t>
             </a:r>
           </a:p>
           <a:p>
             <a:pPr lvl="3"/>
             <a:r>
-              <a:rPr lang="zh-CN" altLang="en-US" smtClean="0"/>
+              <a:rPr lang="zh-CN" altLang="en-US"/>
               <a:t>第四级</a:t>
             </a:r>
           </a:p>
           <a:p>
             <a:pPr lvl="4"/>
             <a:r>
-              <a:rPr lang="zh-CN" altLang="en-US" smtClean="0"/>
+              <a:rPr lang="zh-CN" altLang="en-US"/>
               <a:t>第五级</a:t>
             </a:r>
-            <a:endParaRPr lang="zh-CN" altLang="en-US"/>
           </a:p>
         </p:txBody>
       </p:sp>
@@ -2567,7 +2552,7 @@
           <a:p>
             <a:pPr lvl="0"/>
             <a:r>
-              <a:rPr lang="zh-CN" altLang="en-US" smtClean="0"/>
+              <a:rPr lang="zh-CN" altLang="en-US"/>
               <a:t>单击此处编辑母版文本样式</a:t>
             </a:r>
           </a:p>
@@ -2595,38 +2580,37 @@
           <a:p>
             <a:pPr lvl="0"/>
             <a:r>
-              <a:rPr lang="zh-CN" altLang="en-US" smtClean="0"/>
+              <a:rPr lang="zh-CN" altLang="en-US"/>
               <a:t>单击此处编辑母版文本样式</a:t>
             </a:r>
           </a:p>
           <a:p>
             <a:pPr lvl="1"/>
             <a:r>
-              <a:rPr lang="zh-CN" altLang="en-US" smtClean="0"/>
+              <a:rPr lang="zh-CN" altLang="en-US"/>
               <a:t>第二级</a:t>
             </a:r>
           </a:p>
           <a:p>
             <a:pPr lvl="2"/>
             <a:r>
-              <a:rPr lang="zh-CN" altLang="en-US" smtClean="0"/>
+              <a:rPr lang="zh-CN" altLang="en-US"/>
               <a:t>第三级</a:t>
             </a:r>
           </a:p>
           <a:p>
             <a:pPr lvl="3"/>
             <a:r>
-              <a:rPr lang="zh-CN" altLang="en-US" smtClean="0"/>
+              <a:rPr lang="zh-CN" altLang="en-US"/>
               <a:t>第四级</a:t>
             </a:r>
           </a:p>
           <a:p>
             <a:pPr lvl="4"/>
             <a:r>
-              <a:rPr lang="zh-CN" altLang="en-US" smtClean="0"/>
+              <a:rPr lang="zh-CN" altLang="en-US"/>
               <a:t>第五级</a:t>
             </a:r>
-            <a:endParaRPr lang="zh-CN" altLang="en-US"/>
           </a:p>
         </p:txBody>
       </p:sp>
@@ -2647,7 +2631,7 @@
           <a:p>
             <a:fld id="{EC490B39-3A65-4F7E-9267-FA0838AB48F0}" type="datetimeFigureOut">
               <a:rPr lang="zh-CN" altLang="en-US" smtClean="0"/>
-              <a:t>2024/7/22</a:t>
+              <a:t>2024/7/23</a:t>
             </a:fld>
             <a:endParaRPr lang="zh-CN" altLang="en-US"/>
           </a:p>
@@ -2741,10 +2725,9 @@
           <a:lstStyle/>
           <a:p>
             <a:r>
-              <a:rPr lang="zh-CN" altLang="en-US" smtClean="0"/>
+              <a:rPr lang="zh-CN" altLang="en-US"/>
               <a:t>单击此处编辑母版标题样式</a:t>
             </a:r>
-            <a:endParaRPr lang="zh-CN" altLang="en-US"/>
           </a:p>
         </p:txBody>
       </p:sp>
@@ -2765,7 +2748,7 @@
           <a:p>
             <a:fld id="{EC490B39-3A65-4F7E-9267-FA0838AB48F0}" type="datetimeFigureOut">
               <a:rPr lang="zh-CN" altLang="en-US" smtClean="0"/>
-              <a:t>2024/7/22</a:t>
+              <a:t>2024/7/23</a:t>
             </a:fld>
             <a:endParaRPr lang="zh-CN" altLang="en-US"/>
           </a:p>
@@ -2860,7 +2843,7 @@
           <a:p>
             <a:fld id="{EC490B39-3A65-4F7E-9267-FA0838AB48F0}" type="datetimeFigureOut">
               <a:rPr lang="zh-CN" altLang="en-US" smtClean="0"/>
-              <a:t>2024/7/22</a:t>
+              <a:t>2024/7/23</a:t>
             </a:fld>
             <a:endParaRPr lang="zh-CN" altLang="en-US"/>
           </a:p>
@@ -2963,10 +2946,9 @@
           </a:lstStyle>
           <a:p>
             <a:r>
-              <a:rPr lang="zh-CN" altLang="en-US" smtClean="0"/>
+              <a:rPr lang="zh-CN" altLang="en-US"/>
               <a:t>单击此处编辑母版标题样式</a:t>
             </a:r>
-            <a:endParaRPr lang="zh-CN" altLang="en-US"/>
           </a:p>
         </p:txBody>
       </p:sp>
@@ -3020,38 +3002,37 @@
           <a:p>
             <a:pPr lvl="0"/>
             <a:r>
-              <a:rPr lang="zh-CN" altLang="en-US" smtClean="0"/>
+              <a:rPr lang="zh-CN" altLang="en-US"/>
               <a:t>单击此处编辑母版文本样式</a:t>
             </a:r>
           </a:p>
           <a:p>
             <a:pPr lvl="1"/>
             <a:r>
-              <a:rPr lang="zh-CN" altLang="en-US" smtClean="0"/>
+              <a:rPr lang="zh-CN" altLang="en-US"/>
               <a:t>第二级</a:t>
             </a:r>
           </a:p>
           <a:p>
             <a:pPr lvl="2"/>
             <a:r>
-              <a:rPr lang="zh-CN" altLang="en-US" smtClean="0"/>
+              <a:rPr lang="zh-CN" altLang="en-US"/>
               <a:t>第三级</a:t>
             </a:r>
           </a:p>
           <a:p>
             <a:pPr lvl="3"/>
             <a:r>
-              <a:rPr lang="zh-CN" altLang="en-US" smtClean="0"/>
+              <a:rPr lang="zh-CN" altLang="en-US"/>
               <a:t>第四级</a:t>
             </a:r>
           </a:p>
           <a:p>
             <a:pPr lvl="4"/>
             <a:r>
-              <a:rPr lang="zh-CN" altLang="en-US" smtClean="0"/>
+              <a:rPr lang="zh-CN" altLang="en-US"/>
               <a:t>第五级</a:t>
             </a:r>
-            <a:endParaRPr lang="zh-CN" altLang="en-US"/>
           </a:p>
         </p:txBody>
       </p:sp>
@@ -3114,7 +3095,7 @@
           <a:p>
             <a:pPr lvl="0"/>
             <a:r>
-              <a:rPr lang="zh-CN" altLang="en-US" smtClean="0"/>
+              <a:rPr lang="zh-CN" altLang="en-US"/>
               <a:t>单击此处编辑母版文本样式</a:t>
             </a:r>
           </a:p>
@@ -3137,7 +3118,7 @@
           <a:p>
             <a:fld id="{EC490B39-3A65-4F7E-9267-FA0838AB48F0}" type="datetimeFigureOut">
               <a:rPr lang="zh-CN" altLang="en-US" smtClean="0"/>
-              <a:t>2024/7/22</a:t>
+              <a:t>2024/7/23</a:t>
             </a:fld>
             <a:endParaRPr lang="zh-CN" altLang="en-US"/>
           </a:p>
@@ -3240,10 +3221,9 @@
           </a:lstStyle>
           <a:p>
             <a:r>
-              <a:rPr lang="zh-CN" altLang="en-US" smtClean="0"/>
+              <a:rPr lang="zh-CN" altLang="en-US"/>
               <a:t>单击此处编辑母版标题样式</a:t>
             </a:r>
-            <a:endParaRPr lang="zh-CN" altLang="en-US"/>
           </a:p>
         </p:txBody>
       </p:sp>
@@ -3367,7 +3347,7 @@
           <a:p>
             <a:pPr lvl="0"/>
             <a:r>
-              <a:rPr lang="zh-CN" altLang="en-US" smtClean="0"/>
+              <a:rPr lang="zh-CN" altLang="en-US"/>
               <a:t>单击此处编辑母版文本样式</a:t>
             </a:r>
           </a:p>
@@ -3390,7 +3370,7 @@
           <a:p>
             <a:fld id="{EC490B39-3A65-4F7E-9267-FA0838AB48F0}" type="datetimeFigureOut">
               <a:rPr lang="zh-CN" altLang="en-US" smtClean="0"/>
-              <a:t>2024/7/22</a:t>
+              <a:t>2024/7/23</a:t>
             </a:fld>
             <a:endParaRPr lang="zh-CN" altLang="en-US"/>
           </a:p>
@@ -3499,10 +3479,9 @@
           <a:lstStyle/>
           <a:p>
             <a:r>
-              <a:rPr lang="zh-CN" altLang="en-US" smtClean="0"/>
+              <a:rPr lang="zh-CN" altLang="en-US"/>
               <a:t>单击此处编辑母版标题样式</a:t>
             </a:r>
-            <a:endParaRPr lang="zh-CN" altLang="en-US"/>
           </a:p>
         </p:txBody>
       </p:sp>
@@ -3533,38 +3512,37 @@
           <a:p>
             <a:pPr lvl="0"/>
             <a:r>
-              <a:rPr lang="zh-CN" altLang="en-US" smtClean="0"/>
+              <a:rPr lang="zh-CN" altLang="en-US"/>
               <a:t>单击此处编辑母版文本样式</a:t>
             </a:r>
           </a:p>
           <a:p>
             <a:pPr lvl="1"/>
             <a:r>
-              <a:rPr lang="zh-CN" altLang="en-US" smtClean="0"/>
+              <a:rPr lang="zh-CN" altLang="en-US"/>
               <a:t>第二级</a:t>
             </a:r>
           </a:p>
           <a:p>
             <a:pPr lvl="2"/>
             <a:r>
-              <a:rPr lang="zh-CN" altLang="en-US" smtClean="0"/>
+              <a:rPr lang="zh-CN" altLang="en-US"/>
               <a:t>第三级</a:t>
             </a:r>
           </a:p>
           <a:p>
             <a:pPr lvl="3"/>
             <a:r>
-              <a:rPr lang="zh-CN" altLang="en-US" smtClean="0"/>
+              <a:rPr lang="zh-CN" altLang="en-US"/>
               <a:t>第四级</a:t>
             </a:r>
           </a:p>
           <a:p>
             <a:pPr lvl="4"/>
             <a:r>
-              <a:rPr lang="zh-CN" altLang="en-US" smtClean="0"/>
+              <a:rPr lang="zh-CN" altLang="en-US"/>
               <a:t>第五级</a:t>
             </a:r>
-            <a:endParaRPr lang="zh-CN" altLang="en-US"/>
           </a:p>
         </p:txBody>
       </p:sp>
@@ -3603,7 +3581,7 @@
           <a:p>
             <a:fld id="{EC490B39-3A65-4F7E-9267-FA0838AB48F0}" type="datetimeFigureOut">
               <a:rPr lang="zh-CN" altLang="en-US" smtClean="0"/>
-              <a:t>2024/7/22</a:t>
+              <a:t>2024/7/23</a:t>
             </a:fld>
             <a:endParaRPr lang="zh-CN" altLang="en-US"/>
           </a:p>
@@ -4051,7 +4029,7 @@
           <a:p>
             <a:pPr algn="ctr"/>
             <a:r>
-              <a:rPr lang="en-US" altLang="zh-CN" dirty="0" smtClean="0">
+              <a:rPr lang="en-US" altLang="zh-CN" dirty="0">
                 <a:solidFill>
                   <a:schemeClr val="tx1"/>
                 </a:solidFill>
@@ -4109,7 +4087,7 @@
           <a:p>
             <a:pPr algn="ctr"/>
             <a:r>
-              <a:rPr lang="en-US" altLang="zh-CN" dirty="0" smtClean="0">
+              <a:rPr lang="en-US" altLang="zh-CN" dirty="0">
                 <a:solidFill>
                   <a:schemeClr val="tx1"/>
                 </a:solidFill>
@@ -4167,7 +4145,7 @@
           <a:p>
             <a:pPr algn="ctr"/>
             <a:r>
-              <a:rPr lang="en-US" altLang="zh-CN" dirty="0" smtClean="0">
+              <a:rPr lang="en-US" altLang="zh-CN" dirty="0">
                 <a:solidFill>
                   <a:schemeClr val="tx1"/>
                 </a:solidFill>
@@ -4225,7 +4203,7 @@
           <a:p>
             <a:pPr algn="ctr"/>
             <a:r>
-              <a:rPr lang="en-US" altLang="zh-CN" dirty="0" smtClean="0">
+              <a:rPr lang="en-US" altLang="zh-CN" dirty="0">
                 <a:solidFill>
                   <a:schemeClr val="tx1"/>
                 </a:solidFill>
@@ -4283,7 +4261,7 @@
           <a:p>
             <a:pPr algn="ctr"/>
             <a:r>
-              <a:rPr lang="en-US" altLang="zh-CN" dirty="0" smtClean="0">
+              <a:rPr lang="en-US" altLang="zh-CN" dirty="0">
                 <a:solidFill>
                   <a:schemeClr val="tx1"/>
                 </a:solidFill>
@@ -4523,7 +4501,7 @@
           <a:lstStyle/>
           <a:p>
             <a:r>
-              <a:rPr lang="en-US" altLang="zh-CN" dirty="0" smtClean="0"/>
+              <a:rPr lang="en-US" altLang="zh-CN" dirty="0"/>
               <a:t>Rate</a:t>
             </a:r>
             <a:endParaRPr lang="zh-CN" altLang="en-US" dirty="0"/>
@@ -4573,7 +4551,7 @@
           <a:p>
             <a:pPr algn="ctr"/>
             <a:r>
-              <a:rPr lang="en-US" altLang="zh-CN" dirty="0" smtClean="0">
+              <a:rPr lang="en-US" altLang="zh-CN" dirty="0">
                 <a:solidFill>
                   <a:schemeClr val="tx1"/>
                 </a:solidFill>
@@ -4631,7 +4609,7 @@
           <a:p>
             <a:pPr algn="ctr"/>
             <a:r>
-              <a:rPr lang="en-US" altLang="zh-CN" dirty="0" smtClean="0">
+              <a:rPr lang="en-US" altLang="zh-CN" dirty="0">
                 <a:solidFill>
                   <a:schemeClr val="tx1"/>
                 </a:solidFill>
@@ -4797,7 +4775,7 @@
           <a:p>
             <a:pPr algn="ctr"/>
             <a:r>
-              <a:rPr lang="en-US" altLang="zh-CN" dirty="0" smtClean="0">
+              <a:rPr lang="en-US" altLang="zh-CN" dirty="0">
                 <a:solidFill>
                   <a:schemeClr val="tx1"/>
                 </a:solidFill>
@@ -4835,7 +4813,7 @@
           <a:lstStyle/>
           <a:p>
             <a:r>
-              <a:rPr lang="en-US" altLang="zh-CN" dirty="0" smtClean="0"/>
+              <a:rPr lang="en-US" altLang="zh-CN" dirty="0"/>
               <a:t>Rate</a:t>
             </a:r>
             <a:endParaRPr lang="zh-CN" altLang="en-US" dirty="0"/>
@@ -4885,7 +4863,7 @@
           <a:p>
             <a:pPr algn="ctr"/>
             <a:r>
-              <a:rPr lang="en-US" altLang="zh-CN" sz="1200" dirty="0" smtClean="0">
+              <a:rPr lang="en-US" altLang="zh-CN" sz="1200" dirty="0">
                 <a:solidFill>
                   <a:schemeClr val="tx1"/>
                 </a:solidFill>
@@ -4893,7 +4871,7 @@
               <a:t>RegEx</a:t>
             </a:r>
             <a:r>
-              <a:rPr lang="zh-CN" altLang="en-US" sz="1200" dirty="0" smtClean="0">
+              <a:rPr lang="zh-CN" altLang="en-US" sz="1200" dirty="0">
                 <a:solidFill>
                   <a:schemeClr val="tx1"/>
                 </a:solidFill>
@@ -4901,7 +4879,7 @@
               <a:t>（</a:t>
             </a:r>
             <a:r>
-              <a:rPr lang="en-US" altLang="zh-CN" sz="1200" dirty="0" smtClean="0">
+              <a:rPr lang="en-US" altLang="zh-CN" sz="1200" dirty="0">
                 <a:solidFill>
                   <a:schemeClr val="tx1"/>
                 </a:solidFill>
@@ -4909,18 +4887,13 @@
               <a:t>0,2</a:t>
             </a:r>
             <a:r>
-              <a:rPr lang="zh-CN" altLang="en-US" sz="1200" dirty="0" smtClean="0">
+              <a:rPr lang="zh-CN" altLang="en-US" sz="1200" dirty="0">
                 <a:solidFill>
                   <a:schemeClr val="tx1"/>
                 </a:solidFill>
               </a:rPr>
               <a:t>）</a:t>
             </a:r>
-            <a:endParaRPr lang="zh-CN" altLang="en-US" sz="1200" dirty="0">
-              <a:solidFill>
-                <a:schemeClr val="tx1"/>
-              </a:solidFill>
-            </a:endParaRPr>
           </a:p>
         </p:txBody>
       </p:sp>
@@ -4967,7 +4940,7 @@
           <a:p>
             <a:pPr algn="ctr"/>
             <a:r>
-              <a:rPr lang="en-US" altLang="zh-CN" dirty="0" smtClean="0">
+              <a:rPr lang="en-US" altLang="zh-CN" dirty="0">
                 <a:solidFill>
                   <a:schemeClr val="tx1"/>
                 </a:solidFill>
@@ -5025,7 +4998,7 @@
           <a:p>
             <a:pPr algn="ctr"/>
             <a:r>
-              <a:rPr lang="en-US" altLang="zh-CN" dirty="0" smtClean="0">
+              <a:rPr lang="en-US" altLang="zh-CN" dirty="0">
                 <a:solidFill>
                   <a:schemeClr val="tx1"/>
                 </a:solidFill>
@@ -5083,7 +5056,7 @@
           <a:p>
             <a:pPr algn="ctr"/>
             <a:r>
-              <a:rPr lang="en-US" altLang="zh-CN" dirty="0" smtClean="0">
+              <a:rPr lang="en-US" altLang="zh-CN" dirty="0">
                 <a:solidFill>
                   <a:schemeClr val="tx1"/>
                 </a:solidFill>
@@ -5094,7 +5067,7 @@
           <a:p>
             <a:pPr algn="ctr"/>
             <a:r>
-              <a:rPr lang="en-US" altLang="zh-CN" dirty="0" smtClean="0">
+              <a:rPr lang="en-US" altLang="zh-CN" dirty="0">
                 <a:solidFill>
                   <a:schemeClr val="tx1"/>
                 </a:solidFill>
@@ -5266,7 +5239,7 @@
           <a:p>
             <a:pPr algn="ctr"/>
             <a:r>
-              <a:rPr lang="en-US" altLang="zh-CN" dirty="0" smtClean="0">
+              <a:rPr lang="en-US" altLang="zh-CN" dirty="0">
                 <a:solidFill>
                   <a:schemeClr val="tx1"/>
                 </a:solidFill>
@@ -5274,7 +5247,7 @@
               <a:t>O</a:t>
             </a:r>
             <a:r>
-              <a:rPr lang="en-US" altLang="zh-CN" sz="1400" dirty="0" smtClean="0">
+              <a:rPr lang="en-US" altLang="zh-CN" sz="1400" dirty="0">
                 <a:solidFill>
                   <a:schemeClr val="tx1"/>
                 </a:solidFill>
@@ -5371,7 +5344,7 @@
           <a:p>
             <a:pPr algn="ctr"/>
             <a:r>
-              <a:rPr lang="en-US" altLang="zh-CN" dirty="0" smtClean="0">
+              <a:rPr lang="en-US" altLang="zh-CN" dirty="0">
                 <a:solidFill>
                   <a:schemeClr val="tx1"/>
                 </a:solidFill>
@@ -5429,7 +5402,7 @@
           <a:p>
             <a:pPr algn="ctr"/>
             <a:r>
-              <a:rPr lang="en-US" altLang="zh-CN" dirty="0" smtClean="0">
+              <a:rPr lang="en-US" altLang="zh-CN" dirty="0">
                 <a:solidFill>
                   <a:schemeClr val="tx1"/>
                 </a:solidFill>
@@ -5642,7 +5615,7 @@
           <a:p>
             <a:pPr algn="ctr"/>
             <a:r>
-              <a:rPr lang="en-US" altLang="zh-CN" dirty="0" smtClean="0">
+              <a:rPr lang="en-US" altLang="zh-CN" dirty="0">
                 <a:solidFill>
                   <a:schemeClr val="tx1"/>
                 </a:solidFill>
@@ -5700,7 +5673,7 @@
           <a:p>
             <a:pPr algn="ctr"/>
             <a:r>
-              <a:rPr lang="en-US" altLang="zh-CN" dirty="0" smtClean="0">
+              <a:rPr lang="en-US" altLang="zh-CN" dirty="0">
                 <a:solidFill>
                   <a:schemeClr val="tx1"/>
                 </a:solidFill>
@@ -5836,7 +5809,7 @@
           <a:p>
             <a:pPr algn="ctr"/>
             <a:r>
-              <a:rPr lang="en-US" altLang="zh-CN" dirty="0" smtClean="0">
+              <a:rPr lang="en-US" altLang="zh-CN" dirty="0">
                 <a:solidFill>
                   <a:schemeClr val="tx1"/>
                 </a:solidFill>
@@ -5894,7 +5867,7 @@
           <a:p>
             <a:pPr algn="ctr"/>
             <a:r>
-              <a:rPr lang="en-US" altLang="zh-CN" dirty="0" smtClean="0">
+              <a:rPr lang="en-US" altLang="zh-CN" dirty="0">
                 <a:solidFill>
                   <a:schemeClr val="tx1"/>
                 </a:solidFill>
@@ -5905,7 +5878,7 @@
           <a:p>
             <a:pPr algn="ctr"/>
             <a:r>
-              <a:rPr lang="en-US" altLang="zh-CN" dirty="0" smtClean="0">
+              <a:rPr lang="en-US" altLang="zh-CN" dirty="0">
                 <a:solidFill>
                   <a:schemeClr val="tx1"/>
                 </a:solidFill>
@@ -5982,7 +5955,7 @@
           <a:lstStyle/>
           <a:p>
             <a:r>
-              <a:rPr lang="en-US" altLang="zh-CN" dirty="0" smtClean="0"/>
+              <a:rPr lang="en-US" altLang="zh-CN" dirty="0"/>
               <a:t>Set</a:t>
             </a:r>
           </a:p>
@@ -6136,7 +6109,7 @@
           <a:p>
             <a:pPr algn="ctr"/>
             <a:r>
-              <a:rPr lang="en-US" altLang="zh-CN" dirty="0" smtClean="0">
+              <a:rPr lang="en-US" altLang="zh-CN" dirty="0">
                 <a:solidFill>
                   <a:schemeClr val="tx1"/>
                 </a:solidFill>
@@ -6251,7 +6224,7 @@
           <a:lstStyle/>
           <a:p>
             <a:r>
-              <a:rPr lang="en-US" altLang="zh-CN" dirty="0" smtClean="0"/>
+              <a:rPr lang="en-US" altLang="zh-CN" dirty="0"/>
               <a:t>1\2</a:t>
             </a:r>
             <a:endParaRPr lang="zh-CN" altLang="en-US" dirty="0"/>
@@ -6286,7 +6259,7 @@
           <a:lstStyle/>
           <a:p>
             <a:r>
-              <a:rPr lang="en-US" altLang="zh-CN" dirty="0" smtClean="0"/>
+              <a:rPr lang="en-US" altLang="zh-CN" dirty="0"/>
               <a:t>3\4</a:t>
             </a:r>
             <a:endParaRPr lang="zh-CN" altLang="en-US" dirty="0"/>
@@ -6321,7 +6294,7 @@
           <a:lstStyle/>
           <a:p>
             <a:r>
-              <a:rPr lang="en-US" altLang="zh-CN" dirty="0" smtClean="0"/>
+              <a:rPr lang="en-US" altLang="zh-CN" dirty="0"/>
               <a:t>5</a:t>
             </a:r>
             <a:endParaRPr lang="zh-CN" altLang="en-US" dirty="0"/>
@@ -6356,7 +6329,7 @@
           <a:lstStyle/>
           <a:p>
             <a:r>
-              <a:rPr lang="en-US" altLang="zh-CN" dirty="0" smtClean="0"/>
+              <a:rPr lang="en-US" altLang="zh-CN" dirty="0"/>
               <a:t>6\7\8</a:t>
             </a:r>
             <a:endParaRPr lang="zh-CN" altLang="en-US" dirty="0"/>
@@ -6386,7 +6359,7 @@
           <a:lstStyle/>
           <a:p>
             <a:r>
-              <a:rPr lang="en-US" altLang="zh-CN" dirty="0" smtClean="0"/>
+              <a:rPr lang="en-US" altLang="zh-CN" dirty="0"/>
               <a:t>^([0-2])$</a:t>
             </a:r>
             <a:endParaRPr lang="zh-CN" altLang="en-US" dirty="0"/>
@@ -6403,13 +6376,6 @@
   <p:clrMapOvr>
     <a:masterClrMapping/>
   </p:clrMapOvr>
-  <p:timing>
-    <p:tnLst>
-      <p:par>
-        <p:cTn id="1" dur="indefinite" restart="never" nodeType="tmRoot"/>
-      </p:par>
-    </p:tnLst>
-  </p:timing>
 </p:sld>
 </file>
 
@@ -6473,7 +6439,7 @@
           <a:p>
             <a:pPr algn="ctr"/>
             <a:r>
-              <a:rPr lang="en-US" altLang="zh-CN" sz="1600" dirty="0" smtClean="0">
+              <a:rPr lang="en-US" altLang="zh-CN" sz="1600" dirty="0">
                 <a:solidFill>
                   <a:schemeClr val="tx1"/>
                 </a:solidFill>
@@ -6535,7 +6501,7 @@
           <a:p>
             <a:pPr algn="ctr"/>
             <a:r>
-              <a:rPr lang="en-US" altLang="zh-CN" dirty="0" smtClean="0">
+              <a:rPr lang="en-US" altLang="zh-CN" dirty="0">
                 <a:solidFill>
                   <a:schemeClr val="tx1"/>
                 </a:solidFill>
@@ -6597,7 +6563,7 @@
           <a:p>
             <a:pPr algn="ctr"/>
             <a:r>
-              <a:rPr lang="en-US" altLang="zh-CN" dirty="0" smtClean="0">
+              <a:rPr lang="en-US" altLang="zh-CN" dirty="0">
                 <a:solidFill>
                   <a:schemeClr val="tx1"/>
                 </a:solidFill>
@@ -6659,7 +6625,7 @@
           <a:p>
             <a:pPr algn="ctr"/>
             <a:r>
-              <a:rPr lang="en-US" altLang="zh-CN" dirty="0" smtClean="0">
+              <a:rPr lang="en-US" altLang="zh-CN" dirty="0">
                 <a:solidFill>
                   <a:schemeClr val="tx1"/>
                 </a:solidFill>
@@ -6760,14 +6726,14 @@
           <a:p>
             <a:pPr algn="ctr"/>
             <a:r>
-              <a:rPr lang="en-US" altLang="zh-CN" dirty="0" err="1" smtClean="0">
+              <a:rPr lang="en-US" altLang="zh-CN" dirty="0" err="1">
                 <a:solidFill>
                   <a:schemeClr val="tx1"/>
                 </a:solidFill>
               </a:rPr>
               <a:t>Wifi</a:t>
             </a:r>
-            <a:endParaRPr lang="en-US" altLang="zh-CN" dirty="0" smtClean="0">
+            <a:endParaRPr lang="en-US" altLang="zh-CN" dirty="0">
               <a:solidFill>
                 <a:schemeClr val="tx1"/>
               </a:solidFill>
@@ -6948,7 +6914,7 @@
           <a:p>
             <a:pPr algn="ctr"/>
             <a:r>
-              <a:rPr lang="en-US" altLang="zh-CN" dirty="0" smtClean="0">
+              <a:rPr lang="en-US" altLang="zh-CN" dirty="0">
                 <a:solidFill>
                   <a:schemeClr val="tx1"/>
                 </a:solidFill>
@@ -7010,14 +6976,14 @@
           <a:p>
             <a:pPr algn="ctr"/>
             <a:r>
-              <a:rPr lang="en-US" altLang="zh-CN" dirty="0" err="1" smtClean="0">
+              <a:rPr lang="en-US" altLang="zh-CN" dirty="0" err="1">
                 <a:solidFill>
                   <a:schemeClr val="tx1"/>
                 </a:solidFill>
               </a:rPr>
               <a:t>Wifi</a:t>
             </a:r>
-            <a:endParaRPr lang="en-US" altLang="zh-CN" dirty="0" smtClean="0">
+            <a:endParaRPr lang="en-US" altLang="zh-CN" dirty="0">
               <a:solidFill>
                 <a:schemeClr val="tx1"/>
               </a:solidFill>
@@ -7186,7 +7152,7 @@
           <a:p>
             <a:pPr algn="ctr"/>
             <a:r>
-              <a:rPr lang="en-US" altLang="zh-CN" sz="1200" dirty="0" smtClean="0">
+              <a:rPr lang="en-US" altLang="zh-CN" sz="1200" dirty="0">
                 <a:solidFill>
                   <a:schemeClr val="tx1"/>
                 </a:solidFill>
@@ -7197,7 +7163,7 @@
           <a:p>
             <a:pPr algn="ctr"/>
             <a:r>
-              <a:rPr lang="en-US" altLang="zh-CN" sz="1200" dirty="0" smtClean="0">
+              <a:rPr lang="en-US" altLang="zh-CN" sz="1200" dirty="0">
                 <a:solidFill>
                   <a:schemeClr val="tx1"/>
                 </a:solidFill>
@@ -7255,7 +7221,7 @@
           <a:p>
             <a:pPr algn="ctr"/>
             <a:r>
-              <a:rPr lang="en-US" altLang="zh-CN" sz="1200" dirty="0" smtClean="0">
+              <a:rPr lang="en-US" altLang="zh-CN" sz="1200" dirty="0">
                 <a:solidFill>
                   <a:schemeClr val="tx1"/>
                 </a:solidFill>
@@ -7266,7 +7232,7 @@
           <a:p>
             <a:pPr algn="ctr"/>
             <a:r>
-              <a:rPr lang="en-US" altLang="zh-CN" sz="1200" dirty="0" smtClean="0">
+              <a:rPr lang="en-US" altLang="zh-CN" sz="1200" dirty="0">
                 <a:solidFill>
                   <a:schemeClr val="tx1"/>
                 </a:solidFill>
@@ -7324,7 +7290,7 @@
           <a:p>
             <a:pPr algn="ctr"/>
             <a:r>
-              <a:rPr lang="en-US" altLang="zh-CN" dirty="0" smtClean="0">
+              <a:rPr lang="en-US" altLang="zh-CN" dirty="0">
                 <a:solidFill>
                   <a:schemeClr val="tx1"/>
                 </a:solidFill>
@@ -7454,7 +7420,7 @@
           <a:p>
             <a:pPr algn="ctr"/>
             <a:r>
-              <a:rPr lang="en-US" altLang="zh-CN" dirty="0" smtClean="0">
+              <a:rPr lang="en-US" altLang="zh-CN" dirty="0">
                 <a:solidFill>
                   <a:schemeClr val="tx1"/>
                 </a:solidFill>
@@ -7512,7 +7478,7 @@
           <a:p>
             <a:pPr algn="ctr"/>
             <a:r>
-              <a:rPr lang="en-US" altLang="zh-CN" dirty="0" smtClean="0">
+              <a:rPr lang="en-US" altLang="zh-CN" dirty="0">
                 <a:solidFill>
                   <a:schemeClr val="tx1"/>
                 </a:solidFill>
@@ -7802,7 +7768,7 @@
           <a:lstStyle/>
           <a:p>
             <a:r>
-              <a:rPr lang="en-US" altLang="zh-CN" dirty="0" smtClean="0"/>
+              <a:rPr lang="en-US" altLang="zh-CN" dirty="0"/>
               <a:t>addr</a:t>
             </a:r>
             <a:endParaRPr lang="zh-CN" altLang="en-US" dirty="0"/>
@@ -7832,7 +7798,7 @@
           <a:lstStyle/>
           <a:p>
             <a:r>
-              <a:rPr lang="en-US" altLang="zh-CN" dirty="0" smtClean="0"/>
+              <a:rPr lang="en-US" altLang="zh-CN" dirty="0"/>
               <a:t>addr</a:t>
             </a:r>
             <a:endParaRPr lang="zh-CN" altLang="en-US" dirty="0"/>
@@ -7862,7 +7828,7 @@
           <a:lstStyle/>
           <a:p>
             <a:r>
-              <a:rPr lang="en-US" altLang="zh-CN" dirty="0" smtClean="0"/>
+              <a:rPr lang="en-US" altLang="zh-CN" dirty="0"/>
               <a:t>addr</a:t>
             </a:r>
             <a:endParaRPr lang="zh-CN" altLang="en-US" dirty="0"/>
@@ -7954,7 +7920,7 @@
           <a:p>
             <a:pPr algn="ctr"/>
             <a:r>
-              <a:rPr lang="en-US" altLang="zh-CN" sz="1600" dirty="0" smtClean="0">
+              <a:rPr lang="en-US" altLang="zh-CN" sz="1600" dirty="0">
                 <a:solidFill>
                   <a:schemeClr val="tx1"/>
                 </a:solidFill>
@@ -8057,7 +8023,7 @@
           <a:p>
             <a:pPr algn="ctr"/>
             <a:r>
-              <a:rPr lang="en-US" altLang="zh-CN" sz="1600" dirty="0" err="1" smtClean="0">
+              <a:rPr lang="en-US" altLang="zh-CN" sz="1600" dirty="0" err="1">
                 <a:solidFill>
                   <a:schemeClr val="tx1"/>
                 </a:solidFill>
@@ -8158,14 +8124,14 @@
           <a:p>
             <a:pPr algn="ctr"/>
             <a:r>
-              <a:rPr lang="en-US" altLang="zh-CN" dirty="0" err="1" smtClean="0">
+              <a:rPr lang="en-US" altLang="zh-CN" dirty="0" err="1">
                 <a:solidFill>
                   <a:schemeClr val="tx1"/>
                 </a:solidFill>
               </a:rPr>
               <a:t>Wifi</a:t>
             </a:r>
-            <a:endParaRPr lang="en-US" altLang="zh-CN" dirty="0" smtClean="0">
+            <a:endParaRPr lang="en-US" altLang="zh-CN" dirty="0">
               <a:solidFill>
                 <a:schemeClr val="tx1"/>
               </a:solidFill>
@@ -8216,14 +8182,14 @@
           <a:p>
             <a:pPr algn="ctr"/>
             <a:r>
-              <a:rPr lang="en-US" altLang="zh-CN" dirty="0" err="1" smtClean="0">
+              <a:rPr lang="en-US" altLang="zh-CN" dirty="0" err="1">
                 <a:solidFill>
                   <a:schemeClr val="tx1"/>
                 </a:solidFill>
               </a:rPr>
               <a:t>Wifi</a:t>
             </a:r>
-            <a:endParaRPr lang="en-US" altLang="zh-CN" dirty="0" smtClean="0">
+            <a:endParaRPr lang="en-US" altLang="zh-CN" dirty="0">
               <a:solidFill>
                 <a:schemeClr val="tx1"/>
               </a:solidFill>
@@ -8387,7 +8353,7 @@
           <a:p>
             <a:pPr algn="ctr"/>
             <a:r>
-              <a:rPr lang="en-US" altLang="zh-CN" dirty="0" smtClean="0">
+              <a:rPr lang="en-US" altLang="zh-CN" dirty="0">
                 <a:solidFill>
                   <a:schemeClr val="tx1"/>
                 </a:solidFill>
@@ -8445,7 +8411,7 @@
           <a:p>
             <a:pPr algn="ctr"/>
             <a:r>
-              <a:rPr lang="en-US" altLang="zh-CN" dirty="0" smtClean="0">
+              <a:rPr lang="en-US" altLang="zh-CN" dirty="0">
                 <a:solidFill>
                   <a:schemeClr val="tx1"/>
                 </a:solidFill>
@@ -8699,7 +8665,7 @@
           <a:lstStyle/>
           <a:p>
             <a:r>
-              <a:rPr lang="en-US" altLang="zh-CN" dirty="0" smtClean="0"/>
+              <a:rPr lang="en-US" altLang="zh-CN" dirty="0"/>
               <a:t>addr</a:t>
             </a:r>
             <a:endParaRPr lang="zh-CN" altLang="en-US" dirty="0"/>
@@ -8729,7 +8695,7 @@
           <a:lstStyle/>
           <a:p>
             <a:r>
-              <a:rPr lang="en-US" altLang="zh-CN" dirty="0" smtClean="0"/>
+              <a:rPr lang="en-US" altLang="zh-CN" dirty="0"/>
               <a:t>addr</a:t>
             </a:r>
             <a:endParaRPr lang="zh-CN" altLang="en-US" dirty="0"/>
@@ -8759,7 +8725,7 @@
           <a:lstStyle/>
           <a:p>
             <a:r>
-              <a:rPr lang="en-US" altLang="zh-CN" dirty="0" smtClean="0"/>
+              <a:rPr lang="en-US" altLang="zh-CN" dirty="0"/>
               <a:t>Probe2A</a:t>
             </a:r>
             <a:endParaRPr lang="zh-CN" altLang="en-US" dirty="0"/>
@@ -8809,7 +8775,7 @@
           <a:p>
             <a:pPr algn="ctr"/>
             <a:r>
-              <a:rPr lang="en-US" altLang="zh-CN" dirty="0" smtClean="0">
+              <a:rPr lang="en-US" altLang="zh-CN" dirty="0">
                 <a:solidFill>
                   <a:schemeClr val="tx1"/>
                 </a:solidFill>
@@ -8820,7 +8786,7 @@
           <a:p>
             <a:pPr algn="ctr"/>
             <a:r>
-              <a:rPr lang="en-US" altLang="zh-CN" dirty="0" smtClean="0">
+              <a:rPr lang="en-US" altLang="zh-CN" dirty="0">
                 <a:solidFill>
                   <a:schemeClr val="tx1"/>
                 </a:solidFill>
@@ -8844,64 +8810,6 @@
         <p:spPr>
           <a:xfrm>
             <a:off x="8222490" y="3553835"/>
-            <a:ext cx="733330" cy="695179"/>
-          </a:xfrm>
-          <a:prstGeom prst="rect">
-            <a:avLst/>
-          </a:prstGeom>
-          <a:noFill/>
-          <a:ln>
-            <a:solidFill>
-              <a:schemeClr val="tx1"/>
-            </a:solidFill>
-          </a:ln>
-        </p:spPr>
-        <p:style>
-          <a:lnRef idx="2">
-            <a:schemeClr val="accent1">
-              <a:shade val="50000"/>
-            </a:schemeClr>
-          </a:lnRef>
-          <a:fillRef idx="1">
-            <a:schemeClr val="accent1"/>
-          </a:fillRef>
-          <a:effectRef idx="0">
-            <a:schemeClr val="accent1"/>
-          </a:effectRef>
-          <a:fontRef idx="minor">
-            <a:schemeClr val="lt1"/>
-          </a:fontRef>
-        </p:style>
-        <p:txBody>
-          <a:bodyPr rtlCol="0" anchor="ctr"/>
-          <a:lstStyle/>
-          <a:p>
-            <a:pPr algn="ctr"/>
-            <a:r>
-              <a:rPr lang="en-US" altLang="zh-CN" dirty="0" err="1" smtClean="0">
-                <a:solidFill>
-                  <a:schemeClr val="tx1"/>
-                </a:solidFill>
-              </a:rPr>
-              <a:t>Wifi</a:t>
-            </a:r>
-            <a:endParaRPr lang="en-US" altLang="zh-CN" dirty="0" smtClean="0">
-              <a:solidFill>
-                <a:schemeClr val="tx1"/>
-              </a:solidFill>
-            </a:endParaRPr>
-          </a:p>
-        </p:txBody>
-      </p:sp>
-      <p:sp>
-        <p:nvSpPr>
-          <p:cNvPr id="215" name="矩形 214"/>
-          <p:cNvSpPr/>
-          <p:nvPr/>
-        </p:nvSpPr>
-        <p:spPr>
-          <a:xfrm>
-            <a:off x="8222490" y="1846153"/>
             <a:ext cx="733330" cy="695179"/>
           </a:xfrm>
           <a:prstGeom prst="rect">
@@ -8953,13 +8861,13 @@
       </p:sp>
       <p:sp>
         <p:nvSpPr>
-          <p:cNvPr id="217" name="矩形 216"/>
+          <p:cNvPr id="215" name="矩形 214"/>
           <p:cNvSpPr/>
           <p:nvPr/>
         </p:nvSpPr>
         <p:spPr>
           <a:xfrm>
-            <a:off x="8222490" y="2709729"/>
+            <a:off x="8222490" y="1846153"/>
             <a:ext cx="733330" cy="695179"/>
           </a:xfrm>
           <a:prstGeom prst="rect">
@@ -8994,14 +8902,14 @@
           <a:p>
             <a:pPr algn="ctr"/>
             <a:r>
-              <a:rPr lang="en-US" altLang="zh-CN" dirty="0" err="1" smtClean="0">
+              <a:rPr lang="en-US" altLang="zh-CN" dirty="0" err="1">
                 <a:solidFill>
                   <a:schemeClr val="tx1"/>
                 </a:solidFill>
               </a:rPr>
               <a:t>Wifi</a:t>
             </a:r>
-            <a:endParaRPr lang="en-US" altLang="zh-CN" dirty="0" smtClean="0">
+            <a:endParaRPr lang="en-US" altLang="zh-CN" dirty="0">
               <a:solidFill>
                 <a:schemeClr val="tx1"/>
               </a:solidFill>
@@ -9011,14 +8919,14 @@
       </p:sp>
       <p:sp>
         <p:nvSpPr>
-          <p:cNvPr id="218" name="矩形 217"/>
+          <p:cNvPr id="217" name="矩形 216"/>
           <p:cNvSpPr/>
           <p:nvPr/>
         </p:nvSpPr>
         <p:spPr>
           <a:xfrm>
-            <a:off x="10663142" y="1809745"/>
-            <a:ext cx="1090036" cy="695179"/>
+            <a:off x="8222490" y="2709729"/>
+            <a:ext cx="733330" cy="695179"/>
           </a:xfrm>
           <a:prstGeom prst="rect">
             <a:avLst/>
@@ -9052,7 +8960,65 @@
           <a:p>
             <a:pPr algn="ctr"/>
             <a:r>
-              <a:rPr lang="en-US" altLang="zh-CN" sz="1200" dirty="0" smtClean="0">
+              <a:rPr lang="en-US" altLang="zh-CN" dirty="0" err="1">
+                <a:solidFill>
+                  <a:schemeClr val="tx1"/>
+                </a:solidFill>
+              </a:rPr>
+              <a:t>Wifi</a:t>
+            </a:r>
+            <a:endParaRPr lang="en-US" altLang="zh-CN" dirty="0">
+              <a:solidFill>
+                <a:schemeClr val="tx1"/>
+              </a:solidFill>
+            </a:endParaRPr>
+          </a:p>
+        </p:txBody>
+      </p:sp>
+      <p:sp>
+        <p:nvSpPr>
+          <p:cNvPr id="218" name="矩形 217"/>
+          <p:cNvSpPr/>
+          <p:nvPr/>
+        </p:nvSpPr>
+        <p:spPr>
+          <a:xfrm>
+            <a:off x="10663142" y="1809745"/>
+            <a:ext cx="1090036" cy="695179"/>
+          </a:xfrm>
+          <a:prstGeom prst="rect">
+            <a:avLst/>
+          </a:prstGeom>
+          <a:noFill/>
+          <a:ln>
+            <a:solidFill>
+              <a:schemeClr val="tx1"/>
+            </a:solidFill>
+          </a:ln>
+        </p:spPr>
+        <p:style>
+          <a:lnRef idx="2">
+            <a:schemeClr val="accent1">
+              <a:shade val="50000"/>
+            </a:schemeClr>
+          </a:lnRef>
+          <a:fillRef idx="1">
+            <a:schemeClr val="accent1"/>
+          </a:fillRef>
+          <a:effectRef idx="0">
+            <a:schemeClr val="accent1"/>
+          </a:effectRef>
+          <a:fontRef idx="minor">
+            <a:schemeClr val="lt1"/>
+          </a:fontRef>
+        </p:style>
+        <p:txBody>
+          <a:bodyPr rtlCol="0" anchor="ctr"/>
+          <a:lstStyle/>
+          <a:p>
+            <a:pPr algn="ctr"/>
+            <a:r>
+              <a:rPr lang="en-US" altLang="zh-CN" sz="1200" dirty="0">
                 <a:solidFill>
                   <a:schemeClr val="tx1"/>
                 </a:solidFill>
@@ -9063,7 +9029,7 @@
           <a:p>
             <a:pPr algn="ctr"/>
             <a:r>
-              <a:rPr lang="en-US" altLang="zh-CN" sz="1200" dirty="0" smtClean="0">
+              <a:rPr lang="en-US" altLang="zh-CN" sz="1200" dirty="0">
                 <a:solidFill>
                   <a:schemeClr val="tx1"/>
                 </a:solidFill>
@@ -9116,7 +9082,7 @@
           <a:p>
             <a:pPr algn="ctr"/>
             <a:r>
-              <a:rPr lang="en-US" altLang="zh-CN" sz="1200" dirty="0" smtClean="0">
+              <a:rPr lang="en-US" altLang="zh-CN" sz="1200" dirty="0">
                 <a:solidFill>
                   <a:schemeClr val="tx1"/>
                 </a:solidFill>
@@ -9127,7 +9093,7 @@
           <a:p>
             <a:pPr algn="ctr"/>
             <a:r>
-              <a:rPr lang="en-US" altLang="zh-CN" sz="1200" dirty="0" smtClean="0">
+              <a:rPr lang="en-US" altLang="zh-CN" sz="1200" dirty="0">
                 <a:solidFill>
                   <a:schemeClr val="tx1"/>
                 </a:solidFill>
@@ -9185,7 +9151,7 @@
           <a:p>
             <a:pPr algn="ctr"/>
             <a:r>
-              <a:rPr lang="en-US" altLang="zh-CN" dirty="0" smtClean="0">
+              <a:rPr lang="en-US" altLang="zh-CN" dirty="0">
                 <a:solidFill>
                   <a:schemeClr val="tx1"/>
                 </a:solidFill>
@@ -9315,7 +9281,7 @@
           <a:p>
             <a:pPr algn="ctr"/>
             <a:r>
-              <a:rPr lang="en-US" altLang="zh-CN" dirty="0" smtClean="0">
+              <a:rPr lang="en-US" altLang="zh-CN" dirty="0">
                 <a:solidFill>
                   <a:schemeClr val="tx1"/>
                 </a:solidFill>
@@ -9373,7 +9339,7 @@
           <a:p>
             <a:pPr algn="ctr"/>
             <a:r>
-              <a:rPr lang="en-US" altLang="zh-CN" dirty="0" smtClean="0">
+              <a:rPr lang="en-US" altLang="zh-CN" dirty="0">
                 <a:solidFill>
                   <a:schemeClr val="tx1"/>
                 </a:solidFill>
@@ -9663,7 +9629,7 @@
           <a:lstStyle/>
           <a:p>
             <a:r>
-              <a:rPr lang="en-US" altLang="zh-CN" dirty="0" smtClean="0"/>
+              <a:rPr lang="en-US" altLang="zh-CN" dirty="0"/>
               <a:t>addr</a:t>
             </a:r>
             <a:endParaRPr lang="zh-CN" altLang="en-US" dirty="0"/>
@@ -9693,7 +9659,7 @@
           <a:lstStyle/>
           <a:p>
             <a:r>
-              <a:rPr lang="en-US" altLang="zh-CN" dirty="0" smtClean="0"/>
+              <a:rPr lang="en-US" altLang="zh-CN" dirty="0"/>
               <a:t>addr</a:t>
             </a:r>
             <a:endParaRPr lang="zh-CN" altLang="en-US" dirty="0"/>
@@ -9723,7 +9689,7 @@
           <a:lstStyle/>
           <a:p>
             <a:r>
-              <a:rPr lang="en-US" altLang="zh-CN" dirty="0" smtClean="0"/>
+              <a:rPr lang="en-US" altLang="zh-CN" dirty="0"/>
               <a:t>addr</a:t>
             </a:r>
             <a:endParaRPr lang="zh-CN" altLang="en-US" dirty="0"/>
@@ -9815,14 +9781,14 @@
           <a:p>
             <a:pPr algn="ctr"/>
             <a:r>
-              <a:rPr lang="en-US" altLang="zh-CN" dirty="0" err="1" smtClean="0">
+              <a:rPr lang="en-US" altLang="zh-CN" dirty="0" err="1">
                 <a:solidFill>
                   <a:schemeClr val="tx1"/>
                 </a:solidFill>
               </a:rPr>
               <a:t>Wifi</a:t>
             </a:r>
-            <a:endParaRPr lang="en-US" altLang="zh-CN" dirty="0" smtClean="0">
+            <a:endParaRPr lang="en-US" altLang="zh-CN" dirty="0">
               <a:solidFill>
                 <a:schemeClr val="tx1"/>
               </a:solidFill>
@@ -9873,14 +9839,14 @@
           <a:p>
             <a:pPr algn="ctr"/>
             <a:r>
-              <a:rPr lang="en-US" altLang="zh-CN" dirty="0" err="1" smtClean="0">
+              <a:rPr lang="en-US" altLang="zh-CN" dirty="0" err="1">
                 <a:solidFill>
                   <a:schemeClr val="tx1"/>
                 </a:solidFill>
               </a:rPr>
               <a:t>Wifi</a:t>
             </a:r>
-            <a:endParaRPr lang="en-US" altLang="zh-CN" dirty="0" smtClean="0">
+            <a:endParaRPr lang="en-US" altLang="zh-CN" dirty="0">
               <a:solidFill>
                 <a:schemeClr val="tx1"/>
               </a:solidFill>
@@ -9931,7 +9897,7 @@
           <a:p>
             <a:pPr algn="ctr"/>
             <a:r>
-              <a:rPr lang="en-US" altLang="zh-CN" dirty="0" smtClean="0">
+              <a:rPr lang="en-US" altLang="zh-CN" dirty="0">
                 <a:solidFill>
                   <a:schemeClr val="tx1"/>
                 </a:solidFill>
@@ -9989,7 +9955,7 @@
           <a:p>
             <a:pPr algn="ctr"/>
             <a:r>
-              <a:rPr lang="en-US" altLang="zh-CN" dirty="0" smtClean="0">
+              <a:rPr lang="en-US" altLang="zh-CN" dirty="0">
                 <a:solidFill>
                   <a:schemeClr val="tx1"/>
                 </a:solidFill>
@@ -10243,7 +10209,7 @@
           <a:lstStyle/>
           <a:p>
             <a:r>
-              <a:rPr lang="en-US" altLang="zh-CN" dirty="0" smtClean="0"/>
+              <a:rPr lang="en-US" altLang="zh-CN" dirty="0"/>
               <a:t>addr</a:t>
             </a:r>
             <a:endParaRPr lang="zh-CN" altLang="en-US" dirty="0"/>
@@ -10273,7 +10239,7 @@
           <a:lstStyle/>
           <a:p>
             <a:r>
-              <a:rPr lang="en-US" altLang="zh-CN" dirty="0" smtClean="0"/>
+              <a:rPr lang="en-US" altLang="zh-CN" dirty="0"/>
               <a:t>addr</a:t>
             </a:r>
             <a:endParaRPr lang="zh-CN" altLang="en-US" dirty="0"/>
@@ -10323,7 +10289,7 @@
           <a:p>
             <a:pPr algn="ctr"/>
             <a:r>
-              <a:rPr lang="en-US" altLang="zh-CN" sz="1200" dirty="0" smtClean="0">
+              <a:rPr lang="en-US" altLang="zh-CN" sz="1200" dirty="0">
                 <a:solidFill>
                   <a:schemeClr val="tx1"/>
                 </a:solidFill>
@@ -10334,7 +10300,7 @@
           <a:p>
             <a:pPr algn="ctr"/>
             <a:r>
-              <a:rPr lang="en-US" altLang="zh-CN" sz="1200" dirty="0" smtClean="0">
+              <a:rPr lang="en-US" altLang="zh-CN" sz="1200" dirty="0">
                 <a:solidFill>
                   <a:schemeClr val="tx1"/>
                 </a:solidFill>
@@ -10421,7 +10387,7 @@
           <a:lstStyle/>
           <a:p>
             <a:r>
-              <a:rPr lang="en-US" altLang="zh-CN" dirty="0" smtClean="0"/>
+              <a:rPr lang="en-US" altLang="zh-CN" dirty="0"/>
               <a:t>Angle/Click</a:t>
             </a:r>
             <a:endParaRPr lang="zh-CN" altLang="en-US" dirty="0"/>
@@ -10459,7 +10425,7 @@
           <a:lstStyle/>
           <a:p>
             <a:r>
-              <a:rPr lang="en-US" altLang="zh-CN" dirty="0" smtClean="0"/>
+              <a:rPr lang="en-US" altLang="zh-CN" dirty="0"/>
               <a:t>1</a:t>
             </a:r>
             <a:endParaRPr lang="zh-CN" altLang="en-US" dirty="0"/>
@@ -10497,7 +10463,7 @@
           <a:lstStyle/>
           <a:p>
             <a:r>
-              <a:rPr lang="en-US" altLang="zh-CN" dirty="0" smtClean="0"/>
+              <a:rPr lang="en-US" altLang="zh-CN" dirty="0"/>
               <a:t>2</a:t>
             </a:r>
             <a:endParaRPr lang="zh-CN" altLang="en-US" dirty="0"/>
@@ -10535,7 +10501,7 @@
           <a:lstStyle/>
           <a:p>
             <a:r>
-              <a:rPr lang="en-US" altLang="zh-CN" dirty="0" smtClean="0"/>
+              <a:rPr lang="en-US" altLang="zh-CN" dirty="0"/>
               <a:t>3</a:t>
             </a:r>
             <a:endParaRPr lang="zh-CN" altLang="en-US" dirty="0"/>
@@ -10573,7 +10539,7 @@
           <a:lstStyle/>
           <a:p>
             <a:r>
-              <a:rPr lang="en-US" altLang="zh-CN" dirty="0" smtClean="0"/>
+              <a:rPr lang="en-US" altLang="zh-CN" dirty="0"/>
               <a:t>4</a:t>
             </a:r>
             <a:endParaRPr lang="zh-CN" altLang="en-US" dirty="0"/>
@@ -10611,7 +10577,7 @@
           <a:lstStyle/>
           <a:p>
             <a:r>
-              <a:rPr lang="en-US" altLang="zh-CN" dirty="0" smtClean="0"/>
+              <a:rPr lang="en-US" altLang="zh-CN" dirty="0"/>
               <a:t>5</a:t>
             </a:r>
             <a:endParaRPr lang="zh-CN" altLang="en-US" dirty="0"/>
@@ -10646,7 +10612,7 @@
           <a:lstStyle/>
           <a:p>
             <a:r>
-              <a:rPr lang="en-US" altLang="zh-CN" dirty="0" smtClean="0"/>
+              <a:rPr lang="en-US" altLang="zh-CN" dirty="0"/>
               <a:t>1</a:t>
             </a:r>
             <a:endParaRPr lang="zh-CN" altLang="en-US" dirty="0"/>
@@ -10854,13 +10820,6 @@
   <p:clrMapOvr>
     <a:masterClrMapping/>
   </p:clrMapOvr>
-  <p:timing>
-    <p:tnLst>
-      <p:par>
-        <p:cTn id="1" dur="indefinite" restart="never" nodeType="tmRoot"/>
-      </p:par>
-    </p:tnLst>
-  </p:timing>
 </p:sld>
 </file>
 
@@ -10904,7 +10863,7 @@
           <a:lstStyle/>
           <a:p>
             <a:r>
-              <a:rPr lang="en-US" altLang="zh-CN" dirty="0" smtClean="0"/>
+              <a:rPr lang="en-US" altLang="zh-CN" dirty="0"/>
               <a:t>Probe2A</a:t>
             </a:r>
             <a:endParaRPr lang="zh-CN" altLang="en-US" dirty="0"/>
@@ -10954,7 +10913,7 @@
           <a:p>
             <a:pPr algn="ctr"/>
             <a:r>
-              <a:rPr lang="en-US" altLang="zh-CN" dirty="0" smtClean="0">
+              <a:rPr lang="en-US" altLang="zh-CN" dirty="0">
                 <a:solidFill>
                   <a:schemeClr val="tx1"/>
                 </a:solidFill>
@@ -11009,7 +10968,7 @@
           <a:p>
             <a:pPr algn="ctr"/>
             <a:r>
-              <a:rPr lang="en-US" altLang="zh-CN" dirty="0" smtClean="0"/>
+              <a:rPr lang="en-US" altLang="zh-CN" dirty="0"/>
               <a:t>1</a:t>
             </a:r>
             <a:endParaRPr lang="zh-CN" altLang="en-US" dirty="0"/>
@@ -11056,7 +11015,7 @@
           <a:p>
             <a:pPr algn="ctr"/>
             <a:r>
-              <a:rPr lang="en-US" altLang="zh-CN" dirty="0" smtClean="0"/>
+              <a:rPr lang="en-US" altLang="zh-CN" dirty="0"/>
               <a:t>2</a:t>
             </a:r>
             <a:endParaRPr lang="zh-CN" altLang="en-US" dirty="0"/>
@@ -11103,7 +11062,7 @@
           <a:p>
             <a:pPr algn="ctr"/>
             <a:r>
-              <a:rPr lang="en-US" altLang="zh-CN" dirty="0" smtClean="0"/>
+              <a:rPr lang="en-US" altLang="zh-CN" dirty="0"/>
               <a:t>3</a:t>
             </a:r>
             <a:endParaRPr lang="zh-CN" altLang="en-US" dirty="0"/>
@@ -11267,7 +11226,7 @@
           <a:p>
             <a:pPr algn="ctr"/>
             <a:r>
-              <a:rPr lang="en-US" altLang="zh-CN" dirty="0" smtClean="0">
+              <a:rPr lang="en-US" altLang="zh-CN" dirty="0">
                 <a:solidFill>
                   <a:schemeClr val="tx1"/>
                 </a:solidFill>
@@ -11278,7 +11237,7 @@
           <a:p>
             <a:pPr algn="ctr"/>
             <a:r>
-              <a:rPr lang="en-US" altLang="zh-CN" dirty="0" smtClean="0">
+              <a:rPr lang="en-US" altLang="zh-CN" dirty="0">
                 <a:solidFill>
                   <a:schemeClr val="tx1"/>
                 </a:solidFill>
@@ -11333,7 +11292,7 @@
           <a:p>
             <a:pPr algn="ctr"/>
             <a:r>
-              <a:rPr lang="en-US" altLang="zh-CN" dirty="0" smtClean="0"/>
+              <a:rPr lang="en-US" altLang="zh-CN" dirty="0"/>
               <a:t>1</a:t>
             </a:r>
             <a:endParaRPr lang="zh-CN" altLang="en-US" dirty="0"/>
@@ -11380,7 +11339,7 @@
           <a:p>
             <a:pPr algn="ctr"/>
             <a:r>
-              <a:rPr lang="en-US" altLang="zh-CN" dirty="0" smtClean="0"/>
+              <a:rPr lang="en-US" altLang="zh-CN" dirty="0"/>
               <a:t>2</a:t>
             </a:r>
             <a:endParaRPr lang="zh-CN" altLang="en-US" dirty="0"/>
@@ -11427,7 +11386,7 @@
           <a:p>
             <a:pPr algn="ctr"/>
             <a:r>
-              <a:rPr lang="en-US" altLang="zh-CN" dirty="0" smtClean="0"/>
+              <a:rPr lang="en-US" altLang="zh-CN" dirty="0"/>
               <a:t>3</a:t>
             </a:r>
             <a:endParaRPr lang="zh-CN" altLang="en-US" dirty="0"/>
@@ -11633,7 +11592,7 @@
           <a:p>
             <a:pPr algn="ctr"/>
             <a:r>
-              <a:rPr lang="en-US" altLang="zh-CN" sz="1200" dirty="0" smtClean="0">
+              <a:rPr lang="en-US" altLang="zh-CN" sz="1200" dirty="0">
                 <a:solidFill>
                   <a:schemeClr val="tx1"/>
                 </a:solidFill>
@@ -11644,7 +11603,7 @@
           <a:p>
             <a:pPr algn="ctr"/>
             <a:r>
-              <a:rPr lang="en-US" altLang="zh-CN" sz="1200" dirty="0" smtClean="0">
+              <a:rPr lang="en-US" altLang="zh-CN" sz="1200" dirty="0">
                 <a:solidFill>
                   <a:schemeClr val="tx1"/>
                 </a:solidFill>
@@ -11668,75 +11627,6 @@
         <p:spPr>
           <a:xfrm>
             <a:off x="3549468" y="445978"/>
-            <a:ext cx="733330" cy="697317"/>
-          </a:xfrm>
-          <a:prstGeom prst="rect">
-            <a:avLst/>
-          </a:prstGeom>
-          <a:noFill/>
-          <a:ln>
-            <a:solidFill>
-              <a:schemeClr val="tx1"/>
-            </a:solidFill>
-          </a:ln>
-        </p:spPr>
-        <p:style>
-          <a:lnRef idx="2">
-            <a:schemeClr val="accent1">
-              <a:shade val="50000"/>
-            </a:schemeClr>
-          </a:lnRef>
-          <a:fillRef idx="1">
-            <a:schemeClr val="accent1"/>
-          </a:fillRef>
-          <a:effectRef idx="0">
-            <a:schemeClr val="accent1"/>
-          </a:effectRef>
-          <a:fontRef idx="minor">
-            <a:schemeClr val="lt1"/>
-          </a:fontRef>
-        </p:style>
-        <p:txBody>
-          <a:bodyPr rtlCol="0" anchor="ctr"/>
-          <a:lstStyle/>
-          <a:p>
-            <a:pPr algn="ctr"/>
-            <a:r>
-              <a:rPr lang="en-US" altLang="zh-CN" sz="1200" dirty="0" smtClean="0">
-                <a:solidFill>
-                  <a:schemeClr val="tx1"/>
-                </a:solidFill>
-              </a:rPr>
-              <a:t>Xor</a:t>
-            </a:r>
-          </a:p>
-          <a:p>
-            <a:pPr algn="ctr"/>
-            <a:r>
-              <a:rPr lang="en-US" altLang="zh-CN" sz="1200" dirty="0" smtClean="0">
-                <a:solidFill>
-                  <a:schemeClr val="tx1"/>
-                </a:solidFill>
-              </a:rPr>
-              <a:t>(1,null)</a:t>
-            </a:r>
-            <a:endParaRPr lang="zh-CN" altLang="en-US" sz="1200" dirty="0">
-              <a:solidFill>
-                <a:schemeClr val="tx1"/>
-              </a:solidFill>
-            </a:endParaRPr>
-          </a:p>
-        </p:txBody>
-      </p:sp>
-      <p:sp>
-        <p:nvSpPr>
-          <p:cNvPr id="275" name="矩形 274"/>
-          <p:cNvSpPr/>
-          <p:nvPr/>
-        </p:nvSpPr>
-        <p:spPr>
-          <a:xfrm>
-            <a:off x="3549468" y="1263233"/>
             <a:ext cx="733330" cy="697317"/>
           </a:xfrm>
           <a:prstGeom prst="rect">
@@ -11782,20 +11672,12 @@
           <a:p>
             <a:pPr algn="ctr"/>
             <a:r>
-              <a:rPr lang="en-US" altLang="zh-CN" sz="1200" dirty="0" smtClean="0">
-                <a:solidFill>
-                  <a:schemeClr val="tx1"/>
-                </a:solidFill>
-              </a:rPr>
-              <a:t>(N-1,null</a:t>
-            </a:r>
-            <a:r>
               <a:rPr lang="en-US" altLang="zh-CN" sz="1200" dirty="0">
                 <a:solidFill>
                   <a:schemeClr val="tx1"/>
                 </a:solidFill>
               </a:rPr>
-              <a:t>)</a:t>
+              <a:t>(1,null)</a:t>
             </a:r>
             <a:endParaRPr lang="zh-CN" altLang="en-US" sz="1200" dirty="0">
               <a:solidFill>
@@ -11807,14 +11689,14 @@
       </p:sp>
       <p:sp>
         <p:nvSpPr>
-          <p:cNvPr id="276" name="矩形 275"/>
+          <p:cNvPr id="275" name="矩形 274"/>
           <p:cNvSpPr/>
           <p:nvPr/>
         </p:nvSpPr>
         <p:spPr>
           <a:xfrm>
-            <a:off x="3549802" y="2376487"/>
-            <a:ext cx="733330" cy="695179"/>
+            <a:off x="3549468" y="1263233"/>
+            <a:ext cx="733330" cy="697317"/>
           </a:xfrm>
           <a:prstGeom prst="rect">
             <a:avLst/>
@@ -11848,7 +11730,76 @@
           <a:p>
             <a:pPr algn="ctr"/>
             <a:r>
-              <a:rPr lang="en-US" altLang="zh-CN" dirty="0" smtClean="0">
+              <a:rPr lang="en-US" altLang="zh-CN" sz="1200" dirty="0">
+                <a:solidFill>
+                  <a:schemeClr val="tx1"/>
+                </a:solidFill>
+              </a:rPr>
+              <a:t>Xor</a:t>
+            </a:r>
+          </a:p>
+          <a:p>
+            <a:pPr algn="ctr"/>
+            <a:r>
+              <a:rPr lang="en-US" altLang="zh-CN" sz="1200" dirty="0">
+                <a:solidFill>
+                  <a:schemeClr val="tx1"/>
+                </a:solidFill>
+              </a:rPr>
+              <a:t>(N-1,null)</a:t>
+            </a:r>
+            <a:endParaRPr lang="zh-CN" altLang="en-US" sz="1200" dirty="0">
+              <a:solidFill>
+                <a:schemeClr val="tx1"/>
+              </a:solidFill>
+            </a:endParaRPr>
+          </a:p>
+        </p:txBody>
+      </p:sp>
+      <p:sp>
+        <p:nvSpPr>
+          <p:cNvPr id="276" name="矩形 275"/>
+          <p:cNvSpPr/>
+          <p:nvPr/>
+        </p:nvSpPr>
+        <p:spPr>
+          <a:xfrm>
+            <a:off x="3549802" y="2376487"/>
+            <a:ext cx="733330" cy="695179"/>
+          </a:xfrm>
+          <a:prstGeom prst="rect">
+            <a:avLst/>
+          </a:prstGeom>
+          <a:noFill/>
+          <a:ln>
+            <a:solidFill>
+              <a:schemeClr val="tx1"/>
+            </a:solidFill>
+          </a:ln>
+        </p:spPr>
+        <p:style>
+          <a:lnRef idx="2">
+            <a:schemeClr val="accent1">
+              <a:shade val="50000"/>
+            </a:schemeClr>
+          </a:lnRef>
+          <a:fillRef idx="1">
+            <a:schemeClr val="accent1"/>
+          </a:fillRef>
+          <a:effectRef idx="0">
+            <a:schemeClr val="accent1"/>
+          </a:effectRef>
+          <a:fontRef idx="minor">
+            <a:schemeClr val="lt1"/>
+          </a:fontRef>
+        </p:style>
+        <p:txBody>
+          <a:bodyPr rtlCol="0" anchor="ctr"/>
+          <a:lstStyle/>
+          <a:p>
+            <a:pPr algn="ctr"/>
+            <a:r>
+              <a:rPr lang="en-US" altLang="zh-CN" dirty="0">
                 <a:solidFill>
                   <a:schemeClr val="tx1"/>
                 </a:solidFill>
@@ -11906,7 +11857,7 @@
           <a:p>
             <a:pPr algn="ctr"/>
             <a:r>
-              <a:rPr lang="en-US" altLang="zh-CN" sz="1200" dirty="0" smtClean="0">
+              <a:rPr lang="en-US" altLang="zh-CN" sz="1200" dirty="0">
                 <a:solidFill>
                   <a:schemeClr val="tx1"/>
                 </a:solidFill>
@@ -11964,7 +11915,7 @@
           <a:p>
             <a:pPr algn="ctr"/>
             <a:r>
-              <a:rPr lang="en-US" altLang="zh-CN" dirty="0" smtClean="0">
+              <a:rPr lang="en-US" altLang="zh-CN" dirty="0">
                 <a:solidFill>
                   <a:schemeClr val="tx1"/>
                 </a:solidFill>
@@ -12349,7 +12300,7 @@
           <a:p>
             <a:pPr algn="ctr"/>
             <a:r>
-              <a:rPr lang="en-US" altLang="zh-CN" sz="1600" dirty="0" err="1" smtClean="0">
+              <a:rPr lang="en-US" altLang="zh-CN" sz="1600" dirty="0" err="1">
                 <a:solidFill>
                   <a:schemeClr val="tx1"/>
                 </a:solidFill>
@@ -12485,7 +12436,7 @@
           <a:p>
             <a:pPr algn="ctr"/>
             <a:r>
-              <a:rPr lang="en-US" altLang="zh-CN" sz="1200" dirty="0" smtClean="0">
+              <a:rPr lang="en-US" altLang="zh-CN" sz="1200" dirty="0">
                 <a:solidFill>
                   <a:schemeClr val="tx1"/>
                 </a:solidFill>
@@ -12543,7 +12494,7 @@
           <a:p>
             <a:pPr algn="ctr"/>
             <a:r>
-              <a:rPr lang="en-US" altLang="zh-CN" dirty="0" smtClean="0">
+              <a:rPr lang="en-US" altLang="zh-CN" dirty="0">
                 <a:solidFill>
                   <a:schemeClr val="tx1"/>
                 </a:solidFill>
@@ -12554,7 +12505,7 @@
           <a:p>
             <a:pPr algn="ctr"/>
             <a:r>
-              <a:rPr lang="en-US" altLang="zh-CN" dirty="0" smtClean="0">
+              <a:rPr lang="en-US" altLang="zh-CN" dirty="0">
                 <a:solidFill>
                   <a:schemeClr val="tx1"/>
                 </a:solidFill>
@@ -12648,7 +12599,7 @@
           <a:p>
             <a:pPr algn="ctr"/>
             <a:r>
-              <a:rPr lang="en-US" altLang="zh-CN" sz="1200" dirty="0" smtClean="0">
+              <a:rPr lang="en-US" altLang="zh-CN" sz="1200" dirty="0">
                 <a:solidFill>
                   <a:schemeClr val="tx1"/>
                 </a:solidFill>
@@ -12706,7 +12657,7 @@
           <a:p>
             <a:pPr algn="ctr"/>
             <a:r>
-              <a:rPr lang="en-US" altLang="zh-CN" dirty="0" smtClean="0">
+              <a:rPr lang="en-US" altLang="zh-CN" dirty="0">
                 <a:solidFill>
                   <a:schemeClr val="tx1"/>
                 </a:solidFill>
@@ -12717,7 +12668,7 @@
           <a:p>
             <a:pPr algn="ctr"/>
             <a:r>
-              <a:rPr lang="en-US" altLang="zh-CN" dirty="0" smtClean="0">
+              <a:rPr lang="en-US" altLang="zh-CN" dirty="0">
                 <a:solidFill>
                   <a:schemeClr val="tx1"/>
                 </a:solidFill>
@@ -12883,7 +12834,7 @@
           <a:p>
             <a:pPr algn="ctr"/>
             <a:r>
-              <a:rPr lang="en-US" altLang="zh-CN" sz="1600" dirty="0" err="1" smtClean="0">
+              <a:rPr lang="en-US" altLang="zh-CN" sz="1600" dirty="0" err="1">
                 <a:solidFill>
                   <a:schemeClr val="tx1"/>
                 </a:solidFill>
@@ -12968,7 +12919,7 @@
           <a:lstStyle/>
           <a:p>
             <a:r>
-              <a:rPr lang="en-US" altLang="zh-CN" dirty="0" smtClean="0"/>
+              <a:rPr lang="en-US" altLang="zh-CN" dirty="0"/>
               <a:t>1</a:t>
             </a:r>
             <a:endParaRPr lang="zh-CN" altLang="en-US" dirty="0"/>
@@ -13003,7 +12954,7 @@
           <a:lstStyle/>
           <a:p>
             <a:r>
-              <a:rPr lang="en-US" altLang="zh-CN" dirty="0" smtClean="0"/>
+              <a:rPr lang="en-US" altLang="zh-CN" dirty="0"/>
               <a:t>2</a:t>
             </a:r>
             <a:endParaRPr lang="zh-CN" altLang="en-US" dirty="0"/>
@@ -13041,7 +12992,7 @@
           <a:lstStyle/>
           <a:p>
             <a:r>
-              <a:rPr lang="en-US" altLang="zh-CN" dirty="0" smtClean="0"/>
+              <a:rPr lang="en-US" altLang="zh-CN" dirty="0"/>
               <a:t>1</a:t>
             </a:r>
             <a:endParaRPr lang="zh-CN" altLang="en-US" dirty="0"/>
@@ -13079,7 +13030,7 @@
           <a:lstStyle/>
           <a:p>
             <a:r>
-              <a:rPr lang="en-US" altLang="zh-CN" dirty="0" smtClean="0"/>
+              <a:rPr lang="en-US" altLang="zh-CN" dirty="0"/>
               <a:t>2</a:t>
             </a:r>
             <a:endParaRPr lang="zh-CN" altLang="en-US" dirty="0"/>
@@ -13117,7 +13068,7 @@
           <a:lstStyle/>
           <a:p>
             <a:r>
-              <a:rPr lang="en-US" altLang="zh-CN" dirty="0" smtClean="0"/>
+              <a:rPr lang="en-US" altLang="zh-CN" dirty="0"/>
               <a:t>3</a:t>
             </a:r>
             <a:endParaRPr lang="zh-CN" altLang="en-US" dirty="0"/>
@@ -13281,7 +13232,7 @@
           <a:p>
             <a:pPr algn="ctr"/>
             <a:r>
-              <a:rPr lang="en-US" altLang="zh-CN" dirty="0" smtClean="0">
+              <a:rPr lang="en-US" altLang="zh-CN" dirty="0">
                 <a:solidFill>
                   <a:schemeClr val="tx1"/>
                 </a:solidFill>
@@ -13339,7 +13290,7 @@
           <a:p>
             <a:pPr algn="ctr"/>
             <a:r>
-              <a:rPr lang="en-US" altLang="zh-CN" dirty="0" smtClean="0">
+              <a:rPr lang="en-US" altLang="zh-CN" dirty="0">
                 <a:solidFill>
                   <a:schemeClr val="tx1"/>
                 </a:solidFill>
@@ -13397,7 +13348,7 @@
           <a:p>
             <a:pPr algn="ctr"/>
             <a:r>
-              <a:rPr lang="en-US" altLang="zh-CN" dirty="0" smtClean="0">
+              <a:rPr lang="en-US" altLang="zh-CN" dirty="0">
                 <a:solidFill>
                   <a:schemeClr val="tx1"/>
                 </a:solidFill>
@@ -13455,7 +13406,7 @@
           <a:p>
             <a:pPr algn="ctr"/>
             <a:r>
-              <a:rPr lang="en-US" altLang="zh-CN" sz="1600" dirty="0" err="1" smtClean="0">
+              <a:rPr lang="en-US" altLang="zh-CN" sz="1600" dirty="0" err="1">
                 <a:solidFill>
                   <a:schemeClr val="tx1"/>
                 </a:solidFill>
@@ -13587,7 +13538,7 @@
           <a:p>
             <a:pPr algn="ctr"/>
             <a:r>
-              <a:rPr lang="en-US" altLang="zh-CN" dirty="0" smtClean="0">
+              <a:rPr lang="en-US" altLang="zh-CN" dirty="0">
                 <a:solidFill>
                   <a:schemeClr val="tx1"/>
                 </a:solidFill>
@@ -13598,7 +13549,7 @@
           <a:p>
             <a:pPr algn="ctr"/>
             <a:r>
-              <a:rPr lang="en-US" altLang="zh-CN" dirty="0" smtClean="0">
+              <a:rPr lang="en-US" altLang="zh-CN" dirty="0">
                 <a:solidFill>
                   <a:schemeClr val="tx1"/>
                 </a:solidFill>
@@ -13656,7 +13607,7 @@
           <a:p>
             <a:pPr algn="ctr"/>
             <a:r>
-              <a:rPr lang="en-US" altLang="zh-CN" dirty="0" smtClean="0">
+              <a:rPr lang="en-US" altLang="zh-CN" dirty="0">
                 <a:solidFill>
                   <a:schemeClr val="tx1"/>
                 </a:solidFill>
@@ -13930,7 +13881,7 @@
           <a:p>
             <a:pPr algn="ctr"/>
             <a:r>
-              <a:rPr lang="en-US" altLang="zh-CN" dirty="0" smtClean="0">
+              <a:rPr lang="en-US" altLang="zh-CN" dirty="0">
                 <a:solidFill>
                   <a:schemeClr val="tx1"/>
                 </a:solidFill>
@@ -13941,7 +13892,7 @@
           <a:p>
             <a:pPr algn="ctr"/>
             <a:r>
-              <a:rPr lang="en-US" altLang="zh-CN" dirty="0" smtClean="0">
+              <a:rPr lang="en-US" altLang="zh-CN" dirty="0">
                 <a:solidFill>
                   <a:schemeClr val="tx1"/>
                 </a:solidFill>
@@ -13999,7 +13950,7 @@
           <a:p>
             <a:pPr algn="ctr"/>
             <a:r>
-              <a:rPr lang="en-US" altLang="zh-CN" dirty="0" smtClean="0">
+              <a:rPr lang="en-US" altLang="zh-CN" dirty="0">
                 <a:solidFill>
                   <a:schemeClr val="tx1"/>
                 </a:solidFill>
@@ -14010,7 +13961,7 @@
           <a:p>
             <a:pPr algn="ctr"/>
             <a:r>
-              <a:rPr lang="en-US" altLang="zh-CN" dirty="0" smtClean="0">
+              <a:rPr lang="en-US" altLang="zh-CN" dirty="0">
                 <a:solidFill>
                   <a:schemeClr val="tx1"/>
                 </a:solidFill>
@@ -14068,7 +14019,7 @@
           <a:p>
             <a:pPr algn="ctr"/>
             <a:r>
-              <a:rPr lang="en-US" altLang="zh-CN" dirty="0" smtClean="0">
+              <a:rPr lang="en-US" altLang="zh-CN" dirty="0">
                 <a:solidFill>
                   <a:schemeClr val="tx1"/>
                 </a:solidFill>
@@ -14126,7 +14077,7 @@
           <a:p>
             <a:pPr algn="ctr"/>
             <a:r>
-              <a:rPr lang="en-US" altLang="zh-CN" dirty="0" smtClean="0">
+              <a:rPr lang="en-US" altLang="zh-CN" dirty="0">
                 <a:solidFill>
                   <a:schemeClr val="tx1"/>
                 </a:solidFill>
@@ -14184,7 +14135,7 @@
           <a:p>
             <a:pPr algn="ctr"/>
             <a:r>
-              <a:rPr lang="en-US" altLang="zh-CN" dirty="0" smtClean="0">
+              <a:rPr lang="en-US" altLang="zh-CN" dirty="0">
                 <a:solidFill>
                   <a:schemeClr val="tx1"/>
                 </a:solidFill>
@@ -14458,7 +14409,7 @@
           <a:p>
             <a:pPr algn="ctr"/>
             <a:r>
-              <a:rPr lang="en-US" altLang="zh-CN" sz="1600" dirty="0" smtClean="0">
+              <a:rPr lang="en-US" altLang="zh-CN" sz="1600" dirty="0">
                 <a:solidFill>
                   <a:schemeClr val="tx1"/>
                 </a:solidFill>
@@ -14552,7 +14503,7 @@
           <a:p>
             <a:pPr algn="ctr"/>
             <a:r>
-              <a:rPr lang="en-US" altLang="zh-CN" sz="1600" dirty="0" smtClean="0">
+              <a:rPr lang="en-US" altLang="zh-CN" sz="1600" dirty="0">
                 <a:solidFill>
                   <a:schemeClr val="tx1"/>
                 </a:solidFill>
@@ -14610,7 +14561,7 @@
           <a:p>
             <a:pPr algn="ctr"/>
             <a:r>
-              <a:rPr lang="en-US" altLang="zh-CN" sz="1600" dirty="0" smtClean="0">
+              <a:rPr lang="en-US" altLang="zh-CN" sz="1600" dirty="0">
                 <a:solidFill>
                   <a:schemeClr val="tx1"/>
                 </a:solidFill>
@@ -14668,7 +14619,7 @@
           <a:p>
             <a:pPr algn="ctr"/>
             <a:r>
-              <a:rPr lang="en-US" altLang="zh-CN" sz="1600" dirty="0" smtClean="0">
+              <a:rPr lang="en-US" altLang="zh-CN" sz="1600" dirty="0">
                 <a:solidFill>
                   <a:schemeClr val="tx1"/>
                 </a:solidFill>
@@ -14726,7 +14677,7 @@
           <a:p>
             <a:pPr algn="ctr"/>
             <a:r>
-              <a:rPr lang="en-US" altLang="zh-CN" sz="1600" dirty="0" smtClean="0">
+              <a:rPr lang="en-US" altLang="zh-CN" sz="1600" dirty="0">
                 <a:solidFill>
                   <a:schemeClr val="tx1"/>
                 </a:solidFill>
@@ -14784,7 +14735,7 @@
           <a:p>
             <a:pPr algn="ctr"/>
             <a:r>
-              <a:rPr lang="en-US" altLang="zh-CN" sz="1600" dirty="0" smtClean="0">
+              <a:rPr lang="en-US" altLang="zh-CN" sz="1600" dirty="0">
                 <a:solidFill>
                   <a:schemeClr val="tx1"/>
                 </a:solidFill>
@@ -15201,13 +15152,6 @@
   <p:clrMapOvr>
     <a:masterClrMapping/>
   </p:clrMapOvr>
-  <p:timing>
-    <p:tnLst>
-      <p:par>
-        <p:cTn id="1" dur="indefinite" restart="never" nodeType="tmRoot"/>
-      </p:par>
-    </p:tnLst>
-  </p:timing>
 </p:sld>
 </file>
 
@@ -15238,13 +15182,6 @@
   <p:clrMapOvr>
     <a:masterClrMapping/>
   </p:clrMapOvr>
-  <p:timing>
-    <p:tnLst>
-      <p:par>
-        <p:cTn id="1" dur="indefinite" restart="never" nodeType="tmRoot"/>
-      </p:par>
-    </p:tnLst>
-  </p:timing>
 </p:sld>
 </file>
 
@@ -15308,7 +15245,7 @@
           <a:p>
             <a:pPr algn="ctr"/>
             <a:r>
-              <a:rPr lang="en-US" altLang="zh-CN" dirty="0" smtClean="0">
+              <a:rPr lang="en-US" altLang="zh-CN" dirty="0">
                 <a:solidFill>
                   <a:schemeClr val="tx1"/>
                 </a:solidFill>
@@ -15319,7 +15256,7 @@
           <a:p>
             <a:pPr algn="ctr"/>
             <a:r>
-              <a:rPr lang="en-US" altLang="zh-CN" dirty="0" smtClean="0">
+              <a:rPr lang="en-US" altLang="zh-CN" dirty="0">
                 <a:solidFill>
                   <a:schemeClr val="tx1"/>
                 </a:solidFill>
@@ -15377,7 +15314,7 @@
           <a:p>
             <a:pPr algn="ctr"/>
             <a:r>
-              <a:rPr lang="en-US" altLang="zh-CN" dirty="0" smtClean="0">
+              <a:rPr lang="en-US" altLang="zh-CN" dirty="0">
                 <a:solidFill>
                   <a:schemeClr val="tx1"/>
                 </a:solidFill>
@@ -15435,7 +15372,7 @@
           <a:p>
             <a:pPr algn="ctr"/>
             <a:r>
-              <a:rPr lang="en-US" altLang="zh-CN" sz="1600" dirty="0" smtClean="0">
+              <a:rPr lang="en-US" altLang="zh-CN" sz="1600" dirty="0">
                 <a:solidFill>
                   <a:schemeClr val="tx1"/>
                 </a:solidFill>
@@ -15451,23 +15388,167 @@
                   <a:schemeClr val="tx1"/>
                 </a:solidFill>
               </a:rPr>
-              <a:t>(</a:t>
-            </a:r>
-            <a:r>
-              <a:rPr lang="en-US" altLang="zh-CN" sz="1600" dirty="0" smtClean="0">
+              <a:t>(1,null)</a:t>
+            </a:r>
+            <a:endParaRPr lang="zh-CN" altLang="en-US" sz="1600" dirty="0">
+              <a:solidFill>
+                <a:schemeClr val="tx1"/>
+              </a:solidFill>
+            </a:endParaRPr>
+          </a:p>
+        </p:txBody>
+      </p:sp>
+      <p:sp>
+        <p:nvSpPr>
+          <p:cNvPr id="11" name="矩形 10"/>
+          <p:cNvSpPr/>
+          <p:nvPr/>
+        </p:nvSpPr>
+        <p:spPr>
+          <a:xfrm>
+            <a:off x="2717606" y="2402046"/>
+            <a:ext cx="733330" cy="695179"/>
+          </a:xfrm>
+          <a:prstGeom prst="rect">
+            <a:avLst/>
+          </a:prstGeom>
+          <a:noFill/>
+          <a:ln>
+            <a:solidFill>
+              <a:schemeClr val="tx1"/>
+            </a:solidFill>
+          </a:ln>
+        </p:spPr>
+        <p:style>
+          <a:lnRef idx="2">
+            <a:schemeClr val="accent1">
+              <a:shade val="50000"/>
+            </a:schemeClr>
+          </a:lnRef>
+          <a:fillRef idx="1">
+            <a:schemeClr val="accent1"/>
+          </a:fillRef>
+          <a:effectRef idx="0">
+            <a:schemeClr val="accent1"/>
+          </a:effectRef>
+          <a:fontRef idx="minor">
+            <a:schemeClr val="lt1"/>
+          </a:fontRef>
+        </p:style>
+        <p:txBody>
+          <a:bodyPr rtlCol="0" anchor="ctr"/>
+          <a:lstStyle/>
+          <a:p>
+            <a:pPr algn="ctr"/>
+            <a:r>
+              <a:rPr lang="en-US" altLang="zh-CN" dirty="0">
                 <a:solidFill>
                   <a:schemeClr val="tx1"/>
                 </a:solidFill>
               </a:rPr>
-              <a:t>1,null</a:t>
-            </a:r>
+              <a:t>Not</a:t>
+            </a:r>
+            <a:endParaRPr lang="zh-CN" altLang="en-US" dirty="0">
+              <a:solidFill>
+                <a:schemeClr val="tx1"/>
+              </a:solidFill>
+            </a:endParaRPr>
+          </a:p>
+        </p:txBody>
+      </p:sp>
+      <p:cxnSp>
+        <p:nvCxnSpPr>
+          <p:cNvPr id="12" name="直接箭头连接符 11"/>
+          <p:cNvCxnSpPr/>
+          <p:nvPr/>
+        </p:nvCxnSpPr>
+        <p:spPr>
+          <a:xfrm flipV="1">
+            <a:off x="3084271" y="2204562"/>
+            <a:ext cx="0" cy="197484"/>
+          </a:xfrm>
+          <a:prstGeom prst="straightConnector1">
+            <a:avLst/>
+          </a:prstGeom>
+          <a:ln>
+            <a:tailEnd type="triangle"/>
+          </a:ln>
+        </p:spPr>
+        <p:style>
+          <a:lnRef idx="1">
+            <a:schemeClr val="accent1"/>
+          </a:lnRef>
+          <a:fillRef idx="0">
+            <a:schemeClr val="accent1"/>
+          </a:fillRef>
+          <a:effectRef idx="0">
+            <a:schemeClr val="accent1"/>
+          </a:effectRef>
+          <a:fontRef idx="minor">
+            <a:schemeClr val="tx1"/>
+          </a:fontRef>
+        </p:style>
+      </p:cxnSp>
+      <p:sp>
+        <p:nvSpPr>
+          <p:cNvPr id="13" name="矩形 12"/>
+          <p:cNvSpPr/>
+          <p:nvPr/>
+        </p:nvSpPr>
+        <p:spPr>
+          <a:xfrm>
+            <a:off x="2717606" y="627674"/>
+            <a:ext cx="733330" cy="695179"/>
+          </a:xfrm>
+          <a:prstGeom prst="rect">
+            <a:avLst/>
+          </a:prstGeom>
+          <a:noFill/>
+          <a:ln>
+            <a:solidFill>
+              <a:schemeClr val="tx1"/>
+            </a:solidFill>
+          </a:ln>
+        </p:spPr>
+        <p:style>
+          <a:lnRef idx="2">
+            <a:schemeClr val="accent1">
+              <a:shade val="50000"/>
+            </a:schemeClr>
+          </a:lnRef>
+          <a:fillRef idx="1">
+            <a:schemeClr val="accent1"/>
+          </a:fillRef>
+          <a:effectRef idx="0">
+            <a:schemeClr val="accent1"/>
+          </a:effectRef>
+          <a:fontRef idx="minor">
+            <a:schemeClr val="lt1"/>
+          </a:fontRef>
+        </p:style>
+        <p:txBody>
+          <a:bodyPr rtlCol="0" anchor="ctr"/>
+          <a:lstStyle/>
+          <a:p>
+            <a:pPr algn="ctr"/>
             <a:r>
               <a:rPr lang="en-US" altLang="zh-CN" sz="1600" dirty="0">
                 <a:solidFill>
                   <a:schemeClr val="tx1"/>
                 </a:solidFill>
               </a:rPr>
-              <a:t>)</a:t>
+              <a:t>And</a:t>
+            </a:r>
+          </a:p>
+          <a:p>
+            <a:pPr algn="ctr"/>
+            <a:r>
+              <a:rPr lang="en-US" altLang="zh-CN" sz="1600" dirty="0">
+                <a:solidFill>
+                  <a:schemeClr val="tx1"/>
+                </a:solidFill>
+              </a:rPr>
+              <a:t>(0,null)</a:t>
             </a:r>
             <a:endParaRPr lang="zh-CN" altLang="en-US" sz="1600" dirty="0">
               <a:solidFill>
@@ -15479,14 +15560,14 @@
       </p:sp>
       <p:sp>
         <p:nvSpPr>
-          <p:cNvPr id="11" name="矩形 10"/>
+          <p:cNvPr id="14" name="矩形 13"/>
           <p:cNvSpPr/>
           <p:nvPr/>
         </p:nvSpPr>
         <p:spPr>
           <a:xfrm>
-            <a:off x="2717606" y="2402046"/>
-            <a:ext cx="733330" cy="695179"/>
+            <a:off x="5558823" y="1608913"/>
+            <a:ext cx="972113" cy="488326"/>
           </a:xfrm>
           <a:prstGeom prst="rect">
             <a:avLst/>
@@ -15520,12 +15601,23 @@
           <a:p>
             <a:pPr algn="ctr"/>
             <a:r>
-              <a:rPr lang="en-US" altLang="zh-CN" dirty="0" smtClean="0">
+              <a:rPr lang="en-US" altLang="zh-CN" dirty="0">
                 <a:solidFill>
                   <a:schemeClr val="tx1"/>
                 </a:solidFill>
               </a:rPr>
-              <a:t>Not</a:t>
+              <a:t>Hatch</a:t>
+            </a:r>
+          </a:p>
+          <a:p>
+            <a:pPr algn="ctr"/>
+            <a:r>
+              <a:rPr lang="en-US" altLang="zh-CN" dirty="0">
+                <a:solidFill>
+                  <a:schemeClr val="tx1"/>
+                </a:solidFill>
+              </a:rPr>
+              <a:t>(UP)</a:t>
             </a:r>
             <a:endParaRPr lang="zh-CN" altLang="en-US" dirty="0">
               <a:solidFill>
@@ -15535,49 +15627,16 @@
           </a:p>
         </p:txBody>
       </p:sp>
-      <p:cxnSp>
-        <p:nvCxnSpPr>
-          <p:cNvPr id="12" name="直接箭头连接符 11"/>
-          <p:cNvCxnSpPr/>
-          <p:nvPr/>
-        </p:nvCxnSpPr>
-        <p:spPr>
-          <a:xfrm flipV="1">
-            <a:off x="3084271" y="2204562"/>
-            <a:ext cx="0" cy="197484"/>
-          </a:xfrm>
-          <a:prstGeom prst="straightConnector1">
-            <a:avLst/>
-          </a:prstGeom>
-          <a:ln>
-            <a:tailEnd type="triangle"/>
-          </a:ln>
-        </p:spPr>
-        <p:style>
-          <a:lnRef idx="1">
-            <a:schemeClr val="accent1"/>
-          </a:lnRef>
-          <a:fillRef idx="0">
-            <a:schemeClr val="accent1"/>
-          </a:fillRef>
-          <a:effectRef idx="0">
-            <a:schemeClr val="accent1"/>
-          </a:effectRef>
-          <a:fontRef idx="minor">
-            <a:schemeClr val="tx1"/>
-          </a:fontRef>
-        </p:style>
-      </p:cxnSp>
-      <p:sp>
-        <p:nvSpPr>
-          <p:cNvPr id="13" name="矩形 12"/>
+      <p:sp>
+        <p:nvSpPr>
+          <p:cNvPr id="15" name="矩形 14"/>
           <p:cNvSpPr/>
           <p:nvPr/>
         </p:nvSpPr>
         <p:spPr>
           <a:xfrm>
-            <a:off x="2717606" y="627674"/>
-            <a:ext cx="733330" cy="695179"/>
+            <a:off x="721360" y="1917064"/>
+            <a:ext cx="972113" cy="488326"/>
           </a:xfrm>
           <a:prstGeom prst="rect">
             <a:avLst/>
@@ -15611,145 +15670,7 @@
           <a:p>
             <a:pPr algn="ctr"/>
             <a:r>
-              <a:rPr lang="en-US" altLang="zh-CN" sz="1600" dirty="0" smtClean="0">
-                <a:solidFill>
-                  <a:schemeClr val="tx1"/>
-                </a:solidFill>
-              </a:rPr>
-              <a:t>And</a:t>
-            </a:r>
-          </a:p>
-          <a:p>
-            <a:pPr algn="ctr"/>
-            <a:r>
-              <a:rPr lang="en-US" altLang="zh-CN" sz="1600" dirty="0" smtClean="0">
-                <a:solidFill>
-                  <a:schemeClr val="tx1"/>
-                </a:solidFill>
-              </a:rPr>
-              <a:t>(0,null)</a:t>
-            </a:r>
-            <a:endParaRPr lang="zh-CN" altLang="en-US" sz="1600" dirty="0">
-              <a:solidFill>
-                <a:schemeClr val="tx1"/>
-              </a:solidFill>
-            </a:endParaRPr>
-          </a:p>
-        </p:txBody>
-      </p:sp>
-      <p:sp>
-        <p:nvSpPr>
-          <p:cNvPr id="14" name="矩形 13"/>
-          <p:cNvSpPr/>
-          <p:nvPr/>
-        </p:nvSpPr>
-        <p:spPr>
-          <a:xfrm>
-            <a:off x="5558823" y="1608913"/>
-            <a:ext cx="972113" cy="488326"/>
-          </a:xfrm>
-          <a:prstGeom prst="rect">
-            <a:avLst/>
-          </a:prstGeom>
-          <a:noFill/>
-          <a:ln>
-            <a:solidFill>
-              <a:schemeClr val="tx1"/>
-            </a:solidFill>
-          </a:ln>
-        </p:spPr>
-        <p:style>
-          <a:lnRef idx="2">
-            <a:schemeClr val="accent1">
-              <a:shade val="50000"/>
-            </a:schemeClr>
-          </a:lnRef>
-          <a:fillRef idx="1">
-            <a:schemeClr val="accent1"/>
-          </a:fillRef>
-          <a:effectRef idx="0">
-            <a:schemeClr val="accent1"/>
-          </a:effectRef>
-          <a:fontRef idx="minor">
-            <a:schemeClr val="lt1"/>
-          </a:fontRef>
-        </p:style>
-        <p:txBody>
-          <a:bodyPr rtlCol="0" anchor="ctr"/>
-          <a:lstStyle/>
-          <a:p>
-            <a:pPr algn="ctr"/>
-            <a:r>
-              <a:rPr lang="en-US" altLang="zh-CN" dirty="0" smtClean="0">
-                <a:solidFill>
-                  <a:schemeClr val="tx1"/>
-                </a:solidFill>
-              </a:rPr>
-              <a:t>Hatch</a:t>
-            </a:r>
-          </a:p>
-          <a:p>
-            <a:pPr algn="ctr"/>
-            <a:r>
-              <a:rPr lang="en-US" altLang="zh-CN" dirty="0" smtClean="0">
-                <a:solidFill>
-                  <a:schemeClr val="tx1"/>
-                </a:solidFill>
-              </a:rPr>
-              <a:t>(UP)</a:t>
-            </a:r>
-            <a:endParaRPr lang="zh-CN" altLang="en-US" dirty="0">
-              <a:solidFill>
-                <a:schemeClr val="tx1"/>
-              </a:solidFill>
-            </a:endParaRPr>
-          </a:p>
-        </p:txBody>
-      </p:sp>
-      <p:sp>
-        <p:nvSpPr>
-          <p:cNvPr id="15" name="矩形 14"/>
-          <p:cNvSpPr/>
-          <p:nvPr/>
-        </p:nvSpPr>
-        <p:spPr>
-          <a:xfrm>
-            <a:off x="721360" y="1917064"/>
-            <a:ext cx="972113" cy="488326"/>
-          </a:xfrm>
-          <a:prstGeom prst="rect">
-            <a:avLst/>
-          </a:prstGeom>
-          <a:noFill/>
-          <a:ln>
-            <a:solidFill>
-              <a:schemeClr val="tx1"/>
-            </a:solidFill>
-          </a:ln>
-        </p:spPr>
-        <p:style>
-          <a:lnRef idx="2">
-            <a:schemeClr val="accent1">
-              <a:shade val="50000"/>
-            </a:schemeClr>
-          </a:lnRef>
-          <a:fillRef idx="1">
-            <a:schemeClr val="accent1"/>
-          </a:fillRef>
-          <a:effectRef idx="0">
-            <a:schemeClr val="accent1"/>
-          </a:effectRef>
-          <a:fontRef idx="minor">
-            <a:schemeClr val="lt1"/>
-          </a:fontRef>
-        </p:style>
-        <p:txBody>
-          <a:bodyPr rtlCol="0" anchor="ctr"/>
-          <a:lstStyle/>
-          <a:p>
-            <a:pPr algn="ctr"/>
-            <a:r>
-              <a:rPr lang="en-US" altLang="zh-CN" dirty="0" smtClean="0">
+              <a:rPr lang="en-US" altLang="zh-CN" dirty="0">
                 <a:solidFill>
                   <a:schemeClr val="tx1"/>
                 </a:solidFill>
@@ -15987,7 +15908,7 @@
           <a:p>
             <a:pPr algn="ctr"/>
             <a:r>
-              <a:rPr lang="en-US" altLang="zh-CN" dirty="0" smtClean="0">
+              <a:rPr lang="en-US" altLang="zh-CN" dirty="0">
                 <a:solidFill>
                   <a:schemeClr val="tx1"/>
                 </a:solidFill>
@@ -15998,7 +15919,7 @@
           <a:p>
             <a:pPr algn="ctr"/>
             <a:r>
-              <a:rPr lang="en-US" altLang="zh-CN" dirty="0" smtClean="0">
+              <a:rPr lang="en-US" altLang="zh-CN" dirty="0">
                 <a:solidFill>
                   <a:schemeClr val="tx1"/>
                 </a:solidFill>
@@ -16056,7 +15977,7 @@
           <a:p>
             <a:pPr algn="ctr"/>
             <a:r>
-              <a:rPr lang="en-US" altLang="zh-CN" dirty="0" smtClean="0">
+              <a:rPr lang="en-US" altLang="zh-CN" dirty="0">
                 <a:solidFill>
                   <a:schemeClr val="tx1"/>
                 </a:solidFill>
@@ -16067,7 +15988,7 @@
           <a:p>
             <a:pPr algn="ctr"/>
             <a:r>
-              <a:rPr lang="en-US" altLang="zh-CN" dirty="0" smtClean="0">
+              <a:rPr lang="en-US" altLang="zh-CN" dirty="0">
                 <a:solidFill>
                   <a:schemeClr val="tx1"/>
                 </a:solidFill>
@@ -16125,7 +16046,7 @@
           <a:p>
             <a:pPr algn="ctr"/>
             <a:r>
-              <a:rPr lang="en-US" altLang="zh-CN" dirty="0" smtClean="0">
+              <a:rPr lang="en-US" altLang="zh-CN" dirty="0">
                 <a:solidFill>
                   <a:schemeClr val="tx1"/>
                 </a:solidFill>
@@ -16136,7 +16057,7 @@
           <a:p>
             <a:pPr algn="ctr"/>
             <a:r>
-              <a:rPr lang="en-US" altLang="zh-CN" dirty="0" smtClean="0">
+              <a:rPr lang="en-US" altLang="zh-CN" dirty="0">
                 <a:solidFill>
                   <a:schemeClr val="tx1"/>
                 </a:solidFill>
@@ -16194,7 +16115,7 @@
           <a:p>
             <a:pPr algn="ctr"/>
             <a:r>
-              <a:rPr lang="en-US" altLang="zh-CN" sz="1600" dirty="0" smtClean="0">
+              <a:rPr lang="en-US" altLang="zh-CN" sz="1600" dirty="0">
                 <a:solidFill>
                   <a:schemeClr val="tx1"/>
                 </a:solidFill>
@@ -16210,23 +16131,7 @@
                   <a:schemeClr val="tx1"/>
                 </a:solidFill>
               </a:rPr>
-              <a:t>(</a:t>
-            </a:r>
-            <a:r>
-              <a:rPr lang="en-US" altLang="zh-CN" sz="1600" dirty="0" smtClean="0">
-                <a:solidFill>
-                  <a:schemeClr val="tx1"/>
-                </a:solidFill>
-              </a:rPr>
-              <a:t>0,null</a:t>
-            </a:r>
-            <a:r>
-              <a:rPr lang="en-US" altLang="zh-CN" sz="1600" dirty="0">
-                <a:solidFill>
-                  <a:schemeClr val="tx1"/>
-                </a:solidFill>
-              </a:rPr>
-              <a:t>)</a:t>
+              <a:t>(0,null)</a:t>
             </a:r>
             <a:endParaRPr lang="zh-CN" altLang="en-US" sz="1600" dirty="0">
               <a:solidFill>
@@ -16315,7 +16220,7 @@
           <a:p>
             <a:pPr algn="ctr"/>
             <a:r>
-              <a:rPr lang="en-US" altLang="zh-CN" sz="1600" dirty="0" smtClean="0">
+              <a:rPr lang="en-US" altLang="zh-CN" sz="1600" dirty="0">
                 <a:solidFill>
                   <a:schemeClr val="tx1"/>
                 </a:solidFill>
@@ -16331,23 +16236,7 @@
                   <a:schemeClr val="tx1"/>
                 </a:solidFill>
               </a:rPr>
-              <a:t>(</a:t>
-            </a:r>
-            <a:r>
-              <a:rPr lang="en-US" altLang="zh-CN" sz="1600" dirty="0" smtClean="0">
-                <a:solidFill>
-                  <a:schemeClr val="tx1"/>
-                </a:solidFill>
-              </a:rPr>
-              <a:t>1,null</a:t>
-            </a:r>
-            <a:r>
-              <a:rPr lang="en-US" altLang="zh-CN" sz="1600" dirty="0">
-                <a:solidFill>
-                  <a:schemeClr val="tx1"/>
-                </a:solidFill>
-              </a:rPr>
-              <a:t>)</a:t>
+              <a:t>(1,null)</a:t>
             </a:r>
             <a:endParaRPr lang="zh-CN" altLang="en-US" sz="1600" dirty="0">
               <a:solidFill>
@@ -16508,7 +16397,7 @@
           <a:p>
             <a:pPr algn="ctr"/>
             <a:r>
-              <a:rPr lang="en-US" altLang="zh-CN" dirty="0" smtClean="0">
+              <a:rPr lang="en-US" altLang="zh-CN" dirty="0">
                 <a:solidFill>
                   <a:schemeClr val="tx1"/>
                 </a:solidFill>
@@ -16519,7 +16408,7 @@
           <a:p>
             <a:pPr algn="ctr"/>
             <a:r>
-              <a:rPr lang="en-US" altLang="zh-CN" dirty="0" smtClean="0">
+              <a:rPr lang="en-US" altLang="zh-CN" dirty="0">
                 <a:solidFill>
                   <a:schemeClr val="tx1"/>
                 </a:solidFill>
@@ -16577,7 +16466,7 @@
           <a:p>
             <a:pPr algn="ctr"/>
             <a:r>
-              <a:rPr lang="en-US" altLang="zh-CN" dirty="0" smtClean="0">
+              <a:rPr lang="en-US" altLang="zh-CN" dirty="0">
                 <a:solidFill>
                   <a:schemeClr val="tx1"/>
                 </a:solidFill>
@@ -16588,7 +16477,7 @@
           <a:p>
             <a:pPr algn="ctr"/>
             <a:r>
-              <a:rPr lang="en-US" altLang="zh-CN" dirty="0" smtClean="0">
+              <a:rPr lang="en-US" altLang="zh-CN" dirty="0">
                 <a:solidFill>
                   <a:schemeClr val="tx1"/>
                 </a:solidFill>
@@ -16646,7 +16535,7 @@
           <a:p>
             <a:pPr algn="ctr"/>
             <a:r>
-              <a:rPr lang="en-US" altLang="zh-CN" dirty="0" smtClean="0">
+              <a:rPr lang="en-US" altLang="zh-CN" dirty="0">
                 <a:solidFill>
                   <a:schemeClr val="tx1"/>
                 </a:solidFill>
@@ -16657,7 +16546,7 @@
           <a:p>
             <a:pPr algn="ctr"/>
             <a:r>
-              <a:rPr lang="en-US" altLang="zh-CN" dirty="0" smtClean="0">
+              <a:rPr lang="en-US" altLang="zh-CN" dirty="0">
                 <a:solidFill>
                   <a:schemeClr val="tx1"/>
                 </a:solidFill>
@@ -16787,7 +16676,7 @@
           <a:p>
             <a:pPr algn="ctr"/>
             <a:r>
-              <a:rPr lang="en-US" altLang="zh-CN" dirty="0" smtClean="0">
+              <a:rPr lang="en-US" altLang="zh-CN" dirty="0">
                 <a:solidFill>
                   <a:schemeClr val="tx1"/>
                 </a:solidFill>
@@ -16845,7 +16734,7 @@
           <a:p>
             <a:pPr algn="ctr"/>
             <a:r>
-              <a:rPr lang="en-US" altLang="zh-CN" dirty="0" smtClean="0">
+              <a:rPr lang="en-US" altLang="zh-CN" dirty="0">
                 <a:solidFill>
                   <a:schemeClr val="tx1"/>
                 </a:solidFill>
@@ -16856,7 +16745,7 @@
           <a:p>
             <a:pPr algn="ctr"/>
             <a:r>
-              <a:rPr lang="en-US" altLang="zh-CN" dirty="0" smtClean="0">
+              <a:rPr lang="en-US" altLang="zh-CN" dirty="0">
                 <a:solidFill>
                   <a:schemeClr val="tx1"/>
                 </a:solidFill>
@@ -16914,7 +16803,7 @@
           <a:p>
             <a:pPr algn="ctr"/>
             <a:r>
-              <a:rPr lang="en-US" altLang="zh-CN" sz="1600" dirty="0" smtClean="0">
+              <a:rPr lang="en-US" altLang="zh-CN" sz="1600" dirty="0">
                 <a:solidFill>
                   <a:schemeClr val="tx1"/>
                 </a:solidFill>
@@ -17008,7 +16897,7 @@
           <a:p>
             <a:pPr algn="ctr"/>
             <a:r>
-              <a:rPr lang="en-US" altLang="zh-CN" sz="1600" dirty="0" smtClean="0">
+              <a:rPr lang="en-US" altLang="zh-CN" sz="1600" dirty="0">
                 <a:solidFill>
                   <a:schemeClr val="tx1"/>
                 </a:solidFill>
@@ -17019,7 +16908,7 @@
           <a:p>
             <a:pPr algn="ctr"/>
             <a:r>
-              <a:rPr lang="en-US" altLang="zh-CN" sz="1600" dirty="0" smtClean="0">
+              <a:rPr lang="en-US" altLang="zh-CN" sz="1600" dirty="0">
                 <a:solidFill>
                   <a:schemeClr val="tx1"/>
                 </a:solidFill>
@@ -17113,28 +17002,12 @@
           <a:p>
             <a:pPr algn="ctr"/>
             <a:r>
-              <a:rPr lang="en-US" altLang="zh-CN" dirty="0" smtClean="0">
-                <a:solidFill>
-                  <a:schemeClr val="tx1"/>
-                </a:solidFill>
-              </a:rPr>
-              <a:t>Door (</a:t>
-            </a:r>
-            <a:r>
               <a:rPr lang="en-US" altLang="zh-CN" dirty="0">
                 <a:solidFill>
                   <a:schemeClr val="tx1"/>
                 </a:solidFill>
               </a:rPr>
-              <a:t>RIGHT</a:t>
-            </a:r>
-            <a:r>
-              <a:rPr lang="en-US" altLang="zh-CN" dirty="0" smtClean="0">
-                <a:solidFill>
-                  <a:schemeClr val="tx1"/>
-                </a:solidFill>
-              </a:rPr>
-              <a:t>)</a:t>
+              <a:t>Door (RIGHT)</a:t>
             </a:r>
           </a:p>
         </p:txBody>
@@ -17211,7 +17084,7 @@
           <a:lstStyle/>
           <a:p>
             <a:r>
-              <a:rPr lang="en-US" altLang="zh-CN" dirty="0" smtClean="0"/>
+              <a:rPr lang="en-US" altLang="zh-CN" dirty="0"/>
               <a:t>Hatch button</a:t>
             </a:r>
             <a:endParaRPr lang="zh-CN" altLang="en-US" dirty="0"/>
@@ -17339,7 +17212,7 @@
           <a:p>
             <a:pPr algn="ctr"/>
             <a:r>
-              <a:rPr lang="en-US" altLang="zh-CN" dirty="0" smtClean="0">
+              <a:rPr lang="en-US" altLang="zh-CN" dirty="0">
                 <a:solidFill>
                   <a:schemeClr val="tx1"/>
                 </a:solidFill>
@@ -17513,7 +17386,7 @@
           <a:p>
             <a:pPr algn="ctr"/>
             <a:r>
-              <a:rPr lang="en-US" altLang="zh-CN" dirty="0" smtClean="0">
+              <a:rPr lang="en-US" altLang="zh-CN" dirty="0">
                 <a:solidFill>
                   <a:schemeClr val="tx1"/>
                 </a:solidFill>
@@ -17602,7 +17475,7 @@
           <a:p>
             <a:pPr algn="ctr"/>
             <a:r>
-              <a:rPr lang="en-US" altLang="zh-CN" dirty="0" smtClean="0">
+              <a:rPr lang="en-US" altLang="zh-CN" dirty="0">
                 <a:solidFill>
                   <a:schemeClr val="tx1"/>
                 </a:solidFill>
@@ -17613,7 +17486,7 @@
           <a:p>
             <a:pPr algn="ctr"/>
             <a:r>
-              <a:rPr lang="en-US" altLang="zh-CN" dirty="0" smtClean="0">
+              <a:rPr lang="en-US" altLang="zh-CN" dirty="0">
                 <a:solidFill>
                   <a:schemeClr val="tx1"/>
                 </a:solidFill>
@@ -17671,7 +17544,7 @@
           <a:p>
             <a:pPr algn="ctr"/>
             <a:r>
-              <a:rPr lang="en-US" altLang="zh-CN" dirty="0" smtClean="0">
+              <a:rPr lang="en-US" altLang="zh-CN" dirty="0">
                 <a:solidFill>
                   <a:schemeClr val="tx1"/>
                 </a:solidFill>
@@ -17682,7 +17555,7 @@
           <a:p>
             <a:pPr algn="ctr"/>
             <a:r>
-              <a:rPr lang="en-US" altLang="zh-CN" dirty="0" smtClean="0">
+              <a:rPr lang="en-US" altLang="zh-CN" dirty="0">
                 <a:solidFill>
                   <a:schemeClr val="tx1"/>
                 </a:solidFill>
@@ -17845,7 +17718,7 @@
           <a:p>
             <a:pPr algn="ctr"/>
             <a:r>
-              <a:rPr lang="en-US" altLang="zh-CN" dirty="0" smtClean="0">
+              <a:rPr lang="en-US" altLang="zh-CN" dirty="0">
                 <a:solidFill>
                   <a:schemeClr val="tx1"/>
                 </a:solidFill>
@@ -17856,7 +17729,7 @@
           <a:p>
             <a:pPr algn="ctr"/>
             <a:r>
-              <a:rPr lang="en-US" altLang="zh-CN" dirty="0" smtClean="0">
+              <a:rPr lang="en-US" altLang="zh-CN" dirty="0">
                 <a:solidFill>
                   <a:schemeClr val="tx1"/>
                 </a:solidFill>
@@ -17914,7 +17787,7 @@
           <a:p>
             <a:pPr algn="ctr"/>
             <a:r>
-              <a:rPr lang="en-US" altLang="zh-CN" dirty="0" smtClean="0">
+              <a:rPr lang="en-US" altLang="zh-CN" dirty="0">
                 <a:solidFill>
                   <a:schemeClr val="tx1"/>
                 </a:solidFill>
@@ -18113,7 +17986,7 @@
           <a:lstStyle/>
           <a:p>
             <a:r>
-              <a:rPr lang="en-US" altLang="zh-CN" dirty="0" smtClean="0"/>
+              <a:rPr lang="en-US" altLang="zh-CN" dirty="0"/>
               <a:t>1</a:t>
             </a:r>
             <a:endParaRPr lang="zh-CN" altLang="en-US" dirty="0"/>
@@ -18148,7 +18021,7 @@
           <a:lstStyle/>
           <a:p>
             <a:r>
-              <a:rPr lang="en-US" altLang="zh-CN" dirty="0" smtClean="0"/>
+              <a:rPr lang="en-US" altLang="zh-CN" dirty="0"/>
               <a:t>3</a:t>
             </a:r>
             <a:endParaRPr lang="zh-CN" altLang="en-US" dirty="0"/>
@@ -18183,7 +18056,7 @@
           <a:lstStyle/>
           <a:p>
             <a:r>
-              <a:rPr lang="en-US" altLang="zh-CN" dirty="0" smtClean="0"/>
+              <a:rPr lang="en-US" altLang="zh-CN" dirty="0"/>
               <a:t>5</a:t>
             </a:r>
             <a:endParaRPr lang="zh-CN" altLang="en-US" dirty="0"/>
@@ -18218,7 +18091,7 @@
           <a:lstStyle/>
           <a:p>
             <a:r>
-              <a:rPr lang="en-US" altLang="zh-CN" dirty="0" smtClean="0"/>
+              <a:rPr lang="en-US" altLang="zh-CN" dirty="0"/>
               <a:t>6</a:t>
             </a:r>
             <a:endParaRPr lang="zh-CN" altLang="en-US" dirty="0"/>
@@ -18253,7 +18126,7 @@
           <a:lstStyle/>
           <a:p>
             <a:r>
-              <a:rPr lang="en-US" altLang="zh-CN" dirty="0" smtClean="0"/>
+              <a:rPr lang="en-US" altLang="zh-CN" dirty="0"/>
               <a:t>4</a:t>
             </a:r>
             <a:endParaRPr lang="zh-CN" altLang="en-US" dirty="0"/>
@@ -18288,7 +18161,7 @@
           <a:lstStyle/>
           <a:p>
             <a:r>
-              <a:rPr lang="en-US" altLang="zh-CN" dirty="0" smtClean="0"/>
+              <a:rPr lang="en-US" altLang="zh-CN" dirty="0"/>
               <a:t>2</a:t>
             </a:r>
             <a:endParaRPr lang="zh-CN" altLang="en-US" dirty="0"/>
@@ -18326,7 +18199,7 @@
           <a:lstStyle/>
           <a:p>
             <a:r>
-              <a:rPr lang="en-US" altLang="zh-CN" dirty="0" smtClean="0"/>
+              <a:rPr lang="en-US" altLang="zh-CN" dirty="0"/>
               <a:t>1</a:t>
             </a:r>
             <a:endParaRPr lang="zh-CN" altLang="en-US" dirty="0"/>
@@ -18364,7 +18237,7 @@
           <a:lstStyle/>
           <a:p>
             <a:r>
-              <a:rPr lang="en-US" altLang="zh-CN" dirty="0" smtClean="0"/>
+              <a:rPr lang="en-US" altLang="zh-CN" dirty="0"/>
               <a:t>2</a:t>
             </a:r>
             <a:endParaRPr lang="zh-CN" altLang="en-US" dirty="0"/>
@@ -18402,7 +18275,7 @@
           <a:lstStyle/>
           <a:p>
             <a:r>
-              <a:rPr lang="en-US" altLang="zh-CN" dirty="0" smtClean="0"/>
+              <a:rPr lang="en-US" altLang="zh-CN" dirty="0"/>
               <a:t>3</a:t>
             </a:r>
             <a:endParaRPr lang="zh-CN" altLang="en-US" dirty="0"/>
@@ -18440,7 +18313,7 @@
           <a:lstStyle/>
           <a:p>
             <a:r>
-              <a:rPr lang="en-US" altLang="zh-CN" dirty="0" smtClean="0"/>
+              <a:rPr lang="en-US" altLang="zh-CN" dirty="0"/>
               <a:t>4</a:t>
             </a:r>
             <a:endParaRPr lang="zh-CN" altLang="en-US" dirty="0"/>
@@ -18478,7 +18351,7 @@
           <a:lstStyle/>
           <a:p>
             <a:r>
-              <a:rPr lang="en-US" altLang="zh-CN" dirty="0" smtClean="0"/>
+              <a:rPr lang="en-US" altLang="zh-CN" dirty="0"/>
               <a:t>5</a:t>
             </a:r>
             <a:endParaRPr lang="zh-CN" altLang="en-US" dirty="0"/>
@@ -18516,7 +18389,7 @@
           <a:lstStyle/>
           <a:p>
             <a:r>
-              <a:rPr lang="en-US" altLang="zh-CN" dirty="0" smtClean="0"/>
+              <a:rPr lang="en-US" altLang="zh-CN" dirty="0"/>
               <a:t>6</a:t>
             </a:r>
             <a:endParaRPr lang="zh-CN" altLang="en-US" dirty="0"/>
@@ -18554,7 +18427,7 @@
           <a:lstStyle/>
           <a:p>
             <a:r>
-              <a:rPr lang="en-US" altLang="zh-CN" dirty="0" smtClean="0"/>
+              <a:rPr lang="en-US" altLang="zh-CN" dirty="0"/>
               <a:t>7</a:t>
             </a:r>
             <a:endParaRPr lang="zh-CN" altLang="en-US" dirty="0"/>
@@ -18571,13 +18444,6 @@
   <p:clrMapOvr>
     <a:masterClrMapping/>
   </p:clrMapOvr>
-  <p:timing>
-    <p:tnLst>
-      <p:par>
-        <p:cTn id="1" dur="indefinite" restart="never" nodeType="tmRoot"/>
-      </p:par>
-    </p:tnLst>
-  </p:timing>
 </p:sld>
 </file>
 
@@ -18641,7 +18507,7 @@
           <a:p>
             <a:pPr algn="ctr"/>
             <a:r>
-              <a:rPr lang="en-US" altLang="zh-CN" sz="1600" dirty="0" smtClean="0">
+              <a:rPr lang="en-US" altLang="zh-CN" sz="1600" dirty="0">
                 <a:solidFill>
                   <a:schemeClr val="tx1"/>
                 </a:solidFill>
@@ -18657,15 +18523,7 @@
                   <a:schemeClr val="tx1"/>
                 </a:solidFill>
               </a:rPr>
-              <a:t>(</a:t>
-            </a:r>
-            <a:r>
-              <a:rPr lang="en-US" altLang="zh-CN" sz="1600" dirty="0" smtClean="0">
-                <a:solidFill>
-                  <a:schemeClr val="tx1"/>
-                </a:solidFill>
-              </a:rPr>
-              <a:t>1,0)</a:t>
+              <a:t>(1,0)</a:t>
             </a:r>
             <a:endParaRPr lang="zh-CN" altLang="en-US" sz="1600" dirty="0">
               <a:solidFill>
@@ -18718,7 +18576,7 @@
           <a:p>
             <a:pPr algn="ctr"/>
             <a:r>
-              <a:rPr lang="en-US" altLang="zh-CN" sz="1600" dirty="0" smtClean="0">
+              <a:rPr lang="en-US" altLang="zh-CN" sz="1600" dirty="0">
                 <a:solidFill>
                   <a:schemeClr val="tx1"/>
                 </a:solidFill>
@@ -18729,7 +18587,7 @@
           <a:p>
             <a:pPr algn="ctr"/>
             <a:r>
-              <a:rPr lang="en-US" altLang="zh-CN" sz="1600" dirty="0" smtClean="0">
+              <a:rPr lang="en-US" altLang="zh-CN" sz="1600" dirty="0">
                 <a:solidFill>
                   <a:schemeClr val="tx1"/>
                 </a:solidFill>
@@ -18787,7 +18645,7 @@
           <a:p>
             <a:pPr algn="ctr"/>
             <a:r>
-              <a:rPr lang="en-US" altLang="zh-CN" sz="1600" dirty="0" smtClean="0">
+              <a:rPr lang="en-US" altLang="zh-CN" sz="1600" dirty="0">
                 <a:solidFill>
                   <a:schemeClr val="tx1"/>
                 </a:solidFill>
@@ -18798,7 +18656,7 @@
           <a:p>
             <a:pPr algn="ctr"/>
             <a:r>
-              <a:rPr lang="en-US" altLang="zh-CN" sz="1600" dirty="0" smtClean="0">
+              <a:rPr lang="en-US" altLang="zh-CN" sz="1600" dirty="0">
                 <a:solidFill>
                   <a:schemeClr val="tx1"/>
                 </a:solidFill>
@@ -18856,14 +18714,14 @@
           <a:p>
             <a:pPr algn="ctr"/>
             <a:r>
-              <a:rPr lang="en-US" altLang="zh-CN" dirty="0" err="1" smtClean="0">
+              <a:rPr lang="en-US" altLang="zh-CN" dirty="0" err="1">
                 <a:solidFill>
                   <a:schemeClr val="tx1"/>
                 </a:solidFill>
               </a:rPr>
               <a:t>Xor</a:t>
             </a:r>
-            <a:endParaRPr lang="en-US" altLang="zh-CN" dirty="0" smtClean="0">
+            <a:endParaRPr lang="en-US" altLang="zh-CN" dirty="0">
               <a:solidFill>
                 <a:schemeClr val="tx1"/>
               </a:solidFill>
@@ -18872,7 +18730,7 @@
           <a:p>
             <a:pPr algn="ctr"/>
             <a:r>
-              <a:rPr lang="en-US" altLang="zh-CN" dirty="0" smtClean="0">
+              <a:rPr lang="en-US" altLang="zh-CN" dirty="0">
                 <a:solidFill>
                   <a:schemeClr val="tx1"/>
                 </a:solidFill>
@@ -18930,7 +18788,7 @@
           <a:p>
             <a:pPr algn="ctr"/>
             <a:r>
-              <a:rPr lang="en-US" altLang="zh-CN" dirty="0" smtClean="0">
+              <a:rPr lang="en-US" altLang="zh-CN" dirty="0">
                 <a:solidFill>
                   <a:schemeClr val="tx1"/>
                 </a:solidFill>
@@ -18941,7 +18799,7 @@
           <a:p>
             <a:pPr algn="ctr"/>
             <a:r>
-              <a:rPr lang="en-US" altLang="zh-CN" dirty="0" smtClean="0">
+              <a:rPr lang="en-US" altLang="zh-CN" dirty="0">
                 <a:solidFill>
                   <a:schemeClr val="tx1"/>
                 </a:solidFill>
@@ -19107,7 +18965,7 @@
           <a:p>
             <a:pPr algn="ctr"/>
             <a:r>
-              <a:rPr lang="en-US" altLang="zh-CN" dirty="0" smtClean="0">
+              <a:rPr lang="en-US" altLang="zh-CN" dirty="0">
                 <a:solidFill>
                   <a:schemeClr val="tx1"/>
                 </a:solidFill>
@@ -19201,7 +19059,7 @@
           <a:p>
             <a:pPr algn="ctr"/>
             <a:r>
-              <a:rPr lang="en-US" altLang="zh-CN" dirty="0" smtClean="0">
+              <a:rPr lang="en-US" altLang="zh-CN" dirty="0">
                 <a:solidFill>
                   <a:schemeClr val="tx1"/>
                 </a:solidFill>
@@ -19259,7 +19117,7 @@
           <a:p>
             <a:pPr algn="ctr"/>
             <a:r>
-              <a:rPr lang="en-US" altLang="zh-CN" dirty="0" smtClean="0">
+              <a:rPr lang="en-US" altLang="zh-CN" dirty="0">
                 <a:solidFill>
                   <a:schemeClr val="tx1"/>
                 </a:solidFill>
@@ -19389,7 +19247,7 @@
           <a:p>
             <a:pPr algn="ctr"/>
             <a:r>
-              <a:rPr lang="en-US" altLang="zh-CN" sz="1200" dirty="0" smtClean="0">
+              <a:rPr lang="en-US" altLang="zh-CN" sz="1200" dirty="0">
                 <a:solidFill>
                   <a:schemeClr val="tx1"/>
                 </a:solidFill>
@@ -19400,7 +19258,7 @@
           <a:p>
             <a:pPr algn="ctr"/>
             <a:r>
-              <a:rPr lang="en-US" altLang="zh-CN" sz="1200" dirty="0" smtClean="0">
+              <a:rPr lang="en-US" altLang="zh-CN" sz="1200" dirty="0">
                 <a:solidFill>
                   <a:schemeClr val="tx1"/>
                 </a:solidFill>
@@ -19602,23 +19460,18 @@
           <a:p>
             <a:pPr algn="ctr"/>
             <a:r>
-              <a:rPr lang="en-US" altLang="zh-CN" sz="1200" dirty="0" smtClean="0">
+              <a:rPr lang="en-US" altLang="zh-CN" sz="1200" dirty="0">
                 <a:solidFill>
                   <a:schemeClr val="tx1"/>
                 </a:solidFill>
               </a:rPr>
               <a:t>if(1000)?</a:t>
             </a:r>
-            <a:endParaRPr lang="en-US" altLang="zh-CN" sz="1200" dirty="0">
-              <a:solidFill>
-                <a:schemeClr val="tx1"/>
-              </a:solidFill>
-            </a:endParaRPr>
-          </a:p>
-          <a:p>
-            <a:pPr algn="ctr"/>
-            <a:r>
-              <a:rPr lang="en-US" altLang="zh-CN" sz="1200" dirty="0" smtClean="0">
+          </a:p>
+          <a:p>
+            <a:pPr algn="ctr"/>
+            <a:r>
+              <a:rPr lang="en-US" altLang="zh-CN" sz="1200" dirty="0">
                 <a:solidFill>
                   <a:schemeClr val="tx1"/>
                 </a:solidFill>
@@ -19676,7 +19529,7 @@
           <a:p>
             <a:pPr algn="ctr"/>
             <a:r>
-              <a:rPr lang="en-US" altLang="zh-CN" dirty="0" smtClean="0">
+              <a:rPr lang="en-US" altLang="zh-CN" dirty="0">
                 <a:solidFill>
                   <a:schemeClr val="tx1"/>
                 </a:solidFill>
@@ -19734,7 +19587,7 @@
           <a:p>
             <a:pPr algn="ctr"/>
             <a:r>
-              <a:rPr lang="en-US" altLang="zh-CN" dirty="0" smtClean="0">
+              <a:rPr lang="en-US" altLang="zh-CN" dirty="0">
                 <a:solidFill>
                   <a:schemeClr val="tx1"/>
                 </a:solidFill>
@@ -19745,7 +19598,7 @@
           <a:p>
             <a:pPr algn="ctr"/>
             <a:r>
-              <a:rPr lang="en-US" altLang="zh-CN" dirty="0" smtClean="0">
+              <a:rPr lang="en-US" altLang="zh-CN" dirty="0">
                 <a:solidFill>
                   <a:schemeClr val="tx1"/>
                 </a:solidFill>
@@ -19803,7 +19656,7 @@
           <a:p>
             <a:pPr algn="ctr"/>
             <a:r>
-              <a:rPr lang="en-US" altLang="zh-CN" dirty="0" smtClean="0">
+              <a:rPr lang="en-US" altLang="zh-CN" dirty="0">
                 <a:solidFill>
                   <a:schemeClr val="tx1"/>
                 </a:solidFill>
@@ -20043,7 +19896,7 @@
           <a:p>
             <a:pPr algn="ctr"/>
             <a:r>
-              <a:rPr lang="en-US" altLang="zh-CN" sz="1200" dirty="0" smtClean="0">
+              <a:rPr lang="en-US" altLang="zh-CN" sz="1200" dirty="0">
                 <a:solidFill>
                   <a:schemeClr val="tx1"/>
                 </a:solidFill>
@@ -20054,7 +19907,7 @@
           <a:p>
             <a:pPr algn="ctr"/>
             <a:r>
-              <a:rPr lang="en-US" altLang="zh-CN" sz="1200" dirty="0" smtClean="0">
+              <a:rPr lang="en-US" altLang="zh-CN" sz="1200" dirty="0">
                 <a:solidFill>
                   <a:schemeClr val="tx1"/>
                 </a:solidFill>
@@ -20112,26 +19965,18 @@
           <a:p>
             <a:pPr algn="ctr"/>
             <a:r>
-              <a:rPr lang="en-US" altLang="zh-CN" sz="1200" dirty="0" smtClean="0">
-                <a:solidFill>
-                  <a:schemeClr val="tx1"/>
-                </a:solidFill>
-              </a:rPr>
-              <a:t>if(2000</a:t>
-            </a:r>
-            <a:r>
               <a:rPr lang="en-US" altLang="zh-CN" sz="1200" dirty="0">
                 <a:solidFill>
                   <a:schemeClr val="tx1"/>
                 </a:solidFill>
               </a:rPr>
-              <a:t>)?</a:t>
-            </a:r>
-          </a:p>
-          <a:p>
-            <a:pPr algn="ctr"/>
-            <a:r>
-              <a:rPr lang="en-US" altLang="zh-CN" sz="1200" dirty="0" smtClean="0">
+              <a:t>if(2000)?</a:t>
+            </a:r>
+          </a:p>
+          <a:p>
+            <a:pPr algn="ctr"/>
+            <a:r>
+              <a:rPr lang="en-US" altLang="zh-CN" sz="1200" dirty="0">
                 <a:solidFill>
                   <a:schemeClr val="tx1"/>
                 </a:solidFill>
@@ -20189,7 +20034,7 @@
           <a:p>
             <a:pPr algn="ctr"/>
             <a:r>
-              <a:rPr lang="en-US" altLang="zh-CN" dirty="0" smtClean="0">
+              <a:rPr lang="en-US" altLang="zh-CN" dirty="0">
                 <a:solidFill>
                   <a:schemeClr val="tx1"/>
                 </a:solidFill>
@@ -20525,7 +20370,7 @@
           <a:lstStyle/>
           <a:p>
             <a:r>
-              <a:rPr lang="en-US" altLang="zh-CN" dirty="0" smtClean="0"/>
+              <a:rPr lang="en-US" altLang="zh-CN" dirty="0"/>
               <a:t>Set output</a:t>
             </a:r>
             <a:endParaRPr lang="zh-CN" altLang="en-US" dirty="0"/>
@@ -20597,7 +20442,7 @@
           <a:lstStyle/>
           <a:p>
             <a:r>
-              <a:rPr lang="en-US" altLang="zh-CN" dirty="0" smtClean="0"/>
+              <a:rPr lang="en-US" altLang="zh-CN" dirty="0"/>
               <a:t>Enable</a:t>
             </a:r>
             <a:endParaRPr lang="zh-CN" altLang="en-US" dirty="0"/>
@@ -20627,7 +20472,7 @@
           <a:lstStyle/>
           <a:p>
             <a:r>
-              <a:rPr lang="en-US" altLang="zh-CN" dirty="0" smtClean="0"/>
+              <a:rPr lang="en-US" altLang="zh-CN" dirty="0"/>
               <a:t>Enable</a:t>
             </a:r>
             <a:endParaRPr lang="zh-CN" altLang="en-US" dirty="0"/>
@@ -20657,7 +20502,7 @@
           <a:lstStyle/>
           <a:p>
             <a:r>
-              <a:rPr lang="en-US" altLang="zh-CN" dirty="0" smtClean="0"/>
+              <a:rPr lang="en-US" altLang="zh-CN" dirty="0"/>
               <a:t>1\2</a:t>
             </a:r>
             <a:endParaRPr lang="zh-CN" altLang="en-US" dirty="0"/>
@@ -20687,7 +20532,7 @@
           <a:lstStyle/>
           <a:p>
             <a:r>
-              <a:rPr lang="en-US" altLang="zh-CN" dirty="0" smtClean="0"/>
+              <a:rPr lang="en-US" altLang="zh-CN" dirty="0"/>
               <a:t>3\4</a:t>
             </a:r>
             <a:endParaRPr lang="zh-CN" altLang="en-US" dirty="0"/>
@@ -20725,7 +20570,7 @@
           <a:lstStyle/>
           <a:p>
             <a:r>
-              <a:rPr lang="en-US" altLang="zh-CN" dirty="0" smtClean="0"/>
+              <a:rPr lang="en-US" altLang="zh-CN" dirty="0"/>
               <a:t>1</a:t>
             </a:r>
             <a:endParaRPr lang="zh-CN" altLang="en-US" dirty="0"/>
@@ -20763,7 +20608,7 @@
           <a:lstStyle/>
           <a:p>
             <a:r>
-              <a:rPr lang="en-US" altLang="zh-CN" dirty="0" smtClean="0"/>
+              <a:rPr lang="en-US" altLang="zh-CN" dirty="0"/>
               <a:t>2</a:t>
             </a:r>
             <a:endParaRPr lang="zh-CN" altLang="en-US" dirty="0"/>
@@ -20879,7 +20724,7 @@
           <a:lstStyle/>
           <a:p>
             <a:r>
-              <a:rPr lang="en-US" altLang="zh-CN" dirty="0" smtClean="0"/>
+              <a:rPr lang="en-US" altLang="zh-CN" dirty="0"/>
               <a:t>1000</a:t>
             </a:r>
             <a:endParaRPr lang="zh-CN" altLang="en-US" dirty="0"/>
@@ -20914,7 +20759,7 @@
           <a:lstStyle/>
           <a:p>
             <a:r>
-              <a:rPr lang="en-US" altLang="zh-CN" dirty="0" smtClean="0"/>
+              <a:rPr lang="en-US" altLang="zh-CN" dirty="0"/>
               <a:t>2000</a:t>
             </a:r>
             <a:endParaRPr lang="zh-CN" altLang="en-US" dirty="0"/>
@@ -20953,12 +20798,8 @@
           </a:p>
           <a:p>
             <a:r>
-              <a:rPr lang="en-US" altLang="zh-CN" dirty="0" smtClean="0"/>
-              <a:t>^(</a:t>
-            </a:r>
-            <a:r>
               <a:rPr lang="en-US" altLang="zh-CN" dirty="0"/>
-              <a:t>11[8-9][0-9]|12[0-9][0-9]|13[0-5][0-9]|21[8-9][0-9]|22[0-9][0-9]|23[0-5][0-9])$</a:t>
+              <a:t>^(11[8-9][0-9]|12[0-9][0-9]|13[0-5][0-9]|21[8-9][0-9]|22[0-9][0-9]|23[0-5][0-9])$</a:t>
             </a:r>
           </a:p>
           <a:p>
@@ -20976,13 +20817,6 @@
   <p:clrMapOvr>
     <a:masterClrMapping/>
   </p:clrMapOvr>
-  <p:timing>
-    <p:tnLst>
-      <p:par>
-        <p:cTn id="1" dur="indefinite" restart="never" nodeType="tmRoot"/>
-      </p:par>
-    </p:tnLst>
-  </p:timing>
 </p:sld>
 </file>
 
@@ -21046,7 +20880,7 @@
           <a:p>
             <a:pPr algn="ctr"/>
             <a:r>
-              <a:rPr lang="en-US" altLang="zh-CN" sz="1600" dirty="0" smtClean="0">
+              <a:rPr lang="en-US" altLang="zh-CN" sz="1600" dirty="0">
                 <a:solidFill>
                   <a:schemeClr val="tx1"/>
                 </a:solidFill>
@@ -21062,15 +20896,7 @@
                   <a:schemeClr val="tx1"/>
                 </a:solidFill>
               </a:rPr>
-              <a:t>(</a:t>
-            </a:r>
-            <a:r>
-              <a:rPr lang="en-US" altLang="zh-CN" sz="1600" dirty="0" smtClean="0">
-                <a:solidFill>
-                  <a:schemeClr val="tx1"/>
-                </a:solidFill>
-              </a:rPr>
-              <a:t>1,0)</a:t>
+              <a:t>(1,0)</a:t>
             </a:r>
             <a:endParaRPr lang="zh-CN" altLang="en-US" sz="1600" dirty="0">
               <a:solidFill>
@@ -21123,7 +20949,7 @@
           <a:p>
             <a:pPr algn="ctr"/>
             <a:r>
-              <a:rPr lang="en-US" altLang="zh-CN" sz="1600" dirty="0" smtClean="0">
+              <a:rPr lang="en-US" altLang="zh-CN" sz="1600" dirty="0">
                 <a:solidFill>
                   <a:schemeClr val="tx1"/>
                 </a:solidFill>
@@ -21134,7 +20960,7 @@
           <a:p>
             <a:pPr algn="ctr"/>
             <a:r>
-              <a:rPr lang="en-US" altLang="zh-CN" sz="1600" dirty="0" smtClean="0">
+              <a:rPr lang="en-US" altLang="zh-CN" sz="1600" dirty="0">
                 <a:solidFill>
                   <a:schemeClr val="tx1"/>
                 </a:solidFill>
@@ -21192,7 +21018,7 @@
           <a:p>
             <a:pPr algn="ctr"/>
             <a:r>
-              <a:rPr lang="en-US" altLang="zh-CN" sz="1600" dirty="0" smtClean="0">
+              <a:rPr lang="en-US" altLang="zh-CN" sz="1600" dirty="0">
                 <a:solidFill>
                   <a:schemeClr val="tx1"/>
                 </a:solidFill>
@@ -21203,7 +21029,7 @@
           <a:p>
             <a:pPr algn="ctr"/>
             <a:r>
-              <a:rPr lang="en-US" altLang="zh-CN" sz="1600" dirty="0" smtClean="0">
+              <a:rPr lang="en-US" altLang="zh-CN" sz="1600" dirty="0">
                 <a:solidFill>
                   <a:schemeClr val="tx1"/>
                 </a:solidFill>
@@ -21261,14 +21087,14 @@
           <a:p>
             <a:pPr algn="ctr"/>
             <a:r>
-              <a:rPr lang="en-US" altLang="zh-CN" dirty="0" err="1" smtClean="0">
+              <a:rPr lang="en-US" altLang="zh-CN" dirty="0" err="1">
                 <a:solidFill>
                   <a:schemeClr val="tx1"/>
                 </a:solidFill>
               </a:rPr>
               <a:t>Xor</a:t>
             </a:r>
-            <a:endParaRPr lang="en-US" altLang="zh-CN" dirty="0" smtClean="0">
+            <a:endParaRPr lang="en-US" altLang="zh-CN" dirty="0">
               <a:solidFill>
                 <a:schemeClr val="tx1"/>
               </a:solidFill>
@@ -21277,7 +21103,7 @@
           <a:p>
             <a:pPr algn="ctr"/>
             <a:r>
-              <a:rPr lang="en-US" altLang="zh-CN" dirty="0" smtClean="0">
+              <a:rPr lang="en-US" altLang="zh-CN" dirty="0">
                 <a:solidFill>
                   <a:schemeClr val="tx1"/>
                 </a:solidFill>
@@ -21335,7 +21161,7 @@
           <a:p>
             <a:pPr algn="ctr"/>
             <a:r>
-              <a:rPr lang="en-US" altLang="zh-CN" dirty="0" smtClean="0">
+              <a:rPr lang="en-US" altLang="zh-CN" dirty="0">
                 <a:solidFill>
                   <a:schemeClr val="tx1"/>
                 </a:solidFill>
@@ -21346,7 +21172,7 @@
           <a:p>
             <a:pPr algn="ctr"/>
             <a:r>
-              <a:rPr lang="en-US" altLang="zh-CN" dirty="0" smtClean="0">
+              <a:rPr lang="en-US" altLang="zh-CN" dirty="0">
                 <a:solidFill>
                   <a:schemeClr val="tx1"/>
                 </a:solidFill>
@@ -21512,7 +21338,7 @@
           <a:p>
             <a:pPr algn="ctr"/>
             <a:r>
-              <a:rPr lang="en-US" altLang="zh-CN" dirty="0" smtClean="0">
+              <a:rPr lang="en-US" altLang="zh-CN" dirty="0">
                 <a:solidFill>
                   <a:schemeClr val="tx1"/>
                 </a:solidFill>
@@ -21606,7 +21432,7 @@
           <a:p>
             <a:pPr algn="ctr"/>
             <a:r>
-              <a:rPr lang="en-US" altLang="zh-CN" dirty="0" smtClean="0">
+              <a:rPr lang="en-US" altLang="zh-CN" dirty="0">
                 <a:solidFill>
                   <a:schemeClr val="tx1"/>
                 </a:solidFill>
@@ -21664,7 +21490,7 @@
           <a:p>
             <a:pPr algn="ctr"/>
             <a:r>
-              <a:rPr lang="en-US" altLang="zh-CN" dirty="0" smtClean="0">
+              <a:rPr lang="en-US" altLang="zh-CN" dirty="0">
                 <a:solidFill>
                   <a:schemeClr val="tx1"/>
                 </a:solidFill>
@@ -21864,7 +21690,7 @@
           <a:p>
             <a:pPr algn="ctr"/>
             <a:r>
-              <a:rPr lang="en-US" altLang="zh-CN" sz="1200" dirty="0" smtClean="0">
+              <a:rPr lang="en-US" altLang="zh-CN" sz="1200" dirty="0">
                 <a:solidFill>
                   <a:schemeClr val="tx1"/>
                 </a:solidFill>
@@ -21875,7 +21701,7 @@
           <a:p>
             <a:pPr algn="ctr"/>
             <a:r>
-              <a:rPr lang="en-US" altLang="zh-CN" sz="1200" dirty="0" smtClean="0">
+              <a:rPr lang="en-US" altLang="zh-CN" sz="1200" dirty="0">
                 <a:solidFill>
                   <a:schemeClr val="tx1"/>
                 </a:solidFill>
@@ -22075,23 +21901,18 @@
           <a:p>
             <a:pPr algn="ctr"/>
             <a:r>
-              <a:rPr lang="en-US" altLang="zh-CN" sz="1200" dirty="0" smtClean="0">
+              <a:rPr lang="en-US" altLang="zh-CN" sz="1200" dirty="0">
                 <a:solidFill>
                   <a:schemeClr val="tx1"/>
                 </a:solidFill>
               </a:rPr>
               <a:t>if(1000)?</a:t>
             </a:r>
-            <a:endParaRPr lang="en-US" altLang="zh-CN" sz="1200" dirty="0">
-              <a:solidFill>
-                <a:schemeClr val="tx1"/>
-              </a:solidFill>
-            </a:endParaRPr>
-          </a:p>
-          <a:p>
-            <a:pPr algn="ctr"/>
-            <a:r>
-              <a:rPr lang="en-US" altLang="zh-CN" sz="1200" dirty="0" smtClean="0">
+          </a:p>
+          <a:p>
+            <a:pPr algn="ctr"/>
+            <a:r>
+              <a:rPr lang="en-US" altLang="zh-CN" sz="1200" dirty="0">
                 <a:solidFill>
                   <a:schemeClr val="tx1"/>
                 </a:solidFill>
@@ -22149,7 +21970,7 @@
           <a:p>
             <a:pPr algn="ctr"/>
             <a:r>
-              <a:rPr lang="en-US" altLang="zh-CN" dirty="0" smtClean="0">
+              <a:rPr lang="en-US" altLang="zh-CN" dirty="0">
                 <a:solidFill>
                   <a:schemeClr val="tx1"/>
                 </a:solidFill>
@@ -22207,7 +22028,7 @@
           <a:p>
             <a:pPr algn="ctr"/>
             <a:r>
-              <a:rPr lang="en-US" altLang="zh-CN" dirty="0" smtClean="0">
+              <a:rPr lang="en-US" altLang="zh-CN" dirty="0">
                 <a:solidFill>
                   <a:schemeClr val="tx1"/>
                 </a:solidFill>
@@ -22218,7 +22039,7 @@
           <a:p>
             <a:pPr algn="ctr"/>
             <a:r>
-              <a:rPr lang="en-US" altLang="zh-CN" dirty="0" smtClean="0">
+              <a:rPr lang="en-US" altLang="zh-CN" dirty="0">
                 <a:solidFill>
                   <a:schemeClr val="tx1"/>
                 </a:solidFill>
@@ -22276,7 +22097,7 @@
           <a:p>
             <a:pPr algn="ctr"/>
             <a:r>
-              <a:rPr lang="en-US" altLang="zh-CN" dirty="0" smtClean="0">
+              <a:rPr lang="en-US" altLang="zh-CN" dirty="0">
                 <a:solidFill>
                   <a:schemeClr val="tx1"/>
                 </a:solidFill>
@@ -22516,7 +22337,7 @@
           <a:p>
             <a:pPr algn="ctr"/>
             <a:r>
-              <a:rPr lang="en-US" altLang="zh-CN" sz="1200" dirty="0" smtClean="0">
+              <a:rPr lang="en-US" altLang="zh-CN" sz="1200" dirty="0">
                 <a:solidFill>
                   <a:schemeClr val="tx1"/>
                 </a:solidFill>
@@ -22527,7 +22348,7 @@
           <a:p>
             <a:pPr algn="ctr"/>
             <a:r>
-              <a:rPr lang="en-US" altLang="zh-CN" sz="1200" dirty="0" smtClean="0">
+              <a:rPr lang="en-US" altLang="zh-CN" sz="1200" dirty="0">
                 <a:solidFill>
                   <a:schemeClr val="tx1"/>
                 </a:solidFill>
@@ -22585,7 +22406,7 @@
           <a:p>
             <a:pPr algn="ctr"/>
             <a:r>
-              <a:rPr lang="en-US" altLang="zh-CN" sz="1200" dirty="0" smtClean="0">
+              <a:rPr lang="en-US" altLang="zh-CN" sz="1200" dirty="0">
                 <a:solidFill>
                   <a:schemeClr val="tx1"/>
                 </a:solidFill>
@@ -22596,7 +22417,7 @@
           <a:p>
             <a:pPr algn="ctr"/>
             <a:r>
-              <a:rPr lang="en-US" altLang="zh-CN" sz="1200" dirty="0" smtClean="0">
+              <a:rPr lang="en-US" altLang="zh-CN" sz="1200" dirty="0">
                 <a:solidFill>
                   <a:schemeClr val="tx1"/>
                 </a:solidFill>
@@ -22607,7 +22428,7 @@
           <a:p>
             <a:pPr algn="ctr"/>
             <a:r>
-              <a:rPr lang="en-US" altLang="zh-CN" sz="1200" dirty="0" smtClean="0">
+              <a:rPr lang="en-US" altLang="zh-CN" sz="1200" dirty="0">
                 <a:solidFill>
                   <a:schemeClr val="tx1"/>
                 </a:solidFill>
@@ -22665,26 +22486,18 @@
           <a:p>
             <a:pPr algn="ctr"/>
             <a:r>
-              <a:rPr lang="en-US" altLang="zh-CN" sz="1200" dirty="0" smtClean="0">
-                <a:solidFill>
-                  <a:schemeClr val="tx1"/>
-                </a:solidFill>
-              </a:rPr>
-              <a:t>if(2000</a:t>
-            </a:r>
-            <a:r>
               <a:rPr lang="en-US" altLang="zh-CN" sz="1200" dirty="0">
                 <a:solidFill>
                   <a:schemeClr val="tx1"/>
                 </a:solidFill>
               </a:rPr>
-              <a:t>)?</a:t>
-            </a:r>
-          </a:p>
-          <a:p>
-            <a:pPr algn="ctr"/>
-            <a:r>
-              <a:rPr lang="en-US" altLang="zh-CN" sz="1200" dirty="0" smtClean="0">
+              <a:t>if(2000)?</a:t>
+            </a:r>
+          </a:p>
+          <a:p>
+            <a:pPr algn="ctr"/>
+            <a:r>
+              <a:rPr lang="en-US" altLang="zh-CN" sz="1200" dirty="0">
                 <a:solidFill>
                   <a:schemeClr val="tx1"/>
                 </a:solidFill>
@@ -22742,7 +22555,7 @@
           <a:p>
             <a:pPr algn="ctr"/>
             <a:r>
-              <a:rPr lang="en-US" altLang="zh-CN" dirty="0" smtClean="0">
+              <a:rPr lang="en-US" altLang="zh-CN" dirty="0">
                 <a:solidFill>
                   <a:schemeClr val="tx1"/>
                 </a:solidFill>
@@ -22836,26 +22649,18 @@
           <a:p>
             <a:pPr algn="ctr"/>
             <a:r>
-              <a:rPr lang="en-US" altLang="zh-CN" sz="1200" dirty="0" smtClean="0">
-                <a:solidFill>
-                  <a:schemeClr val="tx1"/>
-                </a:solidFill>
-              </a:rPr>
-              <a:t>if(3000</a:t>
-            </a:r>
-            <a:r>
               <a:rPr lang="en-US" altLang="zh-CN" sz="1200" dirty="0">
                 <a:solidFill>
                   <a:schemeClr val="tx1"/>
                 </a:solidFill>
               </a:rPr>
-              <a:t>)?</a:t>
-            </a:r>
-          </a:p>
-          <a:p>
-            <a:pPr algn="ctr"/>
-            <a:r>
-              <a:rPr lang="en-US" altLang="zh-CN" sz="1200" dirty="0" smtClean="0">
+              <a:t>if(3000)?</a:t>
+            </a:r>
+          </a:p>
+          <a:p>
+            <a:pPr algn="ctr"/>
+            <a:r>
+              <a:rPr lang="en-US" altLang="zh-CN" sz="1200" dirty="0">
                 <a:solidFill>
                   <a:schemeClr val="tx1"/>
                 </a:solidFill>
@@ -22913,7 +22718,7 @@
           <a:p>
             <a:pPr algn="ctr"/>
             <a:r>
-              <a:rPr lang="en-US" altLang="zh-CN" dirty="0" smtClean="0">
+              <a:rPr lang="en-US" altLang="zh-CN" dirty="0">
                 <a:solidFill>
                   <a:schemeClr val="tx1"/>
                 </a:solidFill>
@@ -23362,7 +23167,7 @@
           <a:lstStyle/>
           <a:p>
             <a:r>
-              <a:rPr lang="en-US" altLang="zh-CN" dirty="0" smtClean="0"/>
+              <a:rPr lang="en-US" altLang="zh-CN" dirty="0"/>
               <a:t>Set output</a:t>
             </a:r>
             <a:endParaRPr lang="zh-CN" altLang="en-US" dirty="0"/>
@@ -23434,7 +23239,7 @@
           <a:lstStyle/>
           <a:p>
             <a:r>
-              <a:rPr lang="en-US" altLang="zh-CN" dirty="0" smtClean="0"/>
+              <a:rPr lang="en-US" altLang="zh-CN" dirty="0"/>
               <a:t>Enable</a:t>
             </a:r>
             <a:endParaRPr lang="zh-CN" altLang="en-US" dirty="0"/>
@@ -23464,7 +23269,7 @@
           <a:lstStyle/>
           <a:p>
             <a:r>
-              <a:rPr lang="en-US" altLang="zh-CN" dirty="0" smtClean="0"/>
+              <a:rPr lang="en-US" altLang="zh-CN" dirty="0"/>
               <a:t>Enable</a:t>
             </a:r>
             <a:endParaRPr lang="zh-CN" altLang="en-US" dirty="0"/>
@@ -23494,7 +23299,7 @@
           <a:lstStyle/>
           <a:p>
             <a:r>
-              <a:rPr lang="en-US" altLang="zh-CN" dirty="0" smtClean="0"/>
+              <a:rPr lang="en-US" altLang="zh-CN" dirty="0"/>
               <a:t>Enable</a:t>
             </a:r>
             <a:endParaRPr lang="zh-CN" altLang="en-US" dirty="0"/>
@@ -23524,7 +23329,7 @@
           <a:lstStyle/>
           <a:p>
             <a:r>
-              <a:rPr lang="en-US" altLang="zh-CN" dirty="0" smtClean="0"/>
+              <a:rPr lang="en-US" altLang="zh-CN" dirty="0"/>
               <a:t>1\2</a:t>
             </a:r>
             <a:endParaRPr lang="zh-CN" altLang="en-US" dirty="0"/>
@@ -23554,7 +23359,7 @@
           <a:lstStyle/>
           <a:p>
             <a:r>
-              <a:rPr lang="en-US" altLang="zh-CN" dirty="0" smtClean="0"/>
+              <a:rPr lang="en-US" altLang="zh-CN" dirty="0"/>
               <a:t>3\4</a:t>
             </a:r>
             <a:endParaRPr lang="zh-CN" altLang="en-US" dirty="0"/>
@@ -23584,7 +23389,7 @@
           <a:lstStyle/>
           <a:p>
             <a:r>
-              <a:rPr lang="en-US" altLang="zh-CN" dirty="0" smtClean="0"/>
+              <a:rPr lang="en-US" altLang="zh-CN" dirty="0"/>
               <a:t>5\6</a:t>
             </a:r>
             <a:endParaRPr lang="zh-CN" altLang="en-US" dirty="0"/>
@@ -23622,7 +23427,7 @@
           <a:lstStyle/>
           <a:p>
             <a:r>
-              <a:rPr lang="en-US" altLang="zh-CN" dirty="0" smtClean="0"/>
+              <a:rPr lang="en-US" altLang="zh-CN" dirty="0"/>
               <a:t>1</a:t>
             </a:r>
             <a:endParaRPr lang="zh-CN" altLang="en-US" dirty="0"/>
@@ -23660,7 +23465,7 @@
           <a:lstStyle/>
           <a:p>
             <a:r>
-              <a:rPr lang="en-US" altLang="zh-CN" dirty="0" smtClean="0"/>
+              <a:rPr lang="en-US" altLang="zh-CN" dirty="0"/>
               <a:t>2</a:t>
             </a:r>
             <a:endParaRPr lang="zh-CN" altLang="en-US" dirty="0"/>
@@ -23776,7 +23581,7 @@
           <a:lstStyle/>
           <a:p>
             <a:r>
-              <a:rPr lang="en-US" altLang="zh-CN" dirty="0" smtClean="0"/>
+              <a:rPr lang="en-US" altLang="zh-CN" dirty="0"/>
               <a:t>1000</a:t>
             </a:r>
             <a:endParaRPr lang="zh-CN" altLang="en-US" dirty="0"/>
@@ -23811,7 +23616,7 @@
           <a:lstStyle/>
           <a:p>
             <a:r>
-              <a:rPr lang="en-US" altLang="zh-CN" dirty="0" smtClean="0"/>
+              <a:rPr lang="en-US" altLang="zh-CN" dirty="0"/>
               <a:t>2000</a:t>
             </a:r>
             <a:endParaRPr lang="zh-CN" altLang="en-US" dirty="0"/>
@@ -23883,7 +23688,7 @@
           <a:lstStyle/>
           <a:p>
             <a:r>
-              <a:rPr lang="en-US" altLang="zh-CN" dirty="0" smtClean="0"/>
+              <a:rPr lang="en-US" altLang="zh-CN" dirty="0"/>
               <a:t>3000</a:t>
             </a:r>
             <a:endParaRPr lang="zh-CN" altLang="en-US" dirty="0"/>
@@ -23900,13 +23705,6 @@
   <p:clrMapOvr>
     <a:masterClrMapping/>
   </p:clrMapOvr>
-  <p:timing>
-    <p:tnLst>
-      <p:par>
-        <p:cTn id="1" dur="indefinite" restart="never" nodeType="tmRoot"/>
-      </p:par>
-    </p:tnLst>
-  </p:timing>
 </p:sld>
 </file>
 
@@ -23970,7 +23768,7 @@
           <a:p>
             <a:pPr algn="ctr"/>
             <a:r>
-              <a:rPr lang="en-US" altLang="zh-CN" sz="1600" dirty="0" smtClean="0">
+              <a:rPr lang="en-US" altLang="zh-CN" sz="1600" dirty="0">
                 <a:solidFill>
                   <a:schemeClr val="tx1"/>
                 </a:solidFill>
@@ -23986,15 +23784,7 @@
                   <a:schemeClr val="tx1"/>
                 </a:solidFill>
               </a:rPr>
-              <a:t>(</a:t>
-            </a:r>
-            <a:r>
-              <a:rPr lang="en-US" altLang="zh-CN" sz="1600" dirty="0" smtClean="0">
-                <a:solidFill>
-                  <a:schemeClr val="tx1"/>
-                </a:solidFill>
-              </a:rPr>
-              <a:t>1,0)</a:t>
+              <a:t>(1,0)</a:t>
             </a:r>
             <a:endParaRPr lang="zh-CN" altLang="en-US" sz="1600" dirty="0">
               <a:solidFill>
@@ -24047,7 +23837,7 @@
           <a:p>
             <a:pPr algn="ctr"/>
             <a:r>
-              <a:rPr lang="en-US" altLang="zh-CN" sz="1600" dirty="0" smtClean="0">
+              <a:rPr lang="en-US" altLang="zh-CN" sz="1600" dirty="0">
                 <a:solidFill>
                   <a:schemeClr val="tx1"/>
                 </a:solidFill>
@@ -24058,7 +23848,7 @@
           <a:p>
             <a:pPr algn="ctr"/>
             <a:r>
-              <a:rPr lang="en-US" altLang="zh-CN" sz="1600" dirty="0" smtClean="0">
+              <a:rPr lang="en-US" altLang="zh-CN" sz="1600" dirty="0">
                 <a:solidFill>
                   <a:schemeClr val="tx1"/>
                 </a:solidFill>
@@ -24116,7 +23906,7 @@
           <a:p>
             <a:pPr algn="ctr"/>
             <a:r>
-              <a:rPr lang="en-US" altLang="zh-CN" sz="1600" dirty="0" smtClean="0">
+              <a:rPr lang="en-US" altLang="zh-CN" sz="1600" dirty="0">
                 <a:solidFill>
                   <a:schemeClr val="tx1"/>
                 </a:solidFill>
@@ -24127,7 +23917,7 @@
           <a:p>
             <a:pPr algn="ctr"/>
             <a:r>
-              <a:rPr lang="en-US" altLang="zh-CN" sz="1600" dirty="0" smtClean="0">
+              <a:rPr lang="en-US" altLang="zh-CN" sz="1600" dirty="0">
                 <a:solidFill>
                   <a:schemeClr val="tx1"/>
                 </a:solidFill>
@@ -24185,14 +23975,14 @@
           <a:p>
             <a:pPr algn="ctr"/>
             <a:r>
-              <a:rPr lang="en-US" altLang="zh-CN" dirty="0" err="1" smtClean="0">
+              <a:rPr lang="en-US" altLang="zh-CN" dirty="0" err="1">
                 <a:solidFill>
                   <a:schemeClr val="tx1"/>
                 </a:solidFill>
               </a:rPr>
               <a:t>Xor</a:t>
             </a:r>
-            <a:endParaRPr lang="en-US" altLang="zh-CN" dirty="0" smtClean="0">
+            <a:endParaRPr lang="en-US" altLang="zh-CN" dirty="0">
               <a:solidFill>
                 <a:schemeClr val="tx1"/>
               </a:solidFill>
@@ -24201,7 +23991,7 @@
           <a:p>
             <a:pPr algn="ctr"/>
             <a:r>
-              <a:rPr lang="en-US" altLang="zh-CN" dirty="0" smtClean="0">
+              <a:rPr lang="en-US" altLang="zh-CN" dirty="0">
                 <a:solidFill>
                   <a:schemeClr val="tx1"/>
                 </a:solidFill>
@@ -24259,7 +24049,7 @@
           <a:p>
             <a:pPr algn="ctr"/>
             <a:r>
-              <a:rPr lang="en-US" altLang="zh-CN" dirty="0" smtClean="0">
+              <a:rPr lang="en-US" altLang="zh-CN" dirty="0">
                 <a:solidFill>
                   <a:schemeClr val="tx1"/>
                 </a:solidFill>
@@ -24270,7 +24060,7 @@
           <a:p>
             <a:pPr algn="ctr"/>
             <a:r>
-              <a:rPr lang="en-US" altLang="zh-CN" dirty="0" smtClean="0">
+              <a:rPr lang="en-US" altLang="zh-CN" dirty="0">
                 <a:solidFill>
                   <a:schemeClr val="tx1"/>
                 </a:solidFill>
@@ -24436,7 +24226,7 @@
           <a:p>
             <a:pPr algn="ctr"/>
             <a:r>
-              <a:rPr lang="en-US" altLang="zh-CN" dirty="0" smtClean="0">
+              <a:rPr lang="en-US" altLang="zh-CN" dirty="0">
                 <a:solidFill>
                   <a:schemeClr val="tx1"/>
                 </a:solidFill>
@@ -24530,7 +24320,7 @@
           <a:p>
             <a:pPr algn="ctr"/>
             <a:r>
-              <a:rPr lang="en-US" altLang="zh-CN" dirty="0" smtClean="0">
+              <a:rPr lang="en-US" altLang="zh-CN" dirty="0">
                 <a:solidFill>
                   <a:schemeClr val="tx1"/>
                 </a:solidFill>
@@ -24588,7 +24378,7 @@
           <a:p>
             <a:pPr algn="ctr"/>
             <a:r>
-              <a:rPr lang="en-US" altLang="zh-CN" dirty="0" smtClean="0">
+              <a:rPr lang="en-US" altLang="zh-CN" dirty="0">
                 <a:solidFill>
                   <a:schemeClr val="tx1"/>
                 </a:solidFill>
@@ -24858,7 +24648,7 @@
           <a:p>
             <a:pPr algn="ctr"/>
             <a:r>
-              <a:rPr lang="en-US" altLang="zh-CN" sz="1200" dirty="0" smtClean="0">
+              <a:rPr lang="en-US" altLang="zh-CN" sz="1200" dirty="0">
                 <a:solidFill>
                   <a:schemeClr val="tx1"/>
                 </a:solidFill>
@@ -24869,7 +24659,7 @@
           <a:p>
             <a:pPr algn="ctr"/>
             <a:r>
-              <a:rPr lang="en-US" altLang="zh-CN" sz="1200" dirty="0" smtClean="0">
+              <a:rPr lang="en-US" altLang="zh-CN" sz="1200" dirty="0">
                 <a:solidFill>
                   <a:schemeClr val="tx1"/>
                 </a:solidFill>
@@ -25069,23 +24859,18 @@
           <a:p>
             <a:pPr algn="ctr"/>
             <a:r>
-              <a:rPr lang="en-US" altLang="zh-CN" sz="1200" dirty="0" smtClean="0">
+              <a:rPr lang="en-US" altLang="zh-CN" sz="1200" dirty="0">
                 <a:solidFill>
                   <a:schemeClr val="tx1"/>
                 </a:solidFill>
               </a:rPr>
               <a:t>if(1000)?</a:t>
             </a:r>
-            <a:endParaRPr lang="en-US" altLang="zh-CN" sz="1200" dirty="0">
-              <a:solidFill>
-                <a:schemeClr val="tx1"/>
-              </a:solidFill>
-            </a:endParaRPr>
-          </a:p>
-          <a:p>
-            <a:pPr algn="ctr"/>
-            <a:r>
-              <a:rPr lang="en-US" altLang="zh-CN" sz="1200" dirty="0" smtClean="0">
+          </a:p>
+          <a:p>
+            <a:pPr algn="ctr"/>
+            <a:r>
+              <a:rPr lang="en-US" altLang="zh-CN" sz="1200" dirty="0">
                 <a:solidFill>
                   <a:schemeClr val="tx1"/>
                 </a:solidFill>
@@ -25143,7 +24928,7 @@
           <a:p>
             <a:pPr algn="ctr"/>
             <a:r>
-              <a:rPr lang="en-US" altLang="zh-CN" dirty="0" smtClean="0">
+              <a:rPr lang="en-US" altLang="zh-CN" dirty="0">
                 <a:solidFill>
                   <a:schemeClr val="tx1"/>
                 </a:solidFill>
@@ -25201,7 +24986,7 @@
           <a:p>
             <a:pPr algn="ctr"/>
             <a:r>
-              <a:rPr lang="en-US" altLang="zh-CN" dirty="0" smtClean="0">
+              <a:rPr lang="en-US" altLang="zh-CN" dirty="0">
                 <a:solidFill>
                   <a:schemeClr val="tx1"/>
                 </a:solidFill>
@@ -25212,7 +24997,7 @@
           <a:p>
             <a:pPr algn="ctr"/>
             <a:r>
-              <a:rPr lang="en-US" altLang="zh-CN" dirty="0" smtClean="0">
+              <a:rPr lang="en-US" altLang="zh-CN" dirty="0">
                 <a:solidFill>
                   <a:schemeClr val="tx1"/>
                 </a:solidFill>
@@ -25270,7 +25055,7 @@
           <a:p>
             <a:pPr algn="ctr"/>
             <a:r>
-              <a:rPr lang="en-US" altLang="zh-CN" dirty="0" smtClean="0">
+              <a:rPr lang="en-US" altLang="zh-CN" dirty="0">
                 <a:solidFill>
                   <a:schemeClr val="tx1"/>
                 </a:solidFill>
@@ -25510,7 +25295,7 @@
           <a:p>
             <a:pPr algn="ctr"/>
             <a:r>
-              <a:rPr lang="en-US" altLang="zh-CN" sz="1200" dirty="0" smtClean="0">
+              <a:rPr lang="en-US" altLang="zh-CN" sz="1200" dirty="0">
                 <a:solidFill>
                   <a:schemeClr val="tx1"/>
                 </a:solidFill>
@@ -25521,7 +25306,7 @@
           <a:p>
             <a:pPr algn="ctr"/>
             <a:r>
-              <a:rPr lang="en-US" altLang="zh-CN" sz="1200" dirty="0" smtClean="0">
+              <a:rPr lang="en-US" altLang="zh-CN" sz="1200" dirty="0">
                 <a:solidFill>
                   <a:schemeClr val="tx1"/>
                 </a:solidFill>
@@ -25579,7 +25364,7 @@
           <a:p>
             <a:pPr algn="ctr"/>
             <a:r>
-              <a:rPr lang="en-US" altLang="zh-CN" sz="1200" dirty="0" smtClean="0">
+              <a:rPr lang="en-US" altLang="zh-CN" sz="1200" dirty="0">
                 <a:solidFill>
                   <a:schemeClr val="tx1"/>
                 </a:solidFill>
@@ -25590,7 +25375,7 @@
           <a:p>
             <a:pPr algn="ctr"/>
             <a:r>
-              <a:rPr lang="en-US" altLang="zh-CN" sz="1200" dirty="0" smtClean="0">
+              <a:rPr lang="en-US" altLang="zh-CN" sz="1200" dirty="0">
                 <a:solidFill>
                   <a:schemeClr val="tx1"/>
                 </a:solidFill>
@@ -25601,7 +25386,7 @@
           <a:p>
             <a:pPr algn="ctr"/>
             <a:r>
-              <a:rPr lang="en-US" altLang="zh-CN" sz="1200" dirty="0" smtClean="0">
+              <a:rPr lang="en-US" altLang="zh-CN" sz="1200" dirty="0">
                 <a:solidFill>
                   <a:schemeClr val="tx1"/>
                 </a:solidFill>
@@ -25659,7 +25444,7 @@
           <a:p>
             <a:pPr algn="ctr"/>
             <a:r>
-              <a:rPr lang="en-US" altLang="zh-CN" sz="1200" dirty="0" smtClean="0">
+              <a:rPr lang="en-US" altLang="zh-CN" sz="1200" dirty="0">
                 <a:solidFill>
                   <a:schemeClr val="tx1"/>
                 </a:solidFill>
@@ -25670,7 +25455,7 @@
           <a:p>
             <a:pPr algn="ctr"/>
             <a:r>
-              <a:rPr lang="en-US" altLang="zh-CN" sz="1200" dirty="0" smtClean="0">
+              <a:rPr lang="en-US" altLang="zh-CN" sz="1200" dirty="0">
                 <a:solidFill>
                   <a:schemeClr val="tx1"/>
                 </a:solidFill>
@@ -25681,7 +25466,7 @@
           <a:p>
             <a:pPr algn="ctr"/>
             <a:r>
-              <a:rPr lang="en-US" altLang="zh-CN" sz="1200" dirty="0" smtClean="0">
+              <a:rPr lang="en-US" altLang="zh-CN" sz="1200" dirty="0">
                 <a:solidFill>
                   <a:schemeClr val="tx1"/>
                 </a:solidFill>
@@ -25739,26 +25524,18 @@
           <a:p>
             <a:pPr algn="ctr"/>
             <a:r>
-              <a:rPr lang="en-US" altLang="zh-CN" sz="1200" dirty="0" smtClean="0">
-                <a:solidFill>
-                  <a:schemeClr val="tx1"/>
-                </a:solidFill>
-              </a:rPr>
-              <a:t>if(2000</a:t>
-            </a:r>
-            <a:r>
               <a:rPr lang="en-US" altLang="zh-CN" sz="1200" dirty="0">
                 <a:solidFill>
                   <a:schemeClr val="tx1"/>
                 </a:solidFill>
               </a:rPr>
-              <a:t>)?</a:t>
-            </a:r>
-          </a:p>
-          <a:p>
-            <a:pPr algn="ctr"/>
-            <a:r>
-              <a:rPr lang="en-US" altLang="zh-CN" sz="1200" dirty="0" smtClean="0">
+              <a:t>if(2000)?</a:t>
+            </a:r>
+          </a:p>
+          <a:p>
+            <a:pPr algn="ctr"/>
+            <a:r>
+              <a:rPr lang="en-US" altLang="zh-CN" sz="1200" dirty="0">
                 <a:solidFill>
                   <a:schemeClr val="tx1"/>
                 </a:solidFill>
@@ -25816,7 +25593,7 @@
           <a:p>
             <a:pPr algn="ctr"/>
             <a:r>
-              <a:rPr lang="en-US" altLang="zh-CN" dirty="0" smtClean="0">
+              <a:rPr lang="en-US" altLang="zh-CN" dirty="0">
                 <a:solidFill>
                   <a:schemeClr val="tx1"/>
                 </a:solidFill>
@@ -25910,26 +25687,18 @@
           <a:p>
             <a:pPr algn="ctr"/>
             <a:r>
-              <a:rPr lang="en-US" altLang="zh-CN" sz="1200" dirty="0" smtClean="0">
-                <a:solidFill>
-                  <a:schemeClr val="tx1"/>
-                </a:solidFill>
-              </a:rPr>
-              <a:t>if(3000</a:t>
-            </a:r>
-            <a:r>
               <a:rPr lang="en-US" altLang="zh-CN" sz="1200" dirty="0">
                 <a:solidFill>
                   <a:schemeClr val="tx1"/>
                 </a:solidFill>
               </a:rPr>
-              <a:t>)?</a:t>
-            </a:r>
-          </a:p>
-          <a:p>
-            <a:pPr algn="ctr"/>
-            <a:r>
-              <a:rPr lang="en-US" altLang="zh-CN" sz="1200" dirty="0" smtClean="0">
+              <a:t>if(3000)?</a:t>
+            </a:r>
+          </a:p>
+          <a:p>
+            <a:pPr algn="ctr"/>
+            <a:r>
+              <a:rPr lang="en-US" altLang="zh-CN" sz="1200" dirty="0">
                 <a:solidFill>
                   <a:schemeClr val="tx1"/>
                 </a:solidFill>
@@ -25987,7 +25756,7 @@
           <a:p>
             <a:pPr algn="ctr"/>
             <a:r>
-              <a:rPr lang="en-US" altLang="zh-CN" dirty="0" smtClean="0">
+              <a:rPr lang="en-US" altLang="zh-CN" dirty="0">
                 <a:solidFill>
                   <a:schemeClr val="tx1"/>
                 </a:solidFill>
@@ -26081,26 +25850,18 @@
           <a:p>
             <a:pPr algn="ctr"/>
             <a:r>
-              <a:rPr lang="en-US" altLang="zh-CN" sz="1200" dirty="0" smtClean="0">
-                <a:solidFill>
-                  <a:schemeClr val="tx1"/>
-                </a:solidFill>
-              </a:rPr>
-              <a:t>if(4000</a:t>
-            </a:r>
-            <a:r>
               <a:rPr lang="en-US" altLang="zh-CN" sz="1200" dirty="0">
                 <a:solidFill>
                   <a:schemeClr val="tx1"/>
                 </a:solidFill>
               </a:rPr>
-              <a:t>)?</a:t>
-            </a:r>
-          </a:p>
-          <a:p>
-            <a:pPr algn="ctr"/>
-            <a:r>
-              <a:rPr lang="en-US" altLang="zh-CN" sz="1200" dirty="0" smtClean="0">
+              <a:t>if(4000)?</a:t>
+            </a:r>
+          </a:p>
+          <a:p>
+            <a:pPr algn="ctr"/>
+            <a:r>
+              <a:rPr lang="en-US" altLang="zh-CN" sz="1200" dirty="0">
                 <a:solidFill>
                   <a:schemeClr val="tx1"/>
                 </a:solidFill>
@@ -26158,7 +25919,7 @@
           <a:p>
             <a:pPr algn="ctr"/>
             <a:r>
-              <a:rPr lang="en-US" altLang="zh-CN" dirty="0" smtClean="0">
+              <a:rPr lang="en-US" altLang="zh-CN" dirty="0">
                 <a:solidFill>
                   <a:schemeClr val="tx1"/>
                 </a:solidFill>
@@ -26720,7 +26481,7 @@
           <a:lstStyle/>
           <a:p>
             <a:r>
-              <a:rPr lang="en-US" altLang="zh-CN" dirty="0" smtClean="0"/>
+              <a:rPr lang="en-US" altLang="zh-CN" dirty="0"/>
               <a:t>Set output</a:t>
             </a:r>
             <a:endParaRPr lang="zh-CN" altLang="en-US" dirty="0"/>
@@ -26792,7 +26553,7 @@
           <a:lstStyle/>
           <a:p>
             <a:r>
-              <a:rPr lang="en-US" altLang="zh-CN" dirty="0" smtClean="0"/>
+              <a:rPr lang="en-US" altLang="zh-CN" dirty="0"/>
               <a:t>Enable</a:t>
             </a:r>
             <a:endParaRPr lang="zh-CN" altLang="en-US" dirty="0"/>
@@ -26822,7 +26583,7 @@
           <a:lstStyle/>
           <a:p>
             <a:r>
-              <a:rPr lang="en-US" altLang="zh-CN" dirty="0" smtClean="0"/>
+              <a:rPr lang="en-US" altLang="zh-CN" dirty="0"/>
               <a:t>Enable</a:t>
             </a:r>
             <a:endParaRPr lang="zh-CN" altLang="en-US" dirty="0"/>
@@ -26852,7 +26613,7 @@
           <a:lstStyle/>
           <a:p>
             <a:r>
-              <a:rPr lang="en-US" altLang="zh-CN" dirty="0" smtClean="0"/>
+              <a:rPr lang="en-US" altLang="zh-CN" dirty="0"/>
               <a:t>Enable</a:t>
             </a:r>
             <a:endParaRPr lang="zh-CN" altLang="en-US" dirty="0"/>
@@ -26882,7 +26643,7 @@
           <a:lstStyle/>
           <a:p>
             <a:r>
-              <a:rPr lang="en-US" altLang="zh-CN" dirty="0" smtClean="0"/>
+              <a:rPr lang="en-US" altLang="zh-CN" dirty="0"/>
               <a:t>Enable</a:t>
             </a:r>
             <a:endParaRPr lang="zh-CN" altLang="en-US" dirty="0"/>
@@ -26912,7 +26673,7 @@
           <a:lstStyle/>
           <a:p>
             <a:r>
-              <a:rPr lang="en-US" altLang="zh-CN" dirty="0" smtClean="0"/>
+              <a:rPr lang="en-US" altLang="zh-CN" dirty="0"/>
               <a:t>1\2</a:t>
             </a:r>
             <a:endParaRPr lang="zh-CN" altLang="en-US" dirty="0"/>
@@ -26942,7 +26703,7 @@
           <a:lstStyle/>
           <a:p>
             <a:r>
-              <a:rPr lang="en-US" altLang="zh-CN" dirty="0" smtClean="0"/>
+              <a:rPr lang="en-US" altLang="zh-CN" dirty="0"/>
               <a:t>3\4</a:t>
             </a:r>
             <a:endParaRPr lang="zh-CN" altLang="en-US" dirty="0"/>
@@ -26972,7 +26733,7 @@
           <a:lstStyle/>
           <a:p>
             <a:r>
-              <a:rPr lang="en-US" altLang="zh-CN" dirty="0" smtClean="0"/>
+              <a:rPr lang="en-US" altLang="zh-CN" dirty="0"/>
               <a:t>5\6</a:t>
             </a:r>
             <a:endParaRPr lang="zh-CN" altLang="en-US" dirty="0"/>
@@ -27002,7 +26763,7 @@
           <a:lstStyle/>
           <a:p>
             <a:r>
-              <a:rPr lang="en-US" altLang="zh-CN" dirty="0" smtClean="0"/>
+              <a:rPr lang="en-US" altLang="zh-CN" dirty="0"/>
               <a:t>7\8</a:t>
             </a:r>
             <a:endParaRPr lang="zh-CN" altLang="en-US" dirty="0"/>
@@ -27040,7 +26801,7 @@
           <a:lstStyle/>
           <a:p>
             <a:r>
-              <a:rPr lang="en-US" altLang="zh-CN" dirty="0" smtClean="0"/>
+              <a:rPr lang="en-US" altLang="zh-CN" dirty="0"/>
               <a:t>1</a:t>
             </a:r>
             <a:endParaRPr lang="zh-CN" altLang="en-US" dirty="0"/>
@@ -27078,7 +26839,7 @@
           <a:lstStyle/>
           <a:p>
             <a:r>
-              <a:rPr lang="en-US" altLang="zh-CN" dirty="0" smtClean="0"/>
+              <a:rPr lang="en-US" altLang="zh-CN" dirty="0"/>
               <a:t>2</a:t>
             </a:r>
             <a:endParaRPr lang="zh-CN" altLang="en-US" dirty="0"/>
@@ -27109,41 +26870,25 @@
           <a:p>
             <a:r>
               <a:rPr lang="en-US" altLang="zh-CN" dirty="0"/>
-              <a:t>^(10[0-9][0-9]|11[0-7][0-9]|20[3-8][0-9]|30[6-9][0-9]|31[0-1][0-9]|409[0-9]|41[0-4][0-9</a:t>
-            </a:r>
-            <a:r>
-              <a:rPr lang="en-US" altLang="zh-CN" dirty="0" smtClean="0"/>
-              <a:t>])$</a:t>
+              <a:t>^(10[0-9][0-9]|11[0-7][0-9]|20[3-8][0-9]|30[6-9][0-9]|31[0-1][0-9]|409[0-9]|41[0-4][0-9])$</a:t>
             </a:r>
           </a:p>
           <a:p>
             <a:r>
               <a:rPr lang="en-US" altLang="zh-CN" dirty="0"/>
-              <a:t>^(11[8-9][0-9]|12[0-3][0-9]|209[0-9]|21[0-9][0-9]|22[0-6][0-9]|31[2-7][0-9]|41[5-9][0-9]|420[0-9</a:t>
-            </a:r>
-            <a:r>
-              <a:rPr lang="en-US" altLang="zh-CN" dirty="0" smtClean="0"/>
-              <a:t>])$</a:t>
+              <a:t>^(11[8-9][0-9]|12[0-3][0-9]|209[0-9]|21[0-9][0-9]|22[0-6][0-9]|31[2-7][0-9]|41[5-9][0-9]|420[0-9])$</a:t>
             </a:r>
           </a:p>
           <a:p>
             <a:r>
               <a:rPr lang="en-US" altLang="zh-CN" dirty="0"/>
-              <a:t>^(12[4-9][0-9]|22[7-9][0-9]|23[0-2][0-9]|31[8-9][0-9]|32[0-9][0-9]|33[0-5][0-9]|42[1-6][0-9</a:t>
-            </a:r>
-            <a:r>
-              <a:rPr lang="en-US" altLang="zh-CN" dirty="0" smtClean="0"/>
-              <a:t>])$</a:t>
+              <a:t>^(12[4-9][0-9]|22[7-9][0-9]|23[0-2][0-9]|31[8-9][0-9]|32[0-9][0-9]|33[0-5][0-9]|42[1-6][0-9])$</a:t>
             </a:r>
           </a:p>
           <a:p>
             <a:r>
               <a:rPr lang="en-US" altLang="zh-CN" dirty="0"/>
-              <a:t>^(13[0-5][0-9]|23[3-5][0-9]|20[0-2][0-9]|30[0-5][0-9]|42[7-9][0-9]|43[0-5][0-9]|40[0-8][0-9</a:t>
-            </a:r>
-            <a:r>
-              <a:rPr lang="en-US" altLang="zh-CN" dirty="0" smtClean="0"/>
-              <a:t>])$</a:t>
+              <a:t>^(13[0-5][0-9]|23[3-5][0-9]|20[0-2][0-9]|30[0-5][0-9]|42[7-9][0-9]|43[0-5][0-9]|40[0-8][0-9])$</a:t>
             </a:r>
           </a:p>
           <a:p>
@@ -27298,7 +27043,7 @@
           <a:lstStyle/>
           <a:p>
             <a:r>
-              <a:rPr lang="en-US" altLang="zh-CN" dirty="0" smtClean="0"/>
+              <a:rPr lang="en-US" altLang="zh-CN" dirty="0"/>
               <a:t>1000</a:t>
             </a:r>
             <a:endParaRPr lang="zh-CN" altLang="en-US" dirty="0"/>
@@ -27333,7 +27078,7 @@
           <a:lstStyle/>
           <a:p>
             <a:r>
-              <a:rPr lang="en-US" altLang="zh-CN" dirty="0" smtClean="0"/>
+              <a:rPr lang="en-US" altLang="zh-CN" dirty="0"/>
               <a:t>2000</a:t>
             </a:r>
             <a:endParaRPr lang="zh-CN" altLang="en-US" dirty="0"/>
@@ -27368,7 +27113,7 @@
           <a:lstStyle/>
           <a:p>
             <a:r>
-              <a:rPr lang="en-US" altLang="zh-CN" dirty="0" smtClean="0"/>
+              <a:rPr lang="en-US" altLang="zh-CN" dirty="0"/>
               <a:t>3000</a:t>
             </a:r>
             <a:endParaRPr lang="zh-CN" altLang="en-US" dirty="0"/>
@@ -27403,7 +27148,7 @@
           <a:lstStyle/>
           <a:p>
             <a:r>
-              <a:rPr lang="en-US" altLang="zh-CN" dirty="0" smtClean="0"/>
+              <a:rPr lang="en-US" altLang="zh-CN" dirty="0"/>
               <a:t>4000</a:t>
             </a:r>
             <a:endParaRPr lang="zh-CN" altLang="en-US" dirty="0"/>
@@ -27420,13 +27165,6 @@
   <p:clrMapOvr>
     <a:masterClrMapping/>
   </p:clrMapOvr>
-  <p:timing>
-    <p:tnLst>
-      <p:par>
-        <p:cTn id="1" dur="indefinite" restart="never" nodeType="tmRoot"/>
-      </p:par>
-    </p:tnLst>
-  </p:timing>
 </p:sld>
 </file>
 
@@ -27490,7 +27228,7 @@
           <a:p>
             <a:pPr algn="ctr"/>
             <a:r>
-              <a:rPr lang="en-US" altLang="zh-CN" dirty="0" smtClean="0">
+              <a:rPr lang="en-US" altLang="zh-CN" dirty="0">
                 <a:solidFill>
                   <a:schemeClr val="tx1"/>
                 </a:solidFill>
@@ -27548,7 +27286,7 @@
           <a:p>
             <a:pPr algn="ctr"/>
             <a:r>
-              <a:rPr lang="en-US" altLang="zh-CN" dirty="0" smtClean="0">
+              <a:rPr lang="en-US" altLang="zh-CN" dirty="0">
                 <a:solidFill>
                   <a:schemeClr val="tx1"/>
                 </a:solidFill>
@@ -27678,7 +27416,7 @@
           <a:p>
             <a:pPr algn="ctr"/>
             <a:r>
-              <a:rPr lang="en-US" altLang="zh-CN" dirty="0" smtClean="0">
+              <a:rPr lang="en-US" altLang="zh-CN" dirty="0">
                 <a:solidFill>
                   <a:schemeClr val="tx1"/>
                 </a:solidFill>
@@ -27736,7 +27474,7 @@
           <a:p>
             <a:pPr algn="ctr"/>
             <a:r>
-              <a:rPr lang="en-US" altLang="zh-CN" dirty="0" smtClean="0">
+              <a:rPr lang="en-US" altLang="zh-CN" dirty="0">
                 <a:solidFill>
                   <a:schemeClr val="tx1"/>
                 </a:solidFill>
@@ -27747,7 +27485,7 @@
           <a:p>
             <a:pPr algn="ctr"/>
             <a:r>
-              <a:rPr lang="en-US" altLang="zh-CN" dirty="0" smtClean="0">
+              <a:rPr lang="en-US" altLang="zh-CN" dirty="0">
                 <a:solidFill>
                   <a:schemeClr val="tx1"/>
                 </a:solidFill>
@@ -27805,7 +27543,7 @@
           <a:p>
             <a:pPr algn="ctr"/>
             <a:r>
-              <a:rPr lang="en-US" altLang="zh-CN" dirty="0" smtClean="0">
+              <a:rPr lang="en-US" altLang="zh-CN" dirty="0">
                 <a:solidFill>
                   <a:schemeClr val="tx1"/>
                 </a:solidFill>
@@ -27863,7 +27601,7 @@
           <a:p>
             <a:pPr algn="ctr"/>
             <a:r>
-              <a:rPr lang="en-US" altLang="zh-CN" dirty="0" smtClean="0">
+              <a:rPr lang="en-US" altLang="zh-CN" dirty="0">
                 <a:solidFill>
                   <a:schemeClr val="tx1"/>
                 </a:solidFill>
@@ -27916,7 +27654,7 @@
           <a:p>
             <a:pPr algn="ctr"/>
             <a:r>
-              <a:rPr lang="en-US" altLang="zh-CN" dirty="0" smtClean="0">
+              <a:rPr lang="en-US" altLang="zh-CN" dirty="0">
                 <a:solidFill>
                   <a:schemeClr val="tx1"/>
                 </a:solidFill>
@@ -27969,7 +27707,7 @@
           <a:p>
             <a:pPr algn="ctr"/>
             <a:r>
-              <a:rPr lang="en-US" altLang="zh-CN" dirty="0" smtClean="0">
+              <a:rPr lang="en-US" altLang="zh-CN" dirty="0">
                 <a:solidFill>
                   <a:schemeClr val="tx1"/>
                 </a:solidFill>
@@ -28094,7 +27832,7 @@
           <a:p>
             <a:pPr algn="ctr"/>
             <a:r>
-              <a:rPr lang="en-US" altLang="zh-CN" dirty="0" smtClean="0">
+              <a:rPr lang="en-US" altLang="zh-CN" dirty="0">
                 <a:solidFill>
                   <a:schemeClr val="tx1"/>
                 </a:solidFill>
@@ -28152,7 +27890,7 @@
           <a:p>
             <a:pPr algn="ctr"/>
             <a:r>
-              <a:rPr lang="en-US" altLang="zh-CN" dirty="0" smtClean="0">
+              <a:rPr lang="en-US" altLang="zh-CN" dirty="0">
                 <a:solidFill>
                   <a:schemeClr val="tx1"/>
                 </a:solidFill>
@@ -28502,7 +28240,7 @@
           <a:p>
             <a:pPr algn="ctr"/>
             <a:r>
-              <a:rPr lang="en-US" altLang="zh-CN" dirty="0" smtClean="0">
+              <a:rPr lang="en-US" altLang="zh-CN" dirty="0">
                 <a:solidFill>
                   <a:schemeClr val="tx1"/>
                 </a:solidFill>
@@ -28560,7 +28298,7 @@
           <a:p>
             <a:pPr algn="ctr"/>
             <a:r>
-              <a:rPr lang="en-US" altLang="zh-CN" dirty="0" smtClean="0">
+              <a:rPr lang="en-US" altLang="zh-CN" dirty="0">
                 <a:solidFill>
                   <a:schemeClr val="tx1"/>
                 </a:solidFill>
@@ -28618,7 +28356,7 @@
           <a:p>
             <a:pPr algn="ctr"/>
             <a:r>
-              <a:rPr lang="en-US" altLang="zh-CN" dirty="0" smtClean="0">
+              <a:rPr lang="en-US" altLang="zh-CN" dirty="0">
                 <a:solidFill>
                   <a:schemeClr val="tx1"/>
                 </a:solidFill>
@@ -28676,7 +28414,7 @@
           <a:p>
             <a:pPr algn="ctr"/>
             <a:r>
-              <a:rPr lang="en-US" altLang="zh-CN" dirty="0" smtClean="0">
+              <a:rPr lang="en-US" altLang="zh-CN" dirty="0">
                 <a:solidFill>
                   <a:schemeClr val="tx1"/>
                 </a:solidFill>
@@ -28729,7 +28467,7 @@
           <a:p>
             <a:pPr algn="ctr"/>
             <a:r>
-              <a:rPr lang="en-US" altLang="zh-CN" dirty="0" smtClean="0">
+              <a:rPr lang="en-US" altLang="zh-CN" dirty="0">
                 <a:solidFill>
                   <a:schemeClr val="tx1"/>
                 </a:solidFill>
@@ -28854,7 +28592,7 @@
           <a:p>
             <a:pPr algn="ctr"/>
             <a:r>
-              <a:rPr lang="en-US" altLang="zh-CN" dirty="0" smtClean="0">
+              <a:rPr lang="en-US" altLang="zh-CN" dirty="0">
                 <a:solidFill>
                   <a:schemeClr val="tx1"/>
                 </a:solidFill>
@@ -28912,7 +28650,7 @@
           <a:p>
             <a:pPr algn="ctr"/>
             <a:r>
-              <a:rPr lang="en-US" altLang="zh-CN" dirty="0" smtClean="0">
+              <a:rPr lang="en-US" altLang="zh-CN" dirty="0">
                 <a:solidFill>
                   <a:schemeClr val="tx1"/>
                 </a:solidFill>
@@ -29149,7 +28887,7 @@
           <a:p>
             <a:pPr algn="ctr"/>
             <a:r>
-              <a:rPr lang="en-US" altLang="zh-CN" dirty="0" smtClean="0">
+              <a:rPr lang="en-US" altLang="zh-CN" dirty="0">
                 <a:solidFill>
                   <a:schemeClr val="tx1"/>
                 </a:solidFill>
@@ -29160,7 +28898,7 @@
           <a:p>
             <a:pPr algn="ctr"/>
             <a:r>
-              <a:rPr lang="en-US" altLang="zh-CN" dirty="0" err="1" smtClean="0">
+              <a:rPr lang="en-US" altLang="zh-CN" dirty="0" err="1">
                 <a:solidFill>
                   <a:schemeClr val="tx1"/>
                 </a:solidFill>
@@ -29218,7 +28956,7 @@
           <a:p>
             <a:pPr algn="ctr"/>
             <a:r>
-              <a:rPr lang="en-US" altLang="zh-CN" dirty="0" smtClean="0">
+              <a:rPr lang="en-US" altLang="zh-CN" dirty="0">
                 <a:solidFill>
                   <a:schemeClr val="tx1"/>
                 </a:solidFill>
@@ -29229,7 +28967,7 @@
           <a:p>
             <a:pPr algn="ctr"/>
             <a:r>
-              <a:rPr lang="en-US" altLang="zh-CN" dirty="0" err="1" smtClean="0">
+              <a:rPr lang="en-US" altLang="zh-CN" dirty="0" err="1">
                 <a:solidFill>
                   <a:schemeClr val="tx1"/>
                 </a:solidFill>
@@ -29287,7 +29025,7 @@
           <a:p>
             <a:pPr algn="ctr"/>
             <a:r>
-              <a:rPr lang="en-US" altLang="zh-CN" dirty="0" smtClean="0">
+              <a:rPr lang="en-US" altLang="zh-CN" dirty="0">
                 <a:solidFill>
                   <a:schemeClr val="tx1"/>
                 </a:solidFill>
@@ -29298,7 +29036,7 @@
           <a:p>
             <a:pPr algn="ctr"/>
             <a:r>
-              <a:rPr lang="en-US" altLang="zh-CN" dirty="0" smtClean="0">
+              <a:rPr lang="en-US" altLang="zh-CN" dirty="0">
                 <a:solidFill>
                   <a:schemeClr val="tx1"/>
                 </a:solidFill>
@@ -29429,64 +29167,6 @@
           <a:p>
             <a:pPr algn="ctr"/>
             <a:r>
-              <a:rPr lang="en-US" altLang="zh-CN" sz="1600" dirty="0" smtClean="0">
-                <a:solidFill>
-                  <a:schemeClr val="tx1"/>
-                </a:solidFill>
-              </a:rPr>
-              <a:t>Round</a:t>
-            </a:r>
-            <a:endParaRPr lang="zh-CN" altLang="en-US" sz="1600" dirty="0">
-              <a:solidFill>
-                <a:schemeClr val="tx1"/>
-              </a:solidFill>
-            </a:endParaRPr>
-          </a:p>
-        </p:txBody>
-      </p:sp>
-      <p:sp>
-        <p:nvSpPr>
-          <p:cNvPr id="253" name="矩形 252"/>
-          <p:cNvSpPr/>
-          <p:nvPr/>
-        </p:nvSpPr>
-        <p:spPr>
-          <a:xfrm>
-            <a:off x="5375833" y="2587794"/>
-            <a:ext cx="733330" cy="695179"/>
-          </a:xfrm>
-          <a:prstGeom prst="rect">
-            <a:avLst/>
-          </a:prstGeom>
-          <a:noFill/>
-          <a:ln>
-            <a:solidFill>
-              <a:schemeClr val="tx1"/>
-            </a:solidFill>
-          </a:ln>
-        </p:spPr>
-        <p:style>
-          <a:lnRef idx="2">
-            <a:schemeClr val="accent1">
-              <a:shade val="50000"/>
-            </a:schemeClr>
-          </a:lnRef>
-          <a:fillRef idx="1">
-            <a:schemeClr val="accent1"/>
-          </a:fillRef>
-          <a:effectRef idx="0">
-            <a:schemeClr val="accent1"/>
-          </a:effectRef>
-          <a:fontRef idx="minor">
-            <a:schemeClr val="lt1"/>
-          </a:fontRef>
-        </p:style>
-        <p:txBody>
-          <a:bodyPr rtlCol="0" anchor="ctr"/>
-          <a:lstStyle/>
-          <a:p>
-            <a:pPr algn="ctr"/>
-            <a:r>
               <a:rPr lang="en-US" altLang="zh-CN" sz="1600" dirty="0">
                 <a:solidFill>
                   <a:schemeClr val="tx1"/>
@@ -29502,6 +29182,64 @@
           </a:p>
         </p:txBody>
       </p:sp>
+      <p:sp>
+        <p:nvSpPr>
+          <p:cNvPr id="253" name="矩形 252"/>
+          <p:cNvSpPr/>
+          <p:nvPr/>
+        </p:nvSpPr>
+        <p:spPr>
+          <a:xfrm>
+            <a:off x="5375833" y="2587794"/>
+            <a:ext cx="733330" cy="695179"/>
+          </a:xfrm>
+          <a:prstGeom prst="rect">
+            <a:avLst/>
+          </a:prstGeom>
+          <a:noFill/>
+          <a:ln>
+            <a:solidFill>
+              <a:schemeClr val="tx1"/>
+            </a:solidFill>
+          </a:ln>
+        </p:spPr>
+        <p:style>
+          <a:lnRef idx="2">
+            <a:schemeClr val="accent1">
+              <a:shade val="50000"/>
+            </a:schemeClr>
+          </a:lnRef>
+          <a:fillRef idx="1">
+            <a:schemeClr val="accent1"/>
+          </a:fillRef>
+          <a:effectRef idx="0">
+            <a:schemeClr val="accent1"/>
+          </a:effectRef>
+          <a:fontRef idx="minor">
+            <a:schemeClr val="lt1"/>
+          </a:fontRef>
+        </p:style>
+        <p:txBody>
+          <a:bodyPr rtlCol="0" anchor="ctr"/>
+          <a:lstStyle/>
+          <a:p>
+            <a:pPr algn="ctr"/>
+            <a:r>
+              <a:rPr lang="en-US" altLang="zh-CN" sz="1600" dirty="0">
+                <a:solidFill>
+                  <a:schemeClr val="tx1"/>
+                </a:solidFill>
+              </a:rPr>
+              <a:t>Round</a:t>
+            </a:r>
+            <a:endParaRPr lang="zh-CN" altLang="en-US" sz="1600" dirty="0">
+              <a:solidFill>
+                <a:schemeClr val="tx1"/>
+              </a:solidFill>
+            </a:endParaRPr>
+          </a:p>
+        </p:txBody>
+      </p:sp>
       <p:cxnSp>
         <p:nvCxnSpPr>
           <p:cNvPr id="257" name="直接箭头连接符 256"/>
@@ -29580,7 +29318,7 @@
           <a:p>
             <a:pPr algn="ctr"/>
             <a:r>
-              <a:rPr lang="en-US" altLang="zh-CN" dirty="0" smtClean="0">
+              <a:rPr lang="en-US" altLang="zh-CN" dirty="0">
                 <a:solidFill>
                   <a:schemeClr val="tx1"/>
                 </a:solidFill>
@@ -29591,7 +29329,7 @@
           <a:p>
             <a:pPr algn="ctr"/>
             <a:r>
-              <a:rPr lang="en-US" altLang="zh-CN" dirty="0" smtClean="0">
+              <a:rPr lang="en-US" altLang="zh-CN" dirty="0">
                 <a:solidFill>
                   <a:schemeClr val="tx1"/>
                 </a:solidFill>
@@ -29685,7 +29423,7 @@
           <a:p>
             <a:pPr algn="ctr"/>
             <a:r>
-              <a:rPr lang="en-US" altLang="zh-CN" dirty="0" smtClean="0">
+              <a:rPr lang="en-US" altLang="zh-CN" dirty="0">
                 <a:solidFill>
                   <a:schemeClr val="tx1"/>
                 </a:solidFill>
@@ -29779,14 +29517,14 @@
           <a:p>
             <a:pPr algn="ctr"/>
             <a:r>
-              <a:rPr lang="en-US" altLang="zh-CN" dirty="0" err="1" smtClean="0">
+              <a:rPr lang="en-US" altLang="zh-CN" dirty="0" err="1">
                 <a:solidFill>
                   <a:schemeClr val="tx1"/>
                 </a:solidFill>
               </a:rPr>
               <a:t>Xor</a:t>
             </a:r>
-            <a:endParaRPr lang="en-US" altLang="zh-CN" dirty="0" smtClean="0">
+            <a:endParaRPr lang="en-US" altLang="zh-CN" dirty="0">
               <a:solidFill>
                 <a:schemeClr val="tx1"/>
               </a:solidFill>
@@ -29795,7 +29533,7 @@
           <a:p>
             <a:pPr algn="ctr"/>
             <a:r>
-              <a:rPr lang="en-US" altLang="zh-CN" dirty="0" smtClean="0">
+              <a:rPr lang="en-US" altLang="zh-CN" dirty="0">
                 <a:solidFill>
                   <a:schemeClr val="tx1"/>
                 </a:solidFill>
@@ -29920,7 +29658,7 @@
           <a:p>
             <a:pPr algn="ctr"/>
             <a:r>
-              <a:rPr lang="en-US" altLang="zh-CN" dirty="0" smtClean="0">
+              <a:rPr lang="en-US" altLang="zh-CN" dirty="0">
                 <a:solidFill>
                   <a:schemeClr val="tx1"/>
                 </a:solidFill>
@@ -29973,7 +29711,7 @@
           <a:p>
             <a:pPr algn="ctr"/>
             <a:r>
-              <a:rPr lang="en-US" altLang="zh-CN" dirty="0" smtClean="0">
+              <a:rPr lang="en-US" altLang="zh-CN" dirty="0">
                 <a:solidFill>
                   <a:schemeClr val="tx1"/>
                 </a:solidFill>
@@ -30026,7 +29764,7 @@
           <a:p>
             <a:pPr algn="ctr"/>
             <a:r>
-              <a:rPr lang="en-US" altLang="zh-CN" dirty="0" smtClean="0">
+              <a:rPr lang="en-US" altLang="zh-CN" dirty="0">
                 <a:solidFill>
                   <a:schemeClr val="tx1"/>
                 </a:solidFill>
@@ -30059,7 +29797,7 @@
           <a:lstStyle/>
           <a:p>
             <a:r>
-              <a:rPr lang="en-US" altLang="zh-CN" dirty="0" smtClean="0"/>
+              <a:rPr lang="en-US" altLang="zh-CN" dirty="0"/>
               <a:t>Engine</a:t>
             </a:r>
             <a:endParaRPr lang="zh-CN" altLang="en-US" dirty="0"/>
@@ -30089,7 +29827,7 @@
           <a:lstStyle/>
           <a:p>
             <a:r>
-              <a:rPr lang="en-US" altLang="zh-CN" dirty="0" smtClean="0"/>
+              <a:rPr lang="en-US" altLang="zh-CN" dirty="0"/>
               <a:t>Pump</a:t>
             </a:r>
             <a:endParaRPr lang="zh-CN" altLang="en-US" dirty="0"/>
@@ -30119,7 +29857,7 @@
           <a:lstStyle/>
           <a:p>
             <a:r>
-              <a:rPr lang="en-US" altLang="zh-CN" dirty="0" smtClean="0"/>
+              <a:rPr lang="en-US" altLang="zh-CN" dirty="0"/>
               <a:t>transducer</a:t>
             </a:r>
             <a:endParaRPr lang="zh-CN" altLang="en-US" dirty="0"/>
@@ -30169,7 +29907,7 @@
           <a:p>
             <a:pPr algn="ctr"/>
             <a:r>
-              <a:rPr lang="en-US" altLang="zh-CN" dirty="0" smtClean="0">
+              <a:rPr lang="en-US" altLang="zh-CN" dirty="0">
                 <a:solidFill>
                   <a:schemeClr val="tx1"/>
                 </a:solidFill>
@@ -30180,7 +29918,7 @@
           <a:p>
             <a:pPr algn="ctr"/>
             <a:r>
-              <a:rPr lang="en-US" altLang="zh-CN" dirty="0" smtClean="0">
+              <a:rPr lang="en-US" altLang="zh-CN" dirty="0">
                 <a:solidFill>
                   <a:schemeClr val="tx1"/>
                 </a:solidFill>
@@ -30238,7 +29976,7 @@
           <a:p>
             <a:pPr algn="ctr"/>
             <a:r>
-              <a:rPr lang="en-US" altLang="zh-CN" dirty="0" smtClean="0">
+              <a:rPr lang="en-US" altLang="zh-CN" dirty="0">
                 <a:solidFill>
                   <a:schemeClr val="tx1"/>
                 </a:solidFill>
@@ -30249,7 +29987,7 @@
           <a:p>
             <a:pPr algn="ctr"/>
             <a:r>
-              <a:rPr lang="en-US" altLang="zh-CN" dirty="0" smtClean="0">
+              <a:rPr lang="en-US" altLang="zh-CN" dirty="0">
                 <a:solidFill>
                   <a:schemeClr val="tx1"/>
                 </a:solidFill>
@@ -30379,7 +30117,7 @@
           <a:p>
             <a:pPr algn="ctr"/>
             <a:r>
-              <a:rPr lang="en-US" altLang="zh-CN" dirty="0" smtClean="0">
+              <a:rPr lang="en-US" altLang="zh-CN" dirty="0">
                 <a:solidFill>
                   <a:schemeClr val="tx1"/>
                 </a:solidFill>
@@ -30390,7 +30128,7 @@
           <a:p>
             <a:pPr algn="ctr"/>
             <a:r>
-              <a:rPr lang="en-US" altLang="zh-CN" dirty="0" err="1" smtClean="0">
+              <a:rPr lang="en-US" altLang="zh-CN" dirty="0" err="1">
                 <a:solidFill>
                   <a:schemeClr val="tx1"/>
                 </a:solidFill>
@@ -30484,7 +30222,7 @@
           <a:p>
             <a:pPr algn="ctr"/>
             <a:r>
-              <a:rPr lang="en-US" altLang="zh-CN" dirty="0" smtClean="0">
+              <a:rPr lang="en-US" altLang="zh-CN" dirty="0">
                 <a:solidFill>
                   <a:schemeClr val="tx1"/>
                 </a:solidFill>
@@ -30495,7 +30233,7 @@
           <a:p>
             <a:pPr algn="ctr"/>
             <a:r>
-              <a:rPr lang="en-US" altLang="zh-CN" dirty="0" err="1" smtClean="0">
+              <a:rPr lang="en-US" altLang="zh-CN" dirty="0" err="1">
                 <a:solidFill>
                   <a:schemeClr val="tx1"/>
                 </a:solidFill>
@@ -30853,7 +30591,7 @@
           <a:p>
             <a:pPr algn="ctr"/>
             <a:r>
-              <a:rPr lang="en-US" altLang="zh-CN" dirty="0" smtClean="0">
+              <a:rPr lang="en-US" altLang="zh-CN" dirty="0">
                 <a:solidFill>
                   <a:schemeClr val="tx1"/>
                 </a:solidFill>
@@ -30947,7 +30685,7 @@
           <a:p>
             <a:pPr algn="ctr"/>
             <a:r>
-              <a:rPr lang="en-US" altLang="zh-CN" dirty="0" smtClean="0">
+              <a:rPr lang="en-US" altLang="zh-CN" dirty="0">
                 <a:solidFill>
                   <a:schemeClr val="tx1"/>
                 </a:solidFill>
@@ -30958,7 +30696,7 @@
           <a:p>
             <a:pPr algn="ctr"/>
             <a:r>
-              <a:rPr lang="en-US" altLang="zh-CN" dirty="0" smtClean="0">
+              <a:rPr lang="en-US" altLang="zh-CN" dirty="0">
                 <a:solidFill>
                   <a:schemeClr val="tx1"/>
                 </a:solidFill>
@@ -31073,7 +30811,7 @@
           <a:lstStyle/>
           <a:p>
             <a:r>
-              <a:rPr lang="en-US" altLang="zh-CN" dirty="0" smtClean="0"/>
+              <a:rPr lang="en-US" altLang="zh-CN" dirty="0"/>
               <a:t>1</a:t>
             </a:r>
             <a:endParaRPr lang="zh-CN" altLang="en-US" dirty="0"/>
@@ -31116,7 +30854,7 @@
           <a:lstStyle/>
           <a:p>
             <a:r>
-              <a:rPr lang="en-US" altLang="zh-CN" dirty="0" smtClean="0"/>
+              <a:rPr lang="en-US" altLang="zh-CN" dirty="0"/>
               <a:t>1</a:t>
             </a:r>
             <a:endParaRPr lang="zh-CN" altLang="en-US" dirty="0"/>
@@ -31159,7 +30897,7 @@
           <a:lstStyle/>
           <a:p>
             <a:r>
-              <a:rPr lang="en-US" altLang="zh-CN" dirty="0" smtClean="0"/>
+              <a:rPr lang="en-US" altLang="zh-CN" dirty="0"/>
               <a:t>2</a:t>
             </a:r>
             <a:endParaRPr lang="zh-CN" altLang="en-US" dirty="0"/>
@@ -31202,7 +30940,7 @@
           <a:lstStyle/>
           <a:p>
             <a:r>
-              <a:rPr lang="en-US" altLang="zh-CN" dirty="0" smtClean="0"/>
+              <a:rPr lang="en-US" altLang="zh-CN" dirty="0"/>
               <a:t>3</a:t>
             </a:r>
             <a:endParaRPr lang="zh-CN" altLang="en-US" dirty="0"/>
@@ -31245,7 +30983,7 @@
           <a:lstStyle/>
           <a:p>
             <a:r>
-              <a:rPr lang="en-US" altLang="zh-CN" dirty="0" smtClean="0"/>
+              <a:rPr lang="en-US" altLang="zh-CN" dirty="0"/>
               <a:t>4</a:t>
             </a:r>
             <a:endParaRPr lang="zh-CN" altLang="en-US" dirty="0"/>
@@ -31288,7 +31026,7 @@
           <a:lstStyle/>
           <a:p>
             <a:r>
-              <a:rPr lang="en-US" altLang="zh-CN" dirty="0" smtClean="0"/>
+              <a:rPr lang="en-US" altLang="zh-CN" dirty="0"/>
               <a:t>5</a:t>
             </a:r>
             <a:endParaRPr lang="zh-CN" altLang="en-US" dirty="0"/>
@@ -31305,13 +31043,6 @@
   <p:clrMapOvr>
     <a:masterClrMapping/>
   </p:clrMapOvr>
-  <p:timing>
-    <p:tnLst>
-      <p:par>
-        <p:cTn id="1" dur="indefinite" restart="never" nodeType="tmRoot"/>
-      </p:par>
-    </p:tnLst>
-  </p:timing>
 </p:sld>
 </file>
 
@@ -31375,7 +31106,7 @@
           <a:p>
             <a:pPr algn="ctr"/>
             <a:r>
-              <a:rPr lang="en-US" altLang="zh-CN" sz="1200" dirty="0" smtClean="0">
+              <a:rPr lang="en-US" altLang="zh-CN" sz="1200" dirty="0">
                 <a:solidFill>
                   <a:schemeClr val="tx1"/>
                 </a:solidFill>
@@ -31386,7 +31117,7 @@
           <a:p>
             <a:pPr algn="ctr"/>
             <a:r>
-              <a:rPr lang="en-US" altLang="zh-CN" sz="1200" dirty="0" smtClean="0">
+              <a:rPr lang="en-US" altLang="zh-CN" sz="1200" dirty="0">
                 <a:solidFill>
                   <a:schemeClr val="tx1"/>
                 </a:solidFill>
@@ -31397,7 +31128,7 @@
           <a:p>
             <a:pPr algn="ctr"/>
             <a:r>
-              <a:rPr lang="en-US" altLang="zh-CN" sz="1200" dirty="0" smtClean="0">
+              <a:rPr lang="en-US" altLang="zh-CN" sz="1200" dirty="0">
                 <a:solidFill>
                   <a:schemeClr val="tx1"/>
                 </a:solidFill>
@@ -31450,7 +31181,7 @@
           <a:p>
             <a:pPr algn="ctr"/>
             <a:r>
-              <a:rPr lang="en-US" altLang="zh-CN" sz="1200" dirty="0" smtClean="0">
+              <a:rPr lang="en-US" altLang="zh-CN" sz="1200" dirty="0">
                 <a:solidFill>
                   <a:schemeClr val="tx1"/>
                 </a:solidFill>
@@ -31461,7 +31192,7 @@
           <a:p>
             <a:pPr algn="ctr"/>
             <a:r>
-              <a:rPr lang="en-US" altLang="zh-CN" sz="1200" dirty="0" smtClean="0">
+              <a:rPr lang="en-US" altLang="zh-CN" sz="1200" dirty="0">
                 <a:solidFill>
                   <a:schemeClr val="tx1"/>
                 </a:solidFill>
@@ -31472,7 +31203,7 @@
           <a:p>
             <a:pPr algn="ctr"/>
             <a:r>
-              <a:rPr lang="en-US" altLang="zh-CN" sz="1200" dirty="0" smtClean="0">
+              <a:rPr lang="en-US" altLang="zh-CN" sz="1200" dirty="0">
                 <a:solidFill>
                   <a:schemeClr val="tx1"/>
                 </a:solidFill>
@@ -31566,7 +31297,7 @@
           <a:p>
             <a:pPr algn="ctr"/>
             <a:r>
-              <a:rPr lang="en-US" altLang="zh-CN" dirty="0" smtClean="0">
+              <a:rPr lang="en-US" altLang="zh-CN" dirty="0">
                 <a:solidFill>
                   <a:schemeClr val="tx1"/>
                 </a:solidFill>
@@ -31671,7 +31402,7 @@
           <a:lstStyle/>
           <a:p>
             <a:r>
-              <a:rPr lang="en-US" altLang="zh-CN" dirty="0" smtClean="0"/>
+              <a:rPr lang="en-US" altLang="zh-CN" dirty="0"/>
               <a:t>Enable</a:t>
             </a:r>
             <a:endParaRPr lang="zh-CN" altLang="en-US" dirty="0"/>
@@ -31721,14 +31452,14 @@
           <a:p>
             <a:pPr algn="ctr"/>
             <a:r>
-              <a:rPr lang="en-US" altLang="zh-CN" sz="1200" dirty="0" err="1" smtClean="0">
+              <a:rPr lang="en-US" altLang="zh-CN" sz="1200" dirty="0" err="1">
                 <a:solidFill>
                   <a:schemeClr val="tx1"/>
                 </a:solidFill>
               </a:rPr>
               <a:t>Xor</a:t>
             </a:r>
-            <a:endParaRPr lang="en-US" altLang="zh-CN" sz="1200" dirty="0" smtClean="0">
+            <a:endParaRPr lang="en-US" altLang="zh-CN" sz="1200" dirty="0">
               <a:solidFill>
                 <a:schemeClr val="tx1"/>
               </a:solidFill>
@@ -31737,7 +31468,7 @@
           <a:p>
             <a:pPr algn="ctr"/>
             <a:r>
-              <a:rPr lang="en-US" altLang="zh-CN" sz="1200" dirty="0" smtClean="0">
+              <a:rPr lang="en-US" altLang="zh-CN" sz="1200" dirty="0">
                 <a:solidFill>
                   <a:schemeClr val="tx1"/>
                 </a:solidFill>
@@ -31867,7 +31598,7 @@
           <a:p>
             <a:pPr algn="ctr"/>
             <a:r>
-              <a:rPr lang="en-US" altLang="zh-CN" dirty="0" smtClean="0">
+              <a:rPr lang="en-US" altLang="zh-CN" dirty="0">
                 <a:solidFill>
                   <a:schemeClr val="tx1"/>
                 </a:solidFill>
@@ -31961,7 +31692,7 @@
           <a:p>
             <a:pPr algn="ctr"/>
             <a:r>
-              <a:rPr lang="en-US" altLang="zh-CN" dirty="0" smtClean="0">
+              <a:rPr lang="en-US" altLang="zh-CN" dirty="0">
                 <a:solidFill>
                   <a:schemeClr val="tx1"/>
                 </a:solidFill>
@@ -32091,7 +31822,7 @@
           <a:p>
             <a:pPr algn="ctr"/>
             <a:r>
-              <a:rPr lang="en-US" altLang="zh-CN" sz="1200" dirty="0" smtClean="0">
+              <a:rPr lang="en-US" altLang="zh-CN" sz="1200" dirty="0">
                 <a:solidFill>
                   <a:schemeClr val="tx1"/>
                 </a:solidFill>
@@ -32236,13 +31967,13 @@
           <a:lstStyle/>
           <a:p>
             <a:r>
-              <a:rPr lang="en-US" altLang="zh-CN" dirty="0" smtClean="0"/>
+              <a:rPr lang="en-US" altLang="zh-CN" dirty="0"/>
               <a:t>Click</a:t>
             </a:r>
           </a:p>
           <a:p>
             <a:r>
-              <a:rPr lang="en-US" altLang="zh-CN" dirty="0" smtClean="0"/>
+              <a:rPr lang="en-US" altLang="zh-CN" dirty="0"/>
               <a:t>1:null</a:t>
             </a:r>
             <a:endParaRPr lang="zh-CN" altLang="en-US" dirty="0"/>
@@ -32272,7 +32003,7 @@
           <a:lstStyle/>
           <a:p>
             <a:r>
-              <a:rPr lang="en-US" altLang="zh-CN" dirty="0" smtClean="0"/>
+              <a:rPr lang="en-US" altLang="zh-CN" dirty="0"/>
               <a:t>Double Click</a:t>
             </a:r>
             <a:endParaRPr lang="zh-CN" altLang="en-US" dirty="0"/>
@@ -32302,13 +32033,13 @@
           <a:lstStyle/>
           <a:p>
             <a:r>
-              <a:rPr lang="en-US" altLang="zh-CN" dirty="0" smtClean="0"/>
+              <a:rPr lang="en-US" altLang="zh-CN" dirty="0"/>
               <a:t>Double</a:t>
             </a:r>
           </a:p>
           <a:p>
             <a:r>
-              <a:rPr lang="en-US" altLang="zh-CN" dirty="0" smtClean="0"/>
+              <a:rPr lang="en-US" altLang="zh-CN" dirty="0"/>
               <a:t>Click</a:t>
             </a:r>
             <a:endParaRPr lang="zh-CN" altLang="en-US" dirty="0"/>
@@ -32338,7 +32069,7 @@
           <a:lstStyle/>
           <a:p>
             <a:r>
-              <a:rPr lang="en-US" altLang="zh-CN" dirty="0" smtClean="0"/>
+              <a:rPr lang="en-US" altLang="zh-CN" dirty="0"/>
               <a:t>Single Click 1:null</a:t>
             </a:r>
             <a:endParaRPr lang="zh-CN" altLang="en-US" dirty="0"/>
@@ -32368,7 +32099,7 @@
           <a:lstStyle/>
           <a:p>
             <a:r>
-              <a:rPr lang="en-US" altLang="zh-CN" dirty="0" smtClean="0"/>
+              <a:rPr lang="en-US" altLang="zh-CN" dirty="0"/>
               <a:t>output</a:t>
             </a:r>
             <a:endParaRPr lang="zh-CN" altLang="en-US" dirty="0"/>
@@ -32398,7 +32129,7 @@
           <a:lstStyle/>
           <a:p>
             <a:r>
-              <a:rPr lang="en-US" altLang="zh-CN" dirty="0" smtClean="0"/>
+              <a:rPr lang="en-US" altLang="zh-CN" dirty="0"/>
               <a:t>Counter</a:t>
             </a:r>
             <a:endParaRPr lang="zh-CN" altLang="en-US" dirty="0"/>
@@ -32457,13 +32188,6 @@
   <p:clrMapOvr>
     <a:masterClrMapping/>
   </p:clrMapOvr>
-  <p:timing>
-    <p:tnLst>
-      <p:par>
-        <p:cTn id="1" dur="indefinite" restart="never" nodeType="tmRoot"/>
-      </p:par>
-    </p:tnLst>
-  </p:timing>
 </p:sld>
 </file>
 
@@ -32527,7 +32251,7 @@
           <a:p>
             <a:pPr algn="ctr"/>
             <a:r>
-              <a:rPr lang="en-US" altLang="zh-CN" dirty="0" smtClean="0">
+              <a:rPr lang="en-US" altLang="zh-CN" dirty="0">
                 <a:solidFill>
                   <a:schemeClr val="tx1"/>
                 </a:solidFill>
@@ -32580,7 +32304,7 @@
           <a:p>
             <a:pPr algn="ctr"/>
             <a:r>
-              <a:rPr lang="en-US" altLang="zh-CN" dirty="0" smtClean="0">
+              <a:rPr lang="en-US" altLang="zh-CN" dirty="0">
                 <a:solidFill>
                   <a:schemeClr val="tx1"/>
                 </a:solidFill>
@@ -32633,7 +32357,7 @@
           <a:p>
             <a:pPr algn="ctr"/>
             <a:r>
-              <a:rPr lang="en-US" altLang="zh-CN" dirty="0" smtClean="0">
+              <a:rPr lang="en-US" altLang="zh-CN" dirty="0">
                 <a:solidFill>
                   <a:schemeClr val="tx1"/>
                 </a:solidFill>
@@ -32686,7 +32410,7 @@
           <a:p>
             <a:pPr algn="ctr"/>
             <a:r>
-              <a:rPr lang="en-US" altLang="zh-CN" dirty="0" smtClean="0">
+              <a:rPr lang="en-US" altLang="zh-CN" dirty="0">
                 <a:solidFill>
                   <a:schemeClr val="tx1"/>
                 </a:solidFill>
@@ -32741,7 +32465,7 @@
           <a:p>
             <a:pPr algn="ctr"/>
             <a:r>
-              <a:rPr lang="en-US" altLang="zh-CN" dirty="0" smtClean="0"/>
+              <a:rPr lang="en-US" altLang="zh-CN" dirty="0"/>
               <a:t>1</a:t>
             </a:r>
             <a:endParaRPr lang="zh-CN" altLang="en-US" dirty="0"/>
@@ -32788,7 +32512,7 @@
           <a:p>
             <a:pPr algn="ctr"/>
             <a:r>
-              <a:rPr lang="en-US" altLang="zh-CN" dirty="0" smtClean="0"/>
+              <a:rPr lang="en-US" altLang="zh-CN" dirty="0"/>
               <a:t>2</a:t>
             </a:r>
             <a:endParaRPr lang="zh-CN" altLang="en-US" dirty="0"/>
@@ -32835,7 +32559,7 @@
           <a:p>
             <a:pPr algn="ctr"/>
             <a:r>
-              <a:rPr lang="en-US" altLang="zh-CN" dirty="0" smtClean="0"/>
+              <a:rPr lang="en-US" altLang="zh-CN" dirty="0"/>
               <a:t>3</a:t>
             </a:r>
             <a:endParaRPr lang="zh-CN" altLang="en-US" dirty="0"/>
@@ -32999,7 +32723,7 @@
           <a:p>
             <a:pPr algn="ctr"/>
             <a:r>
-              <a:rPr lang="en-US" altLang="zh-CN" sz="1200" dirty="0" smtClean="0">
+              <a:rPr lang="en-US" altLang="zh-CN" sz="1200" dirty="0">
                 <a:solidFill>
                   <a:schemeClr val="tx1"/>
                 </a:solidFill>
@@ -33010,7 +32734,7 @@
           <a:p>
             <a:pPr algn="ctr"/>
             <a:r>
-              <a:rPr lang="en-US" altLang="zh-CN" sz="1200" dirty="0" smtClean="0">
+              <a:rPr lang="en-US" altLang="zh-CN" sz="1200" dirty="0">
                 <a:solidFill>
                   <a:schemeClr val="tx1"/>
                 </a:solidFill>
@@ -33068,7 +32792,7 @@
           <a:p>
             <a:pPr algn="ctr"/>
             <a:r>
-              <a:rPr lang="en-US" altLang="zh-CN" dirty="0" smtClean="0">
+              <a:rPr lang="en-US" altLang="zh-CN" dirty="0">
                 <a:solidFill>
                   <a:schemeClr val="tx1"/>
                 </a:solidFill>
@@ -33126,7 +32850,7 @@
           <a:p>
             <a:pPr algn="ctr"/>
             <a:r>
-              <a:rPr lang="en-US" altLang="zh-CN" dirty="0" smtClean="0">
+              <a:rPr lang="en-US" altLang="zh-CN" dirty="0">
                 <a:solidFill>
                   <a:schemeClr val="tx1"/>
                 </a:solidFill>
@@ -33267,7 +32991,7 @@
           <a:p>
             <a:pPr algn="ctr"/>
             <a:r>
-              <a:rPr lang="en-US" altLang="zh-CN" sz="1200" dirty="0" smtClean="0">
+              <a:rPr lang="en-US" altLang="zh-CN" sz="1200" dirty="0">
                 <a:solidFill>
                   <a:schemeClr val="tx1"/>
                 </a:solidFill>
@@ -33325,7 +33049,7 @@
           <a:p>
             <a:pPr algn="ctr"/>
             <a:r>
-              <a:rPr lang="en-US" altLang="zh-CN" sz="1200" dirty="0" smtClean="0">
+              <a:rPr lang="en-US" altLang="zh-CN" sz="1200" dirty="0">
                 <a:solidFill>
                   <a:schemeClr val="tx1"/>
                 </a:solidFill>
@@ -33336,7 +33060,7 @@
           <a:p>
             <a:pPr algn="ctr"/>
             <a:r>
-              <a:rPr lang="en-US" altLang="zh-CN" sz="1200" dirty="0" smtClean="0">
+              <a:rPr lang="en-US" altLang="zh-CN" sz="1200" dirty="0">
                 <a:solidFill>
                   <a:schemeClr val="tx1"/>
                 </a:solidFill>
@@ -33430,7 +33154,7 @@
           <a:p>
             <a:pPr algn="ctr"/>
             <a:r>
-              <a:rPr lang="en-US" altLang="zh-CN" dirty="0" smtClean="0">
+              <a:rPr lang="en-US" altLang="zh-CN" dirty="0">
                 <a:solidFill>
                   <a:schemeClr val="tx1"/>
                 </a:solidFill>
@@ -33488,7 +33212,7 @@
           <a:p>
             <a:pPr algn="ctr"/>
             <a:r>
-              <a:rPr lang="en-US" altLang="zh-CN" sz="1200" dirty="0" smtClean="0">
+              <a:rPr lang="en-US" altLang="zh-CN" sz="1200" dirty="0">
                 <a:solidFill>
                   <a:schemeClr val="tx1"/>
                 </a:solidFill>
@@ -33546,7 +33270,7 @@
           <a:p>
             <a:pPr algn="ctr"/>
             <a:r>
-              <a:rPr lang="en-US" altLang="zh-CN" dirty="0" smtClean="0">
+              <a:rPr lang="en-US" altLang="zh-CN" dirty="0">
                 <a:solidFill>
                   <a:schemeClr val="tx1"/>
                 </a:solidFill>
@@ -33725,7 +33449,7 @@
           <a:lstStyle/>
           <a:p>
             <a:r>
-              <a:rPr lang="en-US" altLang="zh-CN" dirty="0" smtClean="0"/>
+              <a:rPr lang="en-US" altLang="zh-CN" dirty="0"/>
               <a:t>Engine</a:t>
             </a:r>
             <a:endParaRPr lang="zh-CN" altLang="en-US" dirty="0"/>
@@ -33755,7 +33479,7 @@
           <a:lstStyle/>
           <a:p>
             <a:r>
-              <a:rPr lang="en-US" altLang="zh-CN" dirty="0" smtClean="0"/>
+              <a:rPr lang="en-US" altLang="zh-CN" dirty="0"/>
               <a:t>Pump</a:t>
             </a:r>
             <a:endParaRPr lang="zh-CN" altLang="en-US" dirty="0"/>
@@ -33785,7 +33509,7 @@
           <a:lstStyle/>
           <a:p>
             <a:r>
-              <a:rPr lang="en-US" altLang="zh-CN" dirty="0" smtClean="0"/>
+              <a:rPr lang="en-US" altLang="zh-CN" dirty="0"/>
               <a:t>transducer</a:t>
             </a:r>
             <a:endParaRPr lang="zh-CN" altLang="en-US" dirty="0"/>
@@ -33835,7 +33559,7 @@
           <a:p>
             <a:pPr algn="ctr"/>
             <a:r>
-              <a:rPr lang="en-US" altLang="zh-CN" dirty="0" smtClean="0">
+              <a:rPr lang="en-US" altLang="zh-CN" dirty="0">
                 <a:solidFill>
                   <a:schemeClr val="tx1"/>
                 </a:solidFill>
@@ -34377,7 +34101,7 @@
           <a:p>
             <a:pPr algn="ctr"/>
             <a:r>
-              <a:rPr lang="en-US" altLang="zh-CN" sz="1200" dirty="0" smtClean="0">
+              <a:rPr lang="en-US" altLang="zh-CN" sz="1200" dirty="0">
                 <a:solidFill>
                   <a:schemeClr val="tx1"/>
                 </a:solidFill>
@@ -34388,7 +34112,7 @@
           <a:p>
             <a:pPr algn="ctr"/>
             <a:r>
-              <a:rPr lang="en-US" altLang="zh-CN" sz="1200" dirty="0" smtClean="0">
+              <a:rPr lang="en-US" altLang="zh-CN" sz="1200" dirty="0">
                 <a:solidFill>
                   <a:schemeClr val="tx1"/>
                 </a:solidFill>
@@ -34482,7 +34206,7 @@
           <a:p>
             <a:pPr algn="ctr"/>
             <a:r>
-              <a:rPr lang="en-US" altLang="zh-CN" sz="1600" dirty="0" smtClean="0">
+              <a:rPr lang="en-US" altLang="zh-CN" sz="1600" dirty="0">
                 <a:solidFill>
                   <a:schemeClr val="tx1"/>
                 </a:solidFill>
@@ -34540,7 +34264,7 @@
           <a:p>
             <a:pPr algn="ctr"/>
             <a:r>
-              <a:rPr lang="en-US" altLang="zh-CN" dirty="0" smtClean="0">
+              <a:rPr lang="en-US" altLang="zh-CN" dirty="0">
                 <a:solidFill>
                   <a:schemeClr val="tx1"/>
                 </a:solidFill>
@@ -34598,7 +34322,7 @@
           <a:p>
             <a:pPr algn="ctr"/>
             <a:r>
-              <a:rPr lang="en-US" altLang="zh-CN" dirty="0" smtClean="0">
+              <a:rPr lang="en-US" altLang="zh-CN" dirty="0">
                 <a:solidFill>
                   <a:schemeClr val="tx1"/>
                 </a:solidFill>
@@ -34695,7 +34419,7 @@
           <a:p>
             <a:pPr algn="ctr"/>
             <a:r>
-              <a:rPr lang="en-US" altLang="zh-CN" dirty="0" smtClean="0">
+              <a:rPr lang="en-US" altLang="zh-CN" dirty="0">
                 <a:solidFill>
                   <a:schemeClr val="tx1"/>
                 </a:solidFill>
@@ -34792,14 +34516,14 @@
           <a:p>
             <a:pPr algn="ctr"/>
             <a:r>
-              <a:rPr lang="en-US" altLang="zh-CN" dirty="0" err="1" smtClean="0">
+              <a:rPr lang="en-US" altLang="zh-CN" dirty="0" err="1">
                 <a:solidFill>
                   <a:schemeClr val="tx1"/>
                 </a:solidFill>
               </a:rPr>
               <a:t>Wifi</a:t>
             </a:r>
-            <a:endParaRPr lang="en-US" altLang="zh-CN" dirty="0" smtClean="0">
+            <a:endParaRPr lang="en-US" altLang="zh-CN" dirty="0">
               <a:solidFill>
                 <a:schemeClr val="tx1"/>
               </a:solidFill>
@@ -34980,7 +34704,7 @@
           <a:p>
             <a:pPr algn="ctr"/>
             <a:r>
-              <a:rPr lang="en-US" altLang="zh-CN" dirty="0" smtClean="0">
+              <a:rPr lang="en-US" altLang="zh-CN" dirty="0">
                 <a:solidFill>
                   <a:schemeClr val="tx1"/>
                 </a:solidFill>
@@ -35038,14 +34762,14 @@
           <a:p>
             <a:pPr algn="ctr"/>
             <a:r>
-              <a:rPr lang="en-US" altLang="zh-CN" dirty="0" err="1" smtClean="0">
+              <a:rPr lang="en-US" altLang="zh-CN" dirty="0" err="1">
                 <a:solidFill>
                   <a:schemeClr val="tx1"/>
                 </a:solidFill>
               </a:rPr>
               <a:t>Wifi</a:t>
             </a:r>
-            <a:endParaRPr lang="en-US" altLang="zh-CN" dirty="0" smtClean="0">
+            <a:endParaRPr lang="en-US" altLang="zh-CN" dirty="0">
               <a:solidFill>
                 <a:schemeClr val="tx1"/>
               </a:solidFill>
@@ -35214,7 +34938,7 @@
           <a:p>
             <a:pPr algn="ctr"/>
             <a:r>
-              <a:rPr lang="en-US" altLang="zh-CN" sz="1200" dirty="0" smtClean="0">
+              <a:rPr lang="en-US" altLang="zh-CN" sz="1200" dirty="0">
                 <a:solidFill>
                   <a:schemeClr val="tx1"/>
                 </a:solidFill>
@@ -35283,7 +35007,7 @@
           <a:p>
             <a:pPr algn="ctr"/>
             <a:r>
-              <a:rPr lang="en-US" altLang="zh-CN" sz="1200" dirty="0" smtClean="0">
+              <a:rPr lang="en-US" altLang="zh-CN" sz="1200" dirty="0">
                 <a:solidFill>
                   <a:schemeClr val="tx1"/>
                 </a:solidFill>
@@ -35294,7 +35018,7 @@
           <a:p>
             <a:pPr algn="ctr"/>
             <a:r>
-              <a:rPr lang="en-US" altLang="zh-CN" sz="1200" dirty="0" smtClean="0">
+              <a:rPr lang="en-US" altLang="zh-CN" sz="1200" dirty="0">
                 <a:solidFill>
                   <a:schemeClr val="tx1"/>
                 </a:solidFill>
@@ -35352,7 +35076,7 @@
           <a:p>
             <a:pPr algn="ctr"/>
             <a:r>
-              <a:rPr lang="en-US" altLang="zh-CN" dirty="0" smtClean="0">
+              <a:rPr lang="en-US" altLang="zh-CN" dirty="0">
                 <a:solidFill>
                   <a:schemeClr val="tx1"/>
                 </a:solidFill>
@@ -35482,7 +35206,7 @@
           <a:p>
             <a:pPr algn="ctr"/>
             <a:r>
-              <a:rPr lang="en-US" altLang="zh-CN" dirty="0" smtClean="0">
+              <a:rPr lang="en-US" altLang="zh-CN" dirty="0">
                 <a:solidFill>
                   <a:schemeClr val="tx1"/>
                 </a:solidFill>
@@ -35540,7 +35264,7 @@
           <a:p>
             <a:pPr algn="ctr"/>
             <a:r>
-              <a:rPr lang="en-US" altLang="zh-CN" dirty="0" smtClean="0">
+              <a:rPr lang="en-US" altLang="zh-CN" dirty="0">
                 <a:solidFill>
                   <a:schemeClr val="tx1"/>
                 </a:solidFill>
@@ -35830,7 +35554,7 @@
           <a:lstStyle/>
           <a:p>
             <a:r>
-              <a:rPr lang="en-US" altLang="zh-CN" dirty="0" smtClean="0"/>
+              <a:rPr lang="en-US" altLang="zh-CN" dirty="0"/>
               <a:t>addr</a:t>
             </a:r>
             <a:endParaRPr lang="zh-CN" altLang="en-US" dirty="0"/>
@@ -35860,7 +35584,7 @@
           <a:lstStyle/>
           <a:p>
             <a:r>
-              <a:rPr lang="en-US" altLang="zh-CN" dirty="0" smtClean="0"/>
+              <a:rPr lang="en-US" altLang="zh-CN" dirty="0"/>
               <a:t>addr</a:t>
             </a:r>
             <a:endParaRPr lang="zh-CN" altLang="en-US" dirty="0"/>
@@ -35890,7 +35614,7 @@
           <a:lstStyle/>
           <a:p>
             <a:r>
-              <a:rPr lang="en-US" altLang="zh-CN" dirty="0" smtClean="0"/>
+              <a:rPr lang="en-US" altLang="zh-CN" dirty="0"/>
               <a:t>addr</a:t>
             </a:r>
             <a:endParaRPr lang="zh-CN" altLang="en-US" dirty="0"/>
@@ -36018,7 +35742,7 @@
           <a:p>
             <a:pPr algn="ctr"/>
             <a:r>
-              <a:rPr lang="en-US" altLang="zh-CN" dirty="0" err="1" smtClean="0">
+              <a:rPr lang="en-US" altLang="zh-CN" dirty="0" err="1">
                 <a:solidFill>
                   <a:schemeClr val="tx1"/>
                 </a:solidFill>
@@ -36056,7 +35780,7 @@
           <a:lstStyle/>
           <a:p>
             <a:r>
-              <a:rPr lang="en-US" altLang="zh-CN" dirty="0" smtClean="0"/>
+              <a:rPr lang="en-US" altLang="zh-CN" dirty="0"/>
               <a:t>FPV</a:t>
             </a:r>
             <a:endParaRPr lang="zh-CN" altLang="en-US" dirty="0"/>
@@ -36086,7 +35810,7 @@
           <a:lstStyle/>
           <a:p>
             <a:r>
-              <a:rPr lang="en-US" altLang="zh-CN" dirty="0" smtClean="0"/>
+              <a:rPr lang="en-US" altLang="zh-CN" dirty="0"/>
               <a:t>N&gt;3</a:t>
             </a:r>
             <a:endParaRPr lang="zh-CN" altLang="en-US" dirty="0"/>
@@ -36136,7 +35860,7 @@
           <a:p>
             <a:pPr algn="ctr"/>
             <a:r>
-              <a:rPr lang="en-US" altLang="zh-CN" sz="1600" dirty="0" smtClean="0">
+              <a:rPr lang="en-US" altLang="zh-CN" sz="1600" dirty="0">
                 <a:solidFill>
                   <a:schemeClr val="tx1"/>
                 </a:solidFill>
@@ -36194,14 +35918,14 @@
           <a:p>
             <a:pPr algn="ctr"/>
             <a:r>
-              <a:rPr lang="en-US" altLang="zh-CN" dirty="0" err="1" smtClean="0">
+              <a:rPr lang="en-US" altLang="zh-CN" dirty="0" err="1">
                 <a:solidFill>
                   <a:schemeClr val="tx1"/>
                 </a:solidFill>
               </a:rPr>
               <a:t>Wifi</a:t>
             </a:r>
-            <a:endParaRPr lang="en-US" altLang="zh-CN" dirty="0" smtClean="0">
+            <a:endParaRPr lang="en-US" altLang="zh-CN" dirty="0">
               <a:solidFill>
                 <a:schemeClr val="tx1"/>
               </a:solidFill>
@@ -36252,7 +35976,7 @@
           <a:p>
             <a:pPr algn="ctr"/>
             <a:r>
-              <a:rPr lang="en-US" altLang="zh-CN" dirty="0" smtClean="0">
+              <a:rPr lang="en-US" altLang="zh-CN" dirty="0">
                 <a:solidFill>
                   <a:schemeClr val="tx1"/>
                 </a:solidFill>
@@ -36362,7 +36086,7 @@
           <a:lstStyle/>
           <a:p>
             <a:r>
-              <a:rPr lang="en-US" altLang="zh-CN" dirty="0" smtClean="0"/>
+              <a:rPr lang="en-US" altLang="zh-CN" dirty="0"/>
               <a:t>addr</a:t>
             </a:r>
             <a:endParaRPr lang="zh-CN" altLang="en-US" dirty="0"/>
@@ -36484,7 +36208,7 @@
           <a:p>
             <a:pPr algn="ctr"/>
             <a:r>
-              <a:rPr lang="en-US" altLang="zh-CN" dirty="0" smtClean="0">
+              <a:rPr lang="en-US" altLang="zh-CN" dirty="0">
                 <a:solidFill>
                   <a:schemeClr val="tx1"/>
                 </a:solidFill>
@@ -36537,7 +36261,7 @@
           <a:p>
             <a:pPr algn="ctr"/>
             <a:r>
-              <a:rPr lang="en-US" altLang="zh-CN" dirty="0" smtClean="0">
+              <a:rPr lang="en-US" altLang="zh-CN" dirty="0">
                 <a:solidFill>
                   <a:schemeClr val="tx1"/>
                 </a:solidFill>
@@ -36703,13 +36427,6 @@
   <p:clrMapOvr>
     <a:masterClrMapping/>
   </p:clrMapOvr>
-  <p:timing>
-    <p:tnLst>
-      <p:par>
-        <p:cTn id="1" dur="indefinite" restart="never" nodeType="tmRoot"/>
-      </p:par>
-    </p:tnLst>
-  </p:timing>
 </p:sld>
 </file>
 
@@ -36773,7 +36490,7 @@
           <a:p>
             <a:pPr algn="ctr"/>
             <a:r>
-              <a:rPr lang="en-US" altLang="zh-CN" dirty="0" smtClean="0">
+              <a:rPr lang="en-US" altLang="zh-CN" dirty="0">
                 <a:solidFill>
                   <a:schemeClr val="tx1"/>
                 </a:solidFill>
@@ -36889,7 +36606,7 @@
           <a:p>
             <a:pPr algn="ctr"/>
             <a:r>
-              <a:rPr lang="en-US" altLang="zh-CN" dirty="0" smtClean="0">
+              <a:rPr lang="en-US" altLang="zh-CN" dirty="0">
                 <a:solidFill>
                   <a:schemeClr val="tx1"/>
                 </a:solidFill>
@@ -36942,7 +36659,7 @@
           <a:p>
             <a:pPr algn="ctr"/>
             <a:r>
-              <a:rPr lang="en-US" altLang="zh-CN" dirty="0" smtClean="0">
+              <a:rPr lang="en-US" altLang="zh-CN" dirty="0">
                 <a:solidFill>
                   <a:schemeClr val="tx1"/>
                 </a:solidFill>
@@ -36953,7 +36670,7 @@
           <a:p>
             <a:pPr algn="ctr"/>
             <a:r>
-              <a:rPr lang="en-US" altLang="zh-CN" dirty="0" smtClean="0">
+              <a:rPr lang="en-US" altLang="zh-CN" dirty="0">
                 <a:solidFill>
                   <a:schemeClr val="tx1"/>
                 </a:solidFill>
@@ -37011,7 +36728,7 @@
           <a:p>
             <a:pPr algn="ctr"/>
             <a:r>
-              <a:rPr lang="en-US" altLang="zh-CN" sz="1200" dirty="0" smtClean="0">
+              <a:rPr lang="en-US" altLang="zh-CN" sz="1200" dirty="0">
                 <a:solidFill>
                   <a:schemeClr val="tx1"/>
                 </a:solidFill>
@@ -37064,7 +36781,7 @@
           <a:p>
             <a:pPr algn="ctr"/>
             <a:r>
-              <a:rPr lang="en-US" altLang="zh-CN" dirty="0" smtClean="0">
+              <a:rPr lang="en-US" altLang="zh-CN" dirty="0">
                 <a:solidFill>
                   <a:schemeClr val="tx1"/>
                 </a:solidFill>
@@ -37110,7 +36827,7 @@
           <a:p>
             <a:pPr algn="ctr"/>
             <a:r>
-              <a:rPr lang="en-US" altLang="zh-CN" dirty="0" smtClean="0">
+              <a:rPr lang="en-US" altLang="zh-CN" dirty="0">
                 <a:solidFill>
                   <a:schemeClr val="tx1"/>
                 </a:solidFill>
@@ -37133,7 +36850,7 @@
         </p:nvSpPr>
         <p:spPr>
           <a:xfrm>
-            <a:off x="8130792" y="1089286"/>
+            <a:off x="9936641" y="1917665"/>
             <a:ext cx="1126024" cy="442393"/>
           </a:xfrm>
           <a:prstGeom prst="rect">
@@ -37168,7 +36885,7 @@
           <a:p>
             <a:pPr algn="ctr"/>
             <a:r>
-              <a:rPr lang="en-US" altLang="zh-CN" sz="1400" dirty="0" smtClean="0">
+              <a:rPr lang="en-US" altLang="zh-CN" sz="1400" dirty="0">
                 <a:solidFill>
                   <a:schemeClr val="tx1"/>
                 </a:solidFill>
@@ -37176,7 +36893,7 @@
               <a:t>Sonar</a:t>
             </a:r>
             <a:r>
-              <a:rPr lang="zh-CN" altLang="en-US" sz="1400" dirty="0" smtClean="0">
+              <a:rPr lang="zh-CN" altLang="en-US" sz="1400" dirty="0">
                 <a:solidFill>
                   <a:schemeClr val="tx1"/>
                 </a:solidFill>
@@ -37184,7 +36901,7 @@
               <a:t>（</a:t>
             </a:r>
             <a:r>
-              <a:rPr lang="en-US" altLang="zh-CN" sz="1400" dirty="0" smtClean="0">
+              <a:rPr lang="en-US" altLang="zh-CN" sz="1400" dirty="0">
                 <a:solidFill>
                   <a:schemeClr val="tx1"/>
                 </a:solidFill>
@@ -37192,14 +36909,14 @@
               <a:t>HV</a:t>
             </a:r>
             <a:r>
-              <a:rPr lang="zh-CN" altLang="en-US" sz="1400" dirty="0" smtClean="0">
+              <a:rPr lang="zh-CN" altLang="en-US" sz="1400" dirty="0">
                 <a:solidFill>
                   <a:schemeClr val="tx1"/>
                 </a:solidFill>
               </a:rPr>
               <a:t>）</a:t>
             </a:r>
-            <a:endParaRPr lang="en-US" altLang="zh-CN" sz="1400" dirty="0" smtClean="0">
+            <a:endParaRPr lang="en-US" altLang="zh-CN" sz="1400" dirty="0">
               <a:solidFill>
                 <a:schemeClr val="tx1"/>
               </a:solidFill>
@@ -37250,7 +36967,7 @@
           <a:p>
             <a:pPr algn="ctr"/>
             <a:r>
-              <a:rPr lang="en-US" altLang="zh-CN" dirty="0" smtClean="0">
+              <a:rPr lang="en-US" altLang="zh-CN" dirty="0">
                 <a:solidFill>
                   <a:schemeClr val="tx1"/>
                 </a:solidFill>
@@ -37347,7 +37064,7 @@
           <a:p>
             <a:pPr algn="ctr"/>
             <a:r>
-              <a:rPr lang="en-US" altLang="zh-CN" sz="1200" dirty="0" smtClean="0">
+              <a:rPr lang="en-US" altLang="zh-CN" sz="1200" dirty="0">
                 <a:solidFill>
                   <a:schemeClr val="tx1"/>
                 </a:solidFill>
@@ -37358,7 +37075,7 @@
           <a:p>
             <a:pPr algn="ctr"/>
             <a:r>
-              <a:rPr lang="en-US" altLang="zh-CN" sz="1200" dirty="0" smtClean="0">
+              <a:rPr lang="en-US" altLang="zh-CN" sz="1200" dirty="0">
                 <a:solidFill>
                   <a:schemeClr val="tx1"/>
                 </a:solidFill>
@@ -37369,7 +37086,7 @@
           <a:p>
             <a:pPr algn="ctr"/>
             <a:r>
-              <a:rPr lang="en-US" altLang="zh-CN" sz="1200" dirty="0" smtClean="0">
+              <a:rPr lang="en-US" altLang="zh-CN" sz="1200" dirty="0">
                 <a:solidFill>
                   <a:schemeClr val="tx1"/>
                 </a:solidFill>
@@ -37456,7 +37173,7 @@
           <a:p>
             <a:pPr algn="ctr"/>
             <a:r>
-              <a:rPr lang="en-US" altLang="zh-CN" dirty="0" smtClean="0">
+              <a:rPr lang="en-US" altLang="zh-CN" dirty="0">
                 <a:solidFill>
                   <a:schemeClr val="tx1"/>
                 </a:solidFill>
@@ -37631,7 +37348,7 @@
           <a:p>
             <a:pPr algn="ctr"/>
             <a:r>
-              <a:rPr lang="en-US" altLang="zh-CN" sz="1200" dirty="0" smtClean="0">
+              <a:rPr lang="en-US" altLang="zh-CN" sz="1200" dirty="0">
                 <a:solidFill>
                   <a:schemeClr val="tx1"/>
                 </a:solidFill>
@@ -37642,7 +37359,7 @@
           <a:p>
             <a:pPr algn="ctr"/>
             <a:r>
-              <a:rPr lang="en-US" altLang="zh-CN" sz="1200" dirty="0" smtClean="0">
+              <a:rPr lang="en-US" altLang="zh-CN" sz="1200" dirty="0">
                 <a:solidFill>
                   <a:schemeClr val="tx1"/>
                 </a:solidFill>
@@ -37653,7 +37370,7 @@
           <a:p>
             <a:pPr algn="ctr"/>
             <a:r>
-              <a:rPr lang="en-US" altLang="zh-CN" sz="1200" dirty="0" smtClean="0">
+              <a:rPr lang="en-US" altLang="zh-CN" sz="1200" dirty="0">
                 <a:solidFill>
                   <a:schemeClr val="tx1"/>
                 </a:solidFill>
@@ -37754,11 +37471,6 @@
               </a:rPr>
               <a:t>Relay</a:t>
             </a:r>
-            <a:endParaRPr lang="en-US" altLang="zh-CN" sz="1600" dirty="0" smtClean="0">
-              <a:solidFill>
-                <a:schemeClr val="tx1"/>
-              </a:solidFill>
-            </a:endParaRPr>
           </a:p>
         </p:txBody>
       </p:sp>
@@ -37809,7 +37521,7 @@
         </p:nvSpPr>
         <p:spPr>
           <a:xfrm>
-            <a:off x="2445855" y="719954"/>
+            <a:off x="2025319" y="323175"/>
             <a:ext cx="812274" cy="369332"/>
           </a:xfrm>
           <a:prstGeom prst="rect">
@@ -37824,7 +37536,7 @@
           <a:lstStyle/>
           <a:p>
             <a:r>
-              <a:rPr lang="en-US" altLang="zh-CN" dirty="0" smtClean="0"/>
+              <a:rPr lang="en-US" altLang="zh-CN" dirty="0"/>
               <a:t>Barsuk</a:t>
             </a:r>
             <a:endParaRPr lang="zh-CN" altLang="en-US" dirty="0"/>
@@ -37839,8 +37551,8 @@
         </p:nvSpPr>
         <p:spPr>
           <a:xfrm>
-            <a:off x="5423320" y="1684816"/>
-            <a:ext cx="3833496" cy="4415897"/>
+            <a:off x="5423320" y="323176"/>
+            <a:ext cx="3833496" cy="5777538"/>
           </a:xfrm>
           <a:prstGeom prst="rect">
             <a:avLst/>
@@ -37875,14 +37587,14 @@
       </p:sp>
       <p:sp>
         <p:nvSpPr>
-          <p:cNvPr id="81" name="矩形 80"/>
+          <p:cNvPr id="79" name="矩形 78"/>
           <p:cNvSpPr/>
           <p:nvPr/>
         </p:nvSpPr>
         <p:spPr>
           <a:xfrm>
-            <a:off x="5545412" y="1843125"/>
-            <a:ext cx="717169" cy="657735"/>
+            <a:off x="8370264" y="1817956"/>
+            <a:ext cx="649264" cy="695179"/>
           </a:xfrm>
           <a:prstGeom prst="rect">
             <a:avLst/>
@@ -37916,112 +37628,7 @@
           <a:p>
             <a:pPr algn="ctr"/>
             <a:r>
-              <a:rPr lang="en-US" altLang="zh-CN" sz="1200" dirty="0" smtClean="0">
-                <a:solidFill>
-                  <a:schemeClr val="tx1"/>
-                </a:solidFill>
-              </a:rPr>
-              <a:t>AND</a:t>
-            </a:r>
-          </a:p>
-          <a:p>
-            <a:pPr algn="ctr"/>
-            <a:r>
-              <a:rPr lang="en-US" altLang="zh-CN" sz="1200" dirty="0" smtClean="0">
-                <a:solidFill>
-                  <a:schemeClr val="tx1"/>
-                </a:solidFill>
-              </a:rPr>
-              <a:t>0:990</a:t>
-            </a:r>
-            <a:endParaRPr lang="zh-CN" altLang="en-US" sz="1200" dirty="0">
-              <a:solidFill>
-                <a:schemeClr val="tx1"/>
-              </a:solidFill>
-            </a:endParaRPr>
-          </a:p>
-        </p:txBody>
-      </p:sp>
-      <p:cxnSp>
-        <p:nvCxnSpPr>
-          <p:cNvPr id="30" name="直接箭头连接符 29"/>
-          <p:cNvCxnSpPr>
-            <a:stCxn id="81" idx="2"/>
-            <a:endCxn id="356" idx="0"/>
-          </p:cNvCxnSpPr>
-          <p:nvPr/>
-        </p:nvCxnSpPr>
-        <p:spPr>
-          <a:xfrm flipH="1">
-            <a:off x="5899531" y="2500860"/>
-            <a:ext cx="4466" cy="212721"/>
-          </a:xfrm>
-          <a:prstGeom prst="straightConnector1">
-            <a:avLst/>
-          </a:prstGeom>
-          <a:ln>
-            <a:tailEnd type="triangle"/>
-          </a:ln>
-        </p:spPr>
-        <p:style>
-          <a:lnRef idx="1">
-            <a:schemeClr val="accent1"/>
-          </a:lnRef>
-          <a:fillRef idx="0">
-            <a:schemeClr val="accent1"/>
-          </a:fillRef>
-          <a:effectRef idx="0">
-            <a:schemeClr val="accent1"/>
-          </a:effectRef>
-          <a:fontRef idx="minor">
-            <a:schemeClr val="tx1"/>
-          </a:fontRef>
-        </p:style>
-      </p:cxnSp>
-      <p:sp>
-        <p:nvSpPr>
-          <p:cNvPr id="79" name="矩形 78"/>
-          <p:cNvSpPr/>
-          <p:nvPr/>
-        </p:nvSpPr>
-        <p:spPr>
-          <a:xfrm>
-            <a:off x="8370264" y="1817956"/>
-            <a:ext cx="649264" cy="695179"/>
-          </a:xfrm>
-          <a:prstGeom prst="rect">
-            <a:avLst/>
-          </a:prstGeom>
-          <a:noFill/>
-          <a:ln>
-            <a:solidFill>
-              <a:schemeClr val="tx1"/>
-            </a:solidFill>
-          </a:ln>
-        </p:spPr>
-        <p:style>
-          <a:lnRef idx="2">
-            <a:schemeClr val="accent1">
-              <a:shade val="50000"/>
-            </a:schemeClr>
-          </a:lnRef>
-          <a:fillRef idx="1">
-            <a:schemeClr val="accent1"/>
-          </a:fillRef>
-          <a:effectRef idx="0">
-            <a:schemeClr val="accent1"/>
-          </a:effectRef>
-          <a:fontRef idx="minor">
-            <a:schemeClr val="lt1"/>
-          </a:fontRef>
-        </p:style>
-        <p:txBody>
-          <a:bodyPr rtlCol="0" anchor="ctr"/>
-          <a:lstStyle/>
-          <a:p>
-            <a:pPr algn="ctr"/>
-            <a:r>
-              <a:rPr lang="en-US" altLang="zh-CN" dirty="0" smtClean="0">
+              <a:rPr lang="en-US" altLang="zh-CN" dirty="0">
                 <a:solidFill>
                   <a:schemeClr val="tx1"/>
                 </a:solidFill>
@@ -38079,7 +37686,7 @@
           <a:p>
             <a:pPr algn="ctr"/>
             <a:r>
-              <a:rPr lang="en-US" altLang="zh-CN" dirty="0" smtClean="0">
+              <a:rPr lang="en-US" altLang="zh-CN" dirty="0">
                 <a:solidFill>
                   <a:schemeClr val="tx1"/>
                 </a:solidFill>
@@ -38173,7 +37780,7 @@
           <a:p>
             <a:pPr algn="ctr"/>
             <a:r>
-              <a:rPr lang="en-US" altLang="zh-CN" dirty="0" smtClean="0">
+              <a:rPr lang="en-US" altLang="zh-CN" dirty="0">
                 <a:solidFill>
                   <a:schemeClr val="tx1"/>
                 </a:solidFill>
@@ -38267,7 +37874,7 @@
           <a:p>
             <a:pPr algn="ctr"/>
             <a:r>
-              <a:rPr lang="en-US" altLang="zh-CN" dirty="0" smtClean="0">
+              <a:rPr lang="en-US" altLang="zh-CN" dirty="0">
                 <a:solidFill>
                   <a:schemeClr val="tx1"/>
                 </a:solidFill>
@@ -38290,7 +37897,7 @@
         </p:nvSpPr>
         <p:spPr>
           <a:xfrm>
-            <a:off x="6421394" y="1824402"/>
+            <a:off x="6452571" y="409697"/>
             <a:ext cx="649264" cy="695179"/>
           </a:xfrm>
           <a:prstGeom prst="rect">
@@ -38341,101 +37948,27 @@
           <a:p>
             <a:pPr algn="ctr"/>
             <a:r>
-              <a:rPr lang="en-US" altLang="zh-CN" sz="1200" dirty="0" smtClean="0">
+              <a:rPr lang="en-US" altLang="zh-CN" sz="1200" dirty="0">
                 <a:solidFill>
                   <a:schemeClr val="tx1"/>
                 </a:solidFill>
               </a:rPr>
-              <a:t>&lt;</a:t>
-            </a:r>
-            <a:r>
-              <a:rPr lang="en-US" altLang="zh-CN" sz="1200" dirty="0" smtClean="0">
+              <a:t>&gt;50</a:t>
+            </a:r>
+          </a:p>
+          <a:p>
+            <a:pPr algn="ctr"/>
+            <a:r>
+              <a:rPr lang="en-US" altLang="zh-CN" sz="1200" dirty="0">
                 <a:solidFill>
                   <a:schemeClr val="tx1"/>
                 </a:solidFill>
               </a:rPr>
-              <a:t>1000</a:t>
-            </a:r>
-            <a:endParaRPr lang="zh-CN" altLang="en-US" sz="1200" dirty="0">
-              <a:solidFill>
-                <a:schemeClr val="tx1"/>
-              </a:solidFill>
-            </a:endParaRPr>
-          </a:p>
-        </p:txBody>
-      </p:sp>
-      <p:cxnSp>
-        <p:nvCxnSpPr>
-          <p:cNvPr id="73" name="直接箭头连接符 72"/>
-          <p:cNvCxnSpPr>
-            <a:stCxn id="91" idx="1"/>
-            <a:endCxn id="81" idx="3"/>
-          </p:cNvCxnSpPr>
-          <p:nvPr/>
-        </p:nvCxnSpPr>
-        <p:spPr>
-          <a:xfrm flipH="1">
-            <a:off x="6262581" y="2171992"/>
-            <a:ext cx="158813" cy="1"/>
-          </a:xfrm>
-          <a:prstGeom prst="straightConnector1">
-            <a:avLst/>
-          </a:prstGeom>
-          <a:ln>
-            <a:tailEnd type="triangle"/>
-          </a:ln>
-        </p:spPr>
-        <p:style>
-          <a:lnRef idx="1">
-            <a:schemeClr val="accent1"/>
-          </a:lnRef>
-          <a:fillRef idx="0">
-            <a:schemeClr val="accent1"/>
-          </a:fillRef>
-          <a:effectRef idx="0">
-            <a:schemeClr val="accent1"/>
-          </a:effectRef>
-          <a:fontRef idx="minor">
-            <a:schemeClr val="tx1"/>
-          </a:fontRef>
-        </p:style>
-      </p:cxnSp>
-      <p:cxnSp>
-        <p:nvCxnSpPr>
-          <p:cNvPr id="83" name="直接箭头连接符 82"/>
-          <p:cNvCxnSpPr>
-            <a:stCxn id="66" idx="1"/>
-            <a:endCxn id="91" idx="2"/>
-          </p:cNvCxnSpPr>
-          <p:nvPr/>
-        </p:nvCxnSpPr>
-        <p:spPr>
-          <a:xfrm flipH="1" flipV="1">
-            <a:off x="6746026" y="2519581"/>
-            <a:ext cx="724389" cy="541589"/>
-          </a:xfrm>
-          <a:prstGeom prst="straightConnector1">
-            <a:avLst/>
-          </a:prstGeom>
-          <a:ln>
-            <a:tailEnd type="triangle"/>
-          </a:ln>
-        </p:spPr>
-        <p:style>
-          <a:lnRef idx="1">
-            <a:schemeClr val="accent1"/>
-          </a:lnRef>
-          <a:fillRef idx="0">
-            <a:schemeClr val="accent1"/>
-          </a:fillRef>
-          <a:effectRef idx="0">
-            <a:schemeClr val="accent1"/>
-          </a:effectRef>
-          <a:fontRef idx="minor">
-            <a:schemeClr val="tx1"/>
-          </a:fontRef>
-        </p:style>
-      </p:cxnSp>
+              <a:t>1:0</a:t>
+            </a:r>
+          </a:p>
+        </p:txBody>
+      </p:sp>
       <p:cxnSp>
         <p:nvCxnSpPr>
           <p:cNvPr id="100" name="直接箭头连接符 99"/>
@@ -38515,7 +38048,7 @@
           <a:p>
             <a:pPr algn="ctr"/>
             <a:r>
-              <a:rPr lang="en-US" altLang="zh-CN" dirty="0" smtClean="0">
+              <a:rPr lang="en-US" altLang="zh-CN" dirty="0">
                 <a:solidFill>
                   <a:schemeClr val="tx1"/>
                 </a:solidFill>
@@ -38609,7 +38142,7 @@
           <a:p>
             <a:pPr algn="ctr"/>
             <a:r>
-              <a:rPr lang="en-US" altLang="zh-CN" dirty="0" smtClean="0">
+              <a:rPr lang="en-US" altLang="zh-CN" dirty="0">
                 <a:solidFill>
                   <a:schemeClr val="tx1"/>
                 </a:solidFill>
@@ -38667,7 +38200,7 @@
           <a:p>
             <a:pPr algn="ctr"/>
             <a:r>
-              <a:rPr lang="en-US" altLang="zh-CN" dirty="0" smtClean="0">
+              <a:rPr lang="en-US" altLang="zh-CN" dirty="0">
                 <a:solidFill>
                   <a:schemeClr val="tx1"/>
                 </a:solidFill>
@@ -38800,9 +38333,9 @@
           <p:nvPr/>
         </p:nvCxnSpPr>
         <p:spPr>
-          <a:xfrm flipH="1">
-            <a:off x="6258115" y="4019155"/>
-            <a:ext cx="194456" cy="895"/>
+          <a:xfrm flipH="1" flipV="1">
+            <a:off x="6273378" y="4008114"/>
+            <a:ext cx="179193" cy="11041"/>
           </a:xfrm>
           <a:prstGeom prst="straightConnector1">
             <a:avLst/>
@@ -38837,8 +38370,8 @@
         </p:nvCxnSpPr>
         <p:spPr>
           <a:xfrm flipH="1" flipV="1">
-            <a:off x="5899531" y="4348917"/>
-            <a:ext cx="543870" cy="754820"/>
+            <a:off x="5914794" y="4336981"/>
+            <a:ext cx="528607" cy="766756"/>
           </a:xfrm>
           <a:prstGeom prst="straightConnector1">
             <a:avLst/>
@@ -39060,15 +38593,16 @@
         <p:nvCxnSpPr>
           <p:cNvPr id="282" name="直接箭头连接符 281"/>
           <p:cNvCxnSpPr>
-            <a:stCxn id="65" idx="2"/>
-            <a:endCxn id="79" idx="0"/>
+            <a:cxnSpLocks/>
+            <a:stCxn id="65" idx="1"/>
+            <a:endCxn id="79" idx="3"/>
           </p:cNvCxnSpPr>
           <p:nvPr/>
         </p:nvCxnSpPr>
         <p:spPr>
-          <a:xfrm>
-            <a:off x="8693804" y="1531679"/>
-            <a:ext cx="1092" cy="286277"/>
+          <a:xfrm flipH="1">
+            <a:off x="9019528" y="2138862"/>
+            <a:ext cx="917113" cy="26684"/>
           </a:xfrm>
           <a:prstGeom prst="straightConnector1">
             <a:avLst/>
@@ -39142,8 +38676,8 @@
         </p:nvSpPr>
         <p:spPr>
           <a:xfrm>
-            <a:off x="5540946" y="2713581"/>
-            <a:ext cx="717169" cy="657735"/>
+            <a:off x="5556209" y="2673105"/>
+            <a:ext cx="717169" cy="728617"/>
           </a:xfrm>
           <a:prstGeom prst="rect">
             <a:avLst/>
@@ -39177,7 +38711,7 @@
           <a:p>
             <a:pPr algn="ctr"/>
             <a:r>
-              <a:rPr lang="en-US" altLang="zh-CN" sz="1200" dirty="0" smtClean="0">
+              <a:rPr lang="en-US" altLang="zh-CN" sz="1200" dirty="0">
                 <a:solidFill>
                   <a:schemeClr val="tx1"/>
                 </a:solidFill>
@@ -39188,7 +38722,7 @@
           <a:p>
             <a:pPr algn="ctr"/>
             <a:r>
-              <a:rPr lang="en-US" altLang="zh-CN" sz="1200" dirty="0" smtClean="0">
+              <a:rPr lang="en-US" altLang="zh-CN" sz="1200" dirty="0">
                 <a:solidFill>
                   <a:schemeClr val="tx1"/>
                 </a:solidFill>
@@ -39211,7 +38745,7 @@
         </p:nvSpPr>
         <p:spPr>
           <a:xfrm>
-            <a:off x="5540946" y="3691182"/>
+            <a:off x="5556209" y="3679246"/>
             <a:ext cx="717169" cy="657735"/>
           </a:xfrm>
           <a:prstGeom prst="rect">
@@ -39246,7 +38780,7 @@
           <a:p>
             <a:pPr algn="ctr"/>
             <a:r>
-              <a:rPr lang="en-US" altLang="zh-CN" sz="1200" dirty="0" smtClean="0">
+              <a:rPr lang="en-US" altLang="zh-CN" sz="1200" dirty="0">
                 <a:solidFill>
                   <a:schemeClr val="tx1"/>
                 </a:solidFill>
@@ -39283,8 +38817,8 @@
         </p:nvCxnSpPr>
         <p:spPr>
           <a:xfrm flipH="1">
-            <a:off x="4758589" y="4020050"/>
-            <a:ext cx="782357" cy="303672"/>
+            <a:off x="4758589" y="4008114"/>
+            <a:ext cx="797620" cy="315608"/>
           </a:xfrm>
           <a:prstGeom prst="straightConnector1">
             <a:avLst/>
@@ -39312,6 +38846,7 @@
         <p:nvCxnSpPr>
           <p:cNvPr id="392" name="直接箭头连接符 391"/>
           <p:cNvCxnSpPr>
+            <a:cxnSpLocks/>
             <a:stCxn id="356" idx="1"/>
             <a:endCxn id="77" idx="3"/>
           </p:cNvCxnSpPr>
@@ -39320,7 +38855,7 @@
         <p:spPr>
           <a:xfrm flipH="1" flipV="1">
             <a:off x="4741209" y="2672254"/>
-            <a:ext cx="799737" cy="370195"/>
+            <a:ext cx="815000" cy="365160"/>
           </a:xfrm>
           <a:prstGeom prst="straightConnector1">
             <a:avLst/>
@@ -39348,6 +38883,7 @@
         <p:nvCxnSpPr>
           <p:cNvPr id="394" name="直接箭头连接符 393"/>
           <p:cNvCxnSpPr>
+            <a:cxnSpLocks/>
             <a:stCxn id="365" idx="0"/>
             <a:endCxn id="356" idx="2"/>
           </p:cNvCxnSpPr>
@@ -39355,8 +38891,8 @@
         </p:nvCxnSpPr>
         <p:spPr>
           <a:xfrm flipV="1">
-            <a:off x="5899531" y="3371316"/>
-            <a:ext cx="0" cy="319866"/>
+            <a:off x="5914794" y="3401722"/>
+            <a:ext cx="0" cy="277524"/>
           </a:xfrm>
           <a:prstGeom prst="straightConnector1">
             <a:avLst/>
@@ -39384,19 +38920,20 @@
         <p:nvCxnSpPr>
           <p:cNvPr id="408" name="肘形连接符 407"/>
           <p:cNvCxnSpPr>
+            <a:cxnSpLocks/>
             <a:stCxn id="20" idx="3"/>
-            <a:endCxn id="66" idx="1"/>
+            <a:endCxn id="66" idx="3"/>
           </p:cNvCxnSpPr>
           <p:nvPr/>
         </p:nvCxnSpPr>
         <p:spPr>
           <a:xfrm flipV="1">
             <a:off x="4868136" y="3061170"/>
-            <a:ext cx="2602279" cy="436817"/>
+            <a:ext cx="3251543" cy="436817"/>
           </a:xfrm>
           <a:prstGeom prst="bentConnector3">
             <a:avLst>
-              <a:gd name="adj1" fmla="val 89448"/>
+              <a:gd name="adj1" fmla="val 105181"/>
             </a:avLst>
           </a:prstGeom>
           <a:ln>
@@ -39422,15 +38959,16 @@
         <p:nvCxnSpPr>
           <p:cNvPr id="411" name="直接箭头连接符 410"/>
           <p:cNvCxnSpPr>
-            <a:stCxn id="356" idx="3"/>
+            <a:cxnSpLocks/>
+            <a:stCxn id="356" idx="0"/>
             <a:endCxn id="88" idx="1"/>
           </p:cNvCxnSpPr>
           <p:nvPr/>
         </p:nvCxnSpPr>
         <p:spPr>
           <a:xfrm flipV="1">
-            <a:off x="6258115" y="2166430"/>
-            <a:ext cx="1212300" cy="876019"/>
+            <a:off x="5914794" y="2166430"/>
+            <a:ext cx="1555621" cy="506675"/>
           </a:xfrm>
           <a:prstGeom prst="straightConnector1">
             <a:avLst/>
@@ -39497,7 +39035,7 @@
           <a:p>
             <a:pPr algn="ctr"/>
             <a:r>
-              <a:rPr lang="en-US" altLang="zh-CN" dirty="0" smtClean="0">
+              <a:rPr lang="en-US" altLang="zh-CN" dirty="0">
                 <a:solidFill>
                   <a:schemeClr val="tx1"/>
                 </a:solidFill>
@@ -39573,7 +39111,7 @@
           <a:lstStyle/>
           <a:p>
             <a:r>
-              <a:rPr lang="en-US" altLang="zh-CN" dirty="0" smtClean="0"/>
+              <a:rPr lang="en-US" altLang="zh-CN" dirty="0"/>
               <a:t>1</a:t>
             </a:r>
             <a:endParaRPr lang="zh-CN" altLang="en-US" dirty="0"/>
@@ -39608,7 +39146,7 @@
           <a:lstStyle/>
           <a:p>
             <a:r>
-              <a:rPr lang="en-US" altLang="zh-CN" dirty="0" smtClean="0"/>
+              <a:rPr lang="en-US" altLang="zh-CN" dirty="0"/>
               <a:t>1</a:t>
             </a:r>
             <a:endParaRPr lang="zh-CN" altLang="en-US" dirty="0"/>
@@ -39623,7 +39161,7 @@
         </p:nvSpPr>
         <p:spPr>
           <a:xfrm>
-            <a:off x="5058241" y="2578354"/>
+            <a:off x="4646590" y="2211264"/>
             <a:ext cx="289118" cy="369332"/>
           </a:xfrm>
           <a:prstGeom prst="rect">
@@ -39643,7 +39181,7 @@
           <a:lstStyle/>
           <a:p>
             <a:r>
-              <a:rPr lang="en-US" altLang="zh-CN" dirty="0" smtClean="0"/>
+              <a:rPr lang="en-US" altLang="zh-CN" dirty="0"/>
               <a:t>3</a:t>
             </a:r>
             <a:endParaRPr lang="zh-CN" altLang="en-US" dirty="0"/>
@@ -39658,7 +39196,7 @@
         </p:nvSpPr>
         <p:spPr>
           <a:xfrm>
-            <a:off x="5054827" y="4008584"/>
+            <a:off x="4574382" y="3902238"/>
             <a:ext cx="272094" cy="369332"/>
           </a:xfrm>
           <a:prstGeom prst="rect">
@@ -39678,7 +39216,7 @@
           <a:lstStyle/>
           <a:p>
             <a:r>
-              <a:rPr lang="en-US" altLang="zh-CN" dirty="0" smtClean="0"/>
+              <a:rPr lang="en-US" altLang="zh-CN" dirty="0"/>
               <a:t>2</a:t>
             </a:r>
             <a:endParaRPr lang="zh-CN" altLang="en-US" dirty="0"/>
@@ -39693,7 +39231,7 @@
         </p:nvSpPr>
         <p:spPr>
           <a:xfrm>
-            <a:off x="7822483" y="1181066"/>
+            <a:off x="9608907" y="2147306"/>
             <a:ext cx="289118" cy="369332"/>
           </a:xfrm>
           <a:prstGeom prst="rect">
@@ -39713,7 +39251,7 @@
           <a:lstStyle/>
           <a:p>
             <a:r>
-              <a:rPr lang="en-US" altLang="zh-CN" dirty="0" smtClean="0"/>
+              <a:rPr lang="en-US" altLang="zh-CN" dirty="0"/>
               <a:t>3</a:t>
             </a:r>
             <a:endParaRPr lang="zh-CN" altLang="en-US" dirty="0"/>
@@ -39728,7 +39266,7 @@
         </p:nvSpPr>
         <p:spPr>
           <a:xfrm>
-            <a:off x="5061504" y="3313322"/>
+            <a:off x="5054827" y="3388170"/>
             <a:ext cx="289118" cy="369332"/>
           </a:xfrm>
           <a:prstGeom prst="rect">
@@ -39748,7 +39286,7 @@
           <a:lstStyle/>
           <a:p>
             <a:r>
-              <a:rPr lang="en-US" altLang="zh-CN" dirty="0" smtClean="0"/>
+              <a:rPr lang="en-US" altLang="zh-CN" dirty="0"/>
               <a:t>2</a:t>
             </a:r>
             <a:endParaRPr lang="zh-CN" altLang="en-US" dirty="0"/>
@@ -39757,59 +39295,662 @@
       </p:sp>
       <p:sp>
         <p:nvSpPr>
-          <p:cNvPr id="436" name="文本框 435"/>
-          <p:cNvSpPr txBox="1"/>
-          <p:nvPr/>
-        </p:nvSpPr>
-        <p:spPr>
-          <a:xfrm>
-            <a:off x="3938144" y="560271"/>
-            <a:ext cx="4307589" cy="923330"/>
+          <p:cNvPr id="15" name="矩形 14">
+            <a:extLst>
+              <a:ext uri="{FF2B5EF4-FFF2-40B4-BE49-F238E27FC236}">
+                <a16:creationId xmlns:a16="http://schemas.microsoft.com/office/drawing/2014/main" id="{7F5FEACA-C42A-2295-C452-A5DE1B4FFD11}"/>
+              </a:ext>
+            </a:extLst>
+          </p:cNvPr>
+          <p:cNvSpPr/>
+          <p:nvPr/>
+        </p:nvSpPr>
+        <p:spPr>
+          <a:xfrm>
+            <a:off x="6574542" y="1514056"/>
+            <a:ext cx="667908" cy="695179"/>
           </a:xfrm>
           <a:prstGeom prst="rect">
             <a:avLst/>
           </a:prstGeom>
           <a:noFill/>
-        </p:spPr>
-        <p:txBody>
-          <a:bodyPr wrap="none" rtlCol="0">
-            <a:spAutoFit/>
-          </a:bodyPr>
-          <a:lstStyle/>
-          <a:p>
-            <a:r>
-              <a:rPr lang="en-US" altLang="zh-CN" dirty="0"/>
-              <a:t>^([0-9]|[1-9][0-9]|[1-9][0-9][0-9</a:t>
-            </a:r>
-            <a:r>
-              <a:rPr lang="en-US" altLang="zh-CN" dirty="0" smtClean="0"/>
-              <a:t>])(\.[\d]+)?$</a:t>
-            </a:r>
-            <a:endParaRPr lang="en-US" altLang="zh-CN" dirty="0"/>
-          </a:p>
-          <a:p>
-            <a:r>
-              <a:rPr lang="en-US" altLang="zh-CN" dirty="0" smtClean="0"/>
-              <a:t>^(</a:t>
-            </a:r>
-            <a:r>
-              <a:rPr lang="en-US" altLang="zh-CN" dirty="0"/>
-              <a:t>9[0-9]|100</a:t>
-            </a:r>
-            <a:r>
-              <a:rPr lang="en-US" altLang="zh-CN" dirty="0" smtClean="0"/>
-              <a:t>)$</a:t>
-            </a:r>
-          </a:p>
-          <a:p>
-            <a:r>
-              <a:rPr lang="en-US" altLang="zh-CN" dirty="0"/>
-              <a:t>^([0-9]|20|1[0-9])$</a:t>
-            </a:r>
-            <a:endParaRPr lang="zh-CN" altLang="en-US" dirty="0"/>
-          </a:p>
-        </p:txBody>
-      </p:sp>
+          <a:ln>
+            <a:solidFill>
+              <a:schemeClr val="tx1"/>
+            </a:solidFill>
+          </a:ln>
+        </p:spPr>
+        <p:style>
+          <a:lnRef idx="2">
+            <a:schemeClr val="accent1">
+              <a:shade val="50000"/>
+            </a:schemeClr>
+          </a:lnRef>
+          <a:fillRef idx="1">
+            <a:schemeClr val="accent1"/>
+          </a:fillRef>
+          <a:effectRef idx="0">
+            <a:schemeClr val="accent1"/>
+          </a:effectRef>
+          <a:fontRef idx="minor">
+            <a:schemeClr val="lt1"/>
+          </a:fontRef>
+        </p:style>
+        <p:txBody>
+          <a:bodyPr rtlCol="0" anchor="ctr"/>
+          <a:lstStyle/>
+          <a:p>
+            <a:pPr algn="ctr"/>
+            <a:r>
+              <a:rPr lang="en-US" altLang="zh-CN" sz="1200" dirty="0">
+                <a:solidFill>
+                  <a:schemeClr val="tx1"/>
+                </a:solidFill>
+              </a:rPr>
+              <a:t>And</a:t>
+            </a:r>
+          </a:p>
+          <a:p>
+            <a:pPr algn="ctr"/>
+            <a:r>
+              <a:rPr lang="en-US" altLang="zh-CN" sz="1200" dirty="0">
+                <a:solidFill>
+                  <a:schemeClr val="tx1"/>
+                </a:solidFill>
+              </a:rPr>
+              <a:t>0:1</a:t>
+            </a:r>
+            <a:endParaRPr lang="zh-CN" altLang="en-US" sz="1200" dirty="0">
+              <a:solidFill>
+                <a:schemeClr val="tx1"/>
+              </a:solidFill>
+            </a:endParaRPr>
+          </a:p>
+        </p:txBody>
+      </p:sp>
+      <p:cxnSp>
+        <p:nvCxnSpPr>
+          <p:cNvPr id="17" name="直接箭头连接符 16">
+            <a:extLst>
+              <a:ext uri="{FF2B5EF4-FFF2-40B4-BE49-F238E27FC236}">
+                <a16:creationId xmlns:a16="http://schemas.microsoft.com/office/drawing/2014/main" id="{80265E26-0FFF-9378-897D-58C50B4B3635}"/>
+              </a:ext>
+            </a:extLst>
+          </p:cNvPr>
+          <p:cNvCxnSpPr>
+            <a:cxnSpLocks/>
+            <a:stCxn id="91" idx="2"/>
+            <a:endCxn id="15" idx="0"/>
+          </p:cNvCxnSpPr>
+          <p:nvPr/>
+        </p:nvCxnSpPr>
+        <p:spPr>
+          <a:xfrm>
+            <a:off x="6777203" y="1104876"/>
+            <a:ext cx="131293" cy="409180"/>
+          </a:xfrm>
+          <a:prstGeom prst="straightConnector1">
+            <a:avLst/>
+          </a:prstGeom>
+          <a:ln>
+            <a:tailEnd type="triangle"/>
+          </a:ln>
+        </p:spPr>
+        <p:style>
+          <a:lnRef idx="1">
+            <a:schemeClr val="accent1"/>
+          </a:lnRef>
+          <a:fillRef idx="0">
+            <a:schemeClr val="accent1"/>
+          </a:fillRef>
+          <a:effectRef idx="0">
+            <a:schemeClr val="accent1"/>
+          </a:effectRef>
+          <a:fontRef idx="minor">
+            <a:schemeClr val="tx1"/>
+          </a:fontRef>
+        </p:style>
+      </p:cxnSp>
+      <p:cxnSp>
+        <p:nvCxnSpPr>
+          <p:cNvPr id="19" name="直接箭头连接符 18">
+            <a:extLst>
+              <a:ext uri="{FF2B5EF4-FFF2-40B4-BE49-F238E27FC236}">
+                <a16:creationId xmlns:a16="http://schemas.microsoft.com/office/drawing/2014/main" id="{0F73883B-2263-04E9-D02A-49BAC5A71D3E}"/>
+              </a:ext>
+            </a:extLst>
+          </p:cNvPr>
+          <p:cNvCxnSpPr>
+            <a:cxnSpLocks/>
+            <a:stCxn id="15" idx="2"/>
+            <a:endCxn id="87" idx="0"/>
+          </p:cNvCxnSpPr>
+          <p:nvPr/>
+        </p:nvCxnSpPr>
+        <p:spPr>
+          <a:xfrm flipH="1">
+            <a:off x="6904521" y="2209235"/>
+            <a:ext cx="3975" cy="480589"/>
+          </a:xfrm>
+          <a:prstGeom prst="straightConnector1">
+            <a:avLst/>
+          </a:prstGeom>
+          <a:ln>
+            <a:tailEnd type="triangle"/>
+          </a:ln>
+        </p:spPr>
+        <p:style>
+          <a:lnRef idx="1">
+            <a:schemeClr val="accent1"/>
+          </a:lnRef>
+          <a:fillRef idx="0">
+            <a:schemeClr val="accent1"/>
+          </a:fillRef>
+          <a:effectRef idx="0">
+            <a:schemeClr val="accent1"/>
+          </a:effectRef>
+          <a:fontRef idx="minor">
+            <a:schemeClr val="tx1"/>
+          </a:fontRef>
+        </p:style>
+      </p:cxnSp>
+      <p:cxnSp>
+        <p:nvCxnSpPr>
+          <p:cNvPr id="27" name="连接符: 肘形 26">
+            <a:extLst>
+              <a:ext uri="{FF2B5EF4-FFF2-40B4-BE49-F238E27FC236}">
+                <a16:creationId xmlns:a16="http://schemas.microsoft.com/office/drawing/2014/main" id="{B76BA225-40D6-0DA4-B08D-08DEC1993A60}"/>
+              </a:ext>
+            </a:extLst>
+          </p:cNvPr>
+          <p:cNvCxnSpPr>
+            <a:cxnSpLocks/>
+            <a:stCxn id="65" idx="3"/>
+            <a:endCxn id="91" idx="0"/>
+          </p:cNvCxnSpPr>
+          <p:nvPr/>
+        </p:nvCxnSpPr>
+        <p:spPr>
+          <a:xfrm flipH="1" flipV="1">
+            <a:off x="6777203" y="409697"/>
+            <a:ext cx="4285462" cy="1729165"/>
+          </a:xfrm>
+          <a:prstGeom prst="bentConnector4">
+            <a:avLst>
+              <a:gd name="adj1" fmla="val -5334"/>
+              <a:gd name="adj2" fmla="val 113220"/>
+            </a:avLst>
+          </a:prstGeom>
+          <a:ln>
+            <a:tailEnd type="triangle"/>
+          </a:ln>
+        </p:spPr>
+        <p:style>
+          <a:lnRef idx="1">
+            <a:schemeClr val="accent1"/>
+          </a:lnRef>
+          <a:fillRef idx="0">
+            <a:schemeClr val="accent1"/>
+          </a:fillRef>
+          <a:effectRef idx="0">
+            <a:schemeClr val="accent1"/>
+          </a:effectRef>
+          <a:fontRef idx="minor">
+            <a:schemeClr val="tx1"/>
+          </a:fontRef>
+        </p:style>
+      </p:cxnSp>
+      <p:sp>
+        <p:nvSpPr>
+          <p:cNvPr id="33" name="矩形 32">
+            <a:extLst>
+              <a:ext uri="{FF2B5EF4-FFF2-40B4-BE49-F238E27FC236}">
+                <a16:creationId xmlns:a16="http://schemas.microsoft.com/office/drawing/2014/main" id="{D360A4CA-BD21-B91F-7221-72ED89CE2A6A}"/>
+              </a:ext>
+            </a:extLst>
+          </p:cNvPr>
+          <p:cNvSpPr/>
+          <p:nvPr/>
+        </p:nvSpPr>
+        <p:spPr>
+          <a:xfrm>
+            <a:off x="5554906" y="434193"/>
+            <a:ext cx="718471" cy="695179"/>
+          </a:xfrm>
+          <a:prstGeom prst="rect">
+            <a:avLst/>
+          </a:prstGeom>
+          <a:noFill/>
+          <a:ln>
+            <a:solidFill>
+              <a:schemeClr val="tx1"/>
+            </a:solidFill>
+          </a:ln>
+        </p:spPr>
+        <p:style>
+          <a:lnRef idx="2">
+            <a:schemeClr val="accent1">
+              <a:shade val="50000"/>
+            </a:schemeClr>
+          </a:lnRef>
+          <a:fillRef idx="1">
+            <a:schemeClr val="accent1"/>
+          </a:fillRef>
+          <a:effectRef idx="0">
+            <a:schemeClr val="accent1"/>
+          </a:effectRef>
+          <a:fontRef idx="minor">
+            <a:schemeClr val="lt1"/>
+          </a:fontRef>
+        </p:style>
+        <p:txBody>
+          <a:bodyPr rtlCol="0" anchor="ctr"/>
+          <a:lstStyle/>
+          <a:p>
+            <a:pPr algn="ctr"/>
+            <a:r>
+              <a:rPr lang="en-US" altLang="zh-CN" sz="1000" dirty="0" err="1">
+                <a:solidFill>
+                  <a:schemeClr val="tx1"/>
+                </a:solidFill>
+              </a:rPr>
+              <a:t>RegEx</a:t>
+            </a:r>
+            <a:endParaRPr lang="en-US" altLang="zh-CN" sz="1000" dirty="0">
+              <a:solidFill>
+                <a:schemeClr val="tx1"/>
+              </a:solidFill>
+            </a:endParaRPr>
+          </a:p>
+          <a:p>
+            <a:pPr algn="ctr"/>
+            <a:r>
+              <a:rPr lang="en-US" altLang="zh-CN" sz="1000" dirty="0">
+                <a:solidFill>
+                  <a:schemeClr val="tx1"/>
+                </a:solidFill>
+              </a:rPr>
+              <a:t>&lt;3000</a:t>
+            </a:r>
+          </a:p>
+          <a:p>
+            <a:pPr algn="ctr"/>
+            <a:r>
+              <a:rPr lang="en-US" altLang="zh-CN" sz="1000" dirty="0">
+                <a:solidFill>
+                  <a:schemeClr val="tx1"/>
+                </a:solidFill>
+              </a:rPr>
+              <a:t>1:0</a:t>
+            </a:r>
+          </a:p>
+        </p:txBody>
+      </p:sp>
+      <p:cxnSp>
+        <p:nvCxnSpPr>
+          <p:cNvPr id="45" name="直接箭头连接符 44">
+            <a:extLst>
+              <a:ext uri="{FF2B5EF4-FFF2-40B4-BE49-F238E27FC236}">
+                <a16:creationId xmlns:a16="http://schemas.microsoft.com/office/drawing/2014/main" id="{22523DF7-400B-4034-B6F8-BA567CA588CE}"/>
+              </a:ext>
+            </a:extLst>
+          </p:cNvPr>
+          <p:cNvCxnSpPr>
+            <a:cxnSpLocks/>
+            <a:stCxn id="33" idx="2"/>
+            <a:endCxn id="15" idx="0"/>
+          </p:cNvCxnSpPr>
+          <p:nvPr/>
+        </p:nvCxnSpPr>
+        <p:spPr>
+          <a:xfrm>
+            <a:off x="5914142" y="1129372"/>
+            <a:ext cx="994354" cy="384684"/>
+          </a:xfrm>
+          <a:prstGeom prst="straightConnector1">
+            <a:avLst/>
+          </a:prstGeom>
+          <a:ln>
+            <a:tailEnd type="triangle"/>
+          </a:ln>
+        </p:spPr>
+        <p:style>
+          <a:lnRef idx="1">
+            <a:schemeClr val="accent1"/>
+          </a:lnRef>
+          <a:fillRef idx="0">
+            <a:schemeClr val="accent1"/>
+          </a:fillRef>
+          <a:effectRef idx="0">
+            <a:schemeClr val="accent1"/>
+          </a:effectRef>
+          <a:fontRef idx="minor">
+            <a:schemeClr val="tx1"/>
+          </a:fontRef>
+        </p:style>
+      </p:cxnSp>
+      <p:sp>
+        <p:nvSpPr>
+          <p:cNvPr id="30" name="矩形 29">
+            <a:extLst>
+              <a:ext uri="{FF2B5EF4-FFF2-40B4-BE49-F238E27FC236}">
+                <a16:creationId xmlns:a16="http://schemas.microsoft.com/office/drawing/2014/main" id="{839C7051-737F-B947-5D02-992B9B2053CA}"/>
+              </a:ext>
+            </a:extLst>
+          </p:cNvPr>
+          <p:cNvSpPr/>
+          <p:nvPr/>
+        </p:nvSpPr>
+        <p:spPr>
+          <a:xfrm>
+            <a:off x="5556209" y="1748746"/>
+            <a:ext cx="717169" cy="688096"/>
+          </a:xfrm>
+          <a:prstGeom prst="rect">
+            <a:avLst/>
+          </a:prstGeom>
+          <a:noFill/>
+          <a:ln>
+            <a:solidFill>
+              <a:schemeClr val="tx1"/>
+            </a:solidFill>
+          </a:ln>
+        </p:spPr>
+        <p:style>
+          <a:lnRef idx="2">
+            <a:schemeClr val="accent1">
+              <a:shade val="50000"/>
+            </a:schemeClr>
+          </a:lnRef>
+          <a:fillRef idx="1">
+            <a:schemeClr val="accent1"/>
+          </a:fillRef>
+          <a:effectRef idx="0">
+            <a:schemeClr val="accent1"/>
+          </a:effectRef>
+          <a:fontRef idx="minor">
+            <a:schemeClr val="lt1"/>
+          </a:fontRef>
+        </p:style>
+        <p:txBody>
+          <a:bodyPr rtlCol="0" anchor="ctr"/>
+          <a:lstStyle/>
+          <a:p>
+            <a:pPr algn="ctr"/>
+            <a:r>
+              <a:rPr lang="en-US" altLang="zh-CN" sz="1200" dirty="0">
+                <a:solidFill>
+                  <a:schemeClr val="tx1"/>
+                </a:solidFill>
+              </a:rPr>
+              <a:t>&gt;1000</a:t>
+            </a:r>
+          </a:p>
+          <a:p>
+            <a:pPr algn="ctr"/>
+            <a:r>
+              <a:rPr lang="en-US" altLang="zh-CN" sz="1200" dirty="0">
+                <a:solidFill>
+                  <a:schemeClr val="tx1"/>
+                </a:solidFill>
+              </a:rPr>
+              <a:t>Output:1</a:t>
+            </a:r>
+            <a:endParaRPr lang="zh-CN" altLang="en-US" sz="1200" dirty="0">
+              <a:solidFill>
+                <a:schemeClr val="tx1"/>
+              </a:solidFill>
+            </a:endParaRPr>
+          </a:p>
+        </p:txBody>
+      </p:sp>
+      <p:cxnSp>
+        <p:nvCxnSpPr>
+          <p:cNvPr id="35" name="直接箭头连接符 34">
+            <a:extLst>
+              <a:ext uri="{FF2B5EF4-FFF2-40B4-BE49-F238E27FC236}">
+                <a16:creationId xmlns:a16="http://schemas.microsoft.com/office/drawing/2014/main" id="{32FC0451-8752-5136-E0D6-BA1BE3DA5DBC}"/>
+              </a:ext>
+            </a:extLst>
+          </p:cNvPr>
+          <p:cNvCxnSpPr>
+            <a:cxnSpLocks/>
+            <a:stCxn id="87" idx="1"/>
+            <a:endCxn id="356" idx="3"/>
+          </p:cNvCxnSpPr>
+          <p:nvPr/>
+        </p:nvCxnSpPr>
+        <p:spPr>
+          <a:xfrm flipH="1">
+            <a:off x="6273378" y="3037414"/>
+            <a:ext cx="297189" cy="0"/>
+          </a:xfrm>
+          <a:prstGeom prst="straightConnector1">
+            <a:avLst/>
+          </a:prstGeom>
+          <a:ln>
+            <a:tailEnd type="triangle"/>
+          </a:ln>
+        </p:spPr>
+        <p:style>
+          <a:lnRef idx="1">
+            <a:schemeClr val="accent1"/>
+          </a:lnRef>
+          <a:fillRef idx="0">
+            <a:schemeClr val="accent1"/>
+          </a:fillRef>
+          <a:effectRef idx="0">
+            <a:schemeClr val="accent1"/>
+          </a:effectRef>
+          <a:fontRef idx="minor">
+            <a:schemeClr val="tx1"/>
+          </a:fontRef>
+        </p:style>
+      </p:cxnSp>
+      <p:cxnSp>
+        <p:nvCxnSpPr>
+          <p:cNvPr id="70" name="直接箭头连接符 69">
+            <a:extLst>
+              <a:ext uri="{FF2B5EF4-FFF2-40B4-BE49-F238E27FC236}">
+                <a16:creationId xmlns:a16="http://schemas.microsoft.com/office/drawing/2014/main" id="{2186778D-2C1A-CA67-EBDC-891820093082}"/>
+              </a:ext>
+            </a:extLst>
+          </p:cNvPr>
+          <p:cNvCxnSpPr>
+            <a:cxnSpLocks/>
+            <a:stCxn id="20" idx="3"/>
+            <a:endCxn id="30" idx="1"/>
+          </p:cNvCxnSpPr>
+          <p:nvPr/>
+        </p:nvCxnSpPr>
+        <p:spPr>
+          <a:xfrm flipV="1">
+            <a:off x="4868136" y="2092794"/>
+            <a:ext cx="688073" cy="1405193"/>
+          </a:xfrm>
+          <a:prstGeom prst="straightConnector1">
+            <a:avLst/>
+          </a:prstGeom>
+          <a:ln>
+            <a:tailEnd type="triangle"/>
+          </a:ln>
+        </p:spPr>
+        <p:style>
+          <a:lnRef idx="1">
+            <a:schemeClr val="accent1"/>
+          </a:lnRef>
+          <a:fillRef idx="0">
+            <a:schemeClr val="accent1"/>
+          </a:fillRef>
+          <a:effectRef idx="0">
+            <a:schemeClr val="accent1"/>
+          </a:effectRef>
+          <a:fontRef idx="minor">
+            <a:schemeClr val="tx1"/>
+          </a:fontRef>
+        </p:style>
+      </p:cxnSp>
+      <p:sp>
+        <p:nvSpPr>
+          <p:cNvPr id="87" name="矩形 86">
+            <a:extLst>
+              <a:ext uri="{FF2B5EF4-FFF2-40B4-BE49-F238E27FC236}">
+                <a16:creationId xmlns:a16="http://schemas.microsoft.com/office/drawing/2014/main" id="{E91E8B4F-2362-392D-1FEF-78EEF8958800}"/>
+              </a:ext>
+            </a:extLst>
+          </p:cNvPr>
+          <p:cNvSpPr/>
+          <p:nvPr/>
+        </p:nvSpPr>
+        <p:spPr>
+          <a:xfrm>
+            <a:off x="6570567" y="2689824"/>
+            <a:ext cx="667908" cy="695179"/>
+          </a:xfrm>
+          <a:prstGeom prst="rect">
+            <a:avLst/>
+          </a:prstGeom>
+          <a:noFill/>
+          <a:ln>
+            <a:solidFill>
+              <a:schemeClr val="tx1"/>
+            </a:solidFill>
+          </a:ln>
+        </p:spPr>
+        <p:style>
+          <a:lnRef idx="2">
+            <a:schemeClr val="accent1">
+              <a:shade val="50000"/>
+            </a:schemeClr>
+          </a:lnRef>
+          <a:fillRef idx="1">
+            <a:schemeClr val="accent1"/>
+          </a:fillRef>
+          <a:effectRef idx="0">
+            <a:schemeClr val="accent1"/>
+          </a:effectRef>
+          <a:fontRef idx="minor">
+            <a:schemeClr val="lt1"/>
+          </a:fontRef>
+        </p:style>
+        <p:txBody>
+          <a:bodyPr rtlCol="0" anchor="ctr"/>
+          <a:lstStyle/>
+          <a:p>
+            <a:pPr algn="ctr"/>
+            <a:r>
+              <a:rPr lang="en-US" altLang="zh-CN" sz="1200" dirty="0">
+                <a:solidFill>
+                  <a:schemeClr val="tx1"/>
+                </a:solidFill>
+              </a:rPr>
+              <a:t>And</a:t>
+            </a:r>
+          </a:p>
+          <a:p>
+            <a:pPr algn="ctr"/>
+            <a:r>
+              <a:rPr lang="en-US" altLang="zh-CN" sz="1200" dirty="0">
+                <a:solidFill>
+                  <a:schemeClr val="tx1"/>
+                </a:solidFill>
+              </a:rPr>
+              <a:t>1:0</a:t>
+            </a:r>
+            <a:endParaRPr lang="zh-CN" altLang="en-US" sz="1200" dirty="0">
+              <a:solidFill>
+                <a:schemeClr val="tx1"/>
+              </a:solidFill>
+            </a:endParaRPr>
+          </a:p>
+        </p:txBody>
+      </p:sp>
+      <p:cxnSp>
+        <p:nvCxnSpPr>
+          <p:cNvPr id="90" name="直接箭头连接符 89">
+            <a:extLst>
+              <a:ext uri="{FF2B5EF4-FFF2-40B4-BE49-F238E27FC236}">
+                <a16:creationId xmlns:a16="http://schemas.microsoft.com/office/drawing/2014/main" id="{BEF095AE-D296-BDE8-18D6-EEB88D121F0B}"/>
+              </a:ext>
+            </a:extLst>
+          </p:cNvPr>
+          <p:cNvCxnSpPr>
+            <a:cxnSpLocks/>
+            <a:stCxn id="30" idx="3"/>
+            <a:endCxn id="87" idx="0"/>
+          </p:cNvCxnSpPr>
+          <p:nvPr/>
+        </p:nvCxnSpPr>
+        <p:spPr>
+          <a:xfrm>
+            <a:off x="6273378" y="2092794"/>
+            <a:ext cx="631143" cy="597030"/>
+          </a:xfrm>
+          <a:prstGeom prst="straightConnector1">
+            <a:avLst/>
+          </a:prstGeom>
+          <a:ln>
+            <a:tailEnd type="triangle"/>
+          </a:ln>
+        </p:spPr>
+        <p:style>
+          <a:lnRef idx="1">
+            <a:schemeClr val="accent1"/>
+          </a:lnRef>
+          <a:fillRef idx="0">
+            <a:schemeClr val="accent1"/>
+          </a:fillRef>
+          <a:effectRef idx="0">
+            <a:schemeClr val="accent1"/>
+          </a:effectRef>
+          <a:fontRef idx="minor">
+            <a:schemeClr val="tx1"/>
+          </a:fontRef>
+        </p:style>
+      </p:cxnSp>
+      <p:cxnSp>
+        <p:nvCxnSpPr>
+          <p:cNvPr id="115" name="直接箭头连接符 114">
+            <a:extLst>
+              <a:ext uri="{FF2B5EF4-FFF2-40B4-BE49-F238E27FC236}">
+                <a16:creationId xmlns:a16="http://schemas.microsoft.com/office/drawing/2014/main" id="{F8AF9131-6C1B-12D8-F49B-C29A3233ED6C}"/>
+              </a:ext>
+            </a:extLst>
+          </p:cNvPr>
+          <p:cNvCxnSpPr>
+            <a:cxnSpLocks/>
+            <a:stCxn id="20" idx="3"/>
+            <a:endCxn id="33" idx="1"/>
+          </p:cNvCxnSpPr>
+          <p:nvPr/>
+        </p:nvCxnSpPr>
+        <p:spPr>
+          <a:xfrm flipV="1">
+            <a:off x="4868136" y="781783"/>
+            <a:ext cx="686770" cy="2716204"/>
+          </a:xfrm>
+          <a:prstGeom prst="straightConnector1">
+            <a:avLst/>
+          </a:prstGeom>
+          <a:ln>
+            <a:tailEnd type="triangle"/>
+          </a:ln>
+        </p:spPr>
+        <p:style>
+          <a:lnRef idx="1">
+            <a:schemeClr val="accent1"/>
+          </a:lnRef>
+          <a:fillRef idx="0">
+            <a:schemeClr val="accent1"/>
+          </a:fillRef>
+          <a:effectRef idx="0">
+            <a:schemeClr val="accent1"/>
+          </a:effectRef>
+          <a:fontRef idx="minor">
+            <a:schemeClr val="tx1"/>
+          </a:fontRef>
+        </p:style>
+      </p:cxnSp>
     </p:spTree>
     <p:extLst>
       <p:ext uri="{BB962C8B-B14F-4D97-AF65-F5344CB8AC3E}">
@@ -39820,13 +39961,6 @@
   <p:clrMapOvr>
     <a:masterClrMapping/>
   </p:clrMapOvr>
-  <p:timing>
-    <p:tnLst>
-      <p:par>
-        <p:cTn id="1" dur="indefinite" restart="never" nodeType="tmRoot"/>
-      </p:par>
-    </p:tnLst>
-  </p:timing>
 </p:sld>
 </file>
 

--- a/BaroAngEditor/BaroAngEditor/mods/Lines.pptx
+++ b/BaroAngEditor/BaroAngEditor/mods/Lines.pptx
@@ -211,7 +211,7 @@
           <a:p>
             <a:fld id="{F0D6F240-792E-4744-907A-4AD372E8111A}" type="datetimeFigureOut">
               <a:rPr lang="zh-CN" altLang="en-US" smtClean="0"/>
-              <a:t>2024/7/23</a:t>
+              <a:t>2024/7/31</a:t>
             </a:fld>
             <a:endParaRPr lang="zh-CN" altLang="en-US"/>
           </a:p>
@@ -1279,7 +1279,7 @@
           <a:p>
             <a:fld id="{EC490B39-3A65-4F7E-9267-FA0838AB48F0}" type="datetimeFigureOut">
               <a:rPr lang="zh-CN" altLang="en-US" smtClean="0"/>
-              <a:t>2024/7/23</a:t>
+              <a:t>2024/7/31</a:t>
             </a:fld>
             <a:endParaRPr lang="zh-CN" altLang="en-US"/>
           </a:p>
@@ -1447,7 +1447,7 @@
           <a:p>
             <a:fld id="{EC490B39-3A65-4F7E-9267-FA0838AB48F0}" type="datetimeFigureOut">
               <a:rPr lang="zh-CN" altLang="en-US" smtClean="0"/>
-              <a:t>2024/7/23</a:t>
+              <a:t>2024/7/31</a:t>
             </a:fld>
             <a:endParaRPr lang="zh-CN" altLang="en-US"/>
           </a:p>
@@ -1625,7 +1625,7 @@
           <a:p>
             <a:fld id="{EC490B39-3A65-4F7E-9267-FA0838AB48F0}" type="datetimeFigureOut">
               <a:rPr lang="zh-CN" altLang="en-US" smtClean="0"/>
-              <a:t>2024/7/23</a:t>
+              <a:t>2024/7/31</a:t>
             </a:fld>
             <a:endParaRPr lang="zh-CN" altLang="en-US"/>
           </a:p>
@@ -1793,7 +1793,7 @@
           <a:p>
             <a:fld id="{EC490B39-3A65-4F7E-9267-FA0838AB48F0}" type="datetimeFigureOut">
               <a:rPr lang="zh-CN" altLang="en-US" smtClean="0"/>
-              <a:t>2024/7/23</a:t>
+              <a:t>2024/7/31</a:t>
             </a:fld>
             <a:endParaRPr lang="zh-CN" altLang="en-US"/>
           </a:p>
@@ -2038,7 +2038,7 @@
           <a:p>
             <a:fld id="{EC490B39-3A65-4F7E-9267-FA0838AB48F0}" type="datetimeFigureOut">
               <a:rPr lang="zh-CN" altLang="en-US" smtClean="0"/>
-              <a:t>2024/7/23</a:t>
+              <a:t>2024/7/31</a:t>
             </a:fld>
             <a:endParaRPr lang="zh-CN" altLang="en-US"/>
           </a:p>
@@ -2267,7 +2267,7 @@
           <a:p>
             <a:fld id="{EC490B39-3A65-4F7E-9267-FA0838AB48F0}" type="datetimeFigureOut">
               <a:rPr lang="zh-CN" altLang="en-US" smtClean="0"/>
-              <a:t>2024/7/23</a:t>
+              <a:t>2024/7/31</a:t>
             </a:fld>
             <a:endParaRPr lang="zh-CN" altLang="en-US"/>
           </a:p>
@@ -2631,7 +2631,7 @@
           <a:p>
             <a:fld id="{EC490B39-3A65-4F7E-9267-FA0838AB48F0}" type="datetimeFigureOut">
               <a:rPr lang="zh-CN" altLang="en-US" smtClean="0"/>
-              <a:t>2024/7/23</a:t>
+              <a:t>2024/7/31</a:t>
             </a:fld>
             <a:endParaRPr lang="zh-CN" altLang="en-US"/>
           </a:p>
@@ -2748,7 +2748,7 @@
           <a:p>
             <a:fld id="{EC490B39-3A65-4F7E-9267-FA0838AB48F0}" type="datetimeFigureOut">
               <a:rPr lang="zh-CN" altLang="en-US" smtClean="0"/>
-              <a:t>2024/7/23</a:t>
+              <a:t>2024/7/31</a:t>
             </a:fld>
             <a:endParaRPr lang="zh-CN" altLang="en-US"/>
           </a:p>
@@ -2843,7 +2843,7 @@
           <a:p>
             <a:fld id="{EC490B39-3A65-4F7E-9267-FA0838AB48F0}" type="datetimeFigureOut">
               <a:rPr lang="zh-CN" altLang="en-US" smtClean="0"/>
-              <a:t>2024/7/23</a:t>
+              <a:t>2024/7/31</a:t>
             </a:fld>
             <a:endParaRPr lang="zh-CN" altLang="en-US"/>
           </a:p>
@@ -3118,7 +3118,7 @@
           <a:p>
             <a:fld id="{EC490B39-3A65-4F7E-9267-FA0838AB48F0}" type="datetimeFigureOut">
               <a:rPr lang="zh-CN" altLang="en-US" smtClean="0"/>
-              <a:t>2024/7/23</a:t>
+              <a:t>2024/7/31</a:t>
             </a:fld>
             <a:endParaRPr lang="zh-CN" altLang="en-US"/>
           </a:p>
@@ -3370,7 +3370,7 @@
           <a:p>
             <a:fld id="{EC490B39-3A65-4F7E-9267-FA0838AB48F0}" type="datetimeFigureOut">
               <a:rPr lang="zh-CN" altLang="en-US" smtClean="0"/>
-              <a:t>2024/7/23</a:t>
+              <a:t>2024/7/31</a:t>
             </a:fld>
             <a:endParaRPr lang="zh-CN" altLang="en-US"/>
           </a:p>
@@ -3581,7 +3581,7 @@
           <a:p>
             <a:fld id="{EC490B39-3A65-4F7E-9267-FA0838AB48F0}" type="datetimeFigureOut">
               <a:rPr lang="zh-CN" altLang="en-US" smtClean="0"/>
-              <a:t>2024/7/23</a:t>
+              <a:t>2024/7/31</a:t>
             </a:fld>
             <a:endParaRPr lang="zh-CN" altLang="en-US"/>
           </a:p>
@@ -27233,7 +27233,18 @@
                   <a:schemeClr val="tx1"/>
                 </a:solidFill>
               </a:rPr>
-              <a:t>Sonar1_X</a:t>
+              <a:t>Sonar1_</a:t>
+            </a:r>
+          </a:p>
+          <a:p>
+            <a:pPr algn="ctr"/>
+            <a:r>
+              <a:rPr lang="en-US" altLang="zh-CN" dirty="0">
+                <a:solidFill>
+                  <a:schemeClr val="tx1"/>
+                </a:solidFill>
+              </a:rPr>
+              <a:t>VX</a:t>
             </a:r>
             <a:endParaRPr lang="zh-CN" altLang="en-US" sz="1400" dirty="0">
               <a:solidFill>
@@ -27291,7 +27302,18 @@
                   <a:schemeClr val="tx1"/>
                 </a:solidFill>
               </a:rPr>
-              <a:t>Sonar1_Y</a:t>
+              <a:t>Sonar1_</a:t>
+            </a:r>
+          </a:p>
+          <a:p>
+            <a:pPr algn="ctr"/>
+            <a:r>
+              <a:rPr lang="en-US" altLang="zh-CN" dirty="0">
+                <a:solidFill>
+                  <a:schemeClr val="tx1"/>
+                </a:solidFill>
+              </a:rPr>
+              <a:t>VY</a:t>
             </a:r>
             <a:endParaRPr lang="zh-CN" altLang="en-US" sz="1400" dirty="0">
               <a:solidFill>
@@ -27301,78 +27323,6 @@
           </a:p>
         </p:txBody>
       </p:sp>
-      <p:cxnSp>
-        <p:nvCxnSpPr>
-          <p:cNvPr id="11" name="直接箭头连接符 10"/>
-          <p:cNvCxnSpPr>
-            <a:stCxn id="3" idx="3"/>
-            <a:endCxn id="46" idx="1"/>
-          </p:cNvCxnSpPr>
-          <p:nvPr/>
-        </p:nvCxnSpPr>
-        <p:spPr>
-          <a:xfrm>
-            <a:off x="1948604" y="2094176"/>
-            <a:ext cx="420238" cy="318638"/>
-          </a:xfrm>
-          <a:prstGeom prst="straightConnector1">
-            <a:avLst/>
-          </a:prstGeom>
-          <a:ln>
-            <a:tailEnd type="triangle"/>
-          </a:ln>
-        </p:spPr>
-        <p:style>
-          <a:lnRef idx="1">
-            <a:schemeClr val="accent1"/>
-          </a:lnRef>
-          <a:fillRef idx="0">
-            <a:schemeClr val="accent1"/>
-          </a:fillRef>
-          <a:effectRef idx="0">
-            <a:schemeClr val="accent1"/>
-          </a:effectRef>
-          <a:fontRef idx="minor">
-            <a:schemeClr val="tx1"/>
-          </a:fontRef>
-        </p:style>
-      </p:cxnSp>
-      <p:cxnSp>
-        <p:nvCxnSpPr>
-          <p:cNvPr id="15" name="直接箭头连接符 14"/>
-          <p:cNvCxnSpPr>
-            <a:stCxn id="6" idx="3"/>
-            <a:endCxn id="46" idx="1"/>
-          </p:cNvCxnSpPr>
-          <p:nvPr/>
-        </p:nvCxnSpPr>
-        <p:spPr>
-          <a:xfrm flipV="1">
-            <a:off x="1972659" y="2412814"/>
-            <a:ext cx="396183" cy="478600"/>
-          </a:xfrm>
-          <a:prstGeom prst="straightConnector1">
-            <a:avLst/>
-          </a:prstGeom>
-          <a:ln>
-            <a:tailEnd type="triangle"/>
-          </a:ln>
-        </p:spPr>
-        <p:style>
-          <a:lnRef idx="1">
-            <a:schemeClr val="accent1"/>
-          </a:lnRef>
-          <a:fillRef idx="0">
-            <a:schemeClr val="accent1"/>
-          </a:fillRef>
-          <a:effectRef idx="0">
-            <a:schemeClr val="accent1"/>
-          </a:effectRef>
-          <a:fontRef idx="minor">
-            <a:schemeClr val="tx1"/>
-          </a:fontRef>
-        </p:style>
-      </p:cxnSp>
       <p:sp>
         <p:nvSpPr>
           <p:cNvPr id="18" name="矩形 17"/>
@@ -27490,7 +27440,7 @@
                   <a:schemeClr val="tx1"/>
                 </a:solidFill>
               </a:rPr>
-              <a:t>100(y)</a:t>
+              <a:t>200(y)</a:t>
             </a:r>
             <a:endParaRPr lang="zh-CN" altLang="en-US" dirty="0">
               <a:solidFill>
@@ -27558,425 +27508,6 @@
           </a:p>
         </p:txBody>
       </p:sp>
-      <p:sp>
-        <p:nvSpPr>
-          <p:cNvPr id="36" name="矩形 35"/>
-          <p:cNvSpPr/>
-          <p:nvPr/>
-        </p:nvSpPr>
-        <p:spPr>
-          <a:xfrm>
-            <a:off x="3439305" y="2587794"/>
-            <a:ext cx="733330" cy="695179"/>
-          </a:xfrm>
-          <a:prstGeom prst="rect">
-            <a:avLst/>
-          </a:prstGeom>
-          <a:noFill/>
-          <a:ln>
-            <a:solidFill>
-              <a:schemeClr val="tx1"/>
-            </a:solidFill>
-          </a:ln>
-        </p:spPr>
-        <p:style>
-          <a:lnRef idx="2">
-            <a:schemeClr val="accent1">
-              <a:shade val="50000"/>
-            </a:schemeClr>
-          </a:lnRef>
-          <a:fillRef idx="1">
-            <a:schemeClr val="accent1"/>
-          </a:fillRef>
-          <a:effectRef idx="0">
-            <a:schemeClr val="accent1"/>
-          </a:effectRef>
-          <a:fontRef idx="minor">
-            <a:schemeClr val="lt1"/>
-          </a:fontRef>
-        </p:style>
-        <p:txBody>
-          <a:bodyPr rtlCol="0" anchor="ctr"/>
-          <a:lstStyle/>
-          <a:p>
-            <a:pPr algn="ctr"/>
-            <a:r>
-              <a:rPr lang="en-US" altLang="zh-CN" dirty="0">
-                <a:solidFill>
-                  <a:schemeClr val="tx1"/>
-                </a:solidFill>
-              </a:rPr>
-              <a:t>MEM</a:t>
-            </a:r>
-          </a:p>
-        </p:txBody>
-      </p:sp>
-      <p:sp>
-        <p:nvSpPr>
-          <p:cNvPr id="37" name="矩形 36"/>
-          <p:cNvSpPr/>
-          <p:nvPr/>
-        </p:nvSpPr>
-        <p:spPr>
-          <a:xfrm>
-            <a:off x="3439305" y="1787446"/>
-            <a:ext cx="733330" cy="695179"/>
-          </a:xfrm>
-          <a:prstGeom prst="rect">
-            <a:avLst/>
-          </a:prstGeom>
-          <a:noFill/>
-          <a:ln>
-            <a:solidFill>
-              <a:schemeClr val="tx1"/>
-            </a:solidFill>
-          </a:ln>
-        </p:spPr>
-        <p:style>
-          <a:lnRef idx="2">
-            <a:schemeClr val="accent1">
-              <a:shade val="50000"/>
-            </a:schemeClr>
-          </a:lnRef>
-          <a:fillRef idx="1">
-            <a:schemeClr val="accent1"/>
-          </a:fillRef>
-          <a:effectRef idx="0">
-            <a:schemeClr val="accent1"/>
-          </a:effectRef>
-          <a:fontRef idx="minor">
-            <a:schemeClr val="lt1"/>
-          </a:fontRef>
-        </p:style>
-        <p:txBody>
-          <a:bodyPr rtlCol="0" anchor="ctr"/>
-          <a:lstStyle/>
-          <a:p>
-            <a:pPr algn="ctr"/>
-            <a:r>
-              <a:rPr lang="en-US" altLang="zh-CN" dirty="0">
-                <a:solidFill>
-                  <a:schemeClr val="tx1"/>
-                </a:solidFill>
-              </a:rPr>
-              <a:t>MEM</a:t>
-            </a:r>
-          </a:p>
-        </p:txBody>
-      </p:sp>
-      <p:sp>
-        <p:nvSpPr>
-          <p:cNvPr id="46" name="矩形 45"/>
-          <p:cNvSpPr/>
-          <p:nvPr/>
-        </p:nvSpPr>
-        <p:spPr>
-          <a:xfrm>
-            <a:off x="2368842" y="2065224"/>
-            <a:ext cx="733330" cy="695179"/>
-          </a:xfrm>
-          <a:prstGeom prst="rect">
-            <a:avLst/>
-          </a:prstGeom>
-          <a:noFill/>
-          <a:ln>
-            <a:solidFill>
-              <a:schemeClr val="tx1"/>
-            </a:solidFill>
-          </a:ln>
-        </p:spPr>
-        <p:style>
-          <a:lnRef idx="2">
-            <a:schemeClr val="accent1">
-              <a:shade val="50000"/>
-            </a:schemeClr>
-          </a:lnRef>
-          <a:fillRef idx="1">
-            <a:schemeClr val="accent1"/>
-          </a:fillRef>
-          <a:effectRef idx="0">
-            <a:schemeClr val="accent1"/>
-          </a:effectRef>
-          <a:fontRef idx="minor">
-            <a:schemeClr val="lt1"/>
-          </a:fontRef>
-        </p:style>
-        <p:txBody>
-          <a:bodyPr rtlCol="0" anchor="ctr"/>
-          <a:lstStyle/>
-          <a:p>
-            <a:pPr algn="ctr"/>
-            <a:r>
-              <a:rPr lang="en-US" altLang="zh-CN" dirty="0">
-                <a:solidFill>
-                  <a:schemeClr val="tx1"/>
-                </a:solidFill>
-              </a:rPr>
-              <a:t>Relay</a:t>
-            </a:r>
-          </a:p>
-        </p:txBody>
-      </p:sp>
-      <p:cxnSp>
-        <p:nvCxnSpPr>
-          <p:cNvPr id="51" name="直接箭头连接符 50"/>
-          <p:cNvCxnSpPr>
-            <a:stCxn id="46" idx="3"/>
-            <a:endCxn id="37" idx="1"/>
-          </p:cNvCxnSpPr>
-          <p:nvPr/>
-        </p:nvCxnSpPr>
-        <p:spPr>
-          <a:xfrm flipV="1">
-            <a:off x="3102172" y="2135036"/>
-            <a:ext cx="337133" cy="277778"/>
-          </a:xfrm>
-          <a:prstGeom prst="straightConnector1">
-            <a:avLst/>
-          </a:prstGeom>
-          <a:ln>
-            <a:tailEnd type="triangle"/>
-          </a:ln>
-        </p:spPr>
-        <p:style>
-          <a:lnRef idx="1">
-            <a:schemeClr val="accent1"/>
-          </a:lnRef>
-          <a:fillRef idx="0">
-            <a:schemeClr val="accent1"/>
-          </a:fillRef>
-          <a:effectRef idx="0">
-            <a:schemeClr val="accent1"/>
-          </a:effectRef>
-          <a:fontRef idx="minor">
-            <a:schemeClr val="tx1"/>
-          </a:fontRef>
-        </p:style>
-      </p:cxnSp>
-      <p:cxnSp>
-        <p:nvCxnSpPr>
-          <p:cNvPr id="53" name="直接箭头连接符 52"/>
-          <p:cNvCxnSpPr>
-            <a:stCxn id="46" idx="3"/>
-            <a:endCxn id="36" idx="1"/>
-          </p:cNvCxnSpPr>
-          <p:nvPr/>
-        </p:nvCxnSpPr>
-        <p:spPr>
-          <a:xfrm>
-            <a:off x="3102172" y="2412814"/>
-            <a:ext cx="337133" cy="522570"/>
-          </a:xfrm>
-          <a:prstGeom prst="straightConnector1">
-            <a:avLst/>
-          </a:prstGeom>
-          <a:ln>
-            <a:tailEnd type="triangle"/>
-          </a:ln>
-        </p:spPr>
-        <p:style>
-          <a:lnRef idx="1">
-            <a:schemeClr val="accent1"/>
-          </a:lnRef>
-          <a:fillRef idx="0">
-            <a:schemeClr val="accent1"/>
-          </a:fillRef>
-          <a:effectRef idx="0">
-            <a:schemeClr val="accent1"/>
-          </a:effectRef>
-          <a:fontRef idx="minor">
-            <a:schemeClr val="tx1"/>
-          </a:fontRef>
-        </p:style>
-      </p:cxnSp>
-      <p:sp>
-        <p:nvSpPr>
-          <p:cNvPr id="65" name="矩形 64"/>
-          <p:cNvSpPr/>
-          <p:nvPr/>
-        </p:nvSpPr>
-        <p:spPr>
-          <a:xfrm>
-            <a:off x="4405877" y="1781729"/>
-            <a:ext cx="733330" cy="695179"/>
-          </a:xfrm>
-          <a:prstGeom prst="rect">
-            <a:avLst/>
-          </a:prstGeom>
-          <a:noFill/>
-          <a:ln>
-            <a:solidFill>
-              <a:schemeClr val="tx1"/>
-            </a:solidFill>
-          </a:ln>
-        </p:spPr>
-        <p:style>
-          <a:lnRef idx="2">
-            <a:schemeClr val="accent1">
-              <a:shade val="50000"/>
-            </a:schemeClr>
-          </a:lnRef>
-          <a:fillRef idx="1">
-            <a:schemeClr val="accent1"/>
-          </a:fillRef>
-          <a:effectRef idx="0">
-            <a:schemeClr val="accent1"/>
-          </a:effectRef>
-          <a:fontRef idx="minor">
-            <a:schemeClr val="lt1"/>
-          </a:fontRef>
-        </p:style>
-        <p:txBody>
-          <a:bodyPr rtlCol="0" anchor="ctr"/>
-          <a:lstStyle/>
-          <a:p>
-            <a:pPr algn="ctr"/>
-            <a:r>
-              <a:rPr lang="en-US" altLang="zh-CN" dirty="0">
-                <a:solidFill>
-                  <a:schemeClr val="tx1"/>
-                </a:solidFill>
-              </a:rPr>
-              <a:t>-</a:t>
-            </a:r>
-            <a:endParaRPr lang="zh-CN" altLang="en-US" dirty="0">
-              <a:solidFill>
-                <a:schemeClr val="tx1"/>
-              </a:solidFill>
-            </a:endParaRPr>
-          </a:p>
-        </p:txBody>
-      </p:sp>
-      <p:sp>
-        <p:nvSpPr>
-          <p:cNvPr id="66" name="矩形 65"/>
-          <p:cNvSpPr/>
-          <p:nvPr/>
-        </p:nvSpPr>
-        <p:spPr>
-          <a:xfrm>
-            <a:off x="4407569" y="2587794"/>
-            <a:ext cx="733330" cy="695179"/>
-          </a:xfrm>
-          <a:prstGeom prst="rect">
-            <a:avLst/>
-          </a:prstGeom>
-          <a:noFill/>
-          <a:ln>
-            <a:solidFill>
-              <a:schemeClr val="tx1"/>
-            </a:solidFill>
-          </a:ln>
-        </p:spPr>
-        <p:style>
-          <a:lnRef idx="2">
-            <a:schemeClr val="accent1">
-              <a:shade val="50000"/>
-            </a:schemeClr>
-          </a:lnRef>
-          <a:fillRef idx="1">
-            <a:schemeClr val="accent1"/>
-          </a:fillRef>
-          <a:effectRef idx="0">
-            <a:schemeClr val="accent1"/>
-          </a:effectRef>
-          <a:fontRef idx="minor">
-            <a:schemeClr val="lt1"/>
-          </a:fontRef>
-        </p:style>
-        <p:txBody>
-          <a:bodyPr rtlCol="0" anchor="ctr"/>
-          <a:lstStyle/>
-          <a:p>
-            <a:pPr algn="ctr"/>
-            <a:r>
-              <a:rPr lang="en-US" altLang="zh-CN" dirty="0">
-                <a:solidFill>
-                  <a:schemeClr val="tx1"/>
-                </a:solidFill>
-              </a:rPr>
-              <a:t>-</a:t>
-            </a:r>
-            <a:endParaRPr lang="zh-CN" altLang="en-US" dirty="0">
-              <a:solidFill>
-                <a:schemeClr val="tx1"/>
-              </a:solidFill>
-            </a:endParaRPr>
-          </a:p>
-        </p:txBody>
-      </p:sp>
-      <p:cxnSp>
-        <p:nvCxnSpPr>
-          <p:cNvPr id="72" name="直接箭头连接符 71"/>
-          <p:cNvCxnSpPr>
-            <a:stCxn id="37" idx="3"/>
-            <a:endCxn id="65" idx="1"/>
-          </p:cNvCxnSpPr>
-          <p:nvPr/>
-        </p:nvCxnSpPr>
-        <p:spPr>
-          <a:xfrm flipV="1">
-            <a:off x="4172635" y="2129319"/>
-            <a:ext cx="233242" cy="5717"/>
-          </a:xfrm>
-          <a:prstGeom prst="straightConnector1">
-            <a:avLst/>
-          </a:prstGeom>
-          <a:ln>
-            <a:tailEnd type="triangle"/>
-          </a:ln>
-        </p:spPr>
-        <p:style>
-          <a:lnRef idx="1">
-            <a:schemeClr val="accent1"/>
-          </a:lnRef>
-          <a:fillRef idx="0">
-            <a:schemeClr val="accent1"/>
-          </a:fillRef>
-          <a:effectRef idx="0">
-            <a:schemeClr val="accent1"/>
-          </a:effectRef>
-          <a:fontRef idx="minor">
-            <a:schemeClr val="tx1"/>
-          </a:fontRef>
-        </p:style>
-      </p:cxnSp>
-      <p:cxnSp>
-        <p:nvCxnSpPr>
-          <p:cNvPr id="74" name="直接箭头连接符 73"/>
-          <p:cNvCxnSpPr>
-            <a:stCxn id="36" idx="3"/>
-            <a:endCxn id="66" idx="1"/>
-          </p:cNvCxnSpPr>
-          <p:nvPr/>
-        </p:nvCxnSpPr>
-        <p:spPr>
-          <a:xfrm>
-            <a:off x="4172635" y="2935384"/>
-            <a:ext cx="234934" cy="0"/>
-          </a:xfrm>
-          <a:prstGeom prst="straightConnector1">
-            <a:avLst/>
-          </a:prstGeom>
-          <a:ln>
-            <a:tailEnd type="triangle"/>
-          </a:ln>
-        </p:spPr>
-        <p:style>
-          <a:lnRef idx="1">
-            <a:schemeClr val="accent1"/>
-          </a:lnRef>
-          <a:fillRef idx="0">
-            <a:schemeClr val="accent1"/>
-          </a:fillRef>
-          <a:effectRef idx="0">
-            <a:schemeClr val="accent1"/>
-          </a:effectRef>
-          <a:fontRef idx="minor">
-            <a:schemeClr val="tx1"/>
-          </a:fontRef>
-        </p:style>
-      </p:cxnSp>
       <p:cxnSp>
         <p:nvCxnSpPr>
           <p:cNvPr id="84" name="直接箭头连接符 83"/>
@@ -28017,163 +27548,16 @@
         <p:nvCxnSpPr>
           <p:cNvPr id="86" name="直接箭头连接符 85"/>
           <p:cNvCxnSpPr>
-            <a:stCxn id="253" idx="3"/>
+            <a:cxnSpLocks/>
+            <a:stCxn id="177" idx="0"/>
             <a:endCxn id="18" idx="1"/>
           </p:cNvCxnSpPr>
           <p:nvPr/>
         </p:nvCxnSpPr>
         <p:spPr>
           <a:xfrm>
-            <a:off x="6109163" y="2935384"/>
-            <a:ext cx="234934" cy="0"/>
-          </a:xfrm>
-          <a:prstGeom prst="straightConnector1">
-            <a:avLst/>
-          </a:prstGeom>
-          <a:ln>
-            <a:tailEnd type="triangle"/>
-          </a:ln>
-        </p:spPr>
-        <p:style>
-          <a:lnRef idx="1">
-            <a:schemeClr val="accent1"/>
-          </a:lnRef>
-          <a:fillRef idx="0">
-            <a:schemeClr val="accent1"/>
-          </a:fillRef>
-          <a:effectRef idx="0">
-            <a:schemeClr val="accent1"/>
-          </a:effectRef>
-          <a:fontRef idx="minor">
-            <a:schemeClr val="tx1"/>
-          </a:fontRef>
-        </p:style>
-      </p:cxnSp>
-      <p:cxnSp>
-        <p:nvCxnSpPr>
-          <p:cNvPr id="107" name="肘形连接符 106"/>
-          <p:cNvCxnSpPr>
-            <a:stCxn id="3" idx="0"/>
-            <a:endCxn id="65" idx="0"/>
-          </p:cNvCxnSpPr>
-          <p:nvPr/>
-        </p:nvCxnSpPr>
-        <p:spPr>
-          <a:xfrm rot="5400000" flipH="1" flipV="1">
-            <a:off x="3044925" y="122396"/>
-            <a:ext cx="68284" cy="3386950"/>
-          </a:xfrm>
-          <a:prstGeom prst="bentConnector3">
-            <a:avLst>
-              <a:gd name="adj1" fmla="val 434778"/>
-            </a:avLst>
-          </a:prstGeom>
-          <a:ln>
-            <a:tailEnd type="triangle"/>
-          </a:ln>
-        </p:spPr>
-        <p:style>
-          <a:lnRef idx="1">
-            <a:schemeClr val="accent1"/>
-          </a:lnRef>
-          <a:fillRef idx="0">
-            <a:schemeClr val="accent1"/>
-          </a:fillRef>
-          <a:effectRef idx="0">
-            <a:schemeClr val="accent1"/>
-          </a:effectRef>
-          <a:fontRef idx="minor">
-            <a:schemeClr val="tx1"/>
-          </a:fontRef>
-        </p:style>
-      </p:cxnSp>
-      <p:cxnSp>
-        <p:nvCxnSpPr>
-          <p:cNvPr id="109" name="肘形连接符 108"/>
-          <p:cNvCxnSpPr>
-            <a:stCxn id="6" idx="2"/>
-            <a:endCxn id="66" idx="2"/>
-          </p:cNvCxnSpPr>
-          <p:nvPr/>
-        </p:nvCxnSpPr>
-        <p:spPr>
-          <a:xfrm rot="16200000" flipH="1">
-            <a:off x="3018242" y="1526981"/>
-            <a:ext cx="147396" cy="3364587"/>
-          </a:xfrm>
-          <a:prstGeom prst="bentConnector3">
-            <a:avLst>
-              <a:gd name="adj1" fmla="val 255092"/>
-            </a:avLst>
-          </a:prstGeom>
-          <a:ln>
-            <a:tailEnd type="triangle"/>
-          </a:ln>
-        </p:spPr>
-        <p:style>
-          <a:lnRef idx="1">
-            <a:schemeClr val="accent1"/>
-          </a:lnRef>
-          <a:fillRef idx="0">
-            <a:schemeClr val="accent1"/>
-          </a:fillRef>
-          <a:effectRef idx="0">
-            <a:schemeClr val="accent1"/>
-          </a:effectRef>
-          <a:fontRef idx="minor">
-            <a:schemeClr val="tx1"/>
-          </a:fontRef>
-        </p:style>
-      </p:cxnSp>
-      <p:cxnSp>
-        <p:nvCxnSpPr>
-          <p:cNvPr id="115" name="直接箭头连接符 114"/>
-          <p:cNvCxnSpPr>
-            <a:stCxn id="65" idx="3"/>
-            <a:endCxn id="252" idx="1"/>
-          </p:cNvCxnSpPr>
-          <p:nvPr/>
-        </p:nvCxnSpPr>
-        <p:spPr>
-          <a:xfrm>
-            <a:off x="5139207" y="2129319"/>
-            <a:ext cx="233242" cy="0"/>
-          </a:xfrm>
-          <a:prstGeom prst="straightConnector1">
-            <a:avLst/>
-          </a:prstGeom>
-          <a:ln>
-            <a:tailEnd type="triangle"/>
-          </a:ln>
-        </p:spPr>
-        <p:style>
-          <a:lnRef idx="1">
-            <a:schemeClr val="accent1"/>
-          </a:lnRef>
-          <a:fillRef idx="0">
-            <a:schemeClr val="accent1"/>
-          </a:fillRef>
-          <a:effectRef idx="0">
-            <a:schemeClr val="accent1"/>
-          </a:effectRef>
-          <a:fontRef idx="minor">
-            <a:schemeClr val="tx1"/>
-          </a:fontRef>
-        </p:style>
-      </p:cxnSp>
-      <p:cxnSp>
-        <p:nvCxnSpPr>
-          <p:cNvPr id="117" name="直接箭头连接符 116"/>
-          <p:cNvCxnSpPr>
-            <a:stCxn id="66" idx="3"/>
-            <a:endCxn id="253" idx="1"/>
-          </p:cNvCxnSpPr>
-          <p:nvPr/>
-        </p:nvCxnSpPr>
-        <p:spPr>
-          <a:xfrm>
-            <a:off x="5140899" y="2935384"/>
-            <a:ext cx="234934" cy="0"/>
+            <a:off x="2057853" y="2836715"/>
+            <a:ext cx="4286244" cy="98669"/>
           </a:xfrm>
           <a:prstGeom prst="straightConnector1">
             <a:avLst/>
@@ -29046,42 +28430,6 @@
           </a:p>
         </p:txBody>
       </p:sp>
-      <p:cxnSp>
-        <p:nvCxnSpPr>
-          <p:cNvPr id="199" name="直接箭头连接符 198"/>
-          <p:cNvCxnSpPr>
-            <a:stCxn id="195" idx="0"/>
-            <a:endCxn id="46" idx="2"/>
-          </p:cNvCxnSpPr>
-          <p:nvPr/>
-        </p:nvCxnSpPr>
-        <p:spPr>
-          <a:xfrm flipV="1">
-            <a:off x="2735507" y="2760403"/>
-            <a:ext cx="0" cy="1550542"/>
-          </a:xfrm>
-          <a:prstGeom prst="straightConnector1">
-            <a:avLst/>
-          </a:prstGeom>
-          <a:ln>
-            <a:tailEnd type="triangle"/>
-          </a:ln>
-        </p:spPr>
-        <p:style>
-          <a:lnRef idx="1">
-            <a:schemeClr val="accent1"/>
-          </a:lnRef>
-          <a:fillRef idx="0">
-            <a:schemeClr val="accent1"/>
-          </a:fillRef>
-          <a:effectRef idx="0">
-            <a:schemeClr val="accent1"/>
-          </a:effectRef>
-          <a:fontRef idx="minor">
-            <a:schemeClr val="tx1"/>
-          </a:fontRef>
-        </p:style>
-      </p:cxnSp>
       <p:sp>
         <p:nvSpPr>
           <p:cNvPr id="211" name="矩形 210"/>
@@ -29121,122 +28469,6 @@
           <a:p>
             <a:pPr algn="ctr"/>
             <a:endParaRPr lang="zh-CN" altLang="en-US"/>
-          </a:p>
-        </p:txBody>
-      </p:sp>
-      <p:sp>
-        <p:nvSpPr>
-          <p:cNvPr id="252" name="矩形 251"/>
-          <p:cNvSpPr/>
-          <p:nvPr/>
-        </p:nvSpPr>
-        <p:spPr>
-          <a:xfrm>
-            <a:off x="5372449" y="1781729"/>
-            <a:ext cx="733330" cy="695179"/>
-          </a:xfrm>
-          <a:prstGeom prst="rect">
-            <a:avLst/>
-          </a:prstGeom>
-          <a:noFill/>
-          <a:ln>
-            <a:solidFill>
-              <a:schemeClr val="tx1"/>
-            </a:solidFill>
-          </a:ln>
-        </p:spPr>
-        <p:style>
-          <a:lnRef idx="2">
-            <a:schemeClr val="accent1">
-              <a:shade val="50000"/>
-            </a:schemeClr>
-          </a:lnRef>
-          <a:fillRef idx="1">
-            <a:schemeClr val="accent1"/>
-          </a:fillRef>
-          <a:effectRef idx="0">
-            <a:schemeClr val="accent1"/>
-          </a:effectRef>
-          <a:fontRef idx="minor">
-            <a:schemeClr val="lt1"/>
-          </a:fontRef>
-        </p:style>
-        <p:txBody>
-          <a:bodyPr rtlCol="0" anchor="ctr"/>
-          <a:lstStyle/>
-          <a:p>
-            <a:pPr algn="ctr"/>
-            <a:r>
-              <a:rPr lang="en-US" altLang="zh-CN" sz="1600" dirty="0">
-                <a:solidFill>
-                  <a:schemeClr val="tx1"/>
-                </a:solidFill>
-              </a:rPr>
-              <a:t>Round</a:t>
-            </a:r>
-            <a:endParaRPr lang="zh-CN" altLang="en-US" sz="1600" dirty="0">
-              <a:solidFill>
-                <a:schemeClr val="tx1"/>
-              </a:solidFill>
-            </a:endParaRPr>
-          </a:p>
-        </p:txBody>
-      </p:sp>
-      <p:sp>
-        <p:nvSpPr>
-          <p:cNvPr id="253" name="矩形 252"/>
-          <p:cNvSpPr/>
-          <p:nvPr/>
-        </p:nvSpPr>
-        <p:spPr>
-          <a:xfrm>
-            <a:off x="5375833" y="2587794"/>
-            <a:ext cx="733330" cy="695179"/>
-          </a:xfrm>
-          <a:prstGeom prst="rect">
-            <a:avLst/>
-          </a:prstGeom>
-          <a:noFill/>
-          <a:ln>
-            <a:solidFill>
-              <a:schemeClr val="tx1"/>
-            </a:solidFill>
-          </a:ln>
-        </p:spPr>
-        <p:style>
-          <a:lnRef idx="2">
-            <a:schemeClr val="accent1">
-              <a:shade val="50000"/>
-            </a:schemeClr>
-          </a:lnRef>
-          <a:fillRef idx="1">
-            <a:schemeClr val="accent1"/>
-          </a:fillRef>
-          <a:effectRef idx="0">
-            <a:schemeClr val="accent1"/>
-          </a:effectRef>
-          <a:fontRef idx="minor">
-            <a:schemeClr val="lt1"/>
-          </a:fontRef>
-        </p:style>
-        <p:txBody>
-          <a:bodyPr rtlCol="0" anchor="ctr"/>
-          <a:lstStyle/>
-          <a:p>
-            <a:pPr algn="ctr"/>
-            <a:r>
-              <a:rPr lang="en-US" altLang="zh-CN" sz="1600" dirty="0">
-                <a:solidFill>
-                  <a:schemeClr val="tx1"/>
-                </a:solidFill>
-              </a:rPr>
-              <a:t>Round</a:t>
-            </a:r>
-            <a:endParaRPr lang="zh-CN" altLang="en-US" sz="1600" dirty="0">
-              <a:solidFill>
-                <a:schemeClr val="tx1"/>
-              </a:solidFill>
-            </a:endParaRPr>
           </a:p>
         </p:txBody>
       </p:sp>
@@ -29244,14 +28476,15 @@
         <p:nvCxnSpPr>
           <p:cNvPr id="257" name="直接箭头连接符 256"/>
           <p:cNvCxnSpPr>
+            <a:cxnSpLocks/>
             <a:endCxn id="22" idx="1"/>
           </p:cNvCxnSpPr>
           <p:nvPr/>
         </p:nvCxnSpPr>
         <p:spPr>
-          <a:xfrm>
-            <a:off x="6069263" y="2129318"/>
-            <a:ext cx="269758" cy="1"/>
+          <a:xfrm flipV="1">
+            <a:off x="1934425" y="2129319"/>
+            <a:ext cx="4404596" cy="32208"/>
           </a:xfrm>
           <a:prstGeom prst="straightConnector1">
             <a:avLst/>
@@ -29334,7 +28567,7 @@
                   <a:schemeClr val="tx1"/>
                 </a:solidFill>
               </a:rPr>
-              <a:t>100(x)</a:t>
+              <a:t>200(x)</a:t>
             </a:r>
             <a:endParaRPr lang="zh-CN" altLang="en-US" dirty="0">
               <a:solidFill>
@@ -29923,7 +29156,7 @@
                   <a:schemeClr val="tx1"/>
                 </a:solidFill>
               </a:rPr>
-              <a:t>10(x)</a:t>
+              <a:t>-10(x)</a:t>
             </a:r>
             <a:endParaRPr lang="zh-CN" altLang="en-US" dirty="0">
               <a:solidFill>
@@ -29992,7 +29225,7 @@
                   <a:schemeClr val="tx1"/>
                 </a:solidFill>
               </a:rPr>
-              <a:t>10(y)</a:t>
+              <a:t>-10(y)</a:t>
             </a:r>
             <a:endParaRPr lang="zh-CN" altLang="en-US" dirty="0">
               <a:solidFill>

--- a/BaroAngEditor/BaroAngEditor/mods/Lines.pptx
+++ b/BaroAngEditor/BaroAngEditor/mods/Lines.pptx
@@ -211,7 +211,7 @@
           <a:p>
             <a:fld id="{F0D6F240-792E-4744-907A-4AD372E8111A}" type="datetimeFigureOut">
               <a:rPr lang="zh-CN" altLang="en-US" smtClean="0"/>
-              <a:t>2024/7/31</a:t>
+              <a:t>2024/8/4</a:t>
             </a:fld>
             <a:endParaRPr lang="zh-CN" altLang="en-US"/>
           </a:p>
@@ -1279,7 +1279,7 @@
           <a:p>
             <a:fld id="{EC490B39-3A65-4F7E-9267-FA0838AB48F0}" type="datetimeFigureOut">
               <a:rPr lang="zh-CN" altLang="en-US" smtClean="0"/>
-              <a:t>2024/7/31</a:t>
+              <a:t>2024/8/4</a:t>
             </a:fld>
             <a:endParaRPr lang="zh-CN" altLang="en-US"/>
           </a:p>
@@ -1447,7 +1447,7 @@
           <a:p>
             <a:fld id="{EC490B39-3A65-4F7E-9267-FA0838AB48F0}" type="datetimeFigureOut">
               <a:rPr lang="zh-CN" altLang="en-US" smtClean="0"/>
-              <a:t>2024/7/31</a:t>
+              <a:t>2024/8/4</a:t>
             </a:fld>
             <a:endParaRPr lang="zh-CN" altLang="en-US"/>
           </a:p>
@@ -1625,7 +1625,7 @@
           <a:p>
             <a:fld id="{EC490B39-3A65-4F7E-9267-FA0838AB48F0}" type="datetimeFigureOut">
               <a:rPr lang="zh-CN" altLang="en-US" smtClean="0"/>
-              <a:t>2024/7/31</a:t>
+              <a:t>2024/8/4</a:t>
             </a:fld>
             <a:endParaRPr lang="zh-CN" altLang="en-US"/>
           </a:p>
@@ -1793,7 +1793,7 @@
           <a:p>
             <a:fld id="{EC490B39-3A65-4F7E-9267-FA0838AB48F0}" type="datetimeFigureOut">
               <a:rPr lang="zh-CN" altLang="en-US" smtClean="0"/>
-              <a:t>2024/7/31</a:t>
+              <a:t>2024/8/4</a:t>
             </a:fld>
             <a:endParaRPr lang="zh-CN" altLang="en-US"/>
           </a:p>
@@ -2038,7 +2038,7 @@
           <a:p>
             <a:fld id="{EC490B39-3A65-4F7E-9267-FA0838AB48F0}" type="datetimeFigureOut">
               <a:rPr lang="zh-CN" altLang="en-US" smtClean="0"/>
-              <a:t>2024/7/31</a:t>
+              <a:t>2024/8/4</a:t>
             </a:fld>
             <a:endParaRPr lang="zh-CN" altLang="en-US"/>
           </a:p>
@@ -2267,7 +2267,7 @@
           <a:p>
             <a:fld id="{EC490B39-3A65-4F7E-9267-FA0838AB48F0}" type="datetimeFigureOut">
               <a:rPr lang="zh-CN" altLang="en-US" smtClean="0"/>
-              <a:t>2024/7/31</a:t>
+              <a:t>2024/8/4</a:t>
             </a:fld>
             <a:endParaRPr lang="zh-CN" altLang="en-US"/>
           </a:p>
@@ -2631,7 +2631,7 @@
           <a:p>
             <a:fld id="{EC490B39-3A65-4F7E-9267-FA0838AB48F0}" type="datetimeFigureOut">
               <a:rPr lang="zh-CN" altLang="en-US" smtClean="0"/>
-              <a:t>2024/7/31</a:t>
+              <a:t>2024/8/4</a:t>
             </a:fld>
             <a:endParaRPr lang="zh-CN" altLang="en-US"/>
           </a:p>
@@ -2748,7 +2748,7 @@
           <a:p>
             <a:fld id="{EC490B39-3A65-4F7E-9267-FA0838AB48F0}" type="datetimeFigureOut">
               <a:rPr lang="zh-CN" altLang="en-US" smtClean="0"/>
-              <a:t>2024/7/31</a:t>
+              <a:t>2024/8/4</a:t>
             </a:fld>
             <a:endParaRPr lang="zh-CN" altLang="en-US"/>
           </a:p>
@@ -2843,7 +2843,7 @@
           <a:p>
             <a:fld id="{EC490B39-3A65-4F7E-9267-FA0838AB48F0}" type="datetimeFigureOut">
               <a:rPr lang="zh-CN" altLang="en-US" smtClean="0"/>
-              <a:t>2024/7/31</a:t>
+              <a:t>2024/8/4</a:t>
             </a:fld>
             <a:endParaRPr lang="zh-CN" altLang="en-US"/>
           </a:p>
@@ -3118,7 +3118,7 @@
           <a:p>
             <a:fld id="{EC490B39-3A65-4F7E-9267-FA0838AB48F0}" type="datetimeFigureOut">
               <a:rPr lang="zh-CN" altLang="en-US" smtClean="0"/>
-              <a:t>2024/7/31</a:t>
+              <a:t>2024/8/4</a:t>
             </a:fld>
             <a:endParaRPr lang="zh-CN" altLang="en-US"/>
           </a:p>
@@ -3370,7 +3370,7 @@
           <a:p>
             <a:fld id="{EC490B39-3A65-4F7E-9267-FA0838AB48F0}" type="datetimeFigureOut">
               <a:rPr lang="zh-CN" altLang="en-US" smtClean="0"/>
-              <a:t>2024/7/31</a:t>
+              <a:t>2024/8/4</a:t>
             </a:fld>
             <a:endParaRPr lang="zh-CN" altLang="en-US"/>
           </a:p>
@@ -3581,7 +3581,7 @@
           <a:p>
             <a:fld id="{EC490B39-3A65-4F7E-9267-FA0838AB48F0}" type="datetimeFigureOut">
               <a:rPr lang="zh-CN" altLang="en-US" smtClean="0"/>
-              <a:t>2024/7/31</a:t>
+              <a:t>2024/8/4</a:t>
             </a:fld>
             <a:endParaRPr lang="zh-CN" altLang="en-US"/>
           </a:p>
@@ -18057,7 +18057,7 @@
           <a:p>
             <a:r>
               <a:rPr lang="en-US" altLang="zh-CN" dirty="0"/>
-              <a:t>5</a:t>
+              <a:t>6</a:t>
             </a:r>
             <a:endParaRPr lang="zh-CN" altLang="en-US" dirty="0"/>
           </a:p>
@@ -18092,7 +18092,7 @@
           <a:p>
             <a:r>
               <a:rPr lang="en-US" altLang="zh-CN" dirty="0"/>
-              <a:t>6</a:t>
+              <a:t>7</a:t>
             </a:r>
             <a:endParaRPr lang="zh-CN" altLang="en-US" dirty="0"/>
           </a:p>
@@ -18127,7 +18127,7 @@
           <a:p>
             <a:r>
               <a:rPr lang="en-US" altLang="zh-CN" dirty="0"/>
-              <a:t>4</a:t>
+              <a:t>5</a:t>
             </a:r>
             <a:endParaRPr lang="zh-CN" altLang="en-US" dirty="0"/>
           </a:p>

--- a/BaroAngEditor/BaroAngEditor/mods/Lines.pptx
+++ b/BaroAngEditor/BaroAngEditor/mods/Lines.pptx
@@ -6884,7 +6884,7 @@
         </p:nvSpPr>
         <p:spPr>
           <a:xfrm>
-            <a:off x="4078876" y="848467"/>
+            <a:off x="3842500" y="677695"/>
             <a:ext cx="1126024" cy="442393"/>
           </a:xfrm>
           <a:prstGeom prst="rect">
@@ -6958,130 +6958,6 @@
           </a:p>
         </p:txBody>
       </p:sp>
-      <p:sp>
-        <p:nvSpPr>
-          <p:cNvPr id="60" name="矩形 59"/>
-          <p:cNvSpPr/>
-          <p:nvPr/>
-        </p:nvSpPr>
-        <p:spPr>
-          <a:xfrm>
-            <a:off x="6820481" y="3244784"/>
-            <a:ext cx="907962" cy="894461"/>
-          </a:xfrm>
-          <a:prstGeom prst="rect">
-            <a:avLst/>
-          </a:prstGeom>
-          <a:noFill/>
-          <a:ln>
-            <a:solidFill>
-              <a:schemeClr val="tx1"/>
-            </a:solidFill>
-          </a:ln>
-        </p:spPr>
-        <p:style>
-          <a:lnRef idx="2">
-            <a:schemeClr val="accent1">
-              <a:shade val="50000"/>
-            </a:schemeClr>
-          </a:lnRef>
-          <a:fillRef idx="1">
-            <a:schemeClr val="accent1"/>
-          </a:fillRef>
-          <a:effectRef idx="0">
-            <a:schemeClr val="accent1"/>
-          </a:effectRef>
-          <a:fontRef idx="minor">
-            <a:schemeClr val="lt1"/>
-          </a:fontRef>
-        </p:style>
-        <p:txBody>
-          <a:bodyPr rtlCol="0" anchor="ctr"/>
-          <a:lstStyle/>
-          <a:p>
-            <a:pPr algn="ctr"/>
-            <a:r>
-              <a:rPr lang="en-US" altLang="zh-CN" sz="1200" dirty="0">
-                <a:solidFill>
-                  <a:schemeClr val="tx1"/>
-                </a:solidFill>
-              </a:rPr>
-              <a:t>RegEx</a:t>
-            </a:r>
-          </a:p>
-          <a:p>
-            <a:pPr algn="ctr"/>
-            <a:r>
-              <a:rPr lang="en-US" altLang="zh-CN" sz="1200" dirty="0" smtClean="0">
-                <a:solidFill>
-                  <a:schemeClr val="tx1"/>
-                </a:solidFill>
-              </a:rPr>
-              <a:t>if(30-100</a:t>
-            </a:r>
-            <a:r>
-              <a:rPr lang="en-US" altLang="zh-CN" sz="1200" dirty="0">
-                <a:solidFill>
-                  <a:schemeClr val="tx1"/>
-                </a:solidFill>
-              </a:rPr>
-              <a:t>)?</a:t>
-            </a:r>
-          </a:p>
-          <a:p>
-            <a:pPr algn="ctr"/>
-            <a:r>
-              <a:rPr lang="en-US" altLang="zh-CN" sz="1200" dirty="0" smtClean="0">
-                <a:solidFill>
-                  <a:schemeClr val="tx1"/>
-                </a:solidFill>
-              </a:rPr>
-              <a:t>1:null</a:t>
-            </a:r>
-            <a:endParaRPr lang="zh-CN" altLang="en-US" sz="1200" dirty="0">
-              <a:solidFill>
-                <a:schemeClr val="tx1"/>
-              </a:solidFill>
-            </a:endParaRPr>
-          </a:p>
-        </p:txBody>
-      </p:sp>
-      <p:cxnSp>
-        <p:nvCxnSpPr>
-          <p:cNvPr id="74" name="直接箭头连接符 73"/>
-          <p:cNvCxnSpPr>
-            <a:stCxn id="42" idx="3"/>
-            <a:endCxn id="124" idx="1"/>
-          </p:cNvCxnSpPr>
-          <p:nvPr/>
-        </p:nvCxnSpPr>
-        <p:spPr>
-          <a:xfrm flipV="1">
-            <a:off x="4968524" y="4776597"/>
-            <a:ext cx="1842787" cy="340367"/>
-          </a:xfrm>
-          <a:prstGeom prst="straightConnector1">
-            <a:avLst/>
-          </a:prstGeom>
-          <a:ln>
-            <a:tailEnd type="triangle"/>
-          </a:ln>
-        </p:spPr>
-        <p:style>
-          <a:lnRef idx="1">
-            <a:schemeClr val="accent1"/>
-          </a:lnRef>
-          <a:fillRef idx="0">
-            <a:schemeClr val="accent1"/>
-          </a:fillRef>
-          <a:effectRef idx="0">
-            <a:schemeClr val="accent1"/>
-          </a:effectRef>
-          <a:fontRef idx="minor">
-            <a:schemeClr val="tx1"/>
-          </a:fontRef>
-        </p:style>
-      </p:cxnSp>
       <p:sp>
         <p:nvSpPr>
           <p:cNvPr id="201" name="矩形 200"/>
@@ -7252,14 +7128,14 @@
       </p:cxnSp>
       <p:sp>
         <p:nvSpPr>
-          <p:cNvPr id="124" name="矩形 123"/>
+          <p:cNvPr id="224" name="矩形 223"/>
           <p:cNvSpPr/>
           <p:nvPr/>
         </p:nvSpPr>
         <p:spPr>
           <a:xfrm>
-            <a:off x="6811311" y="4329366"/>
-            <a:ext cx="907962" cy="894461"/>
+            <a:off x="4065473" y="3217587"/>
+            <a:ext cx="733330" cy="695179"/>
           </a:xfrm>
           <a:prstGeom prst="rect">
             <a:avLst/>
@@ -7293,123 +7169,7 @@
           <a:p>
             <a:pPr algn="ctr"/>
             <a:r>
-              <a:rPr lang="en-US" altLang="zh-CN" sz="1200" dirty="0">
-                <a:solidFill>
-                  <a:schemeClr val="tx1"/>
-                </a:solidFill>
-              </a:rPr>
-              <a:t>RegEx</a:t>
-            </a:r>
-          </a:p>
-          <a:p>
-            <a:pPr algn="ctr"/>
-            <a:r>
-              <a:rPr lang="en-US" altLang="zh-CN" sz="1200" dirty="0">
-                <a:solidFill>
-                  <a:schemeClr val="tx1"/>
-                </a:solidFill>
-              </a:rPr>
-              <a:t>if(0-20)?</a:t>
-            </a:r>
-          </a:p>
-          <a:p>
-            <a:pPr algn="ctr"/>
-            <a:r>
-              <a:rPr lang="en-US" altLang="zh-CN" sz="1200" dirty="0">
-                <a:solidFill>
-                  <a:schemeClr val="tx1"/>
-                </a:solidFill>
-              </a:rPr>
-              <a:t>0:null</a:t>
-            </a:r>
-            <a:endParaRPr lang="zh-CN" altLang="en-US" sz="1200" dirty="0">
-              <a:solidFill>
-                <a:schemeClr val="tx1"/>
-              </a:solidFill>
-            </a:endParaRPr>
-          </a:p>
-        </p:txBody>
-      </p:sp>
-      <p:cxnSp>
-        <p:nvCxnSpPr>
-          <p:cNvPr id="109" name="直接箭头连接符 108"/>
-          <p:cNvCxnSpPr>
-            <a:stCxn id="42" idx="3"/>
-            <a:endCxn id="60" idx="2"/>
-          </p:cNvCxnSpPr>
-          <p:nvPr/>
-        </p:nvCxnSpPr>
-        <p:spPr>
-          <a:xfrm flipV="1">
-            <a:off x="4968524" y="4139245"/>
-            <a:ext cx="2305938" cy="977719"/>
-          </a:xfrm>
-          <a:prstGeom prst="straightConnector1">
-            <a:avLst/>
-          </a:prstGeom>
-          <a:ln>
-            <a:tailEnd type="triangle"/>
-          </a:ln>
-        </p:spPr>
-        <p:style>
-          <a:lnRef idx="1">
-            <a:schemeClr val="accent1"/>
-          </a:lnRef>
-          <a:fillRef idx="0">
-            <a:schemeClr val="accent1"/>
-          </a:fillRef>
-          <a:effectRef idx="0">
-            <a:schemeClr val="accent1"/>
-          </a:effectRef>
-          <a:fontRef idx="minor">
-            <a:schemeClr val="tx1"/>
-          </a:fontRef>
-        </p:style>
-      </p:cxnSp>
-      <p:sp>
-        <p:nvSpPr>
-          <p:cNvPr id="224" name="矩形 223"/>
-          <p:cNvSpPr/>
-          <p:nvPr/>
-        </p:nvSpPr>
-        <p:spPr>
-          <a:xfrm>
-            <a:off x="4065473" y="3217587"/>
-            <a:ext cx="733330" cy="695179"/>
-          </a:xfrm>
-          <a:prstGeom prst="rect">
-            <a:avLst/>
-          </a:prstGeom>
-          <a:noFill/>
-          <a:ln>
-            <a:solidFill>
-              <a:schemeClr val="tx1"/>
-            </a:solidFill>
-          </a:ln>
-        </p:spPr>
-        <p:style>
-          <a:lnRef idx="2">
-            <a:schemeClr val="accent1">
-              <a:shade val="50000"/>
-            </a:schemeClr>
-          </a:lnRef>
-          <a:fillRef idx="1">
-            <a:schemeClr val="accent1"/>
-          </a:fillRef>
-          <a:effectRef idx="0">
-            <a:schemeClr val="accent1"/>
-          </a:effectRef>
-          <a:fontRef idx="minor">
-            <a:schemeClr val="lt1"/>
-          </a:fontRef>
-        </p:style>
-        <p:txBody>
-          <a:bodyPr rtlCol="0" anchor="ctr"/>
-          <a:lstStyle/>
-          <a:p>
-            <a:pPr algn="ctr"/>
-            <a:r>
-              <a:rPr lang="en-US" altLang="zh-CN" sz="1600" dirty="0" smtClean="0">
+              <a:rPr lang="en-US" altLang="zh-CN" sz="1600" dirty="0">
                 <a:solidFill>
                   <a:schemeClr val="tx1"/>
                 </a:solidFill>
@@ -7420,18 +7180,13 @@
           <a:p>
             <a:pPr algn="ctr"/>
             <a:r>
-              <a:rPr lang="en-US" altLang="zh-CN" sz="1600" dirty="0" smtClean="0">
+              <a:rPr lang="en-US" altLang="zh-CN" sz="1600" dirty="0">
                 <a:solidFill>
                   <a:schemeClr val="tx1"/>
                 </a:solidFill>
               </a:rPr>
-              <a:t>(1000)</a:t>
-            </a:r>
-            <a:endParaRPr lang="en-US" altLang="zh-CN" sz="1600" dirty="0">
-              <a:solidFill>
-                <a:schemeClr val="tx1"/>
-              </a:solidFill>
-            </a:endParaRPr>
+              <a:t>(5000)</a:t>
+            </a:r>
           </a:p>
         </p:txBody>
       </p:sp>
@@ -7512,8 +7267,8 @@
         </p:nvSpPr>
         <p:spPr>
           <a:xfrm>
-            <a:off x="5820602" y="1266613"/>
-            <a:ext cx="3775580" cy="4481887"/>
+            <a:off x="5882476" y="1261752"/>
+            <a:ext cx="2814556" cy="3934896"/>
           </a:xfrm>
           <a:prstGeom prst="rect">
             <a:avLst/>
@@ -7554,7 +7309,7 @@
         </p:nvSpPr>
         <p:spPr>
           <a:xfrm>
-            <a:off x="8738174" y="1490816"/>
+            <a:off x="7839024" y="1485954"/>
             <a:ext cx="649264" cy="695179"/>
           </a:xfrm>
           <a:prstGeom prst="rect">
@@ -7612,7 +7367,7 @@
         </p:nvSpPr>
         <p:spPr>
           <a:xfrm>
-            <a:off x="8738174" y="2406663"/>
+            <a:off x="7839024" y="2401801"/>
             <a:ext cx="649264" cy="695179"/>
           </a:xfrm>
           <a:prstGeom prst="rect">
@@ -7647,7 +7402,7 @@
           <a:p>
             <a:pPr algn="ctr"/>
             <a:r>
-              <a:rPr lang="en-US" altLang="zh-CN" sz="1200" dirty="0" smtClean="0">
+              <a:rPr lang="en-US" altLang="zh-CN" sz="1200" dirty="0">
                 <a:solidFill>
                   <a:schemeClr val="tx1"/>
                 </a:solidFill>
@@ -7673,7 +7428,7 @@
         </p:nvCxnSpPr>
         <p:spPr>
           <a:xfrm flipV="1">
-            <a:off x="9062806" y="2185995"/>
+            <a:off x="8163656" y="2181133"/>
             <a:ext cx="0" cy="220668"/>
           </a:xfrm>
           <a:prstGeom prst="straightConnector1">
@@ -7706,7 +7461,7 @@
         </p:nvSpPr>
         <p:spPr>
           <a:xfrm>
-            <a:off x="7838325" y="1491700"/>
+            <a:off x="6939175" y="1486838"/>
             <a:ext cx="649264" cy="695179"/>
           </a:xfrm>
           <a:prstGeom prst="rect">
@@ -7767,7 +7522,7 @@
         </p:nvCxnSpPr>
         <p:spPr>
           <a:xfrm flipH="1">
-            <a:off x="8487589" y="1838406"/>
+            <a:off x="7588439" y="1833544"/>
             <a:ext cx="250585" cy="884"/>
           </a:xfrm>
           <a:prstGeom prst="straightConnector1">
@@ -7800,7 +7555,7 @@
         </p:nvSpPr>
         <p:spPr>
           <a:xfrm>
-            <a:off x="7838325" y="2366218"/>
+            <a:off x="6939175" y="2361356"/>
             <a:ext cx="649264" cy="735624"/>
           </a:xfrm>
           <a:prstGeom prst="rect">
@@ -7835,7 +7590,7 @@
           <a:p>
             <a:pPr algn="ctr"/>
             <a:r>
-              <a:rPr lang="en-US" altLang="zh-CN" dirty="0" smtClean="0">
+              <a:rPr lang="en-US" altLang="zh-CN" dirty="0">
                 <a:solidFill>
                   <a:schemeClr val="tx1"/>
                 </a:solidFill>
@@ -7861,7 +7616,7 @@
         </p:nvCxnSpPr>
         <p:spPr>
           <a:xfrm>
-            <a:off x="8162957" y="2186879"/>
+            <a:off x="7263807" y="2182017"/>
             <a:ext cx="0" cy="179339"/>
           </a:xfrm>
           <a:prstGeom prst="straightConnector1">
@@ -7894,7 +7649,7 @@
         </p:nvSpPr>
         <p:spPr>
           <a:xfrm>
-            <a:off x="7839417" y="4254720"/>
+            <a:off x="6940267" y="4249858"/>
             <a:ext cx="649264" cy="695179"/>
           </a:xfrm>
           <a:prstGeom prst="rect">
@@ -7955,7 +7710,7 @@
         </p:nvCxnSpPr>
         <p:spPr>
           <a:xfrm>
-            <a:off x="8162957" y="3101842"/>
+            <a:off x="7263807" y="3096980"/>
             <a:ext cx="1092" cy="199561"/>
           </a:xfrm>
           <a:prstGeom prst="straightConnector1">
@@ -7988,7 +7743,7 @@
         </p:nvSpPr>
         <p:spPr>
           <a:xfrm>
-            <a:off x="7839417" y="3301403"/>
+            <a:off x="6940267" y="3296541"/>
             <a:ext cx="649264" cy="695179"/>
           </a:xfrm>
           <a:prstGeom prst="rect">
@@ -8046,7 +7801,7 @@
         </p:nvSpPr>
         <p:spPr>
           <a:xfrm>
-            <a:off x="8738174" y="3301403"/>
+            <a:off x="7839024" y="3296541"/>
             <a:ext cx="649264" cy="695179"/>
           </a:xfrm>
           <a:prstGeom prst="rect">
@@ -8107,7 +7862,7 @@
         </p:nvCxnSpPr>
         <p:spPr>
           <a:xfrm>
-            <a:off x="8164049" y="3996582"/>
+            <a:off x="7264899" y="3991720"/>
             <a:ext cx="0" cy="258138"/>
           </a:xfrm>
           <a:prstGeom prst="straightConnector1">
@@ -8143,7 +7898,7 @@
         </p:nvCxnSpPr>
         <p:spPr>
           <a:xfrm flipH="1">
-            <a:off x="8488681" y="3648993"/>
+            <a:off x="7589531" y="3644131"/>
             <a:ext cx="249493" cy="0"/>
           </a:xfrm>
           <a:prstGeom prst="straightConnector1">
@@ -8179,85 +7934,13 @@
         </p:nvCxnSpPr>
         <p:spPr>
           <a:xfrm rot="5400000">
-            <a:off x="6097615" y="3275733"/>
-            <a:ext cx="392269" cy="3740600"/>
+            <a:off x="5645609" y="3722877"/>
+            <a:ext cx="397131" cy="2841450"/>
           </a:xfrm>
           <a:prstGeom prst="bentConnector3">
             <a:avLst>
-              <a:gd name="adj1" fmla="val 158276"/>
+              <a:gd name="adj1" fmla="val 157563"/>
             </a:avLst>
-          </a:prstGeom>
-          <a:ln>
-            <a:tailEnd type="triangle"/>
-          </a:ln>
-        </p:spPr>
-        <p:style>
-          <a:lnRef idx="1">
-            <a:schemeClr val="accent1"/>
-          </a:lnRef>
-          <a:fillRef idx="0">
-            <a:schemeClr val="accent1"/>
-          </a:fillRef>
-          <a:effectRef idx="0">
-            <a:schemeClr val="accent1"/>
-          </a:effectRef>
-          <a:fontRef idx="minor">
-            <a:schemeClr val="tx1"/>
-          </a:fontRef>
-        </p:style>
-      </p:cxnSp>
-      <p:cxnSp>
-        <p:nvCxnSpPr>
-          <p:cNvPr id="243" name="直接箭头连接符 242"/>
-          <p:cNvCxnSpPr>
-            <a:stCxn id="60" idx="1"/>
-            <a:endCxn id="365" idx="3"/>
-          </p:cNvCxnSpPr>
-          <p:nvPr/>
-        </p:nvCxnSpPr>
-        <p:spPr>
-          <a:xfrm flipH="1" flipV="1">
-            <a:off x="6607308" y="3593686"/>
-            <a:ext cx="213173" cy="98329"/>
-          </a:xfrm>
-          <a:prstGeom prst="straightConnector1">
-            <a:avLst/>
-          </a:prstGeom>
-          <a:ln>
-            <a:tailEnd type="triangle"/>
-          </a:ln>
-        </p:spPr>
-        <p:style>
-          <a:lnRef idx="1">
-            <a:schemeClr val="accent1"/>
-          </a:lnRef>
-          <a:fillRef idx="0">
-            <a:schemeClr val="accent1"/>
-          </a:fillRef>
-          <a:effectRef idx="0">
-            <a:schemeClr val="accent1"/>
-          </a:effectRef>
-          <a:fontRef idx="minor">
-            <a:schemeClr val="tx1"/>
-          </a:fontRef>
-        </p:style>
-      </p:cxnSp>
-      <p:cxnSp>
-        <p:nvCxnSpPr>
-          <p:cNvPr id="245" name="直接箭头连接符 244"/>
-          <p:cNvCxnSpPr>
-            <a:stCxn id="124" idx="1"/>
-            <a:endCxn id="365" idx="3"/>
-          </p:cNvCxnSpPr>
-          <p:nvPr/>
-        </p:nvCxnSpPr>
-        <p:spPr>
-          <a:xfrm flipH="1" flipV="1">
-            <a:off x="6607308" y="3593686"/>
-            <a:ext cx="204003" cy="1182911"/>
-          </a:xfrm>
-          <a:prstGeom prst="straightConnector1">
-            <a:avLst/>
           </a:prstGeom>
           <a:ln>
             <a:tailEnd type="triangle"/>
@@ -8484,102 +8167,8 @@
         </p:nvCxnSpPr>
         <p:spPr>
           <a:xfrm>
-            <a:off x="5204900" y="1069664"/>
-            <a:ext cx="3857906" cy="421152"/>
-          </a:xfrm>
-          <a:prstGeom prst="straightConnector1">
-            <a:avLst/>
-          </a:prstGeom>
-          <a:ln>
-            <a:tailEnd type="triangle"/>
-          </a:ln>
-        </p:spPr>
-        <p:style>
-          <a:lnRef idx="1">
-            <a:schemeClr val="accent1"/>
-          </a:lnRef>
-          <a:fillRef idx="0">
-            <a:schemeClr val="accent1"/>
-          </a:fillRef>
-          <a:effectRef idx="0">
-            <a:schemeClr val="accent1"/>
-          </a:effectRef>
-          <a:fontRef idx="minor">
-            <a:schemeClr val="tx1"/>
-          </a:fontRef>
-        </p:style>
-      </p:cxnSp>
-      <p:sp>
-        <p:nvSpPr>
-          <p:cNvPr id="365" name="矩形 364"/>
-          <p:cNvSpPr/>
-          <p:nvPr/>
-        </p:nvSpPr>
-        <p:spPr>
-          <a:xfrm>
-            <a:off x="5890139" y="3264818"/>
-            <a:ext cx="717169" cy="657735"/>
-          </a:xfrm>
-          <a:prstGeom prst="rect">
-            <a:avLst/>
-          </a:prstGeom>
-          <a:noFill/>
-          <a:ln>
-            <a:solidFill>
-              <a:schemeClr val="tx1"/>
-            </a:solidFill>
-          </a:ln>
-        </p:spPr>
-        <p:style>
-          <a:lnRef idx="2">
-            <a:schemeClr val="accent1">
-              <a:shade val="50000"/>
-            </a:schemeClr>
-          </a:lnRef>
-          <a:fillRef idx="1">
-            <a:schemeClr val="accent1"/>
-          </a:fillRef>
-          <a:effectRef idx="0">
-            <a:schemeClr val="accent1"/>
-          </a:effectRef>
-          <a:fontRef idx="minor">
-            <a:schemeClr val="lt1"/>
-          </a:fontRef>
-        </p:style>
-        <p:txBody>
-          <a:bodyPr rtlCol="0" anchor="ctr"/>
-          <a:lstStyle/>
-          <a:p>
-            <a:pPr algn="ctr"/>
-            <a:r>
-              <a:rPr lang="en-US" altLang="zh-CN" sz="1600" dirty="0" smtClean="0">
-                <a:solidFill>
-                  <a:schemeClr val="tx1"/>
-                </a:solidFill>
-              </a:rPr>
-              <a:t>or</a:t>
-            </a:r>
-            <a:endParaRPr lang="zh-CN" altLang="en-US" sz="1600" dirty="0">
-              <a:solidFill>
-                <a:schemeClr val="tx1"/>
-              </a:solidFill>
-            </a:endParaRPr>
-          </a:p>
-        </p:txBody>
-      </p:sp>
-      <p:cxnSp>
-        <p:nvCxnSpPr>
-          <p:cNvPr id="379" name="直接箭头连接符 378"/>
-          <p:cNvCxnSpPr>
-            <a:stCxn id="365" idx="1"/>
-            <a:endCxn id="224" idx="3"/>
-          </p:cNvCxnSpPr>
-          <p:nvPr/>
-        </p:nvCxnSpPr>
-        <p:spPr>
-          <a:xfrm flipH="1" flipV="1">
-            <a:off x="4798803" y="3565177"/>
-            <a:ext cx="1091336" cy="28509"/>
+            <a:off x="4968524" y="898892"/>
+            <a:ext cx="3195132" cy="587062"/>
           </a:xfrm>
           <a:prstGeom prst="straightConnector1">
             <a:avLst/>
@@ -8613,7 +8202,7 @@
         </p:nvCxnSpPr>
         <p:spPr>
           <a:xfrm flipH="1">
-            <a:off x="8479512" y="3996582"/>
+            <a:off x="7580362" y="3991720"/>
             <a:ext cx="583294" cy="639586"/>
           </a:xfrm>
           <a:prstGeom prst="straightConnector1">
@@ -8681,7 +8270,7 @@
         </p:nvSpPr>
         <p:spPr>
           <a:xfrm>
-            <a:off x="5482266" y="5034308"/>
+            <a:off x="5377560" y="760513"/>
             <a:ext cx="270382" cy="369332"/>
           </a:xfrm>
           <a:prstGeom prst="rect">
@@ -8710,14 +8299,14 @@
       </p:sp>
       <p:sp>
         <p:nvSpPr>
-          <p:cNvPr id="433" name="文本框 432"/>
+          <p:cNvPr id="435" name="文本框 434"/>
           <p:cNvSpPr txBox="1"/>
           <p:nvPr/>
         </p:nvSpPr>
         <p:spPr>
           <a:xfrm>
-            <a:off x="5074060" y="3600639"/>
-            <a:ext cx="272094" cy="369332"/>
+            <a:off x="5254664" y="2773862"/>
+            <a:ext cx="289118" cy="369332"/>
           </a:xfrm>
           <a:prstGeom prst="rect">
             <a:avLst/>
@@ -8725,7 +8314,7 @@
           <a:noFill/>
           <a:ln>
             <a:solidFill>
-              <a:srgbClr val="FF0000"/>
+              <a:srgbClr val="92D050"/>
             </a:solidFill>
           </a:ln>
         </p:spPr>
@@ -8745,83 +8334,13 @@
       </p:sp>
       <p:sp>
         <p:nvSpPr>
-          <p:cNvPr id="434" name="文本框 433"/>
-          <p:cNvSpPr txBox="1"/>
-          <p:nvPr/>
-        </p:nvSpPr>
-        <p:spPr>
-          <a:xfrm>
-            <a:off x="5431307" y="979100"/>
-            <a:ext cx="289118" cy="369332"/>
-          </a:xfrm>
-          <a:prstGeom prst="rect">
-            <a:avLst/>
-          </a:prstGeom>
-          <a:noFill/>
-          <a:ln>
-            <a:solidFill>
-              <a:srgbClr val="92D050"/>
-            </a:solidFill>
-          </a:ln>
-        </p:spPr>
-        <p:txBody>
-          <a:bodyPr wrap="square" rtlCol="0">
-            <a:spAutoFit/>
-          </a:bodyPr>
-          <a:lstStyle/>
-          <a:p>
-            <a:r>
-              <a:rPr lang="en-US" altLang="zh-CN" dirty="0" smtClean="0"/>
-              <a:t>4</a:t>
-            </a:r>
-            <a:endParaRPr lang="zh-CN" altLang="en-US" dirty="0"/>
-          </a:p>
-        </p:txBody>
-      </p:sp>
-      <p:sp>
-        <p:nvSpPr>
-          <p:cNvPr id="435" name="文本框 434"/>
-          <p:cNvSpPr txBox="1"/>
-          <p:nvPr/>
-        </p:nvSpPr>
-        <p:spPr>
-          <a:xfrm>
-            <a:off x="5459717" y="4361203"/>
-            <a:ext cx="289118" cy="369332"/>
-          </a:xfrm>
-          <a:prstGeom prst="rect">
-            <a:avLst/>
-          </a:prstGeom>
-          <a:noFill/>
-          <a:ln>
-            <a:solidFill>
-              <a:srgbClr val="92D050"/>
-            </a:solidFill>
-          </a:ln>
-        </p:spPr>
-        <p:txBody>
-          <a:bodyPr wrap="square" rtlCol="0">
-            <a:spAutoFit/>
-          </a:bodyPr>
-          <a:lstStyle/>
-          <a:p>
-            <a:r>
-              <a:rPr lang="en-US" altLang="zh-CN" dirty="0"/>
-              <a:t>2</a:t>
-            </a:r>
-            <a:endParaRPr lang="zh-CN" altLang="en-US" dirty="0"/>
-          </a:p>
-        </p:txBody>
-      </p:sp>
-      <p:sp>
-        <p:nvSpPr>
           <p:cNvPr id="89" name="矩形 88"/>
           <p:cNvSpPr/>
           <p:nvPr/>
         </p:nvSpPr>
         <p:spPr>
           <a:xfrm>
-            <a:off x="6932325" y="1486914"/>
+            <a:off x="6033175" y="1482052"/>
             <a:ext cx="649264" cy="695179"/>
           </a:xfrm>
           <a:prstGeom prst="rect">
@@ -8856,7 +8375,7 @@
           <a:p>
             <a:pPr algn="ctr"/>
             <a:r>
-              <a:rPr lang="en-US" altLang="zh-CN" sz="1200" dirty="0" smtClean="0">
+              <a:rPr lang="en-US" altLang="zh-CN" sz="1200" dirty="0">
                 <a:solidFill>
                   <a:schemeClr val="tx1"/>
                 </a:solidFill>
@@ -8882,7 +8401,7 @@
         </p:nvCxnSpPr>
         <p:spPr>
           <a:xfrm>
-            <a:off x="7581589" y="1834504"/>
+            <a:off x="6682439" y="1829642"/>
             <a:ext cx="256736" cy="4786"/>
           </a:xfrm>
           <a:prstGeom prst="straightConnector1">
@@ -8907,77 +8426,6 @@
           </a:fontRef>
         </p:style>
       </p:cxnSp>
-      <p:cxnSp>
-        <p:nvCxnSpPr>
-          <p:cNvPr id="25" name="直接箭头连接符 24"/>
-          <p:cNvCxnSpPr>
-            <a:stCxn id="20" idx="3"/>
-            <a:endCxn id="66" idx="1"/>
-          </p:cNvCxnSpPr>
-          <p:nvPr/>
-        </p:nvCxnSpPr>
-        <p:spPr>
-          <a:xfrm flipV="1">
-            <a:off x="4886888" y="2734030"/>
-            <a:ext cx="2951437" cy="5497"/>
-          </a:xfrm>
-          <a:prstGeom prst="straightConnector1">
-            <a:avLst/>
-          </a:prstGeom>
-          <a:ln>
-            <a:tailEnd type="triangle"/>
-          </a:ln>
-        </p:spPr>
-        <p:style>
-          <a:lnRef idx="1">
-            <a:schemeClr val="accent1"/>
-          </a:lnRef>
-          <a:fillRef idx="0">
-            <a:schemeClr val="accent1"/>
-          </a:fillRef>
-          <a:effectRef idx="0">
-            <a:schemeClr val="accent1"/>
-          </a:effectRef>
-          <a:fontRef idx="minor">
-            <a:schemeClr val="tx1"/>
-          </a:fontRef>
-        </p:style>
-      </p:cxnSp>
-      <p:sp>
-        <p:nvSpPr>
-          <p:cNvPr id="104" name="文本框 103"/>
-          <p:cNvSpPr txBox="1"/>
-          <p:nvPr/>
-        </p:nvSpPr>
-        <p:spPr>
-          <a:xfrm>
-            <a:off x="5403743" y="2349963"/>
-            <a:ext cx="289118" cy="369332"/>
-          </a:xfrm>
-          <a:prstGeom prst="rect">
-            <a:avLst/>
-          </a:prstGeom>
-          <a:noFill/>
-          <a:ln>
-            <a:solidFill>
-              <a:srgbClr val="92D050"/>
-            </a:solidFill>
-          </a:ln>
-        </p:spPr>
-        <p:txBody>
-          <a:bodyPr wrap="square" rtlCol="0">
-            <a:spAutoFit/>
-          </a:bodyPr>
-          <a:lstStyle/>
-          <a:p>
-            <a:r>
-              <a:rPr lang="en-US" altLang="zh-CN" dirty="0" smtClean="0"/>
-              <a:t>3</a:t>
-            </a:r>
-            <a:endParaRPr lang="zh-CN" altLang="en-US" dirty="0"/>
-          </a:p>
-        </p:txBody>
-      </p:sp>
       <p:cxnSp>
         <p:nvCxnSpPr>
           <p:cNvPr id="62" name="肘形连接符 61"/>
@@ -9020,124 +8468,25 @@
           </a:fontRef>
         </p:style>
       </p:cxnSp>
-      <p:sp>
-        <p:nvSpPr>
-          <p:cNvPr id="151" name="矩形 150"/>
-          <p:cNvSpPr/>
-          <p:nvPr/>
-        </p:nvSpPr>
-        <p:spPr>
-          <a:xfrm>
-            <a:off x="5922546" y="1959404"/>
-            <a:ext cx="649264" cy="695179"/>
-          </a:xfrm>
-          <a:prstGeom prst="rect">
-            <a:avLst/>
-          </a:prstGeom>
-          <a:noFill/>
-          <a:ln>
-            <a:solidFill>
-              <a:schemeClr val="tx1"/>
-            </a:solidFill>
-          </a:ln>
-        </p:spPr>
-        <p:style>
-          <a:lnRef idx="2">
-            <a:schemeClr val="accent1">
-              <a:shade val="50000"/>
-            </a:schemeClr>
-          </a:lnRef>
-          <a:fillRef idx="1">
-            <a:schemeClr val="accent1"/>
-          </a:fillRef>
-          <a:effectRef idx="0">
-            <a:schemeClr val="accent1"/>
-          </a:effectRef>
-          <a:fontRef idx="minor">
-            <a:schemeClr val="lt1"/>
-          </a:fontRef>
-        </p:style>
-        <p:txBody>
-          <a:bodyPr rtlCol="0" anchor="ctr"/>
-          <a:lstStyle/>
-          <a:p>
-            <a:pPr algn="ctr"/>
-            <a:r>
-              <a:rPr lang="en-US" altLang="zh-CN" sz="1200" dirty="0" smtClean="0">
-                <a:solidFill>
-                  <a:schemeClr val="tx1"/>
-                </a:solidFill>
-              </a:rPr>
-              <a:t>&lt;-1100</a:t>
-            </a:r>
-          </a:p>
-          <a:p>
-            <a:pPr algn="ctr"/>
-            <a:r>
-              <a:rPr lang="en-US" altLang="zh-CN" sz="1200" dirty="0" smtClean="0">
-                <a:solidFill>
-                  <a:schemeClr val="tx1"/>
-                </a:solidFill>
-              </a:rPr>
-              <a:t>1:0</a:t>
-            </a:r>
-            <a:endParaRPr lang="zh-CN" altLang="en-US" sz="1200" dirty="0">
-              <a:solidFill>
-                <a:schemeClr val="tx1"/>
-              </a:solidFill>
-            </a:endParaRPr>
-          </a:p>
-        </p:txBody>
-      </p:sp>
       <p:cxnSp>
         <p:nvCxnSpPr>
-          <p:cNvPr id="112" name="直接箭头连接符 111"/>
+          <p:cNvPr id="4" name="直接箭头连接符 3">
+            <a:extLst>
+              <a:ext uri="{FF2B5EF4-FFF2-40B4-BE49-F238E27FC236}">
+                <a16:creationId xmlns:a16="http://schemas.microsoft.com/office/drawing/2014/main" id="{198067F4-991D-4349-90F1-46053F79B240}"/>
+              </a:ext>
+            </a:extLst>
+          </p:cNvPr>
           <p:cNvCxnSpPr>
-            <a:stCxn id="66" idx="1"/>
-            <a:endCxn id="151" idx="3"/>
+            <a:stCxn id="20" idx="3"/>
+            <a:endCxn id="66" idx="1"/>
           </p:cNvCxnSpPr>
           <p:nvPr/>
         </p:nvCxnSpPr>
         <p:spPr>
-          <a:xfrm flipH="1" flipV="1">
-            <a:off x="6571810" y="2306994"/>
-            <a:ext cx="1266515" cy="427036"/>
-          </a:xfrm>
-          <a:prstGeom prst="straightConnector1">
-            <a:avLst/>
-          </a:prstGeom>
-          <a:ln>
-            <a:tailEnd type="triangle"/>
-          </a:ln>
-        </p:spPr>
-        <p:style>
-          <a:lnRef idx="1">
-            <a:schemeClr val="accent1"/>
-          </a:lnRef>
-          <a:fillRef idx="0">
-            <a:schemeClr val="accent1"/>
-          </a:fillRef>
-          <a:effectRef idx="0">
-            <a:schemeClr val="accent1"/>
-          </a:effectRef>
-          <a:fontRef idx="minor">
-            <a:schemeClr val="tx1"/>
-          </a:fontRef>
-        </p:style>
-      </p:cxnSp>
-      <p:cxnSp>
-        <p:nvCxnSpPr>
-          <p:cNvPr id="114" name="直接箭头连接符 113"/>
-          <p:cNvCxnSpPr>
-            <a:stCxn id="151" idx="2"/>
-            <a:endCxn id="365" idx="0"/>
-          </p:cNvCxnSpPr>
-          <p:nvPr/>
-        </p:nvCxnSpPr>
-        <p:spPr>
-          <a:xfrm>
-            <a:off x="6247178" y="2654583"/>
-            <a:ext cx="1546" cy="610235"/>
+          <a:xfrm flipV="1">
+            <a:off x="4886888" y="2729168"/>
+            <a:ext cx="2052287" cy="10359"/>
           </a:xfrm>
           <a:prstGeom prst="straightConnector1">
             <a:avLst/>
@@ -15095,7 +14444,7 @@
           <a:p>
             <a:pPr algn="ctr"/>
             <a:r>
-              <a:rPr lang="en-US" altLang="zh-CN" sz="1600" dirty="0" smtClean="0">
+              <a:rPr lang="en-US" altLang="zh-CN" sz="1600" dirty="0">
                 <a:solidFill>
                   <a:schemeClr val="tx1"/>
                 </a:solidFill>
@@ -19670,20 +19019,12 @@
           <a:p>
             <a:pPr algn="ctr"/>
             <a:r>
-              <a:rPr lang="en-US" altLang="zh-CN" sz="1600" dirty="0" smtClean="0">
-                <a:solidFill>
-                  <a:schemeClr val="tx1"/>
-                </a:solidFill>
-              </a:rPr>
-              <a:t>(1,null</a:t>
-            </a:r>
-            <a:r>
               <a:rPr lang="en-US" altLang="zh-CN" sz="1600" dirty="0">
                 <a:solidFill>
                   <a:schemeClr val="tx1"/>
                 </a:solidFill>
               </a:rPr>
-              <a:t>)</a:t>
+              <a:t>(1,null)</a:t>
             </a:r>
             <a:endParaRPr lang="zh-CN" altLang="en-US" sz="1600" dirty="0">
               <a:solidFill>
@@ -20823,7 +20164,7 @@
           <a:lstStyle/>
           <a:p>
             <a:r>
-              <a:rPr lang="en-US" altLang="zh-CN" dirty="0" smtClean="0"/>
+              <a:rPr lang="en-US" altLang="zh-CN" dirty="0"/>
               <a:t>7</a:t>
             </a:r>
             <a:endParaRPr lang="zh-CN" altLang="en-US" dirty="0"/>
@@ -21278,7 +20619,7 @@
           <a:p>
             <a:pPr algn="ctr"/>
             <a:r>
-              <a:rPr lang="en-US" altLang="zh-CN" dirty="0" smtClean="0">
+              <a:rPr lang="en-US" altLang="zh-CN" dirty="0">
                 <a:solidFill>
                   <a:schemeClr val="tx1"/>
                 </a:solidFill>
@@ -21289,20 +20630,12 @@
           <a:p>
             <a:pPr algn="ctr"/>
             <a:r>
-              <a:rPr lang="en-US" altLang="zh-CN" dirty="0" smtClean="0">
-                <a:solidFill>
-                  <a:schemeClr val="tx1"/>
-                </a:solidFill>
-              </a:rPr>
-              <a:t>(DOWN</a:t>
-            </a:r>
-            <a:r>
               <a:rPr lang="en-US" altLang="zh-CN" dirty="0">
                 <a:solidFill>
                   <a:schemeClr val="tx1"/>
                 </a:solidFill>
               </a:rPr>
-              <a:t>)</a:t>
+              <a:t>(DOWN)</a:t>
             </a:r>
             <a:endParaRPr lang="zh-CN" altLang="en-US" dirty="0">
               <a:solidFill>
@@ -21340,7 +20673,7 @@
           <a:lstStyle/>
           <a:p>
             <a:r>
-              <a:rPr lang="en-US" altLang="zh-CN" dirty="0" smtClean="0"/>
+              <a:rPr lang="en-US" altLang="zh-CN" dirty="0"/>
               <a:t>6</a:t>
             </a:r>
             <a:endParaRPr lang="zh-CN" altLang="en-US" dirty="0"/>
@@ -21614,20 +20947,12 @@
           <a:p>
             <a:pPr algn="ctr"/>
             <a:r>
-              <a:rPr lang="en-US" altLang="zh-CN" sz="1600" dirty="0" smtClean="0">
-                <a:solidFill>
-                  <a:schemeClr val="tx1"/>
-                </a:solidFill>
-              </a:rPr>
-              <a:t>(1,null</a:t>
-            </a:r>
-            <a:r>
               <a:rPr lang="en-US" altLang="zh-CN" sz="1600" dirty="0">
                 <a:solidFill>
                   <a:schemeClr val="tx1"/>
                 </a:solidFill>
               </a:rPr>
-              <a:t>)</a:t>
+              <a:t>(1,null)</a:t>
             </a:r>
             <a:endParaRPr lang="zh-CN" altLang="en-US" sz="1600" dirty="0">
               <a:solidFill>
@@ -32960,18 +32285,13 @@
           <a:p>
             <a:pPr algn="ctr"/>
             <a:r>
-              <a:rPr lang="en-US" altLang="zh-CN" dirty="0" smtClean="0">
+              <a:rPr lang="en-US" altLang="zh-CN" dirty="0">
                 <a:solidFill>
                   <a:schemeClr val="tx1"/>
                 </a:solidFill>
               </a:rPr>
               <a:t>Xor</a:t>
             </a:r>
-            <a:endParaRPr lang="en-US" altLang="zh-CN" dirty="0">
-              <a:solidFill>
-                <a:schemeClr val="tx1"/>
-              </a:solidFill>
-            </a:endParaRPr>
           </a:p>
           <a:p>
             <a:pPr algn="ctr"/>
@@ -33119,7 +32439,7 @@
           <a:p>
             <a:pPr algn="ctr"/>
             <a:r>
-              <a:rPr lang="en-US" altLang="zh-CN" dirty="0" smtClean="0">
+              <a:rPr lang="en-US" altLang="zh-CN" dirty="0">
                 <a:solidFill>
                   <a:schemeClr val="tx1"/>
                 </a:solidFill>
@@ -33213,18 +32533,13 @@
           <a:p>
             <a:pPr algn="ctr"/>
             <a:r>
-              <a:rPr lang="en-US" altLang="zh-CN" dirty="0" smtClean="0">
+              <a:rPr lang="en-US" altLang="zh-CN" dirty="0">
                 <a:solidFill>
                   <a:schemeClr val="tx1"/>
                 </a:solidFill>
               </a:rPr>
               <a:t>Wifi1</a:t>
             </a:r>
-            <a:endParaRPr lang="en-US" altLang="zh-CN" dirty="0">
-              <a:solidFill>
-                <a:schemeClr val="tx1"/>
-              </a:solidFill>
-            </a:endParaRPr>
           </a:p>
         </p:txBody>
       </p:sp>
@@ -33271,7 +32586,7 @@
           <a:p>
             <a:pPr algn="ctr"/>
             <a:r>
-              <a:rPr lang="en-US" altLang="zh-CN" dirty="0" smtClean="0">
+              <a:rPr lang="en-US" altLang="zh-CN" dirty="0">
                 <a:solidFill>
                   <a:schemeClr val="tx1"/>
                 </a:solidFill>
@@ -33282,18 +32597,13 @@
           <a:p>
             <a:pPr algn="ctr"/>
             <a:r>
-              <a:rPr lang="en-US" altLang="zh-CN" dirty="0" smtClean="0">
+              <a:rPr lang="en-US" altLang="zh-CN" dirty="0">
                 <a:solidFill>
                   <a:schemeClr val="tx1"/>
                 </a:solidFill>
               </a:rPr>
               <a:t>“,”</a:t>
             </a:r>
-            <a:endParaRPr lang="en-US" altLang="zh-CN" dirty="0">
-              <a:solidFill>
-                <a:schemeClr val="tx1"/>
-              </a:solidFill>
-            </a:endParaRPr>
           </a:p>
         </p:txBody>
       </p:sp>
@@ -33441,7 +32751,7 @@
           <a:p>
             <a:pPr algn="ctr"/>
             <a:r>
-              <a:rPr lang="en-US" altLang="zh-CN" dirty="0" smtClean="0">
+              <a:rPr lang="en-US" altLang="zh-CN" dirty="0">
                 <a:solidFill>
                   <a:schemeClr val="tx1"/>
                 </a:solidFill>
@@ -34272,7 +33582,7 @@
           <a:lstStyle/>
           <a:p>
             <a:r>
-              <a:rPr lang="en-US" altLang="zh-CN" dirty="0" smtClean="0"/>
+              <a:rPr lang="en-US" altLang="zh-CN" dirty="0"/>
               <a:t>7</a:t>
             </a:r>
             <a:endParaRPr lang="zh-CN" altLang="en-US" dirty="0"/>
@@ -34315,7 +33625,7 @@
           <a:lstStyle/>
           <a:p>
             <a:r>
-              <a:rPr lang="en-US" altLang="zh-CN" dirty="0" smtClean="0"/>
+              <a:rPr lang="en-US" altLang="zh-CN" dirty="0"/>
               <a:t>8</a:t>
             </a:r>
             <a:endParaRPr lang="zh-CN" altLang="en-US" dirty="0"/>
@@ -34451,18 +33761,13 @@
           <a:p>
             <a:pPr algn="ctr"/>
             <a:r>
-              <a:rPr lang="en-US" altLang="zh-CN" dirty="0" smtClean="0">
+              <a:rPr lang="en-US" altLang="zh-CN" dirty="0">
                 <a:solidFill>
                   <a:schemeClr val="tx1"/>
                 </a:solidFill>
               </a:rPr>
               <a:t>Wifi2</a:t>
             </a:r>
-            <a:endParaRPr lang="en-US" altLang="zh-CN" dirty="0">
-              <a:solidFill>
-                <a:schemeClr val="tx1"/>
-              </a:solidFill>
-            </a:endParaRPr>
           </a:p>
         </p:txBody>
       </p:sp>
@@ -34509,18 +33814,13 @@
           <a:p>
             <a:pPr algn="ctr"/>
             <a:r>
-              <a:rPr lang="en-US" altLang="zh-CN" dirty="0" smtClean="0">
+              <a:rPr lang="en-US" altLang="zh-CN" dirty="0">
                 <a:solidFill>
                   <a:schemeClr val="tx1"/>
                 </a:solidFill>
               </a:rPr>
               <a:t>Wifi3</a:t>
             </a:r>
-            <a:endParaRPr lang="en-US" altLang="zh-CN" dirty="0">
-              <a:solidFill>
-                <a:schemeClr val="tx1"/>
-              </a:solidFill>
-            </a:endParaRPr>
           </a:p>
         </p:txBody>
       </p:sp>
@@ -34639,7 +33939,7 @@
           <a:p>
             <a:pPr algn="ctr"/>
             <a:r>
-              <a:rPr lang="en-US" altLang="zh-CN" dirty="0" smtClean="0">
+              <a:rPr lang="en-US" altLang="zh-CN" dirty="0">
                 <a:solidFill>
                   <a:schemeClr val="tx1"/>
                 </a:solidFill>
@@ -34840,7 +34140,7 @@
           <a:lstStyle/>
           <a:p>
             <a:r>
-              <a:rPr lang="en-US" altLang="zh-CN" dirty="0" smtClean="0"/>
+              <a:rPr lang="en-US" altLang="zh-CN" dirty="0"/>
               <a:t>2</a:t>
             </a:r>
             <a:endParaRPr lang="zh-CN" altLang="en-US" dirty="0"/>
@@ -34906,14 +34206,9 @@
           <a:lstStyle/>
           <a:p>
             <a:r>
-              <a:rPr lang="en-US" altLang="zh-CN" dirty="0" smtClean="0"/>
-              <a:t>Mark</a:t>
-            </a:r>
-            <a:r>
               <a:rPr lang="en-US" altLang="zh-CN" dirty="0"/>
-              <a:t>1</a:t>
-            </a:r>
-            <a:endParaRPr lang="en-US" altLang="zh-CN" dirty="0" smtClean="0"/>
+              <a:t>Mark1</a:t>
+            </a:r>
           </a:p>
         </p:txBody>
       </p:sp>
@@ -34960,18 +34255,13 @@
           <a:p>
             <a:pPr algn="ctr"/>
             <a:r>
-              <a:rPr lang="en-US" altLang="zh-CN" dirty="0" smtClean="0">
+              <a:rPr lang="en-US" altLang="zh-CN" dirty="0">
                 <a:solidFill>
                   <a:schemeClr val="tx1"/>
                 </a:solidFill>
               </a:rPr>
               <a:t>Wifi4</a:t>
             </a:r>
-            <a:endParaRPr lang="en-US" altLang="zh-CN" dirty="0">
-              <a:solidFill>
-                <a:schemeClr val="tx1"/>
-              </a:solidFill>
-            </a:endParaRPr>
           </a:p>
         </p:txBody>
       </p:sp>
@@ -35054,18 +34344,13 @@
           <a:p>
             <a:pPr algn="ctr"/>
             <a:r>
-              <a:rPr lang="en-US" altLang="zh-CN" dirty="0" smtClean="0">
+              <a:rPr lang="en-US" altLang="zh-CN" dirty="0">
                 <a:solidFill>
                   <a:schemeClr val="tx1"/>
                 </a:solidFill>
               </a:rPr>
               <a:t>Wifi6</a:t>
             </a:r>
-            <a:endParaRPr lang="en-US" altLang="zh-CN" dirty="0">
-              <a:solidFill>
-                <a:schemeClr val="tx1"/>
-              </a:solidFill>
-            </a:endParaRPr>
           </a:p>
         </p:txBody>
       </p:sp>
@@ -35141,8 +34426,8 @@
           <a:lstStyle/>
           <a:p>
             <a:r>
-              <a:rPr lang="en-US" altLang="zh-CN" dirty="0" smtClean="0"/>
-              <a:t>6</a:t>
+              <a:rPr lang="en-US" altLang="zh-CN" dirty="0"/>
+              <a:t>5</a:t>
             </a:r>
             <a:endParaRPr lang="zh-CN" altLang="en-US" dirty="0"/>
           </a:p>
@@ -35221,7 +34506,7 @@
           <a:p>
             <a:pPr algn="ctr"/>
             <a:r>
-              <a:rPr lang="en-US" altLang="zh-CN" dirty="0" smtClean="0">
+              <a:rPr lang="en-US" altLang="zh-CN" dirty="0">
                 <a:solidFill>
                   <a:schemeClr val="tx1"/>
                 </a:solidFill>
@@ -35279,7 +34564,7 @@
           <a:p>
             <a:pPr algn="ctr"/>
             <a:r>
-              <a:rPr lang="en-US" altLang="zh-CN" dirty="0" smtClean="0">
+              <a:rPr lang="en-US" altLang="zh-CN" dirty="0">
                 <a:solidFill>
                   <a:schemeClr val="tx1"/>
                 </a:solidFill>
@@ -35297,11 +34582,6 @@
               </a:rPr>
               <a:t>1</a:t>
             </a:r>
-            <a:endParaRPr lang="en-US" altLang="zh-CN" dirty="0">
-              <a:solidFill>
-                <a:schemeClr val="tx1"/>
-              </a:solidFill>
-            </a:endParaRPr>
           </a:p>
         </p:txBody>
       </p:sp>
@@ -35328,14 +34608,9 @@
           <a:lstStyle/>
           <a:p>
             <a:r>
-              <a:rPr lang="en-US" altLang="zh-CN" dirty="0" smtClean="0"/>
-              <a:t>Mark</a:t>
-            </a:r>
-            <a:r>
               <a:rPr lang="en-US" altLang="zh-CN" dirty="0"/>
-              <a:t>1</a:t>
-            </a:r>
-            <a:endParaRPr lang="en-US" altLang="zh-CN" dirty="0" smtClean="0"/>
+              <a:t>Mark1</a:t>
+            </a:r>
           </a:p>
         </p:txBody>
       </p:sp>
@@ -35382,7 +34657,7 @@
           <a:p>
             <a:pPr algn="ctr"/>
             <a:r>
-              <a:rPr lang="en-US" altLang="zh-CN" dirty="0" smtClean="0">
+              <a:rPr lang="en-US" altLang="zh-CN" dirty="0">
                 <a:solidFill>
                   <a:schemeClr val="tx1"/>
                 </a:solidFill>
@@ -35400,11 +34675,6 @@
               </a:rPr>
               <a:t>3</a:t>
             </a:r>
-            <a:endParaRPr lang="en-US" altLang="zh-CN" dirty="0">
-              <a:solidFill>
-                <a:schemeClr val="tx1"/>
-              </a:solidFill>
-            </a:endParaRPr>
           </a:p>
         </p:txBody>
       </p:sp>
@@ -35451,7 +34721,7 @@
           <a:p>
             <a:pPr algn="ctr"/>
             <a:r>
-              <a:rPr lang="en-US" altLang="zh-CN" dirty="0" smtClean="0">
+              <a:rPr lang="en-US" altLang="zh-CN" dirty="0">
                 <a:solidFill>
                   <a:schemeClr val="tx1"/>
                 </a:solidFill>
@@ -35469,11 +34739,6 @@
               </a:rPr>
               <a:t>2</a:t>
             </a:r>
-            <a:endParaRPr lang="en-US" altLang="zh-CN" dirty="0">
-              <a:solidFill>
-                <a:schemeClr val="tx1"/>
-              </a:solidFill>
-            </a:endParaRPr>
           </a:p>
         </p:txBody>
       </p:sp>
@@ -35520,7 +34785,7 @@
           <a:p>
             <a:pPr algn="ctr"/>
             <a:r>
-              <a:rPr lang="en-US" altLang="zh-CN" dirty="0" smtClean="0">
+              <a:rPr lang="en-US" altLang="zh-CN" dirty="0">
                 <a:solidFill>
                   <a:schemeClr val="tx1"/>
                 </a:solidFill>
@@ -35538,11 +34803,6 @@
               </a:rPr>
               <a:t>6</a:t>
             </a:r>
-            <a:endParaRPr lang="en-US" altLang="zh-CN" dirty="0">
-              <a:solidFill>
-                <a:schemeClr val="tx1"/>
-              </a:solidFill>
-            </a:endParaRPr>
           </a:p>
         </p:txBody>
       </p:sp>
@@ -35589,7 +34849,7 @@
           <a:p>
             <a:pPr algn="ctr"/>
             <a:r>
-              <a:rPr lang="en-US" altLang="zh-CN" dirty="0" smtClean="0">
+              <a:rPr lang="en-US" altLang="zh-CN" dirty="0">
                 <a:solidFill>
                   <a:schemeClr val="tx1"/>
                 </a:solidFill>
@@ -35817,7 +35077,7 @@
           <a:p>
             <a:pPr algn="ctr"/>
             <a:r>
-              <a:rPr lang="en-US" altLang="zh-CN" dirty="0" smtClean="0">
+              <a:rPr lang="en-US" altLang="zh-CN" dirty="0">
                 <a:solidFill>
                   <a:schemeClr val="tx1"/>
                 </a:solidFill>
@@ -35875,7 +35135,7 @@
           <a:p>
             <a:pPr algn="ctr"/>
             <a:r>
-              <a:rPr lang="en-US" altLang="zh-CN" dirty="0" smtClean="0">
+              <a:rPr lang="en-US" altLang="zh-CN" dirty="0">
                 <a:solidFill>
                   <a:schemeClr val="tx1"/>
                 </a:solidFill>
@@ -35944,20 +35204,12 @@
           <a:p>
             <a:pPr algn="ctr"/>
             <a:r>
-              <a:rPr lang="en-US" altLang="zh-CN" sz="1600" dirty="0" smtClean="0">
-                <a:solidFill>
-                  <a:schemeClr val="tx1"/>
-                </a:solidFill>
-              </a:rPr>
-              <a:t>(0,null</a:t>
-            </a:r>
-            <a:r>
               <a:rPr lang="en-US" altLang="zh-CN" sz="1600" dirty="0">
                 <a:solidFill>
                   <a:schemeClr val="tx1"/>
                 </a:solidFill>
               </a:rPr>
-              <a:t>)</a:t>
+              <a:t>(0,null)</a:t>
             </a:r>
             <a:endParaRPr lang="zh-CN" altLang="en-US" sz="1600" dirty="0">
               <a:solidFill>
@@ -36079,20 +35331,12 @@
           <a:p>
             <a:pPr algn="ctr"/>
             <a:r>
-              <a:rPr lang="en-US" altLang="zh-CN" sz="1600" dirty="0" smtClean="0">
-                <a:solidFill>
-                  <a:schemeClr val="tx1"/>
-                </a:solidFill>
-              </a:rPr>
-              <a:t>(1,null</a:t>
-            </a:r>
-            <a:r>
               <a:rPr lang="en-US" altLang="zh-CN" sz="1600" dirty="0">
                 <a:solidFill>
                   <a:schemeClr val="tx1"/>
                 </a:solidFill>
               </a:rPr>
-              <a:t>)</a:t>
+              <a:t>(1,null)</a:t>
             </a:r>
             <a:endParaRPr lang="zh-CN" altLang="en-US" sz="1600" dirty="0">
               <a:solidFill>
@@ -36156,20 +35400,12 @@
           <a:p>
             <a:pPr algn="ctr"/>
             <a:r>
-              <a:rPr lang="en-US" altLang="zh-CN" sz="1600" dirty="0" smtClean="0">
-                <a:solidFill>
-                  <a:schemeClr val="tx1"/>
-                </a:solidFill>
-              </a:rPr>
-              <a:t>(0,null</a:t>
-            </a:r>
-            <a:r>
               <a:rPr lang="en-US" altLang="zh-CN" sz="1600" dirty="0">
                 <a:solidFill>
                   <a:schemeClr val="tx1"/>
                 </a:solidFill>
               </a:rPr>
-              <a:t>)</a:t>
+              <a:t>(0,null)</a:t>
             </a:r>
             <a:endParaRPr lang="zh-CN" altLang="en-US" sz="1600" dirty="0">
               <a:solidFill>
@@ -36291,20 +35527,12 @@
           <a:p>
             <a:pPr algn="ctr"/>
             <a:r>
-              <a:rPr lang="en-US" altLang="zh-CN" sz="1600" dirty="0" smtClean="0">
-                <a:solidFill>
-                  <a:schemeClr val="tx1"/>
-                </a:solidFill>
-              </a:rPr>
-              <a:t>(1,null</a:t>
-            </a:r>
-            <a:r>
               <a:rPr lang="en-US" altLang="zh-CN" sz="1600" dirty="0">
                 <a:solidFill>
                   <a:schemeClr val="tx1"/>
                 </a:solidFill>
               </a:rPr>
-              <a:t>)</a:t>
+              <a:t>(1,null)</a:t>
             </a:r>
             <a:endParaRPr lang="zh-CN" altLang="en-US" sz="1600" dirty="0">
               <a:solidFill>
@@ -36869,7 +36097,7 @@
           <a:p>
             <a:pPr algn="ctr"/>
             <a:r>
-              <a:rPr lang="en-US" altLang="zh-CN" dirty="0" smtClean="0">
+              <a:rPr lang="en-US" altLang="zh-CN" dirty="0">
                 <a:solidFill>
                   <a:schemeClr val="tx1"/>
                 </a:solidFill>
@@ -36927,7 +36155,7 @@
           <a:p>
             <a:pPr algn="ctr"/>
             <a:r>
-              <a:rPr lang="en-US" altLang="zh-CN" dirty="0" smtClean="0">
+              <a:rPr lang="en-US" altLang="zh-CN" dirty="0">
                 <a:solidFill>
                   <a:schemeClr val="tx1"/>
                 </a:solidFill>
@@ -37073,15 +36301,7 @@
                   <a:schemeClr val="tx1"/>
                 </a:solidFill>
               </a:rPr>
-              <a:t>Set</a:t>
-            </a:r>
-            <a:r>
-              <a:rPr lang="en-US" altLang="zh-CN" sz="1200" dirty="0" smtClean="0">
-                <a:solidFill>
-                  <a:schemeClr val="tx1"/>
-                </a:solidFill>
-              </a:rPr>
-              <a:t>:-100</a:t>
+              <a:t>Set:-100</a:t>
             </a:r>
             <a:endParaRPr lang="zh-CN" altLang="en-US" sz="1200" dirty="0">
               <a:solidFill>
@@ -37150,15 +36370,7 @@
                   <a:schemeClr val="tx1"/>
                 </a:solidFill>
               </a:rPr>
-              <a:t>Set</a:t>
-            </a:r>
-            <a:r>
-              <a:rPr lang="en-US" altLang="zh-CN" sz="1200" dirty="0" smtClean="0">
-                <a:solidFill>
-                  <a:schemeClr val="tx1"/>
-                </a:solidFill>
-              </a:rPr>
-              <a:t>:-100</a:t>
+              <a:t>Set:-100</a:t>
             </a:r>
             <a:endParaRPr lang="zh-CN" altLang="en-US" sz="1200" dirty="0">
               <a:solidFill>
@@ -37283,18 +36495,13 @@
           <a:p>
             <a:pPr algn="ctr"/>
             <a:r>
-              <a:rPr lang="en-US" altLang="zh-CN" dirty="0" smtClean="0">
+              <a:rPr lang="en-US" altLang="zh-CN" dirty="0">
                 <a:solidFill>
                   <a:schemeClr val="tx1"/>
                 </a:solidFill>
               </a:rPr>
               <a:t>Or</a:t>
             </a:r>
-            <a:endParaRPr lang="en-US" altLang="zh-CN" dirty="0">
-              <a:solidFill>
-                <a:schemeClr val="tx1"/>
-              </a:solidFill>
-            </a:endParaRPr>
           </a:p>
         </p:txBody>
       </p:sp>
@@ -37515,12 +36722,8 @@
           <a:lstStyle/>
           <a:p>
             <a:r>
-              <a:rPr lang="en-US" altLang="zh-CN" dirty="0" smtClean="0"/>
-              <a:t>1</a:t>
-            </a:r>
-            <a:r>
-              <a:rPr lang="en-US" altLang="zh-CN" dirty="0" smtClean="0"/>
-              <a:t>/1</a:t>
+              <a:rPr lang="en-US" altLang="zh-CN" dirty="0"/>
+              <a:t>1/1</a:t>
             </a:r>
             <a:endParaRPr lang="zh-CN" altLang="en-US" dirty="0"/>
           </a:p>
@@ -37554,12 +36757,8 @@
           <a:lstStyle/>
           <a:p>
             <a:r>
-              <a:rPr lang="en-US" altLang="zh-CN" dirty="0" smtClean="0"/>
-              <a:t>2</a:t>
-            </a:r>
-            <a:r>
-              <a:rPr lang="en-US" altLang="zh-CN" dirty="0" smtClean="0"/>
-              <a:t>/2</a:t>
+              <a:rPr lang="en-US" altLang="zh-CN" dirty="0"/>
+              <a:t>2/2</a:t>
             </a:r>
             <a:endParaRPr lang="zh-CN" altLang="en-US" dirty="0"/>
           </a:p>
@@ -37593,7 +36792,7 @@
           <a:lstStyle/>
           <a:p>
             <a:r>
-              <a:rPr lang="en-US" altLang="zh-CN" dirty="0" smtClean="0"/>
+              <a:rPr lang="en-US" altLang="zh-CN" dirty="0"/>
               <a:t>3</a:t>
             </a:r>
             <a:endParaRPr lang="zh-CN" altLang="en-US" dirty="0"/>
@@ -37628,7 +36827,7 @@
           <a:lstStyle/>
           <a:p>
             <a:r>
-              <a:rPr lang="en-US" altLang="zh-CN" dirty="0" smtClean="0"/>
+              <a:rPr lang="en-US" altLang="zh-CN" dirty="0"/>
               <a:t>4</a:t>
             </a:r>
             <a:endParaRPr lang="zh-CN" altLang="en-US" dirty="0"/>
@@ -37672,7 +36871,7 @@
           <a:lstStyle/>
           <a:p>
             <a:r>
-              <a:rPr lang="en-US" altLang="zh-CN" dirty="0" smtClean="0"/>
+              <a:rPr lang="en-US" altLang="zh-CN" dirty="0"/>
               <a:t>3</a:t>
             </a:r>
             <a:endParaRPr lang="zh-CN" altLang="en-US" dirty="0"/>
@@ -37722,7 +36921,7 @@
           <a:p>
             <a:pPr algn="ctr"/>
             <a:r>
-              <a:rPr lang="en-US" altLang="zh-CN" dirty="0" smtClean="0">
+              <a:rPr lang="en-US" altLang="zh-CN" dirty="0">
                 <a:solidFill>
                   <a:schemeClr val="tx1"/>
                 </a:solidFill>
@@ -37733,18 +36932,13 @@
           <a:p>
             <a:pPr algn="ctr"/>
             <a:r>
-              <a:rPr lang="en-US" altLang="zh-CN" dirty="0" smtClean="0">
+              <a:rPr lang="en-US" altLang="zh-CN" dirty="0">
                 <a:solidFill>
                   <a:schemeClr val="tx1"/>
                 </a:solidFill>
               </a:rPr>
               <a:t>4</a:t>
             </a:r>
-            <a:endParaRPr lang="en-US" altLang="zh-CN" dirty="0">
-              <a:solidFill>
-                <a:schemeClr val="tx1"/>
-              </a:solidFill>
-            </a:endParaRPr>
           </a:p>
         </p:txBody>
       </p:sp>
@@ -37791,7 +36985,7 @@
           <a:p>
             <a:pPr algn="ctr"/>
             <a:r>
-              <a:rPr lang="en-US" altLang="zh-CN" dirty="0" smtClean="0">
+              <a:rPr lang="en-US" altLang="zh-CN" dirty="0">
                 <a:solidFill>
                   <a:schemeClr val="tx1"/>
                 </a:solidFill>
@@ -37870,7 +37064,7 @@
           <a:lstStyle/>
           <a:p>
             <a:r>
-              <a:rPr lang="en-US" altLang="zh-CN" dirty="0" smtClean="0"/>
+              <a:rPr lang="en-US" altLang="zh-CN" dirty="0"/>
               <a:t>5</a:t>
             </a:r>
             <a:endParaRPr lang="zh-CN" altLang="en-US" dirty="0"/>

--- a/BaroAngEditor/BaroAngEditor/mods/Lines.pptx
+++ b/BaroAngEditor/BaroAngEditor/mods/Lines.pptx
@@ -212,7 +212,7 @@
           <a:p>
             <a:fld id="{F0D6F240-792E-4744-907A-4AD372E8111A}" type="datetimeFigureOut">
               <a:rPr lang="zh-CN" altLang="en-US" smtClean="0"/>
-              <a:t>2024/8/5</a:t>
+              <a:t>2024/8/6</a:t>
             </a:fld>
             <a:endParaRPr lang="zh-CN" altLang="en-US"/>
           </a:p>
@@ -1364,7 +1364,7 @@
           <a:p>
             <a:fld id="{EC490B39-3A65-4F7E-9267-FA0838AB48F0}" type="datetimeFigureOut">
               <a:rPr lang="zh-CN" altLang="en-US" smtClean="0"/>
-              <a:t>2024/8/5</a:t>
+              <a:t>2024/8/6</a:t>
             </a:fld>
             <a:endParaRPr lang="zh-CN" altLang="en-US"/>
           </a:p>
@@ -1532,7 +1532,7 @@
           <a:p>
             <a:fld id="{EC490B39-3A65-4F7E-9267-FA0838AB48F0}" type="datetimeFigureOut">
               <a:rPr lang="zh-CN" altLang="en-US" smtClean="0"/>
-              <a:t>2024/8/5</a:t>
+              <a:t>2024/8/6</a:t>
             </a:fld>
             <a:endParaRPr lang="zh-CN" altLang="en-US"/>
           </a:p>
@@ -1710,7 +1710,7 @@
           <a:p>
             <a:fld id="{EC490B39-3A65-4F7E-9267-FA0838AB48F0}" type="datetimeFigureOut">
               <a:rPr lang="zh-CN" altLang="en-US" smtClean="0"/>
-              <a:t>2024/8/5</a:t>
+              <a:t>2024/8/6</a:t>
             </a:fld>
             <a:endParaRPr lang="zh-CN" altLang="en-US"/>
           </a:p>
@@ -1878,7 +1878,7 @@
           <a:p>
             <a:fld id="{EC490B39-3A65-4F7E-9267-FA0838AB48F0}" type="datetimeFigureOut">
               <a:rPr lang="zh-CN" altLang="en-US" smtClean="0"/>
-              <a:t>2024/8/5</a:t>
+              <a:t>2024/8/6</a:t>
             </a:fld>
             <a:endParaRPr lang="zh-CN" altLang="en-US"/>
           </a:p>
@@ -2123,7 +2123,7 @@
           <a:p>
             <a:fld id="{EC490B39-3A65-4F7E-9267-FA0838AB48F0}" type="datetimeFigureOut">
               <a:rPr lang="zh-CN" altLang="en-US" smtClean="0"/>
-              <a:t>2024/8/5</a:t>
+              <a:t>2024/8/6</a:t>
             </a:fld>
             <a:endParaRPr lang="zh-CN" altLang="en-US"/>
           </a:p>
@@ -2352,7 +2352,7 @@
           <a:p>
             <a:fld id="{EC490B39-3A65-4F7E-9267-FA0838AB48F0}" type="datetimeFigureOut">
               <a:rPr lang="zh-CN" altLang="en-US" smtClean="0"/>
-              <a:t>2024/8/5</a:t>
+              <a:t>2024/8/6</a:t>
             </a:fld>
             <a:endParaRPr lang="zh-CN" altLang="en-US"/>
           </a:p>
@@ -2716,7 +2716,7 @@
           <a:p>
             <a:fld id="{EC490B39-3A65-4F7E-9267-FA0838AB48F0}" type="datetimeFigureOut">
               <a:rPr lang="zh-CN" altLang="en-US" smtClean="0"/>
-              <a:t>2024/8/5</a:t>
+              <a:t>2024/8/6</a:t>
             </a:fld>
             <a:endParaRPr lang="zh-CN" altLang="en-US"/>
           </a:p>
@@ -2833,7 +2833,7 @@
           <a:p>
             <a:fld id="{EC490B39-3A65-4F7E-9267-FA0838AB48F0}" type="datetimeFigureOut">
               <a:rPr lang="zh-CN" altLang="en-US" smtClean="0"/>
-              <a:t>2024/8/5</a:t>
+              <a:t>2024/8/6</a:t>
             </a:fld>
             <a:endParaRPr lang="zh-CN" altLang="en-US"/>
           </a:p>
@@ -2928,7 +2928,7 @@
           <a:p>
             <a:fld id="{EC490B39-3A65-4F7E-9267-FA0838AB48F0}" type="datetimeFigureOut">
               <a:rPr lang="zh-CN" altLang="en-US" smtClean="0"/>
-              <a:t>2024/8/5</a:t>
+              <a:t>2024/8/6</a:t>
             </a:fld>
             <a:endParaRPr lang="zh-CN" altLang="en-US"/>
           </a:p>
@@ -3203,7 +3203,7 @@
           <a:p>
             <a:fld id="{EC490B39-3A65-4F7E-9267-FA0838AB48F0}" type="datetimeFigureOut">
               <a:rPr lang="zh-CN" altLang="en-US" smtClean="0"/>
-              <a:t>2024/8/5</a:t>
+              <a:t>2024/8/6</a:t>
             </a:fld>
             <a:endParaRPr lang="zh-CN" altLang="en-US"/>
           </a:p>
@@ -3455,7 +3455,7 @@
           <a:p>
             <a:fld id="{EC490B39-3A65-4F7E-9267-FA0838AB48F0}" type="datetimeFigureOut">
               <a:rPr lang="zh-CN" altLang="en-US" smtClean="0"/>
-              <a:t>2024/8/5</a:t>
+              <a:t>2024/8/6</a:t>
             </a:fld>
             <a:endParaRPr lang="zh-CN" altLang="en-US"/>
           </a:p>
@@ -3666,7 +3666,7 @@
           <a:p>
             <a:fld id="{EC490B39-3A65-4F7E-9267-FA0838AB48F0}" type="datetimeFigureOut">
               <a:rPr lang="zh-CN" altLang="en-US" smtClean="0"/>
-              <a:t>2024/8/5</a:t>
+              <a:t>2024/8/6</a:t>
             </a:fld>
             <a:endParaRPr lang="zh-CN" altLang="en-US"/>
           </a:p>
@@ -7092,14 +7092,14 @@
           <p:cNvPr id="233" name="直接箭头连接符 232"/>
           <p:cNvCxnSpPr>
             <a:stCxn id="201" idx="3"/>
-            <a:endCxn id="38" idx="2"/>
+            <a:endCxn id="38" idx="1"/>
           </p:cNvCxnSpPr>
           <p:nvPr/>
         </p:nvCxnSpPr>
         <p:spPr>
           <a:xfrm flipV="1">
-            <a:off x="3499536" y="2192011"/>
-            <a:ext cx="896730" cy="547516"/>
+            <a:off x="3499536" y="1947848"/>
+            <a:ext cx="410673" cy="791679"/>
           </a:xfrm>
           <a:prstGeom prst="straightConnector1">
             <a:avLst/>
@@ -7590,12 +7590,12 @@
           <a:p>
             <a:pPr algn="ctr"/>
             <a:r>
-              <a:rPr lang="en-US" altLang="zh-CN" dirty="0">
+              <a:rPr lang="en-US" altLang="zh-CN" dirty="0" smtClean="0">
                 <a:solidFill>
                   <a:schemeClr val="tx1"/>
                 </a:solidFill>
               </a:rPr>
-              <a:t>Rea-</a:t>
+              <a:t>R-</a:t>
             </a:r>
             <a:endParaRPr lang="zh-CN" altLang="en-US" dirty="0">
               <a:solidFill>
@@ -8235,7 +8235,7 @@
         </p:nvSpPr>
         <p:spPr>
           <a:xfrm>
-            <a:off x="5069709" y="5333656"/>
+            <a:off x="5243216" y="5342168"/>
             <a:ext cx="270383" cy="369332"/>
           </a:xfrm>
           <a:prstGeom prst="rect">
@@ -8270,7 +8270,7 @@
         </p:nvSpPr>
         <p:spPr>
           <a:xfrm>
-            <a:off x="5377560" y="760513"/>
+            <a:off x="5253656" y="1072416"/>
             <a:ext cx="270382" cy="369332"/>
           </a:xfrm>
           <a:prstGeom prst="rect">
@@ -8442,7 +8442,7 @@
           </a:xfrm>
           <a:prstGeom prst="bentConnector4">
             <a:avLst>
-              <a:gd name="adj1" fmla="val 27057"/>
+              <a:gd name="adj1" fmla="val 31966"/>
               <a:gd name="adj2" fmla="val 112247"/>
             </a:avLst>
           </a:prstGeom>
@@ -8473,7 +8473,7 @@
           <p:cNvPr id="4" name="直接箭头连接符 3">
             <a:extLst>
               <a:ext uri="{FF2B5EF4-FFF2-40B4-BE49-F238E27FC236}">
-                <a16:creationId xmlns:a16="http://schemas.microsoft.com/office/drawing/2014/main" id="{198067F4-991D-4349-90F1-46053F79B240}"/>
+                <a16:creationId xmlns:a16="http://schemas.microsoft.com/office/drawing/2014/main" xmlns="" id="{198067F4-991D-4349-90F1-46053F79B240}"/>
               </a:ext>
             </a:extLst>
           </p:cNvPr>
@@ -32439,12 +32439,12 @@
           <a:p>
             <a:pPr algn="ctr"/>
             <a:r>
-              <a:rPr lang="en-US" altLang="zh-CN" dirty="0">
+              <a:rPr lang="en-US" altLang="zh-CN" dirty="0" smtClean="0">
                 <a:solidFill>
                   <a:schemeClr val="tx1"/>
                 </a:solidFill>
               </a:rPr>
-              <a:t>100</a:t>
+              <a:t>200</a:t>
             </a:r>
             <a:endParaRPr lang="zh-CN" altLang="en-US" dirty="0">
               <a:solidFill>
@@ -34220,7 +34220,7 @@
         </p:nvSpPr>
         <p:spPr>
           <a:xfrm>
-            <a:off x="5392378" y="3900044"/>
+            <a:off x="3418418" y="3019827"/>
             <a:ext cx="733330" cy="695179"/>
           </a:xfrm>
           <a:prstGeom prst="rect">
@@ -34276,8 +34276,8 @@
         </p:nvCxnSpPr>
         <p:spPr>
           <a:xfrm flipV="1">
-            <a:off x="2636184" y="4247634"/>
-            <a:ext cx="2756194" cy="528269"/>
+            <a:off x="2636184" y="3367417"/>
+            <a:ext cx="782234" cy="1408486"/>
           </a:xfrm>
           <a:prstGeom prst="straightConnector1">
             <a:avLst/>
@@ -34433,6 +34433,100 @@
           </a:p>
         </p:txBody>
       </p:sp>
+      <p:sp>
+        <p:nvSpPr>
+          <p:cNvPr id="77" name="矩形 76"/>
+          <p:cNvSpPr/>
+          <p:nvPr/>
+        </p:nvSpPr>
+        <p:spPr>
+          <a:xfrm>
+            <a:off x="3393718" y="3864641"/>
+            <a:ext cx="733330" cy="695179"/>
+          </a:xfrm>
+          <a:prstGeom prst="rect">
+            <a:avLst/>
+          </a:prstGeom>
+          <a:noFill/>
+          <a:ln>
+            <a:solidFill>
+              <a:schemeClr val="tx1"/>
+            </a:solidFill>
+          </a:ln>
+        </p:spPr>
+        <p:style>
+          <a:lnRef idx="2">
+            <a:schemeClr val="accent1">
+              <a:shade val="50000"/>
+            </a:schemeClr>
+          </a:lnRef>
+          <a:fillRef idx="1">
+            <a:schemeClr val="accent1"/>
+          </a:fillRef>
+          <a:effectRef idx="0">
+            <a:schemeClr val="accent1"/>
+          </a:effectRef>
+          <a:fontRef idx="minor">
+            <a:schemeClr val="lt1"/>
+          </a:fontRef>
+        </p:style>
+        <p:txBody>
+          <a:bodyPr rtlCol="0" anchor="ctr"/>
+          <a:lstStyle/>
+          <a:p>
+            <a:pPr algn="ctr"/>
+            <a:r>
+              <a:rPr lang="en-US" altLang="zh-CN" dirty="0" smtClean="0">
+                <a:solidFill>
+                  <a:schemeClr val="tx1"/>
+                </a:solidFill>
+              </a:rPr>
+              <a:t>Wifi5</a:t>
+            </a:r>
+            <a:endParaRPr lang="en-US" altLang="zh-CN" dirty="0">
+              <a:solidFill>
+                <a:schemeClr val="tx1"/>
+              </a:solidFill>
+            </a:endParaRPr>
+          </a:p>
+        </p:txBody>
+      </p:sp>
+      <p:cxnSp>
+        <p:nvCxnSpPr>
+          <p:cNvPr id="11" name="直接箭头连接符 10"/>
+          <p:cNvCxnSpPr>
+            <a:stCxn id="134" idx="3"/>
+            <a:endCxn id="77" idx="1"/>
+          </p:cNvCxnSpPr>
+          <p:nvPr/>
+        </p:nvCxnSpPr>
+        <p:spPr>
+          <a:xfrm flipV="1">
+            <a:off x="2625950" y="4212231"/>
+            <a:ext cx="767768" cy="1202683"/>
+          </a:xfrm>
+          <a:prstGeom prst="straightConnector1">
+            <a:avLst/>
+          </a:prstGeom>
+          <a:ln>
+            <a:tailEnd type="triangle"/>
+          </a:ln>
+        </p:spPr>
+        <p:style>
+          <a:lnRef idx="1">
+            <a:schemeClr val="accent1"/>
+          </a:lnRef>
+          <a:fillRef idx="0">
+            <a:schemeClr val="accent1"/>
+          </a:fillRef>
+          <a:effectRef idx="0">
+            <a:schemeClr val="accent1"/>
+          </a:effectRef>
+          <a:fontRef idx="minor">
+            <a:schemeClr val="tx1"/>
+          </a:fontRef>
+        </p:style>
+      </p:cxnSp>
     </p:spTree>
     <p:extLst>
       <p:ext uri="{BB962C8B-B14F-4D97-AF65-F5344CB8AC3E}">
@@ -36365,12 +36459,12 @@
           <a:p>
             <a:pPr algn="ctr"/>
             <a:r>
-              <a:rPr lang="en-US" altLang="zh-CN" sz="1200" dirty="0">
+              <a:rPr lang="en-US" altLang="zh-CN" sz="1200" dirty="0" smtClean="0">
                 <a:solidFill>
                   <a:schemeClr val="tx1"/>
                 </a:solidFill>
               </a:rPr>
-              <a:t>Set:-100</a:t>
+              <a:t>Set:0</a:t>
             </a:r>
             <a:endParaRPr lang="zh-CN" altLang="en-US" sz="1200" dirty="0">
               <a:solidFill>
